--- a/Suppl/Pivotal Presentation - DTECTS.pptx
+++ b/Suppl/Pivotal Presentation - DTECTS.pptx
@@ -5,7 +5,7 @@
     <p:sldMasterId id="2147483648" r:id="rId1"/>
   </p:sldMasterIdLst>
   <p:notesMasterIdLst>
-    <p:notesMasterId r:id="rId12"/>
+    <p:notesMasterId r:id="rId13"/>
   </p:notesMasterIdLst>
   <p:sldIdLst>
     <p:sldId id="256" r:id="rId2"/>
@@ -18,6 +18,7 @@
     <p:sldId id="263" r:id="rId9"/>
     <p:sldId id="264" r:id="rId10"/>
     <p:sldId id="265" r:id="rId11"/>
+    <p:sldId id="266" r:id="rId12"/>
   </p:sldIdLst>
   <p:sldSz cx="12192000" cy="6858000"/>
   <p:notesSz cx="6858000" cy="9144000"/>
@@ -564,7 +565,22 @@
                 <a:ea typeface="+mn-ea"/>
                 <a:cs typeface="+mn-cs"/>
               </a:rPr>
-              <a:t>  1 Challenges &amp; Needs                (1)</a:t>
+              <a:t>  1 Challenges &amp; </a:t>
+            </a:r>
+            <a:r>
+              <a:rPr lang="en-US" dirty="0"/>
+              <a:t>Needs                (</a:t>
+            </a:r>
+            <a:r>
+              <a:rPr lang="en-US" sz="1200" b="0" i="0" u="none" strike="noStrike" kern="1200" baseline="0" dirty="0">
+                <a:solidFill>
+                  <a:schemeClr val="tx1"/>
+                </a:solidFill>
+                <a:latin typeface="+mn-lt"/>
+                <a:ea typeface="+mn-ea"/>
+                <a:cs typeface="+mn-cs"/>
+              </a:rPr>
+              <a:t>1)</a:t>
             </a:r>
           </a:p>
           <a:p>
@@ -642,7 +658,7 @@
                 <a:ea typeface="+mn-ea"/>
                 <a:cs typeface="+mn-cs"/>
               </a:rPr>
-              <a:t>  7 Outcomes                               (1)</a:t>
+              <a:t>  7 Outcomes                                 (1)</a:t>
             </a:r>
           </a:p>
           <a:p>
@@ -655,7 +671,7 @@
                 <a:ea typeface="+mn-ea"/>
                 <a:cs typeface="+mn-cs"/>
               </a:rPr>
-              <a:t>  8 Procedure (M)                        (1)</a:t>
+              <a:t>  8 Procedure (M)                          (1)</a:t>
             </a:r>
           </a:p>
           <a:p>
@@ -681,7 +697,7 @@
                 <a:ea typeface="+mn-ea"/>
                 <a:cs typeface="+mn-cs"/>
               </a:rPr>
-              <a:t>                                        Total  (13)</a:t>
+              <a:t>                                             Total  (13)</a:t>
             </a:r>
             <a:endParaRPr lang="en-US" dirty="0"/>
           </a:p>
@@ -714,6 +730,960 @@
     <p:extLst>
       <p:ext uri="{BB962C8B-B14F-4D97-AF65-F5344CB8AC3E}">
         <p14:creationId xmlns:p14="http://schemas.microsoft.com/office/powerpoint/2010/main" val="4276758708"/>
+      </p:ext>
+    </p:extLst>
+  </p:cSld>
+  <p:clrMapOvr>
+    <a:masterClrMapping/>
+  </p:clrMapOvr>
+</p:notes>
+</file>
+
+<file path=ppt/notesSlides/notesSlide10.xml><?xml version="1.0" encoding="utf-8"?>
+<p:notes xmlns:a="http://schemas.openxmlformats.org/drawingml/2006/main" xmlns:r="http://schemas.openxmlformats.org/officeDocument/2006/relationships" xmlns:p="http://schemas.openxmlformats.org/presentationml/2006/main">
+  <p:cSld>
+    <p:spTree>
+      <p:nvGrpSpPr>
+        <p:cNvPr id="1" name=""/>
+        <p:cNvGrpSpPr/>
+        <p:nvPr/>
+      </p:nvGrpSpPr>
+      <p:grpSpPr>
+        <a:xfrm>
+          <a:off x="0" y="0"/>
+          <a:ext cx="0" cy="0"/>
+          <a:chOff x="0" y="0"/>
+          <a:chExt cx="0" cy="0"/>
+        </a:xfrm>
+      </p:grpSpPr>
+      <p:sp>
+        <p:nvSpPr>
+          <p:cNvPr id="2" name="Slide Image Placeholder 1"/>
+          <p:cNvSpPr>
+            <a:spLocks noGrp="1" noRot="1" noChangeAspect="1"/>
+          </p:cNvSpPr>
+          <p:nvPr>
+            <p:ph type="sldImg"/>
+          </p:nvPr>
+        </p:nvSpPr>
+        <p:spPr/>
+      </p:sp>
+      <p:sp>
+        <p:nvSpPr>
+          <p:cNvPr id="3" name="Notes Placeholder 2"/>
+          <p:cNvSpPr>
+            <a:spLocks noGrp="1"/>
+          </p:cNvSpPr>
+          <p:nvPr>
+            <p:ph type="body" idx="1"/>
+          </p:nvPr>
+        </p:nvSpPr>
+        <p:spPr/>
+        <p:txBody>
+          <a:bodyPr/>
+          <a:lstStyle/>
+          <a:p>
+            <a:endParaRPr lang="en-US"/>
+          </a:p>
+        </p:txBody>
+      </p:sp>
+      <p:sp>
+        <p:nvSpPr>
+          <p:cNvPr id="4" name="Slide Number Placeholder 3"/>
+          <p:cNvSpPr>
+            <a:spLocks noGrp="1"/>
+          </p:cNvSpPr>
+          <p:nvPr>
+            <p:ph type="sldNum" sz="quarter" idx="10"/>
+          </p:nvPr>
+        </p:nvSpPr>
+        <p:spPr/>
+        <p:txBody>
+          <a:bodyPr/>
+          <a:lstStyle/>
+          <a:p>
+            <a:fld id="{4AC65D0B-F732-4E21-9A8D-1C6A15A6A84B}" type="slidenum">
+              <a:rPr lang="en-US" smtClean="0"/>
+              <a:t>10</a:t>
+            </a:fld>
+            <a:endParaRPr lang="en-US" dirty="0"/>
+          </a:p>
+        </p:txBody>
+      </p:sp>
+    </p:spTree>
+    <p:extLst>
+      <p:ext uri="{BB962C8B-B14F-4D97-AF65-F5344CB8AC3E}">
+        <p14:creationId xmlns:p14="http://schemas.microsoft.com/office/powerpoint/2010/main" val="3872874621"/>
+      </p:ext>
+    </p:extLst>
+  </p:cSld>
+  <p:clrMapOvr>
+    <a:masterClrMapping/>
+  </p:clrMapOvr>
+</p:notes>
+</file>
+
+<file path=ppt/notesSlides/notesSlide11.xml><?xml version="1.0" encoding="utf-8"?>
+<p:notes xmlns:a="http://schemas.openxmlformats.org/drawingml/2006/main" xmlns:r="http://schemas.openxmlformats.org/officeDocument/2006/relationships" xmlns:p="http://schemas.openxmlformats.org/presentationml/2006/main">
+  <p:cSld>
+    <p:spTree>
+      <p:nvGrpSpPr>
+        <p:cNvPr id="1" name=""/>
+        <p:cNvGrpSpPr/>
+        <p:nvPr/>
+      </p:nvGrpSpPr>
+      <p:grpSpPr>
+        <a:xfrm>
+          <a:off x="0" y="0"/>
+          <a:ext cx="0" cy="0"/>
+          <a:chOff x="0" y="0"/>
+          <a:chExt cx="0" cy="0"/>
+        </a:xfrm>
+      </p:grpSpPr>
+      <p:sp>
+        <p:nvSpPr>
+          <p:cNvPr id="2" name="Slide Image Placeholder 1"/>
+          <p:cNvSpPr>
+            <a:spLocks noGrp="1" noRot="1" noChangeAspect="1"/>
+          </p:cNvSpPr>
+          <p:nvPr>
+            <p:ph type="sldImg"/>
+          </p:nvPr>
+        </p:nvSpPr>
+        <p:spPr/>
+      </p:sp>
+      <p:sp>
+        <p:nvSpPr>
+          <p:cNvPr id="3" name="Notes Placeholder 2"/>
+          <p:cNvSpPr>
+            <a:spLocks noGrp="1"/>
+          </p:cNvSpPr>
+          <p:nvPr>
+            <p:ph type="body" idx="1"/>
+          </p:nvPr>
+        </p:nvSpPr>
+        <p:spPr/>
+        <p:txBody>
+          <a:bodyPr/>
+          <a:lstStyle/>
+          <a:p>
+            <a:r>
+              <a:rPr lang="en-US" dirty="0"/>
+              <a:t>*Integrate Tomm Notes</a:t>
+            </a:r>
+          </a:p>
+          <a:p>
+            <a:r>
+              <a:rPr lang="en-US" dirty="0"/>
+              <a:t>*Form</a:t>
+            </a:r>
+            <a:r>
+              <a:rPr lang="en-US" baseline="0" dirty="0"/>
+              <a:t> rules &amp; presentation target</a:t>
+            </a:r>
+            <a:endParaRPr lang="en-US" dirty="0"/>
+          </a:p>
+        </p:txBody>
+      </p:sp>
+      <p:sp>
+        <p:nvSpPr>
+          <p:cNvPr id="4" name="Slide Number Placeholder 3"/>
+          <p:cNvSpPr>
+            <a:spLocks noGrp="1"/>
+          </p:cNvSpPr>
+          <p:nvPr>
+            <p:ph type="sldNum" sz="quarter" idx="10"/>
+          </p:nvPr>
+        </p:nvSpPr>
+        <p:spPr/>
+        <p:txBody>
+          <a:bodyPr/>
+          <a:lstStyle/>
+          <a:p>
+            <a:fld id="{4AC65D0B-F732-4E21-9A8D-1C6A15A6A84B}" type="slidenum">
+              <a:rPr lang="en-US" smtClean="0"/>
+              <a:t>11</a:t>
+            </a:fld>
+            <a:endParaRPr lang="en-US" dirty="0"/>
+          </a:p>
+        </p:txBody>
+      </p:sp>
+    </p:spTree>
+    <p:extLst>
+      <p:ext uri="{BB962C8B-B14F-4D97-AF65-F5344CB8AC3E}">
+        <p14:creationId xmlns:p14="http://schemas.microsoft.com/office/powerpoint/2010/main" val="1742817908"/>
+      </p:ext>
+    </p:extLst>
+  </p:cSld>
+  <p:clrMapOvr>
+    <a:masterClrMapping/>
+  </p:clrMapOvr>
+</p:notes>
+</file>
+
+<file path=ppt/notesSlides/notesSlide2.xml><?xml version="1.0" encoding="utf-8"?>
+<p:notes xmlns:a="http://schemas.openxmlformats.org/drawingml/2006/main" xmlns:r="http://schemas.openxmlformats.org/officeDocument/2006/relationships" xmlns:p="http://schemas.openxmlformats.org/presentationml/2006/main">
+  <p:cSld>
+    <p:spTree>
+      <p:nvGrpSpPr>
+        <p:cNvPr id="1" name=""/>
+        <p:cNvGrpSpPr/>
+        <p:nvPr/>
+      </p:nvGrpSpPr>
+      <p:grpSpPr>
+        <a:xfrm>
+          <a:off x="0" y="0"/>
+          <a:ext cx="0" cy="0"/>
+          <a:chOff x="0" y="0"/>
+          <a:chExt cx="0" cy="0"/>
+        </a:xfrm>
+      </p:grpSpPr>
+      <p:sp>
+        <p:nvSpPr>
+          <p:cNvPr id="2" name="Slide Image Placeholder 1"/>
+          <p:cNvSpPr>
+            <a:spLocks noGrp="1" noRot="1" noChangeAspect="1"/>
+          </p:cNvSpPr>
+          <p:nvPr>
+            <p:ph type="sldImg"/>
+          </p:nvPr>
+        </p:nvSpPr>
+        <p:spPr/>
+      </p:sp>
+      <p:sp>
+        <p:nvSpPr>
+          <p:cNvPr id="3" name="Notes Placeholder 2"/>
+          <p:cNvSpPr>
+            <a:spLocks noGrp="1"/>
+          </p:cNvSpPr>
+          <p:nvPr>
+            <p:ph type="body" idx="1"/>
+          </p:nvPr>
+        </p:nvSpPr>
+        <p:spPr/>
+        <p:txBody>
+          <a:bodyPr/>
+          <a:lstStyle/>
+          <a:p>
+            <a:endParaRPr lang="en-US"/>
+          </a:p>
+        </p:txBody>
+      </p:sp>
+      <p:sp>
+        <p:nvSpPr>
+          <p:cNvPr id="4" name="Slide Number Placeholder 3"/>
+          <p:cNvSpPr>
+            <a:spLocks noGrp="1"/>
+          </p:cNvSpPr>
+          <p:nvPr>
+            <p:ph type="sldNum" sz="quarter" idx="10"/>
+          </p:nvPr>
+        </p:nvSpPr>
+        <p:spPr/>
+        <p:txBody>
+          <a:bodyPr/>
+          <a:lstStyle/>
+          <a:p>
+            <a:fld id="{4AC65D0B-F732-4E21-9A8D-1C6A15A6A84B}" type="slidenum">
+              <a:rPr lang="en-US" smtClean="0"/>
+              <a:t>2</a:t>
+            </a:fld>
+            <a:endParaRPr lang="en-US" dirty="0"/>
+          </a:p>
+        </p:txBody>
+      </p:sp>
+    </p:spTree>
+    <p:extLst>
+      <p:ext uri="{BB962C8B-B14F-4D97-AF65-F5344CB8AC3E}">
+        <p14:creationId xmlns:p14="http://schemas.microsoft.com/office/powerpoint/2010/main" val="3206697118"/>
+      </p:ext>
+    </p:extLst>
+  </p:cSld>
+  <p:clrMapOvr>
+    <a:masterClrMapping/>
+  </p:clrMapOvr>
+</p:notes>
+</file>
+
+<file path=ppt/notesSlides/notesSlide3.xml><?xml version="1.0" encoding="utf-8"?>
+<p:notes xmlns:a="http://schemas.openxmlformats.org/drawingml/2006/main" xmlns:r="http://schemas.openxmlformats.org/officeDocument/2006/relationships" xmlns:p="http://schemas.openxmlformats.org/presentationml/2006/main">
+  <p:cSld>
+    <p:spTree>
+      <p:nvGrpSpPr>
+        <p:cNvPr id="1" name=""/>
+        <p:cNvGrpSpPr/>
+        <p:nvPr/>
+      </p:nvGrpSpPr>
+      <p:grpSpPr>
+        <a:xfrm>
+          <a:off x="0" y="0"/>
+          <a:ext cx="0" cy="0"/>
+          <a:chOff x="0" y="0"/>
+          <a:chExt cx="0" cy="0"/>
+        </a:xfrm>
+      </p:grpSpPr>
+      <p:sp>
+        <p:nvSpPr>
+          <p:cNvPr id="2" name="Slide Image Placeholder 1"/>
+          <p:cNvSpPr>
+            <a:spLocks noGrp="1" noRot="1" noChangeAspect="1"/>
+          </p:cNvSpPr>
+          <p:nvPr>
+            <p:ph type="sldImg"/>
+          </p:nvPr>
+        </p:nvSpPr>
+        <p:spPr/>
+      </p:sp>
+      <p:sp>
+        <p:nvSpPr>
+          <p:cNvPr id="3" name="Notes Placeholder 2"/>
+          <p:cNvSpPr>
+            <a:spLocks noGrp="1"/>
+          </p:cNvSpPr>
+          <p:nvPr>
+            <p:ph type="body" idx="1"/>
+          </p:nvPr>
+        </p:nvSpPr>
+        <p:spPr/>
+        <p:txBody>
+          <a:bodyPr/>
+          <a:lstStyle/>
+          <a:p>
+            <a:endParaRPr lang="en-US"/>
+          </a:p>
+        </p:txBody>
+      </p:sp>
+      <p:sp>
+        <p:nvSpPr>
+          <p:cNvPr id="4" name="Slide Number Placeholder 3"/>
+          <p:cNvSpPr>
+            <a:spLocks noGrp="1"/>
+          </p:cNvSpPr>
+          <p:nvPr>
+            <p:ph type="sldNum" sz="quarter" idx="10"/>
+          </p:nvPr>
+        </p:nvSpPr>
+        <p:spPr/>
+        <p:txBody>
+          <a:bodyPr/>
+          <a:lstStyle/>
+          <a:p>
+            <a:fld id="{4AC65D0B-F732-4E21-9A8D-1C6A15A6A84B}" type="slidenum">
+              <a:rPr lang="en-US" smtClean="0"/>
+              <a:t>3</a:t>
+            </a:fld>
+            <a:endParaRPr lang="en-US" dirty="0"/>
+          </a:p>
+        </p:txBody>
+      </p:sp>
+    </p:spTree>
+    <p:extLst>
+      <p:ext uri="{BB962C8B-B14F-4D97-AF65-F5344CB8AC3E}">
+        <p14:creationId xmlns:p14="http://schemas.microsoft.com/office/powerpoint/2010/main" val="3333099726"/>
+      </p:ext>
+    </p:extLst>
+  </p:cSld>
+  <p:clrMapOvr>
+    <a:masterClrMapping/>
+  </p:clrMapOvr>
+</p:notes>
+</file>
+
+<file path=ppt/notesSlides/notesSlide4.xml><?xml version="1.0" encoding="utf-8"?>
+<p:notes xmlns:a="http://schemas.openxmlformats.org/drawingml/2006/main" xmlns:r="http://schemas.openxmlformats.org/officeDocument/2006/relationships" xmlns:p="http://schemas.openxmlformats.org/presentationml/2006/main">
+  <p:cSld>
+    <p:spTree>
+      <p:nvGrpSpPr>
+        <p:cNvPr id="1" name=""/>
+        <p:cNvGrpSpPr/>
+        <p:nvPr/>
+      </p:nvGrpSpPr>
+      <p:grpSpPr>
+        <a:xfrm>
+          <a:off x="0" y="0"/>
+          <a:ext cx="0" cy="0"/>
+          <a:chOff x="0" y="0"/>
+          <a:chExt cx="0" cy="0"/>
+        </a:xfrm>
+      </p:grpSpPr>
+      <p:sp>
+        <p:nvSpPr>
+          <p:cNvPr id="2" name="Slide Image Placeholder 1"/>
+          <p:cNvSpPr>
+            <a:spLocks noGrp="1" noRot="1" noChangeAspect="1"/>
+          </p:cNvSpPr>
+          <p:nvPr>
+            <p:ph type="sldImg"/>
+          </p:nvPr>
+        </p:nvSpPr>
+        <p:spPr/>
+      </p:sp>
+      <p:sp>
+        <p:nvSpPr>
+          <p:cNvPr id="3" name="Notes Placeholder 2"/>
+          <p:cNvSpPr>
+            <a:spLocks noGrp="1"/>
+          </p:cNvSpPr>
+          <p:nvPr>
+            <p:ph type="body" idx="1"/>
+          </p:nvPr>
+        </p:nvSpPr>
+        <p:spPr/>
+        <p:txBody>
+          <a:bodyPr/>
+          <a:lstStyle/>
+          <a:p>
+            <a:endParaRPr lang="en-US"/>
+          </a:p>
+        </p:txBody>
+      </p:sp>
+      <p:sp>
+        <p:nvSpPr>
+          <p:cNvPr id="4" name="Slide Number Placeholder 3"/>
+          <p:cNvSpPr>
+            <a:spLocks noGrp="1"/>
+          </p:cNvSpPr>
+          <p:nvPr>
+            <p:ph type="sldNum" sz="quarter" idx="10"/>
+          </p:nvPr>
+        </p:nvSpPr>
+        <p:spPr/>
+        <p:txBody>
+          <a:bodyPr/>
+          <a:lstStyle/>
+          <a:p>
+            <a:fld id="{4AC65D0B-F732-4E21-9A8D-1C6A15A6A84B}" type="slidenum">
+              <a:rPr lang="en-US" smtClean="0"/>
+              <a:t>4</a:t>
+            </a:fld>
+            <a:endParaRPr lang="en-US" dirty="0"/>
+          </a:p>
+        </p:txBody>
+      </p:sp>
+    </p:spTree>
+    <p:extLst>
+      <p:ext uri="{BB962C8B-B14F-4D97-AF65-F5344CB8AC3E}">
+        <p14:creationId xmlns:p14="http://schemas.microsoft.com/office/powerpoint/2010/main" val="204800194"/>
+      </p:ext>
+    </p:extLst>
+  </p:cSld>
+  <p:clrMapOvr>
+    <a:masterClrMapping/>
+  </p:clrMapOvr>
+</p:notes>
+</file>
+
+<file path=ppt/notesSlides/notesSlide5.xml><?xml version="1.0" encoding="utf-8"?>
+<p:notes xmlns:a="http://schemas.openxmlformats.org/drawingml/2006/main" xmlns:r="http://schemas.openxmlformats.org/officeDocument/2006/relationships" xmlns:p="http://schemas.openxmlformats.org/presentationml/2006/main">
+  <p:cSld>
+    <p:spTree>
+      <p:nvGrpSpPr>
+        <p:cNvPr id="1" name=""/>
+        <p:cNvGrpSpPr/>
+        <p:nvPr/>
+      </p:nvGrpSpPr>
+      <p:grpSpPr>
+        <a:xfrm>
+          <a:off x="0" y="0"/>
+          <a:ext cx="0" cy="0"/>
+          <a:chOff x="0" y="0"/>
+          <a:chExt cx="0" cy="0"/>
+        </a:xfrm>
+      </p:grpSpPr>
+      <p:sp>
+        <p:nvSpPr>
+          <p:cNvPr id="2" name="Slide Image Placeholder 1"/>
+          <p:cNvSpPr>
+            <a:spLocks noGrp="1" noRot="1" noChangeAspect="1"/>
+          </p:cNvSpPr>
+          <p:nvPr>
+            <p:ph type="sldImg"/>
+          </p:nvPr>
+        </p:nvSpPr>
+        <p:spPr/>
+      </p:sp>
+      <p:sp>
+        <p:nvSpPr>
+          <p:cNvPr id="3" name="Notes Placeholder 2"/>
+          <p:cNvSpPr>
+            <a:spLocks noGrp="1"/>
+          </p:cNvSpPr>
+          <p:nvPr>
+            <p:ph type="body" idx="1"/>
+          </p:nvPr>
+        </p:nvSpPr>
+        <p:spPr/>
+        <p:txBody>
+          <a:bodyPr/>
+          <a:lstStyle/>
+          <a:p>
+            <a:endParaRPr lang="en-US"/>
+          </a:p>
+        </p:txBody>
+      </p:sp>
+      <p:sp>
+        <p:nvSpPr>
+          <p:cNvPr id="4" name="Slide Number Placeholder 3"/>
+          <p:cNvSpPr>
+            <a:spLocks noGrp="1"/>
+          </p:cNvSpPr>
+          <p:nvPr>
+            <p:ph type="sldNum" sz="quarter" idx="10"/>
+          </p:nvPr>
+        </p:nvSpPr>
+        <p:spPr/>
+        <p:txBody>
+          <a:bodyPr/>
+          <a:lstStyle/>
+          <a:p>
+            <a:fld id="{4AC65D0B-F732-4E21-9A8D-1C6A15A6A84B}" type="slidenum">
+              <a:rPr lang="en-US" smtClean="0"/>
+              <a:t>5</a:t>
+            </a:fld>
+            <a:endParaRPr lang="en-US" dirty="0"/>
+          </a:p>
+        </p:txBody>
+      </p:sp>
+    </p:spTree>
+    <p:extLst>
+      <p:ext uri="{BB962C8B-B14F-4D97-AF65-F5344CB8AC3E}">
+        <p14:creationId xmlns:p14="http://schemas.microsoft.com/office/powerpoint/2010/main" val="3454095090"/>
+      </p:ext>
+    </p:extLst>
+  </p:cSld>
+  <p:clrMapOvr>
+    <a:masterClrMapping/>
+  </p:clrMapOvr>
+</p:notes>
+</file>
+
+<file path=ppt/notesSlides/notesSlide6.xml><?xml version="1.0" encoding="utf-8"?>
+<p:notes xmlns:a="http://schemas.openxmlformats.org/drawingml/2006/main" xmlns:r="http://schemas.openxmlformats.org/officeDocument/2006/relationships" xmlns:p="http://schemas.openxmlformats.org/presentationml/2006/main">
+  <p:cSld>
+    <p:spTree>
+      <p:nvGrpSpPr>
+        <p:cNvPr id="1" name=""/>
+        <p:cNvGrpSpPr/>
+        <p:nvPr/>
+      </p:nvGrpSpPr>
+      <p:grpSpPr>
+        <a:xfrm>
+          <a:off x="0" y="0"/>
+          <a:ext cx="0" cy="0"/>
+          <a:chOff x="0" y="0"/>
+          <a:chExt cx="0" cy="0"/>
+        </a:xfrm>
+      </p:grpSpPr>
+      <p:sp>
+        <p:nvSpPr>
+          <p:cNvPr id="2" name="Slide Image Placeholder 1"/>
+          <p:cNvSpPr>
+            <a:spLocks noGrp="1" noRot="1" noChangeAspect="1"/>
+          </p:cNvSpPr>
+          <p:nvPr>
+            <p:ph type="sldImg"/>
+          </p:nvPr>
+        </p:nvSpPr>
+        <p:spPr/>
+      </p:sp>
+      <p:sp>
+        <p:nvSpPr>
+          <p:cNvPr id="3" name="Notes Placeholder 2"/>
+          <p:cNvSpPr>
+            <a:spLocks noGrp="1"/>
+          </p:cNvSpPr>
+          <p:nvPr>
+            <p:ph type="body" idx="1"/>
+          </p:nvPr>
+        </p:nvSpPr>
+        <p:spPr/>
+        <p:txBody>
+          <a:bodyPr/>
+          <a:lstStyle/>
+          <a:p>
+            <a:endParaRPr lang="en-US"/>
+          </a:p>
+        </p:txBody>
+      </p:sp>
+      <p:sp>
+        <p:nvSpPr>
+          <p:cNvPr id="4" name="Slide Number Placeholder 3"/>
+          <p:cNvSpPr>
+            <a:spLocks noGrp="1"/>
+          </p:cNvSpPr>
+          <p:nvPr>
+            <p:ph type="sldNum" sz="quarter" idx="10"/>
+          </p:nvPr>
+        </p:nvSpPr>
+        <p:spPr/>
+        <p:txBody>
+          <a:bodyPr/>
+          <a:lstStyle/>
+          <a:p>
+            <a:fld id="{4AC65D0B-F732-4E21-9A8D-1C6A15A6A84B}" type="slidenum">
+              <a:rPr lang="en-US" smtClean="0"/>
+              <a:t>6</a:t>
+            </a:fld>
+            <a:endParaRPr lang="en-US" dirty="0"/>
+          </a:p>
+        </p:txBody>
+      </p:sp>
+    </p:spTree>
+    <p:extLst>
+      <p:ext uri="{BB962C8B-B14F-4D97-AF65-F5344CB8AC3E}">
+        <p14:creationId xmlns:p14="http://schemas.microsoft.com/office/powerpoint/2010/main" val="2781359423"/>
+      </p:ext>
+    </p:extLst>
+  </p:cSld>
+  <p:clrMapOvr>
+    <a:masterClrMapping/>
+  </p:clrMapOvr>
+</p:notes>
+</file>
+
+<file path=ppt/notesSlides/notesSlide7.xml><?xml version="1.0" encoding="utf-8"?>
+<p:notes xmlns:a="http://schemas.openxmlformats.org/drawingml/2006/main" xmlns:r="http://schemas.openxmlformats.org/officeDocument/2006/relationships" xmlns:p="http://schemas.openxmlformats.org/presentationml/2006/main">
+  <p:cSld>
+    <p:spTree>
+      <p:nvGrpSpPr>
+        <p:cNvPr id="1" name=""/>
+        <p:cNvGrpSpPr/>
+        <p:nvPr/>
+      </p:nvGrpSpPr>
+      <p:grpSpPr>
+        <a:xfrm>
+          <a:off x="0" y="0"/>
+          <a:ext cx="0" cy="0"/>
+          <a:chOff x="0" y="0"/>
+          <a:chExt cx="0" cy="0"/>
+        </a:xfrm>
+      </p:grpSpPr>
+      <p:sp>
+        <p:nvSpPr>
+          <p:cNvPr id="2" name="Slide Image Placeholder 1"/>
+          <p:cNvSpPr>
+            <a:spLocks noGrp="1" noRot="1" noChangeAspect="1"/>
+          </p:cNvSpPr>
+          <p:nvPr>
+            <p:ph type="sldImg"/>
+          </p:nvPr>
+        </p:nvSpPr>
+        <p:spPr/>
+      </p:sp>
+      <p:sp>
+        <p:nvSpPr>
+          <p:cNvPr id="3" name="Notes Placeholder 2"/>
+          <p:cNvSpPr>
+            <a:spLocks noGrp="1"/>
+          </p:cNvSpPr>
+          <p:nvPr>
+            <p:ph type="body" idx="1"/>
+          </p:nvPr>
+        </p:nvSpPr>
+        <p:spPr/>
+        <p:txBody>
+          <a:bodyPr/>
+          <a:lstStyle/>
+          <a:p>
+            <a:endParaRPr lang="en-US"/>
+          </a:p>
+        </p:txBody>
+      </p:sp>
+      <p:sp>
+        <p:nvSpPr>
+          <p:cNvPr id="4" name="Slide Number Placeholder 3"/>
+          <p:cNvSpPr>
+            <a:spLocks noGrp="1"/>
+          </p:cNvSpPr>
+          <p:nvPr>
+            <p:ph type="sldNum" sz="quarter" idx="10"/>
+          </p:nvPr>
+        </p:nvSpPr>
+        <p:spPr/>
+        <p:txBody>
+          <a:bodyPr/>
+          <a:lstStyle/>
+          <a:p>
+            <a:fld id="{4AC65D0B-F732-4E21-9A8D-1C6A15A6A84B}" type="slidenum">
+              <a:rPr lang="en-US" smtClean="0"/>
+              <a:t>7</a:t>
+            </a:fld>
+            <a:endParaRPr lang="en-US" dirty="0"/>
+          </a:p>
+        </p:txBody>
+      </p:sp>
+    </p:spTree>
+    <p:extLst>
+      <p:ext uri="{BB962C8B-B14F-4D97-AF65-F5344CB8AC3E}">
+        <p14:creationId xmlns:p14="http://schemas.microsoft.com/office/powerpoint/2010/main" val="2003587252"/>
+      </p:ext>
+    </p:extLst>
+  </p:cSld>
+  <p:clrMapOvr>
+    <a:masterClrMapping/>
+  </p:clrMapOvr>
+</p:notes>
+</file>
+
+<file path=ppt/notesSlides/notesSlide8.xml><?xml version="1.0" encoding="utf-8"?>
+<p:notes xmlns:a="http://schemas.openxmlformats.org/drawingml/2006/main" xmlns:r="http://schemas.openxmlformats.org/officeDocument/2006/relationships" xmlns:p="http://schemas.openxmlformats.org/presentationml/2006/main">
+  <p:cSld>
+    <p:spTree>
+      <p:nvGrpSpPr>
+        <p:cNvPr id="1" name=""/>
+        <p:cNvGrpSpPr/>
+        <p:nvPr/>
+      </p:nvGrpSpPr>
+      <p:grpSpPr>
+        <a:xfrm>
+          <a:off x="0" y="0"/>
+          <a:ext cx="0" cy="0"/>
+          <a:chOff x="0" y="0"/>
+          <a:chExt cx="0" cy="0"/>
+        </a:xfrm>
+      </p:grpSpPr>
+      <p:sp>
+        <p:nvSpPr>
+          <p:cNvPr id="2" name="Slide Image Placeholder 1"/>
+          <p:cNvSpPr>
+            <a:spLocks noGrp="1" noRot="1" noChangeAspect="1"/>
+          </p:cNvSpPr>
+          <p:nvPr>
+            <p:ph type="sldImg"/>
+          </p:nvPr>
+        </p:nvSpPr>
+        <p:spPr/>
+      </p:sp>
+      <p:sp>
+        <p:nvSpPr>
+          <p:cNvPr id="3" name="Notes Placeholder 2"/>
+          <p:cNvSpPr>
+            <a:spLocks noGrp="1"/>
+          </p:cNvSpPr>
+          <p:nvPr>
+            <p:ph type="body" idx="1"/>
+          </p:nvPr>
+        </p:nvSpPr>
+        <p:spPr/>
+        <p:txBody>
+          <a:bodyPr/>
+          <a:lstStyle/>
+          <a:p>
+            <a:endParaRPr lang="en-US"/>
+          </a:p>
+        </p:txBody>
+      </p:sp>
+      <p:sp>
+        <p:nvSpPr>
+          <p:cNvPr id="4" name="Slide Number Placeholder 3"/>
+          <p:cNvSpPr>
+            <a:spLocks noGrp="1"/>
+          </p:cNvSpPr>
+          <p:nvPr>
+            <p:ph type="sldNum" sz="quarter" idx="10"/>
+          </p:nvPr>
+        </p:nvSpPr>
+        <p:spPr/>
+        <p:txBody>
+          <a:bodyPr/>
+          <a:lstStyle/>
+          <a:p>
+            <a:fld id="{4AC65D0B-F732-4E21-9A8D-1C6A15A6A84B}" type="slidenum">
+              <a:rPr lang="en-US" smtClean="0"/>
+              <a:t>8</a:t>
+            </a:fld>
+            <a:endParaRPr lang="en-US" dirty="0"/>
+          </a:p>
+        </p:txBody>
+      </p:sp>
+    </p:spTree>
+    <p:extLst>
+      <p:ext uri="{BB962C8B-B14F-4D97-AF65-F5344CB8AC3E}">
+        <p14:creationId xmlns:p14="http://schemas.microsoft.com/office/powerpoint/2010/main" val="3412337435"/>
+      </p:ext>
+    </p:extLst>
+  </p:cSld>
+  <p:clrMapOvr>
+    <a:masterClrMapping/>
+  </p:clrMapOvr>
+</p:notes>
+</file>
+
+<file path=ppt/notesSlides/notesSlide9.xml><?xml version="1.0" encoding="utf-8"?>
+<p:notes xmlns:a="http://schemas.openxmlformats.org/drawingml/2006/main" xmlns:r="http://schemas.openxmlformats.org/officeDocument/2006/relationships" xmlns:p="http://schemas.openxmlformats.org/presentationml/2006/main">
+  <p:cSld>
+    <p:spTree>
+      <p:nvGrpSpPr>
+        <p:cNvPr id="1" name=""/>
+        <p:cNvGrpSpPr/>
+        <p:nvPr/>
+      </p:nvGrpSpPr>
+      <p:grpSpPr>
+        <a:xfrm>
+          <a:off x="0" y="0"/>
+          <a:ext cx="0" cy="0"/>
+          <a:chOff x="0" y="0"/>
+          <a:chExt cx="0" cy="0"/>
+        </a:xfrm>
+      </p:grpSpPr>
+      <p:sp>
+        <p:nvSpPr>
+          <p:cNvPr id="2" name="Slide Image Placeholder 1"/>
+          <p:cNvSpPr>
+            <a:spLocks noGrp="1" noRot="1" noChangeAspect="1"/>
+          </p:cNvSpPr>
+          <p:nvPr>
+            <p:ph type="sldImg"/>
+          </p:nvPr>
+        </p:nvSpPr>
+        <p:spPr/>
+      </p:sp>
+      <p:sp>
+        <p:nvSpPr>
+          <p:cNvPr id="3" name="Notes Placeholder 2"/>
+          <p:cNvSpPr>
+            <a:spLocks noGrp="1"/>
+          </p:cNvSpPr>
+          <p:nvPr>
+            <p:ph type="body" idx="1"/>
+          </p:nvPr>
+        </p:nvSpPr>
+        <p:spPr/>
+        <p:txBody>
+          <a:bodyPr/>
+          <a:lstStyle/>
+          <a:p>
+            <a:pPr marL="171450" indent="-171450">
+              <a:buFontTx/>
+              <a:buChar char="-"/>
+            </a:pPr>
+            <a:r>
+              <a:rPr lang="en-US" dirty="0"/>
+              <a:t>Frame, sketch w/vision</a:t>
+            </a:r>
+            <a:r>
+              <a:rPr lang="en-US" baseline="0" dirty="0"/>
+              <a:t> &amp; intent, draft</a:t>
+            </a:r>
+          </a:p>
+          <a:p>
+            <a:pPr marL="171450" indent="-171450">
+              <a:buFontTx/>
+              <a:buChar char="-"/>
+            </a:pPr>
+            <a:r>
+              <a:rPr lang="en-US" baseline="0" dirty="0"/>
+              <a:t>Source control &amp; procedure!</a:t>
+            </a:r>
+          </a:p>
+          <a:p>
+            <a:pPr marL="171450" indent="-171450">
+              <a:buFontTx/>
+              <a:buChar char="-"/>
+            </a:pPr>
+            <a:r>
+              <a:rPr lang="en-US" baseline="0" dirty="0"/>
+              <a:t>Help from experience (Tomm, Terry, Father)</a:t>
+            </a:r>
+          </a:p>
+          <a:p>
+            <a:pPr marL="171450" indent="-171450">
+              <a:buFontTx/>
+              <a:buChar char="-"/>
+            </a:pPr>
+            <a:r>
+              <a:rPr lang="en-US" dirty="0"/>
+              <a:t>Describe</a:t>
+            </a:r>
+            <a:r>
+              <a:rPr lang="en-US" baseline="0" dirty="0"/>
+              <a:t> procedure of PPT Generation</a:t>
+            </a:r>
+          </a:p>
+          <a:p>
+            <a:pPr marL="171450" indent="-171450">
+              <a:buFontTx/>
+              <a:buChar char="-"/>
+            </a:pPr>
+            <a:r>
+              <a:rPr lang="en-US" baseline="0" dirty="0"/>
+              <a:t>    selection &amp; outline</a:t>
+            </a:r>
+          </a:p>
+          <a:p>
+            <a:pPr marL="171450" indent="-171450">
+              <a:buFontTx/>
+              <a:buChar char="-"/>
+            </a:pPr>
+            <a:r>
+              <a:rPr lang="en-US" baseline="0" dirty="0"/>
+              <a:t>    customer meeting (Tomm)</a:t>
+            </a:r>
+          </a:p>
+          <a:p>
+            <a:pPr marL="171450" indent="-171450">
+              <a:buFontTx/>
+              <a:buChar char="-"/>
+            </a:pPr>
+            <a:r>
+              <a:rPr lang="en-US" baseline="0" dirty="0"/>
+              <a:t>    mentor advise (Tom, Father)</a:t>
+            </a:r>
+          </a:p>
+          <a:p>
+            <a:pPr marL="171450" indent="-171450">
+              <a:buFontTx/>
+              <a:buChar char="-"/>
+            </a:pPr>
+            <a:r>
+              <a:rPr lang="en-US" baseline="0" dirty="0"/>
+              <a:t>    outline</a:t>
+            </a:r>
+          </a:p>
+          <a:p>
+            <a:pPr marL="171450" indent="-171450">
+              <a:buFontTx/>
+              <a:buChar char="-"/>
+            </a:pPr>
+            <a:r>
+              <a:rPr lang="en-US" baseline="0" dirty="0"/>
+              <a:t>    </a:t>
+            </a:r>
+            <a:r>
+              <a:rPr lang="en-US" baseline="0"/>
+              <a:t>find template</a:t>
+            </a:r>
+            <a:endParaRPr lang="en-US" baseline="0" dirty="0"/>
+          </a:p>
+        </p:txBody>
+      </p:sp>
+      <p:sp>
+        <p:nvSpPr>
+          <p:cNvPr id="4" name="Slide Number Placeholder 3"/>
+          <p:cNvSpPr>
+            <a:spLocks noGrp="1"/>
+          </p:cNvSpPr>
+          <p:nvPr>
+            <p:ph type="sldNum" sz="quarter" idx="10"/>
+          </p:nvPr>
+        </p:nvSpPr>
+        <p:spPr/>
+        <p:txBody>
+          <a:bodyPr/>
+          <a:lstStyle/>
+          <a:p>
+            <a:fld id="{4AC65D0B-F732-4E21-9A8D-1C6A15A6A84B}" type="slidenum">
+              <a:rPr lang="en-US" smtClean="0"/>
+              <a:t>9</a:t>
+            </a:fld>
+            <a:endParaRPr lang="en-US" dirty="0"/>
+          </a:p>
+        </p:txBody>
+      </p:sp>
+    </p:spTree>
+    <p:extLst>
+      <p:ext uri="{BB962C8B-B14F-4D97-AF65-F5344CB8AC3E}">
+        <p14:creationId xmlns:p14="http://schemas.microsoft.com/office/powerpoint/2010/main" val="2892680826"/>
       </p:ext>
     </p:extLst>
   </p:cSld>
@@ -4100,6 +5070,89 @@
 </p:sld>
 </file>
 
+<file path=ppt/slides/slide11.xml><?xml version="1.0" encoding="utf-8"?>
+<p:sld xmlns:a="http://schemas.openxmlformats.org/drawingml/2006/main" xmlns:r="http://schemas.openxmlformats.org/officeDocument/2006/relationships" xmlns:p="http://schemas.openxmlformats.org/presentationml/2006/main">
+  <p:cSld>
+    <p:spTree>
+      <p:nvGrpSpPr>
+        <p:cNvPr id="1" name=""/>
+        <p:cNvGrpSpPr/>
+        <p:nvPr/>
+      </p:nvGrpSpPr>
+      <p:grpSpPr>
+        <a:xfrm>
+          <a:off x="0" y="0"/>
+          <a:ext cx="0" cy="0"/>
+          <a:chOff x="0" y="0"/>
+          <a:chExt cx="0" cy="0"/>
+        </a:xfrm>
+      </p:grpSpPr>
+      <p:sp>
+        <p:nvSpPr>
+          <p:cNvPr id="2" name="Title 1">
+            <a:extLst>
+              <a:ext uri="{FF2B5EF4-FFF2-40B4-BE49-F238E27FC236}">
+                <a16:creationId xmlns:a16="http://schemas.microsoft.com/office/drawing/2014/main" id="{30D8BA34-68B4-477E-AA56-8A4413D45AC9}"/>
+              </a:ext>
+            </a:extLst>
+          </p:cNvPr>
+          <p:cNvSpPr>
+            <a:spLocks noGrp="1"/>
+          </p:cNvSpPr>
+          <p:nvPr>
+            <p:ph type="title"/>
+          </p:nvPr>
+        </p:nvSpPr>
+        <p:spPr/>
+        <p:txBody>
+          <a:bodyPr/>
+          <a:lstStyle/>
+          <a:p>
+            <a:r>
+              <a:rPr lang="en-US" dirty="0"/>
+              <a:t>_Notes_</a:t>
+            </a:r>
+          </a:p>
+        </p:txBody>
+      </p:sp>
+      <p:sp>
+        <p:nvSpPr>
+          <p:cNvPr id="3" name="Content Placeholder 2">
+            <a:extLst>
+              <a:ext uri="{FF2B5EF4-FFF2-40B4-BE49-F238E27FC236}">
+                <a16:creationId xmlns:a16="http://schemas.microsoft.com/office/drawing/2014/main" id="{F80EC028-51B1-4DE2-B579-B7B5745BC933}"/>
+              </a:ext>
+            </a:extLst>
+          </p:cNvPr>
+          <p:cNvSpPr>
+            <a:spLocks noGrp="1"/>
+          </p:cNvSpPr>
+          <p:nvPr>
+            <p:ph idx="1"/>
+          </p:nvPr>
+        </p:nvSpPr>
+        <p:spPr/>
+        <p:txBody>
+          <a:bodyPr/>
+          <a:lstStyle/>
+          <a:p>
+            <a:endParaRPr lang="en-US"/>
+          </a:p>
+        </p:txBody>
+      </p:sp>
+    </p:spTree>
+    <p:extLst>
+      <p:ext uri="{BB962C8B-B14F-4D97-AF65-F5344CB8AC3E}">
+        <p14:creationId xmlns:p14="http://schemas.microsoft.com/office/powerpoint/2010/main" val="2109186630"/>
+      </p:ext>
+    </p:extLst>
+  </p:cSld>
+  <p:clrMapOvr>
+    <a:masterClrMapping/>
+  </p:clrMapOvr>
+</p:sld>
+</file>
+
 <file path=ppt/slides/slide2.xml><?xml version="1.0" encoding="utf-8"?>
 <p:sld xmlns:a="http://schemas.openxmlformats.org/drawingml/2006/main" xmlns:r="http://schemas.openxmlformats.org/officeDocument/2006/relationships" xmlns:p="http://schemas.openxmlformats.org/presentationml/2006/main">
   <p:cSld>
@@ -4147,34 +5200,61 @@
                 <a:ea typeface="+mj-ea"/>
                 <a:cs typeface="+mj-cs"/>
               </a:rPr>
-              <a:t>Challenges &amp; Needs</a:t>
-            </a:r>
+              <a:t>Customer Request,</a:t>
+            </a:r>
+            <a:r>
+              <a:rPr lang="en-US" sz="4400" b="0" i="0" u="none" strike="noStrike" kern="1200" dirty="0">
+                <a:solidFill>
+                  <a:schemeClr val="tx1"/>
+                </a:solidFill>
+                <a:latin typeface="+mj-lt"/>
+                <a:ea typeface="+mj-ea"/>
+                <a:cs typeface="+mj-cs"/>
+              </a:rPr>
+              <a:t> </a:t>
+            </a:r>
+            <a:r>
+              <a:rPr lang="en-US" sz="2800" b="0" i="0" u="none" strike="noStrike" kern="1200" dirty="0">
+                <a:solidFill>
+                  <a:schemeClr val="tx1"/>
+                </a:solidFill>
+              </a:rPr>
+              <a:t>Needs &amp; </a:t>
+            </a:r>
+            <a:r>
+              <a:rPr lang="en-US" sz="2800" b="0" i="0" u="none" strike="noStrike" kern="1200" baseline="0" dirty="0">
+                <a:solidFill>
+                  <a:schemeClr val="tx1"/>
+                </a:solidFill>
+              </a:rPr>
+              <a:t>Challenges</a:t>
+            </a:r>
+            <a:endParaRPr lang="en-US" sz="2800" dirty="0"/>
+          </a:p>
+        </p:txBody>
+      </p:sp>
+      <p:sp>
+        <p:nvSpPr>
+          <p:cNvPr id="3" name="Content Placeholder 2">
+            <a:extLst>
+              <a:ext uri="{FF2B5EF4-FFF2-40B4-BE49-F238E27FC236}">
+                <a16:creationId xmlns:a16="http://schemas.microsoft.com/office/drawing/2014/main" id="{044B4F6E-A639-47F4-91A5-68807265D618}"/>
+              </a:ext>
+            </a:extLst>
+          </p:cNvPr>
+          <p:cNvSpPr>
+            <a:spLocks noGrp="1"/>
+          </p:cNvSpPr>
+          <p:nvPr>
+            <p:ph idx="1"/>
+          </p:nvPr>
+        </p:nvSpPr>
+        <p:spPr/>
+        <p:txBody>
+          <a:bodyPr/>
+          <a:lstStyle/>
+          <a:p>
             <a:endParaRPr lang="en-US" dirty="0"/>
-          </a:p>
-        </p:txBody>
-      </p:sp>
-      <p:sp>
-        <p:nvSpPr>
-          <p:cNvPr id="3" name="Content Placeholder 2">
-            <a:extLst>
-              <a:ext uri="{FF2B5EF4-FFF2-40B4-BE49-F238E27FC236}">
-                <a16:creationId xmlns:a16="http://schemas.microsoft.com/office/drawing/2014/main" id="{044B4F6E-A639-47F4-91A5-68807265D618}"/>
-              </a:ext>
-            </a:extLst>
-          </p:cNvPr>
-          <p:cNvSpPr>
-            <a:spLocks noGrp="1"/>
-          </p:cNvSpPr>
-          <p:nvPr>
-            <p:ph idx="1"/>
-          </p:nvPr>
-        </p:nvSpPr>
-        <p:spPr/>
-        <p:txBody>
-          <a:bodyPr/>
-          <a:lstStyle/>
-          <a:p>
-            <a:endParaRPr lang="en-US"/>
           </a:p>
         </p:txBody>
       </p:sp>

--- a/Suppl/Pivotal Presentation - DTECTS.pptx
+++ b/Suppl/Pivotal Presentation - DTECTS.pptx
@@ -1,6 +1,6 @@
 
 <file path=ppt/presentation.xml><?xml version="1.0" encoding="utf-8"?>
-<p:presentation xmlns:a="http://schemas.openxmlformats.org/drawingml/2006/main" xmlns:r="http://schemas.openxmlformats.org/officeDocument/2006/relationships" xmlns:p="http://schemas.openxmlformats.org/presentationml/2006/main" saveSubsetFonts="1">
+<p:presentation xmlns:a="http://schemas.openxmlformats.org/drawingml/2006/main" xmlns:r="http://schemas.openxmlformats.org/officeDocument/2006/relationships" xmlns:p="http://schemas.openxmlformats.org/presentationml/2006/main" autoCompressPictures="0">
   <p:sldMasterIdLst>
     <p:sldMasterId id="2147483648" r:id="rId1"/>
   </p:sldMasterIdLst>
@@ -8,17 +8,17 @@
     <p:notesMasterId r:id="rId13"/>
   </p:notesMasterIdLst>
   <p:sldIdLst>
-    <p:sldId id="256" r:id="rId2"/>
-    <p:sldId id="257" r:id="rId3"/>
-    <p:sldId id="258" r:id="rId4"/>
-    <p:sldId id="259" r:id="rId5"/>
-    <p:sldId id="260" r:id="rId6"/>
-    <p:sldId id="261" r:id="rId7"/>
+    <p:sldId id="257" r:id="rId2"/>
+    <p:sldId id="259" r:id="rId3"/>
+    <p:sldId id="261" r:id="rId4"/>
+    <p:sldId id="263" r:id="rId5"/>
+    <p:sldId id="265" r:id="rId6"/>
+    <p:sldId id="267" r:id="rId7"/>
     <p:sldId id="262" r:id="rId8"/>
-    <p:sldId id="263" r:id="rId9"/>
-    <p:sldId id="264" r:id="rId10"/>
-    <p:sldId id="265" r:id="rId11"/>
-    <p:sldId id="266" r:id="rId12"/>
+    <p:sldId id="273" r:id="rId9"/>
+    <p:sldId id="274" r:id="rId10"/>
+    <p:sldId id="276" r:id="rId11"/>
+    <p:sldId id="278" r:id="rId12"/>
   </p:sldIdLst>
   <p:sldSz cx="12192000" cy="6858000"/>
   <p:notesSz cx="6858000" cy="9144000"/>
@@ -26,7 +26,7 @@
     <a:defPPr>
       <a:defRPr lang="en-US"/>
     </a:defPPr>
-    <a:lvl1pPr marL="0" algn="l" defTabSz="914400" rtl="0" eaLnBrk="1" latinLnBrk="0" hangingPunct="1">
+    <a:lvl1pPr marL="0" algn="l" defTabSz="457200" rtl="0" eaLnBrk="1" latinLnBrk="0" hangingPunct="1">
       <a:defRPr sz="1800" kern="1200">
         <a:solidFill>
           <a:schemeClr val="tx1"/>
@@ -36,7 +36,7 @@
         <a:cs typeface="+mn-cs"/>
       </a:defRPr>
     </a:lvl1pPr>
-    <a:lvl2pPr marL="457200" algn="l" defTabSz="914400" rtl="0" eaLnBrk="1" latinLnBrk="0" hangingPunct="1">
+    <a:lvl2pPr marL="457200" algn="l" defTabSz="457200" rtl="0" eaLnBrk="1" latinLnBrk="0" hangingPunct="1">
       <a:defRPr sz="1800" kern="1200">
         <a:solidFill>
           <a:schemeClr val="tx1"/>
@@ -46,7 +46,7 @@
         <a:cs typeface="+mn-cs"/>
       </a:defRPr>
     </a:lvl2pPr>
-    <a:lvl3pPr marL="914400" algn="l" defTabSz="914400" rtl="0" eaLnBrk="1" latinLnBrk="0" hangingPunct="1">
+    <a:lvl3pPr marL="914400" algn="l" defTabSz="457200" rtl="0" eaLnBrk="1" latinLnBrk="0" hangingPunct="1">
       <a:defRPr sz="1800" kern="1200">
         <a:solidFill>
           <a:schemeClr val="tx1"/>
@@ -56,7 +56,7 @@
         <a:cs typeface="+mn-cs"/>
       </a:defRPr>
     </a:lvl3pPr>
-    <a:lvl4pPr marL="1371600" algn="l" defTabSz="914400" rtl="0" eaLnBrk="1" latinLnBrk="0" hangingPunct="1">
+    <a:lvl4pPr marL="1371600" algn="l" defTabSz="457200" rtl="0" eaLnBrk="1" latinLnBrk="0" hangingPunct="1">
       <a:defRPr sz="1800" kern="1200">
         <a:solidFill>
           <a:schemeClr val="tx1"/>
@@ -66,7 +66,7 @@
         <a:cs typeface="+mn-cs"/>
       </a:defRPr>
     </a:lvl4pPr>
-    <a:lvl5pPr marL="1828800" algn="l" defTabSz="914400" rtl="0" eaLnBrk="1" latinLnBrk="0" hangingPunct="1">
+    <a:lvl5pPr marL="1828800" algn="l" defTabSz="457200" rtl="0" eaLnBrk="1" latinLnBrk="0" hangingPunct="1">
       <a:defRPr sz="1800" kern="1200">
         <a:solidFill>
           <a:schemeClr val="tx1"/>
@@ -76,7 +76,7 @@
         <a:cs typeface="+mn-cs"/>
       </a:defRPr>
     </a:lvl5pPr>
-    <a:lvl6pPr marL="2286000" algn="l" defTabSz="914400" rtl="0" eaLnBrk="1" latinLnBrk="0" hangingPunct="1">
+    <a:lvl6pPr marL="2286000" algn="l" defTabSz="457200" rtl="0" eaLnBrk="1" latinLnBrk="0" hangingPunct="1">
       <a:defRPr sz="1800" kern="1200">
         <a:solidFill>
           <a:schemeClr val="tx1"/>
@@ -86,7 +86,7 @@
         <a:cs typeface="+mn-cs"/>
       </a:defRPr>
     </a:lvl6pPr>
-    <a:lvl7pPr marL="2743200" algn="l" defTabSz="914400" rtl="0" eaLnBrk="1" latinLnBrk="0" hangingPunct="1">
+    <a:lvl7pPr marL="2743200" algn="l" defTabSz="457200" rtl="0" eaLnBrk="1" latinLnBrk="0" hangingPunct="1">
       <a:defRPr sz="1800" kern="1200">
         <a:solidFill>
           <a:schemeClr val="tx1"/>
@@ -96,7 +96,7 @@
         <a:cs typeface="+mn-cs"/>
       </a:defRPr>
     </a:lvl7pPr>
-    <a:lvl8pPr marL="3200400" algn="l" defTabSz="914400" rtl="0" eaLnBrk="1" latinLnBrk="0" hangingPunct="1">
+    <a:lvl8pPr marL="3200400" algn="l" defTabSz="457200" rtl="0" eaLnBrk="1" latinLnBrk="0" hangingPunct="1">
       <a:defRPr sz="1800" kern="1200">
         <a:solidFill>
           <a:schemeClr val="tx1"/>
@@ -106,7 +106,7 @@
         <a:cs typeface="+mn-cs"/>
       </a:defRPr>
     </a:lvl8pPr>
-    <a:lvl9pPr marL="3657600" algn="l" defTabSz="914400" rtl="0" eaLnBrk="1" latinLnBrk="0" hangingPunct="1">
+    <a:lvl9pPr marL="3657600" algn="l" defTabSz="457200" rtl="0" eaLnBrk="1" latinLnBrk="0" hangingPunct="1">
       <a:defRPr sz="1800" kern="1200">
         <a:solidFill>
           <a:schemeClr val="tx1"/>
@@ -131,20 +131,6 @@
           </p15:clr>
         </p15:guide>
       </p15:sldGuideLst>
-    </p:ext>
-    <p:ext uri="{2D200454-40CA-4A62-9FC3-DE9A4176ACB9}">
-      <p15:notesGuideLst xmlns:p15="http://schemas.microsoft.com/office/powerpoint/2012/main">
-        <p15:guide id="1" orient="horz" pos="2880" userDrawn="1">
-          <p15:clr>
-            <a:srgbClr val="A4A3A4"/>
-          </p15:clr>
-        </p15:guide>
-        <p15:guide id="2" pos="2160" userDrawn="1">
-          <p15:clr>
-            <a:srgbClr val="A4A3A4"/>
-          </p15:clr>
-        </p15:guide>
-      </p15:notesGuideLst>
     </p:ext>
   </p:extLst>
 </p:presentation>
@@ -199,7 +185,7 @@
             </a:lvl1pPr>
           </a:lstStyle>
           <a:p>
-            <a:endParaRPr lang="en-US" dirty="0"/>
+            <a:endParaRPr lang="en-US"/>
           </a:p>
         </p:txBody>
       </p:sp>
@@ -230,11 +216,11 @@
             </a:lvl1pPr>
           </a:lstStyle>
           <a:p>
-            <a:fld id="{7B66617C-38EA-4DA6-A249-07DB9AF0D51A}" type="datetimeFigureOut">
+            <a:fld id="{70A2C202-6B9D-433D-94D3-48C0EF1495AE}" type="datetimeFigureOut">
               <a:rPr lang="en-US" smtClean="0"/>
               <a:t>7/25/2018</a:t>
             </a:fld>
-            <a:endParaRPr lang="en-US" dirty="0"/>
+            <a:endParaRPr lang="en-US"/>
           </a:p>
         </p:txBody>
       </p:sp>
@@ -267,7 +253,7 @@
           <a:bodyPr vert="horz" lIns="91440" tIns="45720" rIns="91440" bIns="45720" rtlCol="0" anchor="ctr"/>
           <a:lstStyle/>
           <a:p>
-            <a:endParaRPr lang="en-US" dirty="0"/>
+            <a:endParaRPr lang="en-US"/>
           </a:p>
         </p:txBody>
       </p:sp>
@@ -357,7 +343,7 @@
             </a:lvl1pPr>
           </a:lstStyle>
           <a:p>
-            <a:endParaRPr lang="en-US" dirty="0"/>
+            <a:endParaRPr lang="en-US"/>
           </a:p>
         </p:txBody>
       </p:sp>
@@ -388,18 +374,18 @@
             </a:lvl1pPr>
           </a:lstStyle>
           <a:p>
-            <a:fld id="{4AC65D0B-F732-4E21-9A8D-1C6A15A6A84B}" type="slidenum">
+            <a:fld id="{6361AABB-628C-496F-B0CB-A3FDC087FD3D}" type="slidenum">
               <a:rPr lang="en-US" smtClean="0"/>
               <a:t>‹#›</a:t>
             </a:fld>
-            <a:endParaRPr lang="en-US" dirty="0"/>
+            <a:endParaRPr lang="en-US"/>
           </a:p>
         </p:txBody>
       </p:sp>
     </p:spTree>
     <p:extLst>
       <p:ext uri="{BB962C8B-B14F-4D97-AF65-F5344CB8AC3E}">
-        <p14:creationId xmlns:p14="http://schemas.microsoft.com/office/powerpoint/2010/main" val="929695057"/>
+        <p14:creationId xmlns:p14="http://schemas.microsoft.com/office/powerpoint/2010/main" val="40021408"/>
       </p:ext>
     </p:extLst>
   </p:cSld>
@@ -783,90 +769,6 @@
           <a:bodyPr/>
           <a:lstStyle/>
           <a:p>
-            <a:endParaRPr lang="en-US"/>
-          </a:p>
-        </p:txBody>
-      </p:sp>
-      <p:sp>
-        <p:nvSpPr>
-          <p:cNvPr id="4" name="Slide Number Placeholder 3"/>
-          <p:cNvSpPr>
-            <a:spLocks noGrp="1"/>
-          </p:cNvSpPr>
-          <p:nvPr>
-            <p:ph type="sldNum" sz="quarter" idx="10"/>
-          </p:nvPr>
-        </p:nvSpPr>
-        <p:spPr/>
-        <p:txBody>
-          <a:bodyPr/>
-          <a:lstStyle/>
-          <a:p>
-            <a:fld id="{4AC65D0B-F732-4E21-9A8D-1C6A15A6A84B}" type="slidenum">
-              <a:rPr lang="en-US" smtClean="0"/>
-              <a:t>10</a:t>
-            </a:fld>
-            <a:endParaRPr lang="en-US" dirty="0"/>
-          </a:p>
-        </p:txBody>
-      </p:sp>
-    </p:spTree>
-    <p:extLst>
-      <p:ext uri="{BB962C8B-B14F-4D97-AF65-F5344CB8AC3E}">
-        <p14:creationId xmlns:p14="http://schemas.microsoft.com/office/powerpoint/2010/main" val="3872874621"/>
-      </p:ext>
-    </p:extLst>
-  </p:cSld>
-  <p:clrMapOvr>
-    <a:masterClrMapping/>
-  </p:clrMapOvr>
-</p:notes>
-</file>
-
-<file path=ppt/notesSlides/notesSlide11.xml><?xml version="1.0" encoding="utf-8"?>
-<p:notes xmlns:a="http://schemas.openxmlformats.org/drawingml/2006/main" xmlns:r="http://schemas.openxmlformats.org/officeDocument/2006/relationships" xmlns:p="http://schemas.openxmlformats.org/presentationml/2006/main">
-  <p:cSld>
-    <p:spTree>
-      <p:nvGrpSpPr>
-        <p:cNvPr id="1" name=""/>
-        <p:cNvGrpSpPr/>
-        <p:nvPr/>
-      </p:nvGrpSpPr>
-      <p:grpSpPr>
-        <a:xfrm>
-          <a:off x="0" y="0"/>
-          <a:ext cx="0" cy="0"/>
-          <a:chOff x="0" y="0"/>
-          <a:chExt cx="0" cy="0"/>
-        </a:xfrm>
-      </p:grpSpPr>
-      <p:sp>
-        <p:nvSpPr>
-          <p:cNvPr id="2" name="Slide Image Placeholder 1"/>
-          <p:cNvSpPr>
-            <a:spLocks noGrp="1" noRot="1" noChangeAspect="1"/>
-          </p:cNvSpPr>
-          <p:nvPr>
-            <p:ph type="sldImg"/>
-          </p:nvPr>
-        </p:nvSpPr>
-        <p:spPr/>
-      </p:sp>
-      <p:sp>
-        <p:nvSpPr>
-          <p:cNvPr id="3" name="Notes Placeholder 2"/>
-          <p:cNvSpPr>
-            <a:spLocks noGrp="1"/>
-          </p:cNvSpPr>
-          <p:nvPr>
-            <p:ph type="body" idx="1"/>
-          </p:nvPr>
-        </p:nvSpPr>
-        <p:spPr/>
-        <p:txBody>
-          <a:bodyPr/>
-          <a:lstStyle/>
-          <a:p>
             <a:r>
               <a:rPr lang="en-US" dirty="0"/>
               <a:t>*Integrate Tomm Notes</a:t>
@@ -1238,7 +1140,7 @@
           <a:p>
             <a:fld id="{4AC65D0B-F732-4E21-9A8D-1C6A15A6A84B}" type="slidenum">
               <a:rPr lang="en-US" smtClean="0"/>
-              <a:t>5</a:t>
+              <a:t>6</a:t>
             </a:fld>
             <a:endParaRPr lang="en-US" dirty="0"/>
           </a:p>
@@ -1247,7 +1149,7 @@
     </p:spTree>
     <p:extLst>
       <p:ext uri="{BB962C8B-B14F-4D97-AF65-F5344CB8AC3E}">
-        <p14:creationId xmlns:p14="http://schemas.microsoft.com/office/powerpoint/2010/main" val="3454095090"/>
+        <p14:creationId xmlns:p14="http://schemas.microsoft.com/office/powerpoint/2010/main" val="2781359423"/>
       </p:ext>
     </p:extLst>
   </p:cSld>
@@ -1322,7 +1224,7 @@
           <a:p>
             <a:fld id="{4AC65D0B-F732-4E21-9A8D-1C6A15A6A84B}" type="slidenum">
               <a:rPr lang="en-US" smtClean="0"/>
-              <a:t>6</a:t>
+              <a:t>7</a:t>
             </a:fld>
             <a:endParaRPr lang="en-US" dirty="0"/>
           </a:p>
@@ -1331,7 +1233,7 @@
     </p:spTree>
     <p:extLst>
       <p:ext uri="{BB962C8B-B14F-4D97-AF65-F5344CB8AC3E}">
-        <p14:creationId xmlns:p14="http://schemas.microsoft.com/office/powerpoint/2010/main" val="2781359423"/>
+        <p14:creationId xmlns:p14="http://schemas.microsoft.com/office/powerpoint/2010/main" val="2003587252"/>
       </p:ext>
     </p:extLst>
   </p:cSld>
@@ -1406,7 +1308,7 @@
           <a:p>
             <a:fld id="{4AC65D0B-F732-4E21-9A8D-1C6A15A6A84B}" type="slidenum">
               <a:rPr lang="en-US" smtClean="0"/>
-              <a:t>7</a:t>
+              <a:t>8</a:t>
             </a:fld>
             <a:endParaRPr lang="en-US" dirty="0"/>
           </a:p>
@@ -1415,7 +1317,7 @@
     </p:spTree>
     <p:extLst>
       <p:ext uri="{BB962C8B-B14F-4D97-AF65-F5344CB8AC3E}">
-        <p14:creationId xmlns:p14="http://schemas.microsoft.com/office/powerpoint/2010/main" val="2003587252"/>
+        <p14:creationId xmlns:p14="http://schemas.microsoft.com/office/powerpoint/2010/main" val="3412337435"/>
       </p:ext>
     </p:extLst>
   </p:cSld>
@@ -1469,37 +1371,135 @@
           <a:bodyPr/>
           <a:lstStyle/>
           <a:p>
+            <a:pPr marL="171450" indent="-171450">
+              <a:buFontTx/>
+              <a:buChar char="-"/>
+            </a:pPr>
+            <a:r>
+              <a:rPr lang="en-US" dirty="0"/>
+              <a:t>Frame, sketch w/vision</a:t>
+            </a:r>
+            <a:r>
+              <a:rPr lang="en-US" baseline="0" dirty="0"/>
+              <a:t> &amp; intent, draft</a:t>
+            </a:r>
+          </a:p>
+          <a:p>
+            <a:pPr marL="171450" indent="-171450">
+              <a:buFontTx/>
+              <a:buChar char="-"/>
+            </a:pPr>
+            <a:r>
+              <a:rPr lang="en-US" baseline="0" dirty="0"/>
+              <a:t>Source control &amp; procedure!</a:t>
+            </a:r>
+          </a:p>
+          <a:p>
+            <a:pPr marL="171450" indent="-171450">
+              <a:buFontTx/>
+              <a:buChar char="-"/>
+            </a:pPr>
+            <a:r>
+              <a:rPr lang="en-US" baseline="0" dirty="0"/>
+              <a:t>Help from experience (Tomm, Terry, Father)</a:t>
+            </a:r>
+          </a:p>
+          <a:p>
+            <a:pPr marL="171450" indent="-171450">
+              <a:buFontTx/>
+              <a:buChar char="-"/>
+            </a:pPr>
+            <a:r>
+              <a:rPr lang="en-US" dirty="0"/>
+              <a:t>Describe</a:t>
+            </a:r>
+            <a:r>
+              <a:rPr lang="en-US" baseline="0" dirty="0"/>
+              <a:t> procedure of PPT Generation</a:t>
+            </a:r>
+          </a:p>
+          <a:p>
+            <a:pPr marL="171450" indent="-171450">
+              <a:buFontTx/>
+              <a:buChar char="-"/>
+            </a:pPr>
+            <a:r>
+              <a:rPr lang="en-US" baseline="0" dirty="0"/>
+              <a:t>    selection &amp; outline</a:t>
+            </a:r>
+          </a:p>
+          <a:p>
+            <a:pPr marL="171450" indent="-171450">
+              <a:buFontTx/>
+              <a:buChar char="-"/>
+            </a:pPr>
+            <a:r>
+              <a:rPr lang="en-US" baseline="0" dirty="0"/>
+              <a:t>    customer meeting (Tomm)</a:t>
+            </a:r>
+          </a:p>
+          <a:p>
+            <a:pPr marL="171450" indent="-171450">
+              <a:buFontTx/>
+              <a:buChar char="-"/>
+            </a:pPr>
+            <a:r>
+              <a:rPr lang="en-US" baseline="0" dirty="0"/>
+              <a:t>    mentor advise (Tom, Father)</a:t>
+            </a:r>
+          </a:p>
+          <a:p>
+            <a:pPr marL="171450" indent="-171450">
+              <a:buFontTx/>
+              <a:buChar char="-"/>
+            </a:pPr>
+            <a:r>
+              <a:rPr lang="en-US" baseline="0" dirty="0"/>
+              <a:t>    outline</a:t>
+            </a:r>
+          </a:p>
+          <a:p>
+            <a:pPr marL="171450" indent="-171450">
+              <a:buFontTx/>
+              <a:buChar char="-"/>
+            </a:pPr>
+            <a:r>
+              <a:rPr lang="en-US" baseline="0" dirty="0"/>
+              <a:t>    find template</a:t>
+            </a:r>
+          </a:p>
+          <a:p>
+            <a:endParaRPr lang="en-US" dirty="0"/>
+          </a:p>
+        </p:txBody>
+      </p:sp>
+      <p:sp>
+        <p:nvSpPr>
+          <p:cNvPr id="4" name="Slide Number Placeholder 3"/>
+          <p:cNvSpPr>
+            <a:spLocks noGrp="1"/>
+          </p:cNvSpPr>
+          <p:nvPr>
+            <p:ph type="sldNum" sz="quarter" idx="10"/>
+          </p:nvPr>
+        </p:nvSpPr>
+        <p:spPr/>
+        <p:txBody>
+          <a:bodyPr/>
+          <a:lstStyle/>
+          <a:p>
+            <a:fld id="{6361AABB-628C-496F-B0CB-A3FDC087FD3D}" type="slidenum">
+              <a:rPr lang="en-US" smtClean="0"/>
+              <a:t>9</a:t>
+            </a:fld>
             <a:endParaRPr lang="en-US"/>
-          </a:p>
-        </p:txBody>
-      </p:sp>
-      <p:sp>
-        <p:nvSpPr>
-          <p:cNvPr id="4" name="Slide Number Placeholder 3"/>
-          <p:cNvSpPr>
-            <a:spLocks noGrp="1"/>
-          </p:cNvSpPr>
-          <p:nvPr>
-            <p:ph type="sldNum" sz="quarter" idx="10"/>
-          </p:nvPr>
-        </p:nvSpPr>
-        <p:spPr/>
-        <p:txBody>
-          <a:bodyPr/>
-          <a:lstStyle/>
-          <a:p>
-            <a:fld id="{4AC65D0B-F732-4E21-9A8D-1C6A15A6A84B}" type="slidenum">
-              <a:rPr lang="en-US" smtClean="0"/>
-              <a:t>8</a:t>
-            </a:fld>
-            <a:endParaRPr lang="en-US" dirty="0"/>
           </a:p>
         </p:txBody>
       </p:sp>
     </p:spTree>
     <p:extLst>
       <p:ext uri="{BB962C8B-B14F-4D97-AF65-F5344CB8AC3E}">
-        <p14:creationId xmlns:p14="http://schemas.microsoft.com/office/powerpoint/2010/main" val="3412337435"/>
+        <p14:creationId xmlns:p14="http://schemas.microsoft.com/office/powerpoint/2010/main" val="2520438497"/>
       </p:ext>
     </p:extLst>
   </p:cSld>
@@ -1553,107 +1553,7 @@
           <a:bodyPr/>
           <a:lstStyle/>
           <a:p>
-            <a:pPr marL="171450" indent="-171450">
-              <a:buFontTx/>
-              <a:buChar char="-"/>
-            </a:pPr>
-            <a:r>
-              <a:rPr lang="en-US" dirty="0"/>
-              <a:t>Frame, sketch w/vision</a:t>
-            </a:r>
-            <a:r>
-              <a:rPr lang="en-US" baseline="0" dirty="0"/>
-              <a:t> &amp; intent, draft</a:t>
-            </a:r>
-          </a:p>
-          <a:p>
-            <a:pPr marL="171450" indent="-171450">
-              <a:buFontTx/>
-              <a:buChar char="-"/>
-            </a:pPr>
-            <a:r>
-              <a:rPr lang="en-US" baseline="0" dirty="0"/>
-              <a:t>Source control &amp; procedure!</a:t>
-            </a:r>
-          </a:p>
-          <a:p>
-            <a:pPr marL="171450" indent="-171450">
-              <a:buFontTx/>
-              <a:buChar char="-"/>
-            </a:pPr>
-            <a:r>
-              <a:rPr lang="en-US" baseline="0" dirty="0"/>
-              <a:t>Help from experience (Tomm, Terry, Father)</a:t>
-            </a:r>
-          </a:p>
-          <a:p>
-            <a:pPr marL="171450" indent="-171450">
-              <a:buFontTx/>
-              <a:buChar char="-"/>
-            </a:pPr>
-            <a:r>
-              <a:rPr lang="en-US" dirty="0"/>
-              <a:t>Describe</a:t>
-            </a:r>
-            <a:r>
-              <a:rPr lang="en-US" baseline="0" dirty="0"/>
-              <a:t> procedure of PPT Generation</a:t>
-            </a:r>
-          </a:p>
-          <a:p>
-            <a:pPr marL="171450" indent="-171450">
-              <a:buFontTx/>
-              <a:buChar char="-"/>
-            </a:pPr>
-            <a:r>
-              <a:rPr lang="en-US" baseline="0" dirty="0"/>
-              <a:t>    selection &amp; outline</a:t>
-            </a:r>
-          </a:p>
-          <a:p>
-            <a:pPr marL="171450" indent="-171450">
-              <a:buFontTx/>
-              <a:buChar char="-"/>
-            </a:pPr>
-            <a:r>
-              <a:rPr lang="en-US" baseline="0" dirty="0"/>
-              <a:t>    customer meeting (Tomm)</a:t>
-            </a:r>
-          </a:p>
-          <a:p>
-            <a:pPr marL="171450" indent="-171450">
-              <a:buFontTx/>
-              <a:buChar char="-"/>
-            </a:pPr>
-            <a:r>
-              <a:rPr lang="en-US" baseline="0" dirty="0"/>
-              <a:t>    mentor advise (Tom, Father)</a:t>
-            </a:r>
-          </a:p>
-          <a:p>
-            <a:pPr marL="171450" indent="-171450">
-              <a:buFontTx/>
-              <a:buChar char="-"/>
-            </a:pPr>
-            <a:r>
-              <a:rPr lang="en-US" baseline="0" dirty="0"/>
-              <a:t>    outline</a:t>
-            </a:r>
-          </a:p>
-          <a:p>
-            <a:pPr marL="171450" indent="-171450">
-              <a:buFontTx/>
-              <a:buChar char="-"/>
-            </a:pPr>
-            <a:r>
-              <a:rPr lang="en-US" baseline="0" dirty="0"/>
-              <a:t>    </a:t>
-            </a:r>
-            <a:r>
-              <a:rPr lang="en-US" baseline="0"/>
-              <a:t>find template</a:t>
-            </a:r>
-            <a:endParaRPr lang="en-US" baseline="0" dirty="0"/>
+            <a:endParaRPr lang="en-US"/>
           </a:p>
         </p:txBody>
       </p:sp>
@@ -1674,7 +1574,7 @@
           <a:p>
             <a:fld id="{4AC65D0B-F732-4E21-9A8D-1C6A15A6A84B}" type="slidenum">
               <a:rPr lang="en-US" smtClean="0"/>
-              <a:t>9</a:t>
+              <a:t>10</a:t>
             </a:fld>
             <a:endParaRPr lang="en-US" dirty="0"/>
           </a:p>
@@ -1683,7 +1583,7 @@
     </p:spTree>
     <p:extLst>
       <p:ext uri="{BB962C8B-B14F-4D97-AF65-F5344CB8AC3E}">
-        <p14:creationId xmlns:p14="http://schemas.microsoft.com/office/powerpoint/2010/main" val="2892680826"/>
+        <p14:creationId xmlns:p14="http://schemas.microsoft.com/office/powerpoint/2010/main" val="3872874621"/>
       </p:ext>
     </p:extLst>
   </p:cSld>
@@ -1712,13 +1612,7 @@
       </p:grpSpPr>
       <p:sp>
         <p:nvSpPr>
-          <p:cNvPr id="2" name="Title 1">
-            <a:extLst>
-              <a:ext uri="{FF2B5EF4-FFF2-40B4-BE49-F238E27FC236}">
-                <a16:creationId xmlns:a16="http://schemas.microsoft.com/office/drawing/2014/main" id="{2A149D20-3216-4C26-8843-4496906216C1}"/>
-              </a:ext>
-            </a:extLst>
-          </p:cNvPr>
+          <p:cNvPr id="2" name="Title 1"/>
           <p:cNvSpPr>
             <a:spLocks noGrp="1"/>
           </p:cNvSpPr>
@@ -1728,15 +1622,17 @@
         </p:nvSpPr>
         <p:spPr>
           <a:xfrm>
-            <a:off x="1524000" y="1122363"/>
-            <a:ext cx="9144000" cy="2387600"/>
+            <a:off x="2589213" y="2514600"/>
+            <a:ext cx="8915399" cy="2262781"/>
           </a:xfrm>
         </p:spPr>
         <p:txBody>
-          <a:bodyPr anchor="b"/>
+          <a:bodyPr anchor="b">
+            <a:normAutofit/>
+          </a:bodyPr>
           <a:lstStyle>
-            <a:lvl1pPr algn="ctr">
-              <a:defRPr sz="6000"/>
+            <a:lvl1pPr>
+              <a:defRPr sz="5400"/>
             </a:lvl1pPr>
           </a:lstStyle>
           <a:p>
@@ -1744,18 +1640,13 @@
               <a:rPr lang="en-US"/>
               <a:t>Click to edit Master title style</a:t>
             </a:r>
-          </a:p>
-        </p:txBody>
-      </p:sp>
-      <p:sp>
-        <p:nvSpPr>
-          <p:cNvPr id="3" name="Subtitle 2">
-            <a:extLst>
-              <a:ext uri="{FF2B5EF4-FFF2-40B4-BE49-F238E27FC236}">
-                <a16:creationId xmlns:a16="http://schemas.microsoft.com/office/drawing/2014/main" id="{7338D508-0DD5-46FC-AC48-AF3F01FD72CB}"/>
-              </a:ext>
-            </a:extLst>
-          </p:cNvPr>
+            <a:endParaRPr lang="en-US" dirty="0"/>
+          </a:p>
+        </p:txBody>
+      </p:sp>
+      <p:sp>
+        <p:nvSpPr>
+          <p:cNvPr id="3" name="Subtitle 2"/>
           <p:cNvSpPr>
             <a:spLocks noGrp="1"/>
           </p:cNvSpPr>
@@ -1765,48 +1656,103 @@
         </p:nvSpPr>
         <p:spPr>
           <a:xfrm>
-            <a:off x="1524000" y="3602038"/>
-            <a:ext cx="9144000" cy="1655762"/>
+            <a:off x="2589213" y="4777379"/>
+            <a:ext cx="8915399" cy="1126283"/>
           </a:xfrm>
         </p:spPr>
         <p:txBody>
-          <a:bodyPr/>
+          <a:bodyPr anchor="t"/>
           <a:lstStyle>
-            <a:lvl1pPr marL="0" indent="0" algn="ctr">
+            <a:lvl1pPr marL="0" indent="0" algn="l">
               <a:buNone/>
-              <a:defRPr sz="2400"/>
+              <a:defRPr>
+                <a:solidFill>
+                  <a:schemeClr val="tx1">
+                    <a:lumMod val="65000"/>
+                    <a:lumOff val="35000"/>
+                  </a:schemeClr>
+                </a:solidFill>
+              </a:defRPr>
             </a:lvl1pPr>
             <a:lvl2pPr marL="457200" indent="0" algn="ctr">
               <a:buNone/>
-              <a:defRPr sz="2000"/>
+              <a:defRPr>
+                <a:solidFill>
+                  <a:schemeClr val="tx1">
+                    <a:tint val="75000"/>
+                  </a:schemeClr>
+                </a:solidFill>
+              </a:defRPr>
             </a:lvl2pPr>
             <a:lvl3pPr marL="914400" indent="0" algn="ctr">
               <a:buNone/>
-              <a:defRPr sz="1800"/>
+              <a:defRPr>
+                <a:solidFill>
+                  <a:schemeClr val="tx1">
+                    <a:tint val="75000"/>
+                  </a:schemeClr>
+                </a:solidFill>
+              </a:defRPr>
             </a:lvl3pPr>
             <a:lvl4pPr marL="1371600" indent="0" algn="ctr">
               <a:buNone/>
-              <a:defRPr sz="1600"/>
+              <a:defRPr>
+                <a:solidFill>
+                  <a:schemeClr val="tx1">
+                    <a:tint val="75000"/>
+                  </a:schemeClr>
+                </a:solidFill>
+              </a:defRPr>
             </a:lvl4pPr>
             <a:lvl5pPr marL="1828800" indent="0" algn="ctr">
               <a:buNone/>
-              <a:defRPr sz="1600"/>
+              <a:defRPr>
+                <a:solidFill>
+                  <a:schemeClr val="tx1">
+                    <a:tint val="75000"/>
+                  </a:schemeClr>
+                </a:solidFill>
+              </a:defRPr>
             </a:lvl5pPr>
             <a:lvl6pPr marL="2286000" indent="0" algn="ctr">
               <a:buNone/>
-              <a:defRPr sz="1600"/>
+              <a:defRPr>
+                <a:solidFill>
+                  <a:schemeClr val="tx1">
+                    <a:tint val="75000"/>
+                  </a:schemeClr>
+                </a:solidFill>
+              </a:defRPr>
             </a:lvl6pPr>
             <a:lvl7pPr marL="2743200" indent="0" algn="ctr">
               <a:buNone/>
-              <a:defRPr sz="1600"/>
+              <a:defRPr>
+                <a:solidFill>
+                  <a:schemeClr val="tx1">
+                    <a:tint val="75000"/>
+                  </a:schemeClr>
+                </a:solidFill>
+              </a:defRPr>
             </a:lvl7pPr>
             <a:lvl8pPr marL="3200400" indent="0" algn="ctr">
               <a:buNone/>
-              <a:defRPr sz="1600"/>
+              <a:defRPr>
+                <a:solidFill>
+                  <a:schemeClr val="tx1">
+                    <a:tint val="75000"/>
+                  </a:schemeClr>
+                </a:solidFill>
+              </a:defRPr>
             </a:lvl8pPr>
             <a:lvl9pPr marL="3657600" indent="0" algn="ctr">
               <a:buNone/>
-              <a:defRPr sz="1600"/>
+              <a:defRPr>
+                <a:solidFill>
+                  <a:schemeClr val="tx1">
+                    <a:tint val="75000"/>
+                  </a:schemeClr>
+                </a:solidFill>
+              </a:defRPr>
             </a:lvl9pPr>
           </a:lstStyle>
           <a:p>
@@ -1814,18 +1760,13 @@
               <a:rPr lang="en-US"/>
               <a:t>Click to edit Master subtitle style</a:t>
             </a:r>
-          </a:p>
-        </p:txBody>
-      </p:sp>
-      <p:sp>
-        <p:nvSpPr>
-          <p:cNvPr id="4" name="Date Placeholder 3">
-            <a:extLst>
-              <a:ext uri="{FF2B5EF4-FFF2-40B4-BE49-F238E27FC236}">
-                <a16:creationId xmlns:a16="http://schemas.microsoft.com/office/drawing/2014/main" id="{90D5AF4C-A4A0-4F5A-AB43-F2089409BE10}"/>
-              </a:ext>
-            </a:extLst>
-          </p:cNvPr>
+            <a:endParaRPr lang="en-US" dirty="0"/>
+          </a:p>
+        </p:txBody>
+      </p:sp>
+      <p:sp>
+        <p:nvSpPr>
+          <p:cNvPr id="4" name="Date Placeholder 3"/>
           <p:cNvSpPr>
             <a:spLocks noGrp="1"/>
           </p:cNvSpPr>
@@ -1838,8 +1779,9 @@
           <a:bodyPr/>
           <a:lstStyle/>
           <a:p>
-            <a:fld id="{17B4D555-9550-44B8-8A42-30410E1CAF73}" type="datetimeFigureOut">
-              <a:rPr lang="en-US" smtClean="0"/>
+            <a:fld id="{B61BEF0D-F0BB-DE4B-95CE-6DB70DBA9567}" type="datetimeFigureOut">
+              <a:rPr lang="en-US" dirty="0"/>
+              <a:pPr/>
               <a:t>7/25/2018</a:t>
             </a:fld>
             <a:endParaRPr lang="en-US" dirty="0"/>
@@ -1848,13 +1790,7 @@
       </p:sp>
       <p:sp>
         <p:nvSpPr>
-          <p:cNvPr id="5" name="Footer Placeholder 4">
-            <a:extLst>
-              <a:ext uri="{FF2B5EF4-FFF2-40B4-BE49-F238E27FC236}">
-                <a16:creationId xmlns:a16="http://schemas.microsoft.com/office/drawing/2014/main" id="{B70CD071-D2E3-458F-9497-62C75AAA0E70}"/>
-              </a:ext>
-            </a:extLst>
-          </p:cNvPr>
+          <p:cNvPr id="5" name="Footer Placeholder 4"/>
           <p:cNvSpPr>
             <a:spLocks noGrp="1"/>
           </p:cNvSpPr>
@@ -1873,13 +1809,89 @@
       </p:sp>
       <p:sp>
         <p:nvSpPr>
-          <p:cNvPr id="6" name="Slide Number Placeholder 5">
-            <a:extLst>
-              <a:ext uri="{FF2B5EF4-FFF2-40B4-BE49-F238E27FC236}">
-                <a16:creationId xmlns:a16="http://schemas.microsoft.com/office/drawing/2014/main" id="{1EEAEB5A-57B4-4C24-9D4C-E345ACE14911}"/>
-              </a:ext>
-            </a:extLst>
-          </p:cNvPr>
+          <p:cNvPr id="7" name="Freeform 6"/>
+          <p:cNvSpPr/>
+          <p:nvPr/>
+        </p:nvSpPr>
+        <p:spPr bwMode="auto">
+          <a:xfrm>
+            <a:off x="0" y="4323810"/>
+            <a:ext cx="1744652" cy="778589"/>
+          </a:xfrm>
+          <a:custGeom>
+            <a:avLst/>
+            <a:gdLst/>
+            <a:ahLst/>
+            <a:cxnLst/>
+            <a:rect l="0" t="0" r="r" b="b"/>
+            <a:pathLst>
+              <a:path w="372" h="166">
+                <a:moveTo>
+                  <a:pt x="287" y="166"/>
+                </a:moveTo>
+                <a:cubicBezTo>
+                  <a:pt x="290" y="166"/>
+                  <a:pt x="292" y="165"/>
+                  <a:pt x="293" y="164"/>
+                </a:cubicBezTo>
+                <a:cubicBezTo>
+                  <a:pt x="293" y="163"/>
+                  <a:pt x="294" y="163"/>
+                  <a:pt x="294" y="163"/>
+                </a:cubicBezTo>
+                <a:cubicBezTo>
+                  <a:pt x="370" y="87"/>
+                  <a:pt x="370" y="87"/>
+                  <a:pt x="370" y="87"/>
+                </a:cubicBezTo>
+                <a:cubicBezTo>
+                  <a:pt x="372" y="85"/>
+                  <a:pt x="372" y="81"/>
+                  <a:pt x="370" y="78"/>
+                </a:cubicBezTo>
+                <a:cubicBezTo>
+                  <a:pt x="294" y="3"/>
+                  <a:pt x="294" y="3"/>
+                  <a:pt x="294" y="3"/>
+                </a:cubicBezTo>
+                <a:cubicBezTo>
+                  <a:pt x="294" y="2"/>
+                  <a:pt x="293" y="2"/>
+                  <a:pt x="293" y="2"/>
+                </a:cubicBezTo>
+                <a:cubicBezTo>
+                  <a:pt x="292" y="1"/>
+                  <a:pt x="290" y="0"/>
+                  <a:pt x="287" y="0"/>
+                </a:cubicBezTo>
+                <a:cubicBezTo>
+                  <a:pt x="0" y="0"/>
+                  <a:pt x="0" y="0"/>
+                  <a:pt x="0" y="0"/>
+                </a:cubicBezTo>
+                <a:cubicBezTo>
+                  <a:pt x="0" y="166"/>
+                  <a:pt x="0" y="166"/>
+                  <a:pt x="0" y="166"/>
+                </a:cubicBezTo>
+                <a:lnTo>
+                  <a:pt x="287" y="166"/>
+                </a:lnTo>
+                <a:close/>
+              </a:path>
+            </a:pathLst>
+          </a:custGeom>
+          <a:solidFill>
+            <a:schemeClr val="accent1"/>
+          </a:solidFill>
+          <a:ln>
+            <a:noFill/>
+          </a:ln>
+        </p:spPr>
+      </p:sp>
+      <p:sp>
+        <p:nvSpPr>
+          <p:cNvPr id="6" name="Slide Number Placeholder 5"/>
           <p:cNvSpPr>
             <a:spLocks noGrp="1"/>
           </p:cNvSpPr>
@@ -1887,13 +1899,19 @@
             <p:ph type="sldNum" sz="quarter" idx="12"/>
           </p:nvPr>
         </p:nvSpPr>
-        <p:spPr/>
+        <p:spPr>
+          <a:xfrm>
+            <a:off x="531812" y="4529540"/>
+            <a:ext cx="779767" cy="365125"/>
+          </a:xfrm>
+        </p:spPr>
         <p:txBody>
           <a:bodyPr/>
           <a:lstStyle/>
           <a:p>
-            <a:fld id="{CF28E24D-EA21-4796-AB71-6CFC9E690AF3}" type="slidenum">
-              <a:rPr lang="en-US" smtClean="0"/>
+            <a:fld id="{D57F1E4F-1CFF-5643-939E-217C01CDF565}" type="slidenum">
+              <a:rPr lang="en-US" dirty="0"/>
+              <a:pPr/>
               <a:t>‹#›</a:t>
             </a:fld>
             <a:endParaRPr lang="en-US" dirty="0"/>
@@ -1901,11 +1919,6 @@
         </p:txBody>
       </p:sp>
     </p:spTree>
-    <p:extLst>
-      <p:ext uri="{BB962C8B-B14F-4D97-AF65-F5344CB8AC3E}">
-        <p14:creationId xmlns:p14="http://schemas.microsoft.com/office/powerpoint/2010/main" val="442961184"/>
-      </p:ext>
-    </p:extLst>
   </p:cSld>
   <p:clrMapOvr>
     <a:masterClrMapping/>
@@ -1914,6 +1927,1782 @@
 </file>
 
 <file path=ppt/slideLayouts/slideLayout10.xml><?xml version="1.0" encoding="utf-8"?>
+<p:sldLayout xmlns:a="http://schemas.openxmlformats.org/drawingml/2006/main" xmlns:r="http://schemas.openxmlformats.org/officeDocument/2006/relationships" xmlns:p="http://schemas.openxmlformats.org/presentationml/2006/main" preserve="1">
+  <p:cSld name="Title and Caption">
+    <p:spTree>
+      <p:nvGrpSpPr>
+        <p:cNvPr id="1" name=""/>
+        <p:cNvGrpSpPr/>
+        <p:nvPr/>
+      </p:nvGrpSpPr>
+      <p:grpSpPr>
+        <a:xfrm>
+          <a:off x="0" y="0"/>
+          <a:ext cx="0" cy="0"/>
+          <a:chOff x="0" y="0"/>
+          <a:chExt cx="0" cy="0"/>
+        </a:xfrm>
+      </p:grpSpPr>
+      <p:sp>
+        <p:nvSpPr>
+          <p:cNvPr id="2" name="Title 1"/>
+          <p:cNvSpPr>
+            <a:spLocks noGrp="1"/>
+          </p:cNvSpPr>
+          <p:nvPr>
+            <p:ph type="title"/>
+          </p:nvPr>
+        </p:nvSpPr>
+        <p:spPr>
+          <a:xfrm>
+            <a:off x="2589212" y="609600"/>
+            <a:ext cx="8915399" cy="3117040"/>
+          </a:xfrm>
+        </p:spPr>
+        <p:txBody>
+          <a:bodyPr anchor="ctr">
+            <a:normAutofit/>
+          </a:bodyPr>
+          <a:lstStyle>
+            <a:lvl1pPr algn="l">
+              <a:defRPr sz="4800" b="0" cap="none"/>
+            </a:lvl1pPr>
+          </a:lstStyle>
+          <a:p>
+            <a:r>
+              <a:rPr lang="en-US"/>
+              <a:t>Click to edit Master title style</a:t>
+            </a:r>
+            <a:endParaRPr lang="en-US" dirty="0"/>
+          </a:p>
+        </p:txBody>
+      </p:sp>
+      <p:sp>
+        <p:nvSpPr>
+          <p:cNvPr id="3" name="Text Placeholder 2"/>
+          <p:cNvSpPr>
+            <a:spLocks noGrp="1"/>
+          </p:cNvSpPr>
+          <p:nvPr>
+            <p:ph type="body" idx="1"/>
+          </p:nvPr>
+        </p:nvSpPr>
+        <p:spPr>
+          <a:xfrm>
+            <a:off x="2589212" y="4354046"/>
+            <a:ext cx="8915399" cy="1555864"/>
+          </a:xfrm>
+        </p:spPr>
+        <p:txBody>
+          <a:bodyPr anchor="ctr">
+            <a:normAutofit/>
+          </a:bodyPr>
+          <a:lstStyle>
+            <a:lvl1pPr marL="0" indent="0" algn="l">
+              <a:buNone/>
+              <a:defRPr sz="1800">
+                <a:solidFill>
+                  <a:schemeClr val="tx1">
+                    <a:lumMod val="65000"/>
+                    <a:lumOff val="35000"/>
+                  </a:schemeClr>
+                </a:solidFill>
+              </a:defRPr>
+            </a:lvl1pPr>
+            <a:lvl2pPr marL="457200" indent="0">
+              <a:buNone/>
+              <a:defRPr sz="1800">
+                <a:solidFill>
+                  <a:schemeClr val="tx1">
+                    <a:tint val="75000"/>
+                  </a:schemeClr>
+                </a:solidFill>
+              </a:defRPr>
+            </a:lvl2pPr>
+            <a:lvl3pPr marL="914400" indent="0">
+              <a:buNone/>
+              <a:defRPr sz="1600">
+                <a:solidFill>
+                  <a:schemeClr val="tx1">
+                    <a:tint val="75000"/>
+                  </a:schemeClr>
+                </a:solidFill>
+              </a:defRPr>
+            </a:lvl3pPr>
+            <a:lvl4pPr marL="1371600" indent="0">
+              <a:buNone/>
+              <a:defRPr sz="1400">
+                <a:solidFill>
+                  <a:schemeClr val="tx1">
+                    <a:tint val="75000"/>
+                  </a:schemeClr>
+                </a:solidFill>
+              </a:defRPr>
+            </a:lvl4pPr>
+            <a:lvl5pPr marL="1828800" indent="0">
+              <a:buNone/>
+              <a:defRPr sz="1400">
+                <a:solidFill>
+                  <a:schemeClr val="tx1">
+                    <a:tint val="75000"/>
+                  </a:schemeClr>
+                </a:solidFill>
+              </a:defRPr>
+            </a:lvl5pPr>
+            <a:lvl6pPr marL="2286000" indent="0">
+              <a:buNone/>
+              <a:defRPr sz="1400">
+                <a:solidFill>
+                  <a:schemeClr val="tx1">
+                    <a:tint val="75000"/>
+                  </a:schemeClr>
+                </a:solidFill>
+              </a:defRPr>
+            </a:lvl6pPr>
+            <a:lvl7pPr marL="2743200" indent="0">
+              <a:buNone/>
+              <a:defRPr sz="1400">
+                <a:solidFill>
+                  <a:schemeClr val="tx1">
+                    <a:tint val="75000"/>
+                  </a:schemeClr>
+                </a:solidFill>
+              </a:defRPr>
+            </a:lvl7pPr>
+            <a:lvl8pPr marL="3200400" indent="0">
+              <a:buNone/>
+              <a:defRPr sz="1400">
+                <a:solidFill>
+                  <a:schemeClr val="tx1">
+                    <a:tint val="75000"/>
+                  </a:schemeClr>
+                </a:solidFill>
+              </a:defRPr>
+            </a:lvl8pPr>
+            <a:lvl9pPr marL="3657600" indent="0">
+              <a:buNone/>
+              <a:defRPr sz="1400">
+                <a:solidFill>
+                  <a:schemeClr val="tx1">
+                    <a:tint val="75000"/>
+                  </a:schemeClr>
+                </a:solidFill>
+              </a:defRPr>
+            </a:lvl9pPr>
+          </a:lstStyle>
+          <a:p>
+            <a:pPr lvl="0"/>
+            <a:r>
+              <a:rPr lang="en-US"/>
+              <a:t>Edit Master text styles</a:t>
+            </a:r>
+          </a:p>
+        </p:txBody>
+      </p:sp>
+      <p:sp>
+        <p:nvSpPr>
+          <p:cNvPr id="4" name="Date Placeholder 3"/>
+          <p:cNvSpPr>
+            <a:spLocks noGrp="1"/>
+          </p:cNvSpPr>
+          <p:nvPr>
+            <p:ph type="dt" sz="half" idx="10"/>
+          </p:nvPr>
+        </p:nvSpPr>
+        <p:spPr/>
+        <p:txBody>
+          <a:bodyPr/>
+          <a:lstStyle/>
+          <a:p>
+            <a:fld id="{B61BEF0D-F0BB-DE4B-95CE-6DB70DBA9567}" type="datetimeFigureOut">
+              <a:rPr lang="en-US" dirty="0"/>
+              <a:pPr/>
+              <a:t>7/25/2018</a:t>
+            </a:fld>
+            <a:endParaRPr lang="en-US" dirty="0"/>
+          </a:p>
+        </p:txBody>
+      </p:sp>
+      <p:sp>
+        <p:nvSpPr>
+          <p:cNvPr id="5" name="Footer Placeholder 4"/>
+          <p:cNvSpPr>
+            <a:spLocks noGrp="1"/>
+          </p:cNvSpPr>
+          <p:nvPr>
+            <p:ph type="ftr" sz="quarter" idx="11"/>
+          </p:nvPr>
+        </p:nvSpPr>
+        <p:spPr/>
+        <p:txBody>
+          <a:bodyPr/>
+          <a:lstStyle/>
+          <a:p>
+            <a:endParaRPr lang="en-US" dirty="0"/>
+          </a:p>
+        </p:txBody>
+      </p:sp>
+      <p:sp>
+        <p:nvSpPr>
+          <p:cNvPr id="9" name="Freeform 11"/>
+          <p:cNvSpPr/>
+          <p:nvPr/>
+        </p:nvSpPr>
+        <p:spPr bwMode="auto">
+          <a:xfrm flipV="1">
+            <a:off x="-4189" y="3178175"/>
+            <a:ext cx="1588527" cy="507297"/>
+          </a:xfrm>
+          <a:custGeom>
+            <a:avLst/>
+            <a:gdLst/>
+            <a:ahLst/>
+            <a:cxnLst/>
+            <a:rect l="l" t="t" r="r" b="b"/>
+            <a:pathLst>
+              <a:path w="9248" h="10000">
+                <a:moveTo>
+                  <a:pt x="9248" y="4701"/>
+                </a:moveTo>
+                <a:lnTo>
+                  <a:pt x="7915" y="188"/>
+                </a:lnTo>
+                <a:cubicBezTo>
+                  <a:pt x="7906" y="156"/>
+                  <a:pt x="7895" y="126"/>
+                  <a:pt x="7886" y="94"/>
+                </a:cubicBezTo>
+                <a:cubicBezTo>
+                  <a:pt x="7859" y="0"/>
+                  <a:pt x="7831" y="0"/>
+                  <a:pt x="7803" y="0"/>
+                </a:cubicBezTo>
+                <a:lnTo>
+                  <a:pt x="7275" y="0"/>
+                </a:lnTo>
+                <a:lnTo>
+                  <a:pt x="0" y="70"/>
+                </a:lnTo>
+                <a:cubicBezTo>
+                  <a:pt x="8" y="3380"/>
+                  <a:pt x="17" y="6690"/>
+                  <a:pt x="25" y="10000"/>
+                </a:cubicBezTo>
+                <a:lnTo>
+                  <a:pt x="7275" y="9966"/>
+                </a:lnTo>
+                <a:lnTo>
+                  <a:pt x="7803" y="9966"/>
+                </a:lnTo>
+                <a:cubicBezTo>
+                  <a:pt x="7831" y="9966"/>
+                  <a:pt x="7859" y="9872"/>
+                  <a:pt x="7886" y="9872"/>
+                </a:cubicBezTo>
+                <a:cubicBezTo>
+                  <a:pt x="7886" y="9778"/>
+                  <a:pt x="7915" y="9778"/>
+                  <a:pt x="7915" y="9778"/>
+                </a:cubicBezTo>
+                <a:lnTo>
+                  <a:pt x="9248" y="5265"/>
+                </a:lnTo>
+                <a:cubicBezTo>
+                  <a:pt x="9303" y="5077"/>
+                  <a:pt x="9303" y="4889"/>
+                  <a:pt x="9248" y="4701"/>
+                </a:cubicBezTo>
+                <a:close/>
+              </a:path>
+            </a:pathLst>
+          </a:custGeom>
+          <a:solidFill>
+            <a:schemeClr val="accent1"/>
+          </a:solidFill>
+          <a:ln>
+            <a:noFill/>
+          </a:ln>
+        </p:spPr>
+      </p:sp>
+      <p:sp>
+        <p:nvSpPr>
+          <p:cNvPr id="6" name="Slide Number Placeholder 5"/>
+          <p:cNvSpPr>
+            <a:spLocks noGrp="1"/>
+          </p:cNvSpPr>
+          <p:nvPr>
+            <p:ph type="sldNum" sz="quarter" idx="12"/>
+          </p:nvPr>
+        </p:nvSpPr>
+        <p:spPr>
+          <a:xfrm>
+            <a:off x="531812" y="3244139"/>
+            <a:ext cx="779767" cy="365125"/>
+          </a:xfrm>
+        </p:spPr>
+        <p:txBody>
+          <a:bodyPr/>
+          <a:lstStyle/>
+          <a:p>
+            <a:fld id="{D57F1E4F-1CFF-5643-939E-217C01CDF565}" type="slidenum">
+              <a:rPr lang="en-US" dirty="0"/>
+              <a:pPr/>
+              <a:t>‹#›</a:t>
+            </a:fld>
+            <a:endParaRPr lang="en-US" dirty="0"/>
+          </a:p>
+        </p:txBody>
+      </p:sp>
+    </p:spTree>
+  </p:cSld>
+  <p:clrMapOvr>
+    <a:masterClrMapping/>
+  </p:clrMapOvr>
+</p:sldLayout>
+</file>
+
+<file path=ppt/slideLayouts/slideLayout11.xml><?xml version="1.0" encoding="utf-8"?>
+<p:sldLayout xmlns:a="http://schemas.openxmlformats.org/drawingml/2006/main" xmlns:r="http://schemas.openxmlformats.org/officeDocument/2006/relationships" xmlns:p="http://schemas.openxmlformats.org/presentationml/2006/main" preserve="1">
+  <p:cSld name="Quote with Caption">
+    <p:spTree>
+      <p:nvGrpSpPr>
+        <p:cNvPr id="1" name=""/>
+        <p:cNvGrpSpPr/>
+        <p:nvPr/>
+      </p:nvGrpSpPr>
+      <p:grpSpPr>
+        <a:xfrm>
+          <a:off x="0" y="0"/>
+          <a:ext cx="0" cy="0"/>
+          <a:chOff x="0" y="0"/>
+          <a:chExt cx="0" cy="0"/>
+        </a:xfrm>
+      </p:grpSpPr>
+      <p:sp>
+        <p:nvSpPr>
+          <p:cNvPr id="2" name="Title 1"/>
+          <p:cNvSpPr>
+            <a:spLocks noGrp="1"/>
+          </p:cNvSpPr>
+          <p:nvPr>
+            <p:ph type="title"/>
+          </p:nvPr>
+        </p:nvSpPr>
+        <p:spPr>
+          <a:xfrm>
+            <a:off x="2849949" y="609600"/>
+            <a:ext cx="8393926" cy="2895600"/>
+          </a:xfrm>
+        </p:spPr>
+        <p:txBody>
+          <a:bodyPr anchor="ctr">
+            <a:normAutofit/>
+          </a:bodyPr>
+          <a:lstStyle>
+            <a:lvl1pPr algn="l">
+              <a:defRPr sz="4800" b="0" cap="none"/>
+            </a:lvl1pPr>
+          </a:lstStyle>
+          <a:p>
+            <a:r>
+              <a:rPr lang="en-US"/>
+              <a:t>Click to edit Master title style</a:t>
+            </a:r>
+            <a:endParaRPr lang="en-US" dirty="0"/>
+          </a:p>
+        </p:txBody>
+      </p:sp>
+      <p:sp>
+        <p:nvSpPr>
+          <p:cNvPr id="13" name="Text Placeholder 9"/>
+          <p:cNvSpPr>
+            <a:spLocks noGrp="1"/>
+          </p:cNvSpPr>
+          <p:nvPr>
+            <p:ph type="body" sz="quarter" idx="13"/>
+          </p:nvPr>
+        </p:nvSpPr>
+        <p:spPr>
+          <a:xfrm>
+            <a:off x="3275012" y="3505200"/>
+            <a:ext cx="7536554" cy="381000"/>
+          </a:xfrm>
+        </p:spPr>
+        <p:txBody>
+          <a:bodyPr anchor="ctr">
+            <a:noAutofit/>
+          </a:bodyPr>
+          <a:lstStyle>
+            <a:lvl1pPr marL="0" indent="0">
+              <a:buFontTx/>
+              <a:buNone/>
+              <a:defRPr sz="1600">
+                <a:solidFill>
+                  <a:schemeClr val="tx1">
+                    <a:lumMod val="50000"/>
+                    <a:lumOff val="50000"/>
+                  </a:schemeClr>
+                </a:solidFill>
+              </a:defRPr>
+            </a:lvl1pPr>
+            <a:lvl2pPr marL="457200" indent="0">
+              <a:buFontTx/>
+              <a:buNone/>
+              <a:defRPr/>
+            </a:lvl2pPr>
+            <a:lvl3pPr marL="914400" indent="0">
+              <a:buFontTx/>
+              <a:buNone/>
+              <a:defRPr/>
+            </a:lvl3pPr>
+            <a:lvl4pPr marL="1371600" indent="0">
+              <a:buFontTx/>
+              <a:buNone/>
+              <a:defRPr/>
+            </a:lvl4pPr>
+            <a:lvl5pPr marL="1828800" indent="0">
+              <a:buFontTx/>
+              <a:buNone/>
+              <a:defRPr/>
+            </a:lvl5pPr>
+          </a:lstStyle>
+          <a:p>
+            <a:pPr lvl="0"/>
+            <a:r>
+              <a:rPr lang="en-US"/>
+              <a:t>Edit Master text styles</a:t>
+            </a:r>
+          </a:p>
+        </p:txBody>
+      </p:sp>
+      <p:sp>
+        <p:nvSpPr>
+          <p:cNvPr id="3" name="Text Placeholder 2"/>
+          <p:cNvSpPr>
+            <a:spLocks noGrp="1"/>
+          </p:cNvSpPr>
+          <p:nvPr>
+            <p:ph type="body" idx="1"/>
+          </p:nvPr>
+        </p:nvSpPr>
+        <p:spPr>
+          <a:xfrm>
+            <a:off x="2589212" y="4354046"/>
+            <a:ext cx="8915399" cy="1555864"/>
+          </a:xfrm>
+        </p:spPr>
+        <p:txBody>
+          <a:bodyPr anchor="ctr">
+            <a:normAutofit/>
+          </a:bodyPr>
+          <a:lstStyle>
+            <a:lvl1pPr marL="0" indent="0" algn="l">
+              <a:buNone/>
+              <a:defRPr sz="1800">
+                <a:solidFill>
+                  <a:schemeClr val="tx1">
+                    <a:lumMod val="65000"/>
+                    <a:lumOff val="35000"/>
+                  </a:schemeClr>
+                </a:solidFill>
+              </a:defRPr>
+            </a:lvl1pPr>
+            <a:lvl2pPr marL="457200" indent="0">
+              <a:buNone/>
+              <a:defRPr sz="1800">
+                <a:solidFill>
+                  <a:schemeClr val="tx1">
+                    <a:tint val="75000"/>
+                  </a:schemeClr>
+                </a:solidFill>
+              </a:defRPr>
+            </a:lvl2pPr>
+            <a:lvl3pPr marL="914400" indent="0">
+              <a:buNone/>
+              <a:defRPr sz="1600">
+                <a:solidFill>
+                  <a:schemeClr val="tx1">
+                    <a:tint val="75000"/>
+                  </a:schemeClr>
+                </a:solidFill>
+              </a:defRPr>
+            </a:lvl3pPr>
+            <a:lvl4pPr marL="1371600" indent="0">
+              <a:buNone/>
+              <a:defRPr sz="1400">
+                <a:solidFill>
+                  <a:schemeClr val="tx1">
+                    <a:tint val="75000"/>
+                  </a:schemeClr>
+                </a:solidFill>
+              </a:defRPr>
+            </a:lvl4pPr>
+            <a:lvl5pPr marL="1828800" indent="0">
+              <a:buNone/>
+              <a:defRPr sz="1400">
+                <a:solidFill>
+                  <a:schemeClr val="tx1">
+                    <a:tint val="75000"/>
+                  </a:schemeClr>
+                </a:solidFill>
+              </a:defRPr>
+            </a:lvl5pPr>
+            <a:lvl6pPr marL="2286000" indent="0">
+              <a:buNone/>
+              <a:defRPr sz="1400">
+                <a:solidFill>
+                  <a:schemeClr val="tx1">
+                    <a:tint val="75000"/>
+                  </a:schemeClr>
+                </a:solidFill>
+              </a:defRPr>
+            </a:lvl6pPr>
+            <a:lvl7pPr marL="2743200" indent="0">
+              <a:buNone/>
+              <a:defRPr sz="1400">
+                <a:solidFill>
+                  <a:schemeClr val="tx1">
+                    <a:tint val="75000"/>
+                  </a:schemeClr>
+                </a:solidFill>
+              </a:defRPr>
+            </a:lvl7pPr>
+            <a:lvl8pPr marL="3200400" indent="0">
+              <a:buNone/>
+              <a:defRPr sz="1400">
+                <a:solidFill>
+                  <a:schemeClr val="tx1">
+                    <a:tint val="75000"/>
+                  </a:schemeClr>
+                </a:solidFill>
+              </a:defRPr>
+            </a:lvl8pPr>
+            <a:lvl9pPr marL="3657600" indent="0">
+              <a:buNone/>
+              <a:defRPr sz="1400">
+                <a:solidFill>
+                  <a:schemeClr val="tx1">
+                    <a:tint val="75000"/>
+                  </a:schemeClr>
+                </a:solidFill>
+              </a:defRPr>
+            </a:lvl9pPr>
+          </a:lstStyle>
+          <a:p>
+            <a:pPr lvl="0"/>
+            <a:r>
+              <a:rPr lang="en-US"/>
+              <a:t>Edit Master text styles</a:t>
+            </a:r>
+          </a:p>
+        </p:txBody>
+      </p:sp>
+      <p:sp>
+        <p:nvSpPr>
+          <p:cNvPr id="4" name="Date Placeholder 3"/>
+          <p:cNvSpPr>
+            <a:spLocks noGrp="1"/>
+          </p:cNvSpPr>
+          <p:nvPr>
+            <p:ph type="dt" sz="half" idx="10"/>
+          </p:nvPr>
+        </p:nvSpPr>
+        <p:spPr/>
+        <p:txBody>
+          <a:bodyPr/>
+          <a:lstStyle/>
+          <a:p>
+            <a:fld id="{B61BEF0D-F0BB-DE4B-95CE-6DB70DBA9567}" type="datetimeFigureOut">
+              <a:rPr lang="en-US" dirty="0"/>
+              <a:pPr/>
+              <a:t>7/25/2018</a:t>
+            </a:fld>
+            <a:endParaRPr lang="en-US" dirty="0"/>
+          </a:p>
+        </p:txBody>
+      </p:sp>
+      <p:sp>
+        <p:nvSpPr>
+          <p:cNvPr id="5" name="Footer Placeholder 4"/>
+          <p:cNvSpPr>
+            <a:spLocks noGrp="1"/>
+          </p:cNvSpPr>
+          <p:nvPr>
+            <p:ph type="ftr" sz="quarter" idx="11"/>
+          </p:nvPr>
+        </p:nvSpPr>
+        <p:spPr/>
+        <p:txBody>
+          <a:bodyPr/>
+          <a:lstStyle/>
+          <a:p>
+            <a:endParaRPr lang="en-US" dirty="0"/>
+          </a:p>
+        </p:txBody>
+      </p:sp>
+      <p:sp>
+        <p:nvSpPr>
+          <p:cNvPr id="11" name="Freeform 11"/>
+          <p:cNvSpPr/>
+          <p:nvPr/>
+        </p:nvSpPr>
+        <p:spPr bwMode="auto">
+          <a:xfrm flipV="1">
+            <a:off x="-4189" y="3178175"/>
+            <a:ext cx="1588527" cy="507297"/>
+          </a:xfrm>
+          <a:custGeom>
+            <a:avLst/>
+            <a:gdLst/>
+            <a:ahLst/>
+            <a:cxnLst/>
+            <a:rect l="l" t="t" r="r" b="b"/>
+            <a:pathLst>
+              <a:path w="9248" h="10000">
+                <a:moveTo>
+                  <a:pt x="9248" y="4701"/>
+                </a:moveTo>
+                <a:lnTo>
+                  <a:pt x="7915" y="188"/>
+                </a:lnTo>
+                <a:cubicBezTo>
+                  <a:pt x="7906" y="156"/>
+                  <a:pt x="7895" y="126"/>
+                  <a:pt x="7886" y="94"/>
+                </a:cubicBezTo>
+                <a:cubicBezTo>
+                  <a:pt x="7859" y="0"/>
+                  <a:pt x="7831" y="0"/>
+                  <a:pt x="7803" y="0"/>
+                </a:cubicBezTo>
+                <a:lnTo>
+                  <a:pt x="7275" y="0"/>
+                </a:lnTo>
+                <a:lnTo>
+                  <a:pt x="0" y="70"/>
+                </a:lnTo>
+                <a:cubicBezTo>
+                  <a:pt x="8" y="3380"/>
+                  <a:pt x="17" y="6690"/>
+                  <a:pt x="25" y="10000"/>
+                </a:cubicBezTo>
+                <a:lnTo>
+                  <a:pt x="7275" y="9966"/>
+                </a:lnTo>
+                <a:lnTo>
+                  <a:pt x="7803" y="9966"/>
+                </a:lnTo>
+                <a:cubicBezTo>
+                  <a:pt x="7831" y="9966"/>
+                  <a:pt x="7859" y="9872"/>
+                  <a:pt x="7886" y="9872"/>
+                </a:cubicBezTo>
+                <a:cubicBezTo>
+                  <a:pt x="7886" y="9778"/>
+                  <a:pt x="7915" y="9778"/>
+                  <a:pt x="7915" y="9778"/>
+                </a:cubicBezTo>
+                <a:lnTo>
+                  <a:pt x="9248" y="5265"/>
+                </a:lnTo>
+                <a:cubicBezTo>
+                  <a:pt x="9303" y="5077"/>
+                  <a:pt x="9303" y="4889"/>
+                  <a:pt x="9248" y="4701"/>
+                </a:cubicBezTo>
+                <a:close/>
+              </a:path>
+            </a:pathLst>
+          </a:custGeom>
+          <a:solidFill>
+            <a:schemeClr val="accent1"/>
+          </a:solidFill>
+          <a:ln>
+            <a:noFill/>
+          </a:ln>
+        </p:spPr>
+      </p:sp>
+      <p:sp>
+        <p:nvSpPr>
+          <p:cNvPr id="6" name="Slide Number Placeholder 5"/>
+          <p:cNvSpPr>
+            <a:spLocks noGrp="1"/>
+          </p:cNvSpPr>
+          <p:nvPr>
+            <p:ph type="sldNum" sz="quarter" idx="12"/>
+          </p:nvPr>
+        </p:nvSpPr>
+        <p:spPr>
+          <a:xfrm>
+            <a:off x="531812" y="3244139"/>
+            <a:ext cx="779767" cy="365125"/>
+          </a:xfrm>
+        </p:spPr>
+        <p:txBody>
+          <a:bodyPr/>
+          <a:lstStyle/>
+          <a:p>
+            <a:fld id="{D57F1E4F-1CFF-5643-939E-217C01CDF565}" type="slidenum">
+              <a:rPr lang="en-US" dirty="0"/>
+              <a:pPr/>
+              <a:t>‹#›</a:t>
+            </a:fld>
+            <a:endParaRPr lang="en-US" dirty="0"/>
+          </a:p>
+        </p:txBody>
+      </p:sp>
+      <p:sp>
+        <p:nvSpPr>
+          <p:cNvPr id="14" name="TextBox 13"/>
+          <p:cNvSpPr txBox="1"/>
+          <p:nvPr/>
+        </p:nvSpPr>
+        <p:spPr>
+          <a:xfrm>
+            <a:off x="2467652" y="648005"/>
+            <a:ext cx="609600" cy="584776"/>
+          </a:xfrm>
+          <a:prstGeom prst="rect">
+            <a:avLst/>
+          </a:prstGeom>
+        </p:spPr>
+        <p:txBody>
+          <a:bodyPr vert="horz" lIns="91440" tIns="45720" rIns="91440" bIns="45720" rtlCol="0" anchor="ctr">
+            <a:noAutofit/>
+          </a:bodyPr>
+          <a:lstStyle/>
+          <a:p>
+            <a:pPr lvl="0"/>
+            <a:r>
+              <a:rPr lang="en-US" sz="8000" baseline="0" dirty="0">
+                <a:ln w="3175" cmpd="sng">
+                  <a:noFill/>
+                </a:ln>
+                <a:solidFill>
+                  <a:schemeClr val="accent1"/>
+                </a:solidFill>
+                <a:effectLst/>
+                <a:latin typeface="Arial"/>
+              </a:rPr>
+              <a:t>“</a:t>
+            </a:r>
+          </a:p>
+        </p:txBody>
+      </p:sp>
+      <p:sp>
+        <p:nvSpPr>
+          <p:cNvPr id="15" name="TextBox 14"/>
+          <p:cNvSpPr txBox="1"/>
+          <p:nvPr/>
+        </p:nvSpPr>
+        <p:spPr>
+          <a:xfrm>
+            <a:off x="11114852" y="2905306"/>
+            <a:ext cx="609600" cy="584776"/>
+          </a:xfrm>
+          <a:prstGeom prst="rect">
+            <a:avLst/>
+          </a:prstGeom>
+        </p:spPr>
+        <p:txBody>
+          <a:bodyPr vert="horz" lIns="91440" tIns="45720" rIns="91440" bIns="45720" rtlCol="0" anchor="ctr">
+            <a:noAutofit/>
+          </a:bodyPr>
+          <a:lstStyle/>
+          <a:p>
+            <a:pPr lvl="0"/>
+            <a:r>
+              <a:rPr lang="en-US" sz="8000" baseline="0" dirty="0">
+                <a:ln w="3175" cmpd="sng">
+                  <a:noFill/>
+                </a:ln>
+                <a:solidFill>
+                  <a:schemeClr val="accent1"/>
+                </a:solidFill>
+                <a:effectLst/>
+                <a:latin typeface="Arial"/>
+              </a:rPr>
+              <a:t>”</a:t>
+            </a:r>
+          </a:p>
+        </p:txBody>
+      </p:sp>
+    </p:spTree>
+  </p:cSld>
+  <p:clrMapOvr>
+    <a:masterClrMapping/>
+  </p:clrMapOvr>
+</p:sldLayout>
+</file>
+
+<file path=ppt/slideLayouts/slideLayout12.xml><?xml version="1.0" encoding="utf-8"?>
+<p:sldLayout xmlns:a="http://schemas.openxmlformats.org/drawingml/2006/main" xmlns:r="http://schemas.openxmlformats.org/officeDocument/2006/relationships" xmlns:p="http://schemas.openxmlformats.org/presentationml/2006/main" preserve="1">
+  <p:cSld name="Name Card">
+    <p:spTree>
+      <p:nvGrpSpPr>
+        <p:cNvPr id="1" name=""/>
+        <p:cNvGrpSpPr/>
+        <p:nvPr/>
+      </p:nvGrpSpPr>
+      <p:grpSpPr>
+        <a:xfrm>
+          <a:off x="0" y="0"/>
+          <a:ext cx="0" cy="0"/>
+          <a:chOff x="0" y="0"/>
+          <a:chExt cx="0" cy="0"/>
+        </a:xfrm>
+      </p:grpSpPr>
+      <p:sp>
+        <p:nvSpPr>
+          <p:cNvPr id="2" name="Title 1"/>
+          <p:cNvSpPr>
+            <a:spLocks noGrp="1"/>
+          </p:cNvSpPr>
+          <p:nvPr>
+            <p:ph type="title"/>
+          </p:nvPr>
+        </p:nvSpPr>
+        <p:spPr>
+          <a:xfrm>
+            <a:off x="2589213" y="2438400"/>
+            <a:ext cx="8915400" cy="2724845"/>
+          </a:xfrm>
+        </p:spPr>
+        <p:txBody>
+          <a:bodyPr anchor="b">
+            <a:normAutofit/>
+          </a:bodyPr>
+          <a:lstStyle>
+            <a:lvl1pPr algn="l">
+              <a:defRPr sz="4800" b="0"/>
+            </a:lvl1pPr>
+          </a:lstStyle>
+          <a:p>
+            <a:r>
+              <a:rPr lang="en-US"/>
+              <a:t>Click to edit Master title style</a:t>
+            </a:r>
+            <a:endParaRPr lang="en-US" dirty="0"/>
+          </a:p>
+        </p:txBody>
+      </p:sp>
+      <p:sp>
+        <p:nvSpPr>
+          <p:cNvPr id="4" name="Text Placeholder 3"/>
+          <p:cNvSpPr>
+            <a:spLocks noGrp="1"/>
+          </p:cNvSpPr>
+          <p:nvPr>
+            <p:ph type="body" sz="half" idx="2"/>
+          </p:nvPr>
+        </p:nvSpPr>
+        <p:spPr>
+          <a:xfrm>
+            <a:off x="2589213" y="5181600"/>
+            <a:ext cx="8915400" cy="729622"/>
+          </a:xfrm>
+        </p:spPr>
+        <p:txBody>
+          <a:bodyPr vert="horz" lIns="91440" tIns="45720" rIns="91440" bIns="45720" rtlCol="0" anchor="t">
+            <a:normAutofit/>
+          </a:bodyPr>
+          <a:lstStyle>
+            <a:lvl1pPr>
+              <a:buNone/>
+              <a:defRPr lang="en-US">
+                <a:solidFill>
+                  <a:schemeClr val="tx1">
+                    <a:lumMod val="65000"/>
+                    <a:lumOff val="35000"/>
+                  </a:schemeClr>
+                </a:solidFill>
+              </a:defRPr>
+            </a:lvl1pPr>
+          </a:lstStyle>
+          <a:p>
+            <a:pPr marL="0" lvl="0" indent="0">
+              <a:buNone/>
+            </a:pPr>
+            <a:r>
+              <a:rPr lang="en-US"/>
+              <a:t>Edit Master text styles</a:t>
+            </a:r>
+          </a:p>
+        </p:txBody>
+      </p:sp>
+      <p:sp>
+        <p:nvSpPr>
+          <p:cNvPr id="5" name="Date Placeholder 4"/>
+          <p:cNvSpPr>
+            <a:spLocks noGrp="1"/>
+          </p:cNvSpPr>
+          <p:nvPr>
+            <p:ph type="dt" sz="half" idx="10"/>
+          </p:nvPr>
+        </p:nvSpPr>
+        <p:spPr/>
+        <p:txBody>
+          <a:bodyPr/>
+          <a:lstStyle/>
+          <a:p>
+            <a:fld id="{B61BEF0D-F0BB-DE4B-95CE-6DB70DBA9567}" type="datetimeFigureOut">
+              <a:rPr lang="en-US" dirty="0"/>
+              <a:pPr/>
+              <a:t>7/25/2018</a:t>
+            </a:fld>
+            <a:endParaRPr lang="en-US" dirty="0"/>
+          </a:p>
+        </p:txBody>
+      </p:sp>
+      <p:sp>
+        <p:nvSpPr>
+          <p:cNvPr id="6" name="Footer Placeholder 5"/>
+          <p:cNvSpPr>
+            <a:spLocks noGrp="1"/>
+          </p:cNvSpPr>
+          <p:nvPr>
+            <p:ph type="ftr" sz="quarter" idx="11"/>
+          </p:nvPr>
+        </p:nvSpPr>
+        <p:spPr/>
+        <p:txBody>
+          <a:bodyPr/>
+          <a:lstStyle/>
+          <a:p>
+            <a:endParaRPr lang="en-US" dirty="0"/>
+          </a:p>
+        </p:txBody>
+      </p:sp>
+      <p:sp>
+        <p:nvSpPr>
+          <p:cNvPr id="9" name="Freeform 11"/>
+          <p:cNvSpPr/>
+          <p:nvPr/>
+        </p:nvSpPr>
+        <p:spPr bwMode="auto">
+          <a:xfrm flipV="1">
+            <a:off x="-4189" y="4911725"/>
+            <a:ext cx="1588527" cy="507297"/>
+          </a:xfrm>
+          <a:custGeom>
+            <a:avLst/>
+            <a:gdLst/>
+            <a:ahLst/>
+            <a:cxnLst/>
+            <a:rect l="l" t="t" r="r" b="b"/>
+            <a:pathLst>
+              <a:path w="9248" h="10000">
+                <a:moveTo>
+                  <a:pt x="9248" y="4701"/>
+                </a:moveTo>
+                <a:lnTo>
+                  <a:pt x="7915" y="188"/>
+                </a:lnTo>
+                <a:cubicBezTo>
+                  <a:pt x="7906" y="156"/>
+                  <a:pt x="7895" y="126"/>
+                  <a:pt x="7886" y="94"/>
+                </a:cubicBezTo>
+                <a:cubicBezTo>
+                  <a:pt x="7859" y="0"/>
+                  <a:pt x="7831" y="0"/>
+                  <a:pt x="7803" y="0"/>
+                </a:cubicBezTo>
+                <a:lnTo>
+                  <a:pt x="7275" y="0"/>
+                </a:lnTo>
+                <a:lnTo>
+                  <a:pt x="0" y="70"/>
+                </a:lnTo>
+                <a:cubicBezTo>
+                  <a:pt x="8" y="3380"/>
+                  <a:pt x="17" y="6690"/>
+                  <a:pt x="25" y="10000"/>
+                </a:cubicBezTo>
+                <a:lnTo>
+                  <a:pt x="7275" y="9966"/>
+                </a:lnTo>
+                <a:lnTo>
+                  <a:pt x="7803" y="9966"/>
+                </a:lnTo>
+                <a:cubicBezTo>
+                  <a:pt x="7831" y="9966"/>
+                  <a:pt x="7859" y="9872"/>
+                  <a:pt x="7886" y="9872"/>
+                </a:cubicBezTo>
+                <a:cubicBezTo>
+                  <a:pt x="7886" y="9778"/>
+                  <a:pt x="7915" y="9778"/>
+                  <a:pt x="7915" y="9778"/>
+                </a:cubicBezTo>
+                <a:lnTo>
+                  <a:pt x="9248" y="5265"/>
+                </a:lnTo>
+                <a:cubicBezTo>
+                  <a:pt x="9303" y="5077"/>
+                  <a:pt x="9303" y="4889"/>
+                  <a:pt x="9248" y="4701"/>
+                </a:cubicBezTo>
+                <a:close/>
+              </a:path>
+            </a:pathLst>
+          </a:custGeom>
+          <a:solidFill>
+            <a:schemeClr val="accent1"/>
+          </a:solidFill>
+          <a:ln>
+            <a:noFill/>
+          </a:ln>
+        </p:spPr>
+      </p:sp>
+      <p:sp>
+        <p:nvSpPr>
+          <p:cNvPr id="7" name="Slide Number Placeholder 6"/>
+          <p:cNvSpPr>
+            <a:spLocks noGrp="1"/>
+          </p:cNvSpPr>
+          <p:nvPr>
+            <p:ph type="sldNum" sz="quarter" idx="12"/>
+          </p:nvPr>
+        </p:nvSpPr>
+        <p:spPr>
+          <a:xfrm>
+            <a:off x="531812" y="4983087"/>
+            <a:ext cx="779767" cy="365125"/>
+          </a:xfrm>
+        </p:spPr>
+        <p:txBody>
+          <a:bodyPr/>
+          <a:lstStyle/>
+          <a:p>
+            <a:fld id="{D57F1E4F-1CFF-5643-939E-217C01CDF565}" type="slidenum">
+              <a:rPr lang="en-US" dirty="0"/>
+              <a:pPr/>
+              <a:t>‹#›</a:t>
+            </a:fld>
+            <a:endParaRPr lang="en-US" dirty="0"/>
+          </a:p>
+        </p:txBody>
+      </p:sp>
+    </p:spTree>
+  </p:cSld>
+  <p:clrMapOvr>
+    <a:masterClrMapping/>
+  </p:clrMapOvr>
+</p:sldLayout>
+</file>
+
+<file path=ppt/slideLayouts/slideLayout13.xml><?xml version="1.0" encoding="utf-8"?>
+<p:sldLayout xmlns:a="http://schemas.openxmlformats.org/drawingml/2006/main" xmlns:r="http://schemas.openxmlformats.org/officeDocument/2006/relationships" xmlns:p="http://schemas.openxmlformats.org/presentationml/2006/main" preserve="1">
+  <p:cSld name="Quote Name Card">
+    <p:spTree>
+      <p:nvGrpSpPr>
+        <p:cNvPr id="1" name=""/>
+        <p:cNvGrpSpPr/>
+        <p:nvPr/>
+      </p:nvGrpSpPr>
+      <p:grpSpPr>
+        <a:xfrm>
+          <a:off x="0" y="0"/>
+          <a:ext cx="0" cy="0"/>
+          <a:chOff x="0" y="0"/>
+          <a:chExt cx="0" cy="0"/>
+        </a:xfrm>
+      </p:grpSpPr>
+      <p:sp>
+        <p:nvSpPr>
+          <p:cNvPr id="12" name="Title 1"/>
+          <p:cNvSpPr>
+            <a:spLocks noGrp="1"/>
+          </p:cNvSpPr>
+          <p:nvPr>
+            <p:ph type="title"/>
+          </p:nvPr>
+        </p:nvSpPr>
+        <p:spPr>
+          <a:xfrm>
+            <a:off x="2849949" y="609600"/>
+            <a:ext cx="8393926" cy="2895600"/>
+          </a:xfrm>
+        </p:spPr>
+        <p:txBody>
+          <a:bodyPr anchor="ctr">
+            <a:normAutofit/>
+          </a:bodyPr>
+          <a:lstStyle>
+            <a:lvl1pPr algn="l">
+              <a:defRPr sz="4800" b="0" cap="none"/>
+            </a:lvl1pPr>
+          </a:lstStyle>
+          <a:p>
+            <a:r>
+              <a:rPr lang="en-US"/>
+              <a:t>Click to edit Master title style</a:t>
+            </a:r>
+            <a:endParaRPr lang="en-US" dirty="0"/>
+          </a:p>
+        </p:txBody>
+      </p:sp>
+      <p:sp>
+        <p:nvSpPr>
+          <p:cNvPr id="21" name="Text Placeholder 9"/>
+          <p:cNvSpPr>
+            <a:spLocks noGrp="1"/>
+          </p:cNvSpPr>
+          <p:nvPr>
+            <p:ph type="body" sz="quarter" idx="13"/>
+          </p:nvPr>
+        </p:nvSpPr>
+        <p:spPr>
+          <a:xfrm>
+            <a:off x="2589212" y="4343400"/>
+            <a:ext cx="8915400" cy="838200"/>
+          </a:xfrm>
+        </p:spPr>
+        <p:txBody>
+          <a:bodyPr anchor="b">
+            <a:noAutofit/>
+          </a:bodyPr>
+          <a:lstStyle>
+            <a:lvl1pPr marL="0" indent="0">
+              <a:buFontTx/>
+              <a:buNone/>
+              <a:defRPr sz="2400">
+                <a:solidFill>
+                  <a:schemeClr val="accent1"/>
+                </a:solidFill>
+              </a:defRPr>
+            </a:lvl1pPr>
+            <a:lvl2pPr marL="457200" indent="0">
+              <a:buFontTx/>
+              <a:buNone/>
+              <a:defRPr/>
+            </a:lvl2pPr>
+            <a:lvl3pPr marL="914400" indent="0">
+              <a:buFontTx/>
+              <a:buNone/>
+              <a:defRPr/>
+            </a:lvl3pPr>
+            <a:lvl4pPr marL="1371600" indent="0">
+              <a:buFontTx/>
+              <a:buNone/>
+              <a:defRPr/>
+            </a:lvl4pPr>
+            <a:lvl5pPr marL="1828800" indent="0">
+              <a:buFontTx/>
+              <a:buNone/>
+              <a:defRPr/>
+            </a:lvl5pPr>
+          </a:lstStyle>
+          <a:p>
+            <a:pPr lvl="0"/>
+            <a:r>
+              <a:rPr lang="en-US"/>
+              <a:t>Edit Master text styles</a:t>
+            </a:r>
+          </a:p>
+        </p:txBody>
+      </p:sp>
+      <p:sp>
+        <p:nvSpPr>
+          <p:cNvPr id="4" name="Text Placeholder 3"/>
+          <p:cNvSpPr>
+            <a:spLocks noGrp="1"/>
+          </p:cNvSpPr>
+          <p:nvPr>
+            <p:ph type="body" sz="half" idx="2"/>
+          </p:nvPr>
+        </p:nvSpPr>
+        <p:spPr>
+          <a:xfrm>
+            <a:off x="2589213" y="5181600"/>
+            <a:ext cx="8915400" cy="729622"/>
+          </a:xfrm>
+        </p:spPr>
+        <p:txBody>
+          <a:bodyPr vert="horz" lIns="91440" tIns="45720" rIns="91440" bIns="45720" rtlCol="0" anchor="t">
+            <a:normAutofit/>
+          </a:bodyPr>
+          <a:lstStyle>
+            <a:lvl1pPr>
+              <a:buNone/>
+              <a:defRPr lang="en-US">
+                <a:solidFill>
+                  <a:schemeClr val="tx1">
+                    <a:lumMod val="65000"/>
+                    <a:lumOff val="35000"/>
+                  </a:schemeClr>
+                </a:solidFill>
+              </a:defRPr>
+            </a:lvl1pPr>
+          </a:lstStyle>
+          <a:p>
+            <a:pPr marL="0" lvl="0" indent="0">
+              <a:buNone/>
+            </a:pPr>
+            <a:r>
+              <a:rPr lang="en-US"/>
+              <a:t>Edit Master text styles</a:t>
+            </a:r>
+          </a:p>
+        </p:txBody>
+      </p:sp>
+      <p:sp>
+        <p:nvSpPr>
+          <p:cNvPr id="5" name="Date Placeholder 4"/>
+          <p:cNvSpPr>
+            <a:spLocks noGrp="1"/>
+          </p:cNvSpPr>
+          <p:nvPr>
+            <p:ph type="dt" sz="half" idx="10"/>
+          </p:nvPr>
+        </p:nvSpPr>
+        <p:spPr/>
+        <p:txBody>
+          <a:bodyPr/>
+          <a:lstStyle/>
+          <a:p>
+            <a:fld id="{B61BEF0D-F0BB-DE4B-95CE-6DB70DBA9567}" type="datetimeFigureOut">
+              <a:rPr lang="en-US" dirty="0"/>
+              <a:pPr/>
+              <a:t>7/25/2018</a:t>
+            </a:fld>
+            <a:endParaRPr lang="en-US" dirty="0"/>
+          </a:p>
+        </p:txBody>
+      </p:sp>
+      <p:sp>
+        <p:nvSpPr>
+          <p:cNvPr id="6" name="Footer Placeholder 5"/>
+          <p:cNvSpPr>
+            <a:spLocks noGrp="1"/>
+          </p:cNvSpPr>
+          <p:nvPr>
+            <p:ph type="ftr" sz="quarter" idx="11"/>
+          </p:nvPr>
+        </p:nvSpPr>
+        <p:spPr/>
+        <p:txBody>
+          <a:bodyPr/>
+          <a:lstStyle/>
+          <a:p>
+            <a:endParaRPr lang="en-US" dirty="0"/>
+          </a:p>
+        </p:txBody>
+      </p:sp>
+      <p:sp>
+        <p:nvSpPr>
+          <p:cNvPr id="11" name="Freeform 11"/>
+          <p:cNvSpPr/>
+          <p:nvPr/>
+        </p:nvSpPr>
+        <p:spPr bwMode="auto">
+          <a:xfrm flipV="1">
+            <a:off x="-4189" y="4911725"/>
+            <a:ext cx="1588527" cy="507297"/>
+          </a:xfrm>
+          <a:custGeom>
+            <a:avLst/>
+            <a:gdLst/>
+            <a:ahLst/>
+            <a:cxnLst/>
+            <a:rect l="l" t="t" r="r" b="b"/>
+            <a:pathLst>
+              <a:path w="9248" h="10000">
+                <a:moveTo>
+                  <a:pt x="9248" y="4701"/>
+                </a:moveTo>
+                <a:lnTo>
+                  <a:pt x="7915" y="188"/>
+                </a:lnTo>
+                <a:cubicBezTo>
+                  <a:pt x="7906" y="156"/>
+                  <a:pt x="7895" y="126"/>
+                  <a:pt x="7886" y="94"/>
+                </a:cubicBezTo>
+                <a:cubicBezTo>
+                  <a:pt x="7859" y="0"/>
+                  <a:pt x="7831" y="0"/>
+                  <a:pt x="7803" y="0"/>
+                </a:cubicBezTo>
+                <a:lnTo>
+                  <a:pt x="7275" y="0"/>
+                </a:lnTo>
+                <a:lnTo>
+                  <a:pt x="0" y="70"/>
+                </a:lnTo>
+                <a:cubicBezTo>
+                  <a:pt x="8" y="3380"/>
+                  <a:pt x="17" y="6690"/>
+                  <a:pt x="25" y="10000"/>
+                </a:cubicBezTo>
+                <a:lnTo>
+                  <a:pt x="7275" y="9966"/>
+                </a:lnTo>
+                <a:lnTo>
+                  <a:pt x="7803" y="9966"/>
+                </a:lnTo>
+                <a:cubicBezTo>
+                  <a:pt x="7831" y="9966"/>
+                  <a:pt x="7859" y="9872"/>
+                  <a:pt x="7886" y="9872"/>
+                </a:cubicBezTo>
+                <a:cubicBezTo>
+                  <a:pt x="7886" y="9778"/>
+                  <a:pt x="7915" y="9778"/>
+                  <a:pt x="7915" y="9778"/>
+                </a:cubicBezTo>
+                <a:lnTo>
+                  <a:pt x="9248" y="5265"/>
+                </a:lnTo>
+                <a:cubicBezTo>
+                  <a:pt x="9303" y="5077"/>
+                  <a:pt x="9303" y="4889"/>
+                  <a:pt x="9248" y="4701"/>
+                </a:cubicBezTo>
+                <a:close/>
+              </a:path>
+            </a:pathLst>
+          </a:custGeom>
+          <a:solidFill>
+            <a:schemeClr val="accent1"/>
+          </a:solidFill>
+          <a:ln>
+            <a:noFill/>
+          </a:ln>
+        </p:spPr>
+      </p:sp>
+      <p:sp>
+        <p:nvSpPr>
+          <p:cNvPr id="7" name="Slide Number Placeholder 6"/>
+          <p:cNvSpPr>
+            <a:spLocks noGrp="1"/>
+          </p:cNvSpPr>
+          <p:nvPr>
+            <p:ph type="sldNum" sz="quarter" idx="12"/>
+          </p:nvPr>
+        </p:nvSpPr>
+        <p:spPr>
+          <a:xfrm>
+            <a:off x="531812" y="4983087"/>
+            <a:ext cx="779767" cy="365125"/>
+          </a:xfrm>
+        </p:spPr>
+        <p:txBody>
+          <a:bodyPr/>
+          <a:lstStyle/>
+          <a:p>
+            <a:fld id="{D57F1E4F-1CFF-5643-939E-217C01CDF565}" type="slidenum">
+              <a:rPr lang="en-US" dirty="0"/>
+              <a:pPr/>
+              <a:t>‹#›</a:t>
+            </a:fld>
+            <a:endParaRPr lang="en-US" dirty="0"/>
+          </a:p>
+        </p:txBody>
+      </p:sp>
+      <p:sp>
+        <p:nvSpPr>
+          <p:cNvPr id="17" name="TextBox 16"/>
+          <p:cNvSpPr txBox="1"/>
+          <p:nvPr/>
+        </p:nvSpPr>
+        <p:spPr>
+          <a:xfrm>
+            <a:off x="2467652" y="648005"/>
+            <a:ext cx="609600" cy="584776"/>
+          </a:xfrm>
+          <a:prstGeom prst="rect">
+            <a:avLst/>
+          </a:prstGeom>
+        </p:spPr>
+        <p:txBody>
+          <a:bodyPr vert="horz" lIns="91440" tIns="45720" rIns="91440" bIns="45720" rtlCol="0" anchor="ctr">
+            <a:noAutofit/>
+          </a:bodyPr>
+          <a:lstStyle/>
+          <a:p>
+            <a:pPr lvl="0"/>
+            <a:r>
+              <a:rPr lang="en-US" sz="8000" baseline="0" dirty="0">
+                <a:ln w="3175" cmpd="sng">
+                  <a:noFill/>
+                </a:ln>
+                <a:solidFill>
+                  <a:schemeClr val="accent1"/>
+                </a:solidFill>
+                <a:effectLst/>
+                <a:latin typeface="Arial"/>
+              </a:rPr>
+              <a:t>“</a:t>
+            </a:r>
+          </a:p>
+        </p:txBody>
+      </p:sp>
+      <p:sp>
+        <p:nvSpPr>
+          <p:cNvPr id="18" name="TextBox 17"/>
+          <p:cNvSpPr txBox="1"/>
+          <p:nvPr/>
+        </p:nvSpPr>
+        <p:spPr>
+          <a:xfrm>
+            <a:off x="11114852" y="2905306"/>
+            <a:ext cx="609600" cy="584776"/>
+          </a:xfrm>
+          <a:prstGeom prst="rect">
+            <a:avLst/>
+          </a:prstGeom>
+        </p:spPr>
+        <p:txBody>
+          <a:bodyPr vert="horz" lIns="91440" tIns="45720" rIns="91440" bIns="45720" rtlCol="0" anchor="ctr">
+            <a:noAutofit/>
+          </a:bodyPr>
+          <a:lstStyle/>
+          <a:p>
+            <a:pPr lvl="0"/>
+            <a:r>
+              <a:rPr lang="en-US" sz="8000" baseline="0" dirty="0">
+                <a:ln w="3175" cmpd="sng">
+                  <a:noFill/>
+                </a:ln>
+                <a:solidFill>
+                  <a:schemeClr val="accent1"/>
+                </a:solidFill>
+                <a:effectLst/>
+                <a:latin typeface="Arial"/>
+              </a:rPr>
+              <a:t>”</a:t>
+            </a:r>
+          </a:p>
+        </p:txBody>
+      </p:sp>
+    </p:spTree>
+  </p:cSld>
+  <p:clrMapOvr>
+    <a:masterClrMapping/>
+  </p:clrMapOvr>
+</p:sldLayout>
+</file>
+
+<file path=ppt/slideLayouts/slideLayout14.xml><?xml version="1.0" encoding="utf-8"?>
+<p:sldLayout xmlns:a="http://schemas.openxmlformats.org/drawingml/2006/main" xmlns:r="http://schemas.openxmlformats.org/officeDocument/2006/relationships" xmlns:p="http://schemas.openxmlformats.org/presentationml/2006/main" preserve="1">
+  <p:cSld name="True or False">
+    <p:spTree>
+      <p:nvGrpSpPr>
+        <p:cNvPr id="1" name=""/>
+        <p:cNvGrpSpPr/>
+        <p:nvPr/>
+      </p:nvGrpSpPr>
+      <p:grpSpPr>
+        <a:xfrm>
+          <a:off x="0" y="0"/>
+          <a:ext cx="0" cy="0"/>
+          <a:chOff x="0" y="0"/>
+          <a:chExt cx="0" cy="0"/>
+        </a:xfrm>
+      </p:grpSpPr>
+      <p:sp>
+        <p:nvSpPr>
+          <p:cNvPr id="2" name="Title 1"/>
+          <p:cNvSpPr>
+            <a:spLocks noGrp="1"/>
+          </p:cNvSpPr>
+          <p:nvPr>
+            <p:ph type="title"/>
+          </p:nvPr>
+        </p:nvSpPr>
+        <p:spPr>
+          <a:xfrm>
+            <a:off x="2589212" y="627407"/>
+            <a:ext cx="8915399" cy="2880020"/>
+          </a:xfrm>
+        </p:spPr>
+        <p:txBody>
+          <a:bodyPr anchor="ctr">
+            <a:normAutofit/>
+          </a:bodyPr>
+          <a:lstStyle>
+            <a:lvl1pPr algn="l">
+              <a:defRPr sz="4800" b="0"/>
+            </a:lvl1pPr>
+          </a:lstStyle>
+          <a:p>
+            <a:r>
+              <a:rPr lang="en-US"/>
+              <a:t>Click to edit Master title style</a:t>
+            </a:r>
+            <a:endParaRPr lang="en-US" dirty="0"/>
+          </a:p>
+        </p:txBody>
+      </p:sp>
+      <p:sp>
+        <p:nvSpPr>
+          <p:cNvPr id="21" name="Text Placeholder 9"/>
+          <p:cNvSpPr>
+            <a:spLocks noGrp="1"/>
+          </p:cNvSpPr>
+          <p:nvPr>
+            <p:ph type="body" sz="quarter" idx="13"/>
+          </p:nvPr>
+        </p:nvSpPr>
+        <p:spPr>
+          <a:xfrm>
+            <a:off x="2589212" y="4343400"/>
+            <a:ext cx="8915400" cy="838200"/>
+          </a:xfrm>
+        </p:spPr>
+        <p:txBody>
+          <a:bodyPr anchor="b">
+            <a:noAutofit/>
+          </a:bodyPr>
+          <a:lstStyle>
+            <a:lvl1pPr marL="0" indent="0">
+              <a:buFontTx/>
+              <a:buNone/>
+              <a:defRPr sz="2400">
+                <a:solidFill>
+                  <a:schemeClr val="accent1"/>
+                </a:solidFill>
+              </a:defRPr>
+            </a:lvl1pPr>
+            <a:lvl2pPr marL="457200" indent="0">
+              <a:buFontTx/>
+              <a:buNone/>
+              <a:defRPr/>
+            </a:lvl2pPr>
+            <a:lvl3pPr marL="914400" indent="0">
+              <a:buFontTx/>
+              <a:buNone/>
+              <a:defRPr/>
+            </a:lvl3pPr>
+            <a:lvl4pPr marL="1371600" indent="0">
+              <a:buFontTx/>
+              <a:buNone/>
+              <a:defRPr/>
+            </a:lvl4pPr>
+            <a:lvl5pPr marL="1828800" indent="0">
+              <a:buFontTx/>
+              <a:buNone/>
+              <a:defRPr/>
+            </a:lvl5pPr>
+          </a:lstStyle>
+          <a:p>
+            <a:pPr lvl="0"/>
+            <a:r>
+              <a:rPr lang="en-US"/>
+              <a:t>Edit Master text styles</a:t>
+            </a:r>
+          </a:p>
+        </p:txBody>
+      </p:sp>
+      <p:sp>
+        <p:nvSpPr>
+          <p:cNvPr id="4" name="Text Placeholder 3"/>
+          <p:cNvSpPr>
+            <a:spLocks noGrp="1"/>
+          </p:cNvSpPr>
+          <p:nvPr>
+            <p:ph type="body" sz="half" idx="2"/>
+          </p:nvPr>
+        </p:nvSpPr>
+        <p:spPr>
+          <a:xfrm>
+            <a:off x="2589213" y="5181600"/>
+            <a:ext cx="8915400" cy="729622"/>
+          </a:xfrm>
+        </p:spPr>
+        <p:txBody>
+          <a:bodyPr vert="horz" lIns="91440" tIns="45720" rIns="91440" bIns="45720" rtlCol="0" anchor="t">
+            <a:normAutofit/>
+          </a:bodyPr>
+          <a:lstStyle>
+            <a:lvl1pPr>
+              <a:buNone/>
+              <a:defRPr lang="en-US">
+                <a:solidFill>
+                  <a:schemeClr val="tx1">
+                    <a:lumMod val="65000"/>
+                    <a:lumOff val="35000"/>
+                  </a:schemeClr>
+                </a:solidFill>
+              </a:defRPr>
+            </a:lvl1pPr>
+          </a:lstStyle>
+          <a:p>
+            <a:pPr marL="0" lvl="0" indent="0">
+              <a:buNone/>
+            </a:pPr>
+            <a:r>
+              <a:rPr lang="en-US"/>
+              <a:t>Edit Master text styles</a:t>
+            </a:r>
+          </a:p>
+        </p:txBody>
+      </p:sp>
+      <p:sp>
+        <p:nvSpPr>
+          <p:cNvPr id="5" name="Date Placeholder 4"/>
+          <p:cNvSpPr>
+            <a:spLocks noGrp="1"/>
+          </p:cNvSpPr>
+          <p:nvPr>
+            <p:ph type="dt" sz="half" idx="10"/>
+          </p:nvPr>
+        </p:nvSpPr>
+        <p:spPr/>
+        <p:txBody>
+          <a:bodyPr/>
+          <a:lstStyle/>
+          <a:p>
+            <a:fld id="{B61BEF0D-F0BB-DE4B-95CE-6DB70DBA9567}" type="datetimeFigureOut">
+              <a:rPr lang="en-US" dirty="0"/>
+              <a:pPr/>
+              <a:t>7/25/2018</a:t>
+            </a:fld>
+            <a:endParaRPr lang="en-US" dirty="0"/>
+          </a:p>
+        </p:txBody>
+      </p:sp>
+      <p:sp>
+        <p:nvSpPr>
+          <p:cNvPr id="6" name="Footer Placeholder 5"/>
+          <p:cNvSpPr>
+            <a:spLocks noGrp="1"/>
+          </p:cNvSpPr>
+          <p:nvPr>
+            <p:ph type="ftr" sz="quarter" idx="11"/>
+          </p:nvPr>
+        </p:nvSpPr>
+        <p:spPr/>
+        <p:txBody>
+          <a:bodyPr/>
+          <a:lstStyle/>
+          <a:p>
+            <a:endParaRPr lang="en-US" dirty="0"/>
+          </a:p>
+        </p:txBody>
+      </p:sp>
+      <p:sp>
+        <p:nvSpPr>
+          <p:cNvPr id="9" name="Freeform 11"/>
+          <p:cNvSpPr/>
+          <p:nvPr/>
+        </p:nvSpPr>
+        <p:spPr bwMode="auto">
+          <a:xfrm flipV="1">
+            <a:off x="-4189" y="4911725"/>
+            <a:ext cx="1588527" cy="507297"/>
+          </a:xfrm>
+          <a:custGeom>
+            <a:avLst/>
+            <a:gdLst/>
+            <a:ahLst/>
+            <a:cxnLst/>
+            <a:rect l="l" t="t" r="r" b="b"/>
+            <a:pathLst>
+              <a:path w="9248" h="10000">
+                <a:moveTo>
+                  <a:pt x="9248" y="4701"/>
+                </a:moveTo>
+                <a:lnTo>
+                  <a:pt x="7915" y="188"/>
+                </a:lnTo>
+                <a:cubicBezTo>
+                  <a:pt x="7906" y="156"/>
+                  <a:pt x="7895" y="126"/>
+                  <a:pt x="7886" y="94"/>
+                </a:cubicBezTo>
+                <a:cubicBezTo>
+                  <a:pt x="7859" y="0"/>
+                  <a:pt x="7831" y="0"/>
+                  <a:pt x="7803" y="0"/>
+                </a:cubicBezTo>
+                <a:lnTo>
+                  <a:pt x="7275" y="0"/>
+                </a:lnTo>
+                <a:lnTo>
+                  <a:pt x="0" y="70"/>
+                </a:lnTo>
+                <a:cubicBezTo>
+                  <a:pt x="8" y="3380"/>
+                  <a:pt x="17" y="6690"/>
+                  <a:pt x="25" y="10000"/>
+                </a:cubicBezTo>
+                <a:lnTo>
+                  <a:pt x="7275" y="9966"/>
+                </a:lnTo>
+                <a:lnTo>
+                  <a:pt x="7803" y="9966"/>
+                </a:lnTo>
+                <a:cubicBezTo>
+                  <a:pt x="7831" y="9966"/>
+                  <a:pt x="7859" y="9872"/>
+                  <a:pt x="7886" y="9872"/>
+                </a:cubicBezTo>
+                <a:cubicBezTo>
+                  <a:pt x="7886" y="9778"/>
+                  <a:pt x="7915" y="9778"/>
+                  <a:pt x="7915" y="9778"/>
+                </a:cubicBezTo>
+                <a:lnTo>
+                  <a:pt x="9248" y="5265"/>
+                </a:lnTo>
+                <a:cubicBezTo>
+                  <a:pt x="9303" y="5077"/>
+                  <a:pt x="9303" y="4889"/>
+                  <a:pt x="9248" y="4701"/>
+                </a:cubicBezTo>
+                <a:close/>
+              </a:path>
+            </a:pathLst>
+          </a:custGeom>
+          <a:solidFill>
+            <a:schemeClr val="accent1"/>
+          </a:solidFill>
+          <a:ln>
+            <a:noFill/>
+          </a:ln>
+        </p:spPr>
+      </p:sp>
+      <p:sp>
+        <p:nvSpPr>
+          <p:cNvPr id="7" name="Slide Number Placeholder 6"/>
+          <p:cNvSpPr>
+            <a:spLocks noGrp="1"/>
+          </p:cNvSpPr>
+          <p:nvPr>
+            <p:ph type="sldNum" sz="quarter" idx="12"/>
+          </p:nvPr>
+        </p:nvSpPr>
+        <p:spPr>
+          <a:xfrm>
+            <a:off x="531812" y="4983087"/>
+            <a:ext cx="779767" cy="365125"/>
+          </a:xfrm>
+        </p:spPr>
+        <p:txBody>
+          <a:bodyPr/>
+          <a:lstStyle/>
+          <a:p>
+            <a:fld id="{D57F1E4F-1CFF-5643-939E-217C01CDF565}" type="slidenum">
+              <a:rPr lang="en-US" dirty="0"/>
+              <a:pPr/>
+              <a:t>‹#›</a:t>
+            </a:fld>
+            <a:endParaRPr lang="en-US" dirty="0"/>
+          </a:p>
+        </p:txBody>
+      </p:sp>
+    </p:spTree>
+  </p:cSld>
+  <p:clrMapOvr>
+    <a:masterClrMapping/>
+  </p:clrMapOvr>
+</p:sldLayout>
+</file>
+
+<file path=ppt/slideLayouts/slideLayout15.xml><?xml version="1.0" encoding="utf-8"?>
 <p:sldLayout xmlns:a="http://schemas.openxmlformats.org/drawingml/2006/main" xmlns:r="http://schemas.openxmlformats.org/officeDocument/2006/relationships" xmlns:p="http://schemas.openxmlformats.org/presentationml/2006/main" type="vertTx" preserve="1">
   <p:cSld name="Title and Vertical Text">
     <p:spTree>
@@ -1932,13 +3721,7 @@
       </p:grpSpPr>
       <p:sp>
         <p:nvSpPr>
-          <p:cNvPr id="2" name="Title 1">
-            <a:extLst>
-              <a:ext uri="{FF2B5EF4-FFF2-40B4-BE49-F238E27FC236}">
-                <a16:creationId xmlns:a16="http://schemas.microsoft.com/office/drawing/2014/main" id="{0BDA80E4-792F-4F4A-B761-87805D95D602}"/>
-              </a:ext>
-            </a:extLst>
-          </p:cNvPr>
+          <p:cNvPr id="2" name="Title 1"/>
           <p:cNvSpPr>
             <a:spLocks noGrp="1"/>
           </p:cNvSpPr>
@@ -1955,18 +3738,13 @@
               <a:rPr lang="en-US"/>
               <a:t>Click to edit Master title style</a:t>
             </a:r>
-          </a:p>
-        </p:txBody>
-      </p:sp>
-      <p:sp>
-        <p:nvSpPr>
-          <p:cNvPr id="3" name="Vertical Text Placeholder 2">
-            <a:extLst>
-              <a:ext uri="{FF2B5EF4-FFF2-40B4-BE49-F238E27FC236}">
-                <a16:creationId xmlns:a16="http://schemas.microsoft.com/office/drawing/2014/main" id="{44848B24-D8BF-4656-87F2-4C33298481BF}"/>
-              </a:ext>
-            </a:extLst>
-          </p:cNvPr>
+            <a:endParaRPr lang="en-US" dirty="0"/>
+          </a:p>
+        </p:txBody>
+      </p:sp>
+      <p:sp>
+        <p:nvSpPr>
+          <p:cNvPr id="3" name="Vertical Text Placeholder 2"/>
           <p:cNvSpPr>
             <a:spLocks noGrp="1"/>
           </p:cNvSpPr>
@@ -1976,7 +3754,7 @@
         </p:nvSpPr>
         <p:spPr/>
         <p:txBody>
-          <a:bodyPr vert="eaVert"/>
+          <a:bodyPr vert="eaVert" anchor="t"/>
           <a:lstStyle/>
           <a:p>
             <a:pPr lvl="0"/>
@@ -2012,18 +3790,13 @@
               <a:rPr lang="en-US"/>
               <a:t>Fifth level</a:t>
             </a:r>
-          </a:p>
-        </p:txBody>
-      </p:sp>
-      <p:sp>
-        <p:nvSpPr>
-          <p:cNvPr id="4" name="Date Placeholder 3">
-            <a:extLst>
-              <a:ext uri="{FF2B5EF4-FFF2-40B4-BE49-F238E27FC236}">
-                <a16:creationId xmlns:a16="http://schemas.microsoft.com/office/drawing/2014/main" id="{05D8D6A4-860F-499D-80DE-6B76BBD8897A}"/>
-              </a:ext>
-            </a:extLst>
-          </p:cNvPr>
+            <a:endParaRPr lang="en-US" dirty="0"/>
+          </a:p>
+        </p:txBody>
+      </p:sp>
+      <p:sp>
+        <p:nvSpPr>
+          <p:cNvPr id="4" name="Date Placeholder 3"/>
           <p:cNvSpPr>
             <a:spLocks noGrp="1"/>
           </p:cNvSpPr>
@@ -2036,8 +3809,9 @@
           <a:bodyPr/>
           <a:lstStyle/>
           <a:p>
-            <a:fld id="{17B4D555-9550-44B8-8A42-30410E1CAF73}" type="datetimeFigureOut">
-              <a:rPr lang="en-US" smtClean="0"/>
+            <a:fld id="{B61BEF0D-F0BB-DE4B-95CE-6DB70DBA9567}" type="datetimeFigureOut">
+              <a:rPr lang="en-US" dirty="0"/>
+              <a:pPr/>
               <a:t>7/25/2018</a:t>
             </a:fld>
             <a:endParaRPr lang="en-US" dirty="0"/>
@@ -2046,13 +3820,7 @@
       </p:sp>
       <p:sp>
         <p:nvSpPr>
-          <p:cNvPr id="5" name="Footer Placeholder 4">
-            <a:extLst>
-              <a:ext uri="{FF2B5EF4-FFF2-40B4-BE49-F238E27FC236}">
-                <a16:creationId xmlns:a16="http://schemas.microsoft.com/office/drawing/2014/main" id="{D0C59F90-B7DB-4EE6-A676-8BB9B1D88F76}"/>
-              </a:ext>
-            </a:extLst>
-          </p:cNvPr>
+          <p:cNvPr id="5" name="Footer Placeholder 4"/>
           <p:cNvSpPr>
             <a:spLocks noGrp="1"/>
           </p:cNvSpPr>
@@ -2071,13 +3839,89 @@
       </p:sp>
       <p:sp>
         <p:nvSpPr>
-          <p:cNvPr id="6" name="Slide Number Placeholder 5">
-            <a:extLst>
-              <a:ext uri="{FF2B5EF4-FFF2-40B4-BE49-F238E27FC236}">
-                <a16:creationId xmlns:a16="http://schemas.microsoft.com/office/drawing/2014/main" id="{ADEA93BA-C383-4FB3-A704-3698D95F9B97}"/>
-              </a:ext>
-            </a:extLst>
-          </p:cNvPr>
+          <p:cNvPr id="8" name="Freeform 11"/>
+          <p:cNvSpPr/>
+          <p:nvPr/>
+        </p:nvSpPr>
+        <p:spPr bwMode="auto">
+          <a:xfrm flipV="1">
+            <a:off x="-4189" y="714375"/>
+            <a:ext cx="1588527" cy="507297"/>
+          </a:xfrm>
+          <a:custGeom>
+            <a:avLst/>
+            <a:gdLst/>
+            <a:ahLst/>
+            <a:cxnLst/>
+            <a:rect l="l" t="t" r="r" b="b"/>
+            <a:pathLst>
+              <a:path w="9248" h="10000">
+                <a:moveTo>
+                  <a:pt x="9248" y="4701"/>
+                </a:moveTo>
+                <a:lnTo>
+                  <a:pt x="7915" y="188"/>
+                </a:lnTo>
+                <a:cubicBezTo>
+                  <a:pt x="7906" y="156"/>
+                  <a:pt x="7895" y="126"/>
+                  <a:pt x="7886" y="94"/>
+                </a:cubicBezTo>
+                <a:cubicBezTo>
+                  <a:pt x="7859" y="0"/>
+                  <a:pt x="7831" y="0"/>
+                  <a:pt x="7803" y="0"/>
+                </a:cubicBezTo>
+                <a:lnTo>
+                  <a:pt x="7275" y="0"/>
+                </a:lnTo>
+                <a:lnTo>
+                  <a:pt x="0" y="70"/>
+                </a:lnTo>
+                <a:cubicBezTo>
+                  <a:pt x="8" y="3380"/>
+                  <a:pt x="17" y="6690"/>
+                  <a:pt x="25" y="10000"/>
+                </a:cubicBezTo>
+                <a:lnTo>
+                  <a:pt x="7275" y="9966"/>
+                </a:lnTo>
+                <a:lnTo>
+                  <a:pt x="7803" y="9966"/>
+                </a:lnTo>
+                <a:cubicBezTo>
+                  <a:pt x="7831" y="9966"/>
+                  <a:pt x="7859" y="9872"/>
+                  <a:pt x="7886" y="9872"/>
+                </a:cubicBezTo>
+                <a:cubicBezTo>
+                  <a:pt x="7886" y="9778"/>
+                  <a:pt x="7915" y="9778"/>
+                  <a:pt x="7915" y="9778"/>
+                </a:cubicBezTo>
+                <a:lnTo>
+                  <a:pt x="9248" y="5265"/>
+                </a:lnTo>
+                <a:cubicBezTo>
+                  <a:pt x="9303" y="5077"/>
+                  <a:pt x="9303" y="4889"/>
+                  <a:pt x="9248" y="4701"/>
+                </a:cubicBezTo>
+                <a:close/>
+              </a:path>
+            </a:pathLst>
+          </a:custGeom>
+          <a:solidFill>
+            <a:schemeClr val="accent1"/>
+          </a:solidFill>
+          <a:ln>
+            <a:noFill/>
+          </a:ln>
+        </p:spPr>
+      </p:sp>
+      <p:sp>
+        <p:nvSpPr>
+          <p:cNvPr id="6" name="Slide Number Placeholder 5"/>
           <p:cNvSpPr>
             <a:spLocks noGrp="1"/>
           </p:cNvSpPr>
@@ -2090,8 +3934,9 @@
           <a:bodyPr/>
           <a:lstStyle/>
           <a:p>
-            <a:fld id="{CF28E24D-EA21-4796-AB71-6CFC9E690AF3}" type="slidenum">
-              <a:rPr lang="en-US" smtClean="0"/>
+            <a:fld id="{D57F1E4F-1CFF-5643-939E-217C01CDF565}" type="slidenum">
+              <a:rPr lang="en-US" dirty="0"/>
+              <a:pPr/>
               <a:t>‹#›</a:t>
             </a:fld>
             <a:endParaRPr lang="en-US" dirty="0"/>
@@ -2099,11 +3944,6 @@
         </p:txBody>
       </p:sp>
     </p:spTree>
-    <p:extLst>
-      <p:ext uri="{BB962C8B-B14F-4D97-AF65-F5344CB8AC3E}">
-        <p14:creationId xmlns:p14="http://schemas.microsoft.com/office/powerpoint/2010/main" val="1195804355"/>
-      </p:ext>
-    </p:extLst>
   </p:cSld>
   <p:clrMapOvr>
     <a:masterClrMapping/>
@@ -2111,7 +3951,7 @@
 </p:sldLayout>
 </file>
 
-<file path=ppt/slideLayouts/slideLayout11.xml><?xml version="1.0" encoding="utf-8"?>
+<file path=ppt/slideLayouts/slideLayout16.xml><?xml version="1.0" encoding="utf-8"?>
 <p:sldLayout xmlns:a="http://schemas.openxmlformats.org/drawingml/2006/main" xmlns:r="http://schemas.openxmlformats.org/officeDocument/2006/relationships" xmlns:p="http://schemas.openxmlformats.org/presentationml/2006/main" type="vertTitleAndTx" preserve="1">
   <p:cSld name="Vertical Title and Text">
     <p:spTree>
@@ -2130,13 +3970,7 @@
       </p:grpSpPr>
       <p:sp>
         <p:nvSpPr>
-          <p:cNvPr id="2" name="Vertical Title 1">
-            <a:extLst>
-              <a:ext uri="{FF2B5EF4-FFF2-40B4-BE49-F238E27FC236}">
-                <a16:creationId xmlns:a16="http://schemas.microsoft.com/office/drawing/2014/main" id="{D5DC8C98-78D4-4D95-8AAC-1EDF0BD41A24}"/>
-              </a:ext>
-            </a:extLst>
-          </p:cNvPr>
+          <p:cNvPr id="2" name="Vertical Title 1"/>
           <p:cNvSpPr>
             <a:spLocks noGrp="1"/>
           </p:cNvSpPr>
@@ -2146,30 +3980,25 @@
         </p:nvSpPr>
         <p:spPr>
           <a:xfrm>
-            <a:off x="8724900" y="365125"/>
-            <a:ext cx="2628900" cy="5811838"/>
+            <a:off x="9294812" y="627405"/>
+            <a:ext cx="2207601" cy="5283817"/>
           </a:xfrm>
         </p:spPr>
         <p:txBody>
-          <a:bodyPr vert="eaVert"/>
+          <a:bodyPr vert="eaVert" anchor="ctr"/>
           <a:lstStyle/>
           <a:p>
             <a:r>
               <a:rPr lang="en-US"/>
               <a:t>Click to edit Master title style</a:t>
             </a:r>
-          </a:p>
-        </p:txBody>
-      </p:sp>
-      <p:sp>
-        <p:nvSpPr>
-          <p:cNvPr id="3" name="Vertical Text Placeholder 2">
-            <a:extLst>
-              <a:ext uri="{FF2B5EF4-FFF2-40B4-BE49-F238E27FC236}">
-                <a16:creationId xmlns:a16="http://schemas.microsoft.com/office/drawing/2014/main" id="{510D022B-BFAE-4600-A173-CF81FA1CC868}"/>
-              </a:ext>
-            </a:extLst>
-          </p:cNvPr>
+            <a:endParaRPr lang="en-US" dirty="0"/>
+          </a:p>
+        </p:txBody>
+      </p:sp>
+      <p:sp>
+        <p:nvSpPr>
+          <p:cNvPr id="3" name="Vertical Text Placeholder 2"/>
           <p:cNvSpPr>
             <a:spLocks noGrp="1"/>
           </p:cNvSpPr>
@@ -2179,8 +4008,8 @@
         </p:nvSpPr>
         <p:spPr>
           <a:xfrm>
-            <a:off x="838200" y="365125"/>
-            <a:ext cx="7734300" cy="5811838"/>
+            <a:off x="2589212" y="627405"/>
+            <a:ext cx="6477000" cy="5283817"/>
           </a:xfrm>
         </p:spPr>
         <p:txBody>
@@ -2220,18 +4049,13 @@
               <a:rPr lang="en-US"/>
               <a:t>Fifth level</a:t>
             </a:r>
-          </a:p>
-        </p:txBody>
-      </p:sp>
-      <p:sp>
-        <p:nvSpPr>
-          <p:cNvPr id="4" name="Date Placeholder 3">
-            <a:extLst>
-              <a:ext uri="{FF2B5EF4-FFF2-40B4-BE49-F238E27FC236}">
-                <a16:creationId xmlns:a16="http://schemas.microsoft.com/office/drawing/2014/main" id="{49ACAC34-A1C4-42D8-BAF3-1DA9129CD41B}"/>
-              </a:ext>
-            </a:extLst>
-          </p:cNvPr>
+            <a:endParaRPr lang="en-US" dirty="0"/>
+          </a:p>
+        </p:txBody>
+      </p:sp>
+      <p:sp>
+        <p:nvSpPr>
+          <p:cNvPr id="4" name="Date Placeholder 3"/>
           <p:cNvSpPr>
             <a:spLocks noGrp="1"/>
           </p:cNvSpPr>
@@ -2244,8 +4068,9 @@
           <a:bodyPr/>
           <a:lstStyle/>
           <a:p>
-            <a:fld id="{17B4D555-9550-44B8-8A42-30410E1CAF73}" type="datetimeFigureOut">
-              <a:rPr lang="en-US" smtClean="0"/>
+            <a:fld id="{B61BEF0D-F0BB-DE4B-95CE-6DB70DBA9567}" type="datetimeFigureOut">
+              <a:rPr lang="en-US" dirty="0"/>
+              <a:pPr/>
               <a:t>7/25/2018</a:t>
             </a:fld>
             <a:endParaRPr lang="en-US" dirty="0"/>
@@ -2254,13 +4079,7 @@
       </p:sp>
       <p:sp>
         <p:nvSpPr>
-          <p:cNvPr id="5" name="Footer Placeholder 4">
-            <a:extLst>
-              <a:ext uri="{FF2B5EF4-FFF2-40B4-BE49-F238E27FC236}">
-                <a16:creationId xmlns:a16="http://schemas.microsoft.com/office/drawing/2014/main" id="{FB332E41-5077-4989-AED5-C975CC86F8A4}"/>
-              </a:ext>
-            </a:extLst>
-          </p:cNvPr>
+          <p:cNvPr id="5" name="Footer Placeholder 4"/>
           <p:cNvSpPr>
             <a:spLocks noGrp="1"/>
           </p:cNvSpPr>
@@ -2279,13 +4098,89 @@
       </p:sp>
       <p:sp>
         <p:nvSpPr>
-          <p:cNvPr id="6" name="Slide Number Placeholder 5">
-            <a:extLst>
-              <a:ext uri="{FF2B5EF4-FFF2-40B4-BE49-F238E27FC236}">
-                <a16:creationId xmlns:a16="http://schemas.microsoft.com/office/drawing/2014/main" id="{2DDC8013-4DB0-474C-96A3-6C13972136D5}"/>
-              </a:ext>
-            </a:extLst>
-          </p:cNvPr>
+          <p:cNvPr id="8" name="Freeform 11"/>
+          <p:cNvSpPr/>
+          <p:nvPr/>
+        </p:nvSpPr>
+        <p:spPr bwMode="auto">
+          <a:xfrm flipV="1">
+            <a:off x="-4189" y="714375"/>
+            <a:ext cx="1588527" cy="507297"/>
+          </a:xfrm>
+          <a:custGeom>
+            <a:avLst/>
+            <a:gdLst/>
+            <a:ahLst/>
+            <a:cxnLst/>
+            <a:rect l="l" t="t" r="r" b="b"/>
+            <a:pathLst>
+              <a:path w="9248" h="10000">
+                <a:moveTo>
+                  <a:pt x="9248" y="4701"/>
+                </a:moveTo>
+                <a:lnTo>
+                  <a:pt x="7915" y="188"/>
+                </a:lnTo>
+                <a:cubicBezTo>
+                  <a:pt x="7906" y="156"/>
+                  <a:pt x="7895" y="126"/>
+                  <a:pt x="7886" y="94"/>
+                </a:cubicBezTo>
+                <a:cubicBezTo>
+                  <a:pt x="7859" y="0"/>
+                  <a:pt x="7831" y="0"/>
+                  <a:pt x="7803" y="0"/>
+                </a:cubicBezTo>
+                <a:lnTo>
+                  <a:pt x="7275" y="0"/>
+                </a:lnTo>
+                <a:lnTo>
+                  <a:pt x="0" y="70"/>
+                </a:lnTo>
+                <a:cubicBezTo>
+                  <a:pt x="8" y="3380"/>
+                  <a:pt x="17" y="6690"/>
+                  <a:pt x="25" y="10000"/>
+                </a:cubicBezTo>
+                <a:lnTo>
+                  <a:pt x="7275" y="9966"/>
+                </a:lnTo>
+                <a:lnTo>
+                  <a:pt x="7803" y="9966"/>
+                </a:lnTo>
+                <a:cubicBezTo>
+                  <a:pt x="7831" y="9966"/>
+                  <a:pt x="7859" y="9872"/>
+                  <a:pt x="7886" y="9872"/>
+                </a:cubicBezTo>
+                <a:cubicBezTo>
+                  <a:pt x="7886" y="9778"/>
+                  <a:pt x="7915" y="9778"/>
+                  <a:pt x="7915" y="9778"/>
+                </a:cubicBezTo>
+                <a:lnTo>
+                  <a:pt x="9248" y="5265"/>
+                </a:lnTo>
+                <a:cubicBezTo>
+                  <a:pt x="9303" y="5077"/>
+                  <a:pt x="9303" y="4889"/>
+                  <a:pt x="9248" y="4701"/>
+                </a:cubicBezTo>
+                <a:close/>
+              </a:path>
+            </a:pathLst>
+          </a:custGeom>
+          <a:solidFill>
+            <a:schemeClr val="accent1"/>
+          </a:solidFill>
+          <a:ln>
+            <a:noFill/>
+          </a:ln>
+        </p:spPr>
+      </p:sp>
+      <p:sp>
+        <p:nvSpPr>
+          <p:cNvPr id="6" name="Slide Number Placeholder 5"/>
           <p:cNvSpPr>
             <a:spLocks noGrp="1"/>
           </p:cNvSpPr>
@@ -2298,8 +4193,9 @@
           <a:bodyPr/>
           <a:lstStyle/>
           <a:p>
-            <a:fld id="{CF28E24D-EA21-4796-AB71-6CFC9E690AF3}" type="slidenum">
-              <a:rPr lang="en-US" smtClean="0"/>
+            <a:fld id="{D57F1E4F-1CFF-5643-939E-217C01CDF565}" type="slidenum">
+              <a:rPr lang="en-US" dirty="0"/>
+              <a:pPr/>
               <a:t>‹#›</a:t>
             </a:fld>
             <a:endParaRPr lang="en-US" dirty="0"/>
@@ -2307,11 +4203,6 @@
         </p:txBody>
       </p:sp>
     </p:spTree>
-    <p:extLst>
-      <p:ext uri="{BB962C8B-B14F-4D97-AF65-F5344CB8AC3E}">
-        <p14:creationId xmlns:p14="http://schemas.microsoft.com/office/powerpoint/2010/main" val="2533162424"/>
-      </p:ext>
-    </p:extLst>
   </p:cSld>
   <p:clrMapOvr>
     <a:masterClrMapping/>
@@ -2338,13 +4229,7 @@
       </p:grpSpPr>
       <p:sp>
         <p:nvSpPr>
-          <p:cNvPr id="2" name="Title 1">
-            <a:extLst>
-              <a:ext uri="{FF2B5EF4-FFF2-40B4-BE49-F238E27FC236}">
-                <a16:creationId xmlns:a16="http://schemas.microsoft.com/office/drawing/2014/main" id="{9FF2BCE7-BE70-4B5A-B5F3-F99545AE0ECE}"/>
-              </a:ext>
-            </a:extLst>
-          </p:cNvPr>
+          <p:cNvPr id="2" name="Title 1"/>
           <p:cNvSpPr>
             <a:spLocks noGrp="1"/>
           </p:cNvSpPr>
@@ -2352,7 +4237,12 @@
             <p:ph type="title"/>
           </p:nvPr>
         </p:nvSpPr>
-        <p:spPr/>
+        <p:spPr>
+          <a:xfrm>
+            <a:off x="2592925" y="624110"/>
+            <a:ext cx="8911687" cy="1280890"/>
+          </a:xfrm>
+        </p:spPr>
         <p:txBody>
           <a:bodyPr/>
           <a:lstStyle/>
@@ -2361,18 +4251,13 @@
               <a:rPr lang="en-US"/>
               <a:t>Click to edit Master title style</a:t>
             </a:r>
-          </a:p>
-        </p:txBody>
-      </p:sp>
-      <p:sp>
-        <p:nvSpPr>
-          <p:cNvPr id="3" name="Content Placeholder 2">
-            <a:extLst>
-              <a:ext uri="{FF2B5EF4-FFF2-40B4-BE49-F238E27FC236}">
-                <a16:creationId xmlns:a16="http://schemas.microsoft.com/office/drawing/2014/main" id="{B9824DA9-046A-436B-8675-33FC2665E46D}"/>
-              </a:ext>
-            </a:extLst>
-          </p:cNvPr>
+            <a:endParaRPr lang="en-US" dirty="0"/>
+          </a:p>
+        </p:txBody>
+      </p:sp>
+      <p:sp>
+        <p:nvSpPr>
+          <p:cNvPr id="3" name="Content Placeholder 2"/>
           <p:cNvSpPr>
             <a:spLocks noGrp="1"/>
           </p:cNvSpPr>
@@ -2380,7 +4265,12 @@
             <p:ph idx="1"/>
           </p:nvPr>
         </p:nvSpPr>
-        <p:spPr/>
+        <p:spPr>
+          <a:xfrm>
+            <a:off x="2589212" y="2133600"/>
+            <a:ext cx="8915400" cy="3777622"/>
+          </a:xfrm>
+        </p:spPr>
         <p:txBody>
           <a:bodyPr/>
           <a:lstStyle/>
@@ -2418,18 +4308,13 @@
               <a:rPr lang="en-US"/>
               <a:t>Fifth level</a:t>
             </a:r>
-          </a:p>
-        </p:txBody>
-      </p:sp>
-      <p:sp>
-        <p:nvSpPr>
-          <p:cNvPr id="4" name="Date Placeholder 3">
-            <a:extLst>
-              <a:ext uri="{FF2B5EF4-FFF2-40B4-BE49-F238E27FC236}">
-                <a16:creationId xmlns:a16="http://schemas.microsoft.com/office/drawing/2014/main" id="{C609F28A-A3ED-4CC9-B6A7-E99FFF4DC64F}"/>
-              </a:ext>
-            </a:extLst>
-          </p:cNvPr>
+            <a:endParaRPr lang="en-US" dirty="0"/>
+          </a:p>
+        </p:txBody>
+      </p:sp>
+      <p:sp>
+        <p:nvSpPr>
+          <p:cNvPr id="4" name="Date Placeholder 3"/>
           <p:cNvSpPr>
             <a:spLocks noGrp="1"/>
           </p:cNvSpPr>
@@ -2442,8 +4327,9 @@
           <a:bodyPr/>
           <a:lstStyle/>
           <a:p>
-            <a:fld id="{17B4D555-9550-44B8-8A42-30410E1CAF73}" type="datetimeFigureOut">
-              <a:rPr lang="en-US" smtClean="0"/>
+            <a:fld id="{B61BEF0D-F0BB-DE4B-95CE-6DB70DBA9567}" type="datetimeFigureOut">
+              <a:rPr lang="en-US" dirty="0"/>
+              <a:pPr/>
               <a:t>7/25/2018</a:t>
             </a:fld>
             <a:endParaRPr lang="en-US" dirty="0"/>
@@ -2452,13 +4338,7 @@
       </p:sp>
       <p:sp>
         <p:nvSpPr>
-          <p:cNvPr id="5" name="Footer Placeholder 4">
-            <a:extLst>
-              <a:ext uri="{FF2B5EF4-FFF2-40B4-BE49-F238E27FC236}">
-                <a16:creationId xmlns:a16="http://schemas.microsoft.com/office/drawing/2014/main" id="{686F222D-6D58-4992-A07B-4754ED154C0D}"/>
-              </a:ext>
-            </a:extLst>
-          </p:cNvPr>
+          <p:cNvPr id="5" name="Footer Placeholder 4"/>
           <p:cNvSpPr>
             <a:spLocks noGrp="1"/>
           </p:cNvSpPr>
@@ -2477,13 +4357,89 @@
       </p:sp>
       <p:sp>
         <p:nvSpPr>
-          <p:cNvPr id="6" name="Slide Number Placeholder 5">
-            <a:extLst>
-              <a:ext uri="{FF2B5EF4-FFF2-40B4-BE49-F238E27FC236}">
-                <a16:creationId xmlns:a16="http://schemas.microsoft.com/office/drawing/2014/main" id="{4BD26CC8-F3B9-4256-88F1-9E6EEE9A2E9D}"/>
-              </a:ext>
-            </a:extLst>
-          </p:cNvPr>
+          <p:cNvPr id="8" name="Freeform 11"/>
+          <p:cNvSpPr/>
+          <p:nvPr/>
+        </p:nvSpPr>
+        <p:spPr bwMode="auto">
+          <a:xfrm flipV="1">
+            <a:off x="-4189" y="714375"/>
+            <a:ext cx="1588527" cy="507297"/>
+          </a:xfrm>
+          <a:custGeom>
+            <a:avLst/>
+            <a:gdLst/>
+            <a:ahLst/>
+            <a:cxnLst/>
+            <a:rect l="l" t="t" r="r" b="b"/>
+            <a:pathLst>
+              <a:path w="9248" h="10000">
+                <a:moveTo>
+                  <a:pt x="9248" y="4701"/>
+                </a:moveTo>
+                <a:lnTo>
+                  <a:pt x="7915" y="188"/>
+                </a:lnTo>
+                <a:cubicBezTo>
+                  <a:pt x="7906" y="156"/>
+                  <a:pt x="7895" y="126"/>
+                  <a:pt x="7886" y="94"/>
+                </a:cubicBezTo>
+                <a:cubicBezTo>
+                  <a:pt x="7859" y="0"/>
+                  <a:pt x="7831" y="0"/>
+                  <a:pt x="7803" y="0"/>
+                </a:cubicBezTo>
+                <a:lnTo>
+                  <a:pt x="7275" y="0"/>
+                </a:lnTo>
+                <a:lnTo>
+                  <a:pt x="0" y="70"/>
+                </a:lnTo>
+                <a:cubicBezTo>
+                  <a:pt x="8" y="3380"/>
+                  <a:pt x="17" y="6690"/>
+                  <a:pt x="25" y="10000"/>
+                </a:cubicBezTo>
+                <a:lnTo>
+                  <a:pt x="7275" y="9966"/>
+                </a:lnTo>
+                <a:lnTo>
+                  <a:pt x="7803" y="9966"/>
+                </a:lnTo>
+                <a:cubicBezTo>
+                  <a:pt x="7831" y="9966"/>
+                  <a:pt x="7859" y="9872"/>
+                  <a:pt x="7886" y="9872"/>
+                </a:cubicBezTo>
+                <a:cubicBezTo>
+                  <a:pt x="7886" y="9778"/>
+                  <a:pt x="7915" y="9778"/>
+                  <a:pt x="7915" y="9778"/>
+                </a:cubicBezTo>
+                <a:lnTo>
+                  <a:pt x="9248" y="5265"/>
+                </a:lnTo>
+                <a:cubicBezTo>
+                  <a:pt x="9303" y="5077"/>
+                  <a:pt x="9303" y="4889"/>
+                  <a:pt x="9248" y="4701"/>
+                </a:cubicBezTo>
+                <a:close/>
+              </a:path>
+            </a:pathLst>
+          </a:custGeom>
+          <a:solidFill>
+            <a:schemeClr val="accent1"/>
+          </a:solidFill>
+          <a:ln>
+            <a:noFill/>
+          </a:ln>
+        </p:spPr>
+      </p:sp>
+      <p:sp>
+        <p:nvSpPr>
+          <p:cNvPr id="6" name="Slide Number Placeholder 5"/>
           <p:cNvSpPr>
             <a:spLocks noGrp="1"/>
           </p:cNvSpPr>
@@ -2496,8 +4452,9 @@
           <a:bodyPr/>
           <a:lstStyle/>
           <a:p>
-            <a:fld id="{CF28E24D-EA21-4796-AB71-6CFC9E690AF3}" type="slidenum">
-              <a:rPr lang="en-US" smtClean="0"/>
+            <a:fld id="{D57F1E4F-1CFF-5643-939E-217C01CDF565}" type="slidenum">
+              <a:rPr lang="en-US" dirty="0"/>
+              <a:pPr/>
               <a:t>‹#›</a:t>
             </a:fld>
             <a:endParaRPr lang="en-US" dirty="0"/>
@@ -2505,11 +4462,6 @@
         </p:txBody>
       </p:sp>
     </p:spTree>
-    <p:extLst>
-      <p:ext uri="{BB962C8B-B14F-4D97-AF65-F5344CB8AC3E}">
-        <p14:creationId xmlns:p14="http://schemas.microsoft.com/office/powerpoint/2010/main" val="3528274665"/>
-      </p:ext>
-    </p:extLst>
   </p:cSld>
   <p:clrMapOvr>
     <a:masterClrMapping/>
@@ -2536,13 +4488,7 @@
       </p:grpSpPr>
       <p:sp>
         <p:nvSpPr>
-          <p:cNvPr id="2" name="Title 1">
-            <a:extLst>
-              <a:ext uri="{FF2B5EF4-FFF2-40B4-BE49-F238E27FC236}">
-                <a16:creationId xmlns:a16="http://schemas.microsoft.com/office/drawing/2014/main" id="{4D28956A-2C1A-4384-92E9-6C91E7CE8E52}"/>
-              </a:ext>
-            </a:extLst>
-          </p:cNvPr>
+          <p:cNvPr id="2" name="Title 1"/>
           <p:cNvSpPr>
             <a:spLocks noGrp="1"/>
           </p:cNvSpPr>
@@ -2552,15 +4498,15 @@
         </p:nvSpPr>
         <p:spPr>
           <a:xfrm>
-            <a:off x="831850" y="1709738"/>
-            <a:ext cx="10515600" cy="2852737"/>
+            <a:off x="2589212" y="2058750"/>
+            <a:ext cx="8915399" cy="1468800"/>
           </a:xfrm>
         </p:spPr>
         <p:txBody>
           <a:bodyPr anchor="b"/>
           <a:lstStyle>
-            <a:lvl1pPr>
-              <a:defRPr sz="6000"/>
+            <a:lvl1pPr algn="l">
+              <a:defRPr sz="4000" b="0" cap="none"/>
             </a:lvl1pPr>
           </a:lstStyle>
           <a:p>
@@ -2568,18 +4514,13 @@
               <a:rPr lang="en-US"/>
               <a:t>Click to edit Master title style</a:t>
             </a:r>
-          </a:p>
-        </p:txBody>
-      </p:sp>
-      <p:sp>
-        <p:nvSpPr>
-          <p:cNvPr id="3" name="Text Placeholder 2">
-            <a:extLst>
-              <a:ext uri="{FF2B5EF4-FFF2-40B4-BE49-F238E27FC236}">
-                <a16:creationId xmlns:a16="http://schemas.microsoft.com/office/drawing/2014/main" id="{8DF1462C-1069-4552-9DF1-CD7C914AEED2}"/>
-              </a:ext>
-            </a:extLst>
-          </p:cNvPr>
+            <a:endParaRPr lang="en-US" dirty="0"/>
+          </a:p>
+        </p:txBody>
+      </p:sp>
+      <p:sp>
+        <p:nvSpPr>
+          <p:cNvPr id="3" name="Text Placeholder 2"/>
           <p:cNvSpPr>
             <a:spLocks noGrp="1"/>
           </p:cNvSpPr>
@@ -2589,26 +4530,27 @@
         </p:nvSpPr>
         <p:spPr>
           <a:xfrm>
-            <a:off x="831850" y="4589463"/>
-            <a:ext cx="10515600" cy="1500187"/>
+            <a:off x="2589212" y="3530129"/>
+            <a:ext cx="8915399" cy="860400"/>
           </a:xfrm>
         </p:spPr>
         <p:txBody>
-          <a:bodyPr/>
+          <a:bodyPr anchor="t"/>
           <a:lstStyle>
-            <a:lvl1pPr marL="0" indent="0">
+            <a:lvl1pPr marL="0" indent="0" algn="l">
               <a:buNone/>
-              <a:defRPr sz="2400">
+              <a:defRPr sz="2000">
                 <a:solidFill>
                   <a:schemeClr val="tx1">
-                    <a:tint val="75000"/>
+                    <a:lumMod val="65000"/>
+                    <a:lumOff val="35000"/>
                   </a:schemeClr>
                 </a:solidFill>
               </a:defRPr>
             </a:lvl1pPr>
             <a:lvl2pPr marL="457200" indent="0">
               <a:buNone/>
-              <a:defRPr sz="2000">
+              <a:defRPr sz="1800">
                 <a:solidFill>
                   <a:schemeClr val="tx1">
                     <a:tint val="75000"/>
@@ -2618,7 +4560,7 @@
             </a:lvl2pPr>
             <a:lvl3pPr marL="914400" indent="0">
               <a:buNone/>
-              <a:defRPr sz="1800">
+              <a:defRPr sz="1600">
                 <a:solidFill>
                   <a:schemeClr val="tx1">
                     <a:tint val="75000"/>
@@ -2628,7 +4570,7 @@
             </a:lvl3pPr>
             <a:lvl4pPr marL="1371600" indent="0">
               <a:buNone/>
-              <a:defRPr sz="1600">
+              <a:defRPr sz="1400">
                 <a:solidFill>
                   <a:schemeClr val="tx1">
                     <a:tint val="75000"/>
@@ -2638,7 +4580,7 @@
             </a:lvl4pPr>
             <a:lvl5pPr marL="1828800" indent="0">
               <a:buNone/>
-              <a:defRPr sz="1600">
+              <a:defRPr sz="1400">
                 <a:solidFill>
                   <a:schemeClr val="tx1">
                     <a:tint val="75000"/>
@@ -2648,7 +4590,7 @@
             </a:lvl5pPr>
             <a:lvl6pPr marL="2286000" indent="0">
               <a:buNone/>
-              <a:defRPr sz="1600">
+              <a:defRPr sz="1400">
                 <a:solidFill>
                   <a:schemeClr val="tx1">
                     <a:tint val="75000"/>
@@ -2658,7 +4600,7 @@
             </a:lvl6pPr>
             <a:lvl7pPr marL="2743200" indent="0">
               <a:buNone/>
-              <a:defRPr sz="1600">
+              <a:defRPr sz="1400">
                 <a:solidFill>
                   <a:schemeClr val="tx1">
                     <a:tint val="75000"/>
@@ -2668,7 +4610,7 @@
             </a:lvl7pPr>
             <a:lvl8pPr marL="3200400" indent="0">
               <a:buNone/>
-              <a:defRPr sz="1600">
+              <a:defRPr sz="1400">
                 <a:solidFill>
                   <a:schemeClr val="tx1">
                     <a:tint val="75000"/>
@@ -2678,7 +4620,7 @@
             </a:lvl8pPr>
             <a:lvl9pPr marL="3657600" indent="0">
               <a:buNone/>
-              <a:defRPr sz="1600">
+              <a:defRPr sz="1400">
                 <a:solidFill>
                   <a:schemeClr val="tx1">
                     <a:tint val="75000"/>
@@ -2698,13 +4640,7 @@
       </p:sp>
       <p:sp>
         <p:nvSpPr>
-          <p:cNvPr id="4" name="Date Placeholder 3">
-            <a:extLst>
-              <a:ext uri="{FF2B5EF4-FFF2-40B4-BE49-F238E27FC236}">
-                <a16:creationId xmlns:a16="http://schemas.microsoft.com/office/drawing/2014/main" id="{55D41544-07B0-46FC-AC40-6915D3065C67}"/>
-              </a:ext>
-            </a:extLst>
-          </p:cNvPr>
+          <p:cNvPr id="4" name="Date Placeholder 3"/>
           <p:cNvSpPr>
             <a:spLocks noGrp="1"/>
           </p:cNvSpPr>
@@ -2717,8 +4653,9 @@
           <a:bodyPr/>
           <a:lstStyle/>
           <a:p>
-            <a:fld id="{17B4D555-9550-44B8-8A42-30410E1CAF73}" type="datetimeFigureOut">
-              <a:rPr lang="en-US" smtClean="0"/>
+            <a:fld id="{B61BEF0D-F0BB-DE4B-95CE-6DB70DBA9567}" type="datetimeFigureOut">
+              <a:rPr lang="en-US" dirty="0"/>
+              <a:pPr/>
               <a:t>7/25/2018</a:t>
             </a:fld>
             <a:endParaRPr lang="en-US" dirty="0"/>
@@ -2727,13 +4664,7 @@
       </p:sp>
       <p:sp>
         <p:nvSpPr>
-          <p:cNvPr id="5" name="Footer Placeholder 4">
-            <a:extLst>
-              <a:ext uri="{FF2B5EF4-FFF2-40B4-BE49-F238E27FC236}">
-                <a16:creationId xmlns:a16="http://schemas.microsoft.com/office/drawing/2014/main" id="{4AC499D8-3171-4D14-908E-4B5337574793}"/>
-              </a:ext>
-            </a:extLst>
-          </p:cNvPr>
+          <p:cNvPr id="5" name="Footer Placeholder 4"/>
           <p:cNvSpPr>
             <a:spLocks noGrp="1"/>
           </p:cNvSpPr>
@@ -2752,13 +4683,89 @@
       </p:sp>
       <p:sp>
         <p:nvSpPr>
-          <p:cNvPr id="6" name="Slide Number Placeholder 5">
-            <a:extLst>
-              <a:ext uri="{FF2B5EF4-FFF2-40B4-BE49-F238E27FC236}">
-                <a16:creationId xmlns:a16="http://schemas.microsoft.com/office/drawing/2014/main" id="{A56BD059-7CAC-4BED-AD56-1514EB2E6276}"/>
-              </a:ext>
-            </a:extLst>
-          </p:cNvPr>
+          <p:cNvPr id="9" name="Freeform 11"/>
+          <p:cNvSpPr/>
+          <p:nvPr/>
+        </p:nvSpPr>
+        <p:spPr bwMode="auto">
+          <a:xfrm flipV="1">
+            <a:off x="-4189" y="3178175"/>
+            <a:ext cx="1588527" cy="507297"/>
+          </a:xfrm>
+          <a:custGeom>
+            <a:avLst/>
+            <a:gdLst/>
+            <a:ahLst/>
+            <a:cxnLst/>
+            <a:rect l="l" t="t" r="r" b="b"/>
+            <a:pathLst>
+              <a:path w="9248" h="10000">
+                <a:moveTo>
+                  <a:pt x="9248" y="4701"/>
+                </a:moveTo>
+                <a:lnTo>
+                  <a:pt x="7915" y="188"/>
+                </a:lnTo>
+                <a:cubicBezTo>
+                  <a:pt x="7906" y="156"/>
+                  <a:pt x="7895" y="126"/>
+                  <a:pt x="7886" y="94"/>
+                </a:cubicBezTo>
+                <a:cubicBezTo>
+                  <a:pt x="7859" y="0"/>
+                  <a:pt x="7831" y="0"/>
+                  <a:pt x="7803" y="0"/>
+                </a:cubicBezTo>
+                <a:lnTo>
+                  <a:pt x="7275" y="0"/>
+                </a:lnTo>
+                <a:lnTo>
+                  <a:pt x="0" y="70"/>
+                </a:lnTo>
+                <a:cubicBezTo>
+                  <a:pt x="8" y="3380"/>
+                  <a:pt x="17" y="6690"/>
+                  <a:pt x="25" y="10000"/>
+                </a:cubicBezTo>
+                <a:lnTo>
+                  <a:pt x="7275" y="9966"/>
+                </a:lnTo>
+                <a:lnTo>
+                  <a:pt x="7803" y="9966"/>
+                </a:lnTo>
+                <a:cubicBezTo>
+                  <a:pt x="7831" y="9966"/>
+                  <a:pt x="7859" y="9872"/>
+                  <a:pt x="7886" y="9872"/>
+                </a:cubicBezTo>
+                <a:cubicBezTo>
+                  <a:pt x="7886" y="9778"/>
+                  <a:pt x="7915" y="9778"/>
+                  <a:pt x="7915" y="9778"/>
+                </a:cubicBezTo>
+                <a:lnTo>
+                  <a:pt x="9248" y="5265"/>
+                </a:lnTo>
+                <a:cubicBezTo>
+                  <a:pt x="9303" y="5077"/>
+                  <a:pt x="9303" y="4889"/>
+                  <a:pt x="9248" y="4701"/>
+                </a:cubicBezTo>
+                <a:close/>
+              </a:path>
+            </a:pathLst>
+          </a:custGeom>
+          <a:solidFill>
+            <a:schemeClr val="accent1"/>
+          </a:solidFill>
+          <a:ln>
+            <a:noFill/>
+          </a:ln>
+        </p:spPr>
+      </p:sp>
+      <p:sp>
+        <p:nvSpPr>
+          <p:cNvPr id="6" name="Slide Number Placeholder 5"/>
           <p:cNvSpPr>
             <a:spLocks noGrp="1"/>
           </p:cNvSpPr>
@@ -2766,13 +4773,19 @@
             <p:ph type="sldNum" sz="quarter" idx="12"/>
           </p:nvPr>
         </p:nvSpPr>
-        <p:spPr/>
+        <p:spPr>
+          <a:xfrm>
+            <a:off x="531812" y="3244139"/>
+            <a:ext cx="779767" cy="365125"/>
+          </a:xfrm>
+        </p:spPr>
         <p:txBody>
           <a:bodyPr/>
           <a:lstStyle/>
           <a:p>
-            <a:fld id="{CF28E24D-EA21-4796-AB71-6CFC9E690AF3}" type="slidenum">
-              <a:rPr lang="en-US" smtClean="0"/>
+            <a:fld id="{D57F1E4F-1CFF-5643-939E-217C01CDF565}" type="slidenum">
+              <a:rPr lang="en-US" dirty="0"/>
+              <a:pPr/>
               <a:t>‹#›</a:t>
             </a:fld>
             <a:endParaRPr lang="en-US" dirty="0"/>
@@ -2780,11 +4793,6 @@
         </p:txBody>
       </p:sp>
     </p:spTree>
-    <p:extLst>
-      <p:ext uri="{BB962C8B-B14F-4D97-AF65-F5344CB8AC3E}">
-        <p14:creationId xmlns:p14="http://schemas.microsoft.com/office/powerpoint/2010/main" val="1322876560"/>
-      </p:ext>
-    </p:extLst>
   </p:cSld>
   <p:clrMapOvr>
     <a:masterClrMapping/>
@@ -2811,13 +4819,7 @@
       </p:grpSpPr>
       <p:sp>
         <p:nvSpPr>
-          <p:cNvPr id="2" name="Title 1">
-            <a:extLst>
-              <a:ext uri="{FF2B5EF4-FFF2-40B4-BE49-F238E27FC236}">
-                <a16:creationId xmlns:a16="http://schemas.microsoft.com/office/drawing/2014/main" id="{3881FA96-0B91-41B8-8C4E-A8C8F160E700}"/>
-              </a:ext>
-            </a:extLst>
-          </p:cNvPr>
+          <p:cNvPr id="8" name="Title 7"/>
           <p:cNvSpPr>
             <a:spLocks noGrp="1"/>
           </p:cNvSpPr>
@@ -2834,18 +4836,13 @@
               <a:rPr lang="en-US"/>
               <a:t>Click to edit Master title style</a:t>
             </a:r>
-          </a:p>
-        </p:txBody>
-      </p:sp>
-      <p:sp>
-        <p:nvSpPr>
-          <p:cNvPr id="3" name="Content Placeholder 2">
-            <a:extLst>
-              <a:ext uri="{FF2B5EF4-FFF2-40B4-BE49-F238E27FC236}">
-                <a16:creationId xmlns:a16="http://schemas.microsoft.com/office/drawing/2014/main" id="{BD119131-9CEC-472B-AD0D-99B3703F4A56}"/>
-              </a:ext>
-            </a:extLst>
-          </p:cNvPr>
+            <a:endParaRPr lang="en-US" dirty="0"/>
+          </a:p>
+        </p:txBody>
+      </p:sp>
+      <p:sp>
+        <p:nvSpPr>
+          <p:cNvPr id="3" name="Content Placeholder 2"/>
           <p:cNvSpPr>
             <a:spLocks noGrp="1"/>
           </p:cNvSpPr>
@@ -2855,12 +4852,14 @@
         </p:nvSpPr>
         <p:spPr>
           <a:xfrm>
-            <a:off x="838200" y="1825625"/>
-            <a:ext cx="5181600" cy="4351338"/>
+            <a:off x="2589212" y="2133600"/>
+            <a:ext cx="4313864" cy="3777622"/>
           </a:xfrm>
         </p:spPr>
         <p:txBody>
-          <a:bodyPr/>
+          <a:bodyPr>
+            <a:normAutofit/>
+          </a:bodyPr>
           <a:lstStyle/>
           <a:p>
             <a:pPr lvl="0"/>
@@ -2896,18 +4895,13 @@
               <a:rPr lang="en-US"/>
               <a:t>Fifth level</a:t>
             </a:r>
-          </a:p>
-        </p:txBody>
-      </p:sp>
-      <p:sp>
-        <p:nvSpPr>
-          <p:cNvPr id="4" name="Content Placeholder 3">
-            <a:extLst>
-              <a:ext uri="{FF2B5EF4-FFF2-40B4-BE49-F238E27FC236}">
-                <a16:creationId xmlns:a16="http://schemas.microsoft.com/office/drawing/2014/main" id="{4FF58F63-C982-40D8-A221-1BFE26AEE2AD}"/>
-              </a:ext>
-            </a:extLst>
-          </p:cNvPr>
+            <a:endParaRPr lang="en-US" dirty="0"/>
+          </a:p>
+        </p:txBody>
+      </p:sp>
+      <p:sp>
+        <p:nvSpPr>
+          <p:cNvPr id="4" name="Content Placeholder 3"/>
           <p:cNvSpPr>
             <a:spLocks noGrp="1"/>
           </p:cNvSpPr>
@@ -2917,12 +4911,14 @@
         </p:nvSpPr>
         <p:spPr>
           <a:xfrm>
-            <a:off x="6172200" y="1825625"/>
-            <a:ext cx="5181600" cy="4351338"/>
+            <a:off x="7190747" y="2126222"/>
+            <a:ext cx="4313864" cy="3777622"/>
           </a:xfrm>
         </p:spPr>
         <p:txBody>
-          <a:bodyPr/>
+          <a:bodyPr>
+            <a:normAutofit/>
+          </a:bodyPr>
           <a:lstStyle/>
           <a:p>
             <a:pPr lvl="0"/>
@@ -2958,18 +4954,13 @@
               <a:rPr lang="en-US"/>
               <a:t>Fifth level</a:t>
             </a:r>
-          </a:p>
-        </p:txBody>
-      </p:sp>
-      <p:sp>
-        <p:nvSpPr>
-          <p:cNvPr id="5" name="Date Placeholder 4">
-            <a:extLst>
-              <a:ext uri="{FF2B5EF4-FFF2-40B4-BE49-F238E27FC236}">
-                <a16:creationId xmlns:a16="http://schemas.microsoft.com/office/drawing/2014/main" id="{01FD186F-892A-40B9-B8FB-83F488A56E7E}"/>
-              </a:ext>
-            </a:extLst>
-          </p:cNvPr>
+            <a:endParaRPr lang="en-US" dirty="0"/>
+          </a:p>
+        </p:txBody>
+      </p:sp>
+      <p:sp>
+        <p:nvSpPr>
+          <p:cNvPr id="5" name="Date Placeholder 4"/>
           <p:cNvSpPr>
             <a:spLocks noGrp="1"/>
           </p:cNvSpPr>
@@ -2982,8 +4973,9 @@
           <a:bodyPr/>
           <a:lstStyle/>
           <a:p>
-            <a:fld id="{17B4D555-9550-44B8-8A42-30410E1CAF73}" type="datetimeFigureOut">
-              <a:rPr lang="en-US" smtClean="0"/>
+            <a:fld id="{B61BEF0D-F0BB-DE4B-95CE-6DB70DBA9567}" type="datetimeFigureOut">
+              <a:rPr lang="en-US" dirty="0"/>
+              <a:pPr/>
               <a:t>7/25/2018</a:t>
             </a:fld>
             <a:endParaRPr lang="en-US" dirty="0"/>
@@ -2992,13 +4984,7 @@
       </p:sp>
       <p:sp>
         <p:nvSpPr>
-          <p:cNvPr id="6" name="Footer Placeholder 5">
-            <a:extLst>
-              <a:ext uri="{FF2B5EF4-FFF2-40B4-BE49-F238E27FC236}">
-                <a16:creationId xmlns:a16="http://schemas.microsoft.com/office/drawing/2014/main" id="{06962B17-DB19-4634-BEE3-EA738718442E}"/>
-              </a:ext>
-            </a:extLst>
-          </p:cNvPr>
+          <p:cNvPr id="6" name="Footer Placeholder 5"/>
           <p:cNvSpPr>
             <a:spLocks noGrp="1"/>
           </p:cNvSpPr>
@@ -3017,13 +5003,89 @@
       </p:sp>
       <p:sp>
         <p:nvSpPr>
-          <p:cNvPr id="7" name="Slide Number Placeholder 6">
-            <a:extLst>
-              <a:ext uri="{FF2B5EF4-FFF2-40B4-BE49-F238E27FC236}">
-                <a16:creationId xmlns:a16="http://schemas.microsoft.com/office/drawing/2014/main" id="{EC98B25B-36FB-46ED-BDE8-3B5B125B218E}"/>
-              </a:ext>
-            </a:extLst>
-          </p:cNvPr>
+          <p:cNvPr id="10" name="Freeform 11"/>
+          <p:cNvSpPr/>
+          <p:nvPr/>
+        </p:nvSpPr>
+        <p:spPr bwMode="auto">
+          <a:xfrm flipV="1">
+            <a:off x="-4189" y="714375"/>
+            <a:ext cx="1588527" cy="507297"/>
+          </a:xfrm>
+          <a:custGeom>
+            <a:avLst/>
+            <a:gdLst/>
+            <a:ahLst/>
+            <a:cxnLst/>
+            <a:rect l="l" t="t" r="r" b="b"/>
+            <a:pathLst>
+              <a:path w="9248" h="10000">
+                <a:moveTo>
+                  <a:pt x="9248" y="4701"/>
+                </a:moveTo>
+                <a:lnTo>
+                  <a:pt x="7915" y="188"/>
+                </a:lnTo>
+                <a:cubicBezTo>
+                  <a:pt x="7906" y="156"/>
+                  <a:pt x="7895" y="126"/>
+                  <a:pt x="7886" y="94"/>
+                </a:cubicBezTo>
+                <a:cubicBezTo>
+                  <a:pt x="7859" y="0"/>
+                  <a:pt x="7831" y="0"/>
+                  <a:pt x="7803" y="0"/>
+                </a:cubicBezTo>
+                <a:lnTo>
+                  <a:pt x="7275" y="0"/>
+                </a:lnTo>
+                <a:lnTo>
+                  <a:pt x="0" y="70"/>
+                </a:lnTo>
+                <a:cubicBezTo>
+                  <a:pt x="8" y="3380"/>
+                  <a:pt x="17" y="6690"/>
+                  <a:pt x="25" y="10000"/>
+                </a:cubicBezTo>
+                <a:lnTo>
+                  <a:pt x="7275" y="9966"/>
+                </a:lnTo>
+                <a:lnTo>
+                  <a:pt x="7803" y="9966"/>
+                </a:lnTo>
+                <a:cubicBezTo>
+                  <a:pt x="7831" y="9966"/>
+                  <a:pt x="7859" y="9872"/>
+                  <a:pt x="7886" y="9872"/>
+                </a:cubicBezTo>
+                <a:cubicBezTo>
+                  <a:pt x="7886" y="9778"/>
+                  <a:pt x="7915" y="9778"/>
+                  <a:pt x="7915" y="9778"/>
+                </a:cubicBezTo>
+                <a:lnTo>
+                  <a:pt x="9248" y="5265"/>
+                </a:lnTo>
+                <a:cubicBezTo>
+                  <a:pt x="9303" y="5077"/>
+                  <a:pt x="9303" y="4889"/>
+                  <a:pt x="9248" y="4701"/>
+                </a:cubicBezTo>
+                <a:close/>
+              </a:path>
+            </a:pathLst>
+          </a:custGeom>
+          <a:solidFill>
+            <a:schemeClr val="accent1"/>
+          </a:solidFill>
+          <a:ln>
+            <a:noFill/>
+          </a:ln>
+        </p:spPr>
+      </p:sp>
+      <p:sp>
+        <p:nvSpPr>
+          <p:cNvPr id="11" name="Slide Number Placeholder 5"/>
           <p:cNvSpPr>
             <a:spLocks noGrp="1"/>
           </p:cNvSpPr>
@@ -3031,13 +5093,19 @@
             <p:ph type="sldNum" sz="quarter" idx="12"/>
           </p:nvPr>
         </p:nvSpPr>
-        <p:spPr/>
+        <p:spPr>
+          <a:xfrm>
+            <a:off x="531812" y="787782"/>
+            <a:ext cx="779767" cy="365125"/>
+          </a:xfrm>
+        </p:spPr>
         <p:txBody>
           <a:bodyPr/>
           <a:lstStyle/>
           <a:p>
-            <a:fld id="{CF28E24D-EA21-4796-AB71-6CFC9E690AF3}" type="slidenum">
-              <a:rPr lang="en-US" smtClean="0"/>
+            <a:fld id="{D57F1E4F-1CFF-5643-939E-217C01CDF565}" type="slidenum">
+              <a:rPr lang="en-US" dirty="0"/>
+              <a:pPr/>
               <a:t>‹#›</a:t>
             </a:fld>
             <a:endParaRPr lang="en-US" dirty="0"/>
@@ -3045,11 +5113,6 @@
         </p:txBody>
       </p:sp>
     </p:spTree>
-    <p:extLst>
-      <p:ext uri="{BB962C8B-B14F-4D97-AF65-F5344CB8AC3E}">
-        <p14:creationId xmlns:p14="http://schemas.microsoft.com/office/powerpoint/2010/main" val="877717851"/>
-      </p:ext>
-    </p:extLst>
   </p:cSld>
   <p:clrMapOvr>
     <a:masterClrMapping/>
@@ -3076,65 +5139,51 @@
       </p:grpSpPr>
       <p:sp>
         <p:nvSpPr>
-          <p:cNvPr id="2" name="Title 1">
-            <a:extLst>
-              <a:ext uri="{FF2B5EF4-FFF2-40B4-BE49-F238E27FC236}">
-                <a16:creationId xmlns:a16="http://schemas.microsoft.com/office/drawing/2014/main" id="{A64D9523-0470-496C-A346-1FCC56E7AF4A}"/>
-              </a:ext>
-            </a:extLst>
-          </p:cNvPr>
+          <p:cNvPr id="10" name="Title 9"/>
           <p:cNvSpPr>
             <a:spLocks noGrp="1"/>
           </p:cNvSpPr>
           <p:nvPr>
             <p:ph type="title"/>
+          </p:nvPr>
+        </p:nvSpPr>
+        <p:spPr/>
+        <p:txBody>
+          <a:bodyPr/>
+          <a:lstStyle/>
+          <a:p>
+            <a:r>
+              <a:rPr lang="en-US"/>
+              <a:t>Click to edit Master title style</a:t>
+            </a:r>
+            <a:endParaRPr lang="en-US" dirty="0"/>
+          </a:p>
+        </p:txBody>
+      </p:sp>
+      <p:sp>
+        <p:nvSpPr>
+          <p:cNvPr id="3" name="Text Placeholder 2"/>
+          <p:cNvSpPr>
+            <a:spLocks noGrp="1"/>
+          </p:cNvSpPr>
+          <p:nvPr>
+            <p:ph type="body" idx="1"/>
           </p:nvPr>
         </p:nvSpPr>
         <p:spPr>
           <a:xfrm>
-            <a:off x="839788" y="365125"/>
-            <a:ext cx="10515600" cy="1325563"/>
+            <a:off x="2939373" y="1972703"/>
+            <a:ext cx="3992732" cy="576262"/>
           </a:xfrm>
         </p:spPr>
         <p:txBody>
-          <a:bodyPr/>
-          <a:lstStyle/>
-          <a:p>
-            <a:r>
-              <a:rPr lang="en-US"/>
-              <a:t>Click to edit Master title style</a:t>
-            </a:r>
-          </a:p>
-        </p:txBody>
-      </p:sp>
-      <p:sp>
-        <p:nvSpPr>
-          <p:cNvPr id="3" name="Text Placeholder 2">
-            <a:extLst>
-              <a:ext uri="{FF2B5EF4-FFF2-40B4-BE49-F238E27FC236}">
-                <a16:creationId xmlns:a16="http://schemas.microsoft.com/office/drawing/2014/main" id="{BF3E4A83-2EF4-4D78-A37C-E782316B0DBC}"/>
-              </a:ext>
-            </a:extLst>
-          </p:cNvPr>
-          <p:cNvSpPr>
-            <a:spLocks noGrp="1"/>
-          </p:cNvSpPr>
-          <p:nvPr>
-            <p:ph type="body" idx="1"/>
-          </p:nvPr>
-        </p:nvSpPr>
-        <p:spPr>
-          <a:xfrm>
-            <a:off x="839788" y="1681163"/>
-            <a:ext cx="5157787" cy="823912"/>
-          </a:xfrm>
-        </p:spPr>
-        <p:txBody>
-          <a:bodyPr anchor="b"/>
+          <a:bodyPr anchor="b">
+            <a:noAutofit/>
+          </a:bodyPr>
           <a:lstStyle>
             <a:lvl1pPr marL="0" indent="0">
               <a:buNone/>
-              <a:defRPr sz="2400" b="1"/>
+              <a:defRPr sz="2400" b="0"/>
             </a:lvl1pPr>
             <a:lvl2pPr marL="457200" indent="0">
               <a:buNone/>
@@ -3180,13 +5229,7 @@
       </p:sp>
       <p:sp>
         <p:nvSpPr>
-          <p:cNvPr id="4" name="Content Placeholder 3">
-            <a:extLst>
-              <a:ext uri="{FF2B5EF4-FFF2-40B4-BE49-F238E27FC236}">
-                <a16:creationId xmlns:a16="http://schemas.microsoft.com/office/drawing/2014/main" id="{3C2AE687-918A-4D74-8434-23A998F94615}"/>
-              </a:ext>
-            </a:extLst>
-          </p:cNvPr>
+          <p:cNvPr id="4" name="Content Placeholder 3"/>
           <p:cNvSpPr>
             <a:spLocks noGrp="1"/>
           </p:cNvSpPr>
@@ -3196,12 +5239,14 @@
         </p:nvSpPr>
         <p:spPr>
           <a:xfrm>
-            <a:off x="839788" y="2505075"/>
-            <a:ext cx="5157787" cy="3684588"/>
+            <a:off x="2589212" y="2548966"/>
+            <a:ext cx="4342893" cy="3354060"/>
           </a:xfrm>
         </p:spPr>
         <p:txBody>
-          <a:bodyPr/>
+          <a:bodyPr>
+            <a:normAutofit/>
+          </a:bodyPr>
           <a:lstStyle/>
           <a:p>
             <a:pPr lvl="0"/>
@@ -3237,18 +5282,13 @@
               <a:rPr lang="en-US"/>
               <a:t>Fifth level</a:t>
             </a:r>
-          </a:p>
-        </p:txBody>
-      </p:sp>
-      <p:sp>
-        <p:nvSpPr>
-          <p:cNvPr id="5" name="Text Placeholder 4">
-            <a:extLst>
-              <a:ext uri="{FF2B5EF4-FFF2-40B4-BE49-F238E27FC236}">
-                <a16:creationId xmlns:a16="http://schemas.microsoft.com/office/drawing/2014/main" id="{601C19D0-4906-4E93-825B-F3AE4E5F13B5}"/>
-              </a:ext>
-            </a:extLst>
-          </p:cNvPr>
+            <a:endParaRPr lang="en-US" dirty="0"/>
+          </a:p>
+        </p:txBody>
+      </p:sp>
+      <p:sp>
+        <p:nvSpPr>
+          <p:cNvPr id="5" name="Text Placeholder 4"/>
           <p:cNvSpPr>
             <a:spLocks noGrp="1"/>
           </p:cNvSpPr>
@@ -3258,16 +5298,18 @@
         </p:nvSpPr>
         <p:spPr>
           <a:xfrm>
-            <a:off x="6172200" y="1681163"/>
-            <a:ext cx="5183188" cy="823912"/>
+            <a:off x="7506629" y="1969475"/>
+            <a:ext cx="3999001" cy="576262"/>
           </a:xfrm>
         </p:spPr>
         <p:txBody>
-          <a:bodyPr anchor="b"/>
+          <a:bodyPr anchor="b">
+            <a:noAutofit/>
+          </a:bodyPr>
           <a:lstStyle>
             <a:lvl1pPr marL="0" indent="0">
               <a:buNone/>
-              <a:defRPr sz="2400" b="1"/>
+              <a:defRPr sz="2400" b="0"/>
             </a:lvl1pPr>
             <a:lvl2pPr marL="457200" indent="0">
               <a:buNone/>
@@ -3313,13 +5355,7 @@
       </p:sp>
       <p:sp>
         <p:nvSpPr>
-          <p:cNvPr id="6" name="Content Placeholder 5">
-            <a:extLst>
-              <a:ext uri="{FF2B5EF4-FFF2-40B4-BE49-F238E27FC236}">
-                <a16:creationId xmlns:a16="http://schemas.microsoft.com/office/drawing/2014/main" id="{0B5EC95F-B9C3-47D4-A1C8-F03A5CE39AA7}"/>
-              </a:ext>
-            </a:extLst>
-          </p:cNvPr>
+          <p:cNvPr id="6" name="Content Placeholder 5"/>
           <p:cNvSpPr>
             <a:spLocks noGrp="1"/>
           </p:cNvSpPr>
@@ -3329,12 +5365,14 @@
         </p:nvSpPr>
         <p:spPr>
           <a:xfrm>
-            <a:off x="6172200" y="2505075"/>
-            <a:ext cx="5183188" cy="3684588"/>
+            <a:off x="7166957" y="2545738"/>
+            <a:ext cx="4338674" cy="3354060"/>
           </a:xfrm>
         </p:spPr>
         <p:txBody>
-          <a:bodyPr/>
+          <a:bodyPr>
+            <a:normAutofit/>
+          </a:bodyPr>
           <a:lstStyle/>
           <a:p>
             <a:pPr lvl="0"/>
@@ -3370,18 +5408,13 @@
               <a:rPr lang="en-US"/>
               <a:t>Fifth level</a:t>
             </a:r>
-          </a:p>
-        </p:txBody>
-      </p:sp>
-      <p:sp>
-        <p:nvSpPr>
-          <p:cNvPr id="7" name="Date Placeholder 6">
-            <a:extLst>
-              <a:ext uri="{FF2B5EF4-FFF2-40B4-BE49-F238E27FC236}">
-                <a16:creationId xmlns:a16="http://schemas.microsoft.com/office/drawing/2014/main" id="{4B58DA44-EE59-41CE-AA32-861A64EC6BA5}"/>
-              </a:ext>
-            </a:extLst>
-          </p:cNvPr>
+            <a:endParaRPr lang="en-US" dirty="0"/>
+          </a:p>
+        </p:txBody>
+      </p:sp>
+      <p:sp>
+        <p:nvSpPr>
+          <p:cNvPr id="7" name="Date Placeholder 6"/>
           <p:cNvSpPr>
             <a:spLocks noGrp="1"/>
           </p:cNvSpPr>
@@ -3394,8 +5427,9 @@
           <a:bodyPr/>
           <a:lstStyle/>
           <a:p>
-            <a:fld id="{17B4D555-9550-44B8-8A42-30410E1CAF73}" type="datetimeFigureOut">
-              <a:rPr lang="en-US" smtClean="0"/>
+            <a:fld id="{B61BEF0D-F0BB-DE4B-95CE-6DB70DBA9567}" type="datetimeFigureOut">
+              <a:rPr lang="en-US" dirty="0"/>
+              <a:pPr/>
               <a:t>7/25/2018</a:t>
             </a:fld>
             <a:endParaRPr lang="en-US" dirty="0"/>
@@ -3404,13 +5438,7 @@
       </p:sp>
       <p:sp>
         <p:nvSpPr>
-          <p:cNvPr id="8" name="Footer Placeholder 7">
-            <a:extLst>
-              <a:ext uri="{FF2B5EF4-FFF2-40B4-BE49-F238E27FC236}">
-                <a16:creationId xmlns:a16="http://schemas.microsoft.com/office/drawing/2014/main" id="{DD1AA3AE-D4CF-4F32-B193-21009F0C1BEC}"/>
-              </a:ext>
-            </a:extLst>
-          </p:cNvPr>
+          <p:cNvPr id="8" name="Footer Placeholder 7"/>
           <p:cNvSpPr>
             <a:spLocks noGrp="1"/>
           </p:cNvSpPr>
@@ -3429,13 +5457,89 @@
       </p:sp>
       <p:sp>
         <p:nvSpPr>
-          <p:cNvPr id="9" name="Slide Number Placeholder 8">
-            <a:extLst>
-              <a:ext uri="{FF2B5EF4-FFF2-40B4-BE49-F238E27FC236}">
-                <a16:creationId xmlns:a16="http://schemas.microsoft.com/office/drawing/2014/main" id="{A64EC141-A276-4D09-85D1-62C0BDB98B17}"/>
-              </a:ext>
-            </a:extLst>
-          </p:cNvPr>
+          <p:cNvPr id="12" name="Freeform 11"/>
+          <p:cNvSpPr/>
+          <p:nvPr/>
+        </p:nvSpPr>
+        <p:spPr bwMode="auto">
+          <a:xfrm flipV="1">
+            <a:off x="-4189" y="714375"/>
+            <a:ext cx="1588527" cy="507297"/>
+          </a:xfrm>
+          <a:custGeom>
+            <a:avLst/>
+            <a:gdLst/>
+            <a:ahLst/>
+            <a:cxnLst/>
+            <a:rect l="l" t="t" r="r" b="b"/>
+            <a:pathLst>
+              <a:path w="9248" h="10000">
+                <a:moveTo>
+                  <a:pt x="9248" y="4701"/>
+                </a:moveTo>
+                <a:lnTo>
+                  <a:pt x="7915" y="188"/>
+                </a:lnTo>
+                <a:cubicBezTo>
+                  <a:pt x="7906" y="156"/>
+                  <a:pt x="7895" y="126"/>
+                  <a:pt x="7886" y="94"/>
+                </a:cubicBezTo>
+                <a:cubicBezTo>
+                  <a:pt x="7859" y="0"/>
+                  <a:pt x="7831" y="0"/>
+                  <a:pt x="7803" y="0"/>
+                </a:cubicBezTo>
+                <a:lnTo>
+                  <a:pt x="7275" y="0"/>
+                </a:lnTo>
+                <a:lnTo>
+                  <a:pt x="0" y="70"/>
+                </a:lnTo>
+                <a:cubicBezTo>
+                  <a:pt x="8" y="3380"/>
+                  <a:pt x="17" y="6690"/>
+                  <a:pt x="25" y="10000"/>
+                </a:cubicBezTo>
+                <a:lnTo>
+                  <a:pt x="7275" y="9966"/>
+                </a:lnTo>
+                <a:lnTo>
+                  <a:pt x="7803" y="9966"/>
+                </a:lnTo>
+                <a:cubicBezTo>
+                  <a:pt x="7831" y="9966"/>
+                  <a:pt x="7859" y="9872"/>
+                  <a:pt x="7886" y="9872"/>
+                </a:cubicBezTo>
+                <a:cubicBezTo>
+                  <a:pt x="7886" y="9778"/>
+                  <a:pt x="7915" y="9778"/>
+                  <a:pt x="7915" y="9778"/>
+                </a:cubicBezTo>
+                <a:lnTo>
+                  <a:pt x="9248" y="5265"/>
+                </a:lnTo>
+                <a:cubicBezTo>
+                  <a:pt x="9303" y="5077"/>
+                  <a:pt x="9303" y="4889"/>
+                  <a:pt x="9248" y="4701"/>
+                </a:cubicBezTo>
+                <a:close/>
+              </a:path>
+            </a:pathLst>
+          </a:custGeom>
+          <a:solidFill>
+            <a:schemeClr val="accent1"/>
+          </a:solidFill>
+          <a:ln>
+            <a:noFill/>
+          </a:ln>
+        </p:spPr>
+      </p:sp>
+      <p:sp>
+        <p:nvSpPr>
+          <p:cNvPr id="13" name="Slide Number Placeholder 5"/>
           <p:cNvSpPr>
             <a:spLocks noGrp="1"/>
           </p:cNvSpPr>
@@ -3443,13 +5547,19 @@
             <p:ph type="sldNum" sz="quarter" idx="12"/>
           </p:nvPr>
         </p:nvSpPr>
-        <p:spPr/>
+        <p:spPr>
+          <a:xfrm>
+            <a:off x="531812" y="787782"/>
+            <a:ext cx="779767" cy="365125"/>
+          </a:xfrm>
+        </p:spPr>
         <p:txBody>
           <a:bodyPr/>
           <a:lstStyle/>
           <a:p>
-            <a:fld id="{CF28E24D-EA21-4796-AB71-6CFC9E690AF3}" type="slidenum">
-              <a:rPr lang="en-US" smtClean="0"/>
+            <a:fld id="{D57F1E4F-1CFF-5643-939E-217C01CDF565}" type="slidenum">
+              <a:rPr lang="en-US" dirty="0"/>
+              <a:pPr/>
               <a:t>‹#›</a:t>
             </a:fld>
             <a:endParaRPr lang="en-US" dirty="0"/>
@@ -3457,11 +5567,6 @@
         </p:txBody>
       </p:sp>
     </p:spTree>
-    <p:extLst>
-      <p:ext uri="{BB962C8B-B14F-4D97-AF65-F5344CB8AC3E}">
-        <p14:creationId xmlns:p14="http://schemas.microsoft.com/office/powerpoint/2010/main" val="2537824100"/>
-      </p:ext>
-    </p:extLst>
   </p:cSld>
   <p:clrMapOvr>
     <a:masterClrMapping/>
@@ -3488,13 +5593,7 @@
       </p:grpSpPr>
       <p:sp>
         <p:nvSpPr>
-          <p:cNvPr id="2" name="Title 1">
-            <a:extLst>
-              <a:ext uri="{FF2B5EF4-FFF2-40B4-BE49-F238E27FC236}">
-                <a16:creationId xmlns:a16="http://schemas.microsoft.com/office/drawing/2014/main" id="{73935227-766D-4D3A-BEF6-E6A1C3FCB411}"/>
-              </a:ext>
-            </a:extLst>
-          </p:cNvPr>
+          <p:cNvPr id="2" name="Title 1"/>
           <p:cNvSpPr>
             <a:spLocks noGrp="1"/>
           </p:cNvSpPr>
@@ -3511,18 +5610,13 @@
               <a:rPr lang="en-US"/>
               <a:t>Click to edit Master title style</a:t>
             </a:r>
-          </a:p>
-        </p:txBody>
-      </p:sp>
-      <p:sp>
-        <p:nvSpPr>
-          <p:cNvPr id="3" name="Date Placeholder 2">
-            <a:extLst>
-              <a:ext uri="{FF2B5EF4-FFF2-40B4-BE49-F238E27FC236}">
-                <a16:creationId xmlns:a16="http://schemas.microsoft.com/office/drawing/2014/main" id="{A668C327-1413-4C57-B37D-37CFF99BC784}"/>
-              </a:ext>
-            </a:extLst>
-          </p:cNvPr>
+            <a:endParaRPr lang="en-US" dirty="0"/>
+          </a:p>
+        </p:txBody>
+      </p:sp>
+      <p:sp>
+        <p:nvSpPr>
+          <p:cNvPr id="3" name="Date Placeholder 2"/>
           <p:cNvSpPr>
             <a:spLocks noGrp="1"/>
           </p:cNvSpPr>
@@ -3535,8 +5629,9 @@
           <a:bodyPr/>
           <a:lstStyle/>
           <a:p>
-            <a:fld id="{17B4D555-9550-44B8-8A42-30410E1CAF73}" type="datetimeFigureOut">
-              <a:rPr lang="en-US" smtClean="0"/>
+            <a:fld id="{B61BEF0D-F0BB-DE4B-95CE-6DB70DBA9567}" type="datetimeFigureOut">
+              <a:rPr lang="en-US" dirty="0"/>
+              <a:pPr/>
               <a:t>7/25/2018</a:t>
             </a:fld>
             <a:endParaRPr lang="en-US" dirty="0"/>
@@ -3545,13 +5640,7 @@
       </p:sp>
       <p:sp>
         <p:nvSpPr>
-          <p:cNvPr id="4" name="Footer Placeholder 3">
-            <a:extLst>
-              <a:ext uri="{FF2B5EF4-FFF2-40B4-BE49-F238E27FC236}">
-                <a16:creationId xmlns:a16="http://schemas.microsoft.com/office/drawing/2014/main" id="{591DA2AA-C954-4F4C-8281-396CF39A54F7}"/>
-              </a:ext>
-            </a:extLst>
-          </p:cNvPr>
+          <p:cNvPr id="4" name="Footer Placeholder 3"/>
           <p:cNvSpPr>
             <a:spLocks noGrp="1"/>
           </p:cNvSpPr>
@@ -3570,13 +5659,89 @@
       </p:sp>
       <p:sp>
         <p:nvSpPr>
-          <p:cNvPr id="5" name="Slide Number Placeholder 4">
-            <a:extLst>
-              <a:ext uri="{FF2B5EF4-FFF2-40B4-BE49-F238E27FC236}">
-                <a16:creationId xmlns:a16="http://schemas.microsoft.com/office/drawing/2014/main" id="{FA4A35F9-043D-4553-8D9F-74221E109857}"/>
-              </a:ext>
-            </a:extLst>
-          </p:cNvPr>
+          <p:cNvPr id="7" name="Freeform 11"/>
+          <p:cNvSpPr/>
+          <p:nvPr/>
+        </p:nvSpPr>
+        <p:spPr bwMode="auto">
+          <a:xfrm flipV="1">
+            <a:off x="-4189" y="714375"/>
+            <a:ext cx="1588527" cy="507297"/>
+          </a:xfrm>
+          <a:custGeom>
+            <a:avLst/>
+            <a:gdLst/>
+            <a:ahLst/>
+            <a:cxnLst/>
+            <a:rect l="l" t="t" r="r" b="b"/>
+            <a:pathLst>
+              <a:path w="9248" h="10000">
+                <a:moveTo>
+                  <a:pt x="9248" y="4701"/>
+                </a:moveTo>
+                <a:lnTo>
+                  <a:pt x="7915" y="188"/>
+                </a:lnTo>
+                <a:cubicBezTo>
+                  <a:pt x="7906" y="156"/>
+                  <a:pt x="7895" y="126"/>
+                  <a:pt x="7886" y="94"/>
+                </a:cubicBezTo>
+                <a:cubicBezTo>
+                  <a:pt x="7859" y="0"/>
+                  <a:pt x="7831" y="0"/>
+                  <a:pt x="7803" y="0"/>
+                </a:cubicBezTo>
+                <a:lnTo>
+                  <a:pt x="7275" y="0"/>
+                </a:lnTo>
+                <a:lnTo>
+                  <a:pt x="0" y="70"/>
+                </a:lnTo>
+                <a:cubicBezTo>
+                  <a:pt x="8" y="3380"/>
+                  <a:pt x="17" y="6690"/>
+                  <a:pt x="25" y="10000"/>
+                </a:cubicBezTo>
+                <a:lnTo>
+                  <a:pt x="7275" y="9966"/>
+                </a:lnTo>
+                <a:lnTo>
+                  <a:pt x="7803" y="9966"/>
+                </a:lnTo>
+                <a:cubicBezTo>
+                  <a:pt x="7831" y="9966"/>
+                  <a:pt x="7859" y="9872"/>
+                  <a:pt x="7886" y="9872"/>
+                </a:cubicBezTo>
+                <a:cubicBezTo>
+                  <a:pt x="7886" y="9778"/>
+                  <a:pt x="7915" y="9778"/>
+                  <a:pt x="7915" y="9778"/>
+                </a:cubicBezTo>
+                <a:lnTo>
+                  <a:pt x="9248" y="5265"/>
+                </a:lnTo>
+                <a:cubicBezTo>
+                  <a:pt x="9303" y="5077"/>
+                  <a:pt x="9303" y="4889"/>
+                  <a:pt x="9248" y="4701"/>
+                </a:cubicBezTo>
+                <a:close/>
+              </a:path>
+            </a:pathLst>
+          </a:custGeom>
+          <a:solidFill>
+            <a:schemeClr val="accent1"/>
+          </a:solidFill>
+          <a:ln>
+            <a:noFill/>
+          </a:ln>
+        </p:spPr>
+      </p:sp>
+      <p:sp>
+        <p:nvSpPr>
+          <p:cNvPr id="5" name="Slide Number Placeholder 4"/>
           <p:cNvSpPr>
             <a:spLocks noGrp="1"/>
           </p:cNvSpPr>
@@ -3589,8 +5754,9 @@
           <a:bodyPr/>
           <a:lstStyle/>
           <a:p>
-            <a:fld id="{CF28E24D-EA21-4796-AB71-6CFC9E690AF3}" type="slidenum">
-              <a:rPr lang="en-US" smtClean="0"/>
+            <a:fld id="{D57F1E4F-1CFF-5643-939E-217C01CDF565}" type="slidenum">
+              <a:rPr lang="en-US" dirty="0"/>
+              <a:pPr/>
               <a:t>‹#›</a:t>
             </a:fld>
             <a:endParaRPr lang="en-US" dirty="0"/>
@@ -3598,11 +5764,6 @@
         </p:txBody>
       </p:sp>
     </p:spTree>
-    <p:extLst>
-      <p:ext uri="{BB962C8B-B14F-4D97-AF65-F5344CB8AC3E}">
-        <p14:creationId xmlns:p14="http://schemas.microsoft.com/office/powerpoint/2010/main" val="2251803872"/>
-      </p:ext>
-    </p:extLst>
   </p:cSld>
   <p:clrMapOvr>
     <a:masterClrMapping/>
@@ -3629,13 +5790,7 @@
       </p:grpSpPr>
       <p:sp>
         <p:nvSpPr>
-          <p:cNvPr id="2" name="Date Placeholder 1">
-            <a:extLst>
-              <a:ext uri="{FF2B5EF4-FFF2-40B4-BE49-F238E27FC236}">
-                <a16:creationId xmlns:a16="http://schemas.microsoft.com/office/drawing/2014/main" id="{1F4CC7C7-F0E2-4D85-83A9-6FE42A1373EC}"/>
-              </a:ext>
-            </a:extLst>
-          </p:cNvPr>
+          <p:cNvPr id="2" name="Date Placeholder 1"/>
           <p:cNvSpPr>
             <a:spLocks noGrp="1"/>
           </p:cNvSpPr>
@@ -3648,8 +5803,9 @@
           <a:bodyPr/>
           <a:lstStyle/>
           <a:p>
-            <a:fld id="{17B4D555-9550-44B8-8A42-30410E1CAF73}" type="datetimeFigureOut">
-              <a:rPr lang="en-US" smtClean="0"/>
+            <a:fld id="{B61BEF0D-F0BB-DE4B-95CE-6DB70DBA9567}" type="datetimeFigureOut">
+              <a:rPr lang="en-US" dirty="0"/>
+              <a:pPr/>
               <a:t>7/25/2018</a:t>
             </a:fld>
             <a:endParaRPr lang="en-US" dirty="0"/>
@@ -3658,13 +5814,7 @@
       </p:sp>
       <p:sp>
         <p:nvSpPr>
-          <p:cNvPr id="3" name="Footer Placeholder 2">
-            <a:extLst>
-              <a:ext uri="{FF2B5EF4-FFF2-40B4-BE49-F238E27FC236}">
-                <a16:creationId xmlns:a16="http://schemas.microsoft.com/office/drawing/2014/main" id="{17E5CEAE-F486-4732-B07F-AE7216105B6A}"/>
-              </a:ext>
-            </a:extLst>
-          </p:cNvPr>
+          <p:cNvPr id="3" name="Footer Placeholder 2"/>
           <p:cNvSpPr>
             <a:spLocks noGrp="1"/>
           </p:cNvSpPr>
@@ -3683,13 +5833,89 @@
       </p:sp>
       <p:sp>
         <p:nvSpPr>
-          <p:cNvPr id="4" name="Slide Number Placeholder 3">
-            <a:extLst>
-              <a:ext uri="{FF2B5EF4-FFF2-40B4-BE49-F238E27FC236}">
-                <a16:creationId xmlns:a16="http://schemas.microsoft.com/office/drawing/2014/main" id="{B0D33F4C-A78C-4CB9-8C7B-10A5342B304B}"/>
-              </a:ext>
-            </a:extLst>
-          </p:cNvPr>
+          <p:cNvPr id="6" name="Freeform 11"/>
+          <p:cNvSpPr/>
+          <p:nvPr/>
+        </p:nvSpPr>
+        <p:spPr bwMode="auto">
+          <a:xfrm flipV="1">
+            <a:off x="-4189" y="714375"/>
+            <a:ext cx="1588527" cy="507297"/>
+          </a:xfrm>
+          <a:custGeom>
+            <a:avLst/>
+            <a:gdLst/>
+            <a:ahLst/>
+            <a:cxnLst/>
+            <a:rect l="l" t="t" r="r" b="b"/>
+            <a:pathLst>
+              <a:path w="9248" h="10000">
+                <a:moveTo>
+                  <a:pt x="9248" y="4701"/>
+                </a:moveTo>
+                <a:lnTo>
+                  <a:pt x="7915" y="188"/>
+                </a:lnTo>
+                <a:cubicBezTo>
+                  <a:pt x="7906" y="156"/>
+                  <a:pt x="7895" y="126"/>
+                  <a:pt x="7886" y="94"/>
+                </a:cubicBezTo>
+                <a:cubicBezTo>
+                  <a:pt x="7859" y="0"/>
+                  <a:pt x="7831" y="0"/>
+                  <a:pt x="7803" y="0"/>
+                </a:cubicBezTo>
+                <a:lnTo>
+                  <a:pt x="7275" y="0"/>
+                </a:lnTo>
+                <a:lnTo>
+                  <a:pt x="0" y="70"/>
+                </a:lnTo>
+                <a:cubicBezTo>
+                  <a:pt x="8" y="3380"/>
+                  <a:pt x="17" y="6690"/>
+                  <a:pt x="25" y="10000"/>
+                </a:cubicBezTo>
+                <a:lnTo>
+                  <a:pt x="7275" y="9966"/>
+                </a:lnTo>
+                <a:lnTo>
+                  <a:pt x="7803" y="9966"/>
+                </a:lnTo>
+                <a:cubicBezTo>
+                  <a:pt x="7831" y="9966"/>
+                  <a:pt x="7859" y="9872"/>
+                  <a:pt x="7886" y="9872"/>
+                </a:cubicBezTo>
+                <a:cubicBezTo>
+                  <a:pt x="7886" y="9778"/>
+                  <a:pt x="7915" y="9778"/>
+                  <a:pt x="7915" y="9778"/>
+                </a:cubicBezTo>
+                <a:lnTo>
+                  <a:pt x="9248" y="5265"/>
+                </a:lnTo>
+                <a:cubicBezTo>
+                  <a:pt x="9303" y="5077"/>
+                  <a:pt x="9303" y="4889"/>
+                  <a:pt x="9248" y="4701"/>
+                </a:cubicBezTo>
+                <a:close/>
+              </a:path>
+            </a:pathLst>
+          </a:custGeom>
+          <a:solidFill>
+            <a:schemeClr val="accent1"/>
+          </a:solidFill>
+          <a:ln>
+            <a:noFill/>
+          </a:ln>
+        </p:spPr>
+      </p:sp>
+      <p:sp>
+        <p:nvSpPr>
+          <p:cNvPr id="4" name="Slide Number Placeholder 3"/>
           <p:cNvSpPr>
             <a:spLocks noGrp="1"/>
           </p:cNvSpPr>
@@ -3702,8 +5928,9 @@
           <a:bodyPr/>
           <a:lstStyle/>
           <a:p>
-            <a:fld id="{CF28E24D-EA21-4796-AB71-6CFC9E690AF3}" type="slidenum">
-              <a:rPr lang="en-US" smtClean="0"/>
+            <a:fld id="{D57F1E4F-1CFF-5643-939E-217C01CDF565}" type="slidenum">
+              <a:rPr lang="en-US" dirty="0"/>
+              <a:pPr/>
               <a:t>‹#›</a:t>
             </a:fld>
             <a:endParaRPr lang="en-US" dirty="0"/>
@@ -3711,11 +5938,6 @@
         </p:txBody>
       </p:sp>
     </p:spTree>
-    <p:extLst>
-      <p:ext uri="{BB962C8B-B14F-4D97-AF65-F5344CB8AC3E}">
-        <p14:creationId xmlns:p14="http://schemas.microsoft.com/office/powerpoint/2010/main" val="717947235"/>
-      </p:ext>
-    </p:extLst>
   </p:cSld>
   <p:clrMapOvr>
     <a:masterClrMapping/>
@@ -3742,13 +5964,7 @@
       </p:grpSpPr>
       <p:sp>
         <p:nvSpPr>
-          <p:cNvPr id="2" name="Title 1">
-            <a:extLst>
-              <a:ext uri="{FF2B5EF4-FFF2-40B4-BE49-F238E27FC236}">
-                <a16:creationId xmlns:a16="http://schemas.microsoft.com/office/drawing/2014/main" id="{88A46DF7-3F21-40E9-B7DC-169420DF8722}"/>
-              </a:ext>
-            </a:extLst>
-          </p:cNvPr>
+          <p:cNvPr id="2" name="Title 1"/>
           <p:cNvSpPr>
             <a:spLocks noGrp="1"/>
           </p:cNvSpPr>
@@ -3758,15 +5974,15 @@
         </p:nvSpPr>
         <p:spPr>
           <a:xfrm>
-            <a:off x="839788" y="457200"/>
-            <a:ext cx="3932237" cy="1600200"/>
+            <a:off x="2589212" y="446088"/>
+            <a:ext cx="3505199" cy="976312"/>
           </a:xfrm>
         </p:spPr>
         <p:txBody>
           <a:bodyPr anchor="b"/>
           <a:lstStyle>
-            <a:lvl1pPr>
-              <a:defRPr sz="3200"/>
+            <a:lvl1pPr algn="l">
+              <a:defRPr sz="2000" b="0"/>
             </a:lvl1pPr>
           </a:lstStyle>
           <a:p>
@@ -3774,18 +5990,13 @@
               <a:rPr lang="en-US"/>
               <a:t>Click to edit Master title style</a:t>
             </a:r>
-          </a:p>
-        </p:txBody>
-      </p:sp>
-      <p:sp>
-        <p:nvSpPr>
-          <p:cNvPr id="3" name="Content Placeholder 2">
-            <a:extLst>
-              <a:ext uri="{FF2B5EF4-FFF2-40B4-BE49-F238E27FC236}">
-                <a16:creationId xmlns:a16="http://schemas.microsoft.com/office/drawing/2014/main" id="{3082945C-95C2-4ED8-ADBB-843A6089E3C6}"/>
-              </a:ext>
-            </a:extLst>
-          </p:cNvPr>
+            <a:endParaRPr lang="en-US" dirty="0"/>
+          </a:p>
+        </p:txBody>
+      </p:sp>
+      <p:sp>
+        <p:nvSpPr>
+          <p:cNvPr id="3" name="Content Placeholder 2"/>
           <p:cNvSpPr>
             <a:spLocks noGrp="1"/>
           </p:cNvSpPr>
@@ -3795,41 +6006,15 @@
         </p:nvSpPr>
         <p:spPr>
           <a:xfrm>
-            <a:off x="5183188" y="987425"/>
-            <a:ext cx="6172200" cy="4873625"/>
+            <a:off x="6323012" y="446088"/>
+            <a:ext cx="5181600" cy="5414963"/>
           </a:xfrm>
         </p:spPr>
         <p:txBody>
-          <a:bodyPr/>
-          <a:lstStyle>
-            <a:lvl1pPr>
-              <a:defRPr sz="3200"/>
-            </a:lvl1pPr>
-            <a:lvl2pPr>
-              <a:defRPr sz="2800"/>
-            </a:lvl2pPr>
-            <a:lvl3pPr>
-              <a:defRPr sz="2400"/>
-            </a:lvl3pPr>
-            <a:lvl4pPr>
-              <a:defRPr sz="2000"/>
-            </a:lvl4pPr>
-            <a:lvl5pPr>
-              <a:defRPr sz="2000"/>
-            </a:lvl5pPr>
-            <a:lvl6pPr>
-              <a:defRPr sz="2000"/>
-            </a:lvl6pPr>
-            <a:lvl7pPr>
-              <a:defRPr sz="2000"/>
-            </a:lvl7pPr>
-            <a:lvl8pPr>
-              <a:defRPr sz="2000"/>
-            </a:lvl8pPr>
-            <a:lvl9pPr>
-              <a:defRPr sz="2000"/>
-            </a:lvl9pPr>
-          </a:lstStyle>
+          <a:bodyPr anchor="ctr">
+            <a:normAutofit/>
+          </a:bodyPr>
+          <a:lstStyle/>
           <a:p>
             <a:pPr lvl="0"/>
             <a:r>
@@ -3864,18 +6049,13 @@
               <a:rPr lang="en-US"/>
               <a:t>Fifth level</a:t>
             </a:r>
-          </a:p>
-        </p:txBody>
-      </p:sp>
-      <p:sp>
-        <p:nvSpPr>
-          <p:cNvPr id="4" name="Text Placeholder 3">
-            <a:extLst>
-              <a:ext uri="{FF2B5EF4-FFF2-40B4-BE49-F238E27FC236}">
-                <a16:creationId xmlns:a16="http://schemas.microsoft.com/office/drawing/2014/main" id="{ABA04257-9E9B-4AE9-8716-AF690EA725D2}"/>
-              </a:ext>
-            </a:extLst>
-          </p:cNvPr>
+            <a:endParaRPr lang="en-US" dirty="0"/>
+          </a:p>
+        </p:txBody>
+      </p:sp>
+      <p:sp>
+        <p:nvSpPr>
+          <p:cNvPr id="4" name="Text Placeholder 3"/>
           <p:cNvSpPr>
             <a:spLocks noGrp="1"/>
           </p:cNvSpPr>
@@ -3885,8 +6065,8 @@
         </p:nvSpPr>
         <p:spPr>
           <a:xfrm>
-            <a:off x="839788" y="2057400"/>
-            <a:ext cx="3932237" cy="3811588"/>
+            <a:off x="2589212" y="1598613"/>
+            <a:ext cx="3505199" cy="4262436"/>
           </a:xfrm>
         </p:spPr>
         <p:txBody>
@@ -3894,39 +6074,39 @@
           <a:lstStyle>
             <a:lvl1pPr marL="0" indent="0">
               <a:buNone/>
-              <a:defRPr sz="1600"/>
+              <a:defRPr sz="1400"/>
             </a:lvl1pPr>
             <a:lvl2pPr marL="457200" indent="0">
               <a:buNone/>
-              <a:defRPr sz="1400"/>
+              <a:defRPr sz="1200"/>
             </a:lvl2pPr>
             <a:lvl3pPr marL="914400" indent="0">
               <a:buNone/>
-              <a:defRPr sz="1200"/>
+              <a:defRPr sz="1000"/>
             </a:lvl3pPr>
             <a:lvl4pPr marL="1371600" indent="0">
               <a:buNone/>
-              <a:defRPr sz="1000"/>
+              <a:defRPr sz="900"/>
             </a:lvl4pPr>
             <a:lvl5pPr marL="1828800" indent="0">
               <a:buNone/>
-              <a:defRPr sz="1000"/>
+              <a:defRPr sz="900"/>
             </a:lvl5pPr>
             <a:lvl6pPr marL="2286000" indent="0">
               <a:buNone/>
-              <a:defRPr sz="1000"/>
+              <a:defRPr sz="900"/>
             </a:lvl6pPr>
             <a:lvl7pPr marL="2743200" indent="0">
               <a:buNone/>
-              <a:defRPr sz="1000"/>
+              <a:defRPr sz="900"/>
             </a:lvl7pPr>
             <a:lvl8pPr marL="3200400" indent="0">
               <a:buNone/>
-              <a:defRPr sz="1000"/>
+              <a:defRPr sz="900"/>
             </a:lvl8pPr>
             <a:lvl9pPr marL="3657600" indent="0">
               <a:buNone/>
-              <a:defRPr sz="1000"/>
+              <a:defRPr sz="900"/>
             </a:lvl9pPr>
           </a:lstStyle>
           <a:p>
@@ -3940,13 +6120,7 @@
       </p:sp>
       <p:sp>
         <p:nvSpPr>
-          <p:cNvPr id="5" name="Date Placeholder 4">
-            <a:extLst>
-              <a:ext uri="{FF2B5EF4-FFF2-40B4-BE49-F238E27FC236}">
-                <a16:creationId xmlns:a16="http://schemas.microsoft.com/office/drawing/2014/main" id="{D03643D1-DF61-4858-AA82-9D419DA043C5}"/>
-              </a:ext>
-            </a:extLst>
-          </p:cNvPr>
+          <p:cNvPr id="5" name="Date Placeholder 4"/>
           <p:cNvSpPr>
             <a:spLocks noGrp="1"/>
           </p:cNvSpPr>
@@ -3959,8 +6133,9 @@
           <a:bodyPr/>
           <a:lstStyle/>
           <a:p>
-            <a:fld id="{17B4D555-9550-44B8-8A42-30410E1CAF73}" type="datetimeFigureOut">
-              <a:rPr lang="en-US" smtClean="0"/>
+            <a:fld id="{B61BEF0D-F0BB-DE4B-95CE-6DB70DBA9567}" type="datetimeFigureOut">
+              <a:rPr lang="en-US" dirty="0"/>
+              <a:pPr/>
               <a:t>7/25/2018</a:t>
             </a:fld>
             <a:endParaRPr lang="en-US" dirty="0"/>
@@ -3969,13 +6144,7 @@
       </p:sp>
       <p:sp>
         <p:nvSpPr>
-          <p:cNvPr id="6" name="Footer Placeholder 5">
-            <a:extLst>
-              <a:ext uri="{FF2B5EF4-FFF2-40B4-BE49-F238E27FC236}">
-                <a16:creationId xmlns:a16="http://schemas.microsoft.com/office/drawing/2014/main" id="{819EBED2-1A3E-4E4A-B3ED-4083AE9C6DB4}"/>
-              </a:ext>
-            </a:extLst>
-          </p:cNvPr>
+          <p:cNvPr id="6" name="Footer Placeholder 5"/>
           <p:cNvSpPr>
             <a:spLocks noGrp="1"/>
           </p:cNvSpPr>
@@ -3994,13 +6163,89 @@
       </p:sp>
       <p:sp>
         <p:nvSpPr>
-          <p:cNvPr id="7" name="Slide Number Placeholder 6">
-            <a:extLst>
-              <a:ext uri="{FF2B5EF4-FFF2-40B4-BE49-F238E27FC236}">
-                <a16:creationId xmlns:a16="http://schemas.microsoft.com/office/drawing/2014/main" id="{E4E1E30B-297E-4454-837E-1A693A3C7B44}"/>
-              </a:ext>
-            </a:extLst>
-          </p:cNvPr>
+          <p:cNvPr id="9" name="Freeform 11"/>
+          <p:cNvSpPr/>
+          <p:nvPr/>
+        </p:nvSpPr>
+        <p:spPr bwMode="auto">
+          <a:xfrm flipV="1">
+            <a:off x="-4189" y="714375"/>
+            <a:ext cx="1588527" cy="507297"/>
+          </a:xfrm>
+          <a:custGeom>
+            <a:avLst/>
+            <a:gdLst/>
+            <a:ahLst/>
+            <a:cxnLst/>
+            <a:rect l="l" t="t" r="r" b="b"/>
+            <a:pathLst>
+              <a:path w="9248" h="10000">
+                <a:moveTo>
+                  <a:pt x="9248" y="4701"/>
+                </a:moveTo>
+                <a:lnTo>
+                  <a:pt x="7915" y="188"/>
+                </a:lnTo>
+                <a:cubicBezTo>
+                  <a:pt x="7906" y="156"/>
+                  <a:pt x="7895" y="126"/>
+                  <a:pt x="7886" y="94"/>
+                </a:cubicBezTo>
+                <a:cubicBezTo>
+                  <a:pt x="7859" y="0"/>
+                  <a:pt x="7831" y="0"/>
+                  <a:pt x="7803" y="0"/>
+                </a:cubicBezTo>
+                <a:lnTo>
+                  <a:pt x="7275" y="0"/>
+                </a:lnTo>
+                <a:lnTo>
+                  <a:pt x="0" y="70"/>
+                </a:lnTo>
+                <a:cubicBezTo>
+                  <a:pt x="8" y="3380"/>
+                  <a:pt x="17" y="6690"/>
+                  <a:pt x="25" y="10000"/>
+                </a:cubicBezTo>
+                <a:lnTo>
+                  <a:pt x="7275" y="9966"/>
+                </a:lnTo>
+                <a:lnTo>
+                  <a:pt x="7803" y="9966"/>
+                </a:lnTo>
+                <a:cubicBezTo>
+                  <a:pt x="7831" y="9966"/>
+                  <a:pt x="7859" y="9872"/>
+                  <a:pt x="7886" y="9872"/>
+                </a:cubicBezTo>
+                <a:cubicBezTo>
+                  <a:pt x="7886" y="9778"/>
+                  <a:pt x="7915" y="9778"/>
+                  <a:pt x="7915" y="9778"/>
+                </a:cubicBezTo>
+                <a:lnTo>
+                  <a:pt x="9248" y="5265"/>
+                </a:lnTo>
+                <a:cubicBezTo>
+                  <a:pt x="9303" y="5077"/>
+                  <a:pt x="9303" y="4889"/>
+                  <a:pt x="9248" y="4701"/>
+                </a:cubicBezTo>
+                <a:close/>
+              </a:path>
+            </a:pathLst>
+          </a:custGeom>
+          <a:solidFill>
+            <a:schemeClr val="accent1"/>
+          </a:solidFill>
+          <a:ln>
+            <a:noFill/>
+          </a:ln>
+        </p:spPr>
+      </p:sp>
+      <p:sp>
+        <p:nvSpPr>
+          <p:cNvPr id="7" name="Slide Number Placeholder 6"/>
           <p:cNvSpPr>
             <a:spLocks noGrp="1"/>
           </p:cNvSpPr>
@@ -4013,8 +6258,9 @@
           <a:bodyPr/>
           <a:lstStyle/>
           <a:p>
-            <a:fld id="{CF28E24D-EA21-4796-AB71-6CFC9E690AF3}" type="slidenum">
-              <a:rPr lang="en-US" smtClean="0"/>
+            <a:fld id="{D57F1E4F-1CFF-5643-939E-217C01CDF565}" type="slidenum">
+              <a:rPr lang="en-US" dirty="0"/>
+              <a:pPr/>
               <a:t>‹#›</a:t>
             </a:fld>
             <a:endParaRPr lang="en-US" dirty="0"/>
@@ -4022,11 +6268,6 @@
         </p:txBody>
       </p:sp>
     </p:spTree>
-    <p:extLst>
-      <p:ext uri="{BB962C8B-B14F-4D97-AF65-F5344CB8AC3E}">
-        <p14:creationId xmlns:p14="http://schemas.microsoft.com/office/powerpoint/2010/main" val="1711875921"/>
-      </p:ext>
-    </p:extLst>
   </p:cSld>
   <p:clrMapOvr>
     <a:masterClrMapping/>
@@ -4053,13 +6294,7 @@
       </p:grpSpPr>
       <p:sp>
         <p:nvSpPr>
-          <p:cNvPr id="2" name="Title 1">
-            <a:extLst>
-              <a:ext uri="{FF2B5EF4-FFF2-40B4-BE49-F238E27FC236}">
-                <a16:creationId xmlns:a16="http://schemas.microsoft.com/office/drawing/2014/main" id="{ED775BB1-20E2-4155-BDDC-00B1CD040BF0}"/>
-              </a:ext>
-            </a:extLst>
-          </p:cNvPr>
+          <p:cNvPr id="2" name="Title 1"/>
           <p:cNvSpPr>
             <a:spLocks noGrp="1"/>
           </p:cNvSpPr>
@@ -4069,15 +6304,17 @@
         </p:nvSpPr>
         <p:spPr>
           <a:xfrm>
-            <a:off x="839788" y="457200"/>
-            <a:ext cx="3932237" cy="1600200"/>
+            <a:off x="2589213" y="4800600"/>
+            <a:ext cx="8915400" cy="566738"/>
           </a:xfrm>
         </p:spPr>
         <p:txBody>
-          <a:bodyPr anchor="b"/>
+          <a:bodyPr anchor="b">
+            <a:normAutofit/>
+          </a:bodyPr>
           <a:lstStyle>
-            <a:lvl1pPr>
-              <a:defRPr sz="3200"/>
+            <a:lvl1pPr algn="l">
+              <a:defRPr sz="2400" b="0"/>
             </a:lvl1pPr>
           </a:lstStyle>
           <a:p>
@@ -4085,20 +6322,15 @@
               <a:rPr lang="en-US"/>
               <a:t>Click to edit Master title style</a:t>
             </a:r>
-          </a:p>
-        </p:txBody>
-      </p:sp>
-      <p:sp>
-        <p:nvSpPr>
-          <p:cNvPr id="3" name="Picture Placeholder 2">
-            <a:extLst>
-              <a:ext uri="{FF2B5EF4-FFF2-40B4-BE49-F238E27FC236}">
-                <a16:creationId xmlns:a16="http://schemas.microsoft.com/office/drawing/2014/main" id="{E4A3B373-8E9E-44DD-BBB3-3FA06D7C4DD1}"/>
-              </a:ext>
-            </a:extLst>
-          </p:cNvPr>
-          <p:cNvSpPr>
-            <a:spLocks noGrp="1"/>
+            <a:endParaRPr lang="en-US" dirty="0"/>
+          </a:p>
+        </p:txBody>
+      </p:sp>
+      <p:sp>
+        <p:nvSpPr>
+          <p:cNvPr id="3" name="Picture Placeholder 2"/>
+          <p:cNvSpPr>
+            <a:spLocks noGrp="1" noChangeAspect="1"/>
           </p:cNvSpPr>
           <p:nvPr>
             <p:ph type="pic" idx="1"/>
@@ -4106,118 +6338,120 @@
         </p:nvSpPr>
         <p:spPr>
           <a:xfrm>
-            <a:off x="5183188" y="987425"/>
-            <a:ext cx="6172200" cy="4873625"/>
+            <a:off x="2589212" y="634965"/>
+            <a:ext cx="8915400" cy="3854970"/>
           </a:xfrm>
         </p:spPr>
         <p:txBody>
-          <a:bodyPr/>
+          <a:bodyPr anchor="t">
+            <a:normAutofit/>
+          </a:bodyPr>
           <a:lstStyle>
-            <a:lvl1pPr marL="0" indent="0">
-              <a:buNone/>
-              <a:defRPr sz="3200"/>
-            </a:lvl1pPr>
-            <a:lvl2pPr marL="457200" indent="0">
-              <a:buNone/>
-              <a:defRPr sz="2800"/>
-            </a:lvl2pPr>
-            <a:lvl3pPr marL="914400" indent="0">
-              <a:buNone/>
-              <a:defRPr sz="2400"/>
-            </a:lvl3pPr>
-            <a:lvl4pPr marL="1371600" indent="0">
-              <a:buNone/>
-              <a:defRPr sz="2000"/>
-            </a:lvl4pPr>
-            <a:lvl5pPr marL="1828800" indent="0">
-              <a:buNone/>
-              <a:defRPr sz="2000"/>
-            </a:lvl5pPr>
-            <a:lvl6pPr marL="2286000" indent="0">
-              <a:buNone/>
-              <a:defRPr sz="2000"/>
-            </a:lvl6pPr>
-            <a:lvl7pPr marL="2743200" indent="0">
-              <a:buNone/>
-              <a:defRPr sz="2000"/>
-            </a:lvl7pPr>
-            <a:lvl8pPr marL="3200400" indent="0">
-              <a:buNone/>
-              <a:defRPr sz="2000"/>
-            </a:lvl8pPr>
-            <a:lvl9pPr marL="3657600" indent="0">
-              <a:buNone/>
-              <a:defRPr sz="2000"/>
-            </a:lvl9pPr>
-          </a:lstStyle>
-          <a:p>
-            <a:endParaRPr lang="en-US" dirty="0"/>
-          </a:p>
-        </p:txBody>
-      </p:sp>
-      <p:sp>
-        <p:nvSpPr>
-          <p:cNvPr id="4" name="Text Placeholder 3">
-            <a:extLst>
-              <a:ext uri="{FF2B5EF4-FFF2-40B4-BE49-F238E27FC236}">
-                <a16:creationId xmlns:a16="http://schemas.microsoft.com/office/drawing/2014/main" id="{95CB7833-6292-4A4F-91F0-86A3188F0C1C}"/>
-              </a:ext>
-            </a:extLst>
-          </p:cNvPr>
-          <p:cNvSpPr>
-            <a:spLocks noGrp="1"/>
-          </p:cNvSpPr>
-          <p:nvPr>
-            <p:ph type="body" sz="half" idx="2"/>
-          </p:nvPr>
-        </p:nvSpPr>
-        <p:spPr>
-          <a:xfrm>
-            <a:off x="839788" y="2057400"/>
-            <a:ext cx="3932237" cy="3811588"/>
-          </a:xfrm>
-        </p:spPr>
-        <p:txBody>
-          <a:bodyPr/>
-          <a:lstStyle>
-            <a:lvl1pPr marL="0" indent="0">
+            <a:lvl1pPr marL="0" indent="0" algn="ctr">
               <a:buNone/>
               <a:defRPr sz="1600"/>
             </a:lvl1pPr>
             <a:lvl2pPr marL="457200" indent="0">
               <a:buNone/>
-              <a:defRPr sz="1400"/>
+              <a:defRPr sz="1600"/>
             </a:lvl2pPr>
             <a:lvl3pPr marL="914400" indent="0">
               <a:buNone/>
-              <a:defRPr sz="1200"/>
+              <a:defRPr sz="1600"/>
             </a:lvl3pPr>
             <a:lvl4pPr marL="1371600" indent="0">
               <a:buNone/>
-              <a:defRPr sz="1000"/>
+              <a:defRPr sz="1600"/>
             </a:lvl4pPr>
             <a:lvl5pPr marL="1828800" indent="0">
               <a:buNone/>
-              <a:defRPr sz="1000"/>
+              <a:defRPr sz="1600"/>
             </a:lvl5pPr>
             <a:lvl6pPr marL="2286000" indent="0">
               <a:buNone/>
-              <a:defRPr sz="1000"/>
+              <a:defRPr sz="1600"/>
             </a:lvl6pPr>
             <a:lvl7pPr marL="2743200" indent="0">
               <a:buNone/>
-              <a:defRPr sz="1000"/>
+              <a:defRPr sz="1600"/>
             </a:lvl7pPr>
             <a:lvl8pPr marL="3200400" indent="0">
               <a:buNone/>
-              <a:defRPr sz="1000"/>
+              <a:defRPr sz="1600"/>
             </a:lvl8pPr>
             <a:lvl9pPr marL="3657600" indent="0">
               <a:buNone/>
-              <a:defRPr sz="1000"/>
+              <a:defRPr sz="1600"/>
             </a:lvl9pPr>
           </a:lstStyle>
           <a:p>
+            <a:r>
+              <a:rPr lang="en-US"/>
+              <a:t>Click icon to add picture</a:t>
+            </a:r>
+            <a:endParaRPr lang="en-US" dirty="0"/>
+          </a:p>
+        </p:txBody>
+      </p:sp>
+      <p:sp>
+        <p:nvSpPr>
+          <p:cNvPr id="4" name="Text Placeholder 3"/>
+          <p:cNvSpPr>
+            <a:spLocks noGrp="1"/>
+          </p:cNvSpPr>
+          <p:nvPr>
+            <p:ph type="body" sz="half" idx="2"/>
+          </p:nvPr>
+        </p:nvSpPr>
+        <p:spPr>
+          <a:xfrm>
+            <a:off x="2589213" y="5367338"/>
+            <a:ext cx="8915400" cy="493712"/>
+          </a:xfrm>
+        </p:spPr>
+        <p:txBody>
+          <a:bodyPr>
+            <a:normAutofit/>
+          </a:bodyPr>
+          <a:lstStyle>
+            <a:lvl1pPr marL="0" indent="0">
+              <a:buNone/>
+              <a:defRPr sz="1200"/>
+            </a:lvl1pPr>
+            <a:lvl2pPr marL="457200" indent="0">
+              <a:buNone/>
+              <a:defRPr sz="1200"/>
+            </a:lvl2pPr>
+            <a:lvl3pPr marL="914400" indent="0">
+              <a:buNone/>
+              <a:defRPr sz="1000"/>
+            </a:lvl3pPr>
+            <a:lvl4pPr marL="1371600" indent="0">
+              <a:buNone/>
+              <a:defRPr sz="900"/>
+            </a:lvl4pPr>
+            <a:lvl5pPr marL="1828800" indent="0">
+              <a:buNone/>
+              <a:defRPr sz="900"/>
+            </a:lvl5pPr>
+            <a:lvl6pPr marL="2286000" indent="0">
+              <a:buNone/>
+              <a:defRPr sz="900"/>
+            </a:lvl6pPr>
+            <a:lvl7pPr marL="2743200" indent="0">
+              <a:buNone/>
+              <a:defRPr sz="900"/>
+            </a:lvl7pPr>
+            <a:lvl8pPr marL="3200400" indent="0">
+              <a:buNone/>
+              <a:defRPr sz="900"/>
+            </a:lvl8pPr>
+            <a:lvl9pPr marL="3657600" indent="0">
+              <a:buNone/>
+              <a:defRPr sz="900"/>
+            </a:lvl9pPr>
+          </a:lstStyle>
+          <a:p>
             <a:pPr lvl="0"/>
             <a:r>
               <a:rPr lang="en-US"/>
@@ -4228,13 +6462,7 @@
       </p:sp>
       <p:sp>
         <p:nvSpPr>
-          <p:cNvPr id="5" name="Date Placeholder 4">
-            <a:extLst>
-              <a:ext uri="{FF2B5EF4-FFF2-40B4-BE49-F238E27FC236}">
-                <a16:creationId xmlns:a16="http://schemas.microsoft.com/office/drawing/2014/main" id="{A666BB47-5B92-47EF-8E2C-D74550FA2342}"/>
-              </a:ext>
-            </a:extLst>
-          </p:cNvPr>
+          <p:cNvPr id="5" name="Date Placeholder 4"/>
           <p:cNvSpPr>
             <a:spLocks noGrp="1"/>
           </p:cNvSpPr>
@@ -4247,8 +6475,9 @@
           <a:bodyPr/>
           <a:lstStyle/>
           <a:p>
-            <a:fld id="{17B4D555-9550-44B8-8A42-30410E1CAF73}" type="datetimeFigureOut">
-              <a:rPr lang="en-US" smtClean="0"/>
+            <a:fld id="{B61BEF0D-F0BB-DE4B-95CE-6DB70DBA9567}" type="datetimeFigureOut">
+              <a:rPr lang="en-US" dirty="0"/>
+              <a:pPr/>
               <a:t>7/25/2018</a:t>
             </a:fld>
             <a:endParaRPr lang="en-US" dirty="0"/>
@@ -4257,13 +6486,7 @@
       </p:sp>
       <p:sp>
         <p:nvSpPr>
-          <p:cNvPr id="6" name="Footer Placeholder 5">
-            <a:extLst>
-              <a:ext uri="{FF2B5EF4-FFF2-40B4-BE49-F238E27FC236}">
-                <a16:creationId xmlns:a16="http://schemas.microsoft.com/office/drawing/2014/main" id="{9E9139A2-1AF8-48E3-BEF5-D6B69089EA5F}"/>
-              </a:ext>
-            </a:extLst>
-          </p:cNvPr>
+          <p:cNvPr id="6" name="Footer Placeholder 5"/>
           <p:cNvSpPr>
             <a:spLocks noGrp="1"/>
           </p:cNvSpPr>
@@ -4282,13 +6505,89 @@
       </p:sp>
       <p:sp>
         <p:nvSpPr>
-          <p:cNvPr id="7" name="Slide Number Placeholder 6">
-            <a:extLst>
-              <a:ext uri="{FF2B5EF4-FFF2-40B4-BE49-F238E27FC236}">
-                <a16:creationId xmlns:a16="http://schemas.microsoft.com/office/drawing/2014/main" id="{460F4370-66E1-4B6B-9257-3EAF2835A48E}"/>
-              </a:ext>
-            </a:extLst>
-          </p:cNvPr>
+          <p:cNvPr id="9" name="Freeform 11"/>
+          <p:cNvSpPr/>
+          <p:nvPr/>
+        </p:nvSpPr>
+        <p:spPr bwMode="auto">
+          <a:xfrm flipV="1">
+            <a:off x="-4189" y="4911725"/>
+            <a:ext cx="1588527" cy="507297"/>
+          </a:xfrm>
+          <a:custGeom>
+            <a:avLst/>
+            <a:gdLst/>
+            <a:ahLst/>
+            <a:cxnLst/>
+            <a:rect l="l" t="t" r="r" b="b"/>
+            <a:pathLst>
+              <a:path w="9248" h="10000">
+                <a:moveTo>
+                  <a:pt x="9248" y="4701"/>
+                </a:moveTo>
+                <a:lnTo>
+                  <a:pt x="7915" y="188"/>
+                </a:lnTo>
+                <a:cubicBezTo>
+                  <a:pt x="7906" y="156"/>
+                  <a:pt x="7895" y="126"/>
+                  <a:pt x="7886" y="94"/>
+                </a:cubicBezTo>
+                <a:cubicBezTo>
+                  <a:pt x="7859" y="0"/>
+                  <a:pt x="7831" y="0"/>
+                  <a:pt x="7803" y="0"/>
+                </a:cubicBezTo>
+                <a:lnTo>
+                  <a:pt x="7275" y="0"/>
+                </a:lnTo>
+                <a:lnTo>
+                  <a:pt x="0" y="70"/>
+                </a:lnTo>
+                <a:cubicBezTo>
+                  <a:pt x="8" y="3380"/>
+                  <a:pt x="17" y="6690"/>
+                  <a:pt x="25" y="10000"/>
+                </a:cubicBezTo>
+                <a:lnTo>
+                  <a:pt x="7275" y="9966"/>
+                </a:lnTo>
+                <a:lnTo>
+                  <a:pt x="7803" y="9966"/>
+                </a:lnTo>
+                <a:cubicBezTo>
+                  <a:pt x="7831" y="9966"/>
+                  <a:pt x="7859" y="9872"/>
+                  <a:pt x="7886" y="9872"/>
+                </a:cubicBezTo>
+                <a:cubicBezTo>
+                  <a:pt x="7886" y="9778"/>
+                  <a:pt x="7915" y="9778"/>
+                  <a:pt x="7915" y="9778"/>
+                </a:cubicBezTo>
+                <a:lnTo>
+                  <a:pt x="9248" y="5265"/>
+                </a:lnTo>
+                <a:cubicBezTo>
+                  <a:pt x="9303" y="5077"/>
+                  <a:pt x="9303" y="4889"/>
+                  <a:pt x="9248" y="4701"/>
+                </a:cubicBezTo>
+                <a:close/>
+              </a:path>
+            </a:pathLst>
+          </a:custGeom>
+          <a:solidFill>
+            <a:schemeClr val="accent1"/>
+          </a:solidFill>
+          <a:ln>
+            <a:noFill/>
+          </a:ln>
+        </p:spPr>
+      </p:sp>
+      <p:sp>
+        <p:nvSpPr>
+          <p:cNvPr id="7" name="Slide Number Placeholder 6"/>
           <p:cNvSpPr>
             <a:spLocks noGrp="1"/>
           </p:cNvSpPr>
@@ -4296,13 +6595,19 @@
             <p:ph type="sldNum" sz="quarter" idx="12"/>
           </p:nvPr>
         </p:nvSpPr>
-        <p:spPr/>
+        <p:spPr>
+          <a:xfrm>
+            <a:off x="531812" y="4983087"/>
+            <a:ext cx="779767" cy="365125"/>
+          </a:xfrm>
+        </p:spPr>
         <p:txBody>
           <a:bodyPr/>
           <a:lstStyle/>
           <a:p>
-            <a:fld id="{CF28E24D-EA21-4796-AB71-6CFC9E690AF3}" type="slidenum">
-              <a:rPr lang="en-US" smtClean="0"/>
+            <a:fld id="{D57F1E4F-1CFF-5643-939E-217C01CDF565}" type="slidenum">
+              <a:rPr lang="en-US" dirty="0"/>
+              <a:pPr/>
               <a:t>‹#›</a:t>
             </a:fld>
             <a:endParaRPr lang="en-US" dirty="0"/>
@@ -4310,11 +6615,6 @@
         </p:txBody>
       </p:sp>
     </p:spTree>
-    <p:extLst>
-      <p:ext uri="{BB962C8B-B14F-4D97-AF65-F5344CB8AC3E}">
-        <p14:creationId xmlns:p14="http://schemas.microsoft.com/office/powerpoint/2010/main" val="1254797933"/>
-      </p:ext>
-    </p:extLst>
   </p:cSld>
   <p:clrMapOvr>
     <a:masterClrMapping/>
@@ -4326,8 +6626,8 @@
 <p:sldMaster xmlns:a="http://schemas.openxmlformats.org/drawingml/2006/main" xmlns:r="http://schemas.openxmlformats.org/officeDocument/2006/relationships" xmlns:p="http://schemas.openxmlformats.org/presentationml/2006/main">
   <p:cSld>
     <p:bg>
-      <p:bgRef idx="1001">
-        <a:schemeClr val="bg1"/>
+      <p:bgRef idx="1003">
+        <a:schemeClr val="bg2"/>
       </p:bgRef>
     </p:bg>
     <p:spTree>
@@ -4344,33 +6644,1844 @@
           <a:chExt cx="0" cy="0"/>
         </a:xfrm>
       </p:grpSpPr>
-      <p:sp>
-        <p:nvSpPr>
-          <p:cNvPr id="2" name="Title Placeholder 1">
-            <a:extLst>
-              <a:ext uri="{FF2B5EF4-FFF2-40B4-BE49-F238E27FC236}">
-                <a16:creationId xmlns:a16="http://schemas.microsoft.com/office/drawing/2014/main" id="{F43E71DF-C967-47F1-9828-1AFFB2DFF0C2}"/>
-              </a:ext>
-            </a:extLst>
-          </p:cNvPr>
-          <p:cNvSpPr>
-            <a:spLocks noGrp="1"/>
-          </p:cNvSpPr>
-          <p:nvPr>
-            <p:ph type="title"/>
-          </p:nvPr>
+      <p:grpSp>
+        <p:nvGrpSpPr>
+          <p:cNvPr id="23" name="Group 22"/>
+          <p:cNvGrpSpPr/>
+          <p:nvPr/>
+        </p:nvGrpSpPr>
+        <p:grpSpPr>
+          <a:xfrm>
+            <a:off x="1" y="228600"/>
+            <a:ext cx="2851516" cy="6638628"/>
+            <a:chOff x="2487613" y="285750"/>
+            <a:chExt cx="2428875" cy="5654676"/>
+          </a:xfrm>
+        </p:grpSpPr>
+        <p:sp>
+          <p:nvSpPr>
+            <p:cNvPr id="24" name="Freeform 11"/>
+            <p:cNvSpPr/>
+            <p:nvPr/>
+          </p:nvSpPr>
+          <p:spPr bwMode="auto">
+            <a:xfrm>
+              <a:off x="2487613" y="2284413"/>
+              <a:ext cx="85725" cy="533400"/>
+            </a:xfrm>
+            <a:custGeom>
+              <a:avLst/>
+              <a:gdLst/>
+              <a:ahLst/>
+              <a:cxnLst/>
+              <a:rect l="0" t="0" r="r" b="b"/>
+              <a:pathLst>
+                <a:path w="22" h="136">
+                  <a:moveTo>
+                    <a:pt x="22" y="136"/>
+                  </a:moveTo>
+                  <a:cubicBezTo>
+                    <a:pt x="20" y="117"/>
+                    <a:pt x="19" y="99"/>
+                    <a:pt x="17" y="80"/>
+                  </a:cubicBezTo>
+                  <a:cubicBezTo>
+                    <a:pt x="11" y="54"/>
+                    <a:pt x="6" y="27"/>
+                    <a:pt x="0" y="0"/>
+                  </a:cubicBezTo>
+                  <a:cubicBezTo>
+                    <a:pt x="0" y="35"/>
+                    <a:pt x="0" y="35"/>
+                    <a:pt x="0" y="35"/>
+                  </a:cubicBezTo>
+                  <a:cubicBezTo>
+                    <a:pt x="6" y="64"/>
+                    <a:pt x="13" y="94"/>
+                    <a:pt x="20" y="124"/>
+                  </a:cubicBezTo>
+                  <a:cubicBezTo>
+                    <a:pt x="20" y="128"/>
+                    <a:pt x="21" y="132"/>
+                    <a:pt x="22" y="136"/>
+                  </a:cubicBezTo>
+                  <a:close/>
+                </a:path>
+              </a:pathLst>
+            </a:custGeom>
+            <a:solidFill>
+              <a:schemeClr val="tx2">
+                <a:alpha val="20000"/>
+              </a:schemeClr>
+            </a:solidFill>
+            <a:ln>
+              <a:noFill/>
+            </a:ln>
+          </p:spPr>
+        </p:sp>
+        <p:sp>
+          <p:nvSpPr>
+            <p:cNvPr id="25" name="Freeform 12"/>
+            <p:cNvSpPr/>
+            <p:nvPr/>
+          </p:nvSpPr>
+          <p:spPr bwMode="auto">
+            <a:xfrm>
+              <a:off x="2597151" y="2779713"/>
+              <a:ext cx="550863" cy="1978025"/>
+            </a:xfrm>
+            <a:custGeom>
+              <a:avLst/>
+              <a:gdLst/>
+              <a:ahLst/>
+              <a:cxnLst/>
+              <a:rect l="0" t="0" r="r" b="b"/>
+              <a:pathLst>
+                <a:path w="140" h="504">
+                  <a:moveTo>
+                    <a:pt x="86" y="350"/>
+                  </a:moveTo>
+                  <a:cubicBezTo>
+                    <a:pt x="103" y="402"/>
+                    <a:pt x="120" y="453"/>
+                    <a:pt x="139" y="504"/>
+                  </a:cubicBezTo>
+                  <a:cubicBezTo>
+                    <a:pt x="139" y="495"/>
+                    <a:pt x="139" y="487"/>
+                    <a:pt x="140" y="478"/>
+                  </a:cubicBezTo>
+                  <a:cubicBezTo>
+                    <a:pt x="124" y="435"/>
+                    <a:pt x="109" y="391"/>
+                    <a:pt x="95" y="347"/>
+                  </a:cubicBezTo>
+                  <a:cubicBezTo>
+                    <a:pt x="58" y="233"/>
+                    <a:pt x="27" y="117"/>
+                    <a:pt x="0" y="0"/>
+                  </a:cubicBezTo>
+                  <a:cubicBezTo>
+                    <a:pt x="2" y="20"/>
+                    <a:pt x="4" y="41"/>
+                    <a:pt x="6" y="61"/>
+                  </a:cubicBezTo>
+                  <a:cubicBezTo>
+                    <a:pt x="30" y="158"/>
+                    <a:pt x="56" y="255"/>
+                    <a:pt x="86" y="350"/>
+                  </a:cubicBezTo>
+                  <a:close/>
+                </a:path>
+              </a:pathLst>
+            </a:custGeom>
+            <a:solidFill>
+              <a:schemeClr val="tx2">
+                <a:alpha val="20000"/>
+              </a:schemeClr>
+            </a:solidFill>
+            <a:ln>
+              <a:noFill/>
+            </a:ln>
+          </p:spPr>
+        </p:sp>
+        <p:sp>
+          <p:nvSpPr>
+            <p:cNvPr id="26" name="Freeform 13"/>
+            <p:cNvSpPr/>
+            <p:nvPr/>
+          </p:nvSpPr>
+          <p:spPr bwMode="auto">
+            <a:xfrm>
+              <a:off x="3175001" y="4730750"/>
+              <a:ext cx="519113" cy="1209675"/>
+            </a:xfrm>
+            <a:custGeom>
+              <a:avLst/>
+              <a:gdLst/>
+              <a:ahLst/>
+              <a:cxnLst/>
+              <a:rect l="0" t="0" r="r" b="b"/>
+              <a:pathLst>
+                <a:path w="132" h="308">
+                  <a:moveTo>
+                    <a:pt x="8" y="22"/>
+                  </a:moveTo>
+                  <a:cubicBezTo>
+                    <a:pt x="5" y="15"/>
+                    <a:pt x="2" y="8"/>
+                    <a:pt x="0" y="0"/>
+                  </a:cubicBezTo>
+                  <a:cubicBezTo>
+                    <a:pt x="0" y="10"/>
+                    <a:pt x="0" y="19"/>
+                    <a:pt x="0" y="29"/>
+                  </a:cubicBezTo>
+                  <a:cubicBezTo>
+                    <a:pt x="21" y="85"/>
+                    <a:pt x="44" y="140"/>
+                    <a:pt x="68" y="194"/>
+                  </a:cubicBezTo>
+                  <a:cubicBezTo>
+                    <a:pt x="85" y="232"/>
+                    <a:pt x="104" y="270"/>
+                    <a:pt x="123" y="308"/>
+                  </a:cubicBezTo>
+                  <a:cubicBezTo>
+                    <a:pt x="132" y="308"/>
+                    <a:pt x="132" y="308"/>
+                    <a:pt x="132" y="308"/>
+                  </a:cubicBezTo>
+                  <a:cubicBezTo>
+                    <a:pt x="113" y="269"/>
+                    <a:pt x="94" y="230"/>
+                    <a:pt x="77" y="190"/>
+                  </a:cubicBezTo>
+                  <a:cubicBezTo>
+                    <a:pt x="52" y="135"/>
+                    <a:pt x="29" y="79"/>
+                    <a:pt x="8" y="22"/>
+                  </a:cubicBezTo>
+                  <a:close/>
+                </a:path>
+              </a:pathLst>
+            </a:custGeom>
+            <a:solidFill>
+              <a:schemeClr val="tx2">
+                <a:alpha val="20000"/>
+              </a:schemeClr>
+            </a:solidFill>
+            <a:ln>
+              <a:noFill/>
+            </a:ln>
+          </p:spPr>
+        </p:sp>
+        <p:sp>
+          <p:nvSpPr>
+            <p:cNvPr id="27" name="Freeform 14"/>
+            <p:cNvSpPr/>
+            <p:nvPr/>
+          </p:nvSpPr>
+          <p:spPr bwMode="auto">
+            <a:xfrm>
+              <a:off x="3305176" y="5630863"/>
+              <a:ext cx="146050" cy="309563"/>
+            </a:xfrm>
+            <a:custGeom>
+              <a:avLst/>
+              <a:gdLst/>
+              <a:ahLst/>
+              <a:cxnLst/>
+              <a:rect l="0" t="0" r="r" b="b"/>
+              <a:pathLst>
+                <a:path w="37" h="79">
+                  <a:moveTo>
+                    <a:pt x="28" y="79"/>
+                  </a:moveTo>
+                  <a:cubicBezTo>
+                    <a:pt x="37" y="79"/>
+                    <a:pt x="37" y="79"/>
+                    <a:pt x="37" y="79"/>
+                  </a:cubicBezTo>
+                  <a:cubicBezTo>
+                    <a:pt x="24" y="53"/>
+                    <a:pt x="12" y="27"/>
+                    <a:pt x="0" y="0"/>
+                  </a:cubicBezTo>
+                  <a:cubicBezTo>
+                    <a:pt x="8" y="27"/>
+                    <a:pt x="17" y="53"/>
+                    <a:pt x="28" y="79"/>
+                  </a:cubicBezTo>
+                  <a:close/>
+                </a:path>
+              </a:pathLst>
+            </a:custGeom>
+            <a:solidFill>
+              <a:schemeClr val="tx2">
+                <a:alpha val="20000"/>
+              </a:schemeClr>
+            </a:solidFill>
+            <a:ln>
+              <a:noFill/>
+            </a:ln>
+          </p:spPr>
+        </p:sp>
+        <p:sp>
+          <p:nvSpPr>
+            <p:cNvPr id="28" name="Freeform 15"/>
+            <p:cNvSpPr/>
+            <p:nvPr/>
+          </p:nvSpPr>
+          <p:spPr bwMode="auto">
+            <a:xfrm>
+              <a:off x="2573338" y="2817813"/>
+              <a:ext cx="700088" cy="2835275"/>
+            </a:xfrm>
+            <a:custGeom>
+              <a:avLst/>
+              <a:gdLst/>
+              <a:ahLst/>
+              <a:cxnLst/>
+              <a:rect l="0" t="0" r="r" b="b"/>
+              <a:pathLst>
+                <a:path w="178" h="722">
+                  <a:moveTo>
+                    <a:pt x="162" y="660"/>
+                  </a:moveTo>
+                  <a:cubicBezTo>
+                    <a:pt x="145" y="618"/>
+                    <a:pt x="130" y="576"/>
+                    <a:pt x="116" y="534"/>
+                  </a:cubicBezTo>
+                  <a:cubicBezTo>
+                    <a:pt x="84" y="437"/>
+                    <a:pt x="59" y="337"/>
+                    <a:pt x="40" y="236"/>
+                  </a:cubicBezTo>
+                  <a:cubicBezTo>
+                    <a:pt x="29" y="175"/>
+                    <a:pt x="20" y="113"/>
+                    <a:pt x="12" y="51"/>
+                  </a:cubicBezTo>
+                  <a:cubicBezTo>
+                    <a:pt x="8" y="34"/>
+                    <a:pt x="4" y="17"/>
+                    <a:pt x="0" y="0"/>
+                  </a:cubicBezTo>
+                  <a:cubicBezTo>
+                    <a:pt x="8" y="79"/>
+                    <a:pt x="19" y="159"/>
+                    <a:pt x="33" y="237"/>
+                  </a:cubicBezTo>
+                  <a:cubicBezTo>
+                    <a:pt x="51" y="339"/>
+                    <a:pt x="76" y="439"/>
+                    <a:pt x="107" y="537"/>
+                  </a:cubicBezTo>
+                  <a:cubicBezTo>
+                    <a:pt x="123" y="586"/>
+                    <a:pt x="141" y="634"/>
+                    <a:pt x="160" y="681"/>
+                  </a:cubicBezTo>
+                  <a:cubicBezTo>
+                    <a:pt x="166" y="695"/>
+                    <a:pt x="172" y="708"/>
+                    <a:pt x="178" y="722"/>
+                  </a:cubicBezTo>
+                  <a:cubicBezTo>
+                    <a:pt x="176" y="717"/>
+                    <a:pt x="175" y="713"/>
+                    <a:pt x="174" y="708"/>
+                  </a:cubicBezTo>
+                  <a:cubicBezTo>
+                    <a:pt x="169" y="692"/>
+                    <a:pt x="165" y="676"/>
+                    <a:pt x="162" y="660"/>
+                  </a:cubicBezTo>
+                  <a:close/>
+                </a:path>
+              </a:pathLst>
+            </a:custGeom>
+            <a:solidFill>
+              <a:schemeClr val="tx2">
+                <a:alpha val="20000"/>
+              </a:schemeClr>
+            </a:solidFill>
+            <a:ln>
+              <a:noFill/>
+            </a:ln>
+          </p:spPr>
+        </p:sp>
+        <p:sp>
+          <p:nvSpPr>
+            <p:cNvPr id="29" name="Freeform 16"/>
+            <p:cNvSpPr/>
+            <p:nvPr/>
+          </p:nvSpPr>
+          <p:spPr bwMode="auto">
+            <a:xfrm>
+              <a:off x="2506663" y="285750"/>
+              <a:ext cx="90488" cy="2493963"/>
+            </a:xfrm>
+            <a:custGeom>
+              <a:avLst/>
+              <a:gdLst/>
+              <a:ahLst/>
+              <a:cxnLst/>
+              <a:rect l="0" t="0" r="r" b="b"/>
+              <a:pathLst>
+                <a:path w="23" h="635">
+                  <a:moveTo>
+                    <a:pt x="11" y="577"/>
+                  </a:moveTo>
+                  <a:cubicBezTo>
+                    <a:pt x="12" y="581"/>
+                    <a:pt x="12" y="585"/>
+                    <a:pt x="12" y="589"/>
+                  </a:cubicBezTo>
+                  <a:cubicBezTo>
+                    <a:pt x="15" y="603"/>
+                    <a:pt x="19" y="617"/>
+                    <a:pt x="22" y="632"/>
+                  </a:cubicBezTo>
+                  <a:cubicBezTo>
+                    <a:pt x="22" y="633"/>
+                    <a:pt x="22" y="634"/>
+                    <a:pt x="23" y="635"/>
+                  </a:cubicBezTo>
+                  <a:cubicBezTo>
+                    <a:pt x="21" y="615"/>
+                    <a:pt x="19" y="596"/>
+                    <a:pt x="17" y="576"/>
+                  </a:cubicBezTo>
+                  <a:cubicBezTo>
+                    <a:pt x="9" y="474"/>
+                    <a:pt x="5" y="372"/>
+                    <a:pt x="5" y="269"/>
+                  </a:cubicBezTo>
+                  <a:cubicBezTo>
+                    <a:pt x="6" y="179"/>
+                    <a:pt x="9" y="90"/>
+                    <a:pt x="15" y="0"/>
+                  </a:cubicBezTo>
+                  <a:cubicBezTo>
+                    <a:pt x="12" y="0"/>
+                    <a:pt x="12" y="0"/>
+                    <a:pt x="12" y="0"/>
+                  </a:cubicBezTo>
+                  <a:cubicBezTo>
+                    <a:pt x="5" y="89"/>
+                    <a:pt x="2" y="179"/>
+                    <a:pt x="1" y="269"/>
+                  </a:cubicBezTo>
+                  <a:cubicBezTo>
+                    <a:pt x="0" y="372"/>
+                    <a:pt x="3" y="474"/>
+                    <a:pt x="11" y="577"/>
+                  </a:cubicBezTo>
+                  <a:close/>
+                </a:path>
+              </a:pathLst>
+            </a:custGeom>
+            <a:solidFill>
+              <a:schemeClr val="tx2">
+                <a:alpha val="20000"/>
+              </a:schemeClr>
+            </a:solidFill>
+            <a:ln>
+              <a:noFill/>
+            </a:ln>
+          </p:spPr>
+        </p:sp>
+        <p:sp>
+          <p:nvSpPr>
+            <p:cNvPr id="30" name="Freeform 17"/>
+            <p:cNvSpPr/>
+            <p:nvPr/>
+          </p:nvSpPr>
+          <p:spPr bwMode="auto">
+            <a:xfrm>
+              <a:off x="2554288" y="2598738"/>
+              <a:ext cx="66675" cy="420688"/>
+            </a:xfrm>
+            <a:custGeom>
+              <a:avLst/>
+              <a:gdLst/>
+              <a:ahLst/>
+              <a:cxnLst/>
+              <a:rect l="0" t="0" r="r" b="b"/>
+              <a:pathLst>
+                <a:path w="17" h="107">
+                  <a:moveTo>
+                    <a:pt x="0" y="0"/>
+                  </a:moveTo>
+                  <a:cubicBezTo>
+                    <a:pt x="2" y="19"/>
+                    <a:pt x="3" y="37"/>
+                    <a:pt x="5" y="56"/>
+                  </a:cubicBezTo>
+                  <a:cubicBezTo>
+                    <a:pt x="9" y="73"/>
+                    <a:pt x="13" y="90"/>
+                    <a:pt x="17" y="107"/>
+                  </a:cubicBezTo>
+                  <a:cubicBezTo>
+                    <a:pt x="15" y="87"/>
+                    <a:pt x="13" y="66"/>
+                    <a:pt x="11" y="46"/>
+                  </a:cubicBezTo>
+                  <a:cubicBezTo>
+                    <a:pt x="10" y="45"/>
+                    <a:pt x="10" y="44"/>
+                    <a:pt x="10" y="43"/>
+                  </a:cubicBezTo>
+                  <a:cubicBezTo>
+                    <a:pt x="7" y="28"/>
+                    <a:pt x="3" y="14"/>
+                    <a:pt x="0" y="0"/>
+                  </a:cubicBezTo>
+                  <a:close/>
+                </a:path>
+              </a:pathLst>
+            </a:custGeom>
+            <a:solidFill>
+              <a:schemeClr val="tx2">
+                <a:alpha val="20000"/>
+              </a:schemeClr>
+            </a:solidFill>
+            <a:ln>
+              <a:noFill/>
+            </a:ln>
+          </p:spPr>
+        </p:sp>
+        <p:sp>
+          <p:nvSpPr>
+            <p:cNvPr id="31" name="Freeform 18"/>
+            <p:cNvSpPr/>
+            <p:nvPr/>
+          </p:nvSpPr>
+          <p:spPr bwMode="auto">
+            <a:xfrm>
+              <a:off x="3143251" y="4757738"/>
+              <a:ext cx="161925" cy="873125"/>
+            </a:xfrm>
+            <a:custGeom>
+              <a:avLst/>
+              <a:gdLst/>
+              <a:ahLst/>
+              <a:cxnLst/>
+              <a:rect l="0" t="0" r="r" b="b"/>
+              <a:pathLst>
+                <a:path w="41" h="222">
+                  <a:moveTo>
+                    <a:pt x="0" y="0"/>
+                  </a:moveTo>
+                  <a:cubicBezTo>
+                    <a:pt x="0" y="31"/>
+                    <a:pt x="2" y="62"/>
+                    <a:pt x="5" y="93"/>
+                  </a:cubicBezTo>
+                  <a:cubicBezTo>
+                    <a:pt x="8" y="117"/>
+                    <a:pt x="12" y="142"/>
+                    <a:pt x="17" y="166"/>
+                  </a:cubicBezTo>
+                  <a:cubicBezTo>
+                    <a:pt x="19" y="172"/>
+                    <a:pt x="22" y="178"/>
+                    <a:pt x="24" y="184"/>
+                  </a:cubicBezTo>
+                  <a:cubicBezTo>
+                    <a:pt x="30" y="197"/>
+                    <a:pt x="35" y="209"/>
+                    <a:pt x="41" y="222"/>
+                  </a:cubicBezTo>
+                  <a:cubicBezTo>
+                    <a:pt x="40" y="219"/>
+                    <a:pt x="39" y="215"/>
+                    <a:pt x="38" y="212"/>
+                  </a:cubicBezTo>
+                  <a:cubicBezTo>
+                    <a:pt x="26" y="172"/>
+                    <a:pt x="18" y="132"/>
+                    <a:pt x="13" y="92"/>
+                  </a:cubicBezTo>
+                  <a:cubicBezTo>
+                    <a:pt x="11" y="68"/>
+                    <a:pt x="9" y="45"/>
+                    <a:pt x="8" y="22"/>
+                  </a:cubicBezTo>
+                  <a:cubicBezTo>
+                    <a:pt x="8" y="21"/>
+                    <a:pt x="7" y="20"/>
+                    <a:pt x="7" y="18"/>
+                  </a:cubicBezTo>
+                  <a:cubicBezTo>
+                    <a:pt x="5" y="12"/>
+                    <a:pt x="2" y="6"/>
+                    <a:pt x="0" y="0"/>
+                  </a:cubicBezTo>
+                  <a:close/>
+                </a:path>
+              </a:pathLst>
+            </a:custGeom>
+            <a:solidFill>
+              <a:schemeClr val="tx2">
+                <a:alpha val="20000"/>
+              </a:schemeClr>
+            </a:solidFill>
+            <a:ln>
+              <a:noFill/>
+            </a:ln>
+          </p:spPr>
+        </p:sp>
+        <p:sp>
+          <p:nvSpPr>
+            <p:cNvPr id="32" name="Freeform 19"/>
+            <p:cNvSpPr/>
+            <p:nvPr/>
+          </p:nvSpPr>
+          <p:spPr bwMode="auto">
+            <a:xfrm>
+              <a:off x="3148013" y="1282700"/>
+              <a:ext cx="1768475" cy="3448050"/>
+            </a:xfrm>
+            <a:custGeom>
+              <a:avLst/>
+              <a:gdLst/>
+              <a:ahLst/>
+              <a:cxnLst/>
+              <a:rect l="0" t="0" r="r" b="b"/>
+              <a:pathLst>
+                <a:path w="450" h="878">
+                  <a:moveTo>
+                    <a:pt x="7" y="854"/>
+                  </a:moveTo>
+                  <a:cubicBezTo>
+                    <a:pt x="10" y="772"/>
+                    <a:pt x="26" y="691"/>
+                    <a:pt x="50" y="613"/>
+                  </a:cubicBezTo>
+                  <a:cubicBezTo>
+                    <a:pt x="75" y="535"/>
+                    <a:pt x="109" y="460"/>
+                    <a:pt x="149" y="388"/>
+                  </a:cubicBezTo>
+                  <a:cubicBezTo>
+                    <a:pt x="189" y="316"/>
+                    <a:pt x="235" y="248"/>
+                    <a:pt x="285" y="183"/>
+                  </a:cubicBezTo>
+                  <a:cubicBezTo>
+                    <a:pt x="310" y="151"/>
+                    <a:pt x="337" y="119"/>
+                    <a:pt x="364" y="89"/>
+                  </a:cubicBezTo>
+                  <a:cubicBezTo>
+                    <a:pt x="378" y="74"/>
+                    <a:pt x="392" y="58"/>
+                    <a:pt x="406" y="44"/>
+                  </a:cubicBezTo>
+                  <a:cubicBezTo>
+                    <a:pt x="421" y="29"/>
+                    <a:pt x="435" y="15"/>
+                    <a:pt x="450" y="1"/>
+                  </a:cubicBezTo>
+                  <a:cubicBezTo>
+                    <a:pt x="450" y="0"/>
+                    <a:pt x="450" y="0"/>
+                    <a:pt x="450" y="0"/>
+                  </a:cubicBezTo>
+                  <a:cubicBezTo>
+                    <a:pt x="434" y="14"/>
+                    <a:pt x="420" y="28"/>
+                    <a:pt x="405" y="43"/>
+                  </a:cubicBezTo>
+                  <a:cubicBezTo>
+                    <a:pt x="391" y="57"/>
+                    <a:pt x="377" y="72"/>
+                    <a:pt x="363" y="88"/>
+                  </a:cubicBezTo>
+                  <a:cubicBezTo>
+                    <a:pt x="335" y="118"/>
+                    <a:pt x="308" y="149"/>
+                    <a:pt x="283" y="181"/>
+                  </a:cubicBezTo>
+                  <a:cubicBezTo>
+                    <a:pt x="232" y="246"/>
+                    <a:pt x="185" y="314"/>
+                    <a:pt x="145" y="386"/>
+                  </a:cubicBezTo>
+                  <a:cubicBezTo>
+                    <a:pt x="104" y="457"/>
+                    <a:pt x="70" y="533"/>
+                    <a:pt x="45" y="611"/>
+                  </a:cubicBezTo>
+                  <a:cubicBezTo>
+                    <a:pt x="19" y="690"/>
+                    <a:pt x="3" y="771"/>
+                    <a:pt x="0" y="854"/>
+                  </a:cubicBezTo>
+                  <a:cubicBezTo>
+                    <a:pt x="0" y="856"/>
+                    <a:pt x="0" y="857"/>
+                    <a:pt x="0" y="859"/>
+                  </a:cubicBezTo>
+                  <a:cubicBezTo>
+                    <a:pt x="2" y="865"/>
+                    <a:pt x="4" y="872"/>
+                    <a:pt x="7" y="878"/>
+                  </a:cubicBezTo>
+                  <a:cubicBezTo>
+                    <a:pt x="7" y="870"/>
+                    <a:pt x="7" y="862"/>
+                    <a:pt x="7" y="854"/>
+                  </a:cubicBezTo>
+                  <a:close/>
+                </a:path>
+              </a:pathLst>
+            </a:custGeom>
+            <a:solidFill>
+              <a:schemeClr val="tx2">
+                <a:alpha val="20000"/>
+              </a:schemeClr>
+            </a:solidFill>
+            <a:ln>
+              <a:noFill/>
+            </a:ln>
+          </p:spPr>
+        </p:sp>
+        <p:sp>
+          <p:nvSpPr>
+            <p:cNvPr id="33" name="Freeform 20"/>
+            <p:cNvSpPr/>
+            <p:nvPr/>
+          </p:nvSpPr>
+          <p:spPr bwMode="auto">
+            <a:xfrm>
+              <a:off x="3273426" y="5653088"/>
+              <a:ext cx="138113" cy="287338"/>
+            </a:xfrm>
+            <a:custGeom>
+              <a:avLst/>
+              <a:gdLst/>
+              <a:ahLst/>
+              <a:cxnLst/>
+              <a:rect l="0" t="0" r="r" b="b"/>
+              <a:pathLst>
+                <a:path w="35" h="73">
+                  <a:moveTo>
+                    <a:pt x="0" y="0"/>
+                  </a:moveTo>
+                  <a:cubicBezTo>
+                    <a:pt x="7" y="24"/>
+                    <a:pt x="16" y="49"/>
+                    <a:pt x="26" y="73"/>
+                  </a:cubicBezTo>
+                  <a:cubicBezTo>
+                    <a:pt x="35" y="73"/>
+                    <a:pt x="35" y="73"/>
+                    <a:pt x="35" y="73"/>
+                  </a:cubicBezTo>
+                  <a:cubicBezTo>
+                    <a:pt x="23" y="49"/>
+                    <a:pt x="11" y="24"/>
+                    <a:pt x="0" y="0"/>
+                  </a:cubicBezTo>
+                  <a:close/>
+                </a:path>
+              </a:pathLst>
+            </a:custGeom>
+            <a:solidFill>
+              <a:schemeClr val="tx2">
+                <a:alpha val="20000"/>
+              </a:schemeClr>
+            </a:solidFill>
+            <a:ln>
+              <a:noFill/>
+            </a:ln>
+          </p:spPr>
+        </p:sp>
+        <p:sp>
+          <p:nvSpPr>
+            <p:cNvPr id="34" name="Freeform 21"/>
+            <p:cNvSpPr/>
+            <p:nvPr/>
+          </p:nvSpPr>
+          <p:spPr bwMode="auto">
+            <a:xfrm>
+              <a:off x="3143251" y="4656138"/>
+              <a:ext cx="31750" cy="188913"/>
+            </a:xfrm>
+            <a:custGeom>
+              <a:avLst/>
+              <a:gdLst/>
+              <a:ahLst/>
+              <a:cxnLst/>
+              <a:rect l="0" t="0" r="r" b="b"/>
+              <a:pathLst>
+                <a:path w="8" h="48">
+                  <a:moveTo>
+                    <a:pt x="7" y="44"/>
+                  </a:moveTo>
+                  <a:cubicBezTo>
+                    <a:pt x="7" y="46"/>
+                    <a:pt x="8" y="47"/>
+                    <a:pt x="8" y="48"/>
+                  </a:cubicBezTo>
+                  <a:cubicBezTo>
+                    <a:pt x="8" y="38"/>
+                    <a:pt x="8" y="29"/>
+                    <a:pt x="8" y="19"/>
+                  </a:cubicBezTo>
+                  <a:cubicBezTo>
+                    <a:pt x="5" y="13"/>
+                    <a:pt x="3" y="6"/>
+                    <a:pt x="1" y="0"/>
+                  </a:cubicBezTo>
+                  <a:cubicBezTo>
+                    <a:pt x="0" y="9"/>
+                    <a:pt x="0" y="17"/>
+                    <a:pt x="0" y="26"/>
+                  </a:cubicBezTo>
+                  <a:cubicBezTo>
+                    <a:pt x="2" y="32"/>
+                    <a:pt x="5" y="38"/>
+                    <a:pt x="7" y="44"/>
+                  </a:cubicBezTo>
+                  <a:close/>
+                </a:path>
+              </a:pathLst>
+            </a:custGeom>
+            <a:solidFill>
+              <a:schemeClr val="tx2">
+                <a:alpha val="20000"/>
+              </a:schemeClr>
+            </a:solidFill>
+            <a:ln>
+              <a:noFill/>
+            </a:ln>
+          </p:spPr>
+        </p:sp>
+        <p:sp>
+          <p:nvSpPr>
+            <p:cNvPr id="35" name="Freeform 22"/>
+            <p:cNvSpPr/>
+            <p:nvPr/>
+          </p:nvSpPr>
+          <p:spPr bwMode="auto">
+            <a:xfrm>
+              <a:off x="3211513" y="5410200"/>
+              <a:ext cx="203200" cy="530225"/>
+            </a:xfrm>
+            <a:custGeom>
+              <a:avLst/>
+              <a:gdLst/>
+              <a:ahLst/>
+              <a:cxnLst/>
+              <a:rect l="0" t="0" r="r" b="b"/>
+              <a:pathLst>
+                <a:path w="52" h="135">
+                  <a:moveTo>
+                    <a:pt x="7" y="18"/>
+                  </a:moveTo>
+                  <a:cubicBezTo>
+                    <a:pt x="5" y="12"/>
+                    <a:pt x="2" y="6"/>
+                    <a:pt x="0" y="0"/>
+                  </a:cubicBezTo>
+                  <a:cubicBezTo>
+                    <a:pt x="3" y="16"/>
+                    <a:pt x="7" y="32"/>
+                    <a:pt x="12" y="48"/>
+                  </a:cubicBezTo>
+                  <a:cubicBezTo>
+                    <a:pt x="13" y="53"/>
+                    <a:pt x="14" y="57"/>
+                    <a:pt x="16" y="62"/>
+                  </a:cubicBezTo>
+                  <a:cubicBezTo>
+                    <a:pt x="27" y="86"/>
+                    <a:pt x="39" y="111"/>
+                    <a:pt x="51" y="135"/>
+                  </a:cubicBezTo>
+                  <a:cubicBezTo>
+                    <a:pt x="52" y="135"/>
+                    <a:pt x="52" y="135"/>
+                    <a:pt x="52" y="135"/>
+                  </a:cubicBezTo>
+                  <a:cubicBezTo>
+                    <a:pt x="41" y="109"/>
+                    <a:pt x="32" y="83"/>
+                    <a:pt x="24" y="56"/>
+                  </a:cubicBezTo>
+                  <a:cubicBezTo>
+                    <a:pt x="18" y="43"/>
+                    <a:pt x="13" y="31"/>
+                    <a:pt x="7" y="18"/>
+                  </a:cubicBezTo>
+                  <a:close/>
+                </a:path>
+              </a:pathLst>
+            </a:custGeom>
+            <a:solidFill>
+              <a:schemeClr val="tx2">
+                <a:alpha val="20000"/>
+              </a:schemeClr>
+            </a:solidFill>
+            <a:ln>
+              <a:noFill/>
+            </a:ln>
+          </p:spPr>
+        </p:sp>
+      </p:grpSp>
+      <p:grpSp>
+        <p:nvGrpSpPr>
+          <p:cNvPr id="10" name="Group 9"/>
+          <p:cNvGrpSpPr/>
+          <p:nvPr/>
+        </p:nvGrpSpPr>
+        <p:grpSpPr>
+          <a:xfrm>
+            <a:off x="27221" y="-786"/>
+            <a:ext cx="2356674" cy="6854039"/>
+            <a:chOff x="6627813" y="194833"/>
+            <a:chExt cx="1952625" cy="5678918"/>
+          </a:xfrm>
+        </p:grpSpPr>
+        <p:sp>
+          <p:nvSpPr>
+            <p:cNvPr id="11" name="Freeform 27"/>
+            <p:cNvSpPr/>
+            <p:nvPr/>
+          </p:nvSpPr>
+          <p:spPr bwMode="auto">
+            <a:xfrm>
+              <a:off x="6627813" y="194833"/>
+              <a:ext cx="409575" cy="3646488"/>
+            </a:xfrm>
+            <a:custGeom>
+              <a:avLst/>
+              <a:gdLst/>
+              <a:ahLst/>
+              <a:cxnLst/>
+              <a:rect l="0" t="0" r="r" b="b"/>
+              <a:pathLst>
+                <a:path w="103" h="920">
+                  <a:moveTo>
+                    <a:pt x="7" y="210"/>
+                  </a:moveTo>
+                  <a:cubicBezTo>
+                    <a:pt x="11" y="288"/>
+                    <a:pt x="17" y="367"/>
+                    <a:pt x="26" y="445"/>
+                  </a:cubicBezTo>
+                  <a:cubicBezTo>
+                    <a:pt x="34" y="523"/>
+                    <a:pt x="44" y="601"/>
+                    <a:pt x="57" y="679"/>
+                  </a:cubicBezTo>
+                  <a:cubicBezTo>
+                    <a:pt x="69" y="757"/>
+                    <a:pt x="84" y="834"/>
+                    <a:pt x="101" y="911"/>
+                  </a:cubicBezTo>
+                  <a:cubicBezTo>
+                    <a:pt x="102" y="914"/>
+                    <a:pt x="103" y="917"/>
+                    <a:pt x="103" y="920"/>
+                  </a:cubicBezTo>
+                  <a:cubicBezTo>
+                    <a:pt x="102" y="905"/>
+                    <a:pt x="100" y="889"/>
+                    <a:pt x="99" y="874"/>
+                  </a:cubicBezTo>
+                  <a:cubicBezTo>
+                    <a:pt x="99" y="871"/>
+                    <a:pt x="99" y="868"/>
+                    <a:pt x="99" y="866"/>
+                  </a:cubicBezTo>
+                  <a:cubicBezTo>
+                    <a:pt x="85" y="803"/>
+                    <a:pt x="73" y="741"/>
+                    <a:pt x="63" y="678"/>
+                  </a:cubicBezTo>
+                  <a:cubicBezTo>
+                    <a:pt x="50" y="600"/>
+                    <a:pt x="39" y="523"/>
+                    <a:pt x="30" y="444"/>
+                  </a:cubicBezTo>
+                  <a:cubicBezTo>
+                    <a:pt x="21" y="366"/>
+                    <a:pt x="14" y="288"/>
+                    <a:pt x="9" y="209"/>
+                  </a:cubicBezTo>
+                  <a:cubicBezTo>
+                    <a:pt x="7" y="170"/>
+                    <a:pt x="5" y="131"/>
+                    <a:pt x="3" y="92"/>
+                  </a:cubicBezTo>
+                  <a:cubicBezTo>
+                    <a:pt x="2" y="61"/>
+                    <a:pt x="1" y="31"/>
+                    <a:pt x="1" y="0"/>
+                  </a:cubicBezTo>
+                  <a:cubicBezTo>
+                    <a:pt x="0" y="0"/>
+                    <a:pt x="0" y="0"/>
+                    <a:pt x="0" y="0"/>
+                  </a:cubicBezTo>
+                  <a:cubicBezTo>
+                    <a:pt x="0" y="31"/>
+                    <a:pt x="1" y="61"/>
+                    <a:pt x="1" y="92"/>
+                  </a:cubicBezTo>
+                  <a:cubicBezTo>
+                    <a:pt x="3" y="131"/>
+                    <a:pt x="4" y="170"/>
+                    <a:pt x="7" y="210"/>
+                  </a:cubicBezTo>
+                  <a:close/>
+                </a:path>
+              </a:pathLst>
+            </a:custGeom>
+            <a:solidFill>
+              <a:schemeClr val="tx2"/>
+            </a:solidFill>
+            <a:ln>
+              <a:noFill/>
+            </a:ln>
+          </p:spPr>
+        </p:sp>
+        <p:sp>
+          <p:nvSpPr>
+            <p:cNvPr id="12" name="Freeform 28"/>
+            <p:cNvSpPr/>
+            <p:nvPr/>
+          </p:nvSpPr>
+          <p:spPr bwMode="auto">
+            <a:xfrm>
+              <a:off x="7061201" y="3771900"/>
+              <a:ext cx="350838" cy="1309688"/>
+            </a:xfrm>
+            <a:custGeom>
+              <a:avLst/>
+              <a:gdLst/>
+              <a:ahLst/>
+              <a:cxnLst/>
+              <a:rect l="0" t="0" r="r" b="b"/>
+              <a:pathLst>
+                <a:path w="88" h="330">
+                  <a:moveTo>
+                    <a:pt x="53" y="229"/>
+                  </a:moveTo>
+                  <a:cubicBezTo>
+                    <a:pt x="64" y="263"/>
+                    <a:pt x="75" y="297"/>
+                    <a:pt x="88" y="330"/>
+                  </a:cubicBezTo>
+                  <a:cubicBezTo>
+                    <a:pt x="88" y="323"/>
+                    <a:pt x="88" y="315"/>
+                    <a:pt x="88" y="308"/>
+                  </a:cubicBezTo>
+                  <a:cubicBezTo>
+                    <a:pt x="88" y="307"/>
+                    <a:pt x="88" y="305"/>
+                    <a:pt x="88" y="304"/>
+                  </a:cubicBezTo>
+                  <a:cubicBezTo>
+                    <a:pt x="79" y="278"/>
+                    <a:pt x="70" y="252"/>
+                    <a:pt x="62" y="226"/>
+                  </a:cubicBezTo>
+                  <a:cubicBezTo>
+                    <a:pt x="38" y="152"/>
+                    <a:pt x="17" y="76"/>
+                    <a:pt x="0" y="0"/>
+                  </a:cubicBezTo>
+                  <a:cubicBezTo>
+                    <a:pt x="2" y="21"/>
+                    <a:pt x="4" y="42"/>
+                    <a:pt x="7" y="63"/>
+                  </a:cubicBezTo>
+                  <a:cubicBezTo>
+                    <a:pt x="21" y="119"/>
+                    <a:pt x="36" y="174"/>
+                    <a:pt x="53" y="229"/>
+                  </a:cubicBezTo>
+                  <a:close/>
+                </a:path>
+              </a:pathLst>
+            </a:custGeom>
+            <a:solidFill>
+              <a:schemeClr val="tx2"/>
+            </a:solidFill>
+            <a:ln>
+              <a:noFill/>
+            </a:ln>
+          </p:spPr>
+        </p:sp>
+        <p:sp>
+          <p:nvSpPr>
+            <p:cNvPr id="13" name="Freeform 29"/>
+            <p:cNvSpPr/>
+            <p:nvPr/>
+          </p:nvSpPr>
+          <p:spPr bwMode="auto">
+            <a:xfrm>
+              <a:off x="7439026" y="5053013"/>
+              <a:ext cx="357188" cy="820738"/>
+            </a:xfrm>
+            <a:custGeom>
+              <a:avLst/>
+              <a:gdLst/>
+              <a:ahLst/>
+              <a:cxnLst/>
+              <a:rect l="0" t="0" r="r" b="b"/>
+              <a:pathLst>
+                <a:path w="90" h="207">
+                  <a:moveTo>
+                    <a:pt x="6" y="15"/>
+                  </a:moveTo>
+                  <a:cubicBezTo>
+                    <a:pt x="4" y="10"/>
+                    <a:pt x="2" y="5"/>
+                    <a:pt x="0" y="0"/>
+                  </a:cubicBezTo>
+                  <a:cubicBezTo>
+                    <a:pt x="0" y="9"/>
+                    <a:pt x="0" y="19"/>
+                    <a:pt x="1" y="29"/>
+                  </a:cubicBezTo>
+                  <a:cubicBezTo>
+                    <a:pt x="14" y="62"/>
+                    <a:pt x="27" y="95"/>
+                    <a:pt x="42" y="127"/>
+                  </a:cubicBezTo>
+                  <a:cubicBezTo>
+                    <a:pt x="54" y="154"/>
+                    <a:pt x="67" y="181"/>
+                    <a:pt x="80" y="207"/>
+                  </a:cubicBezTo>
+                  <a:cubicBezTo>
+                    <a:pt x="90" y="207"/>
+                    <a:pt x="90" y="207"/>
+                    <a:pt x="90" y="207"/>
+                  </a:cubicBezTo>
+                  <a:cubicBezTo>
+                    <a:pt x="76" y="180"/>
+                    <a:pt x="63" y="152"/>
+                    <a:pt x="50" y="123"/>
+                  </a:cubicBezTo>
+                  <a:cubicBezTo>
+                    <a:pt x="34" y="88"/>
+                    <a:pt x="20" y="51"/>
+                    <a:pt x="6" y="15"/>
+                  </a:cubicBezTo>
+                  <a:close/>
+                </a:path>
+              </a:pathLst>
+            </a:custGeom>
+            <a:solidFill>
+              <a:schemeClr val="tx2"/>
+            </a:solidFill>
+            <a:ln>
+              <a:noFill/>
+            </a:ln>
+          </p:spPr>
+        </p:sp>
+        <p:sp>
+          <p:nvSpPr>
+            <p:cNvPr id="14" name="Freeform 30"/>
+            <p:cNvSpPr/>
+            <p:nvPr/>
+          </p:nvSpPr>
+          <p:spPr bwMode="auto">
+            <a:xfrm>
+              <a:off x="7037388" y="3811588"/>
+              <a:ext cx="457200" cy="1852613"/>
+            </a:xfrm>
+            <a:custGeom>
+              <a:avLst/>
+              <a:gdLst/>
+              <a:ahLst/>
+              <a:cxnLst/>
+              <a:rect l="0" t="0" r="r" b="b"/>
+              <a:pathLst>
+                <a:path w="115" h="467">
+                  <a:moveTo>
+                    <a:pt x="101" y="409"/>
+                  </a:moveTo>
+                  <a:cubicBezTo>
+                    <a:pt x="93" y="388"/>
+                    <a:pt x="85" y="366"/>
+                    <a:pt x="78" y="344"/>
+                  </a:cubicBezTo>
+                  <a:cubicBezTo>
+                    <a:pt x="57" y="281"/>
+                    <a:pt x="41" y="216"/>
+                    <a:pt x="29" y="151"/>
+                  </a:cubicBezTo>
+                  <a:cubicBezTo>
+                    <a:pt x="22" y="119"/>
+                    <a:pt x="17" y="86"/>
+                    <a:pt x="13" y="53"/>
+                  </a:cubicBezTo>
+                  <a:cubicBezTo>
+                    <a:pt x="9" y="35"/>
+                    <a:pt x="4" y="18"/>
+                    <a:pt x="0" y="0"/>
+                  </a:cubicBezTo>
+                  <a:cubicBezTo>
+                    <a:pt x="5" y="51"/>
+                    <a:pt x="12" y="102"/>
+                    <a:pt x="21" y="152"/>
+                  </a:cubicBezTo>
+                  <a:cubicBezTo>
+                    <a:pt x="33" y="218"/>
+                    <a:pt x="49" y="283"/>
+                    <a:pt x="69" y="347"/>
+                  </a:cubicBezTo>
+                  <a:cubicBezTo>
+                    <a:pt x="79" y="378"/>
+                    <a:pt x="90" y="410"/>
+                    <a:pt x="103" y="441"/>
+                  </a:cubicBezTo>
+                  <a:cubicBezTo>
+                    <a:pt x="107" y="449"/>
+                    <a:pt x="111" y="458"/>
+                    <a:pt x="115" y="467"/>
+                  </a:cubicBezTo>
+                  <a:cubicBezTo>
+                    <a:pt x="114" y="464"/>
+                    <a:pt x="113" y="461"/>
+                    <a:pt x="112" y="458"/>
+                  </a:cubicBezTo>
+                  <a:cubicBezTo>
+                    <a:pt x="108" y="442"/>
+                    <a:pt x="104" y="425"/>
+                    <a:pt x="101" y="409"/>
+                  </a:cubicBezTo>
+                  <a:close/>
+                </a:path>
+              </a:pathLst>
+            </a:custGeom>
+            <a:solidFill>
+              <a:schemeClr val="tx2"/>
+            </a:solidFill>
+            <a:ln>
+              <a:noFill/>
+            </a:ln>
+          </p:spPr>
+        </p:sp>
+        <p:sp>
+          <p:nvSpPr>
+            <p:cNvPr id="15" name="Freeform 31"/>
+            <p:cNvSpPr/>
+            <p:nvPr/>
+          </p:nvSpPr>
+          <p:spPr bwMode="auto">
+            <a:xfrm>
+              <a:off x="6992938" y="1263650"/>
+              <a:ext cx="144463" cy="2508250"/>
+            </a:xfrm>
+            <a:custGeom>
+              <a:avLst/>
+              <a:gdLst/>
+              <a:ahLst/>
+              <a:cxnLst/>
+              <a:rect l="0" t="0" r="r" b="b"/>
+              <a:pathLst>
+                <a:path w="36" h="633">
+                  <a:moveTo>
+                    <a:pt x="17" y="633"/>
+                  </a:moveTo>
+                  <a:cubicBezTo>
+                    <a:pt x="15" y="621"/>
+                    <a:pt x="14" y="609"/>
+                    <a:pt x="13" y="597"/>
+                  </a:cubicBezTo>
+                  <a:cubicBezTo>
+                    <a:pt x="8" y="530"/>
+                    <a:pt x="5" y="464"/>
+                    <a:pt x="5" y="398"/>
+                  </a:cubicBezTo>
+                  <a:cubicBezTo>
+                    <a:pt x="5" y="331"/>
+                    <a:pt x="8" y="265"/>
+                    <a:pt x="13" y="198"/>
+                  </a:cubicBezTo>
+                  <a:cubicBezTo>
+                    <a:pt x="15" y="165"/>
+                    <a:pt x="18" y="132"/>
+                    <a:pt x="22" y="99"/>
+                  </a:cubicBezTo>
+                  <a:cubicBezTo>
+                    <a:pt x="26" y="66"/>
+                    <a:pt x="30" y="33"/>
+                    <a:pt x="36" y="0"/>
+                  </a:cubicBezTo>
+                  <a:cubicBezTo>
+                    <a:pt x="35" y="0"/>
+                    <a:pt x="35" y="0"/>
+                    <a:pt x="35" y="0"/>
+                  </a:cubicBezTo>
+                  <a:cubicBezTo>
+                    <a:pt x="29" y="33"/>
+                    <a:pt x="24" y="66"/>
+                    <a:pt x="20" y="99"/>
+                  </a:cubicBezTo>
+                  <a:cubicBezTo>
+                    <a:pt x="16" y="132"/>
+                    <a:pt x="13" y="165"/>
+                    <a:pt x="10" y="198"/>
+                  </a:cubicBezTo>
+                  <a:cubicBezTo>
+                    <a:pt x="4" y="264"/>
+                    <a:pt x="1" y="331"/>
+                    <a:pt x="1" y="398"/>
+                  </a:cubicBezTo>
+                  <a:cubicBezTo>
+                    <a:pt x="0" y="461"/>
+                    <a:pt x="2" y="525"/>
+                    <a:pt x="7" y="589"/>
+                  </a:cubicBezTo>
+                  <a:cubicBezTo>
+                    <a:pt x="10" y="603"/>
+                    <a:pt x="13" y="618"/>
+                    <a:pt x="16" y="632"/>
+                  </a:cubicBezTo>
+                  <a:cubicBezTo>
+                    <a:pt x="16" y="632"/>
+                    <a:pt x="17" y="633"/>
+                    <a:pt x="17" y="633"/>
+                  </a:cubicBezTo>
+                  <a:close/>
+                </a:path>
+              </a:pathLst>
+            </a:custGeom>
+            <a:solidFill>
+              <a:schemeClr val="tx2"/>
+            </a:solidFill>
+            <a:ln>
+              <a:noFill/>
+            </a:ln>
+          </p:spPr>
+        </p:sp>
+        <p:sp>
+          <p:nvSpPr>
+            <p:cNvPr id="16" name="Freeform 32"/>
+            <p:cNvSpPr/>
+            <p:nvPr/>
+          </p:nvSpPr>
+          <p:spPr bwMode="auto">
+            <a:xfrm>
+              <a:off x="7526338" y="5640388"/>
+              <a:ext cx="111125" cy="233363"/>
+            </a:xfrm>
+            <a:custGeom>
+              <a:avLst/>
+              <a:gdLst/>
+              <a:ahLst/>
+              <a:cxnLst/>
+              <a:rect l="0" t="0" r="r" b="b"/>
+              <a:pathLst>
+                <a:path w="28" h="59">
+                  <a:moveTo>
+                    <a:pt x="22" y="59"/>
+                  </a:moveTo>
+                  <a:cubicBezTo>
+                    <a:pt x="28" y="59"/>
+                    <a:pt x="28" y="59"/>
+                    <a:pt x="28" y="59"/>
+                  </a:cubicBezTo>
+                  <a:cubicBezTo>
+                    <a:pt x="18" y="40"/>
+                    <a:pt x="9" y="20"/>
+                    <a:pt x="0" y="0"/>
+                  </a:cubicBezTo>
+                  <a:cubicBezTo>
+                    <a:pt x="6" y="20"/>
+                    <a:pt x="13" y="40"/>
+                    <a:pt x="22" y="59"/>
+                  </a:cubicBezTo>
+                  <a:close/>
+                </a:path>
+              </a:pathLst>
+            </a:custGeom>
+            <a:solidFill>
+              <a:schemeClr val="tx2"/>
+            </a:solidFill>
+            <a:ln>
+              <a:noFill/>
+            </a:ln>
+          </p:spPr>
+        </p:sp>
+        <p:sp>
+          <p:nvSpPr>
+            <p:cNvPr id="17" name="Freeform 33"/>
+            <p:cNvSpPr/>
+            <p:nvPr/>
+          </p:nvSpPr>
+          <p:spPr bwMode="auto">
+            <a:xfrm>
+              <a:off x="7021513" y="3598863"/>
+              <a:ext cx="68263" cy="423863"/>
+            </a:xfrm>
+            <a:custGeom>
+              <a:avLst/>
+              <a:gdLst/>
+              <a:ahLst/>
+              <a:cxnLst/>
+              <a:rect l="0" t="0" r="r" b="b"/>
+              <a:pathLst>
+                <a:path w="17" h="107">
+                  <a:moveTo>
+                    <a:pt x="4" y="54"/>
+                  </a:moveTo>
+                  <a:cubicBezTo>
+                    <a:pt x="8" y="72"/>
+                    <a:pt x="13" y="89"/>
+                    <a:pt x="17" y="107"/>
+                  </a:cubicBezTo>
+                  <a:cubicBezTo>
+                    <a:pt x="14" y="86"/>
+                    <a:pt x="12" y="65"/>
+                    <a:pt x="10" y="44"/>
+                  </a:cubicBezTo>
+                  <a:cubicBezTo>
+                    <a:pt x="10" y="44"/>
+                    <a:pt x="9" y="43"/>
+                    <a:pt x="9" y="43"/>
+                  </a:cubicBezTo>
+                  <a:cubicBezTo>
+                    <a:pt x="6" y="29"/>
+                    <a:pt x="3" y="14"/>
+                    <a:pt x="0" y="0"/>
+                  </a:cubicBezTo>
+                  <a:cubicBezTo>
+                    <a:pt x="0" y="2"/>
+                    <a:pt x="0" y="5"/>
+                    <a:pt x="0" y="8"/>
+                  </a:cubicBezTo>
+                  <a:cubicBezTo>
+                    <a:pt x="1" y="23"/>
+                    <a:pt x="3" y="39"/>
+                    <a:pt x="4" y="54"/>
+                  </a:cubicBezTo>
+                  <a:close/>
+                </a:path>
+              </a:pathLst>
+            </a:custGeom>
+            <a:solidFill>
+              <a:schemeClr val="tx2"/>
+            </a:solidFill>
+            <a:ln>
+              <a:noFill/>
+            </a:ln>
+          </p:spPr>
+        </p:sp>
+        <p:sp>
+          <p:nvSpPr>
+            <p:cNvPr id="18" name="Freeform 34"/>
+            <p:cNvSpPr/>
+            <p:nvPr/>
+          </p:nvSpPr>
+          <p:spPr bwMode="auto">
+            <a:xfrm>
+              <a:off x="7412038" y="2801938"/>
+              <a:ext cx="1168400" cy="2251075"/>
+            </a:xfrm>
+            <a:custGeom>
+              <a:avLst/>
+              <a:gdLst/>
+              <a:ahLst/>
+              <a:cxnLst/>
+              <a:rect l="0" t="0" r="r" b="b"/>
+              <a:pathLst>
+                <a:path w="294" h="568">
+                  <a:moveTo>
+                    <a:pt x="8" y="553"/>
+                  </a:moveTo>
+                  <a:cubicBezTo>
+                    <a:pt x="9" y="501"/>
+                    <a:pt x="19" y="448"/>
+                    <a:pt x="35" y="397"/>
+                  </a:cubicBezTo>
+                  <a:cubicBezTo>
+                    <a:pt x="51" y="347"/>
+                    <a:pt x="73" y="298"/>
+                    <a:pt x="99" y="252"/>
+                  </a:cubicBezTo>
+                  <a:cubicBezTo>
+                    <a:pt x="124" y="205"/>
+                    <a:pt x="154" y="161"/>
+                    <a:pt x="187" y="119"/>
+                  </a:cubicBezTo>
+                  <a:cubicBezTo>
+                    <a:pt x="203" y="98"/>
+                    <a:pt x="220" y="77"/>
+                    <a:pt x="238" y="58"/>
+                  </a:cubicBezTo>
+                  <a:cubicBezTo>
+                    <a:pt x="247" y="48"/>
+                    <a:pt x="256" y="38"/>
+                    <a:pt x="265" y="28"/>
+                  </a:cubicBezTo>
+                  <a:cubicBezTo>
+                    <a:pt x="274" y="19"/>
+                    <a:pt x="284" y="9"/>
+                    <a:pt x="294" y="0"/>
+                  </a:cubicBezTo>
+                  <a:cubicBezTo>
+                    <a:pt x="293" y="0"/>
+                    <a:pt x="293" y="0"/>
+                    <a:pt x="293" y="0"/>
+                  </a:cubicBezTo>
+                  <a:cubicBezTo>
+                    <a:pt x="283" y="9"/>
+                    <a:pt x="273" y="18"/>
+                    <a:pt x="264" y="27"/>
+                  </a:cubicBezTo>
+                  <a:cubicBezTo>
+                    <a:pt x="255" y="37"/>
+                    <a:pt x="246" y="47"/>
+                    <a:pt x="237" y="56"/>
+                  </a:cubicBezTo>
+                  <a:cubicBezTo>
+                    <a:pt x="218" y="76"/>
+                    <a:pt x="201" y="96"/>
+                    <a:pt x="185" y="117"/>
+                  </a:cubicBezTo>
+                  <a:cubicBezTo>
+                    <a:pt x="151" y="159"/>
+                    <a:pt x="121" y="203"/>
+                    <a:pt x="95" y="249"/>
+                  </a:cubicBezTo>
+                  <a:cubicBezTo>
+                    <a:pt x="68" y="296"/>
+                    <a:pt x="46" y="345"/>
+                    <a:pt x="30" y="396"/>
+                  </a:cubicBezTo>
+                  <a:cubicBezTo>
+                    <a:pt x="13" y="445"/>
+                    <a:pt x="3" y="497"/>
+                    <a:pt x="0" y="549"/>
+                  </a:cubicBezTo>
+                  <a:cubicBezTo>
+                    <a:pt x="3" y="555"/>
+                    <a:pt x="5" y="561"/>
+                    <a:pt x="7" y="568"/>
+                  </a:cubicBezTo>
+                  <a:cubicBezTo>
+                    <a:pt x="7" y="563"/>
+                    <a:pt x="7" y="558"/>
+                    <a:pt x="8" y="553"/>
+                  </a:cubicBezTo>
+                  <a:close/>
+                </a:path>
+              </a:pathLst>
+            </a:custGeom>
+            <a:solidFill>
+              <a:schemeClr val="tx2"/>
+            </a:solidFill>
+            <a:ln>
+              <a:noFill/>
+            </a:ln>
+          </p:spPr>
+        </p:sp>
+        <p:sp>
+          <p:nvSpPr>
+            <p:cNvPr id="19" name="Freeform 35"/>
+            <p:cNvSpPr/>
+            <p:nvPr/>
+          </p:nvSpPr>
+          <p:spPr bwMode="auto">
+            <a:xfrm>
+              <a:off x="7494588" y="5664200"/>
+              <a:ext cx="100013" cy="209550"/>
+            </a:xfrm>
+            <a:custGeom>
+              <a:avLst/>
+              <a:gdLst/>
+              <a:ahLst/>
+              <a:cxnLst/>
+              <a:rect l="0" t="0" r="r" b="b"/>
+              <a:pathLst>
+                <a:path w="25" h="53">
+                  <a:moveTo>
+                    <a:pt x="0" y="0"/>
+                  </a:moveTo>
+                  <a:cubicBezTo>
+                    <a:pt x="5" y="18"/>
+                    <a:pt x="12" y="36"/>
+                    <a:pt x="19" y="53"/>
+                  </a:cubicBezTo>
+                  <a:cubicBezTo>
+                    <a:pt x="25" y="53"/>
+                    <a:pt x="25" y="53"/>
+                    <a:pt x="25" y="53"/>
+                  </a:cubicBezTo>
+                  <a:cubicBezTo>
+                    <a:pt x="16" y="36"/>
+                    <a:pt x="8" y="18"/>
+                    <a:pt x="0" y="0"/>
+                  </a:cubicBezTo>
+                  <a:close/>
+                </a:path>
+              </a:pathLst>
+            </a:custGeom>
+            <a:solidFill>
+              <a:schemeClr val="tx2"/>
+            </a:solidFill>
+            <a:ln>
+              <a:noFill/>
+            </a:ln>
+          </p:spPr>
+        </p:sp>
+        <p:sp>
+          <p:nvSpPr>
+            <p:cNvPr id="20" name="Freeform 36"/>
+            <p:cNvSpPr/>
+            <p:nvPr/>
+          </p:nvSpPr>
+          <p:spPr bwMode="auto">
+            <a:xfrm>
+              <a:off x="7412038" y="5081588"/>
+              <a:ext cx="114300" cy="558800"/>
+            </a:xfrm>
+            <a:custGeom>
+              <a:avLst/>
+              <a:gdLst/>
+              <a:ahLst/>
+              <a:cxnLst/>
+              <a:rect l="0" t="0" r="r" b="b"/>
+              <a:pathLst>
+                <a:path w="29" h="141">
+                  <a:moveTo>
+                    <a:pt x="0" y="0"/>
+                  </a:moveTo>
+                  <a:cubicBezTo>
+                    <a:pt x="0" y="30"/>
+                    <a:pt x="2" y="60"/>
+                    <a:pt x="7" y="89"/>
+                  </a:cubicBezTo>
+                  <a:cubicBezTo>
+                    <a:pt x="11" y="98"/>
+                    <a:pt x="14" y="108"/>
+                    <a:pt x="18" y="117"/>
+                  </a:cubicBezTo>
+                  <a:cubicBezTo>
+                    <a:pt x="22" y="125"/>
+                    <a:pt x="25" y="133"/>
+                    <a:pt x="29" y="141"/>
+                  </a:cubicBezTo>
+                  <a:cubicBezTo>
+                    <a:pt x="28" y="139"/>
+                    <a:pt x="28" y="137"/>
+                    <a:pt x="27" y="135"/>
+                  </a:cubicBezTo>
+                  <a:cubicBezTo>
+                    <a:pt x="16" y="98"/>
+                    <a:pt x="10" y="60"/>
+                    <a:pt x="8" y="22"/>
+                  </a:cubicBezTo>
+                  <a:cubicBezTo>
+                    <a:pt x="7" y="18"/>
+                    <a:pt x="5" y="15"/>
+                    <a:pt x="4" y="11"/>
+                  </a:cubicBezTo>
+                  <a:cubicBezTo>
+                    <a:pt x="2" y="7"/>
+                    <a:pt x="1" y="3"/>
+                    <a:pt x="0" y="0"/>
+                  </a:cubicBezTo>
+                  <a:close/>
+                </a:path>
+              </a:pathLst>
+            </a:custGeom>
+            <a:solidFill>
+              <a:schemeClr val="tx2"/>
+            </a:solidFill>
+            <a:ln>
+              <a:noFill/>
+            </a:ln>
+          </p:spPr>
+        </p:sp>
+        <p:sp>
+          <p:nvSpPr>
+            <p:cNvPr id="21" name="Freeform 37"/>
+            <p:cNvSpPr/>
+            <p:nvPr/>
+          </p:nvSpPr>
+          <p:spPr bwMode="auto">
+            <a:xfrm>
+              <a:off x="7412038" y="4978400"/>
+              <a:ext cx="31750" cy="188913"/>
+            </a:xfrm>
+            <a:custGeom>
+              <a:avLst/>
+              <a:gdLst/>
+              <a:ahLst/>
+              <a:cxnLst/>
+              <a:rect l="0" t="0" r="r" b="b"/>
+              <a:pathLst>
+                <a:path w="8" h="48">
+                  <a:moveTo>
+                    <a:pt x="0" y="26"/>
+                  </a:moveTo>
+                  <a:cubicBezTo>
+                    <a:pt x="1" y="29"/>
+                    <a:pt x="2" y="33"/>
+                    <a:pt x="4" y="37"/>
+                  </a:cubicBezTo>
+                  <a:cubicBezTo>
+                    <a:pt x="5" y="41"/>
+                    <a:pt x="7" y="44"/>
+                    <a:pt x="8" y="48"/>
+                  </a:cubicBezTo>
+                  <a:cubicBezTo>
+                    <a:pt x="7" y="38"/>
+                    <a:pt x="7" y="28"/>
+                    <a:pt x="7" y="19"/>
+                  </a:cubicBezTo>
+                  <a:cubicBezTo>
+                    <a:pt x="5" y="12"/>
+                    <a:pt x="3" y="6"/>
+                    <a:pt x="0" y="0"/>
+                  </a:cubicBezTo>
+                  <a:cubicBezTo>
+                    <a:pt x="0" y="1"/>
+                    <a:pt x="0" y="3"/>
+                    <a:pt x="0" y="4"/>
+                  </a:cubicBezTo>
+                  <a:cubicBezTo>
+                    <a:pt x="0" y="11"/>
+                    <a:pt x="0" y="19"/>
+                    <a:pt x="0" y="26"/>
+                  </a:cubicBezTo>
+                  <a:close/>
+                </a:path>
+              </a:pathLst>
+            </a:custGeom>
+            <a:solidFill>
+              <a:schemeClr val="tx2"/>
+            </a:solidFill>
+            <a:ln>
+              <a:noFill/>
+            </a:ln>
+          </p:spPr>
+        </p:sp>
+        <p:sp>
+          <p:nvSpPr>
+            <p:cNvPr id="22" name="Freeform 38"/>
+            <p:cNvSpPr/>
+            <p:nvPr/>
+          </p:nvSpPr>
+          <p:spPr bwMode="auto">
+            <a:xfrm>
+              <a:off x="7439026" y="5434013"/>
+              <a:ext cx="174625" cy="439738"/>
+            </a:xfrm>
+            <a:custGeom>
+              <a:avLst/>
+              <a:gdLst/>
+              <a:ahLst/>
+              <a:cxnLst/>
+              <a:rect l="0" t="0" r="r" b="b"/>
+              <a:pathLst>
+                <a:path w="44" h="111">
+                  <a:moveTo>
+                    <a:pt x="11" y="28"/>
+                  </a:moveTo>
+                  <a:cubicBezTo>
+                    <a:pt x="7" y="19"/>
+                    <a:pt x="4" y="9"/>
+                    <a:pt x="0" y="0"/>
+                  </a:cubicBezTo>
+                  <a:cubicBezTo>
+                    <a:pt x="3" y="16"/>
+                    <a:pt x="7" y="33"/>
+                    <a:pt x="11" y="49"/>
+                  </a:cubicBezTo>
+                  <a:cubicBezTo>
+                    <a:pt x="12" y="52"/>
+                    <a:pt x="13" y="55"/>
+                    <a:pt x="14" y="58"/>
+                  </a:cubicBezTo>
+                  <a:cubicBezTo>
+                    <a:pt x="22" y="76"/>
+                    <a:pt x="30" y="94"/>
+                    <a:pt x="39" y="111"/>
+                  </a:cubicBezTo>
+                  <a:cubicBezTo>
+                    <a:pt x="44" y="111"/>
+                    <a:pt x="44" y="111"/>
+                    <a:pt x="44" y="111"/>
+                  </a:cubicBezTo>
+                  <a:cubicBezTo>
+                    <a:pt x="35" y="92"/>
+                    <a:pt x="28" y="72"/>
+                    <a:pt x="22" y="52"/>
+                  </a:cubicBezTo>
+                  <a:cubicBezTo>
+                    <a:pt x="18" y="44"/>
+                    <a:pt x="15" y="36"/>
+                    <a:pt x="11" y="28"/>
+                  </a:cubicBezTo>
+                  <a:close/>
+                </a:path>
+              </a:pathLst>
+            </a:custGeom>
+            <a:solidFill>
+              <a:schemeClr val="tx2"/>
+            </a:solidFill>
+            <a:ln>
+              <a:noFill/>
+            </a:ln>
+          </p:spPr>
+        </p:sp>
+      </p:grpSp>
+      <p:sp>
+        <p:nvSpPr>
+          <p:cNvPr id="7" name="Rectangle 6"/>
+          <p:cNvSpPr/>
+          <p:nvPr/>
         </p:nvSpPr>
         <p:spPr>
           <a:xfrm>
-            <a:off x="838200" y="365125"/>
-            <a:ext cx="10515600" cy="1325563"/>
+            <a:off x="0" y="0"/>
+            <a:ext cx="182880" cy="6858000"/>
+          </a:xfrm>
+          <a:prstGeom prst="rect">
+            <a:avLst/>
+          </a:prstGeom>
+          <a:solidFill>
+            <a:schemeClr val="tx2"/>
+          </a:solidFill>
+          <a:ln>
+            <a:noFill/>
+          </a:ln>
+          <a:effectLst/>
+        </p:spPr>
+        <p:style>
+          <a:lnRef idx="1">
+            <a:schemeClr val="accent1"/>
+          </a:lnRef>
+          <a:fillRef idx="3">
+            <a:schemeClr val="accent1"/>
+          </a:fillRef>
+          <a:effectRef idx="2">
+            <a:schemeClr val="accent1"/>
+          </a:effectRef>
+          <a:fontRef idx="minor">
+            <a:schemeClr val="lt1"/>
+          </a:fontRef>
+        </p:style>
+      </p:sp>
+      <p:sp>
+        <p:nvSpPr>
+          <p:cNvPr id="2" name="Title Placeholder 1"/>
+          <p:cNvSpPr>
+            <a:spLocks noGrp="1"/>
+          </p:cNvSpPr>
+          <p:nvPr>
+            <p:ph type="title"/>
+          </p:nvPr>
+        </p:nvSpPr>
+        <p:spPr>
+          <a:xfrm>
+            <a:off x="2592924" y="624110"/>
+            <a:ext cx="8911687" cy="1280890"/>
           </a:xfrm>
           <a:prstGeom prst="rect">
             <a:avLst/>
           </a:prstGeom>
         </p:spPr>
         <p:txBody>
-          <a:bodyPr vert="horz" lIns="91440" tIns="45720" rIns="91440" bIns="45720" rtlCol="0" anchor="ctr">
+          <a:bodyPr vert="horz" lIns="91440" tIns="45720" rIns="91440" bIns="45720" rtlCol="0" anchor="t">
             <a:normAutofit/>
           </a:bodyPr>
           <a:lstStyle/>
@@ -4379,18 +8490,13 @@
               <a:rPr lang="en-US"/>
               <a:t>Click to edit Master title style</a:t>
             </a:r>
-          </a:p>
-        </p:txBody>
-      </p:sp>
-      <p:sp>
-        <p:nvSpPr>
-          <p:cNvPr id="3" name="Text Placeholder 2">
-            <a:extLst>
-              <a:ext uri="{FF2B5EF4-FFF2-40B4-BE49-F238E27FC236}">
-                <a16:creationId xmlns:a16="http://schemas.microsoft.com/office/drawing/2014/main" id="{35FC173D-5C2D-465D-A27C-EB220D7B4A30}"/>
-              </a:ext>
-            </a:extLst>
-          </p:cNvPr>
+            <a:endParaRPr lang="en-US" dirty="0"/>
+          </a:p>
+        </p:txBody>
+      </p:sp>
+      <p:sp>
+        <p:nvSpPr>
+          <p:cNvPr id="3" name="Text Placeholder 2"/>
           <p:cNvSpPr>
             <a:spLocks noGrp="1"/>
           </p:cNvSpPr>
@@ -4400,8 +8506,8 @@
         </p:nvSpPr>
         <p:spPr>
           <a:xfrm>
-            <a:off x="838200" y="1825625"/>
-            <a:ext cx="10515600" cy="4351338"/>
+            <a:off x="2589212" y="2133600"/>
+            <a:ext cx="8915400" cy="3886200"/>
           </a:xfrm>
           <a:prstGeom prst="rect">
             <a:avLst/>
@@ -4446,18 +8552,13 @@
               <a:rPr lang="en-US"/>
               <a:t>Fifth level</a:t>
             </a:r>
-          </a:p>
-        </p:txBody>
-      </p:sp>
-      <p:sp>
-        <p:nvSpPr>
-          <p:cNvPr id="4" name="Date Placeholder 3">
-            <a:extLst>
-              <a:ext uri="{FF2B5EF4-FFF2-40B4-BE49-F238E27FC236}">
-                <a16:creationId xmlns:a16="http://schemas.microsoft.com/office/drawing/2014/main" id="{8FFC3724-A3B2-4300-8807-E75976A85AA0}"/>
-              </a:ext>
-            </a:extLst>
-          </p:cNvPr>
+            <a:endParaRPr lang="en-US" dirty="0"/>
+          </a:p>
+        </p:txBody>
+      </p:sp>
+      <p:sp>
+        <p:nvSpPr>
+          <p:cNvPr id="4" name="Date Placeholder 3"/>
           <p:cNvSpPr>
             <a:spLocks noGrp="1"/>
           </p:cNvSpPr>
@@ -4467,8 +8568,8 @@
         </p:nvSpPr>
         <p:spPr>
           <a:xfrm>
-            <a:off x="838200" y="6356350"/>
-            <a:ext cx="2743200" cy="365125"/>
+            <a:off x="10361612" y="6130437"/>
+            <a:ext cx="1146283" cy="370396"/>
           </a:xfrm>
           <a:prstGeom prst="rect">
             <a:avLst/>
@@ -4477,8 +8578,8 @@
         <p:txBody>
           <a:bodyPr vert="horz" lIns="91440" tIns="45720" rIns="91440" bIns="45720" rtlCol="0" anchor="ctr"/>
           <a:lstStyle>
-            <a:lvl1pPr algn="l">
-              <a:defRPr sz="1200">
+            <a:lvl1pPr algn="r">
+              <a:defRPr sz="900">
                 <a:solidFill>
                   <a:schemeClr val="tx1">
                     <a:tint val="75000"/>
@@ -4488,8 +8589,9 @@
             </a:lvl1pPr>
           </a:lstStyle>
           <a:p>
-            <a:fld id="{17B4D555-9550-44B8-8A42-30410E1CAF73}" type="datetimeFigureOut">
-              <a:rPr lang="en-US" smtClean="0"/>
+            <a:fld id="{B61BEF0D-F0BB-DE4B-95CE-6DB70DBA9567}" type="datetimeFigureOut">
+              <a:rPr lang="en-US" dirty="0"/>
+              <a:pPr/>
               <a:t>7/25/2018</a:t>
             </a:fld>
             <a:endParaRPr lang="en-US" dirty="0"/>
@@ -4498,13 +8600,7 @@
       </p:sp>
       <p:sp>
         <p:nvSpPr>
-          <p:cNvPr id="5" name="Footer Placeholder 4">
-            <a:extLst>
-              <a:ext uri="{FF2B5EF4-FFF2-40B4-BE49-F238E27FC236}">
-                <a16:creationId xmlns:a16="http://schemas.microsoft.com/office/drawing/2014/main" id="{4D6DBB89-BB13-4963-9363-7349AE11A8BA}"/>
-              </a:ext>
-            </a:extLst>
-          </p:cNvPr>
+          <p:cNvPr id="5" name="Footer Placeholder 4"/>
           <p:cNvSpPr>
             <a:spLocks noGrp="1"/>
           </p:cNvSpPr>
@@ -4514,8 +8610,8 @@
         </p:nvSpPr>
         <p:spPr>
           <a:xfrm>
-            <a:off x="4038600" y="6356350"/>
-            <a:ext cx="4114800" cy="365125"/>
+            <a:off x="2589212" y="6135808"/>
+            <a:ext cx="7619999" cy="365125"/>
           </a:xfrm>
           <a:prstGeom prst="rect">
             <a:avLst/>
@@ -4524,8 +8620,8 @@
         <p:txBody>
           <a:bodyPr vert="horz" lIns="91440" tIns="45720" rIns="91440" bIns="45720" rtlCol="0" anchor="ctr"/>
           <a:lstStyle>
-            <a:lvl1pPr algn="ctr">
-              <a:defRPr sz="1200">
+            <a:lvl1pPr algn="l">
+              <a:defRPr sz="900">
                 <a:solidFill>
                   <a:schemeClr val="tx1">
                     <a:tint val="75000"/>
@@ -4541,13 +8637,7 @@
       </p:sp>
       <p:sp>
         <p:nvSpPr>
-          <p:cNvPr id="6" name="Slide Number Placeholder 5">
-            <a:extLst>
-              <a:ext uri="{FF2B5EF4-FFF2-40B4-BE49-F238E27FC236}">
-                <a16:creationId xmlns:a16="http://schemas.microsoft.com/office/drawing/2014/main" id="{4EC8D93E-B6A0-4D87-A469-C7AAD80F254A}"/>
-              </a:ext>
-            </a:extLst>
-          </p:cNvPr>
+          <p:cNvPr id="6" name="Slide Number Placeholder 5"/>
           <p:cNvSpPr>
             <a:spLocks noGrp="1"/>
           </p:cNvSpPr>
@@ -4555,10 +8645,10 @@
             <p:ph type="sldNum" sz="quarter" idx="4"/>
           </p:nvPr>
         </p:nvSpPr>
-        <p:spPr>
+        <p:spPr bwMode="gray">
           <a:xfrm>
-            <a:off x="8610600" y="6356350"/>
-            <a:ext cx="2743200" cy="365125"/>
+            <a:off x="531812" y="787782"/>
+            <a:ext cx="779767" cy="365125"/>
           </a:xfrm>
           <a:prstGeom prst="rect">
             <a:avLst/>
@@ -4568,18 +8658,17 @@
           <a:bodyPr vert="horz" lIns="91440" tIns="45720" rIns="91440" bIns="45720" rtlCol="0" anchor="ctr"/>
           <a:lstStyle>
             <a:lvl1pPr algn="r">
-              <a:defRPr sz="1200">
+              <a:defRPr sz="2000">
                 <a:solidFill>
-                  <a:schemeClr val="tx1">
-                    <a:tint val="75000"/>
-                  </a:schemeClr>
+                  <a:srgbClr val="FEFFFF"/>
                 </a:solidFill>
               </a:defRPr>
             </a:lvl1pPr>
           </a:lstStyle>
           <a:p>
-            <a:fld id="{CF28E24D-EA21-4796-AB71-6CFC9E690AF3}" type="slidenum">
-              <a:rPr lang="en-US" smtClean="0"/>
+            <a:fld id="{D57F1E4F-1CFF-5643-939E-217C01CDF565}" type="slidenum">
+              <a:rPr lang="en-US" dirty="0"/>
+              <a:pPr/>
               <a:t>‹#›</a:t>
             </a:fld>
             <a:endParaRPr lang="en-US" dirty="0"/>
@@ -4587,11 +8676,6 @@
         </p:txBody>
       </p:sp>
     </p:spTree>
-    <p:extLst>
-      <p:ext uri="{BB962C8B-B14F-4D97-AF65-F5344CB8AC3E}">
-        <p14:creationId xmlns:p14="http://schemas.microsoft.com/office/powerpoint/2010/main" val="4187682742"/>
-      </p:ext>
-    </p:extLst>
   </p:cSld>
   <p:clrMap bg1="lt1" tx1="dk1" bg2="lt2" tx2="dk2" accent1="accent1" accent2="accent2" accent3="accent3" accent4="accent4" accent5="accent5" accent6="accent6" hlink="hlink" folHlink="folHlink"/>
   <p:sldLayoutIdLst>
@@ -4604,186 +8688,301 @@
     <p:sldLayoutId id="2147483655" r:id="rId7"/>
     <p:sldLayoutId id="2147483656" r:id="rId8"/>
     <p:sldLayoutId id="2147483657" r:id="rId9"/>
-    <p:sldLayoutId id="2147483658" r:id="rId10"/>
-    <p:sldLayoutId id="2147483659" r:id="rId11"/>
+    <p:sldLayoutId id="2147483660" r:id="rId10"/>
+    <p:sldLayoutId id="2147483661" r:id="rId11"/>
+    <p:sldLayoutId id="2147483662" r:id="rId12"/>
+    <p:sldLayoutId id="2147483663" r:id="rId13"/>
+    <p:sldLayoutId id="2147483664" r:id="rId14"/>
+    <p:sldLayoutId id="2147483658" r:id="rId15"/>
+    <p:sldLayoutId id="2147483659" r:id="rId16"/>
   </p:sldLayoutIdLst>
   <p:txStyles>
     <p:titleStyle>
-      <a:lvl1pPr algn="l" defTabSz="914400" rtl="0" eaLnBrk="1" latinLnBrk="0" hangingPunct="1">
-        <a:lnSpc>
-          <a:spcPct val="90000"/>
-        </a:lnSpc>
+      <a:lvl1pPr algn="l" defTabSz="457200" rtl="0" eaLnBrk="1" latinLnBrk="0" hangingPunct="1">
         <a:spcBef>
           <a:spcPct val="0"/>
         </a:spcBef>
         <a:buNone/>
-        <a:defRPr sz="4400" kern="1200">
+        <a:defRPr sz="3600" kern="1200">
           <a:solidFill>
-            <a:schemeClr val="tx1"/>
+            <a:schemeClr val="tx1">
+              <a:lumMod val="85000"/>
+              <a:lumOff val="15000"/>
+            </a:schemeClr>
           </a:solidFill>
           <a:latin typeface="+mj-lt"/>
           <a:ea typeface="+mj-ea"/>
           <a:cs typeface="+mj-cs"/>
         </a:defRPr>
       </a:lvl1pPr>
+      <a:lvl2pPr eaLnBrk="1" hangingPunct="1">
+        <a:defRPr>
+          <a:solidFill>
+            <a:schemeClr val="tx2"/>
+          </a:solidFill>
+        </a:defRPr>
+      </a:lvl2pPr>
+      <a:lvl3pPr eaLnBrk="1" hangingPunct="1">
+        <a:defRPr>
+          <a:solidFill>
+            <a:schemeClr val="tx2"/>
+          </a:solidFill>
+        </a:defRPr>
+      </a:lvl3pPr>
+      <a:lvl4pPr eaLnBrk="1" hangingPunct="1">
+        <a:defRPr>
+          <a:solidFill>
+            <a:schemeClr val="tx2"/>
+          </a:solidFill>
+        </a:defRPr>
+      </a:lvl4pPr>
+      <a:lvl5pPr eaLnBrk="1" hangingPunct="1">
+        <a:defRPr>
+          <a:solidFill>
+            <a:schemeClr val="tx2"/>
+          </a:solidFill>
+        </a:defRPr>
+      </a:lvl5pPr>
+      <a:lvl6pPr eaLnBrk="1" hangingPunct="1">
+        <a:defRPr>
+          <a:solidFill>
+            <a:schemeClr val="tx2"/>
+          </a:solidFill>
+        </a:defRPr>
+      </a:lvl6pPr>
+      <a:lvl7pPr eaLnBrk="1" hangingPunct="1">
+        <a:defRPr>
+          <a:solidFill>
+            <a:schemeClr val="tx2"/>
+          </a:solidFill>
+        </a:defRPr>
+      </a:lvl7pPr>
+      <a:lvl8pPr eaLnBrk="1" hangingPunct="1">
+        <a:defRPr>
+          <a:solidFill>
+            <a:schemeClr val="tx2"/>
+          </a:solidFill>
+        </a:defRPr>
+      </a:lvl8pPr>
+      <a:lvl9pPr eaLnBrk="1" hangingPunct="1">
+        <a:defRPr>
+          <a:solidFill>
+            <a:schemeClr val="tx2"/>
+          </a:solidFill>
+        </a:defRPr>
+      </a:lvl9pPr>
     </p:titleStyle>
     <p:bodyStyle>
-      <a:lvl1pPr marL="228600" indent="-228600" algn="l" defTabSz="914400" rtl="0" eaLnBrk="1" latinLnBrk="0" hangingPunct="1">
-        <a:lnSpc>
-          <a:spcPct val="90000"/>
-        </a:lnSpc>
+      <a:lvl1pPr marL="342900" indent="-342900" algn="l" defTabSz="457200" rtl="0" eaLnBrk="1" latinLnBrk="0" hangingPunct="1">
         <a:spcBef>
           <a:spcPts val="1000"/>
         </a:spcBef>
-        <a:buFont typeface="Arial" panose="020B0604020202020204" pitchFamily="34" charset="0"/>
-        <a:buChar char="•"/>
-        <a:defRPr sz="2800" kern="1200">
+        <a:spcAft>
+          <a:spcPts val="0"/>
+        </a:spcAft>
+        <a:buClr>
+          <a:schemeClr val="accent1"/>
+        </a:buClr>
+        <a:buFont typeface="Wingdings 3" charset="2"/>
+        <a:buChar char=""/>
+        <a:defRPr sz="1800" kern="1200">
           <a:solidFill>
-            <a:schemeClr val="tx1"/>
+            <a:schemeClr val="tx1">
+              <a:lumMod val="75000"/>
+              <a:lumOff val="25000"/>
+            </a:schemeClr>
           </a:solidFill>
           <a:latin typeface="+mn-lt"/>
           <a:ea typeface="+mn-ea"/>
           <a:cs typeface="+mn-cs"/>
         </a:defRPr>
       </a:lvl1pPr>
-      <a:lvl2pPr marL="685800" indent="-228600" algn="l" defTabSz="914400" rtl="0" eaLnBrk="1" latinLnBrk="0" hangingPunct="1">
-        <a:lnSpc>
-          <a:spcPct val="90000"/>
-        </a:lnSpc>
+      <a:lvl2pPr marL="742950" indent="-285750" algn="l" defTabSz="457200" rtl="0" eaLnBrk="1" latinLnBrk="0" hangingPunct="1">
         <a:spcBef>
-          <a:spcPts val="500"/>
+          <a:spcPts val="1000"/>
         </a:spcBef>
-        <a:buFont typeface="Arial" panose="020B0604020202020204" pitchFamily="34" charset="0"/>
-        <a:buChar char="•"/>
-        <a:defRPr sz="2400" kern="1200">
+        <a:spcAft>
+          <a:spcPts val="0"/>
+        </a:spcAft>
+        <a:buClr>
+          <a:schemeClr val="accent1"/>
+        </a:buClr>
+        <a:buFont typeface="Wingdings 3" charset="2"/>
+        <a:buChar char=""/>
+        <a:defRPr sz="1600" kern="1200">
           <a:solidFill>
-            <a:schemeClr val="tx1"/>
+            <a:schemeClr val="tx1">
+              <a:lumMod val="75000"/>
+              <a:lumOff val="25000"/>
+            </a:schemeClr>
           </a:solidFill>
           <a:latin typeface="+mn-lt"/>
           <a:ea typeface="+mn-ea"/>
           <a:cs typeface="+mn-cs"/>
         </a:defRPr>
       </a:lvl2pPr>
-      <a:lvl3pPr marL="1143000" indent="-228600" algn="l" defTabSz="914400" rtl="0" eaLnBrk="1" latinLnBrk="0" hangingPunct="1">
-        <a:lnSpc>
-          <a:spcPct val="90000"/>
-        </a:lnSpc>
+      <a:lvl3pPr marL="1143000" indent="-228600" algn="l" defTabSz="457200" rtl="0" eaLnBrk="1" latinLnBrk="0" hangingPunct="1">
         <a:spcBef>
-          <a:spcPts val="500"/>
+          <a:spcPts val="1000"/>
         </a:spcBef>
-        <a:buFont typeface="Arial" panose="020B0604020202020204" pitchFamily="34" charset="0"/>
-        <a:buChar char="•"/>
-        <a:defRPr sz="2000" kern="1200">
+        <a:spcAft>
+          <a:spcPts val="0"/>
+        </a:spcAft>
+        <a:buClr>
+          <a:schemeClr val="accent1"/>
+        </a:buClr>
+        <a:buFont typeface="Wingdings 3" charset="2"/>
+        <a:buChar char=""/>
+        <a:defRPr sz="1400" kern="1200">
           <a:solidFill>
-            <a:schemeClr val="tx1"/>
+            <a:schemeClr val="tx1">
+              <a:lumMod val="75000"/>
+              <a:lumOff val="25000"/>
+            </a:schemeClr>
           </a:solidFill>
           <a:latin typeface="+mn-lt"/>
           <a:ea typeface="+mn-ea"/>
           <a:cs typeface="+mn-cs"/>
         </a:defRPr>
       </a:lvl3pPr>
-      <a:lvl4pPr marL="1600200" indent="-228600" algn="l" defTabSz="914400" rtl="0" eaLnBrk="1" latinLnBrk="0" hangingPunct="1">
-        <a:lnSpc>
-          <a:spcPct val="90000"/>
-        </a:lnSpc>
+      <a:lvl4pPr marL="1600200" indent="-228600" algn="l" defTabSz="457200" rtl="0" eaLnBrk="1" latinLnBrk="0" hangingPunct="1">
         <a:spcBef>
-          <a:spcPts val="500"/>
+          <a:spcPts val="1000"/>
         </a:spcBef>
-        <a:buFont typeface="Arial" panose="020B0604020202020204" pitchFamily="34" charset="0"/>
-        <a:buChar char="•"/>
-        <a:defRPr sz="1800" kern="1200">
+        <a:spcAft>
+          <a:spcPts val="0"/>
+        </a:spcAft>
+        <a:buClr>
+          <a:schemeClr val="accent1"/>
+        </a:buClr>
+        <a:buFont typeface="Wingdings 3" charset="2"/>
+        <a:buChar char=""/>
+        <a:defRPr sz="1200" kern="1200">
           <a:solidFill>
-            <a:schemeClr val="tx1"/>
+            <a:schemeClr val="tx1">
+              <a:lumMod val="75000"/>
+              <a:lumOff val="25000"/>
+            </a:schemeClr>
           </a:solidFill>
           <a:latin typeface="+mn-lt"/>
           <a:ea typeface="+mn-ea"/>
           <a:cs typeface="+mn-cs"/>
         </a:defRPr>
       </a:lvl4pPr>
-      <a:lvl5pPr marL="2057400" indent="-228600" algn="l" defTabSz="914400" rtl="0" eaLnBrk="1" latinLnBrk="0" hangingPunct="1">
-        <a:lnSpc>
-          <a:spcPct val="90000"/>
-        </a:lnSpc>
+      <a:lvl5pPr marL="2057400" indent="-228600" algn="l" defTabSz="457200" rtl="0" eaLnBrk="1" latinLnBrk="0" hangingPunct="1">
         <a:spcBef>
-          <a:spcPts val="500"/>
+          <a:spcPts val="1000"/>
         </a:spcBef>
-        <a:buFont typeface="Arial" panose="020B0604020202020204" pitchFamily="34" charset="0"/>
-        <a:buChar char="•"/>
-        <a:defRPr sz="1800" kern="1200">
+        <a:spcAft>
+          <a:spcPts val="0"/>
+        </a:spcAft>
+        <a:buClr>
+          <a:schemeClr val="accent1"/>
+        </a:buClr>
+        <a:buFont typeface="Wingdings 3" charset="2"/>
+        <a:buChar char=""/>
+        <a:defRPr sz="1200" kern="1200">
           <a:solidFill>
-            <a:schemeClr val="tx1"/>
+            <a:schemeClr val="tx1">
+              <a:lumMod val="75000"/>
+              <a:lumOff val="25000"/>
+            </a:schemeClr>
           </a:solidFill>
           <a:latin typeface="+mn-lt"/>
           <a:ea typeface="+mn-ea"/>
           <a:cs typeface="+mn-cs"/>
         </a:defRPr>
       </a:lvl5pPr>
-      <a:lvl6pPr marL="2514600" indent="-228600" algn="l" defTabSz="914400" rtl="0" eaLnBrk="1" latinLnBrk="0" hangingPunct="1">
-        <a:lnSpc>
-          <a:spcPct val="90000"/>
-        </a:lnSpc>
+      <a:lvl6pPr marL="2514600" indent="-228600" algn="l" defTabSz="457200" rtl="0" eaLnBrk="1" latinLnBrk="0" hangingPunct="1">
         <a:spcBef>
-          <a:spcPts val="500"/>
+          <a:spcPts val="1000"/>
         </a:spcBef>
-        <a:buFont typeface="Arial" panose="020B0604020202020204" pitchFamily="34" charset="0"/>
-        <a:buChar char="•"/>
-        <a:defRPr sz="1800" kern="1200">
+        <a:spcAft>
+          <a:spcPts val="0"/>
+        </a:spcAft>
+        <a:buClr>
+          <a:schemeClr val="accent1"/>
+        </a:buClr>
+        <a:buFont typeface="Wingdings 3" charset="2"/>
+        <a:buChar char=""/>
+        <a:defRPr sz="1200" kern="1200">
           <a:solidFill>
-            <a:schemeClr val="tx1"/>
+            <a:schemeClr val="tx1">
+              <a:lumMod val="75000"/>
+              <a:lumOff val="25000"/>
+            </a:schemeClr>
           </a:solidFill>
           <a:latin typeface="+mn-lt"/>
           <a:ea typeface="+mn-ea"/>
           <a:cs typeface="+mn-cs"/>
         </a:defRPr>
       </a:lvl6pPr>
-      <a:lvl7pPr marL="2971800" indent="-228600" algn="l" defTabSz="914400" rtl="0" eaLnBrk="1" latinLnBrk="0" hangingPunct="1">
-        <a:lnSpc>
-          <a:spcPct val="90000"/>
-        </a:lnSpc>
+      <a:lvl7pPr marL="2971800" indent="-228600" algn="l" defTabSz="457200" rtl="0" eaLnBrk="1" latinLnBrk="0" hangingPunct="1">
         <a:spcBef>
-          <a:spcPts val="500"/>
+          <a:spcPts val="1000"/>
         </a:spcBef>
-        <a:buFont typeface="Arial" panose="020B0604020202020204" pitchFamily="34" charset="0"/>
-        <a:buChar char="•"/>
-        <a:defRPr sz="1800" kern="1200">
+        <a:spcAft>
+          <a:spcPts val="0"/>
+        </a:spcAft>
+        <a:buClr>
+          <a:schemeClr val="accent1"/>
+        </a:buClr>
+        <a:buFont typeface="Wingdings 3" charset="2"/>
+        <a:buChar char=""/>
+        <a:defRPr sz="1200" kern="1200">
           <a:solidFill>
-            <a:schemeClr val="tx1"/>
+            <a:schemeClr val="tx1">
+              <a:lumMod val="75000"/>
+              <a:lumOff val="25000"/>
+            </a:schemeClr>
           </a:solidFill>
           <a:latin typeface="+mn-lt"/>
           <a:ea typeface="+mn-ea"/>
           <a:cs typeface="+mn-cs"/>
         </a:defRPr>
       </a:lvl7pPr>
-      <a:lvl8pPr marL="3429000" indent="-228600" algn="l" defTabSz="914400" rtl="0" eaLnBrk="1" latinLnBrk="0" hangingPunct="1">
-        <a:lnSpc>
-          <a:spcPct val="90000"/>
-        </a:lnSpc>
+      <a:lvl8pPr marL="3429000" indent="-228600" algn="l" defTabSz="457200" rtl="0" eaLnBrk="1" latinLnBrk="0" hangingPunct="1">
         <a:spcBef>
-          <a:spcPts val="500"/>
+          <a:spcPts val="1000"/>
         </a:spcBef>
-        <a:buFont typeface="Arial" panose="020B0604020202020204" pitchFamily="34" charset="0"/>
-        <a:buChar char="•"/>
-        <a:defRPr sz="1800" kern="1200">
+        <a:spcAft>
+          <a:spcPts val="0"/>
+        </a:spcAft>
+        <a:buClr>
+          <a:schemeClr val="accent1"/>
+        </a:buClr>
+        <a:buFont typeface="Wingdings 3" charset="2"/>
+        <a:buChar char=""/>
+        <a:defRPr sz="1200" kern="1200">
           <a:solidFill>
-            <a:schemeClr val="tx1"/>
+            <a:schemeClr val="tx1">
+              <a:lumMod val="75000"/>
+              <a:lumOff val="25000"/>
+            </a:schemeClr>
           </a:solidFill>
           <a:latin typeface="+mn-lt"/>
           <a:ea typeface="+mn-ea"/>
           <a:cs typeface="+mn-cs"/>
         </a:defRPr>
       </a:lvl8pPr>
-      <a:lvl9pPr marL="3886200" indent="-228600" algn="l" defTabSz="914400" rtl="0" eaLnBrk="1" latinLnBrk="0" hangingPunct="1">
-        <a:lnSpc>
-          <a:spcPct val="90000"/>
-        </a:lnSpc>
+      <a:lvl9pPr marL="3886200" indent="-228600" algn="l" defTabSz="457200" rtl="0" eaLnBrk="1" latinLnBrk="0" hangingPunct="1">
         <a:spcBef>
-          <a:spcPts val="500"/>
+          <a:spcPts val="1000"/>
         </a:spcBef>
-        <a:buFont typeface="Arial" panose="020B0604020202020204" pitchFamily="34" charset="0"/>
-        <a:buChar char="•"/>
-        <a:defRPr sz="1800" kern="1200">
+        <a:spcAft>
+          <a:spcPts val="0"/>
+        </a:spcAft>
+        <a:buClr>
+          <a:schemeClr val="accent1"/>
+        </a:buClr>
+        <a:buFont typeface="Wingdings 3" charset="2"/>
+        <a:buChar char=""/>
+        <a:defRPr sz="1200" kern="1200">
           <a:solidFill>
-            <a:schemeClr val="tx1"/>
+            <a:schemeClr val="tx1">
+              <a:lumMod val="75000"/>
+              <a:lumOff val="25000"/>
+            </a:schemeClr>
           </a:solidFill>
           <a:latin typeface="+mn-lt"/>
           <a:ea typeface="+mn-ea"/>
@@ -4795,7 +8994,7 @@
       <a:defPPr>
         <a:defRPr lang="en-US"/>
       </a:defPPr>
-      <a:lvl1pPr marL="0" algn="l" defTabSz="914400" rtl="0" eaLnBrk="1" latinLnBrk="0" hangingPunct="1">
+      <a:lvl1pPr marL="0" algn="l" defTabSz="457200" rtl="0" eaLnBrk="1" latinLnBrk="0" hangingPunct="1">
         <a:defRPr sz="1800" kern="1200">
           <a:solidFill>
             <a:schemeClr val="tx1"/>
@@ -4805,7 +9004,7 @@
           <a:cs typeface="+mn-cs"/>
         </a:defRPr>
       </a:lvl1pPr>
-      <a:lvl2pPr marL="457200" algn="l" defTabSz="914400" rtl="0" eaLnBrk="1" latinLnBrk="0" hangingPunct="1">
+      <a:lvl2pPr marL="457200" algn="l" defTabSz="457200" rtl="0" eaLnBrk="1" latinLnBrk="0" hangingPunct="1">
         <a:defRPr sz="1800" kern="1200">
           <a:solidFill>
             <a:schemeClr val="tx1"/>
@@ -4815,7 +9014,7 @@
           <a:cs typeface="+mn-cs"/>
         </a:defRPr>
       </a:lvl2pPr>
-      <a:lvl3pPr marL="914400" algn="l" defTabSz="914400" rtl="0" eaLnBrk="1" latinLnBrk="0" hangingPunct="1">
+      <a:lvl3pPr marL="914400" algn="l" defTabSz="457200" rtl="0" eaLnBrk="1" latinLnBrk="0" hangingPunct="1">
         <a:defRPr sz="1800" kern="1200">
           <a:solidFill>
             <a:schemeClr val="tx1"/>
@@ -4825,7 +9024,7 @@
           <a:cs typeface="+mn-cs"/>
         </a:defRPr>
       </a:lvl3pPr>
-      <a:lvl4pPr marL="1371600" algn="l" defTabSz="914400" rtl="0" eaLnBrk="1" latinLnBrk="0" hangingPunct="1">
+      <a:lvl4pPr marL="1371600" algn="l" defTabSz="457200" rtl="0" eaLnBrk="1" latinLnBrk="0" hangingPunct="1">
         <a:defRPr sz="1800" kern="1200">
           <a:solidFill>
             <a:schemeClr val="tx1"/>
@@ -4835,7 +9034,7 @@
           <a:cs typeface="+mn-cs"/>
         </a:defRPr>
       </a:lvl4pPr>
-      <a:lvl5pPr marL="1828800" algn="l" defTabSz="914400" rtl="0" eaLnBrk="1" latinLnBrk="0" hangingPunct="1">
+      <a:lvl5pPr marL="1828800" algn="l" defTabSz="457200" rtl="0" eaLnBrk="1" latinLnBrk="0" hangingPunct="1">
         <a:defRPr sz="1800" kern="1200">
           <a:solidFill>
             <a:schemeClr val="tx1"/>
@@ -4845,7 +9044,7 @@
           <a:cs typeface="+mn-cs"/>
         </a:defRPr>
       </a:lvl5pPr>
-      <a:lvl6pPr marL="2286000" algn="l" defTabSz="914400" rtl="0" eaLnBrk="1" latinLnBrk="0" hangingPunct="1">
+      <a:lvl6pPr marL="2286000" algn="l" defTabSz="457200" rtl="0" eaLnBrk="1" latinLnBrk="0" hangingPunct="1">
         <a:defRPr sz="1800" kern="1200">
           <a:solidFill>
             <a:schemeClr val="tx1"/>
@@ -4855,7 +9054,7 @@
           <a:cs typeface="+mn-cs"/>
         </a:defRPr>
       </a:lvl6pPr>
-      <a:lvl7pPr marL="2743200" algn="l" defTabSz="914400" rtl="0" eaLnBrk="1" latinLnBrk="0" hangingPunct="1">
+      <a:lvl7pPr marL="2743200" algn="l" defTabSz="457200" rtl="0" eaLnBrk="1" latinLnBrk="0" hangingPunct="1">
         <a:defRPr sz="1800" kern="1200">
           <a:solidFill>
             <a:schemeClr val="tx1"/>
@@ -4865,7 +9064,7 @@
           <a:cs typeface="+mn-cs"/>
         </a:defRPr>
       </a:lvl7pPr>
-      <a:lvl8pPr marL="3200400" algn="l" defTabSz="914400" rtl="0" eaLnBrk="1" latinLnBrk="0" hangingPunct="1">
+      <a:lvl8pPr marL="3200400" algn="l" defTabSz="457200" rtl="0" eaLnBrk="1" latinLnBrk="0" hangingPunct="1">
         <a:defRPr sz="1800" kern="1200">
           <a:solidFill>
             <a:schemeClr val="tx1"/>
@@ -4875,7 +9074,7 @@
           <a:cs typeface="+mn-cs"/>
         </a:defRPr>
       </a:lvl8pPr>
-      <a:lvl9pPr marL="3657600" algn="l" defTabSz="914400" rtl="0" eaLnBrk="1" latinLnBrk="0" hangingPunct="1">
+      <a:lvl9pPr marL="3657600" algn="l" defTabSz="457200" rtl="0" eaLnBrk="1" latinLnBrk="0" hangingPunct="1">
         <a:defRPr sz="1800" kern="1200">
           <a:solidFill>
             <a:schemeClr val="tx1"/>
@@ -5475,7 +9674,7 @@
           <p:cNvPr id="2" name="Title 1">
             <a:extLst>
               <a:ext uri="{FF2B5EF4-FFF2-40B4-BE49-F238E27FC236}">
-                <a16:creationId xmlns:a16="http://schemas.microsoft.com/office/drawing/2014/main" id="{98E2FB45-8D00-42AF-89AA-ECB00F99A10D}"/>
+                <a16:creationId xmlns:a16="http://schemas.microsoft.com/office/drawing/2014/main" id="{D4A719D7-5C57-4915-9A3F-78D1A0EFB069}"/>
               </a:ext>
             </a:extLst>
           </p:cNvPr>
@@ -5511,7 +9710,7 @@
           <p:cNvPr id="3" name="Content Placeholder 2">
             <a:extLst>
               <a:ext uri="{FF2B5EF4-FFF2-40B4-BE49-F238E27FC236}">
-                <a16:creationId xmlns:a16="http://schemas.microsoft.com/office/drawing/2014/main" id="{2052725E-409A-4B23-8B3D-284EAF1E4122}"/>
+                <a16:creationId xmlns:a16="http://schemas.microsoft.com/office/drawing/2014/main" id="{8987EDAD-8262-4FFE-8E62-474EB7CAFDCC}"/>
               </a:ext>
             </a:extLst>
           </p:cNvPr>
@@ -5534,7 +9733,7 @@
     </p:spTree>
     <p:extLst>
       <p:ext uri="{BB962C8B-B14F-4D97-AF65-F5344CB8AC3E}">
-        <p14:creationId xmlns:p14="http://schemas.microsoft.com/office/powerpoint/2010/main" val="2120710999"/>
+        <p14:creationId xmlns:p14="http://schemas.microsoft.com/office/powerpoint/2010/main" val="73419143"/>
       </p:ext>
     </p:extLst>
   </p:cSld>
@@ -5808,7 +10007,7 @@
     </p:spTree>
     <p:extLst>
       <p:ext uri="{BB962C8B-B14F-4D97-AF65-F5344CB8AC3E}">
-        <p14:creationId xmlns:p14="http://schemas.microsoft.com/office/powerpoint/2010/main" val="1144917695"/>
+        <p14:creationId xmlns:p14="http://schemas.microsoft.com/office/powerpoint/2010/main" val="681447346"/>
       </p:ext>
     </p:extLst>
   </p:cSld>
@@ -5840,7 +10039,7 @@
           <p:cNvPr id="2" name="Title 1">
             <a:extLst>
               <a:ext uri="{FF2B5EF4-FFF2-40B4-BE49-F238E27FC236}">
-                <a16:creationId xmlns:a16="http://schemas.microsoft.com/office/drawing/2014/main" id="{E71C3888-9036-4FB3-8454-B387F9B5A2BB}"/>
+                <a16:creationId xmlns:a16="http://schemas.microsoft.com/office/drawing/2014/main" id="{3E7CF58B-BC39-4957-8290-A9DDACA503C3}"/>
               </a:ext>
             </a:extLst>
           </p:cNvPr>
@@ -5857,9 +10056,12 @@
           <a:lstStyle/>
           <a:p>
             <a:r>
-              <a:rPr lang="en-US" sz="4400" b="0" i="0" kern="1200" baseline="0" dirty="0">
+              <a:rPr lang="en-US" sz="3600" b="0" i="0" kern="1200" baseline="0" dirty="0">
                 <a:solidFill>
-                  <a:schemeClr val="tx1"/>
+                  <a:schemeClr val="tx1">
+                    <a:lumMod val="85000"/>
+                    <a:lumOff val="15000"/>
+                  </a:schemeClr>
                 </a:solidFill>
                 <a:effectLst/>
                 <a:latin typeface="+mj-lt"/>
@@ -5877,7 +10079,7 @@
           <p:cNvPr id="3" name="Content Placeholder 2">
             <a:extLst>
               <a:ext uri="{FF2B5EF4-FFF2-40B4-BE49-F238E27FC236}">
-                <a16:creationId xmlns:a16="http://schemas.microsoft.com/office/drawing/2014/main" id="{4F8F5934-4088-4491-923C-1A6DEE905B02}"/>
+                <a16:creationId xmlns:a16="http://schemas.microsoft.com/office/drawing/2014/main" id="{45BEC0FF-6757-4834-8BE8-CB7CC0E6958B}"/>
               </a:ext>
             </a:extLst>
           </p:cNvPr>
@@ -5900,7 +10102,7 @@
     </p:spTree>
     <p:extLst>
       <p:ext uri="{BB962C8B-B14F-4D97-AF65-F5344CB8AC3E}">
-        <p14:creationId xmlns:p14="http://schemas.microsoft.com/office/powerpoint/2010/main" val="97467558"/>
+        <p14:creationId xmlns:p14="http://schemas.microsoft.com/office/powerpoint/2010/main" val="3224787290"/>
       </p:ext>
     </p:extLst>
   </p:cSld>
@@ -5911,9 +10113,9 @@
 </file>
 
 <file path=ppt/theme/theme1.xml><?xml version="1.0" encoding="utf-8"?>
-<a:theme xmlns:a="http://schemas.openxmlformats.org/drawingml/2006/main" name="Office Theme">
+<a:theme xmlns:a="http://schemas.openxmlformats.org/drawingml/2006/main" name="Wisp">
   <a:themeElements>
-    <a:clrScheme name="Office">
+    <a:clrScheme name="Office 2007-2010">
       <a:dk1>
         <a:sysClr val="windowText" lastClr="000000"/>
       </a:dk1>
@@ -5921,100 +10123,48 @@
         <a:sysClr val="window" lastClr="FFFFFF"/>
       </a:lt1>
       <a:dk2>
-        <a:srgbClr val="44546A"/>
+        <a:srgbClr val="1F497D"/>
       </a:dk2>
       <a:lt2>
-        <a:srgbClr val="E7E6E6"/>
+        <a:srgbClr val="EEECE1"/>
       </a:lt2>
       <a:accent1>
-        <a:srgbClr val="4472C4"/>
+        <a:srgbClr val="4F81BD"/>
       </a:accent1>
       <a:accent2>
-        <a:srgbClr val="ED7D31"/>
+        <a:srgbClr val="C0504D"/>
       </a:accent2>
       <a:accent3>
-        <a:srgbClr val="A5A5A5"/>
+        <a:srgbClr val="9BBB59"/>
       </a:accent3>
       <a:accent4>
-        <a:srgbClr val="FFC000"/>
+        <a:srgbClr val="8064A2"/>
       </a:accent4>
       <a:accent5>
-        <a:srgbClr val="5B9BD5"/>
+        <a:srgbClr val="4BACC6"/>
       </a:accent5>
       <a:accent6>
-        <a:srgbClr val="70AD47"/>
+        <a:srgbClr val="F79646"/>
       </a:accent6>
       <a:hlink>
-        <a:srgbClr val="0563C1"/>
+        <a:srgbClr val="0000FF"/>
       </a:hlink>
       <a:folHlink>
-        <a:srgbClr val="954F72"/>
+        <a:srgbClr val="800080"/>
       </a:folHlink>
     </a:clrScheme>
-    <a:fontScheme name="Office">
+    <a:fontScheme name="Wisp">
       <a:majorFont>
-        <a:latin typeface="Calibri Light" panose="020F0302020204030204"/>
+        <a:latin typeface="Century Gothic" panose="020B0502020202020204"/>
         <a:ea typeface=""/>
         <a:cs typeface=""/>
-        <a:font script="Jpan" typeface="游ゴシック Light"/>
-        <a:font script="Hang" typeface="맑은 고딕"/>
-        <a:font script="Hans" typeface="等线 Light"/>
-        <a:font script="Hant" typeface="新細明體"/>
-        <a:font script="Arab" typeface="Times New Roman"/>
-        <a:font script="Hebr" typeface="Times New Roman"/>
-        <a:font script="Thai" typeface="Angsana New"/>
-        <a:font script="Ethi" typeface="Nyala"/>
-        <a:font script="Beng" typeface="Vrinda"/>
-        <a:font script="Gujr" typeface="Shruti"/>
-        <a:font script="Khmr" typeface="MoolBoran"/>
-        <a:font script="Knda" typeface="Tunga"/>
-        <a:font script="Guru" typeface="Raavi"/>
-        <a:font script="Cans" typeface="Euphemia"/>
-        <a:font script="Cher" typeface="Plantagenet Cherokee"/>
-        <a:font script="Yiii" typeface="Microsoft Yi Baiti"/>
-        <a:font script="Tibt" typeface="Microsoft Himalaya"/>
-        <a:font script="Thaa" typeface="MV Boli"/>
-        <a:font script="Deva" typeface="Mangal"/>
-        <a:font script="Telu" typeface="Gautami"/>
-        <a:font script="Taml" typeface="Latha"/>
-        <a:font script="Syrc" typeface="Estrangelo Edessa"/>
-        <a:font script="Orya" typeface="Kalinga"/>
-        <a:font script="Mlym" typeface="Kartika"/>
-        <a:font script="Laoo" typeface="DokChampa"/>
-        <a:font script="Sinh" typeface="Iskoola Pota"/>
-        <a:font script="Mong" typeface="Mongolian Baiti"/>
-        <a:font script="Viet" typeface="Times New Roman"/>
-        <a:font script="Uigh" typeface="Microsoft Uighur"/>
-        <a:font script="Geor" typeface="Sylfaen"/>
-        <a:font script="Armn" typeface="Arial"/>
-        <a:font script="Bugi" typeface="Leelawadee UI"/>
-        <a:font script="Bopo" typeface="Microsoft JhengHei"/>
-        <a:font script="Java" typeface="Javanese Text"/>
-        <a:font script="Lisu" typeface="Segoe UI"/>
-        <a:font script="Mymr" typeface="Myanmar Text"/>
-        <a:font script="Nkoo" typeface="Ebrima"/>
-        <a:font script="Olck" typeface="Nirmala UI"/>
-        <a:font script="Osma" typeface="Ebrima"/>
-        <a:font script="Phag" typeface="Phagspa"/>
-        <a:font script="Syrn" typeface="Estrangelo Edessa"/>
-        <a:font script="Syrj" typeface="Estrangelo Edessa"/>
-        <a:font script="Syre" typeface="Estrangelo Edessa"/>
-        <a:font script="Sora" typeface="Nirmala UI"/>
-        <a:font script="Tale" typeface="Microsoft Tai Le"/>
-        <a:font script="Talu" typeface="Microsoft New Tai Lue"/>
-        <a:font script="Tfng" typeface="Ebrima"/>
-      </a:majorFont>
-      <a:minorFont>
-        <a:latin typeface="Calibri" panose="020F0502020204030204"/>
-        <a:ea typeface=""/>
-        <a:cs typeface=""/>
-        <a:font script="Jpan" typeface="游ゴシック"/>
-        <a:font script="Hang" typeface="맑은 고딕"/>
-        <a:font script="Hans" typeface="等线"/>
-        <a:font script="Hant" typeface="新細明體"/>
-        <a:font script="Arab" typeface="Arial"/>
-        <a:font script="Hebr" typeface="Arial"/>
-        <a:font script="Thai" typeface="Cordia New"/>
+        <a:font script="Jpan" typeface="メイリオ"/>
+        <a:font script="Hang" typeface="HY중고딕"/>
+        <a:font script="Hans" typeface="幼圆"/>
+        <a:font script="Hant" typeface="微軟正黑體"/>
+        <a:font script="Arab" typeface="Tahoma"/>
+        <a:font script="Hebr" typeface="Gisha"/>
+        <a:font script="Thai" typeface="DilleniaUPC"/>
         <a:font script="Ethi" typeface="Nyala"/>
         <a:font script="Beng" typeface="Vrinda"/>
         <a:font script="Gujr" typeface="Shruti"/>
@@ -6035,30 +10185,121 @@
         <a:font script="Laoo" typeface="DokChampa"/>
         <a:font script="Sinh" typeface="Iskoola Pota"/>
         <a:font script="Mong" typeface="Mongolian Baiti"/>
-        <a:font script="Viet" typeface="Arial"/>
+        <a:font script="Viet" typeface="Tahoma"/>
         <a:font script="Uigh" typeface="Microsoft Uighur"/>
         <a:font script="Geor" typeface="Sylfaen"/>
-        <a:font script="Armn" typeface="Arial"/>
-        <a:font script="Bugi" typeface="Leelawadee UI"/>
-        <a:font script="Bopo" typeface="Microsoft JhengHei"/>
-        <a:font script="Java" typeface="Javanese Text"/>
-        <a:font script="Lisu" typeface="Segoe UI"/>
-        <a:font script="Mymr" typeface="Myanmar Text"/>
-        <a:font script="Nkoo" typeface="Ebrima"/>
-        <a:font script="Olck" typeface="Nirmala UI"/>
-        <a:font script="Osma" typeface="Ebrima"/>
-        <a:font script="Phag" typeface="Phagspa"/>
-        <a:font script="Syrn" typeface="Estrangelo Edessa"/>
-        <a:font script="Syrj" typeface="Estrangelo Edessa"/>
-        <a:font script="Syre" typeface="Estrangelo Edessa"/>
-        <a:font script="Sora" typeface="Nirmala UI"/>
-        <a:font script="Tale" typeface="Microsoft Tai Le"/>
-        <a:font script="Talu" typeface="Microsoft New Tai Lue"/>
-        <a:font script="Tfng" typeface="Ebrima"/>
+      </a:majorFont>
+      <a:minorFont>
+        <a:latin typeface="Century Gothic" panose="020B0502020202020204"/>
+        <a:ea typeface=""/>
+        <a:cs typeface=""/>
+        <a:font script="Jpan" typeface="メイリオ"/>
+        <a:font script="Hang" typeface="HY중고딕"/>
+        <a:font script="Hans" typeface="幼圆"/>
+        <a:font script="Hant" typeface="微軟正黑體"/>
+        <a:font script="Arab" typeface="Tahoma"/>
+        <a:font script="Hebr" typeface="Gisha"/>
+        <a:font script="Thai" typeface="DilleniaUPC"/>
+        <a:font script="Ethi" typeface="Nyala"/>
+        <a:font script="Beng" typeface="Vrinda"/>
+        <a:font script="Gujr" typeface="Shruti"/>
+        <a:font script="Khmr" typeface="DaunPenh"/>
+        <a:font script="Knda" typeface="Tunga"/>
+        <a:font script="Guru" typeface="Raavi"/>
+        <a:font script="Cans" typeface="Euphemia"/>
+        <a:font script="Cher" typeface="Plantagenet Cherokee"/>
+        <a:font script="Yiii" typeface="Microsoft Yi Baiti"/>
+        <a:font script="Tibt" typeface="Microsoft Himalaya"/>
+        <a:font script="Thaa" typeface="MV Boli"/>
+        <a:font script="Deva" typeface="Mangal"/>
+        <a:font script="Telu" typeface="Gautami"/>
+        <a:font script="Taml" typeface="Latha"/>
+        <a:font script="Syrc" typeface="Estrangelo Edessa"/>
+        <a:font script="Orya" typeface="Kalinga"/>
+        <a:font script="Mlym" typeface="Kartika"/>
+        <a:font script="Laoo" typeface="DokChampa"/>
+        <a:font script="Sinh" typeface="Iskoola Pota"/>
+        <a:font script="Mong" typeface="Mongolian Baiti"/>
+        <a:font script="Viet" typeface="Tahoma"/>
+        <a:font script="Uigh" typeface="Microsoft Uighur"/>
+        <a:font script="Geor" typeface="Sylfaen"/>
       </a:minorFont>
     </a:fontScheme>
-    <a:fmtScheme name="Office">
+    <a:fmtScheme name="Wisp">
       <a:fillStyleLst>
+        <a:solidFill>
+          <a:schemeClr val="phClr"/>
+        </a:solidFill>
+        <a:solidFill>
+          <a:schemeClr val="phClr">
+            <a:tint val="70000"/>
+            <a:lumMod val="104000"/>
+          </a:schemeClr>
+        </a:solidFill>
+        <a:gradFill rotWithShape="1">
+          <a:gsLst>
+            <a:gs pos="0">
+              <a:schemeClr val="phClr">
+                <a:tint val="96000"/>
+                <a:lumMod val="104000"/>
+              </a:schemeClr>
+            </a:gs>
+            <a:gs pos="100000">
+              <a:schemeClr val="phClr">
+                <a:shade val="98000"/>
+                <a:lumMod val="94000"/>
+              </a:schemeClr>
+            </a:gs>
+          </a:gsLst>
+          <a:lin ang="5400000" scaled="0"/>
+        </a:gradFill>
+      </a:fillStyleLst>
+      <a:lnStyleLst>
+        <a:ln w="9525" cap="rnd" cmpd="sng" algn="ctr">
+          <a:solidFill>
+            <a:schemeClr val="phClr">
+              <a:shade val="90000"/>
+            </a:schemeClr>
+          </a:solidFill>
+          <a:prstDash val="solid"/>
+        </a:ln>
+        <a:ln w="15875" cap="rnd" cmpd="sng" algn="ctr">
+          <a:solidFill>
+            <a:schemeClr val="phClr"/>
+          </a:solidFill>
+          <a:prstDash val="solid"/>
+        </a:ln>
+        <a:ln w="22225" cap="rnd" cmpd="sng" algn="ctr">
+          <a:solidFill>
+            <a:schemeClr val="phClr"/>
+          </a:solidFill>
+          <a:prstDash val="solid"/>
+        </a:ln>
+      </a:lnStyleLst>
+      <a:effectStyleLst>
+        <a:effectStyle>
+          <a:effectLst/>
+        </a:effectStyle>
+        <a:effectStyle>
+          <a:effectLst>
+            <a:outerShdw blurRad="38100" dist="25400" dir="5400000" rotWithShape="0">
+              <a:srgbClr val="000000">
+                <a:alpha val="25000"/>
+              </a:srgbClr>
+            </a:outerShdw>
+          </a:effectLst>
+        </a:effectStyle>
+        <a:effectStyle>
+          <a:effectLst>
+            <a:outerShdw blurRad="50800" dist="38100" dir="5400000" rotWithShape="0">
+              <a:srgbClr val="000000">
+                <a:alpha val="60000"/>
+              </a:srgbClr>
+            </a:outerShdw>
+          </a:effectLst>
+        </a:effectStyle>
+      </a:effectStyleLst>
+      <a:bgFillStyleLst>
         <a:solidFill>
           <a:schemeClr val="phClr"/>
         </a:solidFill>
@@ -6066,23 +10307,15 @@
           <a:gsLst>
             <a:gs pos="0">
               <a:schemeClr val="phClr">
-                <a:lumMod val="110000"/>
-                <a:satMod val="105000"/>
-                <a:tint val="67000"/>
-              </a:schemeClr>
-            </a:gs>
-            <a:gs pos="50000">
-              <a:schemeClr val="phClr">
-                <a:lumMod val="105000"/>
-                <a:satMod val="103000"/>
-                <a:tint val="73000"/>
+                <a:tint val="90000"/>
+                <a:lumMod val="120000"/>
               </a:schemeClr>
             </a:gs>
             <a:gs pos="100000">
               <a:schemeClr val="phClr">
-                <a:lumMod val="105000"/>
-                <a:satMod val="109000"/>
-                <a:tint val="81000"/>
+                <a:shade val="98000"/>
+                <a:satMod val="120000"/>
+                <a:lumMod val="98000"/>
               </a:schemeClr>
             </a:gs>
           </a:gsLst>
@@ -6092,105 +10325,22 @@
           <a:gsLst>
             <a:gs pos="0">
               <a:schemeClr val="phClr">
-                <a:satMod val="103000"/>
-                <a:lumMod val="102000"/>
-                <a:tint val="94000"/>
-              </a:schemeClr>
-            </a:gs>
-            <a:gs pos="50000">
-              <a:schemeClr val="phClr">
-                <a:satMod val="110000"/>
-                <a:lumMod val="100000"/>
-                <a:shade val="100000"/>
+                <a:tint val="90000"/>
+                <a:satMod val="92000"/>
+                <a:lumMod val="120000"/>
               </a:schemeClr>
             </a:gs>
             <a:gs pos="100000">
               <a:schemeClr val="phClr">
-                <a:lumMod val="99000"/>
+                <a:shade val="98000"/>
                 <a:satMod val="120000"/>
-                <a:shade val="78000"/>
+                <a:lumMod val="98000"/>
               </a:schemeClr>
             </a:gs>
           </a:gsLst>
-          <a:lin ang="5400000" scaled="0"/>
-        </a:gradFill>
-      </a:fillStyleLst>
-      <a:lnStyleLst>
-        <a:ln w="6350" cap="flat" cmpd="sng" algn="ctr">
-          <a:solidFill>
-            <a:schemeClr val="phClr"/>
-          </a:solidFill>
-          <a:prstDash val="solid"/>
-          <a:miter lim="800000"/>
-        </a:ln>
-        <a:ln w="12700" cap="flat" cmpd="sng" algn="ctr">
-          <a:solidFill>
-            <a:schemeClr val="phClr"/>
-          </a:solidFill>
-          <a:prstDash val="solid"/>
-          <a:miter lim="800000"/>
-        </a:ln>
-        <a:ln w="19050" cap="flat" cmpd="sng" algn="ctr">
-          <a:solidFill>
-            <a:schemeClr val="phClr"/>
-          </a:solidFill>
-          <a:prstDash val="solid"/>
-          <a:miter lim="800000"/>
-        </a:ln>
-      </a:lnStyleLst>
-      <a:effectStyleLst>
-        <a:effectStyle>
-          <a:effectLst/>
-        </a:effectStyle>
-        <a:effectStyle>
-          <a:effectLst/>
-        </a:effectStyle>
-        <a:effectStyle>
-          <a:effectLst>
-            <a:outerShdw blurRad="57150" dist="19050" dir="5400000" algn="ctr" rotWithShape="0">
-              <a:srgbClr val="000000">
-                <a:alpha val="63000"/>
-              </a:srgbClr>
-            </a:outerShdw>
-          </a:effectLst>
-        </a:effectStyle>
-      </a:effectStyleLst>
-      <a:bgFillStyleLst>
-        <a:solidFill>
-          <a:schemeClr val="phClr"/>
-        </a:solidFill>
-        <a:solidFill>
-          <a:schemeClr val="phClr">
-            <a:tint val="95000"/>
-            <a:satMod val="170000"/>
-          </a:schemeClr>
-        </a:solidFill>
-        <a:gradFill rotWithShape="1">
-          <a:gsLst>
-            <a:gs pos="0">
-              <a:schemeClr val="phClr">
-                <a:tint val="93000"/>
-                <a:satMod val="150000"/>
-                <a:shade val="98000"/>
-                <a:lumMod val="102000"/>
-              </a:schemeClr>
-            </a:gs>
-            <a:gs pos="50000">
-              <a:schemeClr val="phClr">
-                <a:tint val="98000"/>
-                <a:satMod val="130000"/>
-                <a:shade val="90000"/>
-                <a:lumMod val="103000"/>
-              </a:schemeClr>
-            </a:gs>
-            <a:gs pos="100000">
-              <a:schemeClr val="phClr">
-                <a:shade val="63000"/>
-                <a:satMod val="120000"/>
-              </a:schemeClr>
-            </a:gs>
-          </a:gsLst>
-          <a:lin ang="5400000" scaled="0"/>
+          <a:path path="circle">
+            <a:fillToRect l="50000" t="50000" r="100000" b="100000"/>
+          </a:path>
         </a:gradFill>
       </a:bgFillStyleLst>
     </a:fmtScheme>
@@ -6199,7 +10349,7 @@
   <a:extraClrSchemeLst/>
   <a:extLst>
     <a:ext uri="{05A4C25C-085E-4340-85A3-A5531E510DB2}">
-      <thm15:themeFamily xmlns:thm15="http://schemas.microsoft.com/office/thememl/2012/main" name="Office Theme" id="{62F939B6-93AF-4DB8-9C6B-D6C7DFDC589F}" vid="{4A3C46E8-61CC-4603-A589-7422A47A8E4A}"/>
+      <thm15:themeFamily xmlns:thm15="http://schemas.microsoft.com/office/thememl/2012/main" name="Wisp" id="{7CB32D59-10C0-40DD-B7BD-2E94284A981C}" vid="{24B1A44C-C006-48B2-A4D7-E5549B3D8CD4}"/>
     </a:ext>
   </a:extLst>
 </a:theme>

--- a/Suppl/Pivotal Presentation - DTECTS.pptx
+++ b/Suppl/Pivotal Presentation - DTECTS.pptx
@@ -5,20 +5,21 @@
     <p:sldMasterId id="2147483648" r:id="rId1"/>
   </p:sldMasterIdLst>
   <p:notesMasterIdLst>
-    <p:notesMasterId r:id="rId13"/>
+    <p:notesMasterId r:id="rId14"/>
   </p:notesMasterIdLst>
   <p:sldIdLst>
     <p:sldId id="257" r:id="rId2"/>
     <p:sldId id="259" r:id="rId3"/>
-    <p:sldId id="261" r:id="rId4"/>
-    <p:sldId id="263" r:id="rId5"/>
-    <p:sldId id="265" r:id="rId6"/>
-    <p:sldId id="267" r:id="rId7"/>
-    <p:sldId id="262" r:id="rId8"/>
-    <p:sldId id="273" r:id="rId9"/>
-    <p:sldId id="274" r:id="rId10"/>
-    <p:sldId id="276" r:id="rId11"/>
-    <p:sldId id="278" r:id="rId12"/>
+    <p:sldId id="279" r:id="rId4"/>
+    <p:sldId id="261" r:id="rId5"/>
+    <p:sldId id="263" r:id="rId6"/>
+    <p:sldId id="265" r:id="rId7"/>
+    <p:sldId id="267" r:id="rId8"/>
+    <p:sldId id="262" r:id="rId9"/>
+    <p:sldId id="273" r:id="rId10"/>
+    <p:sldId id="274" r:id="rId11"/>
+    <p:sldId id="276" r:id="rId12"/>
+    <p:sldId id="278" r:id="rId13"/>
   </p:sldIdLst>
   <p:sldSz cx="12192000" cy="6858000"/>
   <p:notesSz cx="6858000" cy="9144000"/>
@@ -555,7 +556,7 @@
             </a:r>
             <a:r>
               <a:rPr lang="en-US" dirty="0"/>
-              <a:t>Needs                (</a:t>
+              <a:t>Needs                 (</a:t>
             </a:r>
             <a:r>
               <a:rPr lang="en-US" sz="1200" b="0" i="0" u="none" strike="noStrike" kern="1200" baseline="0" dirty="0">
@@ -579,7 +580,7 @@
                 <a:ea typeface="+mn-ea"/>
                 <a:cs typeface="+mn-cs"/>
               </a:rPr>
-              <a:t>  2 Design Procedure                    (2)</a:t>
+              <a:t>  2 Design Procedure                     (2)</a:t>
             </a:r>
           </a:p>
           <a:p>
@@ -592,7 +593,7 @@
                 <a:ea typeface="+mn-ea"/>
                 <a:cs typeface="+mn-cs"/>
               </a:rPr>
-              <a:t>  3 Development Methodology    (3)</a:t>
+              <a:t>  3 Development Methodology     (3)</a:t>
             </a:r>
           </a:p>
           <a:p>
@@ -605,7 +606,7 @@
                 <a:ea typeface="+mn-ea"/>
                 <a:cs typeface="+mn-cs"/>
               </a:rPr>
-              <a:t>  4 Overcome Challenges             (1)</a:t>
+              <a:t>  4 Overcome Challenges              (1)</a:t>
             </a:r>
           </a:p>
           <a:p>
@@ -618,7 +619,7 @@
                 <a:ea typeface="+mn-ea"/>
                 <a:cs typeface="+mn-cs"/>
               </a:rPr>
-              <a:t>  5 Deliverable &amp; Results              (2)</a:t>
+              <a:t>  5 Deliverable &amp; Results               (2)</a:t>
             </a:r>
           </a:p>
           <a:p>
@@ -631,7 +632,7 @@
                 <a:ea typeface="+mn-ea"/>
                 <a:cs typeface="+mn-cs"/>
               </a:rPr>
-              <a:t>  6 Learnings &amp; Growths              (1)</a:t>
+              <a:t>  6 Learnings &amp; Growths	      (1)</a:t>
             </a:r>
           </a:p>
           <a:p>
@@ -670,7 +671,7 @@
                 <a:ea typeface="+mn-ea"/>
                 <a:cs typeface="+mn-cs"/>
               </a:rPr>
-              <a:t>  9 Pivotal Value Statement (M)  (1)</a:t>
+              <a:t>  9 Pivotal Value Statement (M)    (1)</a:t>
             </a:r>
           </a:p>
           <a:p>
@@ -683,7 +684,56 @@
                 <a:ea typeface="+mn-ea"/>
                 <a:cs typeface="+mn-cs"/>
               </a:rPr>
-              <a:t>                                             Total  (13)</a:t>
+              <a:t>                                          Total  (13)</a:t>
+            </a:r>
+          </a:p>
+          <a:p>
+            <a:endParaRPr lang="en-US" sz="1200" b="0" i="0" u="none" strike="noStrike" kern="1200" baseline="0" dirty="0">
+              <a:solidFill>
+                <a:schemeClr val="tx1"/>
+              </a:solidFill>
+              <a:latin typeface="+mn-lt"/>
+              <a:ea typeface="+mn-ea"/>
+              <a:cs typeface="+mn-cs"/>
+            </a:endParaRPr>
+          </a:p>
+          <a:p>
+            <a:r>
+              <a:rPr lang="en-US" sz="1200" b="0" i="0" u="none" strike="noStrike" kern="1200" baseline="0" dirty="0">
+                <a:solidFill>
+                  <a:schemeClr val="tx1"/>
+                </a:solidFill>
+                <a:latin typeface="+mn-lt"/>
+                <a:ea typeface="+mn-ea"/>
+                <a:cs typeface="+mn-cs"/>
+              </a:rPr>
+              <a:t>Rules</a:t>
+            </a:r>
+          </a:p>
+          <a:p>
+            <a:r>
+              <a:rPr lang="en-US" sz="1200" b="0" i="0" u="none" strike="noStrike" kern="1200" baseline="0" dirty="0">
+                <a:solidFill>
+                  <a:schemeClr val="tx1"/>
+                </a:solidFill>
+                <a:latin typeface="+mn-lt"/>
+                <a:ea typeface="+mn-ea"/>
+                <a:cs typeface="+mn-cs"/>
+              </a:rPr>
+              <a:t>3 min / slide</a:t>
+            </a:r>
+          </a:p>
+          <a:p>
+            <a:r>
+              <a:rPr lang="en-US" sz="1200" b="0" i="0" u="none" strike="noStrike" kern="1200" baseline="0" dirty="0">
+                <a:solidFill>
+                  <a:schemeClr val="tx1"/>
+                </a:solidFill>
+                <a:latin typeface="+mn-lt"/>
+                <a:ea typeface="+mn-ea"/>
+                <a:cs typeface="+mn-cs"/>
+              </a:rPr>
+              <a:t>45 min presentation -&gt; 15 slides max</a:t>
             </a:r>
             <a:endParaRPr lang="en-US" dirty="0"/>
           </a:p>
@@ -769,21 +819,226 @@
           <a:bodyPr/>
           <a:lstStyle/>
           <a:p>
+            <a:pPr marL="171450" indent="-171450">
+              <a:buFontTx/>
+              <a:buChar char="-"/>
+            </a:pPr>
             <a:r>
               <a:rPr lang="en-US" dirty="0"/>
-              <a:t>*Integrate Tomm Notes</a:t>
-            </a:r>
-          </a:p>
-          <a:p>
+              <a:t>Frame, sketch w/vision</a:t>
+            </a:r>
+            <a:r>
+              <a:rPr lang="en-US" baseline="0" dirty="0"/>
+              <a:t> &amp; intent, draft</a:t>
+            </a:r>
+          </a:p>
+          <a:p>
+            <a:pPr marL="171450" indent="-171450">
+              <a:buFontTx/>
+              <a:buChar char="-"/>
+            </a:pPr>
+            <a:r>
+              <a:rPr lang="en-US" baseline="0" dirty="0"/>
+              <a:t>Source control &amp; procedure!</a:t>
+            </a:r>
+          </a:p>
+          <a:p>
+            <a:pPr marL="171450" indent="-171450">
+              <a:buFontTx/>
+              <a:buChar char="-"/>
+            </a:pPr>
+            <a:r>
+              <a:rPr lang="en-US" baseline="0" dirty="0"/>
+              <a:t>Help from experience (Tomm, Terry, Father)</a:t>
+            </a:r>
+          </a:p>
+          <a:p>
+            <a:pPr marL="171450" indent="-171450">
+              <a:buFontTx/>
+              <a:buChar char="-"/>
+            </a:pPr>
             <a:r>
               <a:rPr lang="en-US" dirty="0"/>
-              <a:t>*Form</a:t>
+              <a:t>Describe</a:t>
             </a:r>
             <a:r>
               <a:rPr lang="en-US" baseline="0" dirty="0"/>
-              <a:t> rules &amp; presentation target</a:t>
-            </a:r>
+              <a:t> procedure of PPT Generation</a:t>
+            </a:r>
+          </a:p>
+          <a:p>
+            <a:pPr marL="171450" indent="-171450">
+              <a:buFontTx/>
+              <a:buChar char="-"/>
+            </a:pPr>
+            <a:r>
+              <a:rPr lang="en-US" baseline="0" dirty="0"/>
+              <a:t>    selection &amp; outline</a:t>
+            </a:r>
+          </a:p>
+          <a:p>
+            <a:pPr marL="171450" indent="-171450">
+              <a:buFontTx/>
+              <a:buChar char="-"/>
+            </a:pPr>
+            <a:r>
+              <a:rPr lang="en-US" baseline="0" dirty="0"/>
+              <a:t>    customer meeting (Tomm)</a:t>
+            </a:r>
+          </a:p>
+          <a:p>
+            <a:pPr marL="171450" indent="-171450">
+              <a:buFontTx/>
+              <a:buChar char="-"/>
+            </a:pPr>
+            <a:r>
+              <a:rPr lang="en-US" baseline="0" dirty="0"/>
+              <a:t>    mentor advise (Tom, Father)</a:t>
+            </a:r>
+          </a:p>
+          <a:p>
+            <a:pPr marL="171450" indent="-171450">
+              <a:buFontTx/>
+              <a:buChar char="-"/>
+            </a:pPr>
+            <a:r>
+              <a:rPr lang="en-US" baseline="0" dirty="0"/>
+              <a:t>    outline</a:t>
+            </a:r>
+          </a:p>
+          <a:p>
+            <a:pPr marL="171450" indent="-171450">
+              <a:buFontTx/>
+              <a:buChar char="-"/>
+            </a:pPr>
+            <a:r>
+              <a:rPr lang="en-US" baseline="0" dirty="0"/>
+              <a:t>    find template</a:t>
+            </a:r>
+          </a:p>
+          <a:p>
             <a:endParaRPr lang="en-US" dirty="0"/>
+          </a:p>
+        </p:txBody>
+      </p:sp>
+      <p:sp>
+        <p:nvSpPr>
+          <p:cNvPr id="4" name="Slide Number Placeholder 3"/>
+          <p:cNvSpPr>
+            <a:spLocks noGrp="1"/>
+          </p:cNvSpPr>
+          <p:nvPr>
+            <p:ph type="sldNum" sz="quarter" idx="10"/>
+          </p:nvPr>
+        </p:nvSpPr>
+        <p:spPr/>
+        <p:txBody>
+          <a:bodyPr/>
+          <a:lstStyle/>
+          <a:p>
+            <a:fld id="{6361AABB-628C-496F-B0CB-A3FDC087FD3D}" type="slidenum">
+              <a:rPr lang="en-US" smtClean="0"/>
+              <a:t>10</a:t>
+            </a:fld>
+            <a:endParaRPr lang="en-US"/>
+          </a:p>
+        </p:txBody>
+      </p:sp>
+    </p:spTree>
+    <p:extLst>
+      <p:ext uri="{BB962C8B-B14F-4D97-AF65-F5344CB8AC3E}">
+        <p14:creationId xmlns:p14="http://schemas.microsoft.com/office/powerpoint/2010/main" val="2520438497"/>
+      </p:ext>
+    </p:extLst>
+  </p:cSld>
+  <p:clrMapOvr>
+    <a:masterClrMapping/>
+  </p:clrMapOvr>
+</p:notes>
+</file>
+
+<file path=ppt/notesSlides/notesSlide11.xml><?xml version="1.0" encoding="utf-8"?>
+<p:notes xmlns:a="http://schemas.openxmlformats.org/drawingml/2006/main" xmlns:r="http://schemas.openxmlformats.org/officeDocument/2006/relationships" xmlns:p="http://schemas.openxmlformats.org/presentationml/2006/main">
+  <p:cSld>
+    <p:spTree>
+      <p:nvGrpSpPr>
+        <p:cNvPr id="1" name=""/>
+        <p:cNvGrpSpPr/>
+        <p:nvPr/>
+      </p:nvGrpSpPr>
+      <p:grpSpPr>
+        <a:xfrm>
+          <a:off x="0" y="0"/>
+          <a:ext cx="0" cy="0"/>
+          <a:chOff x="0" y="0"/>
+          <a:chExt cx="0" cy="0"/>
+        </a:xfrm>
+      </p:grpSpPr>
+      <p:sp>
+        <p:nvSpPr>
+          <p:cNvPr id="2" name="Slide Image Placeholder 1"/>
+          <p:cNvSpPr>
+            <a:spLocks noGrp="1" noRot="1" noChangeAspect="1"/>
+          </p:cNvSpPr>
+          <p:nvPr>
+            <p:ph type="sldImg"/>
+          </p:nvPr>
+        </p:nvSpPr>
+        <p:spPr/>
+      </p:sp>
+      <p:sp>
+        <p:nvSpPr>
+          <p:cNvPr id="3" name="Notes Placeholder 2"/>
+          <p:cNvSpPr>
+            <a:spLocks noGrp="1"/>
+          </p:cNvSpPr>
+          <p:nvPr>
+            <p:ph type="body" idx="1"/>
+          </p:nvPr>
+        </p:nvSpPr>
+        <p:spPr/>
+        <p:txBody>
+          <a:bodyPr/>
+          <a:lstStyle/>
+          <a:p>
+            <a:pPr marL="171450" indent="-171450">
+              <a:buFontTx/>
+              <a:buChar char="-"/>
+            </a:pPr>
+            <a:r>
+              <a:rPr lang="en-US" dirty="0"/>
+              <a:t>Board Design</a:t>
+            </a:r>
+          </a:p>
+          <a:p>
+            <a:pPr marL="171450" indent="-171450">
+              <a:buFontTx/>
+              <a:buChar char="-"/>
+            </a:pPr>
+            <a:r>
+              <a:rPr lang="en-US" dirty="0"/>
+              <a:t>Board Fab &amp; Validate</a:t>
+            </a:r>
+          </a:p>
+          <a:p>
+            <a:pPr marL="171450" indent="-171450">
+              <a:buFontTx/>
+              <a:buChar char="-"/>
+            </a:pPr>
+            <a:r>
+              <a:rPr lang="en-US" dirty="0"/>
+              <a:t>Firmware</a:t>
+            </a:r>
+          </a:p>
+          <a:p>
+            <a:pPr marL="171450" indent="-171450">
+              <a:buFontTx/>
+              <a:buChar char="-"/>
+            </a:pPr>
+            <a:r>
+              <a:rPr lang="en-US" dirty="0"/>
+              <a:t>Rapid Prototyping</a:t>
+            </a:r>
           </a:p>
         </p:txBody>
       </p:sp>
@@ -805,6 +1060,104 @@
             <a:fld id="{4AC65D0B-F732-4E21-9A8D-1C6A15A6A84B}" type="slidenum">
               <a:rPr lang="en-US" smtClean="0"/>
               <a:t>11</a:t>
+            </a:fld>
+            <a:endParaRPr lang="en-US" dirty="0"/>
+          </a:p>
+        </p:txBody>
+      </p:sp>
+    </p:spTree>
+    <p:extLst>
+      <p:ext uri="{BB962C8B-B14F-4D97-AF65-F5344CB8AC3E}">
+        <p14:creationId xmlns:p14="http://schemas.microsoft.com/office/powerpoint/2010/main" val="3872874621"/>
+      </p:ext>
+    </p:extLst>
+  </p:cSld>
+  <p:clrMapOvr>
+    <a:masterClrMapping/>
+  </p:clrMapOvr>
+</p:notes>
+</file>
+
+<file path=ppt/notesSlides/notesSlide12.xml><?xml version="1.0" encoding="utf-8"?>
+<p:notes xmlns:a="http://schemas.openxmlformats.org/drawingml/2006/main" xmlns:r="http://schemas.openxmlformats.org/officeDocument/2006/relationships" xmlns:p="http://schemas.openxmlformats.org/presentationml/2006/main">
+  <p:cSld>
+    <p:spTree>
+      <p:nvGrpSpPr>
+        <p:cNvPr id="1" name=""/>
+        <p:cNvGrpSpPr/>
+        <p:nvPr/>
+      </p:nvGrpSpPr>
+      <p:grpSpPr>
+        <a:xfrm>
+          <a:off x="0" y="0"/>
+          <a:ext cx="0" cy="0"/>
+          <a:chOff x="0" y="0"/>
+          <a:chExt cx="0" cy="0"/>
+        </a:xfrm>
+      </p:grpSpPr>
+      <p:sp>
+        <p:nvSpPr>
+          <p:cNvPr id="2" name="Slide Image Placeholder 1"/>
+          <p:cNvSpPr>
+            <a:spLocks noGrp="1" noRot="1" noChangeAspect="1"/>
+          </p:cNvSpPr>
+          <p:nvPr>
+            <p:ph type="sldImg"/>
+          </p:nvPr>
+        </p:nvSpPr>
+        <p:spPr/>
+      </p:sp>
+      <p:sp>
+        <p:nvSpPr>
+          <p:cNvPr id="3" name="Notes Placeholder 2"/>
+          <p:cNvSpPr>
+            <a:spLocks noGrp="1"/>
+          </p:cNvSpPr>
+          <p:nvPr>
+            <p:ph type="body" idx="1"/>
+          </p:nvPr>
+        </p:nvSpPr>
+        <p:spPr/>
+        <p:txBody>
+          <a:bodyPr/>
+          <a:lstStyle/>
+          <a:p>
+            <a:r>
+              <a:rPr lang="en-US" dirty="0"/>
+              <a:t>*Integrate Tomm Notes</a:t>
+            </a:r>
+          </a:p>
+          <a:p>
+            <a:r>
+              <a:rPr lang="en-US" dirty="0"/>
+              <a:t>*Form</a:t>
+            </a:r>
+            <a:r>
+              <a:rPr lang="en-US" baseline="0" dirty="0"/>
+              <a:t> rules &amp; presentation target</a:t>
+            </a:r>
+            <a:endParaRPr lang="en-US" dirty="0"/>
+          </a:p>
+        </p:txBody>
+      </p:sp>
+      <p:sp>
+        <p:nvSpPr>
+          <p:cNvPr id="4" name="Slide Number Placeholder 3"/>
+          <p:cNvSpPr>
+            <a:spLocks noGrp="1"/>
+          </p:cNvSpPr>
+          <p:nvPr>
+            <p:ph type="sldNum" sz="quarter" idx="10"/>
+          </p:nvPr>
+        </p:nvSpPr>
+        <p:spPr/>
+        <p:txBody>
+          <a:bodyPr/>
+          <a:lstStyle/>
+          <a:p>
+            <a:fld id="{4AC65D0B-F732-4E21-9A8D-1C6A15A6A84B}" type="slidenum">
+              <a:rPr lang="en-US" smtClean="0"/>
+              <a:t>12</a:t>
             </a:fld>
             <a:endParaRPr lang="en-US" dirty="0"/>
           </a:p>
@@ -867,7 +1220,210 @@
           <a:bodyPr/>
           <a:lstStyle/>
           <a:p>
-            <a:endParaRPr lang="en-US"/>
+            <a:pPr marL="0" indent="0">
+              <a:buFontTx/>
+              <a:buNone/>
+            </a:pPr>
+            <a:r>
+              <a:rPr lang="en-US" dirty="0"/>
+              <a:t>Topics</a:t>
+            </a:r>
+          </a:p>
+          <a:p>
+            <a:pPr marL="171450" indent="-171450">
+              <a:buFontTx/>
+              <a:buChar char="-"/>
+            </a:pPr>
+            <a:r>
+              <a:rPr lang="en-US" dirty="0"/>
+              <a:t>Stabilized Firmware Architecture</a:t>
+            </a:r>
+          </a:p>
+          <a:p>
+            <a:pPr marL="628650" lvl="1" indent="-171450">
+              <a:buFontTx/>
+              <a:buChar char="-"/>
+            </a:pPr>
+            <a:r>
+              <a:rPr lang="en-US" dirty="0"/>
+              <a:t>OTM evaluate, path option identifications (Arduino, Python, OTM(C/C++), Lua, JavaScript)</a:t>
+            </a:r>
+          </a:p>
+          <a:p>
+            <a:pPr marL="171450" indent="-171450">
+              <a:buFontTx/>
+              <a:buChar char="-"/>
+            </a:pPr>
+            <a:r>
+              <a:rPr lang="en-US" dirty="0"/>
+              <a:t>Board Revisions</a:t>
+            </a:r>
+          </a:p>
+          <a:p>
+            <a:pPr marL="171450" indent="-171450">
+              <a:buFontTx/>
+              <a:buChar char="-"/>
+            </a:pPr>
+            <a:r>
+              <a:rPr lang="en-US" dirty="0"/>
+              <a:t>PoC Progression, Arduino towards release</a:t>
+            </a:r>
+          </a:p>
+          <a:p>
+            <a:pPr marL="171450" indent="-171450">
+              <a:buFontTx/>
+              <a:buChar char="-"/>
+            </a:pPr>
+            <a:r>
+              <a:rPr lang="en-US" dirty="0"/>
+              <a:t>Feature Integration</a:t>
+            </a:r>
+          </a:p>
+          <a:p>
+            <a:endParaRPr lang="en-US" dirty="0"/>
+          </a:p>
+          <a:p>
+            <a:pPr marL="0" indent="0">
+              <a:buFontTx/>
+              <a:buNone/>
+            </a:pPr>
+            <a:r>
+              <a:rPr lang="en-US" dirty="0"/>
+              <a:t>Features Proposed</a:t>
+            </a:r>
+          </a:p>
+          <a:p>
+            <a:pPr marL="171450" indent="-171450">
+              <a:buFontTx/>
+              <a:buChar char="-"/>
+            </a:pPr>
+            <a:r>
+              <a:rPr lang="en-US" dirty="0"/>
+              <a:t>Debug Port</a:t>
+            </a:r>
+          </a:p>
+          <a:p>
+            <a:pPr marL="171450" indent="-171450">
+              <a:buFontTx/>
+              <a:buChar char="-"/>
+            </a:pPr>
+            <a:r>
+              <a:rPr lang="en-US" dirty="0"/>
+              <a:t>Serial Port &amp; Module</a:t>
+            </a:r>
+          </a:p>
+          <a:p>
+            <a:pPr marL="171450" indent="-171450">
+              <a:buFontTx/>
+              <a:buChar char="-"/>
+            </a:pPr>
+            <a:r>
+              <a:rPr lang="en-US" dirty="0"/>
+              <a:t>Jumpers</a:t>
+            </a:r>
+          </a:p>
+          <a:p>
+            <a:pPr marL="171450" indent="-171450">
+              <a:buFontTx/>
+              <a:buChar char="-"/>
+            </a:pPr>
+            <a:r>
+              <a:rPr lang="en-US" dirty="0"/>
+              <a:t>JTAG</a:t>
+            </a:r>
+          </a:p>
+          <a:p>
+            <a:endParaRPr lang="en-US" dirty="0"/>
+          </a:p>
+          <a:p>
+            <a:r>
+              <a:rPr lang="en-US" dirty="0"/>
+              <a:t>Presentation Focus Points</a:t>
+            </a:r>
+          </a:p>
+          <a:p>
+            <a:pPr marL="171450" indent="-171450">
+              <a:buFontTx/>
+              <a:buChar char="-"/>
+            </a:pPr>
+            <a:r>
+              <a:rPr lang="en-US" dirty="0"/>
+              <a:t>Opportunity</a:t>
+            </a:r>
+          </a:p>
+          <a:p>
+            <a:pPr marL="171450" indent="-171450">
+              <a:buFontTx/>
+              <a:buChar char="-"/>
+            </a:pPr>
+            <a:r>
+              <a:rPr lang="en-US" dirty="0"/>
+              <a:t>Success &amp; Deliverable</a:t>
+            </a:r>
+          </a:p>
+          <a:p>
+            <a:pPr marL="171450" indent="-171450">
+              <a:buFontTx/>
+              <a:buChar char="-"/>
+            </a:pPr>
+            <a:r>
+              <a:rPr lang="en-US" dirty="0"/>
+              <a:t>Network &amp; Relationships</a:t>
+            </a:r>
+          </a:p>
+          <a:p>
+            <a:pPr marL="171450" indent="-171450">
+              <a:buFontTx/>
+              <a:buChar char="-"/>
+            </a:pPr>
+            <a:r>
+              <a:rPr lang="en-US" dirty="0"/>
+              <a:t>Learnings and Growth</a:t>
+            </a:r>
+          </a:p>
+          <a:p>
+            <a:pPr marL="171450" indent="-171450">
+              <a:buFontTx/>
+              <a:buChar char="-"/>
+            </a:pPr>
+            <a:endParaRPr lang="en-US" dirty="0"/>
+          </a:p>
+          <a:p>
+            <a:pPr marL="0" indent="0">
+              <a:buFontTx/>
+              <a:buNone/>
+            </a:pPr>
+            <a:r>
+              <a:rPr lang="en-US" dirty="0"/>
+              <a:t>Points to Share</a:t>
+            </a:r>
+          </a:p>
+          <a:p>
+            <a:pPr marL="171450" indent="-171450">
+              <a:buFontTx/>
+              <a:buChar char="-"/>
+            </a:pPr>
+            <a:r>
+              <a:rPr lang="en-US" dirty="0"/>
+              <a:t>Success of work</a:t>
+            </a:r>
+          </a:p>
+          <a:p>
+            <a:pPr marL="171450" indent="-171450">
+              <a:buFontTx/>
+              <a:buChar char="-"/>
+            </a:pPr>
+            <a:r>
+              <a:rPr lang="en-US" dirty="0"/>
+              <a:t>Highlight Hardware Experience</a:t>
+            </a:r>
+            <a:br>
+              <a:rPr lang="en-US" dirty="0"/>
+            </a:br>
+            <a:r>
+              <a:rPr lang="en-US" dirty="0"/>
+              <a:t>Show direct value to team, by example</a:t>
+            </a:r>
           </a:p>
         </p:txBody>
       </p:sp>
@@ -951,7 +1507,54 @@
           <a:bodyPr/>
           <a:lstStyle/>
           <a:p>
-            <a:endParaRPr lang="en-US"/>
+            <a:pPr marL="171450" indent="-171450">
+              <a:buFontTx/>
+              <a:buChar char="-"/>
+            </a:pPr>
+            <a:r>
+              <a:rPr lang="en-US" dirty="0"/>
+              <a:t>What it is</a:t>
+            </a:r>
+          </a:p>
+          <a:p>
+            <a:pPr marL="171450" indent="-171450">
+              <a:buFontTx/>
+              <a:buChar char="-"/>
+            </a:pPr>
+            <a:r>
+              <a:rPr lang="en-US" dirty="0"/>
+              <a:t>Who uses it</a:t>
+            </a:r>
+          </a:p>
+          <a:p>
+            <a:pPr marL="171450" indent="-171450">
+              <a:buFontTx/>
+              <a:buChar char="-"/>
+            </a:pPr>
+            <a:r>
+              <a:rPr lang="en-US" dirty="0"/>
+              <a:t>Where it is going</a:t>
+            </a:r>
+          </a:p>
+          <a:p>
+            <a:pPr marL="171450" indent="-171450">
+              <a:buFontTx/>
+              <a:buChar char="-"/>
+            </a:pPr>
+            <a:r>
+              <a:rPr lang="en-US" dirty="0"/>
+              <a:t>Why Tomm picked on &amp; motion established</a:t>
+            </a:r>
+          </a:p>
+          <a:p>
+            <a:pPr marL="171450" indent="-171450">
+              <a:buFontTx/>
+              <a:buChar char="-"/>
+            </a:pPr>
+            <a:r>
+              <a:rPr lang="en-US" dirty="0"/>
+              <a:t>What it brought to Tomm’s project</a:t>
+            </a:r>
           </a:p>
         </p:txBody>
       </p:sp>
@@ -970,18 +1573,18 @@
           <a:bodyPr/>
           <a:lstStyle/>
           <a:p>
-            <a:fld id="{4AC65D0B-F732-4E21-9A8D-1C6A15A6A84B}" type="slidenum">
+            <a:fld id="{6361AABB-628C-496F-B0CB-A3FDC087FD3D}" type="slidenum">
               <a:rPr lang="en-US" smtClean="0"/>
               <a:t>3</a:t>
             </a:fld>
-            <a:endParaRPr lang="en-US" dirty="0"/>
+            <a:endParaRPr lang="en-US"/>
           </a:p>
         </p:txBody>
       </p:sp>
     </p:spTree>
     <p:extLst>
       <p:ext uri="{BB962C8B-B14F-4D97-AF65-F5344CB8AC3E}">
-        <p14:creationId xmlns:p14="http://schemas.microsoft.com/office/powerpoint/2010/main" val="3333099726"/>
+        <p14:creationId xmlns:p14="http://schemas.microsoft.com/office/powerpoint/2010/main" val="2194817254"/>
       </p:ext>
     </p:extLst>
   </p:cSld>
@@ -1035,7 +1638,44 @@
           <a:bodyPr/>
           <a:lstStyle/>
           <a:p>
-            <a:endParaRPr lang="en-US"/>
+            <a:pPr marL="171450" indent="-171450">
+              <a:buFontTx/>
+              <a:buChar char="-"/>
+            </a:pPr>
+            <a:r>
+              <a:rPr lang="en-US" dirty="0"/>
+              <a:t>Needs Identification</a:t>
+            </a:r>
+          </a:p>
+          <a:p>
+            <a:pPr marL="171450" indent="-171450">
+              <a:buFontTx/>
+              <a:buChar char="-"/>
+            </a:pPr>
+            <a:r>
+              <a:rPr lang="en-US" dirty="0"/>
+              <a:t>Firmware Development</a:t>
+            </a:r>
+          </a:p>
+          <a:p>
+            <a:pPr marL="171450" indent="-171450">
+              <a:buFontTx/>
+              <a:buChar char="-"/>
+            </a:pPr>
+            <a:r>
+              <a:rPr lang="en-US" dirty="0"/>
+              <a:t>Board Development</a:t>
+            </a:r>
+          </a:p>
+          <a:p>
+            <a:pPr marL="171450" indent="-171450">
+              <a:buFontTx/>
+              <a:buChar char="-"/>
+            </a:pPr>
+            <a:r>
+              <a:rPr lang="en-US" dirty="0"/>
+              <a:t>Contract Completion &amp; Transfer</a:t>
+            </a:r>
           </a:p>
         </p:txBody>
       </p:sp>
@@ -1065,7 +1705,7 @@
     </p:spTree>
     <p:extLst>
       <p:ext uri="{BB962C8B-B14F-4D97-AF65-F5344CB8AC3E}">
-        <p14:creationId xmlns:p14="http://schemas.microsoft.com/office/powerpoint/2010/main" val="204800194"/>
+        <p14:creationId xmlns:p14="http://schemas.microsoft.com/office/powerpoint/2010/main" val="3333099726"/>
       </p:ext>
     </p:extLst>
   </p:cSld>
@@ -1119,7 +1759,84 @@
           <a:bodyPr/>
           <a:lstStyle/>
           <a:p>
-            <a:endParaRPr lang="en-US"/>
+            <a:pPr marL="171450" indent="-171450">
+              <a:buFontTx/>
+              <a:buChar char="-"/>
+            </a:pPr>
+            <a:r>
+              <a:rPr lang="en-US" dirty="0"/>
+              <a:t>Documentation</a:t>
+            </a:r>
+          </a:p>
+          <a:p>
+            <a:pPr marL="171450" indent="-171450">
+              <a:buFontTx/>
+              <a:buChar char="-"/>
+            </a:pPr>
+            <a:r>
+              <a:rPr lang="en-US" dirty="0"/>
+              <a:t>Presentation</a:t>
+            </a:r>
+          </a:p>
+          <a:p>
+            <a:pPr marL="171450" indent="-171450">
+              <a:buFontTx/>
+              <a:buChar char="-"/>
+            </a:pPr>
+            <a:r>
+              <a:rPr lang="en-US" dirty="0"/>
+              <a:t>Code Syntax</a:t>
+            </a:r>
+          </a:p>
+          <a:p>
+            <a:pPr marL="171450" indent="-171450">
+              <a:buFontTx/>
+              <a:buChar char="-"/>
+            </a:pPr>
+            <a:r>
+              <a:rPr lang="en-US" dirty="0"/>
+              <a:t>Development Validation</a:t>
+            </a:r>
+          </a:p>
+          <a:p>
+            <a:pPr marL="171450" indent="-171450">
+              <a:buFontTx/>
+              <a:buChar char="-"/>
+            </a:pPr>
+            <a:r>
+              <a:rPr lang="en-US" dirty="0"/>
+              <a:t>PoC Form</a:t>
+            </a:r>
+          </a:p>
+          <a:p>
+            <a:pPr marL="171450" indent="-171450">
+              <a:buFontTx/>
+              <a:buChar char="-"/>
+            </a:pPr>
+            <a:r>
+              <a:rPr lang="en-US" dirty="0"/>
+              <a:t>Schematic Examples</a:t>
+            </a:r>
+          </a:p>
+          <a:p>
+            <a:pPr marL="171450" indent="-171450">
+              <a:buFontTx/>
+              <a:buChar char="-"/>
+            </a:pPr>
+            <a:r>
+              <a:rPr lang="en-US" dirty="0"/>
+              <a:t>Content Transfer to Ergsense</a:t>
+            </a:r>
+          </a:p>
+          <a:p>
+            <a:pPr marL="171450" indent="-171450">
+              <a:buFontTx/>
+              <a:buChar char="-"/>
+            </a:pPr>
+            <a:r>
+              <a:rPr lang="en-US" dirty="0"/>
+              <a:t>Revision Control</a:t>
+            </a:r>
           </a:p>
         </p:txBody>
       </p:sp>
@@ -1140,7 +1857,7 @@
           <a:p>
             <a:fld id="{4AC65D0B-F732-4E21-9A8D-1C6A15A6A84B}" type="slidenum">
               <a:rPr lang="en-US" smtClean="0"/>
-              <a:t>6</a:t>
+              <a:t>5</a:t>
             </a:fld>
             <a:endParaRPr lang="en-US" dirty="0"/>
           </a:p>
@@ -1149,7 +1866,7 @@
     </p:spTree>
     <p:extLst>
       <p:ext uri="{BB962C8B-B14F-4D97-AF65-F5344CB8AC3E}">
-        <p14:creationId xmlns:p14="http://schemas.microsoft.com/office/powerpoint/2010/main" val="2781359423"/>
+        <p14:creationId xmlns:p14="http://schemas.microsoft.com/office/powerpoint/2010/main" val="204800194"/>
       </p:ext>
     </p:extLst>
   </p:cSld>
@@ -1203,37 +1920,74 @@
           <a:bodyPr/>
           <a:lstStyle/>
           <a:p>
+            <a:pPr marL="171450" indent="-171450">
+              <a:buFontTx/>
+              <a:buChar char="-"/>
+            </a:pPr>
+            <a:r>
+              <a:rPr lang="en-US" dirty="0"/>
+              <a:t>Unmet customer needs</a:t>
+            </a:r>
+          </a:p>
+          <a:p>
+            <a:pPr marL="171450" indent="-171450">
+              <a:buFontTx/>
+              <a:buChar char="-"/>
+            </a:pPr>
+            <a:r>
+              <a:rPr lang="en-US" dirty="0"/>
+              <a:t>Work scope identification</a:t>
+            </a:r>
+          </a:p>
+          <a:p>
+            <a:pPr marL="171450" indent="-171450">
+              <a:buFontTx/>
+              <a:buChar char="-"/>
+            </a:pPr>
+            <a:r>
+              <a:rPr lang="en-US" dirty="0"/>
+              <a:t>Espressif</a:t>
+            </a:r>
+          </a:p>
+          <a:p>
+            <a:pPr marL="171450" indent="-171450">
+              <a:buFontTx/>
+              <a:buChar char="-"/>
+            </a:pPr>
+            <a:r>
+              <a:rPr lang="en-US" dirty="0"/>
+              <a:t>Satisfying ambitious, abstract design needs</a:t>
+            </a:r>
+          </a:p>
+        </p:txBody>
+      </p:sp>
+      <p:sp>
+        <p:nvSpPr>
+          <p:cNvPr id="4" name="Slide Number Placeholder 3"/>
+          <p:cNvSpPr>
+            <a:spLocks noGrp="1"/>
+          </p:cNvSpPr>
+          <p:nvPr>
+            <p:ph type="sldNum" sz="quarter" idx="10"/>
+          </p:nvPr>
+        </p:nvSpPr>
+        <p:spPr/>
+        <p:txBody>
+          <a:bodyPr/>
+          <a:lstStyle/>
+          <a:p>
+            <a:fld id="{6361AABB-628C-496F-B0CB-A3FDC087FD3D}" type="slidenum">
+              <a:rPr lang="en-US" smtClean="0"/>
+              <a:t>6</a:t>
+            </a:fld>
             <a:endParaRPr lang="en-US"/>
-          </a:p>
-        </p:txBody>
-      </p:sp>
-      <p:sp>
-        <p:nvSpPr>
-          <p:cNvPr id="4" name="Slide Number Placeholder 3"/>
-          <p:cNvSpPr>
-            <a:spLocks noGrp="1"/>
-          </p:cNvSpPr>
-          <p:nvPr>
-            <p:ph type="sldNum" sz="quarter" idx="10"/>
-          </p:nvPr>
-        </p:nvSpPr>
-        <p:spPr/>
-        <p:txBody>
-          <a:bodyPr/>
-          <a:lstStyle/>
-          <a:p>
-            <a:fld id="{4AC65D0B-F732-4E21-9A8D-1C6A15A6A84B}" type="slidenum">
-              <a:rPr lang="en-US" smtClean="0"/>
-              <a:t>7</a:t>
-            </a:fld>
-            <a:endParaRPr lang="en-US" dirty="0"/>
           </a:p>
         </p:txBody>
       </p:sp>
     </p:spTree>
     <p:extLst>
       <p:ext uri="{BB962C8B-B14F-4D97-AF65-F5344CB8AC3E}">
-        <p14:creationId xmlns:p14="http://schemas.microsoft.com/office/powerpoint/2010/main" val="2003587252"/>
+        <p14:creationId xmlns:p14="http://schemas.microsoft.com/office/powerpoint/2010/main" val="1640240939"/>
       </p:ext>
     </p:extLst>
   </p:cSld>
@@ -1287,7 +2041,74 @@
           <a:bodyPr/>
           <a:lstStyle/>
           <a:p>
-            <a:endParaRPr lang="en-US"/>
+            <a:pPr marL="171450" indent="-171450">
+              <a:buFontTx/>
+              <a:buChar char="-"/>
+            </a:pPr>
+            <a:r>
+              <a:rPr lang="en-US" dirty="0"/>
+              <a:t>Schematics</a:t>
+            </a:r>
+          </a:p>
+          <a:p>
+            <a:pPr marL="171450" indent="-171450">
+              <a:buFontTx/>
+              <a:buChar char="-"/>
+            </a:pPr>
+            <a:r>
+              <a:rPr lang="en-US" dirty="0"/>
+              <a:t>Documentation</a:t>
+            </a:r>
+          </a:p>
+          <a:p>
+            <a:pPr marL="171450" indent="-171450">
+              <a:buFontTx/>
+              <a:buChar char="-"/>
+            </a:pPr>
+            <a:r>
+              <a:rPr lang="en-US" dirty="0"/>
+              <a:t>Board Design</a:t>
+            </a:r>
+          </a:p>
+          <a:p>
+            <a:pPr marL="171450" indent="-171450">
+              <a:buFontTx/>
+              <a:buChar char="-"/>
+            </a:pPr>
+            <a:r>
+              <a:rPr lang="en-US" dirty="0"/>
+              <a:t>Espressif bare-metal scope</a:t>
+            </a:r>
+          </a:p>
+          <a:p>
+            <a:pPr marL="171450" indent="-171450">
+              <a:buFontTx/>
+              <a:buChar char="-"/>
+            </a:pPr>
+            <a:r>
+              <a:rPr lang="en-US" dirty="0"/>
+              <a:t>Roadmap establish</a:t>
+            </a:r>
+          </a:p>
+          <a:p>
+            <a:pPr marL="171450" indent="-171450">
+              <a:buFontTx/>
+              <a:buChar char="-"/>
+            </a:pPr>
+            <a:r>
+              <a:rPr lang="en-US" dirty="0"/>
+              <a:t>Procedure Reference</a:t>
+            </a:r>
+          </a:p>
+          <a:p>
+            <a:pPr marL="171450" indent="-171450">
+              <a:buFontTx/>
+              <a:buChar char="-"/>
+            </a:pPr>
+            <a:r>
+              <a:rPr lang="en-US" dirty="0"/>
+              <a:t>GitHub</a:t>
+            </a:r>
           </a:p>
         </p:txBody>
       </p:sp>
@@ -1308,7 +2129,7 @@
           <a:p>
             <a:fld id="{4AC65D0B-F732-4E21-9A8D-1C6A15A6A84B}" type="slidenum">
               <a:rPr lang="en-US" smtClean="0"/>
-              <a:t>8</a:t>
+              <a:t>7</a:t>
             </a:fld>
             <a:endParaRPr lang="en-US" dirty="0"/>
           </a:p>
@@ -1317,7 +2138,7 @@
     </p:spTree>
     <p:extLst>
       <p:ext uri="{BB962C8B-B14F-4D97-AF65-F5344CB8AC3E}">
-        <p14:creationId xmlns:p14="http://schemas.microsoft.com/office/powerpoint/2010/main" val="3412337435"/>
+        <p14:creationId xmlns:p14="http://schemas.microsoft.com/office/powerpoint/2010/main" val="2781359423"/>
       </p:ext>
     </p:extLst>
   </p:cSld>
@@ -1377,11 +2198,7 @@
             </a:pPr>
             <a:r>
               <a:rPr lang="en-US" dirty="0"/>
-              <a:t>Frame, sketch w/vision</a:t>
-            </a:r>
-            <a:r>
-              <a:rPr lang="en-US" baseline="0" dirty="0"/>
-              <a:t> &amp; intent, draft</a:t>
+              <a:t>Communication</a:t>
             </a:r>
           </a:p>
           <a:p>
@@ -1390,8 +2207,8 @@
               <a:buChar char="-"/>
             </a:pPr>
             <a:r>
-              <a:rPr lang="en-US" baseline="0" dirty="0"/>
-              <a:t>Source control &amp; procedure!</a:t>
+              <a:rPr lang="en-US" dirty="0"/>
+              <a:t>Needs Identification &amp; Customer Relations</a:t>
             </a:r>
           </a:p>
           <a:p>
@@ -1400,8 +2217,8 @@
               <a:buChar char="-"/>
             </a:pPr>
             <a:r>
-              <a:rPr lang="en-US" baseline="0" dirty="0"/>
-              <a:t>Help from experience (Tomm, Terry, Father)</a:t>
+              <a:rPr lang="en-US" dirty="0"/>
+              <a:t>Translation of Ambitions to Marketable Results</a:t>
             </a:r>
           </a:p>
           <a:p>
@@ -1411,11 +2228,7 @@
             </a:pPr>
             <a:r>
               <a:rPr lang="en-US" dirty="0"/>
-              <a:t>Describe</a:t>
-            </a:r>
-            <a:r>
-              <a:rPr lang="en-US" baseline="0" dirty="0"/>
-              <a:t> procedure of PPT Generation</a:t>
+              <a:t>EAGLE Ramp</a:t>
             </a:r>
           </a:p>
           <a:p>
@@ -1424,8 +2237,8 @@
               <a:buChar char="-"/>
             </a:pPr>
             <a:r>
-              <a:rPr lang="en-US" baseline="0" dirty="0"/>
-              <a:t>    selection &amp; outline</a:t>
+              <a:rPr lang="en-US" dirty="0"/>
+              <a:t>Espressif Exposure &amp; Practice</a:t>
             </a:r>
           </a:p>
           <a:p>
@@ -1434,72 +2247,39 @@
               <a:buChar char="-"/>
             </a:pPr>
             <a:r>
-              <a:rPr lang="en-US" baseline="0" dirty="0"/>
-              <a:t>    customer meeting (Tomm)</a:t>
-            </a:r>
-          </a:p>
-          <a:p>
-            <a:pPr marL="171450" indent="-171450">
-              <a:buFontTx/>
-              <a:buChar char="-"/>
-            </a:pPr>
-            <a:r>
-              <a:rPr lang="en-US" baseline="0" dirty="0"/>
-              <a:t>    mentor advise (Tom, Father)</a:t>
-            </a:r>
-          </a:p>
-          <a:p>
-            <a:pPr marL="171450" indent="-171450">
-              <a:buFontTx/>
-              <a:buChar char="-"/>
-            </a:pPr>
-            <a:r>
-              <a:rPr lang="en-US" baseline="0" dirty="0"/>
-              <a:t>    outline</a:t>
-            </a:r>
-          </a:p>
-          <a:p>
-            <a:pPr marL="171450" indent="-171450">
-              <a:buFontTx/>
-              <a:buChar char="-"/>
-            </a:pPr>
-            <a:r>
-              <a:rPr lang="en-US" baseline="0" dirty="0"/>
-              <a:t>    find template</a:t>
-            </a:r>
-          </a:p>
-          <a:p>
+              <a:rPr lang="en-US" dirty="0"/>
+              <a:t>Relationships</a:t>
+            </a:r>
+          </a:p>
+        </p:txBody>
+      </p:sp>
+      <p:sp>
+        <p:nvSpPr>
+          <p:cNvPr id="4" name="Slide Number Placeholder 3"/>
+          <p:cNvSpPr>
+            <a:spLocks noGrp="1"/>
+          </p:cNvSpPr>
+          <p:nvPr>
+            <p:ph type="sldNum" sz="quarter" idx="10"/>
+          </p:nvPr>
+        </p:nvSpPr>
+        <p:spPr/>
+        <p:txBody>
+          <a:bodyPr/>
+          <a:lstStyle/>
+          <a:p>
+            <a:fld id="{4AC65D0B-F732-4E21-9A8D-1C6A15A6A84B}" type="slidenum">
+              <a:rPr lang="en-US" smtClean="0"/>
+              <a:t>8</a:t>
+            </a:fld>
             <a:endParaRPr lang="en-US" dirty="0"/>
-          </a:p>
-        </p:txBody>
-      </p:sp>
-      <p:sp>
-        <p:nvSpPr>
-          <p:cNvPr id="4" name="Slide Number Placeholder 3"/>
-          <p:cNvSpPr>
-            <a:spLocks noGrp="1"/>
-          </p:cNvSpPr>
-          <p:nvPr>
-            <p:ph type="sldNum" sz="quarter" idx="10"/>
-          </p:nvPr>
-        </p:nvSpPr>
-        <p:spPr/>
-        <p:txBody>
-          <a:bodyPr/>
-          <a:lstStyle/>
-          <a:p>
-            <a:fld id="{6361AABB-628C-496F-B0CB-A3FDC087FD3D}" type="slidenum">
-              <a:rPr lang="en-US" smtClean="0"/>
-              <a:t>9</a:t>
-            </a:fld>
-            <a:endParaRPr lang="en-US"/>
           </a:p>
         </p:txBody>
       </p:sp>
     </p:spTree>
     <p:extLst>
       <p:ext uri="{BB962C8B-B14F-4D97-AF65-F5344CB8AC3E}">
-        <p14:creationId xmlns:p14="http://schemas.microsoft.com/office/powerpoint/2010/main" val="2520438497"/>
+        <p14:creationId xmlns:p14="http://schemas.microsoft.com/office/powerpoint/2010/main" val="2003587252"/>
       </p:ext>
     </p:extLst>
   </p:cSld>
@@ -1553,7 +2333,64 @@
           <a:bodyPr/>
           <a:lstStyle/>
           <a:p>
-            <a:endParaRPr lang="en-US"/>
+            <a:pPr marL="171450" indent="-171450">
+              <a:buFontTx/>
+              <a:buChar char="-"/>
+            </a:pPr>
+            <a:r>
+              <a:rPr lang="en-US" dirty="0"/>
+              <a:t>Strengthened relations with Tomm</a:t>
+            </a:r>
+          </a:p>
+          <a:p>
+            <a:pPr marL="171450" indent="-171450">
+              <a:buFontTx/>
+              <a:buChar char="-"/>
+            </a:pPr>
+            <a:r>
+              <a:rPr lang="en-US" dirty="0"/>
+              <a:t>Tyler Brown Opportunity</a:t>
+            </a:r>
+          </a:p>
+          <a:p>
+            <a:pPr marL="171450" indent="-171450">
+              <a:buFontTx/>
+              <a:buChar char="-"/>
+            </a:pPr>
+            <a:r>
+              <a:rPr lang="en-US" dirty="0"/>
+              <a:t>Billy Keogh Opportunity</a:t>
+            </a:r>
+          </a:p>
+          <a:p>
+            <a:pPr marL="171450" indent="-171450">
+              <a:buFontTx/>
+              <a:buChar char="-"/>
+            </a:pPr>
+            <a:r>
+              <a:rPr lang="en-US" dirty="0"/>
+              <a:t>Jmr Opportunity</a:t>
+            </a:r>
+          </a:p>
+          <a:p>
+            <a:pPr marL="171450" indent="-171450">
+              <a:buFontTx/>
+              <a:buChar char="-"/>
+            </a:pPr>
+            <a:r>
+              <a:rPr lang="en-US" dirty="0"/>
+              <a:t>Mentor &amp; Network relations</a:t>
+            </a:r>
+          </a:p>
+          <a:p>
+            <a:pPr marL="171450" indent="-171450">
+              <a:buFontTx/>
+              <a:buChar char="-"/>
+            </a:pPr>
+            <a:r>
+              <a:rPr lang="en-US" dirty="0"/>
+              <a:t>Xylem &amp; Ergsense relations</a:t>
+            </a:r>
           </a:p>
         </p:txBody>
       </p:sp>
@@ -1574,7 +2411,7 @@
           <a:p>
             <a:fld id="{4AC65D0B-F732-4E21-9A8D-1C6A15A6A84B}" type="slidenum">
               <a:rPr lang="en-US" smtClean="0"/>
-              <a:t>10</a:t>
+              <a:t>9</a:t>
             </a:fld>
             <a:endParaRPr lang="en-US" dirty="0"/>
           </a:p>
@@ -1583,7 +2420,7 @@
     </p:spTree>
     <p:extLst>
       <p:ext uri="{BB962C8B-B14F-4D97-AF65-F5344CB8AC3E}">
-        <p14:creationId xmlns:p14="http://schemas.microsoft.com/office/powerpoint/2010/main" val="3872874621"/>
+        <p14:creationId xmlns:p14="http://schemas.microsoft.com/office/powerpoint/2010/main" val="3412337435"/>
       </p:ext>
     </p:extLst>
   </p:cSld>
@@ -9199,6 +10036,103 @@
           <p:cNvPr id="2" name="Title 1">
             <a:extLst>
               <a:ext uri="{FF2B5EF4-FFF2-40B4-BE49-F238E27FC236}">
+                <a16:creationId xmlns:a16="http://schemas.microsoft.com/office/drawing/2014/main" id="{3E7CF58B-BC39-4957-8290-A9DDACA503C3}"/>
+              </a:ext>
+            </a:extLst>
+          </p:cNvPr>
+          <p:cNvSpPr>
+            <a:spLocks noGrp="1"/>
+          </p:cNvSpPr>
+          <p:nvPr>
+            <p:ph type="title"/>
+          </p:nvPr>
+        </p:nvSpPr>
+        <p:spPr/>
+        <p:txBody>
+          <a:bodyPr>
+            <a:normAutofit/>
+          </a:bodyPr>
+          <a:lstStyle/>
+          <a:p>
+            <a:r>
+              <a:rPr lang="en-US" sz="4400" b="0" i="0" kern="1200" baseline="0" dirty="0">
+                <a:solidFill>
+                  <a:schemeClr val="tx1">
+                    <a:lumMod val="85000"/>
+                    <a:lumOff val="15000"/>
+                  </a:schemeClr>
+                </a:solidFill>
+                <a:effectLst/>
+                <a:latin typeface="+mj-lt"/>
+                <a:ea typeface="+mj-ea"/>
+                <a:cs typeface="+mj-cs"/>
+              </a:rPr>
+              <a:t>Procedure</a:t>
+            </a:r>
+            <a:endParaRPr lang="en-US" sz="4400" dirty="0"/>
+          </a:p>
+        </p:txBody>
+      </p:sp>
+      <p:sp>
+        <p:nvSpPr>
+          <p:cNvPr id="3" name="Content Placeholder 2">
+            <a:extLst>
+              <a:ext uri="{FF2B5EF4-FFF2-40B4-BE49-F238E27FC236}">
+                <a16:creationId xmlns:a16="http://schemas.microsoft.com/office/drawing/2014/main" id="{45BEC0FF-6757-4834-8BE8-CB7CC0E6958B}"/>
+              </a:ext>
+            </a:extLst>
+          </p:cNvPr>
+          <p:cNvSpPr>
+            <a:spLocks noGrp="1"/>
+          </p:cNvSpPr>
+          <p:nvPr>
+            <p:ph idx="1"/>
+          </p:nvPr>
+        </p:nvSpPr>
+        <p:spPr/>
+        <p:txBody>
+          <a:bodyPr/>
+          <a:lstStyle/>
+          <a:p>
+            <a:endParaRPr lang="en-US"/>
+          </a:p>
+        </p:txBody>
+      </p:sp>
+    </p:spTree>
+    <p:extLst>
+      <p:ext uri="{BB962C8B-B14F-4D97-AF65-F5344CB8AC3E}">
+        <p14:creationId xmlns:p14="http://schemas.microsoft.com/office/powerpoint/2010/main" val="3224787290"/>
+      </p:ext>
+    </p:extLst>
+  </p:cSld>
+  <p:clrMapOvr>
+    <a:masterClrMapping/>
+  </p:clrMapOvr>
+</p:sld>
+</file>
+
+<file path=ppt/slides/slide11.xml><?xml version="1.0" encoding="utf-8"?>
+<p:sld xmlns:a="http://schemas.openxmlformats.org/drawingml/2006/main" xmlns:r="http://schemas.openxmlformats.org/officeDocument/2006/relationships" xmlns:p="http://schemas.openxmlformats.org/presentationml/2006/main">
+  <p:cSld>
+    <p:spTree>
+      <p:nvGrpSpPr>
+        <p:cNvPr id="1" name=""/>
+        <p:cNvGrpSpPr/>
+        <p:nvPr/>
+      </p:nvGrpSpPr>
+      <p:grpSpPr>
+        <a:xfrm>
+          <a:off x="0" y="0"/>
+          <a:ext cx="0" cy="0"/>
+          <a:chOff x="0" y="0"/>
+          <a:chExt cx="0" cy="0"/>
+        </a:xfrm>
+      </p:grpSpPr>
+      <p:sp>
+        <p:nvSpPr>
+          <p:cNvPr id="2" name="Title 1">
+            <a:extLst>
+              <a:ext uri="{FF2B5EF4-FFF2-40B4-BE49-F238E27FC236}">
                 <a16:creationId xmlns:a16="http://schemas.microsoft.com/office/drawing/2014/main" id="{43A28E36-012E-4395-B0EC-36761B56D78C}"/>
               </a:ext>
             </a:extLst>
@@ -9269,7 +10203,7 @@
 </p:sld>
 </file>
 
-<file path=ppt/slides/slide11.xml><?xml version="1.0" encoding="utf-8"?>
+<file path=ppt/slides/slide12.xml><?xml version="1.0" encoding="utf-8"?>
 <p:sld xmlns:a="http://schemas.openxmlformats.org/drawingml/2006/main" xmlns:r="http://schemas.openxmlformats.org/officeDocument/2006/relationships" xmlns:p="http://schemas.openxmlformats.org/presentationml/2006/main">
   <p:cSld>
     <p:spTree>
@@ -9387,7 +10321,9 @@
         </p:nvSpPr>
         <p:spPr/>
         <p:txBody>
-          <a:bodyPr/>
+          <a:bodyPr>
+            <a:normAutofit/>
+          </a:bodyPr>
           <a:lstStyle/>
           <a:p>
             <a:r>
@@ -9399,10 +10335,10 @@
                 <a:ea typeface="+mj-ea"/>
                 <a:cs typeface="+mj-cs"/>
               </a:rPr>
-              <a:t>Customer Request,</a:t>
-            </a:r>
-            <a:r>
-              <a:rPr lang="en-US" sz="4400" b="0" i="0" u="none" strike="noStrike" kern="1200" dirty="0">
+              <a:t>Customer Request</a:t>
+            </a:r>
+            <a:br>
+              <a:rPr lang="en-US" sz="4400" b="0" i="0" u="none" strike="noStrike" kern="1200" baseline="0" dirty="0">
                 <a:solidFill>
                   <a:schemeClr val="tx1"/>
                 </a:solidFill>
@@ -9410,15 +10346,14 @@
                 <a:ea typeface="+mj-ea"/>
                 <a:cs typeface="+mj-cs"/>
               </a:rPr>
-              <a:t> </a:t>
-            </a:r>
+            </a:br>
             <a:r>
               <a:rPr lang="en-US" sz="2800" b="0" i="0" u="none" strike="noStrike" kern="1200" dirty="0">
                 <a:solidFill>
                   <a:schemeClr val="tx1"/>
                 </a:solidFill>
               </a:rPr>
-              <a:t>Needs &amp; </a:t>
+              <a:t>Identification of Needs &amp; </a:t>
             </a:r>
             <a:r>
               <a:rPr lang="en-US" sz="2800" b="0" i="0" u="none" strike="noStrike" kern="1200" baseline="0" dirty="0">
@@ -9492,7 +10427,7 @@
           <p:cNvPr id="2" name="Title 1">
             <a:extLst>
               <a:ext uri="{FF2B5EF4-FFF2-40B4-BE49-F238E27FC236}">
-                <a16:creationId xmlns:a16="http://schemas.microsoft.com/office/drawing/2014/main" id="{88363E62-F888-4FCB-A175-EB3706B85F1B}"/>
+                <a16:creationId xmlns:a16="http://schemas.microsoft.com/office/drawing/2014/main" id="{04C993AE-4FB0-4669-8BB3-8801EA50AF12}"/>
               </a:ext>
             </a:extLst>
           </p:cNvPr>
@@ -9505,21 +10440,15 @@
         </p:nvSpPr>
         <p:spPr/>
         <p:txBody>
-          <a:bodyPr/>
-          <a:lstStyle/>
-          <a:p>
-            <a:r>
-              <a:rPr lang="en-US" sz="4400" b="0" i="0" u="none" strike="noStrike" kern="1200" baseline="0" dirty="0">
-                <a:solidFill>
-                  <a:schemeClr val="tx1"/>
-                </a:solidFill>
-                <a:latin typeface="+mj-lt"/>
-                <a:ea typeface="+mj-ea"/>
-                <a:cs typeface="+mj-cs"/>
-              </a:rPr>
-              <a:t>Design Procedure (2)</a:t>
-            </a:r>
-            <a:endParaRPr lang="en-US" dirty="0"/>
+          <a:bodyPr>
+            <a:normAutofit/>
+          </a:bodyPr>
+          <a:lstStyle/>
+          <a:p>
+            <a:r>
+              <a:rPr lang="en-US" sz="4400" dirty="0"/>
+              <a:t>Feather Opportunities</a:t>
+            </a:r>
           </a:p>
         </p:txBody>
       </p:sp>
@@ -9528,7 +10457,7 @@
           <p:cNvPr id="3" name="Content Placeholder 2">
             <a:extLst>
               <a:ext uri="{FF2B5EF4-FFF2-40B4-BE49-F238E27FC236}">
-                <a16:creationId xmlns:a16="http://schemas.microsoft.com/office/drawing/2014/main" id="{A935FB1E-B06B-4E3A-A54C-04A508519109}"/>
+                <a16:creationId xmlns:a16="http://schemas.microsoft.com/office/drawing/2014/main" id="{D6C3F04F-3BFF-453C-8031-AE312E0A3509}"/>
               </a:ext>
             </a:extLst>
           </p:cNvPr>
@@ -9551,7 +10480,7 @@
     </p:spTree>
     <p:extLst>
       <p:ext uri="{BB962C8B-B14F-4D97-AF65-F5344CB8AC3E}">
-        <p14:creationId xmlns:p14="http://schemas.microsoft.com/office/powerpoint/2010/main" val="927521282"/>
+        <p14:creationId xmlns:p14="http://schemas.microsoft.com/office/powerpoint/2010/main" val="1141245059"/>
       </p:ext>
     </p:extLst>
   </p:cSld>
@@ -9583,7 +10512,7 @@
           <p:cNvPr id="2" name="Title 1">
             <a:extLst>
               <a:ext uri="{FF2B5EF4-FFF2-40B4-BE49-F238E27FC236}">
-                <a16:creationId xmlns:a16="http://schemas.microsoft.com/office/drawing/2014/main" id="{563C072F-80F0-4A4C-AF42-6FE541B5E5E8}"/>
+                <a16:creationId xmlns:a16="http://schemas.microsoft.com/office/drawing/2014/main" id="{88363E62-F888-4FCB-A175-EB3706B85F1B}"/>
               </a:ext>
             </a:extLst>
           </p:cNvPr>
@@ -9608,7 +10537,7 @@
                 <a:ea typeface="+mj-ea"/>
                 <a:cs typeface="+mj-cs"/>
               </a:rPr>
-              <a:t>Development Methodology (3)</a:t>
+              <a:t>Design Procedure (2)</a:t>
             </a:r>
             <a:endParaRPr lang="en-US" dirty="0"/>
           </a:p>
@@ -9619,7 +10548,7 @@
           <p:cNvPr id="3" name="Content Placeholder 2">
             <a:extLst>
               <a:ext uri="{FF2B5EF4-FFF2-40B4-BE49-F238E27FC236}">
-                <a16:creationId xmlns:a16="http://schemas.microsoft.com/office/drawing/2014/main" id="{FD858DE0-CA2F-478E-B44A-4A16F74BB9EE}"/>
+                <a16:creationId xmlns:a16="http://schemas.microsoft.com/office/drawing/2014/main" id="{A935FB1E-B06B-4E3A-A54C-04A508519109}"/>
               </a:ext>
             </a:extLst>
           </p:cNvPr>
@@ -9642,7 +10571,7 @@
     </p:spTree>
     <p:extLst>
       <p:ext uri="{BB962C8B-B14F-4D97-AF65-F5344CB8AC3E}">
-        <p14:creationId xmlns:p14="http://schemas.microsoft.com/office/powerpoint/2010/main" val="163627118"/>
+        <p14:creationId xmlns:p14="http://schemas.microsoft.com/office/powerpoint/2010/main" val="927521282"/>
       </p:ext>
     </p:extLst>
   </p:cSld>
@@ -9674,7 +10603,7 @@
           <p:cNvPr id="2" name="Title 1">
             <a:extLst>
               <a:ext uri="{FF2B5EF4-FFF2-40B4-BE49-F238E27FC236}">
-                <a16:creationId xmlns:a16="http://schemas.microsoft.com/office/drawing/2014/main" id="{D4A719D7-5C57-4915-9A3F-78D1A0EFB069}"/>
+                <a16:creationId xmlns:a16="http://schemas.microsoft.com/office/drawing/2014/main" id="{563C072F-80F0-4A4C-AF42-6FE541B5E5E8}"/>
               </a:ext>
             </a:extLst>
           </p:cNvPr>
@@ -9699,7 +10628,7 @@
                 <a:ea typeface="+mj-ea"/>
                 <a:cs typeface="+mj-cs"/>
               </a:rPr>
-              <a:t>Overcome Challenges</a:t>
+              <a:t>Development Methodology (3)</a:t>
             </a:r>
             <a:endParaRPr lang="en-US" dirty="0"/>
           </a:p>
@@ -9710,7 +10639,7 @@
           <p:cNvPr id="3" name="Content Placeholder 2">
             <a:extLst>
               <a:ext uri="{FF2B5EF4-FFF2-40B4-BE49-F238E27FC236}">
-                <a16:creationId xmlns:a16="http://schemas.microsoft.com/office/drawing/2014/main" id="{8987EDAD-8262-4FFE-8E62-474EB7CAFDCC}"/>
+                <a16:creationId xmlns:a16="http://schemas.microsoft.com/office/drawing/2014/main" id="{FD858DE0-CA2F-478E-B44A-4A16F74BB9EE}"/>
               </a:ext>
             </a:extLst>
           </p:cNvPr>
@@ -9733,7 +10662,7 @@
     </p:spTree>
     <p:extLst>
       <p:ext uri="{BB962C8B-B14F-4D97-AF65-F5344CB8AC3E}">
-        <p14:creationId xmlns:p14="http://schemas.microsoft.com/office/powerpoint/2010/main" val="73419143"/>
+        <p14:creationId xmlns:p14="http://schemas.microsoft.com/office/powerpoint/2010/main" val="163627118"/>
       </p:ext>
     </p:extLst>
   </p:cSld>
@@ -9765,7 +10694,7 @@
           <p:cNvPr id="2" name="Title 1">
             <a:extLst>
               <a:ext uri="{FF2B5EF4-FFF2-40B4-BE49-F238E27FC236}">
-                <a16:creationId xmlns:a16="http://schemas.microsoft.com/office/drawing/2014/main" id="{5012C1FE-807C-428F-AC4E-16C44712459E}"/>
+                <a16:creationId xmlns:a16="http://schemas.microsoft.com/office/drawing/2014/main" id="{D4A719D7-5C57-4915-9A3F-78D1A0EFB069}"/>
               </a:ext>
             </a:extLst>
           </p:cNvPr>
@@ -9790,7 +10719,7 @@
                 <a:ea typeface="+mj-ea"/>
                 <a:cs typeface="+mj-cs"/>
               </a:rPr>
-              <a:t>Deliverable &amp; Results (2)</a:t>
+              <a:t>Overcome Challenges</a:t>
             </a:r>
             <a:endParaRPr lang="en-US" dirty="0"/>
           </a:p>
@@ -9801,7 +10730,7 @@
           <p:cNvPr id="3" name="Content Placeholder 2">
             <a:extLst>
               <a:ext uri="{FF2B5EF4-FFF2-40B4-BE49-F238E27FC236}">
-                <a16:creationId xmlns:a16="http://schemas.microsoft.com/office/drawing/2014/main" id="{C04C8CA2-BD0D-4489-B64B-CD3544982353}"/>
+                <a16:creationId xmlns:a16="http://schemas.microsoft.com/office/drawing/2014/main" id="{8987EDAD-8262-4FFE-8E62-474EB7CAFDCC}"/>
               </a:ext>
             </a:extLst>
           </p:cNvPr>
@@ -9824,7 +10753,7 @@
     </p:spTree>
     <p:extLst>
       <p:ext uri="{BB962C8B-B14F-4D97-AF65-F5344CB8AC3E}">
-        <p14:creationId xmlns:p14="http://schemas.microsoft.com/office/powerpoint/2010/main" val="820223982"/>
+        <p14:creationId xmlns:p14="http://schemas.microsoft.com/office/powerpoint/2010/main" val="73419143"/>
       </p:ext>
     </p:extLst>
   </p:cSld>
@@ -9856,7 +10785,7 @@
           <p:cNvPr id="2" name="Title 1">
             <a:extLst>
               <a:ext uri="{FF2B5EF4-FFF2-40B4-BE49-F238E27FC236}">
-                <a16:creationId xmlns:a16="http://schemas.microsoft.com/office/drawing/2014/main" id="{6217DE87-9215-4E9A-B6B9-7706767BAD3A}"/>
+                <a16:creationId xmlns:a16="http://schemas.microsoft.com/office/drawing/2014/main" id="{5012C1FE-807C-428F-AC4E-16C44712459E}"/>
               </a:ext>
             </a:extLst>
           </p:cNvPr>
@@ -9881,7 +10810,7 @@
                 <a:ea typeface="+mj-ea"/>
                 <a:cs typeface="+mj-cs"/>
               </a:rPr>
-              <a:t>Learnings &amp; Growths</a:t>
+              <a:t>Deliverable &amp; Results (2)</a:t>
             </a:r>
             <a:endParaRPr lang="en-US" dirty="0"/>
           </a:p>
@@ -9892,7 +10821,7 @@
           <p:cNvPr id="3" name="Content Placeholder 2">
             <a:extLst>
               <a:ext uri="{FF2B5EF4-FFF2-40B4-BE49-F238E27FC236}">
-                <a16:creationId xmlns:a16="http://schemas.microsoft.com/office/drawing/2014/main" id="{B1138675-87A9-4CDA-A016-E6EED43EF64E}"/>
+                <a16:creationId xmlns:a16="http://schemas.microsoft.com/office/drawing/2014/main" id="{C04C8CA2-BD0D-4489-B64B-CD3544982353}"/>
               </a:ext>
             </a:extLst>
           </p:cNvPr>
@@ -9915,7 +10844,7 @@
     </p:spTree>
     <p:extLst>
       <p:ext uri="{BB962C8B-B14F-4D97-AF65-F5344CB8AC3E}">
-        <p14:creationId xmlns:p14="http://schemas.microsoft.com/office/powerpoint/2010/main" val="4001811534"/>
+        <p14:creationId xmlns:p14="http://schemas.microsoft.com/office/powerpoint/2010/main" val="820223982"/>
       </p:ext>
     </p:extLst>
   </p:cSld>
@@ -9947,7 +10876,7 @@
           <p:cNvPr id="2" name="Title 1">
             <a:extLst>
               <a:ext uri="{FF2B5EF4-FFF2-40B4-BE49-F238E27FC236}">
-                <a16:creationId xmlns:a16="http://schemas.microsoft.com/office/drawing/2014/main" id="{0F0EC5FE-E316-4499-AEE1-3F203FB8075C}"/>
+                <a16:creationId xmlns:a16="http://schemas.microsoft.com/office/drawing/2014/main" id="{6217DE87-9215-4E9A-B6B9-7706767BAD3A}"/>
               </a:ext>
             </a:extLst>
           </p:cNvPr>
@@ -9964,16 +10893,15 @@
           <a:lstStyle/>
           <a:p>
             <a:r>
-              <a:rPr lang="en-US" sz="4400" b="0" i="0" kern="1200" baseline="0" dirty="0">
+              <a:rPr lang="en-US" sz="4400" b="0" i="0" u="none" strike="noStrike" kern="1200" baseline="0" dirty="0">
                 <a:solidFill>
                   <a:schemeClr val="tx1"/>
                 </a:solidFill>
-                <a:effectLst/>
                 <a:latin typeface="+mj-lt"/>
                 <a:ea typeface="+mj-ea"/>
                 <a:cs typeface="+mj-cs"/>
               </a:rPr>
-              <a:t>Outcomes</a:t>
+              <a:t>Learnings &amp; Growths</a:t>
             </a:r>
             <a:endParaRPr lang="en-US" dirty="0"/>
           </a:p>
@@ -9984,7 +10912,7 @@
           <p:cNvPr id="3" name="Content Placeholder 2">
             <a:extLst>
               <a:ext uri="{FF2B5EF4-FFF2-40B4-BE49-F238E27FC236}">
-                <a16:creationId xmlns:a16="http://schemas.microsoft.com/office/drawing/2014/main" id="{5F34F862-E71D-4D72-B80B-A4351D585243}"/>
+                <a16:creationId xmlns:a16="http://schemas.microsoft.com/office/drawing/2014/main" id="{B1138675-87A9-4CDA-A016-E6EED43EF64E}"/>
               </a:ext>
             </a:extLst>
           </p:cNvPr>
@@ -10007,7 +10935,7 @@
     </p:spTree>
     <p:extLst>
       <p:ext uri="{BB962C8B-B14F-4D97-AF65-F5344CB8AC3E}">
-        <p14:creationId xmlns:p14="http://schemas.microsoft.com/office/powerpoint/2010/main" val="681447346"/>
+        <p14:creationId xmlns:p14="http://schemas.microsoft.com/office/powerpoint/2010/main" val="4001811534"/>
       </p:ext>
     </p:extLst>
   </p:cSld>
@@ -10039,7 +10967,7 @@
           <p:cNvPr id="2" name="Title 1">
             <a:extLst>
               <a:ext uri="{FF2B5EF4-FFF2-40B4-BE49-F238E27FC236}">
-                <a16:creationId xmlns:a16="http://schemas.microsoft.com/office/drawing/2014/main" id="{3E7CF58B-BC39-4957-8290-A9DDACA503C3}"/>
+                <a16:creationId xmlns:a16="http://schemas.microsoft.com/office/drawing/2014/main" id="{0F0EC5FE-E316-4499-AEE1-3F203FB8075C}"/>
               </a:ext>
             </a:extLst>
           </p:cNvPr>
@@ -10056,19 +10984,16 @@
           <a:lstStyle/>
           <a:p>
             <a:r>
-              <a:rPr lang="en-US" sz="3600" b="0" i="0" kern="1200" baseline="0" dirty="0">
+              <a:rPr lang="en-US" sz="4400" b="0" i="0" kern="1200" baseline="0" dirty="0">
                 <a:solidFill>
-                  <a:schemeClr val="tx1">
-                    <a:lumMod val="85000"/>
-                    <a:lumOff val="15000"/>
-                  </a:schemeClr>
+                  <a:schemeClr val="tx1"/>
                 </a:solidFill>
                 <a:effectLst/>
                 <a:latin typeface="+mj-lt"/>
                 <a:ea typeface="+mj-ea"/>
                 <a:cs typeface="+mj-cs"/>
               </a:rPr>
-              <a:t>Procedure</a:t>
+              <a:t>Outcomes</a:t>
             </a:r>
             <a:endParaRPr lang="en-US" dirty="0"/>
           </a:p>
@@ -10079,7 +11004,7 @@
           <p:cNvPr id="3" name="Content Placeholder 2">
             <a:extLst>
               <a:ext uri="{FF2B5EF4-FFF2-40B4-BE49-F238E27FC236}">
-                <a16:creationId xmlns:a16="http://schemas.microsoft.com/office/drawing/2014/main" id="{45BEC0FF-6757-4834-8BE8-CB7CC0E6958B}"/>
+                <a16:creationId xmlns:a16="http://schemas.microsoft.com/office/drawing/2014/main" id="{5F34F862-E71D-4D72-B80B-A4351D585243}"/>
               </a:ext>
             </a:extLst>
           </p:cNvPr>
@@ -10102,7 +11027,7 @@
     </p:spTree>
     <p:extLst>
       <p:ext uri="{BB962C8B-B14F-4D97-AF65-F5344CB8AC3E}">
-        <p14:creationId xmlns:p14="http://schemas.microsoft.com/office/powerpoint/2010/main" val="3224787290"/>
+        <p14:creationId xmlns:p14="http://schemas.microsoft.com/office/powerpoint/2010/main" val="681447346"/>
       </p:ext>
     </p:extLst>
   </p:cSld>

--- a/Suppl/Pivotal Presentation - DTECTS.pptx
+++ b/Suppl/Pivotal Presentation - DTECTS.pptx
@@ -10,16 +10,16 @@
   <p:sldIdLst>
     <p:sldId id="257" r:id="rId2"/>
     <p:sldId id="259" r:id="rId3"/>
-    <p:sldId id="279" r:id="rId4"/>
-    <p:sldId id="261" r:id="rId5"/>
-    <p:sldId id="263" r:id="rId6"/>
-    <p:sldId id="265" r:id="rId7"/>
-    <p:sldId id="267" r:id="rId8"/>
-    <p:sldId id="262" r:id="rId9"/>
-    <p:sldId id="273" r:id="rId10"/>
-    <p:sldId id="274" r:id="rId11"/>
-    <p:sldId id="276" r:id="rId12"/>
-    <p:sldId id="278" r:id="rId13"/>
+    <p:sldId id="280" r:id="rId4"/>
+    <p:sldId id="281" r:id="rId5"/>
+    <p:sldId id="282" r:id="rId6"/>
+    <p:sldId id="283" r:id="rId7"/>
+    <p:sldId id="284" r:id="rId8"/>
+    <p:sldId id="286" r:id="rId9"/>
+    <p:sldId id="287" r:id="rId10"/>
+    <p:sldId id="288" r:id="rId11"/>
+    <p:sldId id="290" r:id="rId12"/>
+    <p:sldId id="289" r:id="rId13"/>
   </p:sldIdLst>
   <p:sldSz cx="12192000" cy="6858000"/>
   <p:notesSz cx="6858000" cy="9144000"/>
@@ -919,6 +919,13 @@
           <a:p>
             <a:endParaRPr lang="en-US" dirty="0"/>
           </a:p>
+          <a:p>
+            <a:pPr marL="0" indent="0">
+              <a:buFontTx/>
+              <a:buNone/>
+            </a:pPr>
+            <a:endParaRPr lang="en-US" dirty="0"/>
+          </a:p>
         </p:txBody>
       </p:sp>
       <p:sp>
@@ -936,18 +943,18 @@
           <a:bodyPr/>
           <a:lstStyle/>
           <a:p>
-            <a:fld id="{6361AABB-628C-496F-B0CB-A3FDC087FD3D}" type="slidenum">
+            <a:fld id="{4AC65D0B-F732-4E21-9A8D-1C6A15A6A84B}" type="slidenum">
               <a:rPr lang="en-US" smtClean="0"/>
               <a:t>10</a:t>
             </a:fld>
-            <a:endParaRPr lang="en-US"/>
+            <a:endParaRPr lang="en-US" dirty="0"/>
           </a:p>
         </p:txBody>
       </p:sp>
     </p:spTree>
     <p:extLst>
       <p:ext uri="{BB962C8B-B14F-4D97-AF65-F5344CB8AC3E}">
-        <p14:creationId xmlns:p14="http://schemas.microsoft.com/office/powerpoint/2010/main" val="2520438497"/>
+        <p14:creationId xmlns:p14="http://schemas.microsoft.com/office/powerpoint/2010/main" val="648812506"/>
       </p:ext>
     </p:extLst>
   </p:cSld>
@@ -1040,6 +1047,13 @@
               <a:t>Rapid Prototyping</a:t>
             </a:r>
           </a:p>
+          <a:p>
+            <a:pPr marL="0" indent="0">
+              <a:buFontTx/>
+              <a:buNone/>
+            </a:pPr>
+            <a:endParaRPr lang="en-US" dirty="0"/>
+          </a:p>
         </p:txBody>
       </p:sp>
       <p:sp>
@@ -1068,7 +1082,7 @@
     </p:spTree>
     <p:extLst>
       <p:ext uri="{BB962C8B-B14F-4D97-AF65-F5344CB8AC3E}">
-        <p14:creationId xmlns:p14="http://schemas.microsoft.com/office/powerpoint/2010/main" val="3872874621"/>
+        <p14:creationId xmlns:p14="http://schemas.microsoft.com/office/powerpoint/2010/main" val="3025603983"/>
       </p:ext>
     </p:extLst>
   </p:cSld>
@@ -1138,6 +1152,13 @@
             </a:r>
             <a:endParaRPr lang="en-US" dirty="0"/>
           </a:p>
+          <a:p>
+            <a:pPr marL="0" indent="0">
+              <a:buFontTx/>
+              <a:buNone/>
+            </a:pPr>
+            <a:endParaRPr lang="en-US" dirty="0"/>
+          </a:p>
         </p:txBody>
       </p:sp>
       <p:sp>
@@ -1166,7 +1187,7 @@
     </p:spTree>
     <p:extLst>
       <p:ext uri="{BB962C8B-B14F-4D97-AF65-F5344CB8AC3E}">
-        <p14:creationId xmlns:p14="http://schemas.microsoft.com/office/powerpoint/2010/main" val="1742817908"/>
+        <p14:creationId xmlns:p14="http://schemas.microsoft.com/office/powerpoint/2010/main" val="1594136022"/>
       </p:ext>
     </p:extLst>
   </p:cSld>
@@ -1219,6 +1240,49 @@
         <p:txBody>
           <a:bodyPr/>
           <a:lstStyle/>
+          <a:p>
+            <a:pPr marL="0" indent="0">
+              <a:buFontTx/>
+              <a:buNone/>
+            </a:pPr>
+            <a:r>
+              <a:rPr lang="en-US" dirty="0"/>
+              <a:t>Summary</a:t>
+            </a:r>
+          </a:p>
+          <a:p>
+            <a:pPr marL="171450" indent="-171450">
+              <a:buFontTx/>
+              <a:buChar char="-"/>
+            </a:pPr>
+            <a:r>
+              <a:rPr lang="en-US" sz="1200" b="0" i="0" u="none" strike="noStrike" kern="1200" dirty="0">
+                <a:solidFill>
+                  <a:schemeClr val="tx1"/>
+                </a:solidFill>
+              </a:rPr>
+              <a:t>Identification of Needs &amp; </a:t>
+            </a:r>
+            <a:r>
+              <a:rPr lang="en-US" sz="1200" b="0" i="0" u="none" strike="noStrike" kern="1200" baseline="0" dirty="0">
+                <a:solidFill>
+                  <a:schemeClr val="tx1"/>
+                </a:solidFill>
+              </a:rPr>
+              <a:t>Challenges</a:t>
+            </a:r>
+          </a:p>
+          <a:p>
+            <a:pPr marL="171450" indent="-171450">
+              <a:buFontTx/>
+              <a:buChar char="-"/>
+            </a:pPr>
+            <a:endParaRPr lang="en-US" sz="1200" b="0" i="0" u="none" strike="noStrike" kern="1200" baseline="0" dirty="0">
+              <a:solidFill>
+                <a:schemeClr val="tx1"/>
+              </a:solidFill>
+            </a:endParaRPr>
+          </a:p>
           <a:p>
             <a:pPr marL="0" indent="0">
               <a:buFontTx/>
@@ -1556,6 +1620,13 @@
               <a:t>What it brought to Tomm’s project</a:t>
             </a:r>
           </a:p>
+          <a:p>
+            <a:pPr marL="0" indent="0">
+              <a:buFontTx/>
+              <a:buNone/>
+            </a:pPr>
+            <a:endParaRPr lang="en-US" dirty="0"/>
+          </a:p>
         </p:txBody>
       </p:sp>
       <p:sp>
@@ -1573,18 +1644,18 @@
           <a:bodyPr/>
           <a:lstStyle/>
           <a:p>
-            <a:fld id="{6361AABB-628C-496F-B0CB-A3FDC087FD3D}" type="slidenum">
+            <a:fld id="{4AC65D0B-F732-4E21-9A8D-1C6A15A6A84B}" type="slidenum">
               <a:rPr lang="en-US" smtClean="0"/>
               <a:t>3</a:t>
             </a:fld>
-            <a:endParaRPr lang="en-US"/>
+            <a:endParaRPr lang="en-US" dirty="0"/>
           </a:p>
         </p:txBody>
       </p:sp>
     </p:spTree>
     <p:extLst>
       <p:ext uri="{BB962C8B-B14F-4D97-AF65-F5344CB8AC3E}">
-        <p14:creationId xmlns:p14="http://schemas.microsoft.com/office/powerpoint/2010/main" val="2194817254"/>
+        <p14:creationId xmlns:p14="http://schemas.microsoft.com/office/powerpoint/2010/main" val="408159008"/>
       </p:ext>
     </p:extLst>
   </p:cSld>
@@ -1677,6 +1748,13 @@
               <a:t>Contract Completion &amp; Transfer</a:t>
             </a:r>
           </a:p>
+          <a:p>
+            <a:pPr marL="0" indent="0">
+              <a:buFontTx/>
+              <a:buNone/>
+            </a:pPr>
+            <a:endParaRPr lang="en-US" dirty="0"/>
+          </a:p>
         </p:txBody>
       </p:sp>
       <p:sp>
@@ -1705,7 +1783,7 @@
     </p:spTree>
     <p:extLst>
       <p:ext uri="{BB962C8B-B14F-4D97-AF65-F5344CB8AC3E}">
-        <p14:creationId xmlns:p14="http://schemas.microsoft.com/office/powerpoint/2010/main" val="3333099726"/>
+        <p14:creationId xmlns:p14="http://schemas.microsoft.com/office/powerpoint/2010/main" val="292211601"/>
       </p:ext>
     </p:extLst>
   </p:cSld>
@@ -1838,6 +1916,13 @@
               <a:t>Revision Control</a:t>
             </a:r>
           </a:p>
+          <a:p>
+            <a:pPr marL="0" indent="0">
+              <a:buFontTx/>
+              <a:buNone/>
+            </a:pPr>
+            <a:endParaRPr lang="en-US" dirty="0"/>
+          </a:p>
         </p:txBody>
       </p:sp>
       <p:sp>
@@ -1866,7 +1951,7 @@
     </p:spTree>
     <p:extLst>
       <p:ext uri="{BB962C8B-B14F-4D97-AF65-F5344CB8AC3E}">
-        <p14:creationId xmlns:p14="http://schemas.microsoft.com/office/powerpoint/2010/main" val="204800194"/>
+        <p14:creationId xmlns:p14="http://schemas.microsoft.com/office/powerpoint/2010/main" val="1782159032"/>
       </p:ext>
     </p:extLst>
   </p:cSld>
@@ -1959,6 +2044,13 @@
               <a:t>Satisfying ambitious, abstract design needs</a:t>
             </a:r>
           </a:p>
+          <a:p>
+            <a:pPr marL="0" indent="0">
+              <a:buFontTx/>
+              <a:buNone/>
+            </a:pPr>
+            <a:endParaRPr lang="en-US" dirty="0"/>
+          </a:p>
         </p:txBody>
       </p:sp>
       <p:sp>
@@ -1976,18 +2068,18 @@
           <a:bodyPr/>
           <a:lstStyle/>
           <a:p>
-            <a:fld id="{6361AABB-628C-496F-B0CB-A3FDC087FD3D}" type="slidenum">
+            <a:fld id="{4AC65D0B-F732-4E21-9A8D-1C6A15A6A84B}" type="slidenum">
               <a:rPr lang="en-US" smtClean="0"/>
               <a:t>6</a:t>
             </a:fld>
-            <a:endParaRPr lang="en-US"/>
+            <a:endParaRPr lang="en-US" dirty="0"/>
           </a:p>
         </p:txBody>
       </p:sp>
     </p:spTree>
     <p:extLst>
       <p:ext uri="{BB962C8B-B14F-4D97-AF65-F5344CB8AC3E}">
-        <p14:creationId xmlns:p14="http://schemas.microsoft.com/office/powerpoint/2010/main" val="1640240939"/>
+        <p14:creationId xmlns:p14="http://schemas.microsoft.com/office/powerpoint/2010/main" val="3236089897"/>
       </p:ext>
     </p:extLst>
   </p:cSld>
@@ -2110,6 +2202,13 @@
               <a:t>GitHub</a:t>
             </a:r>
           </a:p>
+          <a:p>
+            <a:pPr marL="0" indent="0">
+              <a:buFontTx/>
+              <a:buNone/>
+            </a:pPr>
+            <a:endParaRPr lang="en-US" dirty="0"/>
+          </a:p>
         </p:txBody>
       </p:sp>
       <p:sp>
@@ -2138,7 +2237,7 @@
     </p:spTree>
     <p:extLst>
       <p:ext uri="{BB962C8B-B14F-4D97-AF65-F5344CB8AC3E}">
-        <p14:creationId xmlns:p14="http://schemas.microsoft.com/office/powerpoint/2010/main" val="2781359423"/>
+        <p14:creationId xmlns:p14="http://schemas.microsoft.com/office/powerpoint/2010/main" val="812602940"/>
       </p:ext>
     </p:extLst>
   </p:cSld>
@@ -2251,6 +2350,13 @@
               <a:t>Relationships</a:t>
             </a:r>
           </a:p>
+          <a:p>
+            <a:pPr marL="0" indent="0">
+              <a:buFontTx/>
+              <a:buNone/>
+            </a:pPr>
+            <a:endParaRPr lang="en-US" dirty="0"/>
+          </a:p>
         </p:txBody>
       </p:sp>
       <p:sp>
@@ -2279,7 +2385,7 @@
     </p:spTree>
     <p:extLst>
       <p:ext uri="{BB962C8B-B14F-4D97-AF65-F5344CB8AC3E}">
-        <p14:creationId xmlns:p14="http://schemas.microsoft.com/office/powerpoint/2010/main" val="2003587252"/>
+        <p14:creationId xmlns:p14="http://schemas.microsoft.com/office/powerpoint/2010/main" val="264461871"/>
       </p:ext>
     </p:extLst>
   </p:cSld>
@@ -2392,6 +2498,13 @@
               <a:t>Xylem &amp; Ergsense relations</a:t>
             </a:r>
           </a:p>
+          <a:p>
+            <a:pPr marL="0" indent="0">
+              <a:buFontTx/>
+              <a:buNone/>
+            </a:pPr>
+            <a:endParaRPr lang="en-US" dirty="0"/>
+          </a:p>
         </p:txBody>
       </p:sp>
       <p:sp>
@@ -2420,7 +2533,7 @@
     </p:spTree>
     <p:extLst>
       <p:ext uri="{BB962C8B-B14F-4D97-AF65-F5344CB8AC3E}">
-        <p14:creationId xmlns:p14="http://schemas.microsoft.com/office/powerpoint/2010/main" val="3412337435"/>
+        <p14:creationId xmlns:p14="http://schemas.microsoft.com/office/powerpoint/2010/main" val="3716442150"/>
       </p:ext>
     </p:extLst>
   </p:cSld>
@@ -10036,7 +10149,7 @@
           <p:cNvPr id="2" name="Title 1">
             <a:extLst>
               <a:ext uri="{FF2B5EF4-FFF2-40B4-BE49-F238E27FC236}">
-                <a16:creationId xmlns:a16="http://schemas.microsoft.com/office/drawing/2014/main" id="{3E7CF58B-BC39-4957-8290-A9DDACA503C3}"/>
+                <a16:creationId xmlns:a16="http://schemas.microsoft.com/office/drawing/2014/main" id="{9C5E42EE-EA5D-4203-B1EC-B96B68D2A8EA}"/>
               </a:ext>
             </a:extLst>
           </p:cNvPr>
@@ -10054,8 +10167,9 @@
           </a:bodyPr>
           <a:lstStyle/>
           <a:p>
-            <a:r>
-              <a:rPr lang="en-US" sz="4400" b="0" i="0" kern="1200" baseline="0" dirty="0">
+            <a:pPr rtl="0" eaLnBrk="1" latinLnBrk="0" hangingPunct="1"/>
+            <a:r>
+              <a:rPr lang="en-US" sz="3600" b="0" i="0" kern="1200" baseline="0" dirty="0">
                 <a:solidFill>
                   <a:schemeClr val="tx1">
                     <a:lumMod val="85000"/>
@@ -10069,7 +10183,9 @@
               </a:rPr>
               <a:t>Procedure</a:t>
             </a:r>
-            <a:endParaRPr lang="en-US" sz="4400" dirty="0"/>
+            <a:endParaRPr lang="en-US" sz="4400" dirty="0">
+              <a:effectLst/>
+            </a:endParaRPr>
           </a:p>
         </p:txBody>
       </p:sp>
@@ -10078,7 +10194,7 @@
           <p:cNvPr id="3" name="Content Placeholder 2">
             <a:extLst>
               <a:ext uri="{FF2B5EF4-FFF2-40B4-BE49-F238E27FC236}">
-                <a16:creationId xmlns:a16="http://schemas.microsoft.com/office/drawing/2014/main" id="{45BEC0FF-6757-4834-8BE8-CB7CC0E6958B}"/>
+                <a16:creationId xmlns:a16="http://schemas.microsoft.com/office/drawing/2014/main" id="{044B4F6E-A639-47F4-91A5-68807265D618}"/>
               </a:ext>
             </a:extLst>
           </p:cNvPr>
@@ -10089,19 +10205,24 @@
             <p:ph idx="1"/>
           </p:nvPr>
         </p:nvSpPr>
-        <p:spPr/>
+        <p:spPr>
+          <a:xfrm>
+            <a:off x="2589211" y="1451113"/>
+            <a:ext cx="9079327" cy="5068957"/>
+          </a:xfrm>
+        </p:spPr>
         <p:txBody>
           <a:bodyPr/>
           <a:lstStyle/>
           <a:p>
-            <a:endParaRPr lang="en-US"/>
+            <a:endParaRPr lang="en-US" dirty="0"/>
           </a:p>
         </p:txBody>
       </p:sp>
     </p:spTree>
     <p:extLst>
       <p:ext uri="{BB962C8B-B14F-4D97-AF65-F5344CB8AC3E}">
-        <p14:creationId xmlns:p14="http://schemas.microsoft.com/office/powerpoint/2010/main" val="3224787290"/>
+        <p14:creationId xmlns:p14="http://schemas.microsoft.com/office/powerpoint/2010/main" val="3600086102"/>
       </p:ext>
     </p:extLst>
   </p:cSld>
@@ -10133,7 +10254,7 @@
           <p:cNvPr id="2" name="Title 1">
             <a:extLst>
               <a:ext uri="{FF2B5EF4-FFF2-40B4-BE49-F238E27FC236}">
-                <a16:creationId xmlns:a16="http://schemas.microsoft.com/office/drawing/2014/main" id="{43A28E36-012E-4395-B0EC-36761B56D78C}"/>
+                <a16:creationId xmlns:a16="http://schemas.microsoft.com/office/drawing/2014/main" id="{9C5E42EE-EA5D-4203-B1EC-B96B68D2A8EA}"/>
               </a:ext>
             </a:extLst>
           </p:cNvPr>
@@ -10146,13 +10267,19 @@
         </p:nvSpPr>
         <p:spPr/>
         <p:txBody>
-          <a:bodyPr/>
+          <a:bodyPr>
+            <a:normAutofit/>
+          </a:bodyPr>
           <a:lstStyle/>
           <a:p>
-            <a:r>
-              <a:rPr lang="en-US" sz="4400" b="0" i="0" kern="1200" baseline="0" dirty="0">
+            <a:pPr rtl="0" eaLnBrk="1" latinLnBrk="0" hangingPunct="1"/>
+            <a:r>
+              <a:rPr lang="en-US" sz="3600" b="0" i="0" kern="1200" baseline="0" dirty="0">
                 <a:solidFill>
-                  <a:schemeClr val="tx1"/>
+                  <a:schemeClr val="tx1">
+                    <a:lumMod val="85000"/>
+                    <a:lumOff val="15000"/>
+                  </a:schemeClr>
                 </a:solidFill>
                 <a:effectLst/>
                 <a:latin typeface="+mj-lt"/>
@@ -10161,7 +10288,9 @@
               </a:rPr>
               <a:t>Pivotal Value Statement </a:t>
             </a:r>
-            <a:endParaRPr lang="en-US" dirty="0"/>
+            <a:endParaRPr lang="en-US" sz="4400" dirty="0">
+              <a:effectLst/>
+            </a:endParaRPr>
           </a:p>
         </p:txBody>
       </p:sp>
@@ -10170,7 +10299,7 @@
           <p:cNvPr id="3" name="Content Placeholder 2">
             <a:extLst>
               <a:ext uri="{FF2B5EF4-FFF2-40B4-BE49-F238E27FC236}">
-                <a16:creationId xmlns:a16="http://schemas.microsoft.com/office/drawing/2014/main" id="{5CFC58F6-1277-49D4-86BB-7D1B0E885E68}"/>
+                <a16:creationId xmlns:a16="http://schemas.microsoft.com/office/drawing/2014/main" id="{044B4F6E-A639-47F4-91A5-68807265D618}"/>
               </a:ext>
             </a:extLst>
           </p:cNvPr>
@@ -10181,19 +10310,24 @@
             <p:ph idx="1"/>
           </p:nvPr>
         </p:nvSpPr>
-        <p:spPr/>
+        <p:spPr>
+          <a:xfrm>
+            <a:off x="2589211" y="1451113"/>
+            <a:ext cx="9079327" cy="5068957"/>
+          </a:xfrm>
+        </p:spPr>
         <p:txBody>
           <a:bodyPr/>
           <a:lstStyle/>
           <a:p>
-            <a:endParaRPr lang="en-US"/>
+            <a:endParaRPr lang="en-US" dirty="0"/>
           </a:p>
         </p:txBody>
       </p:sp>
     </p:spTree>
     <p:extLst>
       <p:ext uri="{BB962C8B-B14F-4D97-AF65-F5344CB8AC3E}">
-        <p14:creationId xmlns:p14="http://schemas.microsoft.com/office/powerpoint/2010/main" val="2764781334"/>
+        <p14:creationId xmlns:p14="http://schemas.microsoft.com/office/powerpoint/2010/main" val="3071141420"/>
       </p:ext>
     </p:extLst>
   </p:cSld>
@@ -10225,7 +10359,7 @@
           <p:cNvPr id="2" name="Title 1">
             <a:extLst>
               <a:ext uri="{FF2B5EF4-FFF2-40B4-BE49-F238E27FC236}">
-                <a16:creationId xmlns:a16="http://schemas.microsoft.com/office/drawing/2014/main" id="{30D8BA34-68B4-477E-AA56-8A4413D45AC9}"/>
+                <a16:creationId xmlns:a16="http://schemas.microsoft.com/office/drawing/2014/main" id="{9C5E42EE-EA5D-4203-B1EC-B96B68D2A8EA}"/>
               </a:ext>
             </a:extLst>
           </p:cNvPr>
@@ -10238,13 +10372,46 @@
         </p:nvSpPr>
         <p:spPr/>
         <p:txBody>
-          <a:bodyPr/>
+          <a:bodyPr>
+            <a:normAutofit/>
+          </a:bodyPr>
           <a:lstStyle/>
           <a:p>
-            <a:r>
-              <a:rPr lang="en-US" dirty="0"/>
+            <a:pPr marL="0" marR="0" lvl="0" indent="0" algn="l" defTabSz="457200" rtl="0" eaLnBrk="1" fontAlgn="auto" latinLnBrk="0" hangingPunct="1">
+              <a:lnSpc>
+                <a:spcPct val="100000"/>
+              </a:lnSpc>
+              <a:spcBef>
+                <a:spcPct val="0"/>
+              </a:spcBef>
+              <a:spcAft>
+                <a:spcPts val="0"/>
+              </a:spcAft>
+              <a:buClrTx/>
+              <a:buSzTx/>
+              <a:buFontTx/>
+              <a:buNone/>
+              <a:tabLst/>
+              <a:defRPr/>
+            </a:pPr>
+            <a:r>
+              <a:rPr lang="en-US" sz="3600" kern="1200" dirty="0">
+                <a:solidFill>
+                  <a:schemeClr val="tx1">
+                    <a:lumMod val="85000"/>
+                    <a:lumOff val="15000"/>
+                  </a:schemeClr>
+                </a:solidFill>
+                <a:effectLst/>
+                <a:latin typeface="+mj-lt"/>
+                <a:ea typeface="+mj-ea"/>
+                <a:cs typeface="+mj-cs"/>
+              </a:rPr>
               <a:t>_Notes_</a:t>
             </a:r>
+            <a:endParaRPr lang="en-US" dirty="0">
+              <a:effectLst/>
+            </a:endParaRPr>
           </a:p>
         </p:txBody>
       </p:sp>
@@ -10253,7 +10420,7 @@
           <p:cNvPr id="3" name="Content Placeholder 2">
             <a:extLst>
               <a:ext uri="{FF2B5EF4-FFF2-40B4-BE49-F238E27FC236}">
-                <a16:creationId xmlns:a16="http://schemas.microsoft.com/office/drawing/2014/main" id="{F80EC028-51B1-4DE2-B579-B7B5745BC933}"/>
+                <a16:creationId xmlns:a16="http://schemas.microsoft.com/office/drawing/2014/main" id="{044B4F6E-A639-47F4-91A5-68807265D618}"/>
               </a:ext>
             </a:extLst>
           </p:cNvPr>
@@ -10264,19 +10431,24 @@
             <p:ph idx="1"/>
           </p:nvPr>
         </p:nvSpPr>
-        <p:spPr/>
+        <p:spPr>
+          <a:xfrm>
+            <a:off x="2589211" y="1451113"/>
+            <a:ext cx="9079327" cy="5068957"/>
+          </a:xfrm>
+        </p:spPr>
         <p:txBody>
           <a:bodyPr/>
           <a:lstStyle/>
           <a:p>
-            <a:endParaRPr lang="en-US"/>
+            <a:endParaRPr lang="en-US" dirty="0"/>
           </a:p>
         </p:txBody>
       </p:sp>
     </p:spTree>
     <p:extLst>
       <p:ext uri="{BB962C8B-B14F-4D97-AF65-F5344CB8AC3E}">
-        <p14:creationId xmlns:p14="http://schemas.microsoft.com/office/powerpoint/2010/main" val="2109186630"/>
+        <p14:creationId xmlns:p14="http://schemas.microsoft.com/office/powerpoint/2010/main" val="3976643547"/>
       </p:ext>
     </p:extLst>
   </p:cSld>
@@ -10337,32 +10509,6 @@
               </a:rPr>
               <a:t>Customer Request</a:t>
             </a:r>
-            <a:br>
-              <a:rPr lang="en-US" sz="4400" b="0" i="0" u="none" strike="noStrike" kern="1200" baseline="0" dirty="0">
-                <a:solidFill>
-                  <a:schemeClr val="tx1"/>
-                </a:solidFill>
-                <a:latin typeface="+mj-lt"/>
-                <a:ea typeface="+mj-ea"/>
-                <a:cs typeface="+mj-cs"/>
-              </a:rPr>
-            </a:br>
-            <a:r>
-              <a:rPr lang="en-US" sz="2800" b="0" i="0" u="none" strike="noStrike" kern="1200" dirty="0">
-                <a:solidFill>
-                  <a:schemeClr val="tx1"/>
-                </a:solidFill>
-              </a:rPr>
-              <a:t>Identification of Needs &amp; </a:t>
-            </a:r>
-            <a:r>
-              <a:rPr lang="en-US" sz="2800" b="0" i="0" u="none" strike="noStrike" kern="1200" baseline="0" dirty="0">
-                <a:solidFill>
-                  <a:schemeClr val="tx1"/>
-                </a:solidFill>
-              </a:rPr>
-              <a:t>Challenges</a:t>
-            </a:r>
             <a:endParaRPr lang="en-US" sz="2800" dirty="0"/>
           </a:p>
         </p:txBody>
@@ -10383,7 +10529,12 @@
             <p:ph idx="1"/>
           </p:nvPr>
         </p:nvSpPr>
-        <p:spPr/>
+        <p:spPr>
+          <a:xfrm>
+            <a:off x="2589211" y="1451113"/>
+            <a:ext cx="9079327" cy="5068957"/>
+          </a:xfrm>
+        </p:spPr>
         <p:txBody>
           <a:bodyPr/>
           <a:lstStyle/>
@@ -10427,7 +10578,7 @@
           <p:cNvPr id="2" name="Title 1">
             <a:extLst>
               <a:ext uri="{FF2B5EF4-FFF2-40B4-BE49-F238E27FC236}">
-                <a16:creationId xmlns:a16="http://schemas.microsoft.com/office/drawing/2014/main" id="{04C993AE-4FB0-4669-8BB3-8801EA50AF12}"/>
+                <a16:creationId xmlns:a16="http://schemas.microsoft.com/office/drawing/2014/main" id="{9C5E42EE-EA5D-4203-B1EC-B96B68D2A8EA}"/>
               </a:ext>
             </a:extLst>
           </p:cNvPr>
@@ -10446,9 +10597,21 @@
           <a:lstStyle/>
           <a:p>
             <a:r>
-              <a:rPr lang="en-US" sz="4400" dirty="0"/>
+              <a:rPr lang="en-US" sz="3600" kern="1200" dirty="0">
+                <a:solidFill>
+                  <a:schemeClr val="tx1">
+                    <a:lumMod val="85000"/>
+                    <a:lumOff val="15000"/>
+                  </a:schemeClr>
+                </a:solidFill>
+                <a:effectLst/>
+                <a:latin typeface="+mj-lt"/>
+                <a:ea typeface="+mj-ea"/>
+                <a:cs typeface="+mj-cs"/>
+              </a:rPr>
               <a:t>Feather Opportunities</a:t>
             </a:r>
+            <a:endParaRPr lang="en-US" sz="2800" dirty="0"/>
           </a:p>
         </p:txBody>
       </p:sp>
@@ -10457,7 +10620,7 @@
           <p:cNvPr id="3" name="Content Placeholder 2">
             <a:extLst>
               <a:ext uri="{FF2B5EF4-FFF2-40B4-BE49-F238E27FC236}">
-                <a16:creationId xmlns:a16="http://schemas.microsoft.com/office/drawing/2014/main" id="{D6C3F04F-3BFF-453C-8031-AE312E0A3509}"/>
+                <a16:creationId xmlns:a16="http://schemas.microsoft.com/office/drawing/2014/main" id="{044B4F6E-A639-47F4-91A5-68807265D618}"/>
               </a:ext>
             </a:extLst>
           </p:cNvPr>
@@ -10468,19 +10631,24 @@
             <p:ph idx="1"/>
           </p:nvPr>
         </p:nvSpPr>
-        <p:spPr/>
+        <p:spPr>
+          <a:xfrm>
+            <a:off x="2589211" y="1451113"/>
+            <a:ext cx="9079327" cy="5068957"/>
+          </a:xfrm>
+        </p:spPr>
         <p:txBody>
           <a:bodyPr/>
           <a:lstStyle/>
           <a:p>
-            <a:endParaRPr lang="en-US"/>
+            <a:endParaRPr lang="en-US" dirty="0"/>
           </a:p>
         </p:txBody>
       </p:sp>
     </p:spTree>
     <p:extLst>
       <p:ext uri="{BB962C8B-B14F-4D97-AF65-F5344CB8AC3E}">
-        <p14:creationId xmlns:p14="http://schemas.microsoft.com/office/powerpoint/2010/main" val="1141245059"/>
+        <p14:creationId xmlns:p14="http://schemas.microsoft.com/office/powerpoint/2010/main" val="906578158"/>
       </p:ext>
     </p:extLst>
   </p:cSld>
@@ -10512,7 +10680,7 @@
           <p:cNvPr id="2" name="Title 1">
             <a:extLst>
               <a:ext uri="{FF2B5EF4-FFF2-40B4-BE49-F238E27FC236}">
-                <a16:creationId xmlns:a16="http://schemas.microsoft.com/office/drawing/2014/main" id="{88363E62-F888-4FCB-A175-EB3706B85F1B}"/>
+                <a16:creationId xmlns:a16="http://schemas.microsoft.com/office/drawing/2014/main" id="{9C5E42EE-EA5D-4203-B1EC-B96B68D2A8EA}"/>
               </a:ext>
             </a:extLst>
           </p:cNvPr>
@@ -10525,21 +10693,30 @@
         </p:nvSpPr>
         <p:spPr/>
         <p:txBody>
-          <a:bodyPr/>
+          <a:bodyPr>
+            <a:normAutofit/>
+          </a:bodyPr>
           <a:lstStyle/>
           <a:p>
-            <a:r>
-              <a:rPr lang="en-US" sz="4400" b="0" i="0" u="none" strike="noStrike" kern="1200" baseline="0" dirty="0">
+            <a:pPr rtl="0" eaLnBrk="1" latinLnBrk="0" hangingPunct="1"/>
+            <a:r>
+              <a:rPr lang="en-US" sz="3600" b="0" i="0" kern="1200" baseline="0" dirty="0">
                 <a:solidFill>
-                  <a:schemeClr val="tx1"/>
+                  <a:schemeClr val="tx1">
+                    <a:lumMod val="85000"/>
+                    <a:lumOff val="15000"/>
+                  </a:schemeClr>
                 </a:solidFill>
+                <a:effectLst/>
                 <a:latin typeface="+mj-lt"/>
                 <a:ea typeface="+mj-ea"/>
                 <a:cs typeface="+mj-cs"/>
               </a:rPr>
               <a:t>Design Procedure (2)</a:t>
             </a:r>
-            <a:endParaRPr lang="en-US" dirty="0"/>
+            <a:endParaRPr lang="en-US" sz="4400" dirty="0">
+              <a:effectLst/>
+            </a:endParaRPr>
           </a:p>
         </p:txBody>
       </p:sp>
@@ -10548,7 +10725,7 @@
           <p:cNvPr id="3" name="Content Placeholder 2">
             <a:extLst>
               <a:ext uri="{FF2B5EF4-FFF2-40B4-BE49-F238E27FC236}">
-                <a16:creationId xmlns:a16="http://schemas.microsoft.com/office/drawing/2014/main" id="{A935FB1E-B06B-4E3A-A54C-04A508519109}"/>
+                <a16:creationId xmlns:a16="http://schemas.microsoft.com/office/drawing/2014/main" id="{044B4F6E-A639-47F4-91A5-68807265D618}"/>
               </a:ext>
             </a:extLst>
           </p:cNvPr>
@@ -10559,19 +10736,24 @@
             <p:ph idx="1"/>
           </p:nvPr>
         </p:nvSpPr>
-        <p:spPr/>
+        <p:spPr>
+          <a:xfrm>
+            <a:off x="2589211" y="1451113"/>
+            <a:ext cx="9079327" cy="5068957"/>
+          </a:xfrm>
+        </p:spPr>
         <p:txBody>
           <a:bodyPr/>
           <a:lstStyle/>
           <a:p>
-            <a:endParaRPr lang="en-US"/>
+            <a:endParaRPr lang="en-US" dirty="0"/>
           </a:p>
         </p:txBody>
       </p:sp>
     </p:spTree>
     <p:extLst>
       <p:ext uri="{BB962C8B-B14F-4D97-AF65-F5344CB8AC3E}">
-        <p14:creationId xmlns:p14="http://schemas.microsoft.com/office/powerpoint/2010/main" val="927521282"/>
+        <p14:creationId xmlns:p14="http://schemas.microsoft.com/office/powerpoint/2010/main" val="306193403"/>
       </p:ext>
     </p:extLst>
   </p:cSld>
@@ -10603,7 +10785,7 @@
           <p:cNvPr id="2" name="Title 1">
             <a:extLst>
               <a:ext uri="{FF2B5EF4-FFF2-40B4-BE49-F238E27FC236}">
-                <a16:creationId xmlns:a16="http://schemas.microsoft.com/office/drawing/2014/main" id="{563C072F-80F0-4A4C-AF42-6FE541B5E5E8}"/>
+                <a16:creationId xmlns:a16="http://schemas.microsoft.com/office/drawing/2014/main" id="{9C5E42EE-EA5D-4203-B1EC-B96B68D2A8EA}"/>
               </a:ext>
             </a:extLst>
           </p:cNvPr>
@@ -10616,21 +10798,30 @@
         </p:nvSpPr>
         <p:spPr/>
         <p:txBody>
-          <a:bodyPr/>
+          <a:bodyPr>
+            <a:normAutofit/>
+          </a:bodyPr>
           <a:lstStyle/>
           <a:p>
-            <a:r>
-              <a:rPr lang="en-US" sz="4400" b="0" i="0" u="none" strike="noStrike" kern="1200" baseline="0" dirty="0">
+            <a:pPr rtl="0" eaLnBrk="1" latinLnBrk="0" hangingPunct="1"/>
+            <a:r>
+              <a:rPr lang="en-US" sz="3600" b="0" i="0" kern="1200" baseline="0" dirty="0">
                 <a:solidFill>
-                  <a:schemeClr val="tx1"/>
+                  <a:schemeClr val="tx1">
+                    <a:lumMod val="85000"/>
+                    <a:lumOff val="15000"/>
+                  </a:schemeClr>
                 </a:solidFill>
+                <a:effectLst/>
                 <a:latin typeface="+mj-lt"/>
                 <a:ea typeface="+mj-ea"/>
                 <a:cs typeface="+mj-cs"/>
               </a:rPr>
               <a:t>Development Methodology (3)</a:t>
             </a:r>
-            <a:endParaRPr lang="en-US" dirty="0"/>
+            <a:endParaRPr lang="en-US" sz="4400" dirty="0">
+              <a:effectLst/>
+            </a:endParaRPr>
           </a:p>
         </p:txBody>
       </p:sp>
@@ -10639,7 +10830,7 @@
           <p:cNvPr id="3" name="Content Placeholder 2">
             <a:extLst>
               <a:ext uri="{FF2B5EF4-FFF2-40B4-BE49-F238E27FC236}">
-                <a16:creationId xmlns:a16="http://schemas.microsoft.com/office/drawing/2014/main" id="{FD858DE0-CA2F-478E-B44A-4A16F74BB9EE}"/>
+                <a16:creationId xmlns:a16="http://schemas.microsoft.com/office/drawing/2014/main" id="{044B4F6E-A639-47F4-91A5-68807265D618}"/>
               </a:ext>
             </a:extLst>
           </p:cNvPr>
@@ -10650,19 +10841,24 @@
             <p:ph idx="1"/>
           </p:nvPr>
         </p:nvSpPr>
-        <p:spPr/>
+        <p:spPr>
+          <a:xfrm>
+            <a:off x="2589211" y="1451113"/>
+            <a:ext cx="9079327" cy="5068957"/>
+          </a:xfrm>
+        </p:spPr>
         <p:txBody>
           <a:bodyPr/>
           <a:lstStyle/>
           <a:p>
-            <a:endParaRPr lang="en-US"/>
+            <a:endParaRPr lang="en-US" dirty="0"/>
           </a:p>
         </p:txBody>
       </p:sp>
     </p:spTree>
     <p:extLst>
       <p:ext uri="{BB962C8B-B14F-4D97-AF65-F5344CB8AC3E}">
-        <p14:creationId xmlns:p14="http://schemas.microsoft.com/office/powerpoint/2010/main" val="163627118"/>
+        <p14:creationId xmlns:p14="http://schemas.microsoft.com/office/powerpoint/2010/main" val="1317707174"/>
       </p:ext>
     </p:extLst>
   </p:cSld>
@@ -10694,7 +10890,7 @@
           <p:cNvPr id="2" name="Title 1">
             <a:extLst>
               <a:ext uri="{FF2B5EF4-FFF2-40B4-BE49-F238E27FC236}">
-                <a16:creationId xmlns:a16="http://schemas.microsoft.com/office/drawing/2014/main" id="{D4A719D7-5C57-4915-9A3F-78D1A0EFB069}"/>
+                <a16:creationId xmlns:a16="http://schemas.microsoft.com/office/drawing/2014/main" id="{9C5E42EE-EA5D-4203-B1EC-B96B68D2A8EA}"/>
               </a:ext>
             </a:extLst>
           </p:cNvPr>
@@ -10707,21 +10903,30 @@
         </p:nvSpPr>
         <p:spPr/>
         <p:txBody>
-          <a:bodyPr/>
+          <a:bodyPr>
+            <a:normAutofit/>
+          </a:bodyPr>
           <a:lstStyle/>
           <a:p>
-            <a:r>
-              <a:rPr lang="en-US" sz="4400" b="0" i="0" u="none" strike="noStrike" kern="1200" baseline="0" dirty="0">
+            <a:pPr rtl="0" eaLnBrk="1" latinLnBrk="0" hangingPunct="1"/>
+            <a:r>
+              <a:rPr lang="en-US" sz="3600" b="0" i="0" kern="1200" baseline="0" dirty="0">
                 <a:solidFill>
-                  <a:schemeClr val="tx1"/>
+                  <a:schemeClr val="tx1">
+                    <a:lumMod val="85000"/>
+                    <a:lumOff val="15000"/>
+                  </a:schemeClr>
                 </a:solidFill>
+                <a:effectLst/>
                 <a:latin typeface="+mj-lt"/>
                 <a:ea typeface="+mj-ea"/>
                 <a:cs typeface="+mj-cs"/>
               </a:rPr>
               <a:t>Overcome Challenges</a:t>
             </a:r>
-            <a:endParaRPr lang="en-US" dirty="0"/>
+            <a:endParaRPr lang="en-US" sz="4400" dirty="0">
+              <a:effectLst/>
+            </a:endParaRPr>
           </a:p>
         </p:txBody>
       </p:sp>
@@ -10730,7 +10935,7 @@
           <p:cNvPr id="3" name="Content Placeholder 2">
             <a:extLst>
               <a:ext uri="{FF2B5EF4-FFF2-40B4-BE49-F238E27FC236}">
-                <a16:creationId xmlns:a16="http://schemas.microsoft.com/office/drawing/2014/main" id="{8987EDAD-8262-4FFE-8E62-474EB7CAFDCC}"/>
+                <a16:creationId xmlns:a16="http://schemas.microsoft.com/office/drawing/2014/main" id="{044B4F6E-A639-47F4-91A5-68807265D618}"/>
               </a:ext>
             </a:extLst>
           </p:cNvPr>
@@ -10741,19 +10946,24 @@
             <p:ph idx="1"/>
           </p:nvPr>
         </p:nvSpPr>
-        <p:spPr/>
+        <p:spPr>
+          <a:xfrm>
+            <a:off x="2589211" y="1451113"/>
+            <a:ext cx="9079327" cy="5068957"/>
+          </a:xfrm>
+        </p:spPr>
         <p:txBody>
           <a:bodyPr/>
           <a:lstStyle/>
           <a:p>
-            <a:endParaRPr lang="en-US"/>
+            <a:endParaRPr lang="en-US" dirty="0"/>
           </a:p>
         </p:txBody>
       </p:sp>
     </p:spTree>
     <p:extLst>
       <p:ext uri="{BB962C8B-B14F-4D97-AF65-F5344CB8AC3E}">
-        <p14:creationId xmlns:p14="http://schemas.microsoft.com/office/powerpoint/2010/main" val="73419143"/>
+        <p14:creationId xmlns:p14="http://schemas.microsoft.com/office/powerpoint/2010/main" val="2805820393"/>
       </p:ext>
     </p:extLst>
   </p:cSld>
@@ -10785,7 +10995,7 @@
           <p:cNvPr id="2" name="Title 1">
             <a:extLst>
               <a:ext uri="{FF2B5EF4-FFF2-40B4-BE49-F238E27FC236}">
-                <a16:creationId xmlns:a16="http://schemas.microsoft.com/office/drawing/2014/main" id="{5012C1FE-807C-428F-AC4E-16C44712459E}"/>
+                <a16:creationId xmlns:a16="http://schemas.microsoft.com/office/drawing/2014/main" id="{9C5E42EE-EA5D-4203-B1EC-B96B68D2A8EA}"/>
               </a:ext>
             </a:extLst>
           </p:cNvPr>
@@ -10798,21 +11008,27 @@
         </p:nvSpPr>
         <p:spPr/>
         <p:txBody>
-          <a:bodyPr/>
+          <a:bodyPr>
+            <a:normAutofit/>
+          </a:bodyPr>
           <a:lstStyle/>
           <a:p>
             <a:r>
-              <a:rPr lang="en-US" sz="4400" b="0" i="0" u="none" strike="noStrike" kern="1200" baseline="0" dirty="0">
+              <a:rPr lang="en-US" sz="3600" b="0" i="0" kern="1200" baseline="0" dirty="0">
                 <a:solidFill>
-                  <a:schemeClr val="tx1"/>
+                  <a:schemeClr val="tx1">
+                    <a:lumMod val="85000"/>
+                    <a:lumOff val="15000"/>
+                  </a:schemeClr>
                 </a:solidFill>
+                <a:effectLst/>
                 <a:latin typeface="+mj-lt"/>
                 <a:ea typeface="+mj-ea"/>
                 <a:cs typeface="+mj-cs"/>
               </a:rPr>
               <a:t>Deliverable &amp; Results (2)</a:t>
             </a:r>
-            <a:endParaRPr lang="en-US" dirty="0"/>
+            <a:endParaRPr lang="en-US" sz="2800" dirty="0"/>
           </a:p>
         </p:txBody>
       </p:sp>
@@ -10821,7 +11037,7 @@
           <p:cNvPr id="3" name="Content Placeholder 2">
             <a:extLst>
               <a:ext uri="{FF2B5EF4-FFF2-40B4-BE49-F238E27FC236}">
-                <a16:creationId xmlns:a16="http://schemas.microsoft.com/office/drawing/2014/main" id="{C04C8CA2-BD0D-4489-B64B-CD3544982353}"/>
+                <a16:creationId xmlns:a16="http://schemas.microsoft.com/office/drawing/2014/main" id="{044B4F6E-A639-47F4-91A5-68807265D618}"/>
               </a:ext>
             </a:extLst>
           </p:cNvPr>
@@ -10832,19 +11048,24 @@
             <p:ph idx="1"/>
           </p:nvPr>
         </p:nvSpPr>
-        <p:spPr/>
+        <p:spPr>
+          <a:xfrm>
+            <a:off x="2589211" y="1451113"/>
+            <a:ext cx="9079327" cy="5068957"/>
+          </a:xfrm>
+        </p:spPr>
         <p:txBody>
           <a:bodyPr/>
           <a:lstStyle/>
           <a:p>
-            <a:endParaRPr lang="en-US"/>
+            <a:endParaRPr lang="en-US" dirty="0"/>
           </a:p>
         </p:txBody>
       </p:sp>
     </p:spTree>
     <p:extLst>
       <p:ext uri="{BB962C8B-B14F-4D97-AF65-F5344CB8AC3E}">
-        <p14:creationId xmlns:p14="http://schemas.microsoft.com/office/powerpoint/2010/main" val="820223982"/>
+        <p14:creationId xmlns:p14="http://schemas.microsoft.com/office/powerpoint/2010/main" val="821675052"/>
       </p:ext>
     </p:extLst>
   </p:cSld>
@@ -10876,7 +11097,7 @@
           <p:cNvPr id="2" name="Title 1">
             <a:extLst>
               <a:ext uri="{FF2B5EF4-FFF2-40B4-BE49-F238E27FC236}">
-                <a16:creationId xmlns:a16="http://schemas.microsoft.com/office/drawing/2014/main" id="{6217DE87-9215-4E9A-B6B9-7706767BAD3A}"/>
+                <a16:creationId xmlns:a16="http://schemas.microsoft.com/office/drawing/2014/main" id="{9C5E42EE-EA5D-4203-B1EC-B96B68D2A8EA}"/>
               </a:ext>
             </a:extLst>
           </p:cNvPr>
@@ -10889,21 +11110,30 @@
         </p:nvSpPr>
         <p:spPr/>
         <p:txBody>
-          <a:bodyPr/>
+          <a:bodyPr>
+            <a:normAutofit/>
+          </a:bodyPr>
           <a:lstStyle/>
           <a:p>
-            <a:r>
-              <a:rPr lang="en-US" sz="4400" b="0" i="0" u="none" strike="noStrike" kern="1200" baseline="0" dirty="0">
+            <a:pPr rtl="0" eaLnBrk="1" latinLnBrk="0" hangingPunct="1"/>
+            <a:r>
+              <a:rPr lang="en-US" sz="3600" b="0" i="0" kern="1200" baseline="0" dirty="0">
                 <a:solidFill>
-                  <a:schemeClr val="tx1"/>
+                  <a:schemeClr val="tx1">
+                    <a:lumMod val="85000"/>
+                    <a:lumOff val="15000"/>
+                  </a:schemeClr>
                 </a:solidFill>
+                <a:effectLst/>
                 <a:latin typeface="+mj-lt"/>
                 <a:ea typeface="+mj-ea"/>
                 <a:cs typeface="+mj-cs"/>
               </a:rPr>
               <a:t>Learnings &amp; Growths</a:t>
             </a:r>
-            <a:endParaRPr lang="en-US" dirty="0"/>
+            <a:endParaRPr lang="en-US" sz="4400" dirty="0">
+              <a:effectLst/>
+            </a:endParaRPr>
           </a:p>
         </p:txBody>
       </p:sp>
@@ -10912,7 +11142,7 @@
           <p:cNvPr id="3" name="Content Placeholder 2">
             <a:extLst>
               <a:ext uri="{FF2B5EF4-FFF2-40B4-BE49-F238E27FC236}">
-                <a16:creationId xmlns:a16="http://schemas.microsoft.com/office/drawing/2014/main" id="{B1138675-87A9-4CDA-A016-E6EED43EF64E}"/>
+                <a16:creationId xmlns:a16="http://schemas.microsoft.com/office/drawing/2014/main" id="{044B4F6E-A639-47F4-91A5-68807265D618}"/>
               </a:ext>
             </a:extLst>
           </p:cNvPr>
@@ -10923,19 +11153,24 @@
             <p:ph idx="1"/>
           </p:nvPr>
         </p:nvSpPr>
-        <p:spPr/>
+        <p:spPr>
+          <a:xfrm>
+            <a:off x="2589211" y="1451113"/>
+            <a:ext cx="9079327" cy="5068957"/>
+          </a:xfrm>
+        </p:spPr>
         <p:txBody>
           <a:bodyPr/>
           <a:lstStyle/>
           <a:p>
-            <a:endParaRPr lang="en-US"/>
+            <a:endParaRPr lang="en-US" dirty="0"/>
           </a:p>
         </p:txBody>
       </p:sp>
     </p:spTree>
     <p:extLst>
       <p:ext uri="{BB962C8B-B14F-4D97-AF65-F5344CB8AC3E}">
-        <p14:creationId xmlns:p14="http://schemas.microsoft.com/office/powerpoint/2010/main" val="4001811534"/>
+        <p14:creationId xmlns:p14="http://schemas.microsoft.com/office/powerpoint/2010/main" val="3042754836"/>
       </p:ext>
     </p:extLst>
   </p:cSld>
@@ -10967,7 +11202,7 @@
           <p:cNvPr id="2" name="Title 1">
             <a:extLst>
               <a:ext uri="{FF2B5EF4-FFF2-40B4-BE49-F238E27FC236}">
-                <a16:creationId xmlns:a16="http://schemas.microsoft.com/office/drawing/2014/main" id="{0F0EC5FE-E316-4499-AEE1-3F203FB8075C}"/>
+                <a16:creationId xmlns:a16="http://schemas.microsoft.com/office/drawing/2014/main" id="{9C5E42EE-EA5D-4203-B1EC-B96B68D2A8EA}"/>
               </a:ext>
             </a:extLst>
           </p:cNvPr>
@@ -10980,13 +11215,19 @@
         </p:nvSpPr>
         <p:spPr/>
         <p:txBody>
-          <a:bodyPr/>
+          <a:bodyPr>
+            <a:normAutofit/>
+          </a:bodyPr>
           <a:lstStyle/>
           <a:p>
-            <a:r>
-              <a:rPr lang="en-US" sz="4400" b="0" i="0" kern="1200" baseline="0" dirty="0">
+            <a:pPr rtl="0" eaLnBrk="1" latinLnBrk="0" hangingPunct="1"/>
+            <a:r>
+              <a:rPr lang="en-US" sz="3600" b="0" i="0" kern="1200" baseline="0" dirty="0">
                 <a:solidFill>
-                  <a:schemeClr val="tx1"/>
+                  <a:schemeClr val="tx1">
+                    <a:lumMod val="85000"/>
+                    <a:lumOff val="15000"/>
+                  </a:schemeClr>
                 </a:solidFill>
                 <a:effectLst/>
                 <a:latin typeface="+mj-lt"/>
@@ -10995,7 +11236,9 @@
               </a:rPr>
               <a:t>Outcomes</a:t>
             </a:r>
-            <a:endParaRPr lang="en-US" dirty="0"/>
+            <a:endParaRPr lang="en-US" sz="4400" dirty="0">
+              <a:effectLst/>
+            </a:endParaRPr>
           </a:p>
         </p:txBody>
       </p:sp>
@@ -11004,7 +11247,7 @@
           <p:cNvPr id="3" name="Content Placeholder 2">
             <a:extLst>
               <a:ext uri="{FF2B5EF4-FFF2-40B4-BE49-F238E27FC236}">
-                <a16:creationId xmlns:a16="http://schemas.microsoft.com/office/drawing/2014/main" id="{5F34F862-E71D-4D72-B80B-A4351D585243}"/>
+                <a16:creationId xmlns:a16="http://schemas.microsoft.com/office/drawing/2014/main" id="{044B4F6E-A639-47F4-91A5-68807265D618}"/>
               </a:ext>
             </a:extLst>
           </p:cNvPr>
@@ -11015,19 +11258,24 @@
             <p:ph idx="1"/>
           </p:nvPr>
         </p:nvSpPr>
-        <p:spPr/>
+        <p:spPr>
+          <a:xfrm>
+            <a:off x="2589211" y="1451113"/>
+            <a:ext cx="9079327" cy="5068957"/>
+          </a:xfrm>
+        </p:spPr>
         <p:txBody>
           <a:bodyPr/>
           <a:lstStyle/>
           <a:p>
-            <a:endParaRPr lang="en-US"/>
+            <a:endParaRPr lang="en-US" dirty="0"/>
           </a:p>
         </p:txBody>
       </p:sp>
     </p:spTree>
     <p:extLst>
       <p:ext uri="{BB962C8B-B14F-4D97-AF65-F5344CB8AC3E}">
-        <p14:creationId xmlns:p14="http://schemas.microsoft.com/office/powerpoint/2010/main" val="681447346"/>
+        <p14:creationId xmlns:p14="http://schemas.microsoft.com/office/powerpoint/2010/main" val="2229688103"/>
       </p:ext>
     </p:extLst>
   </p:cSld>

--- a/Suppl/Pivotal Presentation - DTECTS.pptx
+++ b/Suppl/Pivotal Presentation - DTECTS.pptx
@@ -1310,7 +1310,15 @@
             </a:pPr>
             <a:r>
               <a:rPr lang="en-US" dirty="0"/>
-              <a:t>OTM evaluate, path option identifications (Arduino, Python, OTM(C/C++), Lua, JavaScript)</a:t>
+              <a:t>OTM evaluate, path option identifications (Arduino, Python, OTM(C/C++), </a:t>
+            </a:r>
+            <a:r>
+              <a:rPr lang="en-US" dirty="0" err="1"/>
+              <a:t>PlatformIO</a:t>
+            </a:r>
+            <a:r>
+              <a:rPr lang="en-US" dirty="0"/>
+              <a:t>, Lua, JavaScript)</a:t>
             </a:r>
           </a:p>
           <a:p>
@@ -1719,6 +1727,79 @@
             </a:r>
           </a:p>
           <a:p>
+            <a:pPr marL="628650" marR="0" lvl="1" indent="-171450" algn="l" defTabSz="914400" rtl="0" eaLnBrk="1" fontAlgn="auto" latinLnBrk="0" hangingPunct="1">
+              <a:lnSpc>
+                <a:spcPct val="100000"/>
+              </a:lnSpc>
+              <a:spcBef>
+                <a:spcPts val="0"/>
+              </a:spcBef>
+              <a:spcAft>
+                <a:spcPts val="0"/>
+              </a:spcAft>
+              <a:buClrTx/>
+              <a:buSzTx/>
+              <a:buFontTx/>
+              <a:buChar char="-"/>
+              <a:tabLst/>
+              <a:defRPr/>
+            </a:pPr>
+            <a:r>
+              <a:rPr lang="en-US" dirty="0"/>
+              <a:t>Time</a:t>
+            </a:r>
+            <a:r>
+              <a:rPr lang="en-US" baseline="0" dirty="0"/>
+              <a:t> Spent: </a:t>
+            </a:r>
+            <a:endParaRPr lang="en-US" dirty="0"/>
+          </a:p>
+          <a:p>
+            <a:pPr marL="628650" lvl="1" indent="-171450">
+              <a:buFontTx/>
+              <a:buChar char="-"/>
+            </a:pPr>
+            <a:r>
+              <a:rPr lang="en-US" dirty="0"/>
+              <a:t>In-person</a:t>
+            </a:r>
+            <a:r>
+              <a:rPr lang="en-US" baseline="0" dirty="0"/>
+              <a:t> visits, hands on time with DUT to establish scope &amp; path forward</a:t>
+            </a:r>
+          </a:p>
+          <a:p>
+            <a:pPr marL="628650" lvl="1" indent="-171450">
+              <a:buFontTx/>
+              <a:buChar char="-"/>
+            </a:pPr>
+            <a:r>
+              <a:rPr lang="en-US" baseline="0" dirty="0"/>
+              <a:t>Time on the seat trying things that were known to not succeed, in order to communicate this (ESP, Hand Re-work, PCB Design Selections, Comm Interfaces)</a:t>
+            </a:r>
+          </a:p>
+          <a:p>
+            <a:pPr marL="628650" lvl="1" indent="-171450">
+              <a:buFontTx/>
+              <a:buChar char="-"/>
+            </a:pPr>
+            <a:r>
+              <a:rPr lang="en-US" baseline="0" dirty="0"/>
+              <a:t>Clear Scope with Doc of Ideas</a:t>
+            </a:r>
+          </a:p>
+          <a:p>
+            <a:pPr marL="628650" lvl="1" indent="-171450">
+              <a:buFontTx/>
+              <a:buChar char="-"/>
+            </a:pPr>
+            <a:r>
+              <a:rPr lang="en-US" baseline="0" dirty="0"/>
+              <a:t>Present ideas with articulation, PoC when possible</a:t>
+            </a:r>
+            <a:endParaRPr lang="en-US" dirty="0"/>
+          </a:p>
+          <a:p>
             <a:pPr marL="171450" indent="-171450">
               <a:buFontTx/>
               <a:buChar char="-"/>
@@ -1729,6 +1810,45 @@
             </a:r>
           </a:p>
           <a:p>
+            <a:pPr marL="628650" lvl="1" indent="-171450">
+              <a:buFontTx/>
+              <a:buChar char="-"/>
+            </a:pPr>
+            <a:r>
+              <a:rPr lang="en-US" dirty="0"/>
+              <a:t>Time</a:t>
+            </a:r>
+            <a:r>
+              <a:rPr lang="en-US" baseline="0" dirty="0"/>
+              <a:t> Spent: Espressif VM, ESP-SDK Ramp &amp; Feather Deployment (JTAG)</a:t>
+            </a:r>
+            <a:endParaRPr lang="en-US" dirty="0"/>
+          </a:p>
+          <a:p>
+            <a:pPr marL="628650" lvl="1" indent="-171450">
+              <a:buFontTx/>
+              <a:buChar char="-"/>
+            </a:pPr>
+            <a:r>
+              <a:rPr lang="en-US" dirty="0"/>
+              <a:t>Focused on path to market and only stepped in</a:t>
+            </a:r>
+            <a:r>
+              <a:rPr lang="en-US" baseline="0" dirty="0"/>
+              <a:t> on request (Arduino) or for path (ESP)</a:t>
+            </a:r>
+          </a:p>
+          <a:p>
+            <a:pPr marL="628650" lvl="1" indent="-171450">
+              <a:buFontTx/>
+              <a:buChar char="-"/>
+            </a:pPr>
+            <a:r>
+              <a:rPr lang="en-US" baseline="0" dirty="0"/>
+              <a:t>Focused on tangible results, shared with customer and asked for decision on next steps</a:t>
+            </a:r>
+          </a:p>
+          <a:p>
             <a:pPr marL="171450" indent="-171450">
               <a:buFontTx/>
               <a:buChar char="-"/>
@@ -1739,6 +1859,34 @@
             </a:r>
           </a:p>
           <a:p>
+            <a:pPr marL="628650" marR="0" lvl="1" indent="-171450" algn="l" defTabSz="914400" rtl="0" eaLnBrk="1" fontAlgn="auto" latinLnBrk="0" hangingPunct="1">
+              <a:lnSpc>
+                <a:spcPct val="100000"/>
+              </a:lnSpc>
+              <a:spcBef>
+                <a:spcPts val="0"/>
+              </a:spcBef>
+              <a:spcAft>
+                <a:spcPts val="0"/>
+              </a:spcAft>
+              <a:buClrTx/>
+              <a:buSzTx/>
+              <a:buFontTx/>
+              <a:buChar char="-"/>
+              <a:tabLst/>
+              <a:defRPr/>
+            </a:pPr>
+            <a:r>
+              <a:rPr lang="en-US" dirty="0"/>
+              <a:t>Time</a:t>
+            </a:r>
+            <a:r>
+              <a:rPr lang="en-US" baseline="0" dirty="0"/>
+              <a:t> Spent: EAGLE Ramp, Existing Design Port, Revision Proposal, Revision Generation &amp; Release</a:t>
+            </a:r>
+            <a:endParaRPr lang="en-US" dirty="0"/>
+          </a:p>
+          <a:p>
             <a:pPr marL="171450" indent="-171450">
               <a:buFontTx/>
               <a:buChar char="-"/>
@@ -1747,6 +1895,103 @@
               <a:rPr lang="en-US" dirty="0"/>
               <a:t>Contract Completion &amp; Transfer</a:t>
             </a:r>
+          </a:p>
+          <a:p>
+            <a:pPr marL="628650" lvl="1" indent="-171450">
+              <a:buFontTx/>
+              <a:buChar char="-"/>
+            </a:pPr>
+            <a:r>
+              <a:rPr lang="en-US" dirty="0"/>
+              <a:t>HW: Project</a:t>
+            </a:r>
+            <a:r>
+              <a:rPr lang="en-US" baseline="0" dirty="0"/>
+              <a:t> &amp; Board Revision</a:t>
+            </a:r>
+          </a:p>
+          <a:p>
+            <a:pPr marL="628650" marR="0" lvl="1" indent="-171450" algn="l" defTabSz="914400" rtl="0" eaLnBrk="1" fontAlgn="auto" latinLnBrk="0" hangingPunct="1">
+              <a:lnSpc>
+                <a:spcPct val="100000"/>
+              </a:lnSpc>
+              <a:spcBef>
+                <a:spcPts val="0"/>
+              </a:spcBef>
+              <a:spcAft>
+                <a:spcPts val="0"/>
+              </a:spcAft>
+              <a:buClrTx/>
+              <a:buSzTx/>
+              <a:buFontTx/>
+              <a:buChar char="-"/>
+              <a:tabLst/>
+              <a:defRPr/>
+            </a:pPr>
+            <a:r>
+              <a:rPr lang="en-US" baseline="0" dirty="0"/>
+              <a:t>FW: OTM spec w/path to use (c</a:t>
+            </a:r>
+            <a:r>
+              <a:rPr lang="en-US" dirty="0"/>
+              <a:t>omplete VM w/next steps &amp; design support)</a:t>
+            </a:r>
+          </a:p>
+          <a:p>
+            <a:pPr marL="628650" marR="0" lvl="1" indent="-171450" algn="l" defTabSz="914400" rtl="0" eaLnBrk="1" fontAlgn="auto" latinLnBrk="0" hangingPunct="1">
+              <a:lnSpc>
+                <a:spcPct val="100000"/>
+              </a:lnSpc>
+              <a:spcBef>
+                <a:spcPts val="0"/>
+              </a:spcBef>
+              <a:spcAft>
+                <a:spcPts val="0"/>
+              </a:spcAft>
+              <a:buClrTx/>
+              <a:buSzTx/>
+              <a:buFontTx/>
+              <a:buChar char="-"/>
+              <a:tabLst/>
+              <a:defRPr/>
+            </a:pPr>
+            <a:r>
+              <a:rPr lang="en-US" dirty="0"/>
+              <a:t>Design:</a:t>
+            </a:r>
+            <a:r>
+              <a:rPr lang="en-US" baseline="0" dirty="0"/>
+              <a:t>  Clear organization &amp; repo integration, </a:t>
+            </a:r>
+            <a:r>
+              <a:rPr lang="en-US" dirty="0"/>
+              <a:t>Identification</a:t>
+            </a:r>
+            <a:r>
+              <a:rPr lang="en-US" baseline="0" dirty="0"/>
+              <a:t> of OTM, Python &amp; JavaScript options</a:t>
+            </a:r>
+          </a:p>
+          <a:p>
+            <a:pPr marL="628650" lvl="1" indent="-171450">
+              <a:buFontTx/>
+              <a:buChar char="-"/>
+            </a:pPr>
+            <a:endParaRPr lang="en-US" dirty="0"/>
+          </a:p>
+          <a:p>
+            <a:pPr marL="628650" lvl="1" indent="-171450">
+              <a:buFontTx/>
+              <a:buChar char="-"/>
+            </a:pPr>
+            <a:endParaRPr lang="en-US" baseline="0" dirty="0"/>
+          </a:p>
+          <a:p>
+            <a:pPr marL="628650" lvl="1" indent="-171450">
+              <a:buFontTx/>
+              <a:buChar char="-"/>
+            </a:pPr>
+            <a:endParaRPr lang="en-US" dirty="0"/>
           </a:p>
           <a:p>
             <a:pPr marL="0" indent="0">
@@ -10539,7 +10784,64 @@
           <a:bodyPr/>
           <a:lstStyle/>
           <a:p>
-            <a:endParaRPr lang="en-US" dirty="0"/>
+            <a:r>
+              <a:rPr lang="en-US" dirty="0"/>
+              <a:t>Novel embedded device work with esteemed peer</a:t>
+            </a:r>
+          </a:p>
+          <a:p>
+            <a:pPr lvl="1"/>
+            <a:r>
+              <a:rPr lang="en-US" dirty="0"/>
+              <a:t>DTECTS for Ergsense</a:t>
+            </a:r>
+          </a:p>
+          <a:p>
+            <a:r>
+              <a:rPr lang="en-US" dirty="0"/>
+              <a:t>Stabilization &amp; path forward</a:t>
+            </a:r>
+          </a:p>
+          <a:p>
+            <a:pPr lvl="1"/>
+            <a:r>
+              <a:rPr lang="en-US" dirty="0"/>
+              <a:t>Firmware Architecture &amp; Path to Market</a:t>
+            </a:r>
+          </a:p>
+          <a:p>
+            <a:pPr lvl="1"/>
+            <a:r>
+              <a:rPr lang="en-US" dirty="0"/>
+              <a:t>Board Revisions</a:t>
+            </a:r>
+          </a:p>
+          <a:p>
+            <a:pPr lvl="1"/>
+            <a:r>
+              <a:rPr lang="en-US" dirty="0"/>
+              <a:t>Feature Integration &amp; Design Simplification</a:t>
+            </a:r>
+          </a:p>
+          <a:p>
+            <a:r>
+              <a:rPr lang="en-US" dirty="0"/>
+              <a:t>Shared</a:t>
+            </a:r>
+          </a:p>
+          <a:p>
+            <a:pPr lvl="1"/>
+            <a:r>
+              <a:rPr lang="en-US" dirty="0"/>
+              <a:t>Contract Identified</a:t>
+            </a:r>
+          </a:p>
+          <a:p>
+            <a:pPr lvl="1"/>
+            <a:r>
+              <a:rPr lang="en-US" dirty="0"/>
+              <a:t>Work Selection</a:t>
+            </a:r>
           </a:p>
         </p:txBody>
       </p:sp>

--- a/Suppl/Pivotal Presentation - DTECTS.pptx
+++ b/Suppl/Pivotal Presentation - DTECTS.pptx
@@ -688,6 +688,75 @@
             </a:r>
           </a:p>
           <a:p>
+            <a:r>
+              <a:rPr lang="en-US" sz="1200" b="0" i="0" u="none" strike="noStrike" kern="1200" baseline="0" dirty="0">
+                <a:solidFill>
+                  <a:schemeClr val="tx1"/>
+                </a:solidFill>
+                <a:latin typeface="+mn-lt"/>
+                <a:ea typeface="+mn-ea"/>
+                <a:cs typeface="+mn-cs"/>
+              </a:rPr>
+              <a:t>Dev Focus</a:t>
+            </a:r>
+          </a:p>
+          <a:p>
+            <a:pPr marL="171450" indent="-171450">
+              <a:buFontTx/>
+              <a:buChar char="-"/>
+            </a:pPr>
+            <a:r>
+              <a:rPr lang="en-US" sz="1200" b="0" i="0" u="none" strike="noStrike" kern="1200" baseline="0" dirty="0">
+                <a:solidFill>
+                  <a:schemeClr val="tx1"/>
+                </a:solidFill>
+                <a:latin typeface="+mn-lt"/>
+                <a:ea typeface="+mn-ea"/>
+                <a:cs typeface="+mn-cs"/>
+              </a:rPr>
+              <a:t>Start big, with goal for description of full picture</a:t>
+            </a:r>
+          </a:p>
+          <a:p>
+            <a:pPr marL="171450" indent="-171450">
+              <a:buFontTx/>
+              <a:buChar char="-"/>
+            </a:pPr>
+            <a:r>
+              <a:rPr lang="en-US" sz="1200" b="0" i="0" u="none" strike="noStrike" kern="1200" baseline="0" dirty="0">
+                <a:solidFill>
+                  <a:schemeClr val="tx1"/>
+                </a:solidFill>
+                <a:latin typeface="+mn-lt"/>
+                <a:ea typeface="+mn-ea"/>
+                <a:cs typeface="+mn-cs"/>
+              </a:rPr>
+              <a:t>On completion, </a:t>
+            </a:r>
+            <a:r>
+              <a:rPr lang="en-US" sz="1200" b="0" i="0" u="sng" strike="noStrike" kern="1200" baseline="0" dirty="0">
+                <a:solidFill>
+                  <a:schemeClr val="tx1"/>
+                </a:solidFill>
+                <a:latin typeface="+mn-lt"/>
+                <a:ea typeface="+mn-ea"/>
+                <a:cs typeface="+mn-cs"/>
+              </a:rPr>
+              <a:t>then</a:t>
+            </a:r>
+            <a:r>
+              <a:rPr lang="en-US" sz="1200" b="0" i="0" u="none" strike="noStrike" kern="1200" baseline="0" dirty="0">
+                <a:solidFill>
+                  <a:schemeClr val="tx1"/>
+                </a:solidFill>
+                <a:latin typeface="+mn-lt"/>
+                <a:ea typeface="+mn-ea"/>
+                <a:cs typeface="+mn-cs"/>
+              </a:rPr>
+              <a:t> revise down to meet ‘Rules’</a:t>
+            </a:r>
+          </a:p>
+          <a:p>
             <a:endParaRPr lang="en-US" sz="1200" b="0" i="0" u="none" strike="noStrike" kern="1200" baseline="0" dirty="0">
               <a:solidFill>
                 <a:schemeClr val="tx1"/>
@@ -711,6 +780,10 @@
             </a:r>
           </a:p>
           <a:p>
+            <a:pPr marL="171450" indent="-171450">
+              <a:buFontTx/>
+              <a:buChar char="-"/>
+            </a:pPr>
             <a:r>
               <a:rPr lang="en-US" sz="1200" b="0" i="0" u="none" strike="noStrike" kern="1200" baseline="0" dirty="0">
                 <a:solidFill>
@@ -724,6 +797,10 @@
             </a:r>
           </a:p>
           <a:p>
+            <a:pPr marL="171450" indent="-171450">
+              <a:buFontTx/>
+              <a:buChar char="-"/>
+            </a:pPr>
             <a:r>
               <a:rPr lang="en-US" sz="1200" b="0" i="0" u="none" strike="noStrike" kern="1200" baseline="0" dirty="0">
                 <a:solidFill>
@@ -735,7 +812,34 @@
               </a:rPr>
               <a:t>45 min presentation -&gt; 15 slides max</a:t>
             </a:r>
-            <a:endParaRPr lang="en-US" dirty="0"/>
+          </a:p>
+          <a:p>
+            <a:pPr marL="0" indent="0">
+              <a:buFontTx/>
+              <a:buNone/>
+            </a:pPr>
+            <a:endParaRPr lang="en-US" sz="1200" b="0" i="0" u="none" strike="noStrike" kern="1200" baseline="0" dirty="0">
+              <a:solidFill>
+                <a:schemeClr val="tx1"/>
+              </a:solidFill>
+              <a:latin typeface="+mn-lt"/>
+              <a:ea typeface="+mn-ea"/>
+              <a:cs typeface="+mn-cs"/>
+            </a:endParaRPr>
+          </a:p>
+          <a:p>
+            <a:pPr marL="0" indent="0">
+              <a:buFontTx/>
+              <a:buNone/>
+            </a:pPr>
+            <a:endParaRPr lang="en-US" sz="1200" b="0" i="0" u="none" strike="noStrike" kern="1200" baseline="0" dirty="0">
+              <a:solidFill>
+                <a:schemeClr val="tx1"/>
+              </a:solidFill>
+              <a:latin typeface="+mn-lt"/>
+              <a:ea typeface="+mn-ea"/>
+              <a:cs typeface="+mn-cs"/>
+            </a:endParaRPr>
           </a:p>
         </p:txBody>
       </p:sp>

--- a/Suppl/Pivotal Presentation - DTECTS.pptx
+++ b/Suppl/Pivotal Presentation - DTECTS.pptx
@@ -5,7 +5,7 @@
     <p:sldMasterId id="2147483648" r:id="rId1"/>
   </p:sldMasterIdLst>
   <p:notesMasterIdLst>
-    <p:notesMasterId r:id="rId14"/>
+    <p:notesMasterId r:id="rId15"/>
   </p:notesMasterIdLst>
   <p:sldIdLst>
     <p:sldId id="257" r:id="rId2"/>
@@ -13,13 +13,14 @@
     <p:sldId id="280" r:id="rId4"/>
     <p:sldId id="281" r:id="rId5"/>
     <p:sldId id="282" r:id="rId6"/>
-    <p:sldId id="283" r:id="rId7"/>
-    <p:sldId id="284" r:id="rId8"/>
-    <p:sldId id="286" r:id="rId9"/>
-    <p:sldId id="287" r:id="rId10"/>
-    <p:sldId id="288" r:id="rId11"/>
-    <p:sldId id="290" r:id="rId12"/>
-    <p:sldId id="289" r:id="rId13"/>
+    <p:sldId id="291" r:id="rId7"/>
+    <p:sldId id="283" r:id="rId8"/>
+    <p:sldId id="284" r:id="rId9"/>
+    <p:sldId id="286" r:id="rId10"/>
+    <p:sldId id="287" r:id="rId11"/>
+    <p:sldId id="288" r:id="rId12"/>
+    <p:sldId id="290" r:id="rId13"/>
+    <p:sldId id="289" r:id="rId14"/>
   </p:sldIdLst>
   <p:sldSz cx="12192000" cy="6858000"/>
   <p:notesSz cx="6858000" cy="9144000"/>
@@ -929,11 +930,7 @@
             </a:pPr>
             <a:r>
               <a:rPr lang="en-US" dirty="0"/>
-              <a:t>Frame, sketch w/vision</a:t>
-            </a:r>
-            <a:r>
-              <a:rPr lang="en-US" baseline="0" dirty="0"/>
-              <a:t> &amp; intent, draft</a:t>
+              <a:t>Strengthened relations with Tomm</a:t>
             </a:r>
           </a:p>
           <a:p>
@@ -942,8 +939,8 @@
               <a:buChar char="-"/>
             </a:pPr>
             <a:r>
-              <a:rPr lang="en-US" baseline="0" dirty="0"/>
-              <a:t>Source control &amp; procedure!</a:t>
+              <a:rPr lang="en-US" dirty="0"/>
+              <a:t>Tyler Brown Opportunity</a:t>
             </a:r>
           </a:p>
           <a:p>
@@ -952,8 +949,8 @@
               <a:buChar char="-"/>
             </a:pPr>
             <a:r>
-              <a:rPr lang="en-US" baseline="0" dirty="0"/>
-              <a:t>Help from experience (Tomm, Terry, Father)</a:t>
+              <a:rPr lang="en-US" dirty="0"/>
+              <a:t>Billy Keogh Opportunity</a:t>
             </a:r>
           </a:p>
           <a:p>
@@ -963,11 +960,7 @@
             </a:pPr>
             <a:r>
               <a:rPr lang="en-US" dirty="0"/>
-              <a:t>Describe</a:t>
-            </a:r>
-            <a:r>
-              <a:rPr lang="en-US" baseline="0" dirty="0"/>
-              <a:t> procedure of PPT Generation</a:t>
+              <a:t>Jmr Opportunity</a:t>
             </a:r>
           </a:p>
           <a:p>
@@ -976,8 +969,8 @@
               <a:buChar char="-"/>
             </a:pPr>
             <a:r>
-              <a:rPr lang="en-US" baseline="0" dirty="0"/>
-              <a:t>    selection &amp; outline</a:t>
+              <a:rPr lang="en-US" dirty="0"/>
+              <a:t>Mentor &amp; Network relations</a:t>
             </a:r>
           </a:p>
           <a:p>
@@ -986,42 +979,9 @@
               <a:buChar char="-"/>
             </a:pPr>
             <a:r>
-              <a:rPr lang="en-US" baseline="0" dirty="0"/>
-              <a:t>    customer meeting (Tomm)</a:t>
-            </a:r>
-          </a:p>
-          <a:p>
-            <a:pPr marL="171450" indent="-171450">
-              <a:buFontTx/>
-              <a:buChar char="-"/>
-            </a:pPr>
-            <a:r>
-              <a:rPr lang="en-US" baseline="0" dirty="0"/>
-              <a:t>    mentor advise (Tom, Father)</a:t>
-            </a:r>
-          </a:p>
-          <a:p>
-            <a:pPr marL="171450" indent="-171450">
-              <a:buFontTx/>
-              <a:buChar char="-"/>
-            </a:pPr>
-            <a:r>
-              <a:rPr lang="en-US" baseline="0" dirty="0"/>
-              <a:t>    outline</a:t>
-            </a:r>
-          </a:p>
-          <a:p>
-            <a:pPr marL="171450" indent="-171450">
-              <a:buFontTx/>
-              <a:buChar char="-"/>
-            </a:pPr>
-            <a:r>
-              <a:rPr lang="en-US" baseline="0" dirty="0"/>
-              <a:t>    find template</a:t>
-            </a:r>
-          </a:p>
-          <a:p>
-            <a:endParaRPr lang="en-US" dirty="0"/>
+              <a:rPr lang="en-US" dirty="0"/>
+              <a:t>Xylem &amp; Ergsense relations</a:t>
+            </a:r>
           </a:p>
           <a:p>
             <a:pPr marL="0" indent="0">
@@ -1058,7 +1018,7 @@
     </p:spTree>
     <p:extLst>
       <p:ext uri="{BB962C8B-B14F-4D97-AF65-F5344CB8AC3E}">
-        <p14:creationId xmlns:p14="http://schemas.microsoft.com/office/powerpoint/2010/main" val="648812506"/>
+        <p14:creationId xmlns:p14="http://schemas.microsoft.com/office/powerpoint/2010/main" val="3716442150"/>
       </p:ext>
     </p:extLst>
   </p:cSld>
@@ -1118,7 +1078,11 @@
             </a:pPr>
             <a:r>
               <a:rPr lang="en-US" dirty="0"/>
-              <a:t>Board Design</a:t>
+              <a:t>Frame, sketch w/vision</a:t>
+            </a:r>
+            <a:r>
+              <a:rPr lang="en-US" baseline="0" dirty="0"/>
+              <a:t> &amp; intent, draft</a:t>
             </a:r>
           </a:p>
           <a:p>
@@ -1127,8 +1091,8 @@
               <a:buChar char="-"/>
             </a:pPr>
             <a:r>
-              <a:rPr lang="en-US" dirty="0"/>
-              <a:t>Board Fab &amp; Validate</a:t>
+              <a:rPr lang="en-US" baseline="0" dirty="0"/>
+              <a:t>Source control &amp; procedure!</a:t>
             </a:r>
           </a:p>
           <a:p>
@@ -1137,8 +1101,8 @@
               <a:buChar char="-"/>
             </a:pPr>
             <a:r>
-              <a:rPr lang="en-US" dirty="0"/>
-              <a:t>Firmware</a:t>
+              <a:rPr lang="en-US" baseline="0" dirty="0"/>
+              <a:t>Help from experience (Tomm, Terry, Father)</a:t>
             </a:r>
           </a:p>
           <a:p>
@@ -1148,8 +1112,65 @@
             </a:pPr>
             <a:r>
               <a:rPr lang="en-US" dirty="0"/>
-              <a:t>Rapid Prototyping</a:t>
-            </a:r>
+              <a:t>Describe</a:t>
+            </a:r>
+            <a:r>
+              <a:rPr lang="en-US" baseline="0" dirty="0"/>
+              <a:t> procedure of PPT Generation</a:t>
+            </a:r>
+          </a:p>
+          <a:p>
+            <a:pPr marL="171450" indent="-171450">
+              <a:buFontTx/>
+              <a:buChar char="-"/>
+            </a:pPr>
+            <a:r>
+              <a:rPr lang="en-US" baseline="0" dirty="0"/>
+              <a:t>    selection &amp; outline</a:t>
+            </a:r>
+          </a:p>
+          <a:p>
+            <a:pPr marL="171450" indent="-171450">
+              <a:buFontTx/>
+              <a:buChar char="-"/>
+            </a:pPr>
+            <a:r>
+              <a:rPr lang="en-US" baseline="0" dirty="0"/>
+              <a:t>    customer meeting (Tomm)</a:t>
+            </a:r>
+          </a:p>
+          <a:p>
+            <a:pPr marL="171450" indent="-171450">
+              <a:buFontTx/>
+              <a:buChar char="-"/>
+            </a:pPr>
+            <a:r>
+              <a:rPr lang="en-US" baseline="0" dirty="0"/>
+              <a:t>    mentor advise (Tom, Father)</a:t>
+            </a:r>
+          </a:p>
+          <a:p>
+            <a:pPr marL="171450" indent="-171450">
+              <a:buFontTx/>
+              <a:buChar char="-"/>
+            </a:pPr>
+            <a:r>
+              <a:rPr lang="en-US" baseline="0" dirty="0"/>
+              <a:t>    outline</a:t>
+            </a:r>
+          </a:p>
+          <a:p>
+            <a:pPr marL="171450" indent="-171450">
+              <a:buFontTx/>
+              <a:buChar char="-"/>
+            </a:pPr>
+            <a:r>
+              <a:rPr lang="en-US" baseline="0" dirty="0"/>
+              <a:t>    find template</a:t>
+            </a:r>
+          </a:p>
+          <a:p>
+            <a:endParaRPr lang="en-US" dirty="0"/>
           </a:p>
           <a:p>
             <a:pPr marL="0" indent="0">
@@ -1186,7 +1207,7 @@
     </p:spTree>
     <p:extLst>
       <p:ext uri="{BB962C8B-B14F-4D97-AF65-F5344CB8AC3E}">
-        <p14:creationId xmlns:p14="http://schemas.microsoft.com/office/powerpoint/2010/main" val="3025603983"/>
+        <p14:creationId xmlns:p14="http://schemas.microsoft.com/office/powerpoint/2010/main" val="648812506"/>
       </p:ext>
     </p:extLst>
   </p:cSld>
@@ -1240,21 +1261,44 @@
           <a:bodyPr/>
           <a:lstStyle/>
           <a:p>
-            <a:r>
-              <a:rPr lang="en-US" dirty="0"/>
-              <a:t>*Integrate Tomm Notes</a:t>
-            </a:r>
-          </a:p>
-          <a:p>
-            <a:r>
-              <a:rPr lang="en-US" dirty="0"/>
-              <a:t>*Form</a:t>
-            </a:r>
-            <a:r>
-              <a:rPr lang="en-US" baseline="0" dirty="0"/>
-              <a:t> rules &amp; presentation target</a:t>
-            </a:r>
-            <a:endParaRPr lang="en-US" dirty="0"/>
+            <a:pPr marL="171450" indent="-171450">
+              <a:buFontTx/>
+              <a:buChar char="-"/>
+            </a:pPr>
+            <a:r>
+              <a:rPr lang="en-US" dirty="0"/>
+              <a:t>Board Design</a:t>
+            </a:r>
+          </a:p>
+          <a:p>
+            <a:pPr marL="171450" indent="-171450">
+              <a:buFontTx/>
+              <a:buChar char="-"/>
+            </a:pPr>
+            <a:r>
+              <a:rPr lang="en-US" dirty="0"/>
+              <a:t>Board Fab &amp; Validate</a:t>
+            </a:r>
+          </a:p>
+          <a:p>
+            <a:pPr marL="171450" indent="-171450">
+              <a:buFontTx/>
+              <a:buChar char="-"/>
+            </a:pPr>
+            <a:r>
+              <a:rPr lang="en-US" dirty="0"/>
+              <a:t>Firmware</a:t>
+            </a:r>
+          </a:p>
+          <a:p>
+            <a:pPr marL="171450" indent="-171450">
+              <a:buFontTx/>
+              <a:buChar char="-"/>
+            </a:pPr>
+            <a:r>
+              <a:rPr lang="en-US" dirty="0"/>
+              <a:t>Rapid Prototyping</a:t>
+            </a:r>
           </a:p>
           <a:p>
             <a:pPr marL="0" indent="0">
@@ -1283,6 +1327,111 @@
             <a:fld id="{4AC65D0B-F732-4E21-9A8D-1C6A15A6A84B}" type="slidenum">
               <a:rPr lang="en-US" smtClean="0"/>
               <a:t>12</a:t>
+            </a:fld>
+            <a:endParaRPr lang="en-US" dirty="0"/>
+          </a:p>
+        </p:txBody>
+      </p:sp>
+    </p:spTree>
+    <p:extLst>
+      <p:ext uri="{BB962C8B-B14F-4D97-AF65-F5344CB8AC3E}">
+        <p14:creationId xmlns:p14="http://schemas.microsoft.com/office/powerpoint/2010/main" val="3025603983"/>
+      </p:ext>
+    </p:extLst>
+  </p:cSld>
+  <p:clrMapOvr>
+    <a:masterClrMapping/>
+  </p:clrMapOvr>
+</p:notes>
+</file>
+
+<file path=ppt/notesSlides/notesSlide13.xml><?xml version="1.0" encoding="utf-8"?>
+<p:notes xmlns:a="http://schemas.openxmlformats.org/drawingml/2006/main" xmlns:r="http://schemas.openxmlformats.org/officeDocument/2006/relationships" xmlns:p="http://schemas.openxmlformats.org/presentationml/2006/main">
+  <p:cSld>
+    <p:spTree>
+      <p:nvGrpSpPr>
+        <p:cNvPr id="1" name=""/>
+        <p:cNvGrpSpPr/>
+        <p:nvPr/>
+      </p:nvGrpSpPr>
+      <p:grpSpPr>
+        <a:xfrm>
+          <a:off x="0" y="0"/>
+          <a:ext cx="0" cy="0"/>
+          <a:chOff x="0" y="0"/>
+          <a:chExt cx="0" cy="0"/>
+        </a:xfrm>
+      </p:grpSpPr>
+      <p:sp>
+        <p:nvSpPr>
+          <p:cNvPr id="2" name="Slide Image Placeholder 1"/>
+          <p:cNvSpPr>
+            <a:spLocks noGrp="1" noRot="1" noChangeAspect="1"/>
+          </p:cNvSpPr>
+          <p:nvPr>
+            <p:ph type="sldImg"/>
+          </p:nvPr>
+        </p:nvSpPr>
+        <p:spPr/>
+      </p:sp>
+      <p:sp>
+        <p:nvSpPr>
+          <p:cNvPr id="3" name="Notes Placeholder 2"/>
+          <p:cNvSpPr>
+            <a:spLocks noGrp="1"/>
+          </p:cNvSpPr>
+          <p:nvPr>
+            <p:ph type="body" idx="1"/>
+          </p:nvPr>
+        </p:nvSpPr>
+        <p:spPr/>
+        <p:txBody>
+          <a:bodyPr/>
+          <a:lstStyle/>
+          <a:p>
+            <a:r>
+              <a:rPr lang="en-US" dirty="0"/>
+              <a:t>*Integrate Tomm Notes</a:t>
+            </a:r>
+          </a:p>
+          <a:p>
+            <a:r>
+              <a:rPr lang="en-US" dirty="0"/>
+              <a:t>*Form</a:t>
+            </a:r>
+            <a:r>
+              <a:rPr lang="en-US" baseline="0" dirty="0"/>
+              <a:t> rules &amp; presentation target</a:t>
+            </a:r>
+            <a:endParaRPr lang="en-US" dirty="0"/>
+          </a:p>
+          <a:p>
+            <a:pPr marL="0" indent="0">
+              <a:buFontTx/>
+              <a:buNone/>
+            </a:pPr>
+            <a:endParaRPr lang="en-US" dirty="0"/>
+          </a:p>
+        </p:txBody>
+      </p:sp>
+      <p:sp>
+        <p:nvSpPr>
+          <p:cNvPr id="4" name="Slide Number Placeholder 3"/>
+          <p:cNvSpPr>
+            <a:spLocks noGrp="1"/>
+          </p:cNvSpPr>
+          <p:nvPr>
+            <p:ph type="sldNum" sz="quarter" idx="10"/>
+          </p:nvPr>
+        </p:nvSpPr>
+        <p:spPr/>
+        <p:txBody>
+          <a:bodyPr/>
+          <a:lstStyle/>
+          <a:p>
+            <a:fld id="{4AC65D0B-F732-4E21-9A8D-1C6A15A6A84B}" type="slidenum">
+              <a:rPr lang="en-US" smtClean="0"/>
+              <a:t>13</a:t>
             </a:fld>
             <a:endParaRPr lang="en-US" dirty="0"/>
           </a:p>
@@ -1719,7 +1868,7 @@
             </a:pPr>
             <a:r>
               <a:rPr lang="en-US" dirty="0"/>
-              <a:t>Why Tomm picked on &amp; motion established</a:t>
+              <a:t>Tomm Product Description</a:t>
             </a:r>
           </a:p>
           <a:p>
@@ -1729,7 +1878,17 @@
             </a:pPr>
             <a:r>
               <a:rPr lang="en-US" dirty="0"/>
-              <a:t>What it brought to Tomm’s project</a:t>
+              <a:t>Why Tomm picked feather &amp; motion established</a:t>
+            </a:r>
+          </a:p>
+          <a:p>
+            <a:pPr marL="171450" indent="-171450">
+              <a:buFontTx/>
+              <a:buChar char="-"/>
+            </a:pPr>
+            <a:r>
+              <a:rPr lang="en-US" dirty="0"/>
+              <a:t>What it brought to Tomm’s project (DTECTS)</a:t>
             </a:r>
           </a:p>
           <a:p>
@@ -1738,6 +1897,173 @@
               <a:buNone/>
             </a:pPr>
             <a:endParaRPr lang="en-US" dirty="0"/>
+          </a:p>
+          <a:p>
+            <a:pPr marL="0" marR="0" lvl="0" indent="0" algn="l" defTabSz="914400" rtl="0" eaLnBrk="1" fontAlgn="auto" latinLnBrk="0" hangingPunct="1">
+              <a:lnSpc>
+                <a:spcPct val="100000"/>
+              </a:lnSpc>
+              <a:spcBef>
+                <a:spcPts val="0"/>
+              </a:spcBef>
+              <a:spcAft>
+                <a:spcPts val="0"/>
+              </a:spcAft>
+              <a:buClrTx/>
+              <a:buSzTx/>
+              <a:buFontTx/>
+              <a:buNone/>
+              <a:tabLst/>
+              <a:defRPr/>
+            </a:pPr>
+            <a:r>
+              <a:rPr lang="en-US" dirty="0"/>
+              <a:t>Tomm Product Description</a:t>
+            </a:r>
+          </a:p>
+          <a:p>
+            <a:pPr marL="171450" indent="-171450">
+              <a:buFontTx/>
+              <a:buChar char="-"/>
+            </a:pPr>
+            <a:r>
+              <a:rPr lang="en-US" dirty="0"/>
+              <a:t>A simple motor interface to monitor performance, detect status &amp; alert</a:t>
+            </a:r>
+            <a:r>
+              <a:rPr lang="en-US" baseline="0" dirty="0"/>
+              <a:t> on performance error</a:t>
+            </a:r>
+          </a:p>
+          <a:p>
+            <a:pPr marL="171450" indent="-171450">
+              <a:buFontTx/>
+              <a:buChar char="-"/>
+            </a:pPr>
+            <a:r>
+              <a:rPr lang="en-US" baseline="0" dirty="0"/>
+              <a:t>Includes wireless interfaces, multiple sensing options, battery &amp; web interfaces</a:t>
+            </a:r>
+          </a:p>
+          <a:p>
+            <a:pPr marL="0" indent="0">
+              <a:buFontTx/>
+              <a:buNone/>
+            </a:pPr>
+            <a:endParaRPr lang="en-US" dirty="0"/>
+          </a:p>
+          <a:p>
+            <a:pPr marL="0" indent="0">
+              <a:buFontTx/>
+              <a:buNone/>
+            </a:pPr>
+            <a:r>
+              <a:rPr lang="en-US" dirty="0"/>
+              <a:t>Feather Selection</a:t>
+            </a:r>
+          </a:p>
+          <a:p>
+            <a:pPr marL="171450" indent="-171450">
+              <a:buFontTx/>
+              <a:buChar char="-"/>
+            </a:pPr>
+            <a:r>
+              <a:rPr lang="en-US" dirty="0"/>
+              <a:t>Selected for ability</a:t>
+            </a:r>
+            <a:r>
+              <a:rPr lang="en-US" baseline="0" dirty="0"/>
+              <a:t> to express ideas, test viability and begin PoC development by upper </a:t>
+            </a:r>
+            <a:r>
+              <a:rPr lang="en-US" baseline="0" dirty="0" err="1"/>
+              <a:t>mgmt</a:t>
+            </a:r>
+            <a:endParaRPr lang="en-US" baseline="0" dirty="0"/>
+          </a:p>
+          <a:p>
+            <a:pPr marL="171450" indent="-171450">
+              <a:buFontTx/>
+              <a:buChar char="-"/>
+            </a:pPr>
+            <a:r>
+              <a:rPr lang="en-US" baseline="0" dirty="0"/>
+              <a:t>Allowed Tomm to generate working unit with market prospect quickly</a:t>
+            </a:r>
+          </a:p>
+          <a:p>
+            <a:pPr marL="171450" indent="-171450">
+              <a:buFontTx/>
+              <a:buChar char="-"/>
+            </a:pPr>
+            <a:r>
+              <a:rPr lang="en-US" baseline="0" dirty="0"/>
+              <a:t>Enabled generation by one person</a:t>
+            </a:r>
+          </a:p>
+          <a:p>
+            <a:pPr marL="0" indent="0">
+              <a:buFontTx/>
+              <a:buNone/>
+            </a:pPr>
+            <a:endParaRPr lang="en-US" baseline="0" dirty="0"/>
+          </a:p>
+          <a:p>
+            <a:pPr marL="0" indent="0">
+              <a:buFontTx/>
+              <a:buNone/>
+            </a:pPr>
+            <a:r>
+              <a:rPr lang="en-US" baseline="0" dirty="0"/>
+              <a:t>Feather Benefits for DTECTS</a:t>
+            </a:r>
+          </a:p>
+          <a:p>
+            <a:pPr marL="171450" indent="-171450">
+              <a:buFontTx/>
+              <a:buChar char="-"/>
+            </a:pPr>
+            <a:r>
+              <a:rPr lang="en-US" baseline="0" dirty="0"/>
+              <a:t>Wide range of reference</a:t>
+            </a:r>
+          </a:p>
+          <a:p>
+            <a:pPr marL="171450" indent="-171450">
+              <a:buFontTx/>
+              <a:buChar char="-"/>
+            </a:pPr>
+            <a:r>
+              <a:rPr lang="en-US" baseline="0" dirty="0"/>
+              <a:t>Clean IO interface for DTECTS socket integration</a:t>
+            </a:r>
+          </a:p>
+          <a:p>
+            <a:pPr marL="171450" indent="-171450">
+              <a:buFontTx/>
+              <a:buChar char="-"/>
+            </a:pPr>
+            <a:r>
+              <a:rPr lang="en-US" baseline="0" dirty="0"/>
+              <a:t>Simple operating conditions (power, stable IO)</a:t>
+            </a:r>
+          </a:p>
+          <a:p>
+            <a:pPr marL="171450" indent="-171450">
+              <a:buFontTx/>
+              <a:buChar char="-"/>
+            </a:pPr>
+            <a:r>
+              <a:rPr lang="en-US" baseline="0" dirty="0"/>
+              <a:t>Highly Debuggable</a:t>
+            </a:r>
+          </a:p>
+          <a:p>
+            <a:pPr marL="0" indent="0">
+              <a:buFontTx/>
+              <a:buNone/>
+            </a:pPr>
+            <a:endParaRPr lang="en-US" baseline="0" dirty="0"/>
           </a:p>
         </p:txBody>
       </p:sp>
@@ -1821,9 +2147,9 @@
           <a:bodyPr/>
           <a:lstStyle/>
           <a:p>
-            <a:pPr marL="171450" indent="-171450">
-              <a:buFontTx/>
-              <a:buChar char="-"/>
+            <a:pPr marL="0" indent="0">
+              <a:buFontTx/>
+              <a:buNone/>
             </a:pPr>
             <a:r>
               <a:rPr lang="en-US" dirty="0"/>
@@ -1904,9 +2230,16 @@
             <a:endParaRPr lang="en-US" dirty="0"/>
           </a:p>
           <a:p>
-            <a:pPr marL="171450" indent="-171450">
-              <a:buFontTx/>
-              <a:buChar char="-"/>
+            <a:pPr marL="0" indent="0">
+              <a:buFontTx/>
+              <a:buNone/>
+            </a:pPr>
+            <a:endParaRPr lang="en-US" dirty="0"/>
+          </a:p>
+          <a:p>
+            <a:pPr marL="0" indent="0">
+              <a:buFontTx/>
+              <a:buNone/>
             </a:pPr>
             <a:r>
               <a:rPr lang="en-US" dirty="0"/>
@@ -1953,9 +2286,16 @@
             </a:r>
           </a:p>
           <a:p>
-            <a:pPr marL="171450" indent="-171450">
-              <a:buFontTx/>
-              <a:buChar char="-"/>
+            <a:pPr marL="0" indent="0">
+              <a:buFontTx/>
+              <a:buNone/>
+            </a:pPr>
+            <a:endParaRPr lang="en-US" dirty="0"/>
+          </a:p>
+          <a:p>
+            <a:pPr marL="0" indent="0">
+              <a:buFontTx/>
+              <a:buNone/>
             </a:pPr>
             <a:r>
               <a:rPr lang="en-US" dirty="0"/>
@@ -1991,9 +2331,16 @@
             <a:endParaRPr lang="en-US" dirty="0"/>
           </a:p>
           <a:p>
-            <a:pPr marL="171450" indent="-171450">
-              <a:buFontTx/>
-              <a:buChar char="-"/>
+            <a:pPr marL="0" indent="0">
+              <a:buFontTx/>
+              <a:buNone/>
+            </a:pPr>
+            <a:endParaRPr lang="en-US" dirty="0"/>
+          </a:p>
+          <a:p>
+            <a:pPr marL="0" indent="0">
+              <a:buFontTx/>
+              <a:buNone/>
             </a:pPr>
             <a:r>
               <a:rPr lang="en-US" dirty="0"/>
@@ -2077,32 +2424,27 @@
             </a:r>
           </a:p>
           <a:p>
-            <a:pPr marL="628650" lvl="1" indent="-171450">
-              <a:buFontTx/>
-              <a:buChar char="-"/>
-            </a:pPr>
-            <a:endParaRPr lang="en-US" dirty="0"/>
-          </a:p>
-          <a:p>
-            <a:pPr marL="628650" lvl="1" indent="-171450">
-              <a:buFontTx/>
-              <a:buChar char="-"/>
-            </a:pPr>
-            <a:endParaRPr lang="en-US" baseline="0" dirty="0"/>
-          </a:p>
-          <a:p>
-            <a:pPr marL="628650" lvl="1" indent="-171450">
-              <a:buFontTx/>
-              <a:buChar char="-"/>
-            </a:pPr>
-            <a:endParaRPr lang="en-US" dirty="0"/>
-          </a:p>
-          <a:p>
-            <a:pPr marL="0" indent="0">
-              <a:buFontTx/>
-              <a:buNone/>
-            </a:pPr>
-            <a:endParaRPr lang="en-US" dirty="0"/>
+            <a:pPr marL="457200" marR="0" lvl="1" indent="0" algn="l" defTabSz="914400" rtl="0" eaLnBrk="1" fontAlgn="auto" latinLnBrk="0" hangingPunct="1">
+              <a:lnSpc>
+                <a:spcPct val="100000"/>
+              </a:lnSpc>
+              <a:spcBef>
+                <a:spcPts val="0"/>
+              </a:spcBef>
+              <a:spcAft>
+                <a:spcPts val="0"/>
+              </a:spcAft>
+              <a:buClrTx/>
+              <a:buSzTx/>
+              <a:buFontTx/>
+              <a:buNone/>
+              <a:tabLst/>
+              <a:defRPr/>
+            </a:pPr>
+            <a:r>
+              <a:rPr lang="en-US" baseline="0" dirty="0"/>
+              <a:t>	</a:t>
+            </a:r>
           </a:p>
         </p:txBody>
       </p:sp>
@@ -2212,7 +2554,41 @@
             </a:pPr>
             <a:r>
               <a:rPr lang="en-US" dirty="0"/>
-              <a:t>Code Syntax</a:t>
+              <a:t>Embedded Systems Development</a:t>
+            </a:r>
+          </a:p>
+          <a:p>
+            <a:pPr marL="171450" indent="-171450">
+              <a:buFontTx/>
+              <a:buChar char="-"/>
+            </a:pPr>
+            <a:r>
+              <a:rPr lang="en-US" dirty="0"/>
+              <a:t>Board Design</a:t>
+            </a:r>
+          </a:p>
+          <a:p>
+            <a:pPr marL="171450" indent="-171450">
+              <a:buFontTx/>
+              <a:buChar char="-"/>
+            </a:pPr>
+            <a:r>
+              <a:rPr lang="en-US" dirty="0"/>
+              <a:t>Code Syntax (share examples from code)</a:t>
+            </a:r>
+          </a:p>
+          <a:p>
+            <a:pPr marL="628650" lvl="1" indent="-171450">
+              <a:buFontTx/>
+              <a:buChar char="-"/>
+            </a:pPr>
+            <a:r>
+              <a:rPr lang="en-US" dirty="0" err="1"/>
+              <a:t>example_pwm_tc.c</a:t>
+            </a:r>
+            <a:r>
+              <a:rPr lang="en-US" dirty="0"/>
+              <a:t> reference</a:t>
             </a:r>
           </a:p>
           <a:p>
@@ -2354,46 +2730,6 @@
           <a:bodyPr/>
           <a:lstStyle/>
           <a:p>
-            <a:pPr marL="171450" indent="-171450">
-              <a:buFontTx/>
-              <a:buChar char="-"/>
-            </a:pPr>
-            <a:r>
-              <a:rPr lang="en-US" dirty="0"/>
-              <a:t>Unmet customer needs</a:t>
-            </a:r>
-          </a:p>
-          <a:p>
-            <a:pPr marL="171450" indent="-171450">
-              <a:buFontTx/>
-              <a:buChar char="-"/>
-            </a:pPr>
-            <a:r>
-              <a:rPr lang="en-US" dirty="0"/>
-              <a:t>Work scope identification</a:t>
-            </a:r>
-          </a:p>
-          <a:p>
-            <a:pPr marL="171450" indent="-171450">
-              <a:buFontTx/>
-              <a:buChar char="-"/>
-            </a:pPr>
-            <a:r>
-              <a:rPr lang="en-US" dirty="0"/>
-              <a:t>Espressif</a:t>
-            </a:r>
-          </a:p>
-          <a:p>
-            <a:pPr marL="171450" indent="-171450">
-              <a:buFontTx/>
-              <a:buChar char="-"/>
-            </a:pPr>
-            <a:r>
-              <a:rPr lang="en-US" dirty="0"/>
-              <a:t>Satisfying ambitious, abstract design needs</a:t>
-            </a:r>
-          </a:p>
-          <a:p>
             <a:pPr marL="0" indent="0">
               <a:buFontTx/>
               <a:buNone/>
@@ -2428,7 +2764,7 @@
     </p:spTree>
     <p:extLst>
       <p:ext uri="{BB962C8B-B14F-4D97-AF65-F5344CB8AC3E}">
-        <p14:creationId xmlns:p14="http://schemas.microsoft.com/office/powerpoint/2010/main" val="3236089897"/>
+        <p14:creationId xmlns:p14="http://schemas.microsoft.com/office/powerpoint/2010/main" val="4145813878"/>
       </p:ext>
     </p:extLst>
   </p:cSld>
@@ -2488,7 +2824,7 @@
             </a:pPr>
             <a:r>
               <a:rPr lang="en-US" dirty="0"/>
-              <a:t>Schematics</a:t>
+              <a:t>Unmet customer needs</a:t>
             </a:r>
           </a:p>
           <a:p>
@@ -2498,7 +2834,7 @@
             </a:pPr>
             <a:r>
               <a:rPr lang="en-US" dirty="0"/>
-              <a:t>Documentation</a:t>
+              <a:t>Work scope identification</a:t>
             </a:r>
           </a:p>
           <a:p>
@@ -2508,7 +2844,7 @@
             </a:pPr>
             <a:r>
               <a:rPr lang="en-US" dirty="0"/>
-              <a:t>Board Design</a:t>
+              <a:t>Espressif</a:t>
             </a:r>
           </a:p>
           <a:p>
@@ -2518,37 +2854,7 @@
             </a:pPr>
             <a:r>
               <a:rPr lang="en-US" dirty="0"/>
-              <a:t>Espressif bare-metal scope</a:t>
-            </a:r>
-          </a:p>
-          <a:p>
-            <a:pPr marL="171450" indent="-171450">
-              <a:buFontTx/>
-              <a:buChar char="-"/>
-            </a:pPr>
-            <a:r>
-              <a:rPr lang="en-US" dirty="0"/>
-              <a:t>Roadmap establish</a:t>
-            </a:r>
-          </a:p>
-          <a:p>
-            <a:pPr marL="171450" indent="-171450">
-              <a:buFontTx/>
-              <a:buChar char="-"/>
-            </a:pPr>
-            <a:r>
-              <a:rPr lang="en-US" dirty="0"/>
-              <a:t>Procedure Reference</a:t>
-            </a:r>
-          </a:p>
-          <a:p>
-            <a:pPr marL="171450" indent="-171450">
-              <a:buFontTx/>
-              <a:buChar char="-"/>
-            </a:pPr>
-            <a:r>
-              <a:rPr lang="en-US" dirty="0"/>
-              <a:t>GitHub</a:t>
+              <a:t>Satisfying ambitious, abstract design needs</a:t>
             </a:r>
           </a:p>
           <a:p>
@@ -2586,7 +2892,7 @@
     </p:spTree>
     <p:extLst>
       <p:ext uri="{BB962C8B-B14F-4D97-AF65-F5344CB8AC3E}">
-        <p14:creationId xmlns:p14="http://schemas.microsoft.com/office/powerpoint/2010/main" val="812602940"/>
+        <p14:creationId xmlns:p14="http://schemas.microsoft.com/office/powerpoint/2010/main" val="3236089897"/>
       </p:ext>
     </p:extLst>
   </p:cSld>
@@ -2646,7 +2952,7 @@
             </a:pPr>
             <a:r>
               <a:rPr lang="en-US" dirty="0"/>
-              <a:t>Communication</a:t>
+              <a:t>Schematics</a:t>
             </a:r>
           </a:p>
           <a:p>
@@ -2656,7 +2962,7 @@
             </a:pPr>
             <a:r>
               <a:rPr lang="en-US" dirty="0"/>
-              <a:t>Needs Identification &amp; Customer Relations</a:t>
+              <a:t>Documentation</a:t>
             </a:r>
           </a:p>
           <a:p>
@@ -2666,7 +2972,7 @@
             </a:pPr>
             <a:r>
               <a:rPr lang="en-US" dirty="0"/>
-              <a:t>Translation of Ambitions to Marketable Results</a:t>
+              <a:t>Board Design</a:t>
             </a:r>
           </a:p>
           <a:p>
@@ -2676,7 +2982,7 @@
             </a:pPr>
             <a:r>
               <a:rPr lang="en-US" dirty="0"/>
-              <a:t>EAGLE Ramp</a:t>
+              <a:t>Espressif bare-metal scope</a:t>
             </a:r>
           </a:p>
           <a:p>
@@ -2686,7 +2992,7 @@
             </a:pPr>
             <a:r>
               <a:rPr lang="en-US" dirty="0"/>
-              <a:t>Espressif Exposure &amp; Practice</a:t>
+              <a:t>Roadmap establish</a:t>
             </a:r>
           </a:p>
           <a:p>
@@ -2696,7 +3002,17 @@
             </a:pPr>
             <a:r>
               <a:rPr lang="en-US" dirty="0"/>
-              <a:t>Relationships</a:t>
+              <a:t>Procedure Reference</a:t>
+            </a:r>
+          </a:p>
+          <a:p>
+            <a:pPr marL="171450" indent="-171450">
+              <a:buFontTx/>
+              <a:buChar char="-"/>
+            </a:pPr>
+            <a:r>
+              <a:rPr lang="en-US" dirty="0"/>
+              <a:t>GitHub</a:t>
             </a:r>
           </a:p>
           <a:p>
@@ -2734,7 +3050,7 @@
     </p:spTree>
     <p:extLst>
       <p:ext uri="{BB962C8B-B14F-4D97-AF65-F5344CB8AC3E}">
-        <p14:creationId xmlns:p14="http://schemas.microsoft.com/office/powerpoint/2010/main" val="264461871"/>
+        <p14:creationId xmlns:p14="http://schemas.microsoft.com/office/powerpoint/2010/main" val="812602940"/>
       </p:ext>
     </p:extLst>
   </p:cSld>
@@ -2794,7 +3110,7 @@
             </a:pPr>
             <a:r>
               <a:rPr lang="en-US" dirty="0"/>
-              <a:t>Strengthened relations with Tomm</a:t>
+              <a:t>Communication</a:t>
             </a:r>
           </a:p>
           <a:p>
@@ -2804,7 +3120,7 @@
             </a:pPr>
             <a:r>
               <a:rPr lang="en-US" dirty="0"/>
-              <a:t>Tyler Brown Opportunity</a:t>
+              <a:t>Needs Identification &amp; Customer Relations</a:t>
             </a:r>
           </a:p>
           <a:p>
@@ -2814,7 +3130,7 @@
             </a:pPr>
             <a:r>
               <a:rPr lang="en-US" dirty="0"/>
-              <a:t>Billy Keogh Opportunity</a:t>
+              <a:t>Translation of Ambitions to Marketable Results</a:t>
             </a:r>
           </a:p>
           <a:p>
@@ -2824,7 +3140,7 @@
             </a:pPr>
             <a:r>
               <a:rPr lang="en-US" dirty="0"/>
-              <a:t>Jmr Opportunity</a:t>
+              <a:t>EAGLE Ramp</a:t>
             </a:r>
           </a:p>
           <a:p>
@@ -2834,7 +3150,7 @@
             </a:pPr>
             <a:r>
               <a:rPr lang="en-US" dirty="0"/>
-              <a:t>Mentor &amp; Network relations</a:t>
+              <a:t>Espressif Exposure &amp; Practice</a:t>
             </a:r>
           </a:p>
           <a:p>
@@ -2844,7 +3160,7 @@
             </a:pPr>
             <a:r>
               <a:rPr lang="en-US" dirty="0"/>
-              <a:t>Xylem &amp; Ergsense relations</a:t>
+              <a:t>Relationships</a:t>
             </a:r>
           </a:p>
           <a:p>
@@ -2882,7 +3198,7 @@
     </p:spTree>
     <p:extLst>
       <p:ext uri="{BB962C8B-B14F-4D97-AF65-F5344CB8AC3E}">
-        <p14:creationId xmlns:p14="http://schemas.microsoft.com/office/powerpoint/2010/main" val="3716442150"/>
+        <p14:creationId xmlns:p14="http://schemas.microsoft.com/office/powerpoint/2010/main" val="264461871"/>
       </p:ext>
     </p:extLst>
   </p:cSld>
@@ -10530,7 +10846,7 @@
                 <a:ea typeface="+mj-ea"/>
                 <a:cs typeface="+mj-cs"/>
               </a:rPr>
-              <a:t>Procedure</a:t>
+              <a:t>Outcomes</a:t>
             </a:r>
             <a:endParaRPr lang="en-US" sz="4400" dirty="0">
               <a:effectLst/>
@@ -10571,7 +10887,7 @@
     </p:spTree>
     <p:extLst>
       <p:ext uri="{BB962C8B-B14F-4D97-AF65-F5344CB8AC3E}">
-        <p14:creationId xmlns:p14="http://schemas.microsoft.com/office/powerpoint/2010/main" val="3600086102"/>
+        <p14:creationId xmlns:p14="http://schemas.microsoft.com/office/powerpoint/2010/main" val="2229688103"/>
       </p:ext>
     </p:extLst>
   </p:cSld>
@@ -10635,7 +10951,7 @@
                 <a:ea typeface="+mj-ea"/>
                 <a:cs typeface="+mj-cs"/>
               </a:rPr>
-              <a:t>Pivotal Value Statement </a:t>
+              <a:t>Procedure</a:t>
             </a:r>
             <a:endParaRPr lang="en-US" sz="4400" dirty="0">
               <a:effectLst/>
@@ -10676,7 +10992,7 @@
     </p:spTree>
     <p:extLst>
       <p:ext uri="{BB962C8B-B14F-4D97-AF65-F5344CB8AC3E}">
-        <p14:creationId xmlns:p14="http://schemas.microsoft.com/office/powerpoint/2010/main" val="3071141420"/>
+        <p14:creationId xmlns:p14="http://schemas.microsoft.com/office/powerpoint/2010/main" val="3600086102"/>
       </p:ext>
     </p:extLst>
   </p:cSld>
@@ -10726,6 +11042,111 @@
           </a:bodyPr>
           <a:lstStyle/>
           <a:p>
+            <a:pPr rtl="0" eaLnBrk="1" latinLnBrk="0" hangingPunct="1"/>
+            <a:r>
+              <a:rPr lang="en-US" sz="3600" b="0" i="0" kern="1200" baseline="0" dirty="0">
+                <a:solidFill>
+                  <a:schemeClr val="tx1">
+                    <a:lumMod val="85000"/>
+                    <a:lumOff val="15000"/>
+                  </a:schemeClr>
+                </a:solidFill>
+                <a:effectLst/>
+                <a:latin typeface="+mj-lt"/>
+                <a:ea typeface="+mj-ea"/>
+                <a:cs typeface="+mj-cs"/>
+              </a:rPr>
+              <a:t>Pivotal Value Statement </a:t>
+            </a:r>
+            <a:endParaRPr lang="en-US" sz="4400" dirty="0">
+              <a:effectLst/>
+            </a:endParaRPr>
+          </a:p>
+        </p:txBody>
+      </p:sp>
+      <p:sp>
+        <p:nvSpPr>
+          <p:cNvPr id="3" name="Content Placeholder 2">
+            <a:extLst>
+              <a:ext uri="{FF2B5EF4-FFF2-40B4-BE49-F238E27FC236}">
+                <a16:creationId xmlns:a16="http://schemas.microsoft.com/office/drawing/2014/main" id="{044B4F6E-A639-47F4-91A5-68807265D618}"/>
+              </a:ext>
+            </a:extLst>
+          </p:cNvPr>
+          <p:cNvSpPr>
+            <a:spLocks noGrp="1"/>
+          </p:cNvSpPr>
+          <p:nvPr>
+            <p:ph idx="1"/>
+          </p:nvPr>
+        </p:nvSpPr>
+        <p:spPr>
+          <a:xfrm>
+            <a:off x="2589211" y="1451113"/>
+            <a:ext cx="9079327" cy="5068957"/>
+          </a:xfrm>
+        </p:spPr>
+        <p:txBody>
+          <a:bodyPr/>
+          <a:lstStyle/>
+          <a:p>
+            <a:endParaRPr lang="en-US" dirty="0"/>
+          </a:p>
+        </p:txBody>
+      </p:sp>
+    </p:spTree>
+    <p:extLst>
+      <p:ext uri="{BB962C8B-B14F-4D97-AF65-F5344CB8AC3E}">
+        <p14:creationId xmlns:p14="http://schemas.microsoft.com/office/powerpoint/2010/main" val="3071141420"/>
+      </p:ext>
+    </p:extLst>
+  </p:cSld>
+  <p:clrMapOvr>
+    <a:masterClrMapping/>
+  </p:clrMapOvr>
+</p:sld>
+</file>
+
+<file path=ppt/slides/slide13.xml><?xml version="1.0" encoding="utf-8"?>
+<p:sld xmlns:a="http://schemas.openxmlformats.org/drawingml/2006/main" xmlns:r="http://schemas.openxmlformats.org/officeDocument/2006/relationships" xmlns:p="http://schemas.openxmlformats.org/presentationml/2006/main">
+  <p:cSld>
+    <p:spTree>
+      <p:nvGrpSpPr>
+        <p:cNvPr id="1" name=""/>
+        <p:cNvGrpSpPr/>
+        <p:nvPr/>
+      </p:nvGrpSpPr>
+      <p:grpSpPr>
+        <a:xfrm>
+          <a:off x="0" y="0"/>
+          <a:ext cx="0" cy="0"/>
+          <a:chOff x="0" y="0"/>
+          <a:chExt cx="0" cy="0"/>
+        </a:xfrm>
+      </p:grpSpPr>
+      <p:sp>
+        <p:nvSpPr>
+          <p:cNvPr id="2" name="Title 1">
+            <a:extLst>
+              <a:ext uri="{FF2B5EF4-FFF2-40B4-BE49-F238E27FC236}">
+                <a16:creationId xmlns:a16="http://schemas.microsoft.com/office/drawing/2014/main" id="{9C5E42EE-EA5D-4203-B1EC-B96B68D2A8EA}"/>
+              </a:ext>
+            </a:extLst>
+          </p:cNvPr>
+          <p:cNvSpPr>
+            <a:spLocks noGrp="1"/>
+          </p:cNvSpPr>
+          <p:nvPr>
+            <p:ph type="title"/>
+          </p:nvPr>
+        </p:nvSpPr>
+        <p:spPr/>
+        <p:txBody>
+          <a:bodyPr>
+            <a:normAutofit/>
+          </a:bodyPr>
+          <a:lstStyle/>
+          <a:p>
             <a:pPr marL="0" marR="0" lvl="0" indent="0" algn="l" defTabSz="457200" rtl="0" eaLnBrk="1" fontAlgn="auto" latinLnBrk="0" hangingPunct="1">
               <a:lnSpc>
                 <a:spcPct val="100000"/>
@@ -10790,6 +11211,16 @@
           <a:bodyPr/>
           <a:lstStyle/>
           <a:p>
+            <a:r>
+              <a:rPr lang="en-US" dirty="0"/>
+              <a:t>[1] </a:t>
+            </a:r>
+            <a:r>
+              <a:rPr lang="en-US" dirty="0">
+                <a:hlinkClick r:id="rId3"/>
+              </a:rPr>
+              <a:t>Feather - A complete line of development boards from Adafruit that are both standalone and stackable</a:t>
+            </a:r>
             <a:endParaRPr lang="en-US" dirty="0"/>
           </a:p>
         </p:txBody>
@@ -11047,7 +11478,121 @@
           <a:bodyPr/>
           <a:lstStyle/>
           <a:p>
-            <a:endParaRPr lang="en-US" dirty="0"/>
+            <a:r>
+              <a:rPr lang="en-US" dirty="0"/>
+              <a:t>Cross-compatible platform spanning several vendors, use cases &amp; solutions</a:t>
+            </a:r>
+          </a:p>
+          <a:p>
+            <a:pPr lvl="1"/>
+            <a:r>
+              <a:rPr lang="en-US" dirty="0"/>
+              <a:t>Picture of Hats or Feather options</a:t>
+            </a:r>
+          </a:p>
+          <a:p>
+            <a:pPr lvl="1"/>
+            <a:r>
+              <a:rPr lang="en-US" dirty="0"/>
+              <a:t>What feature or family do you need, they’ve got it w/example</a:t>
+            </a:r>
+          </a:p>
+          <a:p>
+            <a:r>
+              <a:rPr lang="en-US" dirty="0"/>
+              <a:t>A leading expression platform at present</a:t>
+            </a:r>
+          </a:p>
+          <a:p>
+            <a:pPr lvl="1"/>
+            <a:r>
+              <a:rPr lang="en-US" dirty="0"/>
+              <a:t>Enables idea generation and investigation by large audience</a:t>
+            </a:r>
+          </a:p>
+          <a:p>
+            <a:pPr lvl="1"/>
+            <a:r>
+              <a:rPr lang="en-US" dirty="0"/>
+              <a:t>Like the DTECTS platform with Ergsense, enabling real-time monitoring of electrical motors</a:t>
+            </a:r>
+          </a:p>
+          <a:p>
+            <a:pPr lvl="1"/>
+            <a:r>
+              <a:rPr lang="en-US" dirty="0"/>
+              <a:t>With academic physics experimentation, chemistry monitoring or computer science embedded user interfaces for example</a:t>
+            </a:r>
+          </a:p>
+          <a:p>
+            <a:pPr lvl="1"/>
+            <a:r>
+              <a:rPr lang="en-US" dirty="0"/>
+              <a:t>In industry with PoC examination &amp; formulation (e.g. grain moisture detection)</a:t>
+            </a:r>
+          </a:p>
+          <a:p>
+            <a:r>
+              <a:rPr lang="en-US" dirty="0"/>
+              <a:t>This platform genre is maturing</a:t>
+            </a:r>
+          </a:p>
+          <a:p>
+            <a:pPr lvl="1"/>
+            <a:r>
+              <a:rPr lang="en-US" dirty="0"/>
+              <a:t>Integration into later stages of product design &amp; release</a:t>
+            </a:r>
+          </a:p>
+          <a:p>
+            <a:pPr lvl="1"/>
+            <a:r>
+              <a:rPr lang="en-US" dirty="0"/>
+              <a:t>Arduino, Feather, Particle, etc.</a:t>
+            </a:r>
+          </a:p>
+        </p:txBody>
+      </p:sp>
+      <p:sp>
+        <p:nvSpPr>
+          <p:cNvPr id="4" name="TextBox 3">
+            <a:extLst>
+              <a:ext uri="{FF2B5EF4-FFF2-40B4-BE49-F238E27FC236}">
+                <a16:creationId xmlns:a16="http://schemas.microsoft.com/office/drawing/2014/main" id="{790809A5-49C1-4088-8A82-6305D423F75D}"/>
+              </a:ext>
+            </a:extLst>
+          </p:cNvPr>
+          <p:cNvSpPr txBox="1"/>
+          <p:nvPr/>
+        </p:nvSpPr>
+        <p:spPr>
+          <a:xfrm>
+            <a:off x="6448098" y="6117021"/>
+            <a:ext cx="5376042" cy="523220"/>
+          </a:xfrm>
+          <a:prstGeom prst="rect">
+            <a:avLst/>
+          </a:prstGeom>
+          <a:noFill/>
+        </p:spPr>
+        <p:txBody>
+          <a:bodyPr wrap="square" rtlCol="0">
+            <a:spAutoFit/>
+          </a:bodyPr>
+          <a:lstStyle/>
+          <a:p>
+            <a:pPr algn="ctr"/>
+            <a:r>
+              <a:rPr lang="en-US" sz="1400" dirty="0"/>
+              <a:t>"At its core, the Adafruit Feather is a complete ecosystem of products - and the best way to get your project flying” </a:t>
+            </a:r>
+            <a:r>
+              <a:rPr lang="en-US" sz="1400" dirty="0">
+                <a:hlinkClick r:id="rId3"/>
+              </a:rPr>
+              <a:t>[1]</a:t>
+            </a:r>
+            <a:endParaRPr lang="en-US" sz="1400" dirty="0"/>
           </a:p>
         </p:txBody>
       </p:sp>
@@ -11328,7 +11873,7 @@
                 <a:ea typeface="+mj-ea"/>
                 <a:cs typeface="+mj-cs"/>
               </a:rPr>
-              <a:t>Overcome Challenges</a:t>
+              <a:t>Development Methodology (3)</a:t>
             </a:r>
             <a:endParaRPr lang="en-US" sz="4400" dirty="0">
               <a:effectLst/>
@@ -11338,38 +11883,81 @@
       </p:sp>
       <p:sp>
         <p:nvSpPr>
-          <p:cNvPr id="3" name="Content Placeholder 2">
+          <p:cNvPr id="6" name="Rectangle: Rounded Corners 5">
             <a:extLst>
               <a:ext uri="{FF2B5EF4-FFF2-40B4-BE49-F238E27FC236}">
-                <a16:creationId xmlns:a16="http://schemas.microsoft.com/office/drawing/2014/main" id="{044B4F6E-A639-47F4-91A5-68807265D618}"/>
+                <a16:creationId xmlns:a16="http://schemas.microsoft.com/office/drawing/2014/main" id="{056C338A-A877-44DB-BB5C-C03AC80D2BF2}"/>
               </a:ext>
             </a:extLst>
           </p:cNvPr>
-          <p:cNvSpPr>
-            <a:spLocks noGrp="1"/>
-          </p:cNvSpPr>
-          <p:nvPr>
-            <p:ph idx="1"/>
-          </p:nvPr>
+          <p:cNvSpPr/>
+          <p:nvPr/>
         </p:nvSpPr>
         <p:spPr>
           <a:xfrm>
-            <a:off x="2589211" y="1451113"/>
-            <a:ext cx="9079327" cy="5068957"/>
+            <a:off x="2072640" y="1700046"/>
+            <a:ext cx="9289252" cy="4346645"/>
           </a:xfrm>
+          <a:prstGeom prst="roundRect">
+            <a:avLst>
+              <a:gd name="adj" fmla="val 3519"/>
+            </a:avLst>
+          </a:prstGeom>
+          <a:blipFill dpi="0" rotWithShape="1">
+            <a:blip r:embed="rId3">
+              <a:extLst>
+                <a:ext uri="{28A0092B-C50C-407E-A947-70E740481C1C}">
+                  <a14:useLocalDpi xmlns:a14="http://schemas.microsoft.com/office/drawing/2010/main" val="0"/>
+                </a:ext>
+              </a:extLst>
+            </a:blip>
+            <a:srcRect/>
+            <a:stretch>
+              <a:fillRect/>
+            </a:stretch>
+          </a:blipFill>
+          <a:ln w="6350">
+            <a:solidFill>
+              <a:schemeClr val="tx1"/>
+            </a:solidFill>
+          </a:ln>
+          <a:effectLst>
+            <a:outerShdw blurRad="152400" dist="25400" dir="2700000" sx="102000" sy="102000" algn="tl" rotWithShape="0">
+              <a:prstClr val="black">
+                <a:alpha val="10000"/>
+              </a:prstClr>
+            </a:outerShdw>
+          </a:effectLst>
         </p:spPr>
-        <p:txBody>
-          <a:bodyPr/>
+        <p:style>
+          <a:lnRef idx="2">
+            <a:schemeClr val="accent1">
+              <a:shade val="50000"/>
+            </a:schemeClr>
+          </a:lnRef>
+          <a:fillRef idx="1">
+            <a:schemeClr val="accent1"/>
+          </a:fillRef>
+          <a:effectRef idx="0">
+            <a:schemeClr val="accent1"/>
+          </a:effectRef>
+          <a:fontRef idx="minor">
+            <a:schemeClr val="lt1"/>
+          </a:fontRef>
+        </p:style>
+        <p:txBody>
+          <a:bodyPr rtlCol="0" anchor="ctr"/>
           <a:lstStyle/>
           <a:p>
-            <a:endParaRPr lang="en-US" dirty="0"/>
+            <a:pPr algn="ctr"/>
+            <a:endParaRPr lang="en-US"/>
           </a:p>
         </p:txBody>
       </p:sp>
     </p:spTree>
     <p:extLst>
       <p:ext uri="{BB962C8B-B14F-4D97-AF65-F5344CB8AC3E}">
-        <p14:creationId xmlns:p14="http://schemas.microsoft.com/office/powerpoint/2010/main" val="2805820393"/>
+        <p14:creationId xmlns:p14="http://schemas.microsoft.com/office/powerpoint/2010/main" val="2956004668"/>
       </p:ext>
     </p:extLst>
   </p:cSld>
@@ -11419,6 +12007,7 @@
           </a:bodyPr>
           <a:lstStyle/>
           <a:p>
+            <a:pPr rtl="0" eaLnBrk="1" latinLnBrk="0" hangingPunct="1"/>
             <a:r>
               <a:rPr lang="en-US" sz="3600" b="0" i="0" kern="1200" baseline="0" dirty="0">
                 <a:solidFill>
@@ -11432,9 +12021,11 @@
                 <a:ea typeface="+mj-ea"/>
                 <a:cs typeface="+mj-cs"/>
               </a:rPr>
-              <a:t>Deliverable &amp; Results (2)</a:t>
-            </a:r>
-            <a:endParaRPr lang="en-US" sz="2800" dirty="0"/>
+              <a:t>Overcome Challenges</a:t>
+            </a:r>
+            <a:endParaRPr lang="en-US" sz="4400" dirty="0">
+              <a:effectLst/>
+            </a:endParaRPr>
           </a:p>
         </p:txBody>
       </p:sp>
@@ -11471,7 +12062,7 @@
     </p:spTree>
     <p:extLst>
       <p:ext uri="{BB962C8B-B14F-4D97-AF65-F5344CB8AC3E}">
-        <p14:creationId xmlns:p14="http://schemas.microsoft.com/office/powerpoint/2010/main" val="821675052"/>
+        <p14:creationId xmlns:p14="http://schemas.microsoft.com/office/powerpoint/2010/main" val="2805820393"/>
       </p:ext>
     </p:extLst>
   </p:cSld>
@@ -11521,7 +12112,6 @@
           </a:bodyPr>
           <a:lstStyle/>
           <a:p>
-            <a:pPr rtl="0" eaLnBrk="1" latinLnBrk="0" hangingPunct="1"/>
             <a:r>
               <a:rPr lang="en-US" sz="3600" b="0" i="0" kern="1200" baseline="0" dirty="0">
                 <a:solidFill>
@@ -11535,11 +12125,9 @@
                 <a:ea typeface="+mj-ea"/>
                 <a:cs typeface="+mj-cs"/>
               </a:rPr>
-              <a:t>Learnings &amp; Growths</a:t>
-            </a:r>
-            <a:endParaRPr lang="en-US" sz="4400" dirty="0">
-              <a:effectLst/>
-            </a:endParaRPr>
+              <a:t>Deliverable &amp; Results (2)</a:t>
+            </a:r>
+            <a:endParaRPr lang="en-US" sz="2800" dirty="0"/>
           </a:p>
         </p:txBody>
       </p:sp>
@@ -11576,7 +12164,7 @@
     </p:spTree>
     <p:extLst>
       <p:ext uri="{BB962C8B-B14F-4D97-AF65-F5344CB8AC3E}">
-        <p14:creationId xmlns:p14="http://schemas.microsoft.com/office/powerpoint/2010/main" val="3042754836"/>
+        <p14:creationId xmlns:p14="http://schemas.microsoft.com/office/powerpoint/2010/main" val="821675052"/>
       </p:ext>
     </p:extLst>
   </p:cSld>
@@ -11640,7 +12228,7 @@
                 <a:ea typeface="+mj-ea"/>
                 <a:cs typeface="+mj-cs"/>
               </a:rPr>
-              <a:t>Outcomes</a:t>
+              <a:t>Learnings &amp; Growths</a:t>
             </a:r>
             <a:endParaRPr lang="en-US" sz="4400" dirty="0">
               <a:effectLst/>
@@ -11681,7 +12269,7 @@
     </p:spTree>
     <p:extLst>
       <p:ext uri="{BB962C8B-B14F-4D97-AF65-F5344CB8AC3E}">
-        <p14:creationId xmlns:p14="http://schemas.microsoft.com/office/powerpoint/2010/main" val="2229688103"/>
+        <p14:creationId xmlns:p14="http://schemas.microsoft.com/office/powerpoint/2010/main" val="3042754836"/>
       </p:ext>
     </p:extLst>
   </p:cSld>

--- a/Suppl/Pivotal Presentation - DTECTS.pptx
+++ b/Suppl/Pivotal Presentation - DTECTS.pptx
@@ -5,7 +5,7 @@
     <p:sldMasterId id="2147483648" r:id="rId1"/>
   </p:sldMasterIdLst>
   <p:notesMasterIdLst>
-    <p:notesMasterId r:id="rId15"/>
+    <p:notesMasterId r:id="rId21"/>
   </p:notesMasterIdLst>
   <p:sldIdLst>
     <p:sldId id="257" r:id="rId2"/>
@@ -13,14 +13,20 @@
     <p:sldId id="280" r:id="rId4"/>
     <p:sldId id="281" r:id="rId5"/>
     <p:sldId id="282" r:id="rId6"/>
-    <p:sldId id="291" r:id="rId7"/>
-    <p:sldId id="283" r:id="rId8"/>
-    <p:sldId id="284" r:id="rId9"/>
-    <p:sldId id="286" r:id="rId10"/>
-    <p:sldId id="287" r:id="rId11"/>
-    <p:sldId id="288" r:id="rId12"/>
-    <p:sldId id="290" r:id="rId13"/>
-    <p:sldId id="289" r:id="rId14"/>
+    <p:sldId id="296" r:id="rId7"/>
+    <p:sldId id="298" r:id="rId8"/>
+    <p:sldId id="291" r:id="rId9"/>
+    <p:sldId id="295" r:id="rId10"/>
+    <p:sldId id="294" r:id="rId11"/>
+    <p:sldId id="293" r:id="rId12"/>
+    <p:sldId id="292" r:id="rId13"/>
+    <p:sldId id="283" r:id="rId14"/>
+    <p:sldId id="284" r:id="rId15"/>
+    <p:sldId id="286" r:id="rId16"/>
+    <p:sldId id="287" r:id="rId17"/>
+    <p:sldId id="288" r:id="rId18"/>
+    <p:sldId id="290" r:id="rId19"/>
+    <p:sldId id="289" r:id="rId20"/>
   </p:sldIdLst>
   <p:sldSz cx="12192000" cy="6858000"/>
   <p:notesSz cx="6858000" cy="9144000"/>
@@ -930,7 +936,7 @@
             </a:pPr>
             <a:r>
               <a:rPr lang="en-US" dirty="0"/>
-              <a:t>Strengthened relations with Tomm</a:t>
+              <a:t>Clear segmentation and modularization of design</a:t>
             </a:r>
           </a:p>
           <a:p>
@@ -940,7 +946,7 @@
             </a:pPr>
             <a:r>
               <a:rPr lang="en-US" dirty="0"/>
-              <a:t>Tyler Brown Opportunity</a:t>
+              <a:t>Consistent part selection</a:t>
             </a:r>
           </a:p>
           <a:p>
@@ -950,7 +956,7 @@
             </a:pPr>
             <a:r>
               <a:rPr lang="en-US" dirty="0"/>
-              <a:t>Billy Keogh Opportunity</a:t>
+              <a:t>Clean selection and placement for external I/O</a:t>
             </a:r>
           </a:p>
           <a:p>
@@ -960,33 +966,13 @@
             </a:pPr>
             <a:r>
               <a:rPr lang="en-US" dirty="0"/>
-              <a:t>Jmr Opportunity</a:t>
+              <a:t>Design flexibility for future expansion</a:t>
             </a:r>
           </a:p>
           <a:p>
             <a:pPr marL="171450" indent="-171450">
               <a:buFontTx/>
               <a:buChar char="-"/>
-            </a:pPr>
-            <a:r>
-              <a:rPr lang="en-US" dirty="0"/>
-              <a:t>Mentor &amp; Network relations</a:t>
-            </a:r>
-          </a:p>
-          <a:p>
-            <a:pPr marL="171450" indent="-171450">
-              <a:buFontTx/>
-              <a:buChar char="-"/>
-            </a:pPr>
-            <a:r>
-              <a:rPr lang="en-US" dirty="0"/>
-              <a:t>Xylem &amp; Ergsense relations</a:t>
-            </a:r>
-          </a:p>
-          <a:p>
-            <a:pPr marL="0" indent="0">
-              <a:buFontTx/>
-              <a:buNone/>
             </a:pPr>
             <a:endParaRPr lang="en-US" dirty="0"/>
           </a:p>
@@ -1018,7 +1004,7 @@
     </p:spTree>
     <p:extLst>
       <p:ext uri="{BB962C8B-B14F-4D97-AF65-F5344CB8AC3E}">
-        <p14:creationId xmlns:p14="http://schemas.microsoft.com/office/powerpoint/2010/main" val="3716442150"/>
+        <p14:creationId xmlns:p14="http://schemas.microsoft.com/office/powerpoint/2010/main" val="2959733451"/>
       </p:ext>
     </p:extLst>
   </p:cSld>
@@ -1072,107 +1058,6 @@
           <a:bodyPr/>
           <a:lstStyle/>
           <a:p>
-            <a:pPr marL="171450" indent="-171450">
-              <a:buFontTx/>
-              <a:buChar char="-"/>
-            </a:pPr>
-            <a:r>
-              <a:rPr lang="en-US" dirty="0"/>
-              <a:t>Frame, sketch w/vision</a:t>
-            </a:r>
-            <a:r>
-              <a:rPr lang="en-US" baseline="0" dirty="0"/>
-              <a:t> &amp; intent, draft</a:t>
-            </a:r>
-          </a:p>
-          <a:p>
-            <a:pPr marL="171450" indent="-171450">
-              <a:buFontTx/>
-              <a:buChar char="-"/>
-            </a:pPr>
-            <a:r>
-              <a:rPr lang="en-US" baseline="0" dirty="0"/>
-              <a:t>Source control &amp; procedure!</a:t>
-            </a:r>
-          </a:p>
-          <a:p>
-            <a:pPr marL="171450" indent="-171450">
-              <a:buFontTx/>
-              <a:buChar char="-"/>
-            </a:pPr>
-            <a:r>
-              <a:rPr lang="en-US" baseline="0" dirty="0"/>
-              <a:t>Help from experience (Tomm, Terry, Father)</a:t>
-            </a:r>
-          </a:p>
-          <a:p>
-            <a:pPr marL="171450" indent="-171450">
-              <a:buFontTx/>
-              <a:buChar char="-"/>
-            </a:pPr>
-            <a:r>
-              <a:rPr lang="en-US" dirty="0"/>
-              <a:t>Describe</a:t>
-            </a:r>
-            <a:r>
-              <a:rPr lang="en-US" baseline="0" dirty="0"/>
-              <a:t> procedure of PPT Generation</a:t>
-            </a:r>
-          </a:p>
-          <a:p>
-            <a:pPr marL="171450" indent="-171450">
-              <a:buFontTx/>
-              <a:buChar char="-"/>
-            </a:pPr>
-            <a:r>
-              <a:rPr lang="en-US" baseline="0" dirty="0"/>
-              <a:t>    selection &amp; outline</a:t>
-            </a:r>
-          </a:p>
-          <a:p>
-            <a:pPr marL="171450" indent="-171450">
-              <a:buFontTx/>
-              <a:buChar char="-"/>
-            </a:pPr>
-            <a:r>
-              <a:rPr lang="en-US" baseline="0" dirty="0"/>
-              <a:t>    customer meeting (Tomm)</a:t>
-            </a:r>
-          </a:p>
-          <a:p>
-            <a:pPr marL="171450" indent="-171450">
-              <a:buFontTx/>
-              <a:buChar char="-"/>
-            </a:pPr>
-            <a:r>
-              <a:rPr lang="en-US" baseline="0" dirty="0"/>
-              <a:t>    mentor advise (Tom, Father)</a:t>
-            </a:r>
-          </a:p>
-          <a:p>
-            <a:pPr marL="171450" indent="-171450">
-              <a:buFontTx/>
-              <a:buChar char="-"/>
-            </a:pPr>
-            <a:r>
-              <a:rPr lang="en-US" baseline="0" dirty="0"/>
-              <a:t>    outline</a:t>
-            </a:r>
-          </a:p>
-          <a:p>
-            <a:pPr marL="171450" indent="-171450">
-              <a:buFontTx/>
-              <a:buChar char="-"/>
-            </a:pPr>
-            <a:r>
-              <a:rPr lang="en-US" baseline="0" dirty="0"/>
-              <a:t>    find template</a:t>
-            </a:r>
-          </a:p>
-          <a:p>
-            <a:endParaRPr lang="en-US" dirty="0"/>
-          </a:p>
-          <a:p>
             <a:pPr marL="0" indent="0">
               <a:buFontTx/>
               <a:buNone/>
@@ -1207,7 +1092,7 @@
     </p:spTree>
     <p:extLst>
       <p:ext uri="{BB962C8B-B14F-4D97-AF65-F5344CB8AC3E}">
-        <p14:creationId xmlns:p14="http://schemas.microsoft.com/office/powerpoint/2010/main" val="648812506"/>
+        <p14:creationId xmlns:p14="http://schemas.microsoft.com/office/powerpoint/2010/main" val="3749563727"/>
       </p:ext>
     </p:extLst>
   </p:cSld>
@@ -1261,46 +1146,6 @@
           <a:bodyPr/>
           <a:lstStyle/>
           <a:p>
-            <a:pPr marL="171450" indent="-171450">
-              <a:buFontTx/>
-              <a:buChar char="-"/>
-            </a:pPr>
-            <a:r>
-              <a:rPr lang="en-US" dirty="0"/>
-              <a:t>Board Design</a:t>
-            </a:r>
-          </a:p>
-          <a:p>
-            <a:pPr marL="171450" indent="-171450">
-              <a:buFontTx/>
-              <a:buChar char="-"/>
-            </a:pPr>
-            <a:r>
-              <a:rPr lang="en-US" dirty="0"/>
-              <a:t>Board Fab &amp; Validate</a:t>
-            </a:r>
-          </a:p>
-          <a:p>
-            <a:pPr marL="171450" indent="-171450">
-              <a:buFontTx/>
-              <a:buChar char="-"/>
-            </a:pPr>
-            <a:r>
-              <a:rPr lang="en-US" dirty="0"/>
-              <a:t>Firmware</a:t>
-            </a:r>
-          </a:p>
-          <a:p>
-            <a:pPr marL="171450" indent="-171450">
-              <a:buFontTx/>
-              <a:buChar char="-"/>
-            </a:pPr>
-            <a:r>
-              <a:rPr lang="en-US" dirty="0"/>
-              <a:t>Rapid Prototyping</a:t>
-            </a:r>
-          </a:p>
-          <a:p>
             <a:pPr marL="0" indent="0">
               <a:buFontTx/>
               <a:buNone/>
@@ -1335,7 +1180,7 @@
     </p:spTree>
     <p:extLst>
       <p:ext uri="{BB962C8B-B14F-4D97-AF65-F5344CB8AC3E}">
-        <p14:creationId xmlns:p14="http://schemas.microsoft.com/office/powerpoint/2010/main" val="3025603983"/>
+        <p14:creationId xmlns:p14="http://schemas.microsoft.com/office/powerpoint/2010/main" val="1280536660"/>
       </p:ext>
     </p:extLst>
   </p:cSld>
@@ -1389,21 +1234,44 @@
           <a:bodyPr/>
           <a:lstStyle/>
           <a:p>
-            <a:r>
-              <a:rPr lang="en-US" dirty="0"/>
-              <a:t>*Integrate Tomm Notes</a:t>
-            </a:r>
-          </a:p>
-          <a:p>
-            <a:r>
-              <a:rPr lang="en-US" dirty="0"/>
-              <a:t>*Form</a:t>
-            </a:r>
-            <a:r>
-              <a:rPr lang="en-US" baseline="0" dirty="0"/>
-              <a:t> rules &amp; presentation target</a:t>
-            </a:r>
-            <a:endParaRPr lang="en-US" dirty="0"/>
+            <a:pPr marL="171450" indent="-171450">
+              <a:buFontTx/>
+              <a:buChar char="-"/>
+            </a:pPr>
+            <a:r>
+              <a:rPr lang="en-US" dirty="0"/>
+              <a:t>Unmet customer needs</a:t>
+            </a:r>
+          </a:p>
+          <a:p>
+            <a:pPr marL="171450" indent="-171450">
+              <a:buFontTx/>
+              <a:buChar char="-"/>
+            </a:pPr>
+            <a:r>
+              <a:rPr lang="en-US" dirty="0"/>
+              <a:t>Work scope identification</a:t>
+            </a:r>
+          </a:p>
+          <a:p>
+            <a:pPr marL="171450" indent="-171450">
+              <a:buFontTx/>
+              <a:buChar char="-"/>
+            </a:pPr>
+            <a:r>
+              <a:rPr lang="en-US" dirty="0"/>
+              <a:t>Espressif</a:t>
+            </a:r>
+          </a:p>
+          <a:p>
+            <a:pPr marL="171450" indent="-171450">
+              <a:buFontTx/>
+              <a:buChar char="-"/>
+            </a:pPr>
+            <a:r>
+              <a:rPr lang="en-US" dirty="0"/>
+              <a:t>Satisfying ambitious, abstract design needs</a:t>
+            </a:r>
           </a:p>
           <a:p>
             <a:pPr marL="0" indent="0">
@@ -1432,6 +1300,882 @@
             <a:fld id="{4AC65D0B-F732-4E21-9A8D-1C6A15A6A84B}" type="slidenum">
               <a:rPr lang="en-US" smtClean="0"/>
               <a:t>13</a:t>
+            </a:fld>
+            <a:endParaRPr lang="en-US" dirty="0"/>
+          </a:p>
+        </p:txBody>
+      </p:sp>
+    </p:spTree>
+    <p:extLst>
+      <p:ext uri="{BB962C8B-B14F-4D97-AF65-F5344CB8AC3E}">
+        <p14:creationId xmlns:p14="http://schemas.microsoft.com/office/powerpoint/2010/main" val="3236089897"/>
+      </p:ext>
+    </p:extLst>
+  </p:cSld>
+  <p:clrMapOvr>
+    <a:masterClrMapping/>
+  </p:clrMapOvr>
+</p:notes>
+</file>
+
+<file path=ppt/notesSlides/notesSlide14.xml><?xml version="1.0" encoding="utf-8"?>
+<p:notes xmlns:a="http://schemas.openxmlformats.org/drawingml/2006/main" xmlns:r="http://schemas.openxmlformats.org/officeDocument/2006/relationships" xmlns:p="http://schemas.openxmlformats.org/presentationml/2006/main">
+  <p:cSld>
+    <p:spTree>
+      <p:nvGrpSpPr>
+        <p:cNvPr id="1" name=""/>
+        <p:cNvGrpSpPr/>
+        <p:nvPr/>
+      </p:nvGrpSpPr>
+      <p:grpSpPr>
+        <a:xfrm>
+          <a:off x="0" y="0"/>
+          <a:ext cx="0" cy="0"/>
+          <a:chOff x="0" y="0"/>
+          <a:chExt cx="0" cy="0"/>
+        </a:xfrm>
+      </p:grpSpPr>
+      <p:sp>
+        <p:nvSpPr>
+          <p:cNvPr id="2" name="Slide Image Placeholder 1"/>
+          <p:cNvSpPr>
+            <a:spLocks noGrp="1" noRot="1" noChangeAspect="1"/>
+          </p:cNvSpPr>
+          <p:nvPr>
+            <p:ph type="sldImg"/>
+          </p:nvPr>
+        </p:nvSpPr>
+        <p:spPr/>
+      </p:sp>
+      <p:sp>
+        <p:nvSpPr>
+          <p:cNvPr id="3" name="Notes Placeholder 2"/>
+          <p:cNvSpPr>
+            <a:spLocks noGrp="1"/>
+          </p:cNvSpPr>
+          <p:nvPr>
+            <p:ph type="body" idx="1"/>
+          </p:nvPr>
+        </p:nvSpPr>
+        <p:spPr/>
+        <p:txBody>
+          <a:bodyPr/>
+          <a:lstStyle/>
+          <a:p>
+            <a:pPr marL="171450" indent="-171450">
+              <a:buFontTx/>
+              <a:buChar char="-"/>
+            </a:pPr>
+            <a:r>
+              <a:rPr lang="en-US" dirty="0"/>
+              <a:t>Schematics</a:t>
+            </a:r>
+          </a:p>
+          <a:p>
+            <a:pPr marL="171450" indent="-171450">
+              <a:buFontTx/>
+              <a:buChar char="-"/>
+            </a:pPr>
+            <a:r>
+              <a:rPr lang="en-US" dirty="0"/>
+              <a:t>Documentation</a:t>
+            </a:r>
+          </a:p>
+          <a:p>
+            <a:pPr marL="171450" indent="-171450">
+              <a:buFontTx/>
+              <a:buChar char="-"/>
+            </a:pPr>
+            <a:r>
+              <a:rPr lang="en-US" dirty="0"/>
+              <a:t>Board Design</a:t>
+            </a:r>
+          </a:p>
+          <a:p>
+            <a:pPr marL="171450" indent="-171450">
+              <a:buFontTx/>
+              <a:buChar char="-"/>
+            </a:pPr>
+            <a:r>
+              <a:rPr lang="en-US" dirty="0"/>
+              <a:t>Espressif bare-metal scope</a:t>
+            </a:r>
+          </a:p>
+          <a:p>
+            <a:pPr marL="171450" indent="-171450">
+              <a:buFontTx/>
+              <a:buChar char="-"/>
+            </a:pPr>
+            <a:r>
+              <a:rPr lang="en-US" dirty="0"/>
+              <a:t>Roadmap establish</a:t>
+            </a:r>
+          </a:p>
+          <a:p>
+            <a:pPr marL="171450" indent="-171450">
+              <a:buFontTx/>
+              <a:buChar char="-"/>
+            </a:pPr>
+            <a:r>
+              <a:rPr lang="en-US" dirty="0"/>
+              <a:t>Procedure Reference</a:t>
+            </a:r>
+          </a:p>
+          <a:p>
+            <a:pPr marL="171450" indent="-171450">
+              <a:buFontTx/>
+              <a:buChar char="-"/>
+            </a:pPr>
+            <a:r>
+              <a:rPr lang="en-US" dirty="0"/>
+              <a:t>GitHub</a:t>
+            </a:r>
+          </a:p>
+          <a:p>
+            <a:pPr marL="0" indent="0">
+              <a:buFontTx/>
+              <a:buNone/>
+            </a:pPr>
+            <a:endParaRPr lang="en-US" dirty="0"/>
+          </a:p>
+        </p:txBody>
+      </p:sp>
+      <p:sp>
+        <p:nvSpPr>
+          <p:cNvPr id="4" name="Slide Number Placeholder 3"/>
+          <p:cNvSpPr>
+            <a:spLocks noGrp="1"/>
+          </p:cNvSpPr>
+          <p:nvPr>
+            <p:ph type="sldNum" sz="quarter" idx="10"/>
+          </p:nvPr>
+        </p:nvSpPr>
+        <p:spPr/>
+        <p:txBody>
+          <a:bodyPr/>
+          <a:lstStyle/>
+          <a:p>
+            <a:fld id="{4AC65D0B-F732-4E21-9A8D-1C6A15A6A84B}" type="slidenum">
+              <a:rPr lang="en-US" smtClean="0"/>
+              <a:t>14</a:t>
+            </a:fld>
+            <a:endParaRPr lang="en-US" dirty="0"/>
+          </a:p>
+        </p:txBody>
+      </p:sp>
+    </p:spTree>
+    <p:extLst>
+      <p:ext uri="{BB962C8B-B14F-4D97-AF65-F5344CB8AC3E}">
+        <p14:creationId xmlns:p14="http://schemas.microsoft.com/office/powerpoint/2010/main" val="812602940"/>
+      </p:ext>
+    </p:extLst>
+  </p:cSld>
+  <p:clrMapOvr>
+    <a:masterClrMapping/>
+  </p:clrMapOvr>
+</p:notes>
+</file>
+
+<file path=ppt/notesSlides/notesSlide15.xml><?xml version="1.0" encoding="utf-8"?>
+<p:notes xmlns:a="http://schemas.openxmlformats.org/drawingml/2006/main" xmlns:r="http://schemas.openxmlformats.org/officeDocument/2006/relationships" xmlns:p="http://schemas.openxmlformats.org/presentationml/2006/main">
+  <p:cSld>
+    <p:spTree>
+      <p:nvGrpSpPr>
+        <p:cNvPr id="1" name=""/>
+        <p:cNvGrpSpPr/>
+        <p:nvPr/>
+      </p:nvGrpSpPr>
+      <p:grpSpPr>
+        <a:xfrm>
+          <a:off x="0" y="0"/>
+          <a:ext cx="0" cy="0"/>
+          <a:chOff x="0" y="0"/>
+          <a:chExt cx="0" cy="0"/>
+        </a:xfrm>
+      </p:grpSpPr>
+      <p:sp>
+        <p:nvSpPr>
+          <p:cNvPr id="2" name="Slide Image Placeholder 1"/>
+          <p:cNvSpPr>
+            <a:spLocks noGrp="1" noRot="1" noChangeAspect="1"/>
+          </p:cNvSpPr>
+          <p:nvPr>
+            <p:ph type="sldImg"/>
+          </p:nvPr>
+        </p:nvSpPr>
+        <p:spPr/>
+      </p:sp>
+      <p:sp>
+        <p:nvSpPr>
+          <p:cNvPr id="3" name="Notes Placeholder 2"/>
+          <p:cNvSpPr>
+            <a:spLocks noGrp="1"/>
+          </p:cNvSpPr>
+          <p:nvPr>
+            <p:ph type="body" idx="1"/>
+          </p:nvPr>
+        </p:nvSpPr>
+        <p:spPr/>
+        <p:txBody>
+          <a:bodyPr/>
+          <a:lstStyle/>
+          <a:p>
+            <a:pPr marL="171450" indent="-171450">
+              <a:buFontTx/>
+              <a:buChar char="-"/>
+            </a:pPr>
+            <a:r>
+              <a:rPr lang="en-US" dirty="0"/>
+              <a:t>Communication</a:t>
+            </a:r>
+          </a:p>
+          <a:p>
+            <a:pPr marL="171450" indent="-171450">
+              <a:buFontTx/>
+              <a:buChar char="-"/>
+            </a:pPr>
+            <a:r>
+              <a:rPr lang="en-US" dirty="0"/>
+              <a:t>Needs Identification &amp; Customer Relations</a:t>
+            </a:r>
+          </a:p>
+          <a:p>
+            <a:pPr marL="171450" indent="-171450">
+              <a:buFontTx/>
+              <a:buChar char="-"/>
+            </a:pPr>
+            <a:r>
+              <a:rPr lang="en-US" dirty="0"/>
+              <a:t>Translation of Ambitions to Marketable Results</a:t>
+            </a:r>
+          </a:p>
+          <a:p>
+            <a:pPr marL="171450" indent="-171450">
+              <a:buFontTx/>
+              <a:buChar char="-"/>
+            </a:pPr>
+            <a:r>
+              <a:rPr lang="en-US" dirty="0"/>
+              <a:t>EAGLE Ramp</a:t>
+            </a:r>
+          </a:p>
+          <a:p>
+            <a:pPr marL="171450" indent="-171450">
+              <a:buFontTx/>
+              <a:buChar char="-"/>
+            </a:pPr>
+            <a:r>
+              <a:rPr lang="en-US" dirty="0"/>
+              <a:t>Espressif Exposure &amp; Practice</a:t>
+            </a:r>
+          </a:p>
+          <a:p>
+            <a:pPr marL="171450" indent="-171450">
+              <a:buFontTx/>
+              <a:buChar char="-"/>
+            </a:pPr>
+            <a:r>
+              <a:rPr lang="en-US" dirty="0"/>
+              <a:t>Relationships</a:t>
+            </a:r>
+          </a:p>
+          <a:p>
+            <a:pPr marL="0" indent="0">
+              <a:buFontTx/>
+              <a:buNone/>
+            </a:pPr>
+            <a:endParaRPr lang="en-US" dirty="0"/>
+          </a:p>
+        </p:txBody>
+      </p:sp>
+      <p:sp>
+        <p:nvSpPr>
+          <p:cNvPr id="4" name="Slide Number Placeholder 3"/>
+          <p:cNvSpPr>
+            <a:spLocks noGrp="1"/>
+          </p:cNvSpPr>
+          <p:nvPr>
+            <p:ph type="sldNum" sz="quarter" idx="10"/>
+          </p:nvPr>
+        </p:nvSpPr>
+        <p:spPr/>
+        <p:txBody>
+          <a:bodyPr/>
+          <a:lstStyle/>
+          <a:p>
+            <a:fld id="{4AC65D0B-F732-4E21-9A8D-1C6A15A6A84B}" type="slidenum">
+              <a:rPr lang="en-US" smtClean="0"/>
+              <a:t>15</a:t>
+            </a:fld>
+            <a:endParaRPr lang="en-US" dirty="0"/>
+          </a:p>
+        </p:txBody>
+      </p:sp>
+    </p:spTree>
+    <p:extLst>
+      <p:ext uri="{BB962C8B-B14F-4D97-AF65-F5344CB8AC3E}">
+        <p14:creationId xmlns:p14="http://schemas.microsoft.com/office/powerpoint/2010/main" val="264461871"/>
+      </p:ext>
+    </p:extLst>
+  </p:cSld>
+  <p:clrMapOvr>
+    <a:masterClrMapping/>
+  </p:clrMapOvr>
+</p:notes>
+</file>
+
+<file path=ppt/notesSlides/notesSlide16.xml><?xml version="1.0" encoding="utf-8"?>
+<p:notes xmlns:a="http://schemas.openxmlformats.org/drawingml/2006/main" xmlns:r="http://schemas.openxmlformats.org/officeDocument/2006/relationships" xmlns:p="http://schemas.openxmlformats.org/presentationml/2006/main">
+  <p:cSld>
+    <p:spTree>
+      <p:nvGrpSpPr>
+        <p:cNvPr id="1" name=""/>
+        <p:cNvGrpSpPr/>
+        <p:nvPr/>
+      </p:nvGrpSpPr>
+      <p:grpSpPr>
+        <a:xfrm>
+          <a:off x="0" y="0"/>
+          <a:ext cx="0" cy="0"/>
+          <a:chOff x="0" y="0"/>
+          <a:chExt cx="0" cy="0"/>
+        </a:xfrm>
+      </p:grpSpPr>
+      <p:sp>
+        <p:nvSpPr>
+          <p:cNvPr id="2" name="Slide Image Placeholder 1"/>
+          <p:cNvSpPr>
+            <a:spLocks noGrp="1" noRot="1" noChangeAspect="1"/>
+          </p:cNvSpPr>
+          <p:nvPr>
+            <p:ph type="sldImg"/>
+          </p:nvPr>
+        </p:nvSpPr>
+        <p:spPr/>
+      </p:sp>
+      <p:sp>
+        <p:nvSpPr>
+          <p:cNvPr id="3" name="Notes Placeholder 2"/>
+          <p:cNvSpPr>
+            <a:spLocks noGrp="1"/>
+          </p:cNvSpPr>
+          <p:nvPr>
+            <p:ph type="body" idx="1"/>
+          </p:nvPr>
+        </p:nvSpPr>
+        <p:spPr/>
+        <p:txBody>
+          <a:bodyPr/>
+          <a:lstStyle/>
+          <a:p>
+            <a:pPr marL="171450" indent="-171450">
+              <a:buFontTx/>
+              <a:buChar char="-"/>
+            </a:pPr>
+            <a:r>
+              <a:rPr lang="en-US" dirty="0"/>
+              <a:t>Strengthened relations with Tomm</a:t>
+            </a:r>
+          </a:p>
+          <a:p>
+            <a:pPr marL="171450" indent="-171450">
+              <a:buFontTx/>
+              <a:buChar char="-"/>
+            </a:pPr>
+            <a:r>
+              <a:rPr lang="en-US" dirty="0"/>
+              <a:t>Tyler Brown Opportunity</a:t>
+            </a:r>
+          </a:p>
+          <a:p>
+            <a:pPr marL="171450" indent="-171450">
+              <a:buFontTx/>
+              <a:buChar char="-"/>
+            </a:pPr>
+            <a:r>
+              <a:rPr lang="en-US" dirty="0"/>
+              <a:t>Billy Keogh Opportunity</a:t>
+            </a:r>
+          </a:p>
+          <a:p>
+            <a:pPr marL="171450" indent="-171450">
+              <a:buFontTx/>
+              <a:buChar char="-"/>
+            </a:pPr>
+            <a:r>
+              <a:rPr lang="en-US" dirty="0"/>
+              <a:t>Jmr Opportunity</a:t>
+            </a:r>
+          </a:p>
+          <a:p>
+            <a:pPr marL="171450" indent="-171450">
+              <a:buFontTx/>
+              <a:buChar char="-"/>
+            </a:pPr>
+            <a:r>
+              <a:rPr lang="en-US" dirty="0"/>
+              <a:t>Mentor &amp; Network relations</a:t>
+            </a:r>
+          </a:p>
+          <a:p>
+            <a:pPr marL="171450" indent="-171450">
+              <a:buFontTx/>
+              <a:buChar char="-"/>
+            </a:pPr>
+            <a:r>
+              <a:rPr lang="en-US" dirty="0"/>
+              <a:t>Xylem &amp; Ergsense relations</a:t>
+            </a:r>
+          </a:p>
+          <a:p>
+            <a:pPr marL="0" indent="0">
+              <a:buFontTx/>
+              <a:buNone/>
+            </a:pPr>
+            <a:endParaRPr lang="en-US" dirty="0"/>
+          </a:p>
+        </p:txBody>
+      </p:sp>
+      <p:sp>
+        <p:nvSpPr>
+          <p:cNvPr id="4" name="Slide Number Placeholder 3"/>
+          <p:cNvSpPr>
+            <a:spLocks noGrp="1"/>
+          </p:cNvSpPr>
+          <p:nvPr>
+            <p:ph type="sldNum" sz="quarter" idx="10"/>
+          </p:nvPr>
+        </p:nvSpPr>
+        <p:spPr/>
+        <p:txBody>
+          <a:bodyPr/>
+          <a:lstStyle/>
+          <a:p>
+            <a:fld id="{4AC65D0B-F732-4E21-9A8D-1C6A15A6A84B}" type="slidenum">
+              <a:rPr lang="en-US" smtClean="0"/>
+              <a:t>16</a:t>
+            </a:fld>
+            <a:endParaRPr lang="en-US" dirty="0"/>
+          </a:p>
+        </p:txBody>
+      </p:sp>
+    </p:spTree>
+    <p:extLst>
+      <p:ext uri="{BB962C8B-B14F-4D97-AF65-F5344CB8AC3E}">
+        <p14:creationId xmlns:p14="http://schemas.microsoft.com/office/powerpoint/2010/main" val="3716442150"/>
+      </p:ext>
+    </p:extLst>
+  </p:cSld>
+  <p:clrMapOvr>
+    <a:masterClrMapping/>
+  </p:clrMapOvr>
+</p:notes>
+</file>
+
+<file path=ppt/notesSlides/notesSlide17.xml><?xml version="1.0" encoding="utf-8"?>
+<p:notes xmlns:a="http://schemas.openxmlformats.org/drawingml/2006/main" xmlns:r="http://schemas.openxmlformats.org/officeDocument/2006/relationships" xmlns:p="http://schemas.openxmlformats.org/presentationml/2006/main">
+  <p:cSld>
+    <p:spTree>
+      <p:nvGrpSpPr>
+        <p:cNvPr id="1" name=""/>
+        <p:cNvGrpSpPr/>
+        <p:nvPr/>
+      </p:nvGrpSpPr>
+      <p:grpSpPr>
+        <a:xfrm>
+          <a:off x="0" y="0"/>
+          <a:ext cx="0" cy="0"/>
+          <a:chOff x="0" y="0"/>
+          <a:chExt cx="0" cy="0"/>
+        </a:xfrm>
+      </p:grpSpPr>
+      <p:sp>
+        <p:nvSpPr>
+          <p:cNvPr id="2" name="Slide Image Placeholder 1"/>
+          <p:cNvSpPr>
+            <a:spLocks noGrp="1" noRot="1" noChangeAspect="1"/>
+          </p:cNvSpPr>
+          <p:nvPr>
+            <p:ph type="sldImg"/>
+          </p:nvPr>
+        </p:nvSpPr>
+        <p:spPr/>
+      </p:sp>
+      <p:sp>
+        <p:nvSpPr>
+          <p:cNvPr id="3" name="Notes Placeholder 2"/>
+          <p:cNvSpPr>
+            <a:spLocks noGrp="1"/>
+          </p:cNvSpPr>
+          <p:nvPr>
+            <p:ph type="body" idx="1"/>
+          </p:nvPr>
+        </p:nvSpPr>
+        <p:spPr/>
+        <p:txBody>
+          <a:bodyPr/>
+          <a:lstStyle/>
+          <a:p>
+            <a:pPr marL="171450" indent="-171450">
+              <a:buFontTx/>
+              <a:buChar char="-"/>
+            </a:pPr>
+            <a:r>
+              <a:rPr lang="en-US" dirty="0"/>
+              <a:t>Frame, sketch w/vision</a:t>
+            </a:r>
+            <a:r>
+              <a:rPr lang="en-US" baseline="0" dirty="0"/>
+              <a:t> &amp; intent, draft</a:t>
+            </a:r>
+          </a:p>
+          <a:p>
+            <a:pPr marL="171450" indent="-171450">
+              <a:buFontTx/>
+              <a:buChar char="-"/>
+            </a:pPr>
+            <a:r>
+              <a:rPr lang="en-US" baseline="0" dirty="0"/>
+              <a:t>Source control &amp; procedure!</a:t>
+            </a:r>
+          </a:p>
+          <a:p>
+            <a:pPr marL="171450" indent="-171450">
+              <a:buFontTx/>
+              <a:buChar char="-"/>
+            </a:pPr>
+            <a:r>
+              <a:rPr lang="en-US" baseline="0" dirty="0"/>
+              <a:t>Help from experience (Tomm, Terry, Father)</a:t>
+            </a:r>
+          </a:p>
+          <a:p>
+            <a:pPr marL="171450" indent="-171450">
+              <a:buFontTx/>
+              <a:buChar char="-"/>
+            </a:pPr>
+            <a:r>
+              <a:rPr lang="en-US" dirty="0"/>
+              <a:t>Describe</a:t>
+            </a:r>
+            <a:r>
+              <a:rPr lang="en-US" baseline="0" dirty="0"/>
+              <a:t> procedure of PPT Generation</a:t>
+            </a:r>
+          </a:p>
+          <a:p>
+            <a:pPr marL="171450" indent="-171450">
+              <a:buFontTx/>
+              <a:buChar char="-"/>
+            </a:pPr>
+            <a:r>
+              <a:rPr lang="en-US" baseline="0" dirty="0"/>
+              <a:t>    selection &amp; outline</a:t>
+            </a:r>
+          </a:p>
+          <a:p>
+            <a:pPr marL="171450" indent="-171450">
+              <a:buFontTx/>
+              <a:buChar char="-"/>
+            </a:pPr>
+            <a:r>
+              <a:rPr lang="en-US" baseline="0" dirty="0"/>
+              <a:t>    customer meeting (Tomm)</a:t>
+            </a:r>
+          </a:p>
+          <a:p>
+            <a:pPr marL="171450" indent="-171450">
+              <a:buFontTx/>
+              <a:buChar char="-"/>
+            </a:pPr>
+            <a:r>
+              <a:rPr lang="en-US" baseline="0" dirty="0"/>
+              <a:t>    mentor advise (Tom, Father)</a:t>
+            </a:r>
+          </a:p>
+          <a:p>
+            <a:pPr marL="171450" indent="-171450">
+              <a:buFontTx/>
+              <a:buChar char="-"/>
+            </a:pPr>
+            <a:r>
+              <a:rPr lang="en-US" baseline="0" dirty="0"/>
+              <a:t>    outline</a:t>
+            </a:r>
+          </a:p>
+          <a:p>
+            <a:pPr marL="171450" indent="-171450">
+              <a:buFontTx/>
+              <a:buChar char="-"/>
+            </a:pPr>
+            <a:r>
+              <a:rPr lang="en-US" baseline="0" dirty="0"/>
+              <a:t>    find template</a:t>
+            </a:r>
+          </a:p>
+          <a:p>
+            <a:endParaRPr lang="en-US" dirty="0"/>
+          </a:p>
+          <a:p>
+            <a:pPr marL="0" indent="0">
+              <a:buFontTx/>
+              <a:buNone/>
+            </a:pPr>
+            <a:endParaRPr lang="en-US" dirty="0"/>
+          </a:p>
+        </p:txBody>
+      </p:sp>
+      <p:sp>
+        <p:nvSpPr>
+          <p:cNvPr id="4" name="Slide Number Placeholder 3"/>
+          <p:cNvSpPr>
+            <a:spLocks noGrp="1"/>
+          </p:cNvSpPr>
+          <p:nvPr>
+            <p:ph type="sldNum" sz="quarter" idx="10"/>
+          </p:nvPr>
+        </p:nvSpPr>
+        <p:spPr/>
+        <p:txBody>
+          <a:bodyPr/>
+          <a:lstStyle/>
+          <a:p>
+            <a:fld id="{4AC65D0B-F732-4E21-9A8D-1C6A15A6A84B}" type="slidenum">
+              <a:rPr lang="en-US" smtClean="0"/>
+              <a:t>17</a:t>
+            </a:fld>
+            <a:endParaRPr lang="en-US" dirty="0"/>
+          </a:p>
+        </p:txBody>
+      </p:sp>
+    </p:spTree>
+    <p:extLst>
+      <p:ext uri="{BB962C8B-B14F-4D97-AF65-F5344CB8AC3E}">
+        <p14:creationId xmlns:p14="http://schemas.microsoft.com/office/powerpoint/2010/main" val="648812506"/>
+      </p:ext>
+    </p:extLst>
+  </p:cSld>
+  <p:clrMapOvr>
+    <a:masterClrMapping/>
+  </p:clrMapOvr>
+</p:notes>
+</file>
+
+<file path=ppt/notesSlides/notesSlide18.xml><?xml version="1.0" encoding="utf-8"?>
+<p:notes xmlns:a="http://schemas.openxmlformats.org/drawingml/2006/main" xmlns:r="http://schemas.openxmlformats.org/officeDocument/2006/relationships" xmlns:p="http://schemas.openxmlformats.org/presentationml/2006/main">
+  <p:cSld>
+    <p:spTree>
+      <p:nvGrpSpPr>
+        <p:cNvPr id="1" name=""/>
+        <p:cNvGrpSpPr/>
+        <p:nvPr/>
+      </p:nvGrpSpPr>
+      <p:grpSpPr>
+        <a:xfrm>
+          <a:off x="0" y="0"/>
+          <a:ext cx="0" cy="0"/>
+          <a:chOff x="0" y="0"/>
+          <a:chExt cx="0" cy="0"/>
+        </a:xfrm>
+      </p:grpSpPr>
+      <p:sp>
+        <p:nvSpPr>
+          <p:cNvPr id="2" name="Slide Image Placeholder 1"/>
+          <p:cNvSpPr>
+            <a:spLocks noGrp="1" noRot="1" noChangeAspect="1"/>
+          </p:cNvSpPr>
+          <p:nvPr>
+            <p:ph type="sldImg"/>
+          </p:nvPr>
+        </p:nvSpPr>
+        <p:spPr/>
+      </p:sp>
+      <p:sp>
+        <p:nvSpPr>
+          <p:cNvPr id="3" name="Notes Placeholder 2"/>
+          <p:cNvSpPr>
+            <a:spLocks noGrp="1"/>
+          </p:cNvSpPr>
+          <p:nvPr>
+            <p:ph type="body" idx="1"/>
+          </p:nvPr>
+        </p:nvSpPr>
+        <p:spPr/>
+        <p:txBody>
+          <a:bodyPr/>
+          <a:lstStyle/>
+          <a:p>
+            <a:pPr marL="171450" indent="-171450">
+              <a:buFontTx/>
+              <a:buChar char="-"/>
+            </a:pPr>
+            <a:r>
+              <a:rPr lang="en-US" dirty="0"/>
+              <a:t>Board Design</a:t>
+            </a:r>
+          </a:p>
+          <a:p>
+            <a:pPr marL="171450" indent="-171450">
+              <a:buFontTx/>
+              <a:buChar char="-"/>
+            </a:pPr>
+            <a:r>
+              <a:rPr lang="en-US" dirty="0"/>
+              <a:t>Board Fab &amp; Validate</a:t>
+            </a:r>
+          </a:p>
+          <a:p>
+            <a:pPr marL="171450" indent="-171450">
+              <a:buFontTx/>
+              <a:buChar char="-"/>
+            </a:pPr>
+            <a:r>
+              <a:rPr lang="en-US" dirty="0"/>
+              <a:t>Firmware</a:t>
+            </a:r>
+          </a:p>
+          <a:p>
+            <a:pPr marL="171450" indent="-171450">
+              <a:buFontTx/>
+              <a:buChar char="-"/>
+            </a:pPr>
+            <a:r>
+              <a:rPr lang="en-US" dirty="0"/>
+              <a:t>Rapid Prototyping</a:t>
+            </a:r>
+          </a:p>
+          <a:p>
+            <a:pPr marL="0" indent="0">
+              <a:buFontTx/>
+              <a:buNone/>
+            </a:pPr>
+            <a:endParaRPr lang="en-US" dirty="0"/>
+          </a:p>
+        </p:txBody>
+      </p:sp>
+      <p:sp>
+        <p:nvSpPr>
+          <p:cNvPr id="4" name="Slide Number Placeholder 3"/>
+          <p:cNvSpPr>
+            <a:spLocks noGrp="1"/>
+          </p:cNvSpPr>
+          <p:nvPr>
+            <p:ph type="sldNum" sz="quarter" idx="10"/>
+          </p:nvPr>
+        </p:nvSpPr>
+        <p:spPr/>
+        <p:txBody>
+          <a:bodyPr/>
+          <a:lstStyle/>
+          <a:p>
+            <a:fld id="{4AC65D0B-F732-4E21-9A8D-1C6A15A6A84B}" type="slidenum">
+              <a:rPr lang="en-US" smtClean="0"/>
+              <a:t>18</a:t>
+            </a:fld>
+            <a:endParaRPr lang="en-US" dirty="0"/>
+          </a:p>
+        </p:txBody>
+      </p:sp>
+    </p:spTree>
+    <p:extLst>
+      <p:ext uri="{BB962C8B-B14F-4D97-AF65-F5344CB8AC3E}">
+        <p14:creationId xmlns:p14="http://schemas.microsoft.com/office/powerpoint/2010/main" val="3025603983"/>
+      </p:ext>
+    </p:extLst>
+  </p:cSld>
+  <p:clrMapOvr>
+    <a:masterClrMapping/>
+  </p:clrMapOvr>
+</p:notes>
+</file>
+
+<file path=ppt/notesSlides/notesSlide19.xml><?xml version="1.0" encoding="utf-8"?>
+<p:notes xmlns:a="http://schemas.openxmlformats.org/drawingml/2006/main" xmlns:r="http://schemas.openxmlformats.org/officeDocument/2006/relationships" xmlns:p="http://schemas.openxmlformats.org/presentationml/2006/main">
+  <p:cSld>
+    <p:spTree>
+      <p:nvGrpSpPr>
+        <p:cNvPr id="1" name=""/>
+        <p:cNvGrpSpPr/>
+        <p:nvPr/>
+      </p:nvGrpSpPr>
+      <p:grpSpPr>
+        <a:xfrm>
+          <a:off x="0" y="0"/>
+          <a:ext cx="0" cy="0"/>
+          <a:chOff x="0" y="0"/>
+          <a:chExt cx="0" cy="0"/>
+        </a:xfrm>
+      </p:grpSpPr>
+      <p:sp>
+        <p:nvSpPr>
+          <p:cNvPr id="2" name="Slide Image Placeholder 1"/>
+          <p:cNvSpPr>
+            <a:spLocks noGrp="1" noRot="1" noChangeAspect="1"/>
+          </p:cNvSpPr>
+          <p:nvPr>
+            <p:ph type="sldImg"/>
+          </p:nvPr>
+        </p:nvSpPr>
+        <p:spPr/>
+      </p:sp>
+      <p:sp>
+        <p:nvSpPr>
+          <p:cNvPr id="3" name="Notes Placeholder 2"/>
+          <p:cNvSpPr>
+            <a:spLocks noGrp="1"/>
+          </p:cNvSpPr>
+          <p:nvPr>
+            <p:ph type="body" idx="1"/>
+          </p:nvPr>
+        </p:nvSpPr>
+        <p:spPr/>
+        <p:txBody>
+          <a:bodyPr/>
+          <a:lstStyle/>
+          <a:p>
+            <a:r>
+              <a:rPr lang="en-US" dirty="0"/>
+              <a:t>*Integrate Tomm Notes</a:t>
+            </a:r>
+          </a:p>
+          <a:p>
+            <a:r>
+              <a:rPr lang="en-US" dirty="0"/>
+              <a:t>*Form</a:t>
+            </a:r>
+            <a:r>
+              <a:rPr lang="en-US" baseline="0" dirty="0"/>
+              <a:t> rules &amp; presentation target</a:t>
+            </a:r>
+            <a:endParaRPr lang="en-US" dirty="0"/>
+          </a:p>
+          <a:p>
+            <a:pPr marL="0" indent="0">
+              <a:buFontTx/>
+              <a:buNone/>
+            </a:pPr>
+            <a:endParaRPr lang="en-US" dirty="0"/>
+          </a:p>
+        </p:txBody>
+      </p:sp>
+      <p:sp>
+        <p:nvSpPr>
+          <p:cNvPr id="4" name="Slide Number Placeholder 3"/>
+          <p:cNvSpPr>
+            <a:spLocks noGrp="1"/>
+          </p:cNvSpPr>
+          <p:nvPr>
+            <p:ph type="sldNum" sz="quarter" idx="10"/>
+          </p:nvPr>
+        </p:nvSpPr>
+        <p:spPr/>
+        <p:txBody>
+          <a:bodyPr/>
+          <a:lstStyle/>
+          <a:p>
+            <a:fld id="{4AC65D0B-F732-4E21-9A8D-1C6A15A6A84B}" type="slidenum">
+              <a:rPr lang="en-US" smtClean="0"/>
+              <a:t>19</a:t>
             </a:fld>
             <a:endParaRPr lang="en-US" dirty="0"/>
           </a:p>
@@ -2730,6 +3474,120 @@
           <a:bodyPr/>
           <a:lstStyle/>
           <a:p>
+            <a:pPr marL="171450" indent="-171450">
+              <a:buFontTx/>
+              <a:buChar char="-"/>
+            </a:pPr>
+            <a:r>
+              <a:rPr lang="en-US" dirty="0"/>
+              <a:t>Documentation</a:t>
+            </a:r>
+          </a:p>
+          <a:p>
+            <a:pPr marL="171450" indent="-171450">
+              <a:buFontTx/>
+              <a:buChar char="-"/>
+            </a:pPr>
+            <a:r>
+              <a:rPr lang="en-US" dirty="0"/>
+              <a:t>Presentation</a:t>
+            </a:r>
+          </a:p>
+          <a:p>
+            <a:pPr marL="171450" indent="-171450">
+              <a:buFontTx/>
+              <a:buChar char="-"/>
+            </a:pPr>
+            <a:r>
+              <a:rPr lang="en-US" dirty="0"/>
+              <a:t>Embedded Systems Development</a:t>
+            </a:r>
+          </a:p>
+          <a:p>
+            <a:pPr marL="171450" indent="-171450">
+              <a:buFontTx/>
+              <a:buChar char="-"/>
+            </a:pPr>
+            <a:r>
+              <a:rPr lang="en-US" dirty="0"/>
+              <a:t>Board Design</a:t>
+            </a:r>
+          </a:p>
+          <a:p>
+            <a:pPr marL="171450" indent="-171450">
+              <a:buFontTx/>
+              <a:buChar char="-"/>
+            </a:pPr>
+            <a:r>
+              <a:rPr lang="en-US" dirty="0"/>
+              <a:t>Code Syntax (share examples from code)</a:t>
+            </a:r>
+          </a:p>
+          <a:p>
+            <a:pPr marL="628650" lvl="1" indent="-171450">
+              <a:buFontTx/>
+              <a:buChar char="-"/>
+            </a:pPr>
+            <a:r>
+              <a:rPr lang="en-US" dirty="0" err="1"/>
+              <a:t>example_pwm_tc.c</a:t>
+            </a:r>
+            <a:r>
+              <a:rPr lang="en-US" dirty="0"/>
+              <a:t> reference</a:t>
+            </a:r>
+          </a:p>
+          <a:p>
+            <a:pPr marL="171450" indent="-171450">
+              <a:buFontTx/>
+              <a:buChar char="-"/>
+            </a:pPr>
+            <a:r>
+              <a:rPr lang="en-US" dirty="0"/>
+              <a:t>Development Validation</a:t>
+            </a:r>
+          </a:p>
+          <a:p>
+            <a:pPr marL="171450" indent="-171450">
+              <a:buFontTx/>
+              <a:buChar char="-"/>
+            </a:pPr>
+            <a:r>
+              <a:rPr lang="en-US" dirty="0"/>
+              <a:t>PoC Form</a:t>
+            </a:r>
+          </a:p>
+          <a:p>
+            <a:pPr marL="171450" indent="-171450">
+              <a:buFontTx/>
+              <a:buChar char="-"/>
+            </a:pPr>
+            <a:r>
+              <a:rPr lang="en-US" dirty="0"/>
+              <a:t>Schematic Examples</a:t>
+            </a:r>
+          </a:p>
+          <a:p>
+            <a:pPr marL="171450" indent="-171450">
+              <a:buFontTx/>
+              <a:buChar char="-"/>
+            </a:pPr>
+            <a:r>
+              <a:rPr lang="en-US" dirty="0"/>
+              <a:t>Content Transfer to Ergsense</a:t>
+            </a:r>
+          </a:p>
+          <a:p>
+            <a:pPr marL="171450" indent="-171450">
+              <a:buFontTx/>
+              <a:buChar char="-"/>
+            </a:pPr>
+            <a:r>
+              <a:rPr lang="en-US" dirty="0"/>
+              <a:t>Revision Control</a:t>
+            </a:r>
+          </a:p>
+          <a:p>
             <a:pPr marL="0" indent="0">
               <a:buFontTx/>
               <a:buNone/>
@@ -2764,7 +3622,7 @@
     </p:spTree>
     <p:extLst>
       <p:ext uri="{BB962C8B-B14F-4D97-AF65-F5344CB8AC3E}">
-        <p14:creationId xmlns:p14="http://schemas.microsoft.com/office/powerpoint/2010/main" val="4145813878"/>
+        <p14:creationId xmlns:p14="http://schemas.microsoft.com/office/powerpoint/2010/main" val="1922393564"/>
       </p:ext>
     </p:extLst>
   </p:cSld>
@@ -2824,7 +3682,7 @@
             </a:pPr>
             <a:r>
               <a:rPr lang="en-US" dirty="0"/>
-              <a:t>Unmet customer needs</a:t>
+              <a:t>Clear segmentation and modularization of design</a:t>
             </a:r>
           </a:p>
           <a:p>
@@ -2834,7 +3692,7 @@
             </a:pPr>
             <a:r>
               <a:rPr lang="en-US" dirty="0"/>
-              <a:t>Work scope identification</a:t>
+              <a:t>Uniform, consistent layout</a:t>
             </a:r>
           </a:p>
           <a:p>
@@ -2844,25 +3702,8 @@
             </a:pPr>
             <a:r>
               <a:rPr lang="en-US" dirty="0"/>
-              <a:t>Espressif</a:t>
-            </a:r>
-          </a:p>
-          <a:p>
-            <a:pPr marL="171450" indent="-171450">
-              <a:buFontTx/>
-              <a:buChar char="-"/>
-            </a:pPr>
-            <a:r>
-              <a:rPr lang="en-US" dirty="0"/>
-              <a:t>Satisfying ambitious, abstract design needs</a:t>
-            </a:r>
-          </a:p>
-          <a:p>
-            <a:pPr marL="0" indent="0">
-              <a:buFontTx/>
-              <a:buNone/>
-            </a:pPr>
-            <a:endParaRPr lang="en-US" dirty="0"/>
+              <a:t>Clear labelling with notes</a:t>
+            </a:r>
           </a:p>
         </p:txBody>
       </p:sp>
@@ -2892,7 +3733,7 @@
     </p:spTree>
     <p:extLst>
       <p:ext uri="{BB962C8B-B14F-4D97-AF65-F5344CB8AC3E}">
-        <p14:creationId xmlns:p14="http://schemas.microsoft.com/office/powerpoint/2010/main" val="3236089897"/>
+        <p14:creationId xmlns:p14="http://schemas.microsoft.com/office/powerpoint/2010/main" val="1255233405"/>
       </p:ext>
     </p:extLst>
   </p:cSld>
@@ -2952,7 +3793,7 @@
             </a:pPr>
             <a:r>
               <a:rPr lang="en-US" dirty="0"/>
-              <a:t>Schematics</a:t>
+              <a:t>Clear segmentation and modularization of design</a:t>
             </a:r>
           </a:p>
           <a:p>
@@ -2962,7 +3803,7 @@
             </a:pPr>
             <a:r>
               <a:rPr lang="en-US" dirty="0"/>
-              <a:t>Documentation</a:t>
+              <a:t>Uniform, consistent layout</a:t>
             </a:r>
           </a:p>
           <a:p>
@@ -2972,55 +3813,8 @@
             </a:pPr>
             <a:r>
               <a:rPr lang="en-US" dirty="0"/>
-              <a:t>Board Design</a:t>
-            </a:r>
-          </a:p>
-          <a:p>
-            <a:pPr marL="171450" indent="-171450">
-              <a:buFontTx/>
-              <a:buChar char="-"/>
-            </a:pPr>
-            <a:r>
-              <a:rPr lang="en-US" dirty="0"/>
-              <a:t>Espressif bare-metal scope</a:t>
-            </a:r>
-          </a:p>
-          <a:p>
-            <a:pPr marL="171450" indent="-171450">
-              <a:buFontTx/>
-              <a:buChar char="-"/>
-            </a:pPr>
-            <a:r>
-              <a:rPr lang="en-US" dirty="0"/>
-              <a:t>Roadmap establish</a:t>
-            </a:r>
-          </a:p>
-          <a:p>
-            <a:pPr marL="171450" indent="-171450">
-              <a:buFontTx/>
-              <a:buChar char="-"/>
-            </a:pPr>
-            <a:r>
-              <a:rPr lang="en-US" dirty="0"/>
-              <a:t>Procedure Reference</a:t>
-            </a:r>
-          </a:p>
-          <a:p>
-            <a:pPr marL="171450" indent="-171450">
-              <a:buFontTx/>
-              <a:buChar char="-"/>
-            </a:pPr>
-            <a:r>
-              <a:rPr lang="en-US" dirty="0"/>
-              <a:t>GitHub</a:t>
-            </a:r>
-          </a:p>
-          <a:p>
-            <a:pPr marL="0" indent="0">
-              <a:buFontTx/>
-              <a:buNone/>
-            </a:pPr>
-            <a:endParaRPr lang="en-US" dirty="0"/>
+              <a:t>Clear labelling with notes</a:t>
+            </a:r>
           </a:p>
         </p:txBody>
       </p:sp>
@@ -3050,7 +3844,7 @@
     </p:spTree>
     <p:extLst>
       <p:ext uri="{BB962C8B-B14F-4D97-AF65-F5344CB8AC3E}">
-        <p14:creationId xmlns:p14="http://schemas.microsoft.com/office/powerpoint/2010/main" val="812602940"/>
+        <p14:creationId xmlns:p14="http://schemas.microsoft.com/office/powerpoint/2010/main" val="4145813878"/>
       </p:ext>
     </p:extLst>
   </p:cSld>
@@ -3110,7 +3904,7 @@
             </a:pPr>
             <a:r>
               <a:rPr lang="en-US" dirty="0"/>
-              <a:t>Communication</a:t>
+              <a:t>Uniform naming schema</a:t>
             </a:r>
           </a:p>
           <a:p>
@@ -3120,7 +3914,7 @@
             </a:pPr>
             <a:r>
               <a:rPr lang="en-US" dirty="0"/>
-              <a:t>Needs Identification &amp; Customer Relations</a:t>
+              <a:t>Consistent, uniform symbols</a:t>
             </a:r>
           </a:p>
           <a:p>
@@ -3130,45 +3924,8 @@
             </a:pPr>
             <a:r>
               <a:rPr lang="en-US" dirty="0"/>
-              <a:t>Translation of Ambitions to Marketable Results</a:t>
-            </a:r>
-          </a:p>
-          <a:p>
-            <a:pPr marL="171450" indent="-171450">
-              <a:buFontTx/>
-              <a:buChar char="-"/>
-            </a:pPr>
-            <a:r>
-              <a:rPr lang="en-US" dirty="0"/>
-              <a:t>EAGLE Ramp</a:t>
-            </a:r>
-          </a:p>
-          <a:p>
-            <a:pPr marL="171450" indent="-171450">
-              <a:buFontTx/>
-              <a:buChar char="-"/>
-            </a:pPr>
-            <a:r>
-              <a:rPr lang="en-US" dirty="0"/>
-              <a:t>Espressif Exposure &amp; Practice</a:t>
-            </a:r>
-          </a:p>
-          <a:p>
-            <a:pPr marL="171450" indent="-171450">
-              <a:buFontTx/>
-              <a:buChar char="-"/>
-            </a:pPr>
-            <a:r>
-              <a:rPr lang="en-US" dirty="0"/>
-              <a:t>Relationships</a:t>
-            </a:r>
-          </a:p>
-          <a:p>
-            <a:pPr marL="0" indent="0">
-              <a:buFontTx/>
-              <a:buNone/>
-            </a:pPr>
-            <a:endParaRPr lang="en-US" dirty="0"/>
+              <a:t>Complete silkscreen &amp; outline markup</a:t>
+            </a:r>
           </a:p>
         </p:txBody>
       </p:sp>
@@ -3198,7 +3955,7 @@
     </p:spTree>
     <p:extLst>
       <p:ext uri="{BB962C8B-B14F-4D97-AF65-F5344CB8AC3E}">
-        <p14:creationId xmlns:p14="http://schemas.microsoft.com/office/powerpoint/2010/main" val="264461871"/>
+        <p14:creationId xmlns:p14="http://schemas.microsoft.com/office/powerpoint/2010/main" val="3592769984"/>
       </p:ext>
     </p:extLst>
   </p:cSld>
@@ -10846,7 +11603,7 @@
                 <a:ea typeface="+mj-ea"/>
                 <a:cs typeface="+mj-cs"/>
               </a:rPr>
-              <a:t>Outcomes</a:t>
+              <a:t>DTECTS Board Design</a:t>
             </a:r>
             <a:endParaRPr lang="en-US" sz="4400" dirty="0">
               <a:effectLst/>
@@ -10854,40 +11611,40 @@
           </a:p>
         </p:txBody>
       </p:sp>
-      <p:sp>
-        <p:nvSpPr>
-          <p:cNvPr id="3" name="Content Placeholder 2">
+      <p:pic>
+        <p:nvPicPr>
+          <p:cNvPr id="7" name="Picture 6">
             <a:extLst>
               <a:ext uri="{FF2B5EF4-FFF2-40B4-BE49-F238E27FC236}">
-                <a16:creationId xmlns:a16="http://schemas.microsoft.com/office/drawing/2014/main" id="{044B4F6E-A639-47F4-91A5-68807265D618}"/>
+                <a16:creationId xmlns:a16="http://schemas.microsoft.com/office/drawing/2014/main" id="{D939D839-2D14-4EEF-B198-53A77C1F0AB3}"/>
               </a:ext>
             </a:extLst>
           </p:cNvPr>
-          <p:cNvSpPr>
-            <a:spLocks noGrp="1"/>
-          </p:cNvSpPr>
-          <p:nvPr>
-            <p:ph idx="1"/>
-          </p:nvPr>
-        </p:nvSpPr>
+          <p:cNvPicPr>
+            <a:picLocks noChangeAspect="1"/>
+          </p:cNvPicPr>
+          <p:nvPr/>
+        </p:nvPicPr>
+        <p:blipFill>
+          <a:blip r:embed="rId3"/>
+          <a:stretch>
+            <a:fillRect/>
+          </a:stretch>
+        </p:blipFill>
         <p:spPr>
           <a:xfrm>
-            <a:off x="2589211" y="1451113"/>
-            <a:ext cx="9079327" cy="5068957"/>
+            <a:off x="2769323" y="1518368"/>
+            <a:ext cx="6361613" cy="4477897"/>
           </a:xfrm>
+          <a:prstGeom prst="rect">
+            <a:avLst/>
+          </a:prstGeom>
         </p:spPr>
-        <p:txBody>
-          <a:bodyPr/>
-          <a:lstStyle/>
-          <a:p>
-            <a:endParaRPr lang="en-US" dirty="0"/>
-          </a:p>
-        </p:txBody>
-      </p:sp>
+      </p:pic>
     </p:spTree>
     <p:extLst>
       <p:ext uri="{BB962C8B-B14F-4D97-AF65-F5344CB8AC3E}">
-        <p14:creationId xmlns:p14="http://schemas.microsoft.com/office/powerpoint/2010/main" val="2229688103"/>
+        <p14:creationId xmlns:p14="http://schemas.microsoft.com/office/powerpoint/2010/main" val="4050226983"/>
       </p:ext>
     </p:extLst>
   </p:cSld>
@@ -10951,7 +11708,7 @@
                 <a:ea typeface="+mj-ea"/>
                 <a:cs typeface="+mj-cs"/>
               </a:rPr>
-              <a:t>Procedure</a:t>
+              <a:t>Board Layout (Reference)</a:t>
             </a:r>
             <a:endParaRPr lang="en-US" sz="4400" dirty="0">
               <a:effectLst/>
@@ -10959,40 +11716,40 @@
           </a:p>
         </p:txBody>
       </p:sp>
-      <p:sp>
-        <p:nvSpPr>
-          <p:cNvPr id="3" name="Content Placeholder 2">
+      <p:pic>
+        <p:nvPicPr>
+          <p:cNvPr id="4" name="Picture 3">
             <a:extLst>
               <a:ext uri="{FF2B5EF4-FFF2-40B4-BE49-F238E27FC236}">
-                <a16:creationId xmlns:a16="http://schemas.microsoft.com/office/drawing/2014/main" id="{044B4F6E-A639-47F4-91A5-68807265D618}"/>
+                <a16:creationId xmlns:a16="http://schemas.microsoft.com/office/drawing/2014/main" id="{5FB7041E-ED81-4387-A3A0-ECF198D6DE33}"/>
               </a:ext>
             </a:extLst>
           </p:cNvPr>
-          <p:cNvSpPr>
-            <a:spLocks noGrp="1"/>
-          </p:cNvSpPr>
-          <p:nvPr>
-            <p:ph idx="1"/>
-          </p:nvPr>
-        </p:nvSpPr>
+          <p:cNvPicPr>
+            <a:picLocks noChangeAspect="1"/>
+          </p:cNvPicPr>
+          <p:nvPr/>
+        </p:nvPicPr>
+        <p:blipFill>
+          <a:blip r:embed="rId3"/>
+          <a:stretch>
+            <a:fillRect/>
+          </a:stretch>
+        </p:blipFill>
         <p:spPr>
           <a:xfrm>
-            <a:off x="2589211" y="1451113"/>
-            <a:ext cx="9079327" cy="5068957"/>
+            <a:off x="2772935" y="1509276"/>
+            <a:ext cx="6646130" cy="4467250"/>
           </a:xfrm>
+          <a:prstGeom prst="rect">
+            <a:avLst/>
+          </a:prstGeom>
         </p:spPr>
-        <p:txBody>
-          <a:bodyPr/>
-          <a:lstStyle/>
-          <a:p>
-            <a:endParaRPr lang="en-US" dirty="0"/>
-          </a:p>
-        </p:txBody>
-      </p:sp>
+      </p:pic>
     </p:spTree>
     <p:extLst>
       <p:ext uri="{BB962C8B-B14F-4D97-AF65-F5344CB8AC3E}">
-        <p14:creationId xmlns:p14="http://schemas.microsoft.com/office/powerpoint/2010/main" val="3600086102"/>
+        <p14:creationId xmlns:p14="http://schemas.microsoft.com/office/powerpoint/2010/main" val="2015703342"/>
       </p:ext>
     </p:extLst>
   </p:cSld>
@@ -11056,824 +11813,7 @@
                 <a:ea typeface="+mj-ea"/>
                 <a:cs typeface="+mj-cs"/>
               </a:rPr>
-              <a:t>Pivotal Value Statement </a:t>
-            </a:r>
-            <a:endParaRPr lang="en-US" sz="4400" dirty="0">
-              <a:effectLst/>
-            </a:endParaRPr>
-          </a:p>
-        </p:txBody>
-      </p:sp>
-      <p:sp>
-        <p:nvSpPr>
-          <p:cNvPr id="3" name="Content Placeholder 2">
-            <a:extLst>
-              <a:ext uri="{FF2B5EF4-FFF2-40B4-BE49-F238E27FC236}">
-                <a16:creationId xmlns:a16="http://schemas.microsoft.com/office/drawing/2014/main" id="{044B4F6E-A639-47F4-91A5-68807265D618}"/>
-              </a:ext>
-            </a:extLst>
-          </p:cNvPr>
-          <p:cNvSpPr>
-            <a:spLocks noGrp="1"/>
-          </p:cNvSpPr>
-          <p:nvPr>
-            <p:ph idx="1"/>
-          </p:nvPr>
-        </p:nvSpPr>
-        <p:spPr>
-          <a:xfrm>
-            <a:off x="2589211" y="1451113"/>
-            <a:ext cx="9079327" cy="5068957"/>
-          </a:xfrm>
-        </p:spPr>
-        <p:txBody>
-          <a:bodyPr/>
-          <a:lstStyle/>
-          <a:p>
-            <a:endParaRPr lang="en-US" dirty="0"/>
-          </a:p>
-        </p:txBody>
-      </p:sp>
-    </p:spTree>
-    <p:extLst>
-      <p:ext uri="{BB962C8B-B14F-4D97-AF65-F5344CB8AC3E}">
-        <p14:creationId xmlns:p14="http://schemas.microsoft.com/office/powerpoint/2010/main" val="3071141420"/>
-      </p:ext>
-    </p:extLst>
-  </p:cSld>
-  <p:clrMapOvr>
-    <a:masterClrMapping/>
-  </p:clrMapOvr>
-</p:sld>
-</file>
-
-<file path=ppt/slides/slide13.xml><?xml version="1.0" encoding="utf-8"?>
-<p:sld xmlns:a="http://schemas.openxmlformats.org/drawingml/2006/main" xmlns:r="http://schemas.openxmlformats.org/officeDocument/2006/relationships" xmlns:p="http://schemas.openxmlformats.org/presentationml/2006/main">
-  <p:cSld>
-    <p:spTree>
-      <p:nvGrpSpPr>
-        <p:cNvPr id="1" name=""/>
-        <p:cNvGrpSpPr/>
-        <p:nvPr/>
-      </p:nvGrpSpPr>
-      <p:grpSpPr>
-        <a:xfrm>
-          <a:off x="0" y="0"/>
-          <a:ext cx="0" cy="0"/>
-          <a:chOff x="0" y="0"/>
-          <a:chExt cx="0" cy="0"/>
-        </a:xfrm>
-      </p:grpSpPr>
-      <p:sp>
-        <p:nvSpPr>
-          <p:cNvPr id="2" name="Title 1">
-            <a:extLst>
-              <a:ext uri="{FF2B5EF4-FFF2-40B4-BE49-F238E27FC236}">
-                <a16:creationId xmlns:a16="http://schemas.microsoft.com/office/drawing/2014/main" id="{9C5E42EE-EA5D-4203-B1EC-B96B68D2A8EA}"/>
-              </a:ext>
-            </a:extLst>
-          </p:cNvPr>
-          <p:cNvSpPr>
-            <a:spLocks noGrp="1"/>
-          </p:cNvSpPr>
-          <p:nvPr>
-            <p:ph type="title"/>
-          </p:nvPr>
-        </p:nvSpPr>
-        <p:spPr/>
-        <p:txBody>
-          <a:bodyPr>
-            <a:normAutofit/>
-          </a:bodyPr>
-          <a:lstStyle/>
-          <a:p>
-            <a:pPr marL="0" marR="0" lvl="0" indent="0" algn="l" defTabSz="457200" rtl="0" eaLnBrk="1" fontAlgn="auto" latinLnBrk="0" hangingPunct="1">
-              <a:lnSpc>
-                <a:spcPct val="100000"/>
-              </a:lnSpc>
-              <a:spcBef>
-                <a:spcPct val="0"/>
-              </a:spcBef>
-              <a:spcAft>
-                <a:spcPts val="0"/>
-              </a:spcAft>
-              <a:buClrTx/>
-              <a:buSzTx/>
-              <a:buFontTx/>
-              <a:buNone/>
-              <a:tabLst/>
-              <a:defRPr/>
-            </a:pPr>
-            <a:r>
-              <a:rPr lang="en-US" sz="3600" kern="1200" dirty="0">
-                <a:solidFill>
-                  <a:schemeClr val="tx1">
-                    <a:lumMod val="85000"/>
-                    <a:lumOff val="15000"/>
-                  </a:schemeClr>
-                </a:solidFill>
-                <a:effectLst/>
-                <a:latin typeface="+mj-lt"/>
-                <a:ea typeface="+mj-ea"/>
-                <a:cs typeface="+mj-cs"/>
-              </a:rPr>
-              <a:t>_Notes_</a:t>
-            </a:r>
-            <a:endParaRPr lang="en-US" dirty="0">
-              <a:effectLst/>
-            </a:endParaRPr>
-          </a:p>
-        </p:txBody>
-      </p:sp>
-      <p:sp>
-        <p:nvSpPr>
-          <p:cNvPr id="3" name="Content Placeholder 2">
-            <a:extLst>
-              <a:ext uri="{FF2B5EF4-FFF2-40B4-BE49-F238E27FC236}">
-                <a16:creationId xmlns:a16="http://schemas.microsoft.com/office/drawing/2014/main" id="{044B4F6E-A639-47F4-91A5-68807265D618}"/>
-              </a:ext>
-            </a:extLst>
-          </p:cNvPr>
-          <p:cNvSpPr>
-            <a:spLocks noGrp="1"/>
-          </p:cNvSpPr>
-          <p:nvPr>
-            <p:ph idx="1"/>
-          </p:nvPr>
-        </p:nvSpPr>
-        <p:spPr>
-          <a:xfrm>
-            <a:off x="2589211" y="1451113"/>
-            <a:ext cx="9079327" cy="5068957"/>
-          </a:xfrm>
-        </p:spPr>
-        <p:txBody>
-          <a:bodyPr/>
-          <a:lstStyle/>
-          <a:p>
-            <a:r>
-              <a:rPr lang="en-US" dirty="0"/>
-              <a:t>[1] </a:t>
-            </a:r>
-            <a:r>
-              <a:rPr lang="en-US" dirty="0">
-                <a:hlinkClick r:id="rId3"/>
-              </a:rPr>
-              <a:t>Feather - A complete line of development boards from Adafruit that are both standalone and stackable</a:t>
-            </a:r>
-            <a:endParaRPr lang="en-US" dirty="0"/>
-          </a:p>
-        </p:txBody>
-      </p:sp>
-    </p:spTree>
-    <p:extLst>
-      <p:ext uri="{BB962C8B-B14F-4D97-AF65-F5344CB8AC3E}">
-        <p14:creationId xmlns:p14="http://schemas.microsoft.com/office/powerpoint/2010/main" val="3976643547"/>
-      </p:ext>
-    </p:extLst>
-  </p:cSld>
-  <p:clrMapOvr>
-    <a:masterClrMapping/>
-  </p:clrMapOvr>
-</p:sld>
-</file>
-
-<file path=ppt/slides/slide2.xml><?xml version="1.0" encoding="utf-8"?>
-<p:sld xmlns:a="http://schemas.openxmlformats.org/drawingml/2006/main" xmlns:r="http://schemas.openxmlformats.org/officeDocument/2006/relationships" xmlns:p="http://schemas.openxmlformats.org/presentationml/2006/main">
-  <p:cSld>
-    <p:spTree>
-      <p:nvGrpSpPr>
-        <p:cNvPr id="1" name=""/>
-        <p:cNvGrpSpPr/>
-        <p:nvPr/>
-      </p:nvGrpSpPr>
-      <p:grpSpPr>
-        <a:xfrm>
-          <a:off x="0" y="0"/>
-          <a:ext cx="0" cy="0"/>
-          <a:chOff x="0" y="0"/>
-          <a:chExt cx="0" cy="0"/>
-        </a:xfrm>
-      </p:grpSpPr>
-      <p:sp>
-        <p:nvSpPr>
-          <p:cNvPr id="2" name="Title 1">
-            <a:extLst>
-              <a:ext uri="{FF2B5EF4-FFF2-40B4-BE49-F238E27FC236}">
-                <a16:creationId xmlns:a16="http://schemas.microsoft.com/office/drawing/2014/main" id="{9C5E42EE-EA5D-4203-B1EC-B96B68D2A8EA}"/>
-              </a:ext>
-            </a:extLst>
-          </p:cNvPr>
-          <p:cNvSpPr>
-            <a:spLocks noGrp="1"/>
-          </p:cNvSpPr>
-          <p:nvPr>
-            <p:ph type="title"/>
-          </p:nvPr>
-        </p:nvSpPr>
-        <p:spPr/>
-        <p:txBody>
-          <a:bodyPr>
-            <a:normAutofit/>
-          </a:bodyPr>
-          <a:lstStyle/>
-          <a:p>
-            <a:r>
-              <a:rPr lang="en-US" sz="4400" b="0" i="0" u="none" strike="noStrike" kern="1200" baseline="0" dirty="0">
-                <a:solidFill>
-                  <a:schemeClr val="tx1"/>
-                </a:solidFill>
-                <a:latin typeface="+mj-lt"/>
-                <a:ea typeface="+mj-ea"/>
-                <a:cs typeface="+mj-cs"/>
-              </a:rPr>
-              <a:t>Customer Request</a:t>
-            </a:r>
-            <a:endParaRPr lang="en-US" sz="2800" dirty="0"/>
-          </a:p>
-        </p:txBody>
-      </p:sp>
-      <p:sp>
-        <p:nvSpPr>
-          <p:cNvPr id="3" name="Content Placeholder 2">
-            <a:extLst>
-              <a:ext uri="{FF2B5EF4-FFF2-40B4-BE49-F238E27FC236}">
-                <a16:creationId xmlns:a16="http://schemas.microsoft.com/office/drawing/2014/main" id="{044B4F6E-A639-47F4-91A5-68807265D618}"/>
-              </a:ext>
-            </a:extLst>
-          </p:cNvPr>
-          <p:cNvSpPr>
-            <a:spLocks noGrp="1"/>
-          </p:cNvSpPr>
-          <p:nvPr>
-            <p:ph idx="1"/>
-          </p:nvPr>
-        </p:nvSpPr>
-        <p:spPr>
-          <a:xfrm>
-            <a:off x="2589211" y="1451113"/>
-            <a:ext cx="9079327" cy="5068957"/>
-          </a:xfrm>
-        </p:spPr>
-        <p:txBody>
-          <a:bodyPr/>
-          <a:lstStyle/>
-          <a:p>
-            <a:r>
-              <a:rPr lang="en-US" dirty="0"/>
-              <a:t>Novel embedded device work with esteemed peer</a:t>
-            </a:r>
-          </a:p>
-          <a:p>
-            <a:pPr lvl="1"/>
-            <a:r>
-              <a:rPr lang="en-US" dirty="0"/>
-              <a:t>DTECTS for Ergsense</a:t>
-            </a:r>
-          </a:p>
-          <a:p>
-            <a:r>
-              <a:rPr lang="en-US" dirty="0"/>
-              <a:t>Stabilization &amp; path forward</a:t>
-            </a:r>
-          </a:p>
-          <a:p>
-            <a:pPr lvl="1"/>
-            <a:r>
-              <a:rPr lang="en-US" dirty="0"/>
-              <a:t>Firmware Architecture &amp; Path to Market</a:t>
-            </a:r>
-          </a:p>
-          <a:p>
-            <a:pPr lvl="1"/>
-            <a:r>
-              <a:rPr lang="en-US" dirty="0"/>
-              <a:t>Board Revisions</a:t>
-            </a:r>
-          </a:p>
-          <a:p>
-            <a:pPr lvl="1"/>
-            <a:r>
-              <a:rPr lang="en-US" dirty="0"/>
-              <a:t>Feature Integration &amp; Design Simplification</a:t>
-            </a:r>
-          </a:p>
-          <a:p>
-            <a:r>
-              <a:rPr lang="en-US" dirty="0"/>
-              <a:t>Shared</a:t>
-            </a:r>
-          </a:p>
-          <a:p>
-            <a:pPr lvl="1"/>
-            <a:r>
-              <a:rPr lang="en-US" dirty="0"/>
-              <a:t>Contract Identified</a:t>
-            </a:r>
-          </a:p>
-          <a:p>
-            <a:pPr lvl="1"/>
-            <a:r>
-              <a:rPr lang="en-US" dirty="0"/>
-              <a:t>Work Selection</a:t>
-            </a:r>
-          </a:p>
-        </p:txBody>
-      </p:sp>
-    </p:spTree>
-    <p:extLst>
-      <p:ext uri="{BB962C8B-B14F-4D97-AF65-F5344CB8AC3E}">
-        <p14:creationId xmlns:p14="http://schemas.microsoft.com/office/powerpoint/2010/main" val="536683639"/>
-      </p:ext>
-    </p:extLst>
-  </p:cSld>
-  <p:clrMapOvr>
-    <a:masterClrMapping/>
-  </p:clrMapOvr>
-</p:sld>
-</file>
-
-<file path=ppt/slides/slide3.xml><?xml version="1.0" encoding="utf-8"?>
-<p:sld xmlns:a="http://schemas.openxmlformats.org/drawingml/2006/main" xmlns:r="http://schemas.openxmlformats.org/officeDocument/2006/relationships" xmlns:p="http://schemas.openxmlformats.org/presentationml/2006/main">
-  <p:cSld>
-    <p:spTree>
-      <p:nvGrpSpPr>
-        <p:cNvPr id="1" name=""/>
-        <p:cNvGrpSpPr/>
-        <p:nvPr/>
-      </p:nvGrpSpPr>
-      <p:grpSpPr>
-        <a:xfrm>
-          <a:off x="0" y="0"/>
-          <a:ext cx="0" cy="0"/>
-          <a:chOff x="0" y="0"/>
-          <a:chExt cx="0" cy="0"/>
-        </a:xfrm>
-      </p:grpSpPr>
-      <p:sp>
-        <p:nvSpPr>
-          <p:cNvPr id="2" name="Title 1">
-            <a:extLst>
-              <a:ext uri="{FF2B5EF4-FFF2-40B4-BE49-F238E27FC236}">
-                <a16:creationId xmlns:a16="http://schemas.microsoft.com/office/drawing/2014/main" id="{9C5E42EE-EA5D-4203-B1EC-B96B68D2A8EA}"/>
-              </a:ext>
-            </a:extLst>
-          </p:cNvPr>
-          <p:cNvSpPr>
-            <a:spLocks noGrp="1"/>
-          </p:cNvSpPr>
-          <p:nvPr>
-            <p:ph type="title"/>
-          </p:nvPr>
-        </p:nvSpPr>
-        <p:spPr/>
-        <p:txBody>
-          <a:bodyPr>
-            <a:normAutofit/>
-          </a:bodyPr>
-          <a:lstStyle/>
-          <a:p>
-            <a:r>
-              <a:rPr lang="en-US" sz="3600" kern="1200" dirty="0">
-                <a:solidFill>
-                  <a:schemeClr val="tx1">
-                    <a:lumMod val="85000"/>
-                    <a:lumOff val="15000"/>
-                  </a:schemeClr>
-                </a:solidFill>
-                <a:effectLst/>
-                <a:latin typeface="+mj-lt"/>
-                <a:ea typeface="+mj-ea"/>
-                <a:cs typeface="+mj-cs"/>
-              </a:rPr>
-              <a:t>Feather Opportunities</a:t>
-            </a:r>
-            <a:endParaRPr lang="en-US" sz="2800" dirty="0"/>
-          </a:p>
-        </p:txBody>
-      </p:sp>
-      <p:sp>
-        <p:nvSpPr>
-          <p:cNvPr id="3" name="Content Placeholder 2">
-            <a:extLst>
-              <a:ext uri="{FF2B5EF4-FFF2-40B4-BE49-F238E27FC236}">
-                <a16:creationId xmlns:a16="http://schemas.microsoft.com/office/drawing/2014/main" id="{044B4F6E-A639-47F4-91A5-68807265D618}"/>
-              </a:ext>
-            </a:extLst>
-          </p:cNvPr>
-          <p:cNvSpPr>
-            <a:spLocks noGrp="1"/>
-          </p:cNvSpPr>
-          <p:nvPr>
-            <p:ph idx="1"/>
-          </p:nvPr>
-        </p:nvSpPr>
-        <p:spPr>
-          <a:xfrm>
-            <a:off x="2589211" y="1451113"/>
-            <a:ext cx="9079327" cy="5068957"/>
-          </a:xfrm>
-        </p:spPr>
-        <p:txBody>
-          <a:bodyPr/>
-          <a:lstStyle/>
-          <a:p>
-            <a:r>
-              <a:rPr lang="en-US" dirty="0"/>
-              <a:t>Cross-compatible platform spanning several vendors, use cases &amp; solutions</a:t>
-            </a:r>
-          </a:p>
-          <a:p>
-            <a:pPr lvl="1"/>
-            <a:r>
-              <a:rPr lang="en-US" dirty="0"/>
-              <a:t>Picture of Hats or Feather options</a:t>
-            </a:r>
-          </a:p>
-          <a:p>
-            <a:pPr lvl="1"/>
-            <a:r>
-              <a:rPr lang="en-US" dirty="0"/>
-              <a:t>What feature or family do you need, they’ve got it w/example</a:t>
-            </a:r>
-          </a:p>
-          <a:p>
-            <a:r>
-              <a:rPr lang="en-US" dirty="0"/>
-              <a:t>A leading expression platform at present</a:t>
-            </a:r>
-          </a:p>
-          <a:p>
-            <a:pPr lvl="1"/>
-            <a:r>
-              <a:rPr lang="en-US" dirty="0"/>
-              <a:t>Enables idea generation and investigation by large audience</a:t>
-            </a:r>
-          </a:p>
-          <a:p>
-            <a:pPr lvl="1"/>
-            <a:r>
-              <a:rPr lang="en-US" dirty="0"/>
-              <a:t>Like the DTECTS platform with Ergsense, enabling real-time monitoring of electrical motors</a:t>
-            </a:r>
-          </a:p>
-          <a:p>
-            <a:pPr lvl="1"/>
-            <a:r>
-              <a:rPr lang="en-US" dirty="0"/>
-              <a:t>With academic physics experimentation, chemistry monitoring or computer science embedded user interfaces for example</a:t>
-            </a:r>
-          </a:p>
-          <a:p>
-            <a:pPr lvl="1"/>
-            <a:r>
-              <a:rPr lang="en-US" dirty="0"/>
-              <a:t>In industry with PoC examination &amp; formulation (e.g. grain moisture detection)</a:t>
-            </a:r>
-          </a:p>
-          <a:p>
-            <a:r>
-              <a:rPr lang="en-US" dirty="0"/>
-              <a:t>This platform genre is maturing</a:t>
-            </a:r>
-          </a:p>
-          <a:p>
-            <a:pPr lvl="1"/>
-            <a:r>
-              <a:rPr lang="en-US" dirty="0"/>
-              <a:t>Integration into later stages of product design &amp; release</a:t>
-            </a:r>
-          </a:p>
-          <a:p>
-            <a:pPr lvl="1"/>
-            <a:r>
-              <a:rPr lang="en-US" dirty="0"/>
-              <a:t>Arduino, Feather, Particle, etc.</a:t>
-            </a:r>
-          </a:p>
-        </p:txBody>
-      </p:sp>
-      <p:sp>
-        <p:nvSpPr>
-          <p:cNvPr id="4" name="TextBox 3">
-            <a:extLst>
-              <a:ext uri="{FF2B5EF4-FFF2-40B4-BE49-F238E27FC236}">
-                <a16:creationId xmlns:a16="http://schemas.microsoft.com/office/drawing/2014/main" id="{790809A5-49C1-4088-8A82-6305D423F75D}"/>
-              </a:ext>
-            </a:extLst>
-          </p:cNvPr>
-          <p:cNvSpPr txBox="1"/>
-          <p:nvPr/>
-        </p:nvSpPr>
-        <p:spPr>
-          <a:xfrm>
-            <a:off x="6448098" y="6117021"/>
-            <a:ext cx="5376042" cy="523220"/>
-          </a:xfrm>
-          <a:prstGeom prst="rect">
-            <a:avLst/>
-          </a:prstGeom>
-          <a:noFill/>
-        </p:spPr>
-        <p:txBody>
-          <a:bodyPr wrap="square" rtlCol="0">
-            <a:spAutoFit/>
-          </a:bodyPr>
-          <a:lstStyle/>
-          <a:p>
-            <a:pPr algn="ctr"/>
-            <a:r>
-              <a:rPr lang="en-US" sz="1400" dirty="0"/>
-              <a:t>"At its core, the Adafruit Feather is a complete ecosystem of products - and the best way to get your project flying” </a:t>
-            </a:r>
-            <a:r>
-              <a:rPr lang="en-US" sz="1400" dirty="0">
-                <a:hlinkClick r:id="rId3"/>
-              </a:rPr>
-              <a:t>[1]</a:t>
-            </a:r>
-            <a:endParaRPr lang="en-US" sz="1400" dirty="0"/>
-          </a:p>
-        </p:txBody>
-      </p:sp>
-    </p:spTree>
-    <p:extLst>
-      <p:ext uri="{BB962C8B-B14F-4D97-AF65-F5344CB8AC3E}">
-        <p14:creationId xmlns:p14="http://schemas.microsoft.com/office/powerpoint/2010/main" val="906578158"/>
-      </p:ext>
-    </p:extLst>
-  </p:cSld>
-  <p:clrMapOvr>
-    <a:masterClrMapping/>
-  </p:clrMapOvr>
-</p:sld>
-</file>
-
-<file path=ppt/slides/slide4.xml><?xml version="1.0" encoding="utf-8"?>
-<p:sld xmlns:a="http://schemas.openxmlformats.org/drawingml/2006/main" xmlns:r="http://schemas.openxmlformats.org/officeDocument/2006/relationships" xmlns:p="http://schemas.openxmlformats.org/presentationml/2006/main">
-  <p:cSld>
-    <p:spTree>
-      <p:nvGrpSpPr>
-        <p:cNvPr id="1" name=""/>
-        <p:cNvGrpSpPr/>
-        <p:nvPr/>
-      </p:nvGrpSpPr>
-      <p:grpSpPr>
-        <a:xfrm>
-          <a:off x="0" y="0"/>
-          <a:ext cx="0" cy="0"/>
-          <a:chOff x="0" y="0"/>
-          <a:chExt cx="0" cy="0"/>
-        </a:xfrm>
-      </p:grpSpPr>
-      <p:sp>
-        <p:nvSpPr>
-          <p:cNvPr id="2" name="Title 1">
-            <a:extLst>
-              <a:ext uri="{FF2B5EF4-FFF2-40B4-BE49-F238E27FC236}">
-                <a16:creationId xmlns:a16="http://schemas.microsoft.com/office/drawing/2014/main" id="{9C5E42EE-EA5D-4203-B1EC-B96B68D2A8EA}"/>
-              </a:ext>
-            </a:extLst>
-          </p:cNvPr>
-          <p:cNvSpPr>
-            <a:spLocks noGrp="1"/>
-          </p:cNvSpPr>
-          <p:nvPr>
-            <p:ph type="title"/>
-          </p:nvPr>
-        </p:nvSpPr>
-        <p:spPr/>
-        <p:txBody>
-          <a:bodyPr>
-            <a:normAutofit/>
-          </a:bodyPr>
-          <a:lstStyle/>
-          <a:p>
-            <a:pPr rtl="0" eaLnBrk="1" latinLnBrk="0" hangingPunct="1"/>
-            <a:r>
-              <a:rPr lang="en-US" sz="3600" b="0" i="0" kern="1200" baseline="0" dirty="0">
-                <a:solidFill>
-                  <a:schemeClr val="tx1">
-                    <a:lumMod val="85000"/>
-                    <a:lumOff val="15000"/>
-                  </a:schemeClr>
-                </a:solidFill>
-                <a:effectLst/>
-                <a:latin typeface="+mj-lt"/>
-                <a:ea typeface="+mj-ea"/>
-                <a:cs typeface="+mj-cs"/>
-              </a:rPr>
-              <a:t>Design Procedure (2)</a:t>
-            </a:r>
-            <a:endParaRPr lang="en-US" sz="4400" dirty="0">
-              <a:effectLst/>
-            </a:endParaRPr>
-          </a:p>
-        </p:txBody>
-      </p:sp>
-      <p:sp>
-        <p:nvSpPr>
-          <p:cNvPr id="3" name="Content Placeholder 2">
-            <a:extLst>
-              <a:ext uri="{FF2B5EF4-FFF2-40B4-BE49-F238E27FC236}">
-                <a16:creationId xmlns:a16="http://schemas.microsoft.com/office/drawing/2014/main" id="{044B4F6E-A639-47F4-91A5-68807265D618}"/>
-              </a:ext>
-            </a:extLst>
-          </p:cNvPr>
-          <p:cNvSpPr>
-            <a:spLocks noGrp="1"/>
-          </p:cNvSpPr>
-          <p:nvPr>
-            <p:ph idx="1"/>
-          </p:nvPr>
-        </p:nvSpPr>
-        <p:spPr>
-          <a:xfrm>
-            <a:off x="2589211" y="1451113"/>
-            <a:ext cx="9079327" cy="5068957"/>
-          </a:xfrm>
-        </p:spPr>
-        <p:txBody>
-          <a:bodyPr/>
-          <a:lstStyle/>
-          <a:p>
-            <a:endParaRPr lang="en-US" dirty="0"/>
-          </a:p>
-        </p:txBody>
-      </p:sp>
-    </p:spTree>
-    <p:extLst>
-      <p:ext uri="{BB962C8B-B14F-4D97-AF65-F5344CB8AC3E}">
-        <p14:creationId xmlns:p14="http://schemas.microsoft.com/office/powerpoint/2010/main" val="306193403"/>
-      </p:ext>
-    </p:extLst>
-  </p:cSld>
-  <p:clrMapOvr>
-    <a:masterClrMapping/>
-  </p:clrMapOvr>
-</p:sld>
-</file>
-
-<file path=ppt/slides/slide5.xml><?xml version="1.0" encoding="utf-8"?>
-<p:sld xmlns:a="http://schemas.openxmlformats.org/drawingml/2006/main" xmlns:r="http://schemas.openxmlformats.org/officeDocument/2006/relationships" xmlns:p="http://schemas.openxmlformats.org/presentationml/2006/main">
-  <p:cSld>
-    <p:spTree>
-      <p:nvGrpSpPr>
-        <p:cNvPr id="1" name=""/>
-        <p:cNvGrpSpPr/>
-        <p:nvPr/>
-      </p:nvGrpSpPr>
-      <p:grpSpPr>
-        <a:xfrm>
-          <a:off x="0" y="0"/>
-          <a:ext cx="0" cy="0"/>
-          <a:chOff x="0" y="0"/>
-          <a:chExt cx="0" cy="0"/>
-        </a:xfrm>
-      </p:grpSpPr>
-      <p:sp>
-        <p:nvSpPr>
-          <p:cNvPr id="2" name="Title 1">
-            <a:extLst>
-              <a:ext uri="{FF2B5EF4-FFF2-40B4-BE49-F238E27FC236}">
-                <a16:creationId xmlns:a16="http://schemas.microsoft.com/office/drawing/2014/main" id="{9C5E42EE-EA5D-4203-B1EC-B96B68D2A8EA}"/>
-              </a:ext>
-            </a:extLst>
-          </p:cNvPr>
-          <p:cNvSpPr>
-            <a:spLocks noGrp="1"/>
-          </p:cNvSpPr>
-          <p:nvPr>
-            <p:ph type="title"/>
-          </p:nvPr>
-        </p:nvSpPr>
-        <p:spPr/>
-        <p:txBody>
-          <a:bodyPr>
-            <a:normAutofit/>
-          </a:bodyPr>
-          <a:lstStyle/>
-          <a:p>
-            <a:pPr rtl="0" eaLnBrk="1" latinLnBrk="0" hangingPunct="1"/>
-            <a:r>
-              <a:rPr lang="en-US" sz="3600" b="0" i="0" kern="1200" baseline="0" dirty="0">
-                <a:solidFill>
-                  <a:schemeClr val="tx1">
-                    <a:lumMod val="85000"/>
-                    <a:lumOff val="15000"/>
-                  </a:schemeClr>
-                </a:solidFill>
-                <a:effectLst/>
-                <a:latin typeface="+mj-lt"/>
-                <a:ea typeface="+mj-ea"/>
-                <a:cs typeface="+mj-cs"/>
-              </a:rPr>
-              <a:t>Development Methodology (3)</a:t>
-            </a:r>
-            <a:endParaRPr lang="en-US" sz="4400" dirty="0">
-              <a:effectLst/>
-            </a:endParaRPr>
-          </a:p>
-        </p:txBody>
-      </p:sp>
-      <p:sp>
-        <p:nvSpPr>
-          <p:cNvPr id="3" name="Content Placeholder 2">
-            <a:extLst>
-              <a:ext uri="{FF2B5EF4-FFF2-40B4-BE49-F238E27FC236}">
-                <a16:creationId xmlns:a16="http://schemas.microsoft.com/office/drawing/2014/main" id="{044B4F6E-A639-47F4-91A5-68807265D618}"/>
-              </a:ext>
-            </a:extLst>
-          </p:cNvPr>
-          <p:cNvSpPr>
-            <a:spLocks noGrp="1"/>
-          </p:cNvSpPr>
-          <p:nvPr>
-            <p:ph idx="1"/>
-          </p:nvPr>
-        </p:nvSpPr>
-        <p:spPr>
-          <a:xfrm>
-            <a:off x="2589211" y="1451113"/>
-            <a:ext cx="9079327" cy="5068957"/>
-          </a:xfrm>
-        </p:spPr>
-        <p:txBody>
-          <a:bodyPr/>
-          <a:lstStyle/>
-          <a:p>
-            <a:endParaRPr lang="en-US" dirty="0"/>
-          </a:p>
-        </p:txBody>
-      </p:sp>
-    </p:spTree>
-    <p:extLst>
-      <p:ext uri="{BB962C8B-B14F-4D97-AF65-F5344CB8AC3E}">
-        <p14:creationId xmlns:p14="http://schemas.microsoft.com/office/powerpoint/2010/main" val="1317707174"/>
-      </p:ext>
-    </p:extLst>
-  </p:cSld>
-  <p:clrMapOvr>
-    <a:masterClrMapping/>
-  </p:clrMapOvr>
-</p:sld>
-</file>
-
-<file path=ppt/slides/slide6.xml><?xml version="1.0" encoding="utf-8"?>
-<p:sld xmlns:a="http://schemas.openxmlformats.org/drawingml/2006/main" xmlns:r="http://schemas.openxmlformats.org/officeDocument/2006/relationships" xmlns:p="http://schemas.openxmlformats.org/presentationml/2006/main">
-  <p:cSld>
-    <p:spTree>
-      <p:nvGrpSpPr>
-        <p:cNvPr id="1" name=""/>
-        <p:cNvGrpSpPr/>
-        <p:nvPr/>
-      </p:nvGrpSpPr>
-      <p:grpSpPr>
-        <a:xfrm>
-          <a:off x="0" y="0"/>
-          <a:ext cx="0" cy="0"/>
-          <a:chOff x="0" y="0"/>
-          <a:chExt cx="0" cy="0"/>
-        </a:xfrm>
-      </p:grpSpPr>
-      <p:sp>
-        <p:nvSpPr>
-          <p:cNvPr id="2" name="Title 1">
-            <a:extLst>
-              <a:ext uri="{FF2B5EF4-FFF2-40B4-BE49-F238E27FC236}">
-                <a16:creationId xmlns:a16="http://schemas.microsoft.com/office/drawing/2014/main" id="{9C5E42EE-EA5D-4203-B1EC-B96B68D2A8EA}"/>
-              </a:ext>
-            </a:extLst>
-          </p:cNvPr>
-          <p:cNvSpPr>
-            <a:spLocks noGrp="1"/>
-          </p:cNvSpPr>
-          <p:nvPr>
-            <p:ph type="title"/>
-          </p:nvPr>
-        </p:nvSpPr>
-        <p:spPr/>
-        <p:txBody>
-          <a:bodyPr>
-            <a:normAutofit/>
-          </a:bodyPr>
-          <a:lstStyle/>
-          <a:p>
-            <a:pPr rtl="0" eaLnBrk="1" latinLnBrk="0" hangingPunct="1"/>
-            <a:r>
-              <a:rPr lang="en-US" sz="3600" b="0" i="0" kern="1200" baseline="0" dirty="0">
-                <a:solidFill>
-                  <a:schemeClr val="tx1">
-                    <a:lumMod val="85000"/>
-                    <a:lumOff val="15000"/>
-                  </a:schemeClr>
-                </a:solidFill>
-                <a:effectLst/>
-                <a:latin typeface="+mj-lt"/>
-                <a:ea typeface="+mj-ea"/>
-                <a:cs typeface="+mj-cs"/>
-              </a:rPr>
-              <a:t>Development Methodology (3)</a:t>
+              <a:t>Firmware (Reference)</a:t>
             </a:r>
             <a:endParaRPr lang="en-US" sz="4400" dirty="0">
               <a:effectLst/>
@@ -11957,7 +11897,1460 @@
     </p:spTree>
     <p:extLst>
       <p:ext uri="{BB962C8B-B14F-4D97-AF65-F5344CB8AC3E}">
-        <p14:creationId xmlns:p14="http://schemas.microsoft.com/office/powerpoint/2010/main" val="2956004668"/>
+        <p14:creationId xmlns:p14="http://schemas.microsoft.com/office/powerpoint/2010/main" val="667840959"/>
+      </p:ext>
+    </p:extLst>
+  </p:cSld>
+  <p:clrMapOvr>
+    <a:masterClrMapping/>
+  </p:clrMapOvr>
+</p:sld>
+</file>
+
+<file path=ppt/slides/slide13.xml><?xml version="1.0" encoding="utf-8"?>
+<p:sld xmlns:a="http://schemas.openxmlformats.org/drawingml/2006/main" xmlns:r="http://schemas.openxmlformats.org/officeDocument/2006/relationships" xmlns:p="http://schemas.openxmlformats.org/presentationml/2006/main">
+  <p:cSld>
+    <p:spTree>
+      <p:nvGrpSpPr>
+        <p:cNvPr id="1" name=""/>
+        <p:cNvGrpSpPr/>
+        <p:nvPr/>
+      </p:nvGrpSpPr>
+      <p:grpSpPr>
+        <a:xfrm>
+          <a:off x="0" y="0"/>
+          <a:ext cx="0" cy="0"/>
+          <a:chOff x="0" y="0"/>
+          <a:chExt cx="0" cy="0"/>
+        </a:xfrm>
+      </p:grpSpPr>
+      <p:sp>
+        <p:nvSpPr>
+          <p:cNvPr id="2" name="Title 1">
+            <a:extLst>
+              <a:ext uri="{FF2B5EF4-FFF2-40B4-BE49-F238E27FC236}">
+                <a16:creationId xmlns:a16="http://schemas.microsoft.com/office/drawing/2014/main" id="{9C5E42EE-EA5D-4203-B1EC-B96B68D2A8EA}"/>
+              </a:ext>
+            </a:extLst>
+          </p:cNvPr>
+          <p:cNvSpPr>
+            <a:spLocks noGrp="1"/>
+          </p:cNvSpPr>
+          <p:nvPr>
+            <p:ph type="title"/>
+          </p:nvPr>
+        </p:nvSpPr>
+        <p:spPr/>
+        <p:txBody>
+          <a:bodyPr>
+            <a:normAutofit/>
+          </a:bodyPr>
+          <a:lstStyle/>
+          <a:p>
+            <a:pPr rtl="0" eaLnBrk="1" latinLnBrk="0" hangingPunct="1"/>
+            <a:r>
+              <a:rPr lang="en-US" sz="3600" b="0" i="0" kern="1200" baseline="0" dirty="0">
+                <a:solidFill>
+                  <a:schemeClr val="tx1">
+                    <a:lumMod val="85000"/>
+                    <a:lumOff val="15000"/>
+                  </a:schemeClr>
+                </a:solidFill>
+                <a:effectLst/>
+                <a:latin typeface="+mj-lt"/>
+                <a:ea typeface="+mj-ea"/>
+                <a:cs typeface="+mj-cs"/>
+              </a:rPr>
+              <a:t>Overcome Challenges</a:t>
+            </a:r>
+            <a:endParaRPr lang="en-US" sz="4400" dirty="0">
+              <a:effectLst/>
+            </a:endParaRPr>
+          </a:p>
+        </p:txBody>
+      </p:sp>
+      <p:sp>
+        <p:nvSpPr>
+          <p:cNvPr id="3" name="Content Placeholder 2">
+            <a:extLst>
+              <a:ext uri="{FF2B5EF4-FFF2-40B4-BE49-F238E27FC236}">
+                <a16:creationId xmlns:a16="http://schemas.microsoft.com/office/drawing/2014/main" id="{044B4F6E-A639-47F4-91A5-68807265D618}"/>
+              </a:ext>
+            </a:extLst>
+          </p:cNvPr>
+          <p:cNvSpPr>
+            <a:spLocks noGrp="1"/>
+          </p:cNvSpPr>
+          <p:nvPr>
+            <p:ph idx="1"/>
+          </p:nvPr>
+        </p:nvSpPr>
+        <p:spPr>
+          <a:xfrm>
+            <a:off x="2589211" y="1451113"/>
+            <a:ext cx="9079327" cy="5068957"/>
+          </a:xfrm>
+        </p:spPr>
+        <p:txBody>
+          <a:bodyPr/>
+          <a:lstStyle/>
+          <a:p>
+            <a:endParaRPr lang="en-US" dirty="0"/>
+          </a:p>
+        </p:txBody>
+      </p:sp>
+    </p:spTree>
+    <p:extLst>
+      <p:ext uri="{BB962C8B-B14F-4D97-AF65-F5344CB8AC3E}">
+        <p14:creationId xmlns:p14="http://schemas.microsoft.com/office/powerpoint/2010/main" val="2805820393"/>
+      </p:ext>
+    </p:extLst>
+  </p:cSld>
+  <p:clrMapOvr>
+    <a:masterClrMapping/>
+  </p:clrMapOvr>
+</p:sld>
+</file>
+
+<file path=ppt/slides/slide14.xml><?xml version="1.0" encoding="utf-8"?>
+<p:sld xmlns:a="http://schemas.openxmlformats.org/drawingml/2006/main" xmlns:r="http://schemas.openxmlformats.org/officeDocument/2006/relationships" xmlns:p="http://schemas.openxmlformats.org/presentationml/2006/main">
+  <p:cSld>
+    <p:spTree>
+      <p:nvGrpSpPr>
+        <p:cNvPr id="1" name=""/>
+        <p:cNvGrpSpPr/>
+        <p:nvPr/>
+      </p:nvGrpSpPr>
+      <p:grpSpPr>
+        <a:xfrm>
+          <a:off x="0" y="0"/>
+          <a:ext cx="0" cy="0"/>
+          <a:chOff x="0" y="0"/>
+          <a:chExt cx="0" cy="0"/>
+        </a:xfrm>
+      </p:grpSpPr>
+      <p:sp>
+        <p:nvSpPr>
+          <p:cNvPr id="2" name="Title 1">
+            <a:extLst>
+              <a:ext uri="{FF2B5EF4-FFF2-40B4-BE49-F238E27FC236}">
+                <a16:creationId xmlns:a16="http://schemas.microsoft.com/office/drawing/2014/main" id="{9C5E42EE-EA5D-4203-B1EC-B96B68D2A8EA}"/>
+              </a:ext>
+            </a:extLst>
+          </p:cNvPr>
+          <p:cNvSpPr>
+            <a:spLocks noGrp="1"/>
+          </p:cNvSpPr>
+          <p:nvPr>
+            <p:ph type="title"/>
+          </p:nvPr>
+        </p:nvSpPr>
+        <p:spPr/>
+        <p:txBody>
+          <a:bodyPr>
+            <a:normAutofit/>
+          </a:bodyPr>
+          <a:lstStyle/>
+          <a:p>
+            <a:r>
+              <a:rPr lang="en-US" sz="3600" b="0" i="0" kern="1200" baseline="0" dirty="0">
+                <a:solidFill>
+                  <a:schemeClr val="tx1">
+                    <a:lumMod val="85000"/>
+                    <a:lumOff val="15000"/>
+                  </a:schemeClr>
+                </a:solidFill>
+                <a:effectLst/>
+                <a:latin typeface="+mj-lt"/>
+                <a:ea typeface="+mj-ea"/>
+                <a:cs typeface="+mj-cs"/>
+              </a:rPr>
+              <a:t>Deliverable &amp; Results (2)</a:t>
+            </a:r>
+            <a:endParaRPr lang="en-US" sz="2800" dirty="0"/>
+          </a:p>
+        </p:txBody>
+      </p:sp>
+      <p:sp>
+        <p:nvSpPr>
+          <p:cNvPr id="3" name="Content Placeholder 2">
+            <a:extLst>
+              <a:ext uri="{FF2B5EF4-FFF2-40B4-BE49-F238E27FC236}">
+                <a16:creationId xmlns:a16="http://schemas.microsoft.com/office/drawing/2014/main" id="{044B4F6E-A639-47F4-91A5-68807265D618}"/>
+              </a:ext>
+            </a:extLst>
+          </p:cNvPr>
+          <p:cNvSpPr>
+            <a:spLocks noGrp="1"/>
+          </p:cNvSpPr>
+          <p:nvPr>
+            <p:ph idx="1"/>
+          </p:nvPr>
+        </p:nvSpPr>
+        <p:spPr>
+          <a:xfrm>
+            <a:off x="2589211" y="1451113"/>
+            <a:ext cx="9079327" cy="5068957"/>
+          </a:xfrm>
+        </p:spPr>
+        <p:txBody>
+          <a:bodyPr/>
+          <a:lstStyle/>
+          <a:p>
+            <a:endParaRPr lang="en-US" dirty="0"/>
+          </a:p>
+        </p:txBody>
+      </p:sp>
+    </p:spTree>
+    <p:extLst>
+      <p:ext uri="{BB962C8B-B14F-4D97-AF65-F5344CB8AC3E}">
+        <p14:creationId xmlns:p14="http://schemas.microsoft.com/office/powerpoint/2010/main" val="821675052"/>
+      </p:ext>
+    </p:extLst>
+  </p:cSld>
+  <p:clrMapOvr>
+    <a:masterClrMapping/>
+  </p:clrMapOvr>
+</p:sld>
+</file>
+
+<file path=ppt/slides/slide15.xml><?xml version="1.0" encoding="utf-8"?>
+<p:sld xmlns:a="http://schemas.openxmlformats.org/drawingml/2006/main" xmlns:r="http://schemas.openxmlformats.org/officeDocument/2006/relationships" xmlns:p="http://schemas.openxmlformats.org/presentationml/2006/main">
+  <p:cSld>
+    <p:spTree>
+      <p:nvGrpSpPr>
+        <p:cNvPr id="1" name=""/>
+        <p:cNvGrpSpPr/>
+        <p:nvPr/>
+      </p:nvGrpSpPr>
+      <p:grpSpPr>
+        <a:xfrm>
+          <a:off x="0" y="0"/>
+          <a:ext cx="0" cy="0"/>
+          <a:chOff x="0" y="0"/>
+          <a:chExt cx="0" cy="0"/>
+        </a:xfrm>
+      </p:grpSpPr>
+      <p:sp>
+        <p:nvSpPr>
+          <p:cNvPr id="2" name="Title 1">
+            <a:extLst>
+              <a:ext uri="{FF2B5EF4-FFF2-40B4-BE49-F238E27FC236}">
+                <a16:creationId xmlns:a16="http://schemas.microsoft.com/office/drawing/2014/main" id="{9C5E42EE-EA5D-4203-B1EC-B96B68D2A8EA}"/>
+              </a:ext>
+            </a:extLst>
+          </p:cNvPr>
+          <p:cNvSpPr>
+            <a:spLocks noGrp="1"/>
+          </p:cNvSpPr>
+          <p:nvPr>
+            <p:ph type="title"/>
+          </p:nvPr>
+        </p:nvSpPr>
+        <p:spPr/>
+        <p:txBody>
+          <a:bodyPr>
+            <a:normAutofit/>
+          </a:bodyPr>
+          <a:lstStyle/>
+          <a:p>
+            <a:pPr rtl="0" eaLnBrk="1" latinLnBrk="0" hangingPunct="1"/>
+            <a:r>
+              <a:rPr lang="en-US" sz="3600" b="0" i="0" kern="1200" baseline="0" dirty="0">
+                <a:solidFill>
+                  <a:schemeClr val="tx1">
+                    <a:lumMod val="85000"/>
+                    <a:lumOff val="15000"/>
+                  </a:schemeClr>
+                </a:solidFill>
+                <a:effectLst/>
+                <a:latin typeface="+mj-lt"/>
+                <a:ea typeface="+mj-ea"/>
+                <a:cs typeface="+mj-cs"/>
+              </a:rPr>
+              <a:t>Learnings &amp; Growths</a:t>
+            </a:r>
+            <a:endParaRPr lang="en-US" sz="4400" dirty="0">
+              <a:effectLst/>
+            </a:endParaRPr>
+          </a:p>
+        </p:txBody>
+      </p:sp>
+      <p:sp>
+        <p:nvSpPr>
+          <p:cNvPr id="3" name="Content Placeholder 2">
+            <a:extLst>
+              <a:ext uri="{FF2B5EF4-FFF2-40B4-BE49-F238E27FC236}">
+                <a16:creationId xmlns:a16="http://schemas.microsoft.com/office/drawing/2014/main" id="{044B4F6E-A639-47F4-91A5-68807265D618}"/>
+              </a:ext>
+            </a:extLst>
+          </p:cNvPr>
+          <p:cNvSpPr>
+            <a:spLocks noGrp="1"/>
+          </p:cNvSpPr>
+          <p:nvPr>
+            <p:ph idx="1"/>
+          </p:nvPr>
+        </p:nvSpPr>
+        <p:spPr>
+          <a:xfrm>
+            <a:off x="2589211" y="1451113"/>
+            <a:ext cx="9079327" cy="5068957"/>
+          </a:xfrm>
+        </p:spPr>
+        <p:txBody>
+          <a:bodyPr/>
+          <a:lstStyle/>
+          <a:p>
+            <a:endParaRPr lang="en-US" dirty="0"/>
+          </a:p>
+        </p:txBody>
+      </p:sp>
+    </p:spTree>
+    <p:extLst>
+      <p:ext uri="{BB962C8B-B14F-4D97-AF65-F5344CB8AC3E}">
+        <p14:creationId xmlns:p14="http://schemas.microsoft.com/office/powerpoint/2010/main" val="3042754836"/>
+      </p:ext>
+    </p:extLst>
+  </p:cSld>
+  <p:clrMapOvr>
+    <a:masterClrMapping/>
+  </p:clrMapOvr>
+</p:sld>
+</file>
+
+<file path=ppt/slides/slide16.xml><?xml version="1.0" encoding="utf-8"?>
+<p:sld xmlns:a="http://schemas.openxmlformats.org/drawingml/2006/main" xmlns:r="http://schemas.openxmlformats.org/officeDocument/2006/relationships" xmlns:p="http://schemas.openxmlformats.org/presentationml/2006/main">
+  <p:cSld>
+    <p:spTree>
+      <p:nvGrpSpPr>
+        <p:cNvPr id="1" name=""/>
+        <p:cNvGrpSpPr/>
+        <p:nvPr/>
+      </p:nvGrpSpPr>
+      <p:grpSpPr>
+        <a:xfrm>
+          <a:off x="0" y="0"/>
+          <a:ext cx="0" cy="0"/>
+          <a:chOff x="0" y="0"/>
+          <a:chExt cx="0" cy="0"/>
+        </a:xfrm>
+      </p:grpSpPr>
+      <p:sp>
+        <p:nvSpPr>
+          <p:cNvPr id="2" name="Title 1">
+            <a:extLst>
+              <a:ext uri="{FF2B5EF4-FFF2-40B4-BE49-F238E27FC236}">
+                <a16:creationId xmlns:a16="http://schemas.microsoft.com/office/drawing/2014/main" id="{9C5E42EE-EA5D-4203-B1EC-B96B68D2A8EA}"/>
+              </a:ext>
+            </a:extLst>
+          </p:cNvPr>
+          <p:cNvSpPr>
+            <a:spLocks noGrp="1"/>
+          </p:cNvSpPr>
+          <p:nvPr>
+            <p:ph type="title"/>
+          </p:nvPr>
+        </p:nvSpPr>
+        <p:spPr/>
+        <p:txBody>
+          <a:bodyPr>
+            <a:normAutofit/>
+          </a:bodyPr>
+          <a:lstStyle/>
+          <a:p>
+            <a:pPr rtl="0" eaLnBrk="1" latinLnBrk="0" hangingPunct="1"/>
+            <a:r>
+              <a:rPr lang="en-US" sz="3600" b="0" i="0" kern="1200" baseline="0" dirty="0">
+                <a:solidFill>
+                  <a:schemeClr val="tx1">
+                    <a:lumMod val="85000"/>
+                    <a:lumOff val="15000"/>
+                  </a:schemeClr>
+                </a:solidFill>
+                <a:effectLst/>
+                <a:latin typeface="+mj-lt"/>
+                <a:ea typeface="+mj-ea"/>
+                <a:cs typeface="+mj-cs"/>
+              </a:rPr>
+              <a:t>Outcomes</a:t>
+            </a:r>
+            <a:endParaRPr lang="en-US" sz="4400" dirty="0">
+              <a:effectLst/>
+            </a:endParaRPr>
+          </a:p>
+        </p:txBody>
+      </p:sp>
+      <p:sp>
+        <p:nvSpPr>
+          <p:cNvPr id="3" name="Content Placeholder 2">
+            <a:extLst>
+              <a:ext uri="{FF2B5EF4-FFF2-40B4-BE49-F238E27FC236}">
+                <a16:creationId xmlns:a16="http://schemas.microsoft.com/office/drawing/2014/main" id="{044B4F6E-A639-47F4-91A5-68807265D618}"/>
+              </a:ext>
+            </a:extLst>
+          </p:cNvPr>
+          <p:cNvSpPr>
+            <a:spLocks noGrp="1"/>
+          </p:cNvSpPr>
+          <p:nvPr>
+            <p:ph idx="1"/>
+          </p:nvPr>
+        </p:nvSpPr>
+        <p:spPr>
+          <a:xfrm>
+            <a:off x="2589211" y="1451113"/>
+            <a:ext cx="9079327" cy="5068957"/>
+          </a:xfrm>
+        </p:spPr>
+        <p:txBody>
+          <a:bodyPr/>
+          <a:lstStyle/>
+          <a:p>
+            <a:endParaRPr lang="en-US" dirty="0"/>
+          </a:p>
+        </p:txBody>
+      </p:sp>
+    </p:spTree>
+    <p:extLst>
+      <p:ext uri="{BB962C8B-B14F-4D97-AF65-F5344CB8AC3E}">
+        <p14:creationId xmlns:p14="http://schemas.microsoft.com/office/powerpoint/2010/main" val="2229688103"/>
+      </p:ext>
+    </p:extLst>
+  </p:cSld>
+  <p:clrMapOvr>
+    <a:masterClrMapping/>
+  </p:clrMapOvr>
+</p:sld>
+</file>
+
+<file path=ppt/slides/slide17.xml><?xml version="1.0" encoding="utf-8"?>
+<p:sld xmlns:a="http://schemas.openxmlformats.org/drawingml/2006/main" xmlns:r="http://schemas.openxmlformats.org/officeDocument/2006/relationships" xmlns:p="http://schemas.openxmlformats.org/presentationml/2006/main">
+  <p:cSld>
+    <p:spTree>
+      <p:nvGrpSpPr>
+        <p:cNvPr id="1" name=""/>
+        <p:cNvGrpSpPr/>
+        <p:nvPr/>
+      </p:nvGrpSpPr>
+      <p:grpSpPr>
+        <a:xfrm>
+          <a:off x="0" y="0"/>
+          <a:ext cx="0" cy="0"/>
+          <a:chOff x="0" y="0"/>
+          <a:chExt cx="0" cy="0"/>
+        </a:xfrm>
+      </p:grpSpPr>
+      <p:sp>
+        <p:nvSpPr>
+          <p:cNvPr id="2" name="Title 1">
+            <a:extLst>
+              <a:ext uri="{FF2B5EF4-FFF2-40B4-BE49-F238E27FC236}">
+                <a16:creationId xmlns:a16="http://schemas.microsoft.com/office/drawing/2014/main" id="{9C5E42EE-EA5D-4203-B1EC-B96B68D2A8EA}"/>
+              </a:ext>
+            </a:extLst>
+          </p:cNvPr>
+          <p:cNvSpPr>
+            <a:spLocks noGrp="1"/>
+          </p:cNvSpPr>
+          <p:nvPr>
+            <p:ph type="title"/>
+          </p:nvPr>
+        </p:nvSpPr>
+        <p:spPr/>
+        <p:txBody>
+          <a:bodyPr>
+            <a:normAutofit/>
+          </a:bodyPr>
+          <a:lstStyle/>
+          <a:p>
+            <a:pPr rtl="0" eaLnBrk="1" latinLnBrk="0" hangingPunct="1"/>
+            <a:r>
+              <a:rPr lang="en-US" sz="3600" b="0" i="0" kern="1200" baseline="0" dirty="0">
+                <a:solidFill>
+                  <a:schemeClr val="tx1">
+                    <a:lumMod val="85000"/>
+                    <a:lumOff val="15000"/>
+                  </a:schemeClr>
+                </a:solidFill>
+                <a:effectLst/>
+                <a:latin typeface="+mj-lt"/>
+                <a:ea typeface="+mj-ea"/>
+                <a:cs typeface="+mj-cs"/>
+              </a:rPr>
+              <a:t>Procedure</a:t>
+            </a:r>
+            <a:endParaRPr lang="en-US" sz="4400" dirty="0">
+              <a:effectLst/>
+            </a:endParaRPr>
+          </a:p>
+        </p:txBody>
+      </p:sp>
+      <p:sp>
+        <p:nvSpPr>
+          <p:cNvPr id="3" name="Content Placeholder 2">
+            <a:extLst>
+              <a:ext uri="{FF2B5EF4-FFF2-40B4-BE49-F238E27FC236}">
+                <a16:creationId xmlns:a16="http://schemas.microsoft.com/office/drawing/2014/main" id="{044B4F6E-A639-47F4-91A5-68807265D618}"/>
+              </a:ext>
+            </a:extLst>
+          </p:cNvPr>
+          <p:cNvSpPr>
+            <a:spLocks noGrp="1"/>
+          </p:cNvSpPr>
+          <p:nvPr>
+            <p:ph idx="1"/>
+          </p:nvPr>
+        </p:nvSpPr>
+        <p:spPr>
+          <a:xfrm>
+            <a:off x="2589211" y="1451113"/>
+            <a:ext cx="9079327" cy="5068957"/>
+          </a:xfrm>
+        </p:spPr>
+        <p:txBody>
+          <a:bodyPr/>
+          <a:lstStyle/>
+          <a:p>
+            <a:endParaRPr lang="en-US" dirty="0"/>
+          </a:p>
+        </p:txBody>
+      </p:sp>
+    </p:spTree>
+    <p:extLst>
+      <p:ext uri="{BB962C8B-B14F-4D97-AF65-F5344CB8AC3E}">
+        <p14:creationId xmlns:p14="http://schemas.microsoft.com/office/powerpoint/2010/main" val="3600086102"/>
+      </p:ext>
+    </p:extLst>
+  </p:cSld>
+  <p:clrMapOvr>
+    <a:masterClrMapping/>
+  </p:clrMapOvr>
+</p:sld>
+</file>
+
+<file path=ppt/slides/slide18.xml><?xml version="1.0" encoding="utf-8"?>
+<p:sld xmlns:a="http://schemas.openxmlformats.org/drawingml/2006/main" xmlns:r="http://schemas.openxmlformats.org/officeDocument/2006/relationships" xmlns:p="http://schemas.openxmlformats.org/presentationml/2006/main">
+  <p:cSld>
+    <p:spTree>
+      <p:nvGrpSpPr>
+        <p:cNvPr id="1" name=""/>
+        <p:cNvGrpSpPr/>
+        <p:nvPr/>
+      </p:nvGrpSpPr>
+      <p:grpSpPr>
+        <a:xfrm>
+          <a:off x="0" y="0"/>
+          <a:ext cx="0" cy="0"/>
+          <a:chOff x="0" y="0"/>
+          <a:chExt cx="0" cy="0"/>
+        </a:xfrm>
+      </p:grpSpPr>
+      <p:sp>
+        <p:nvSpPr>
+          <p:cNvPr id="2" name="Title 1">
+            <a:extLst>
+              <a:ext uri="{FF2B5EF4-FFF2-40B4-BE49-F238E27FC236}">
+                <a16:creationId xmlns:a16="http://schemas.microsoft.com/office/drawing/2014/main" id="{9C5E42EE-EA5D-4203-B1EC-B96B68D2A8EA}"/>
+              </a:ext>
+            </a:extLst>
+          </p:cNvPr>
+          <p:cNvSpPr>
+            <a:spLocks noGrp="1"/>
+          </p:cNvSpPr>
+          <p:nvPr>
+            <p:ph type="title"/>
+          </p:nvPr>
+        </p:nvSpPr>
+        <p:spPr/>
+        <p:txBody>
+          <a:bodyPr>
+            <a:normAutofit/>
+          </a:bodyPr>
+          <a:lstStyle/>
+          <a:p>
+            <a:pPr rtl="0" eaLnBrk="1" latinLnBrk="0" hangingPunct="1"/>
+            <a:r>
+              <a:rPr lang="en-US" sz="3600" b="0" i="0" kern="1200" baseline="0" dirty="0">
+                <a:solidFill>
+                  <a:schemeClr val="tx1">
+                    <a:lumMod val="85000"/>
+                    <a:lumOff val="15000"/>
+                  </a:schemeClr>
+                </a:solidFill>
+                <a:effectLst/>
+                <a:latin typeface="+mj-lt"/>
+                <a:ea typeface="+mj-ea"/>
+                <a:cs typeface="+mj-cs"/>
+              </a:rPr>
+              <a:t>Pivotal Value Statement </a:t>
+            </a:r>
+            <a:endParaRPr lang="en-US" sz="4400" dirty="0">
+              <a:effectLst/>
+            </a:endParaRPr>
+          </a:p>
+        </p:txBody>
+      </p:sp>
+      <p:sp>
+        <p:nvSpPr>
+          <p:cNvPr id="3" name="Content Placeholder 2">
+            <a:extLst>
+              <a:ext uri="{FF2B5EF4-FFF2-40B4-BE49-F238E27FC236}">
+                <a16:creationId xmlns:a16="http://schemas.microsoft.com/office/drawing/2014/main" id="{044B4F6E-A639-47F4-91A5-68807265D618}"/>
+              </a:ext>
+            </a:extLst>
+          </p:cNvPr>
+          <p:cNvSpPr>
+            <a:spLocks noGrp="1"/>
+          </p:cNvSpPr>
+          <p:nvPr>
+            <p:ph idx="1"/>
+          </p:nvPr>
+        </p:nvSpPr>
+        <p:spPr>
+          <a:xfrm>
+            <a:off x="2589211" y="1451113"/>
+            <a:ext cx="9079327" cy="5068957"/>
+          </a:xfrm>
+        </p:spPr>
+        <p:txBody>
+          <a:bodyPr/>
+          <a:lstStyle/>
+          <a:p>
+            <a:endParaRPr lang="en-US" dirty="0"/>
+          </a:p>
+        </p:txBody>
+      </p:sp>
+    </p:spTree>
+    <p:extLst>
+      <p:ext uri="{BB962C8B-B14F-4D97-AF65-F5344CB8AC3E}">
+        <p14:creationId xmlns:p14="http://schemas.microsoft.com/office/powerpoint/2010/main" val="3071141420"/>
+      </p:ext>
+    </p:extLst>
+  </p:cSld>
+  <p:clrMapOvr>
+    <a:masterClrMapping/>
+  </p:clrMapOvr>
+</p:sld>
+</file>
+
+<file path=ppt/slides/slide19.xml><?xml version="1.0" encoding="utf-8"?>
+<p:sld xmlns:a="http://schemas.openxmlformats.org/drawingml/2006/main" xmlns:r="http://schemas.openxmlformats.org/officeDocument/2006/relationships" xmlns:p="http://schemas.openxmlformats.org/presentationml/2006/main">
+  <p:cSld>
+    <p:spTree>
+      <p:nvGrpSpPr>
+        <p:cNvPr id="1" name=""/>
+        <p:cNvGrpSpPr/>
+        <p:nvPr/>
+      </p:nvGrpSpPr>
+      <p:grpSpPr>
+        <a:xfrm>
+          <a:off x="0" y="0"/>
+          <a:ext cx="0" cy="0"/>
+          <a:chOff x="0" y="0"/>
+          <a:chExt cx="0" cy="0"/>
+        </a:xfrm>
+      </p:grpSpPr>
+      <p:sp>
+        <p:nvSpPr>
+          <p:cNvPr id="2" name="Title 1">
+            <a:extLst>
+              <a:ext uri="{FF2B5EF4-FFF2-40B4-BE49-F238E27FC236}">
+                <a16:creationId xmlns:a16="http://schemas.microsoft.com/office/drawing/2014/main" id="{9C5E42EE-EA5D-4203-B1EC-B96B68D2A8EA}"/>
+              </a:ext>
+            </a:extLst>
+          </p:cNvPr>
+          <p:cNvSpPr>
+            <a:spLocks noGrp="1"/>
+          </p:cNvSpPr>
+          <p:nvPr>
+            <p:ph type="title"/>
+          </p:nvPr>
+        </p:nvSpPr>
+        <p:spPr/>
+        <p:txBody>
+          <a:bodyPr>
+            <a:normAutofit/>
+          </a:bodyPr>
+          <a:lstStyle/>
+          <a:p>
+            <a:pPr marL="0" marR="0" lvl="0" indent="0" algn="l" defTabSz="457200" rtl="0" eaLnBrk="1" fontAlgn="auto" latinLnBrk="0" hangingPunct="1">
+              <a:lnSpc>
+                <a:spcPct val="100000"/>
+              </a:lnSpc>
+              <a:spcBef>
+                <a:spcPct val="0"/>
+              </a:spcBef>
+              <a:spcAft>
+                <a:spcPts val="0"/>
+              </a:spcAft>
+              <a:buClrTx/>
+              <a:buSzTx/>
+              <a:buFontTx/>
+              <a:buNone/>
+              <a:tabLst/>
+              <a:defRPr/>
+            </a:pPr>
+            <a:r>
+              <a:rPr lang="en-US" sz="3600" kern="1200" dirty="0">
+                <a:solidFill>
+                  <a:schemeClr val="tx1">
+                    <a:lumMod val="85000"/>
+                    <a:lumOff val="15000"/>
+                  </a:schemeClr>
+                </a:solidFill>
+                <a:effectLst/>
+                <a:latin typeface="+mj-lt"/>
+                <a:ea typeface="+mj-ea"/>
+                <a:cs typeface="+mj-cs"/>
+              </a:rPr>
+              <a:t>_Notes_</a:t>
+            </a:r>
+            <a:endParaRPr lang="en-US" dirty="0">
+              <a:effectLst/>
+            </a:endParaRPr>
+          </a:p>
+        </p:txBody>
+      </p:sp>
+      <p:sp>
+        <p:nvSpPr>
+          <p:cNvPr id="3" name="Content Placeholder 2">
+            <a:extLst>
+              <a:ext uri="{FF2B5EF4-FFF2-40B4-BE49-F238E27FC236}">
+                <a16:creationId xmlns:a16="http://schemas.microsoft.com/office/drawing/2014/main" id="{044B4F6E-A639-47F4-91A5-68807265D618}"/>
+              </a:ext>
+            </a:extLst>
+          </p:cNvPr>
+          <p:cNvSpPr>
+            <a:spLocks noGrp="1"/>
+          </p:cNvSpPr>
+          <p:nvPr>
+            <p:ph idx="1"/>
+          </p:nvPr>
+        </p:nvSpPr>
+        <p:spPr>
+          <a:xfrm>
+            <a:off x="2589211" y="1451113"/>
+            <a:ext cx="9079327" cy="5068957"/>
+          </a:xfrm>
+        </p:spPr>
+        <p:txBody>
+          <a:bodyPr/>
+          <a:lstStyle/>
+          <a:p>
+            <a:r>
+              <a:rPr lang="en-US" dirty="0"/>
+              <a:t>[1] </a:t>
+            </a:r>
+            <a:r>
+              <a:rPr lang="en-US" dirty="0">
+                <a:hlinkClick r:id="rId3"/>
+              </a:rPr>
+              <a:t>Feather - A complete line of development boards from Adafruit that are both standalone and stackable</a:t>
+            </a:r>
+            <a:endParaRPr lang="en-US" dirty="0"/>
+          </a:p>
+        </p:txBody>
+      </p:sp>
+    </p:spTree>
+    <p:extLst>
+      <p:ext uri="{BB962C8B-B14F-4D97-AF65-F5344CB8AC3E}">
+        <p14:creationId xmlns:p14="http://schemas.microsoft.com/office/powerpoint/2010/main" val="3976643547"/>
+      </p:ext>
+    </p:extLst>
+  </p:cSld>
+  <p:clrMapOvr>
+    <a:masterClrMapping/>
+  </p:clrMapOvr>
+</p:sld>
+</file>
+
+<file path=ppt/slides/slide2.xml><?xml version="1.0" encoding="utf-8"?>
+<p:sld xmlns:a="http://schemas.openxmlformats.org/drawingml/2006/main" xmlns:r="http://schemas.openxmlformats.org/officeDocument/2006/relationships" xmlns:p="http://schemas.openxmlformats.org/presentationml/2006/main">
+  <p:cSld>
+    <p:spTree>
+      <p:nvGrpSpPr>
+        <p:cNvPr id="1" name=""/>
+        <p:cNvGrpSpPr/>
+        <p:nvPr/>
+      </p:nvGrpSpPr>
+      <p:grpSpPr>
+        <a:xfrm>
+          <a:off x="0" y="0"/>
+          <a:ext cx="0" cy="0"/>
+          <a:chOff x="0" y="0"/>
+          <a:chExt cx="0" cy="0"/>
+        </a:xfrm>
+      </p:grpSpPr>
+      <p:sp>
+        <p:nvSpPr>
+          <p:cNvPr id="2" name="Title 1">
+            <a:extLst>
+              <a:ext uri="{FF2B5EF4-FFF2-40B4-BE49-F238E27FC236}">
+                <a16:creationId xmlns:a16="http://schemas.microsoft.com/office/drawing/2014/main" id="{9C5E42EE-EA5D-4203-B1EC-B96B68D2A8EA}"/>
+              </a:ext>
+            </a:extLst>
+          </p:cNvPr>
+          <p:cNvSpPr>
+            <a:spLocks noGrp="1"/>
+          </p:cNvSpPr>
+          <p:nvPr>
+            <p:ph type="title"/>
+          </p:nvPr>
+        </p:nvSpPr>
+        <p:spPr/>
+        <p:txBody>
+          <a:bodyPr>
+            <a:normAutofit/>
+          </a:bodyPr>
+          <a:lstStyle/>
+          <a:p>
+            <a:r>
+              <a:rPr lang="en-US" b="0" i="0" u="none" strike="noStrike" kern="1200" baseline="0" dirty="0">
+                <a:solidFill>
+                  <a:schemeClr val="tx1"/>
+                </a:solidFill>
+                <a:latin typeface="+mj-lt"/>
+                <a:ea typeface="+mj-ea"/>
+                <a:cs typeface="+mj-cs"/>
+              </a:rPr>
+              <a:t>Customer Request</a:t>
+            </a:r>
+            <a:endParaRPr lang="en-US" dirty="0"/>
+          </a:p>
+        </p:txBody>
+      </p:sp>
+      <p:sp>
+        <p:nvSpPr>
+          <p:cNvPr id="3" name="Content Placeholder 2">
+            <a:extLst>
+              <a:ext uri="{FF2B5EF4-FFF2-40B4-BE49-F238E27FC236}">
+                <a16:creationId xmlns:a16="http://schemas.microsoft.com/office/drawing/2014/main" id="{044B4F6E-A639-47F4-91A5-68807265D618}"/>
+              </a:ext>
+            </a:extLst>
+          </p:cNvPr>
+          <p:cNvSpPr>
+            <a:spLocks noGrp="1"/>
+          </p:cNvSpPr>
+          <p:nvPr>
+            <p:ph idx="1"/>
+          </p:nvPr>
+        </p:nvSpPr>
+        <p:spPr>
+          <a:xfrm>
+            <a:off x="2589211" y="1451113"/>
+            <a:ext cx="9079327" cy="5068957"/>
+          </a:xfrm>
+        </p:spPr>
+        <p:txBody>
+          <a:bodyPr/>
+          <a:lstStyle/>
+          <a:p>
+            <a:r>
+              <a:rPr lang="en-US" dirty="0"/>
+              <a:t>Novel embedded device work with esteemed peer</a:t>
+            </a:r>
+          </a:p>
+          <a:p>
+            <a:pPr lvl="1"/>
+            <a:r>
+              <a:rPr lang="en-US" dirty="0"/>
+              <a:t>DTECTS for Ergsense</a:t>
+            </a:r>
+          </a:p>
+          <a:p>
+            <a:r>
+              <a:rPr lang="en-US" dirty="0"/>
+              <a:t>Stabilization &amp; path forward</a:t>
+            </a:r>
+          </a:p>
+          <a:p>
+            <a:pPr lvl="1"/>
+            <a:r>
+              <a:rPr lang="en-US" dirty="0"/>
+              <a:t>Firmware Architecture &amp; Path to Market</a:t>
+            </a:r>
+          </a:p>
+          <a:p>
+            <a:pPr lvl="1"/>
+            <a:r>
+              <a:rPr lang="en-US" dirty="0"/>
+              <a:t>Board Revisions</a:t>
+            </a:r>
+          </a:p>
+          <a:p>
+            <a:pPr lvl="1"/>
+            <a:r>
+              <a:rPr lang="en-US" dirty="0"/>
+              <a:t>Feature Integration &amp; Design Simplification</a:t>
+            </a:r>
+          </a:p>
+          <a:p>
+            <a:r>
+              <a:rPr lang="en-US" dirty="0"/>
+              <a:t>Shared</a:t>
+            </a:r>
+          </a:p>
+          <a:p>
+            <a:pPr lvl="1"/>
+            <a:r>
+              <a:rPr lang="en-US" dirty="0"/>
+              <a:t>Contract Identified</a:t>
+            </a:r>
+          </a:p>
+          <a:p>
+            <a:pPr lvl="1"/>
+            <a:r>
+              <a:rPr lang="en-US" dirty="0"/>
+              <a:t>Work Selection</a:t>
+            </a:r>
+          </a:p>
+        </p:txBody>
+      </p:sp>
+    </p:spTree>
+    <p:extLst>
+      <p:ext uri="{BB962C8B-B14F-4D97-AF65-F5344CB8AC3E}">
+        <p14:creationId xmlns:p14="http://schemas.microsoft.com/office/powerpoint/2010/main" val="536683639"/>
+      </p:ext>
+    </p:extLst>
+  </p:cSld>
+  <p:clrMapOvr>
+    <a:masterClrMapping/>
+  </p:clrMapOvr>
+</p:sld>
+</file>
+
+<file path=ppt/slides/slide3.xml><?xml version="1.0" encoding="utf-8"?>
+<p:sld xmlns:a="http://schemas.openxmlformats.org/drawingml/2006/main" xmlns:r="http://schemas.openxmlformats.org/officeDocument/2006/relationships" xmlns:p="http://schemas.openxmlformats.org/presentationml/2006/main">
+  <p:cSld>
+    <p:spTree>
+      <p:nvGrpSpPr>
+        <p:cNvPr id="1" name=""/>
+        <p:cNvGrpSpPr/>
+        <p:nvPr/>
+      </p:nvGrpSpPr>
+      <p:grpSpPr>
+        <a:xfrm>
+          <a:off x="0" y="0"/>
+          <a:ext cx="0" cy="0"/>
+          <a:chOff x="0" y="0"/>
+          <a:chExt cx="0" cy="0"/>
+        </a:xfrm>
+      </p:grpSpPr>
+      <p:sp>
+        <p:nvSpPr>
+          <p:cNvPr id="2" name="Title 1">
+            <a:extLst>
+              <a:ext uri="{FF2B5EF4-FFF2-40B4-BE49-F238E27FC236}">
+                <a16:creationId xmlns:a16="http://schemas.microsoft.com/office/drawing/2014/main" id="{9C5E42EE-EA5D-4203-B1EC-B96B68D2A8EA}"/>
+              </a:ext>
+            </a:extLst>
+          </p:cNvPr>
+          <p:cNvSpPr>
+            <a:spLocks noGrp="1"/>
+          </p:cNvSpPr>
+          <p:nvPr>
+            <p:ph type="title"/>
+          </p:nvPr>
+        </p:nvSpPr>
+        <p:spPr/>
+        <p:txBody>
+          <a:bodyPr>
+            <a:normAutofit/>
+          </a:bodyPr>
+          <a:lstStyle/>
+          <a:p>
+            <a:r>
+              <a:rPr lang="en-US" kern="1200" dirty="0">
+                <a:solidFill>
+                  <a:schemeClr val="tx1">
+                    <a:lumMod val="85000"/>
+                    <a:lumOff val="15000"/>
+                  </a:schemeClr>
+                </a:solidFill>
+                <a:effectLst/>
+                <a:latin typeface="+mj-lt"/>
+                <a:ea typeface="+mj-ea"/>
+                <a:cs typeface="+mj-cs"/>
+              </a:rPr>
+              <a:t>Feather Opportunities</a:t>
+            </a:r>
+            <a:endParaRPr lang="en-US" dirty="0"/>
+          </a:p>
+        </p:txBody>
+      </p:sp>
+      <p:sp>
+        <p:nvSpPr>
+          <p:cNvPr id="3" name="Content Placeholder 2">
+            <a:extLst>
+              <a:ext uri="{FF2B5EF4-FFF2-40B4-BE49-F238E27FC236}">
+                <a16:creationId xmlns:a16="http://schemas.microsoft.com/office/drawing/2014/main" id="{044B4F6E-A639-47F4-91A5-68807265D618}"/>
+              </a:ext>
+            </a:extLst>
+          </p:cNvPr>
+          <p:cNvSpPr>
+            <a:spLocks noGrp="1"/>
+          </p:cNvSpPr>
+          <p:nvPr>
+            <p:ph idx="1"/>
+          </p:nvPr>
+        </p:nvSpPr>
+        <p:spPr>
+          <a:xfrm>
+            <a:off x="2589211" y="1451113"/>
+            <a:ext cx="9079327" cy="5068957"/>
+          </a:xfrm>
+        </p:spPr>
+        <p:txBody>
+          <a:bodyPr/>
+          <a:lstStyle/>
+          <a:p>
+            <a:r>
+              <a:rPr lang="en-US" dirty="0"/>
+              <a:t>Cross-compatible platform spanning several vendors, use cases &amp; solutions</a:t>
+            </a:r>
+          </a:p>
+          <a:p>
+            <a:pPr lvl="1"/>
+            <a:r>
+              <a:rPr lang="en-US" dirty="0"/>
+              <a:t>Picture of Hats or Feather options</a:t>
+            </a:r>
+          </a:p>
+          <a:p>
+            <a:pPr lvl="1"/>
+            <a:r>
+              <a:rPr lang="en-US" dirty="0"/>
+              <a:t>What feature or family do you need, they’ve got it w/example</a:t>
+            </a:r>
+          </a:p>
+          <a:p>
+            <a:r>
+              <a:rPr lang="en-US" dirty="0"/>
+              <a:t>A leading expression platform at present</a:t>
+            </a:r>
+          </a:p>
+          <a:p>
+            <a:pPr lvl="1"/>
+            <a:r>
+              <a:rPr lang="en-US" dirty="0"/>
+              <a:t>Enables idea generation and investigation by large audience</a:t>
+            </a:r>
+          </a:p>
+          <a:p>
+            <a:pPr lvl="1"/>
+            <a:r>
+              <a:rPr lang="en-US" dirty="0"/>
+              <a:t>Like the DTECTS platform with Ergsense, enabling real-time monitoring of electrical motors</a:t>
+            </a:r>
+          </a:p>
+          <a:p>
+            <a:pPr lvl="1"/>
+            <a:r>
+              <a:rPr lang="en-US" dirty="0"/>
+              <a:t>With academic physics experimentation, chemistry monitoring or computer science embedded user interfaces for example</a:t>
+            </a:r>
+          </a:p>
+          <a:p>
+            <a:pPr lvl="1"/>
+            <a:r>
+              <a:rPr lang="en-US" dirty="0"/>
+              <a:t>In industry with PoC examination &amp; formulation (e.g. grain moisture detection)</a:t>
+            </a:r>
+          </a:p>
+          <a:p>
+            <a:r>
+              <a:rPr lang="en-US" dirty="0"/>
+              <a:t>This platform genre is maturing</a:t>
+            </a:r>
+          </a:p>
+          <a:p>
+            <a:pPr lvl="1"/>
+            <a:r>
+              <a:rPr lang="en-US" dirty="0"/>
+              <a:t>Integration into later stages of product design &amp; release</a:t>
+            </a:r>
+          </a:p>
+          <a:p>
+            <a:pPr lvl="1"/>
+            <a:r>
+              <a:rPr lang="en-US" dirty="0"/>
+              <a:t>Arduino, Feather, Particle, etc.</a:t>
+            </a:r>
+          </a:p>
+        </p:txBody>
+      </p:sp>
+      <p:sp>
+        <p:nvSpPr>
+          <p:cNvPr id="4" name="TextBox 3">
+            <a:extLst>
+              <a:ext uri="{FF2B5EF4-FFF2-40B4-BE49-F238E27FC236}">
+                <a16:creationId xmlns:a16="http://schemas.microsoft.com/office/drawing/2014/main" id="{790809A5-49C1-4088-8A82-6305D423F75D}"/>
+              </a:ext>
+            </a:extLst>
+          </p:cNvPr>
+          <p:cNvSpPr txBox="1"/>
+          <p:nvPr/>
+        </p:nvSpPr>
+        <p:spPr>
+          <a:xfrm>
+            <a:off x="6448098" y="6117021"/>
+            <a:ext cx="5376042" cy="523220"/>
+          </a:xfrm>
+          <a:prstGeom prst="rect">
+            <a:avLst/>
+          </a:prstGeom>
+          <a:noFill/>
+        </p:spPr>
+        <p:txBody>
+          <a:bodyPr wrap="square" rtlCol="0">
+            <a:spAutoFit/>
+          </a:bodyPr>
+          <a:lstStyle/>
+          <a:p>
+            <a:pPr algn="ctr"/>
+            <a:r>
+              <a:rPr lang="en-US" sz="1400" dirty="0"/>
+              <a:t>"At its core, the Adafruit Feather is a complete ecosystem of products - and the best way to get your project flying” </a:t>
+            </a:r>
+            <a:r>
+              <a:rPr lang="en-US" sz="1400" dirty="0">
+                <a:hlinkClick r:id="rId3"/>
+              </a:rPr>
+              <a:t>[1]</a:t>
+            </a:r>
+            <a:endParaRPr lang="en-US" sz="1400" dirty="0"/>
+          </a:p>
+        </p:txBody>
+      </p:sp>
+    </p:spTree>
+    <p:extLst>
+      <p:ext uri="{BB962C8B-B14F-4D97-AF65-F5344CB8AC3E}">
+        <p14:creationId xmlns:p14="http://schemas.microsoft.com/office/powerpoint/2010/main" val="906578158"/>
+      </p:ext>
+    </p:extLst>
+  </p:cSld>
+  <p:clrMapOvr>
+    <a:masterClrMapping/>
+  </p:clrMapOvr>
+</p:sld>
+</file>
+
+<file path=ppt/slides/slide4.xml><?xml version="1.0" encoding="utf-8"?>
+<p:sld xmlns:a="http://schemas.openxmlformats.org/drawingml/2006/main" xmlns:r="http://schemas.openxmlformats.org/officeDocument/2006/relationships" xmlns:p="http://schemas.openxmlformats.org/presentationml/2006/main">
+  <p:cSld>
+    <p:spTree>
+      <p:nvGrpSpPr>
+        <p:cNvPr id="1" name=""/>
+        <p:cNvGrpSpPr/>
+        <p:nvPr/>
+      </p:nvGrpSpPr>
+      <p:grpSpPr>
+        <a:xfrm>
+          <a:off x="0" y="0"/>
+          <a:ext cx="0" cy="0"/>
+          <a:chOff x="0" y="0"/>
+          <a:chExt cx="0" cy="0"/>
+        </a:xfrm>
+      </p:grpSpPr>
+      <p:sp>
+        <p:nvSpPr>
+          <p:cNvPr id="2" name="Title 1">
+            <a:extLst>
+              <a:ext uri="{FF2B5EF4-FFF2-40B4-BE49-F238E27FC236}">
+                <a16:creationId xmlns:a16="http://schemas.microsoft.com/office/drawing/2014/main" id="{9C5E42EE-EA5D-4203-B1EC-B96B68D2A8EA}"/>
+              </a:ext>
+            </a:extLst>
+          </p:cNvPr>
+          <p:cNvSpPr>
+            <a:spLocks noGrp="1"/>
+          </p:cNvSpPr>
+          <p:nvPr>
+            <p:ph type="title"/>
+          </p:nvPr>
+        </p:nvSpPr>
+        <p:spPr/>
+        <p:txBody>
+          <a:bodyPr>
+            <a:normAutofit/>
+          </a:bodyPr>
+          <a:lstStyle/>
+          <a:p>
+            <a:pPr rtl="0" eaLnBrk="1" latinLnBrk="0" hangingPunct="1"/>
+            <a:r>
+              <a:rPr lang="en-US" sz="3600" b="0" i="0" kern="1200" baseline="0" dirty="0">
+                <a:solidFill>
+                  <a:schemeClr val="tx1">
+                    <a:lumMod val="85000"/>
+                    <a:lumOff val="15000"/>
+                  </a:schemeClr>
+                </a:solidFill>
+                <a:effectLst/>
+                <a:latin typeface="+mj-lt"/>
+                <a:ea typeface="+mj-ea"/>
+                <a:cs typeface="+mj-cs"/>
+              </a:rPr>
+              <a:t>Design Procedure (2)</a:t>
+            </a:r>
+            <a:endParaRPr lang="en-US" sz="4400" dirty="0">
+              <a:effectLst/>
+            </a:endParaRPr>
+          </a:p>
+        </p:txBody>
+      </p:sp>
+      <p:sp>
+        <p:nvSpPr>
+          <p:cNvPr id="3" name="Content Placeholder 2">
+            <a:extLst>
+              <a:ext uri="{FF2B5EF4-FFF2-40B4-BE49-F238E27FC236}">
+                <a16:creationId xmlns:a16="http://schemas.microsoft.com/office/drawing/2014/main" id="{044B4F6E-A639-47F4-91A5-68807265D618}"/>
+              </a:ext>
+            </a:extLst>
+          </p:cNvPr>
+          <p:cNvSpPr>
+            <a:spLocks noGrp="1"/>
+          </p:cNvSpPr>
+          <p:nvPr>
+            <p:ph idx="1"/>
+          </p:nvPr>
+        </p:nvSpPr>
+        <p:spPr>
+          <a:xfrm>
+            <a:off x="2589211" y="1451113"/>
+            <a:ext cx="9079327" cy="5068957"/>
+          </a:xfrm>
+        </p:spPr>
+        <p:txBody>
+          <a:bodyPr/>
+          <a:lstStyle/>
+          <a:p>
+            <a:endParaRPr lang="en-US" dirty="0"/>
+          </a:p>
+        </p:txBody>
+      </p:sp>
+    </p:spTree>
+    <p:extLst>
+      <p:ext uri="{BB962C8B-B14F-4D97-AF65-F5344CB8AC3E}">
+        <p14:creationId xmlns:p14="http://schemas.microsoft.com/office/powerpoint/2010/main" val="306193403"/>
+      </p:ext>
+    </p:extLst>
+  </p:cSld>
+  <p:clrMapOvr>
+    <a:masterClrMapping/>
+  </p:clrMapOvr>
+</p:sld>
+</file>
+
+<file path=ppt/slides/slide5.xml><?xml version="1.0" encoding="utf-8"?>
+<p:sld xmlns:a="http://schemas.openxmlformats.org/drawingml/2006/main" xmlns:r="http://schemas.openxmlformats.org/officeDocument/2006/relationships" xmlns:p="http://schemas.openxmlformats.org/presentationml/2006/main">
+  <p:cSld>
+    <p:spTree>
+      <p:nvGrpSpPr>
+        <p:cNvPr id="1" name=""/>
+        <p:cNvGrpSpPr/>
+        <p:nvPr/>
+      </p:nvGrpSpPr>
+      <p:grpSpPr>
+        <a:xfrm>
+          <a:off x="0" y="0"/>
+          <a:ext cx="0" cy="0"/>
+          <a:chOff x="0" y="0"/>
+          <a:chExt cx="0" cy="0"/>
+        </a:xfrm>
+      </p:grpSpPr>
+      <p:sp>
+        <p:nvSpPr>
+          <p:cNvPr id="2" name="Title 1">
+            <a:extLst>
+              <a:ext uri="{FF2B5EF4-FFF2-40B4-BE49-F238E27FC236}">
+                <a16:creationId xmlns:a16="http://schemas.microsoft.com/office/drawing/2014/main" id="{9C5E42EE-EA5D-4203-B1EC-B96B68D2A8EA}"/>
+              </a:ext>
+            </a:extLst>
+          </p:cNvPr>
+          <p:cNvSpPr>
+            <a:spLocks noGrp="1"/>
+          </p:cNvSpPr>
+          <p:nvPr>
+            <p:ph type="title"/>
+          </p:nvPr>
+        </p:nvSpPr>
+        <p:spPr/>
+        <p:txBody>
+          <a:bodyPr>
+            <a:normAutofit/>
+          </a:bodyPr>
+          <a:lstStyle/>
+          <a:p>
+            <a:pPr rtl="0" eaLnBrk="1" latinLnBrk="0" hangingPunct="1"/>
+            <a:r>
+              <a:rPr lang="en-US" sz="3600" b="0" i="0" kern="1200" baseline="0" dirty="0">
+                <a:solidFill>
+                  <a:schemeClr val="tx1">
+                    <a:lumMod val="85000"/>
+                    <a:lumOff val="15000"/>
+                  </a:schemeClr>
+                </a:solidFill>
+                <a:effectLst/>
+                <a:latin typeface="+mj-lt"/>
+                <a:ea typeface="+mj-ea"/>
+                <a:cs typeface="+mj-cs"/>
+              </a:rPr>
+              <a:t>Development Methodology (3)</a:t>
+            </a:r>
+            <a:endParaRPr lang="en-US" sz="4400" dirty="0">
+              <a:effectLst/>
+            </a:endParaRPr>
+          </a:p>
+        </p:txBody>
+      </p:sp>
+      <p:sp>
+        <p:nvSpPr>
+          <p:cNvPr id="3" name="Content Placeholder 2">
+            <a:extLst>
+              <a:ext uri="{FF2B5EF4-FFF2-40B4-BE49-F238E27FC236}">
+                <a16:creationId xmlns:a16="http://schemas.microsoft.com/office/drawing/2014/main" id="{044B4F6E-A639-47F4-91A5-68807265D618}"/>
+              </a:ext>
+            </a:extLst>
+          </p:cNvPr>
+          <p:cNvSpPr>
+            <a:spLocks noGrp="1"/>
+          </p:cNvSpPr>
+          <p:nvPr>
+            <p:ph idx="1"/>
+          </p:nvPr>
+        </p:nvSpPr>
+        <p:spPr>
+          <a:xfrm>
+            <a:off x="2589211" y="1451113"/>
+            <a:ext cx="9079327" cy="5068957"/>
+          </a:xfrm>
+        </p:spPr>
+        <p:txBody>
+          <a:bodyPr/>
+          <a:lstStyle/>
+          <a:p>
+            <a:endParaRPr lang="en-US" dirty="0"/>
+          </a:p>
+        </p:txBody>
+      </p:sp>
+    </p:spTree>
+    <p:extLst>
+      <p:ext uri="{BB962C8B-B14F-4D97-AF65-F5344CB8AC3E}">
+        <p14:creationId xmlns:p14="http://schemas.microsoft.com/office/powerpoint/2010/main" val="1317707174"/>
+      </p:ext>
+    </p:extLst>
+  </p:cSld>
+  <p:clrMapOvr>
+    <a:masterClrMapping/>
+  </p:clrMapOvr>
+</p:sld>
+</file>
+
+<file path=ppt/slides/slide6.xml><?xml version="1.0" encoding="utf-8"?>
+<p:sld xmlns:a="http://schemas.openxmlformats.org/drawingml/2006/main" xmlns:r="http://schemas.openxmlformats.org/officeDocument/2006/relationships" xmlns:p="http://schemas.openxmlformats.org/presentationml/2006/main">
+  <p:cSld>
+    <p:spTree>
+      <p:nvGrpSpPr>
+        <p:cNvPr id="1" name=""/>
+        <p:cNvGrpSpPr/>
+        <p:nvPr/>
+      </p:nvGrpSpPr>
+      <p:grpSpPr>
+        <a:xfrm>
+          <a:off x="0" y="0"/>
+          <a:ext cx="0" cy="0"/>
+          <a:chOff x="0" y="0"/>
+          <a:chExt cx="0" cy="0"/>
+        </a:xfrm>
+      </p:grpSpPr>
+      <p:sp>
+        <p:nvSpPr>
+          <p:cNvPr id="2" name="Title 1">
+            <a:extLst>
+              <a:ext uri="{FF2B5EF4-FFF2-40B4-BE49-F238E27FC236}">
+                <a16:creationId xmlns:a16="http://schemas.microsoft.com/office/drawing/2014/main" id="{9C5E42EE-EA5D-4203-B1EC-B96B68D2A8EA}"/>
+              </a:ext>
+            </a:extLst>
+          </p:cNvPr>
+          <p:cNvSpPr>
+            <a:spLocks noGrp="1"/>
+          </p:cNvSpPr>
+          <p:nvPr>
+            <p:ph type="title"/>
+          </p:nvPr>
+        </p:nvSpPr>
+        <p:spPr/>
+        <p:txBody>
+          <a:bodyPr>
+            <a:normAutofit/>
+          </a:bodyPr>
+          <a:lstStyle/>
+          <a:p>
+            <a:pPr rtl="0" eaLnBrk="1" latinLnBrk="0" hangingPunct="1"/>
+            <a:r>
+              <a:rPr lang="en-US" sz="3600" b="0" i="0" kern="1200" baseline="0" dirty="0">
+                <a:solidFill>
+                  <a:schemeClr val="tx1">
+                    <a:lumMod val="85000"/>
+                    <a:lumOff val="15000"/>
+                  </a:schemeClr>
+                </a:solidFill>
+                <a:effectLst/>
+                <a:latin typeface="+mj-lt"/>
+                <a:ea typeface="+mj-ea"/>
+                <a:cs typeface="+mj-cs"/>
+              </a:rPr>
+              <a:t>Development Methodology (3)</a:t>
+            </a:r>
+            <a:endParaRPr lang="en-US" sz="4400" dirty="0">
+              <a:effectLst/>
+            </a:endParaRPr>
+          </a:p>
+        </p:txBody>
+      </p:sp>
+      <p:sp>
+        <p:nvSpPr>
+          <p:cNvPr id="3" name="Content Placeholder 2">
+            <a:extLst>
+              <a:ext uri="{FF2B5EF4-FFF2-40B4-BE49-F238E27FC236}">
+                <a16:creationId xmlns:a16="http://schemas.microsoft.com/office/drawing/2014/main" id="{044B4F6E-A639-47F4-91A5-68807265D618}"/>
+              </a:ext>
+            </a:extLst>
+          </p:cNvPr>
+          <p:cNvSpPr>
+            <a:spLocks noGrp="1"/>
+          </p:cNvSpPr>
+          <p:nvPr>
+            <p:ph idx="1"/>
+          </p:nvPr>
+        </p:nvSpPr>
+        <p:spPr>
+          <a:xfrm>
+            <a:off x="2589211" y="1451113"/>
+            <a:ext cx="9079327" cy="5068957"/>
+          </a:xfrm>
+        </p:spPr>
+        <p:txBody>
+          <a:bodyPr/>
+          <a:lstStyle/>
+          <a:p>
+            <a:r>
+              <a:rPr lang="en-US" dirty="0"/>
+              <a:t>Revision Control</a:t>
+            </a:r>
+          </a:p>
+          <a:p>
+            <a:r>
+              <a:rPr lang="en-US" dirty="0"/>
+              <a:t>Clear segmentation of work with external team repository</a:t>
+            </a:r>
+          </a:p>
+        </p:txBody>
+      </p:sp>
+    </p:spTree>
+    <p:extLst>
+      <p:ext uri="{BB962C8B-B14F-4D97-AF65-F5344CB8AC3E}">
+        <p14:creationId xmlns:p14="http://schemas.microsoft.com/office/powerpoint/2010/main" val="3687405747"/>
       </p:ext>
     </p:extLst>
   </p:cSld>
@@ -11984,6 +13377,66 @@
           <a:chExt cx="0" cy="0"/>
         </a:xfrm>
       </p:grpSpPr>
+      <p:pic>
+        <p:nvPicPr>
+          <p:cNvPr id="33" name="Picture 32">
+            <a:extLst>
+              <a:ext uri="{FF2B5EF4-FFF2-40B4-BE49-F238E27FC236}">
+                <a16:creationId xmlns:a16="http://schemas.microsoft.com/office/drawing/2014/main" id="{546AE83E-17F4-4D13-ABBA-F8E23DA67304}"/>
+              </a:ext>
+            </a:extLst>
+          </p:cNvPr>
+          <p:cNvPicPr>
+            <a:picLocks noChangeAspect="1"/>
+          </p:cNvPicPr>
+          <p:nvPr/>
+        </p:nvPicPr>
+        <p:blipFill>
+          <a:blip r:embed="rId3"/>
+          <a:stretch>
+            <a:fillRect/>
+          </a:stretch>
+        </p:blipFill>
+        <p:spPr>
+          <a:xfrm>
+            <a:off x="3394476" y="1340939"/>
+            <a:ext cx="5403048" cy="4176122"/>
+          </a:xfrm>
+          <a:prstGeom prst="rect">
+            <a:avLst/>
+          </a:prstGeom>
+        </p:spPr>
+      </p:pic>
+      <p:pic>
+        <p:nvPicPr>
+          <p:cNvPr id="4" name="Picture 3">
+            <a:extLst>
+              <a:ext uri="{FF2B5EF4-FFF2-40B4-BE49-F238E27FC236}">
+                <a16:creationId xmlns:a16="http://schemas.microsoft.com/office/drawing/2014/main" id="{B1A8F2C2-3164-4BBF-A507-E98838837B8C}"/>
+              </a:ext>
+            </a:extLst>
+          </p:cNvPr>
+          <p:cNvPicPr>
+            <a:picLocks noChangeAspect="1"/>
+          </p:cNvPicPr>
+          <p:nvPr/>
+        </p:nvPicPr>
+        <p:blipFill>
+          <a:blip r:embed="rId4"/>
+          <a:stretch>
+            <a:fillRect/>
+          </a:stretch>
+        </p:blipFill>
+        <p:spPr>
+          <a:xfrm>
+            <a:off x="3394476" y="1340939"/>
+            <a:ext cx="5403048" cy="4176122"/>
+          </a:xfrm>
+          <a:prstGeom prst="rect">
+            <a:avLst/>
+          </a:prstGeom>
+        </p:spPr>
+      </p:pic>
       <p:sp>
         <p:nvSpPr>
           <p:cNvPr id="2" name="Title 1">
@@ -12021,7 +13474,7 @@
                 <a:ea typeface="+mj-ea"/>
                 <a:cs typeface="+mj-cs"/>
               </a:rPr>
-              <a:t>Overcome Challenges</a:t>
+              <a:t>DTECTS Project Layout</a:t>
             </a:r>
             <a:endParaRPr lang="en-US" sz="4400" dirty="0">
               <a:effectLst/>
@@ -12029,46 +13482,1288 @@
           </a:p>
         </p:txBody>
       </p:sp>
-      <p:sp>
-        <p:nvSpPr>
-          <p:cNvPr id="3" name="Content Placeholder 2">
+      <p:pic>
+        <p:nvPicPr>
+          <p:cNvPr id="7" name="Picture 6">
             <a:extLst>
               <a:ext uri="{FF2B5EF4-FFF2-40B4-BE49-F238E27FC236}">
-                <a16:creationId xmlns:a16="http://schemas.microsoft.com/office/drawing/2014/main" id="{044B4F6E-A639-47F4-91A5-68807265D618}"/>
+                <a16:creationId xmlns:a16="http://schemas.microsoft.com/office/drawing/2014/main" id="{BC5154C6-58F8-4FF2-B86D-2EFA14C9F2F7}"/>
               </a:ext>
             </a:extLst>
           </p:cNvPr>
-          <p:cNvSpPr>
-            <a:spLocks noGrp="1"/>
-          </p:cNvSpPr>
-          <p:nvPr>
-            <p:ph idx="1"/>
-          </p:nvPr>
-        </p:nvSpPr>
+          <p:cNvPicPr>
+            <a:picLocks noChangeAspect="1"/>
+          </p:cNvPicPr>
+          <p:nvPr/>
+        </p:nvPicPr>
+        <p:blipFill>
+          <a:blip r:embed="rId5"/>
+          <a:stretch>
+            <a:fillRect/>
+          </a:stretch>
+        </p:blipFill>
         <p:spPr>
           <a:xfrm>
-            <a:off x="2589211" y="1451113"/>
-            <a:ext cx="9079327" cy="5068957"/>
+            <a:off x="3394476" y="1340939"/>
+            <a:ext cx="5403048" cy="4176122"/>
           </a:xfrm>
+          <a:prstGeom prst="rect">
+            <a:avLst/>
+          </a:prstGeom>
         </p:spPr>
-        <p:txBody>
-          <a:bodyPr/>
-          <a:lstStyle/>
-          <a:p>
-            <a:endParaRPr lang="en-US" dirty="0"/>
-          </a:p>
-        </p:txBody>
-      </p:sp>
+      </p:pic>
+      <p:pic>
+        <p:nvPicPr>
+          <p:cNvPr id="9" name="Picture 8">
+            <a:extLst>
+              <a:ext uri="{FF2B5EF4-FFF2-40B4-BE49-F238E27FC236}">
+                <a16:creationId xmlns:a16="http://schemas.microsoft.com/office/drawing/2014/main" id="{93E43FC4-D2F5-4DD5-A8CD-87D9CC86ED0A}"/>
+              </a:ext>
+            </a:extLst>
+          </p:cNvPr>
+          <p:cNvPicPr>
+            <a:picLocks noChangeAspect="1"/>
+          </p:cNvPicPr>
+          <p:nvPr/>
+        </p:nvPicPr>
+        <p:blipFill>
+          <a:blip r:embed="rId6"/>
+          <a:stretch>
+            <a:fillRect/>
+          </a:stretch>
+        </p:blipFill>
+        <p:spPr>
+          <a:xfrm>
+            <a:off x="3394476" y="1340939"/>
+            <a:ext cx="5403048" cy="4176122"/>
+          </a:xfrm>
+          <a:prstGeom prst="rect">
+            <a:avLst/>
+          </a:prstGeom>
+        </p:spPr>
+      </p:pic>
+      <p:pic>
+        <p:nvPicPr>
+          <p:cNvPr id="13" name="Picture 12">
+            <a:extLst>
+              <a:ext uri="{FF2B5EF4-FFF2-40B4-BE49-F238E27FC236}">
+                <a16:creationId xmlns:a16="http://schemas.microsoft.com/office/drawing/2014/main" id="{6BE9E7A4-B5DA-4D3A-AC64-726013C6C68B}"/>
+              </a:ext>
+            </a:extLst>
+          </p:cNvPr>
+          <p:cNvPicPr>
+            <a:picLocks noChangeAspect="1"/>
+          </p:cNvPicPr>
+          <p:nvPr/>
+        </p:nvPicPr>
+        <p:blipFill>
+          <a:blip r:embed="rId7"/>
+          <a:stretch>
+            <a:fillRect/>
+          </a:stretch>
+        </p:blipFill>
+        <p:spPr>
+          <a:xfrm>
+            <a:off x="3394476" y="1340939"/>
+            <a:ext cx="5403048" cy="4176122"/>
+          </a:xfrm>
+          <a:prstGeom prst="rect">
+            <a:avLst/>
+          </a:prstGeom>
+        </p:spPr>
+      </p:pic>
+      <p:pic>
+        <p:nvPicPr>
+          <p:cNvPr id="17" name="Picture 16">
+            <a:extLst>
+              <a:ext uri="{FF2B5EF4-FFF2-40B4-BE49-F238E27FC236}">
+                <a16:creationId xmlns:a16="http://schemas.microsoft.com/office/drawing/2014/main" id="{440D61EE-A5F1-4070-8296-7866D29E975C}"/>
+              </a:ext>
+            </a:extLst>
+          </p:cNvPr>
+          <p:cNvPicPr>
+            <a:picLocks noChangeAspect="1"/>
+          </p:cNvPicPr>
+          <p:nvPr/>
+        </p:nvPicPr>
+        <p:blipFill>
+          <a:blip r:embed="rId8"/>
+          <a:stretch>
+            <a:fillRect/>
+          </a:stretch>
+        </p:blipFill>
+        <p:spPr>
+          <a:xfrm>
+            <a:off x="3394476" y="1340939"/>
+            <a:ext cx="5403048" cy="4176122"/>
+          </a:xfrm>
+          <a:prstGeom prst="rect">
+            <a:avLst/>
+          </a:prstGeom>
+        </p:spPr>
+      </p:pic>
+      <p:pic>
+        <p:nvPicPr>
+          <p:cNvPr id="19" name="Picture 18">
+            <a:extLst>
+              <a:ext uri="{FF2B5EF4-FFF2-40B4-BE49-F238E27FC236}">
+                <a16:creationId xmlns:a16="http://schemas.microsoft.com/office/drawing/2014/main" id="{6D5E55BF-84EE-42ED-9039-EAA44245C453}"/>
+              </a:ext>
+            </a:extLst>
+          </p:cNvPr>
+          <p:cNvPicPr>
+            <a:picLocks noChangeAspect="1"/>
+          </p:cNvPicPr>
+          <p:nvPr/>
+        </p:nvPicPr>
+        <p:blipFill>
+          <a:blip r:embed="rId9"/>
+          <a:stretch>
+            <a:fillRect/>
+          </a:stretch>
+        </p:blipFill>
+        <p:spPr>
+          <a:xfrm>
+            <a:off x="3394476" y="1340939"/>
+            <a:ext cx="5403048" cy="4176122"/>
+          </a:xfrm>
+          <a:prstGeom prst="rect">
+            <a:avLst/>
+          </a:prstGeom>
+        </p:spPr>
+      </p:pic>
+      <p:pic>
+        <p:nvPicPr>
+          <p:cNvPr id="21" name="Picture 20">
+            <a:extLst>
+              <a:ext uri="{FF2B5EF4-FFF2-40B4-BE49-F238E27FC236}">
+                <a16:creationId xmlns:a16="http://schemas.microsoft.com/office/drawing/2014/main" id="{0E51E9C7-C721-4110-A942-9BB79431CAED}"/>
+              </a:ext>
+            </a:extLst>
+          </p:cNvPr>
+          <p:cNvPicPr>
+            <a:picLocks noChangeAspect="1"/>
+          </p:cNvPicPr>
+          <p:nvPr/>
+        </p:nvPicPr>
+        <p:blipFill>
+          <a:blip r:embed="rId10"/>
+          <a:stretch>
+            <a:fillRect/>
+          </a:stretch>
+        </p:blipFill>
+        <p:spPr>
+          <a:xfrm>
+            <a:off x="3394476" y="1340939"/>
+            <a:ext cx="5403048" cy="4176122"/>
+          </a:xfrm>
+          <a:prstGeom prst="rect">
+            <a:avLst/>
+          </a:prstGeom>
+        </p:spPr>
+      </p:pic>
+      <p:pic>
+        <p:nvPicPr>
+          <p:cNvPr id="23" name="Picture 22">
+            <a:extLst>
+              <a:ext uri="{FF2B5EF4-FFF2-40B4-BE49-F238E27FC236}">
+                <a16:creationId xmlns:a16="http://schemas.microsoft.com/office/drawing/2014/main" id="{3F39DAD9-07B0-42C7-816B-A5ECC8FC7E33}"/>
+              </a:ext>
+            </a:extLst>
+          </p:cNvPr>
+          <p:cNvPicPr>
+            <a:picLocks noChangeAspect="1"/>
+          </p:cNvPicPr>
+          <p:nvPr/>
+        </p:nvPicPr>
+        <p:blipFill>
+          <a:blip r:embed="rId11"/>
+          <a:stretch>
+            <a:fillRect/>
+          </a:stretch>
+        </p:blipFill>
+        <p:spPr>
+          <a:xfrm>
+            <a:off x="3394476" y="1340939"/>
+            <a:ext cx="5403048" cy="4176122"/>
+          </a:xfrm>
+          <a:prstGeom prst="rect">
+            <a:avLst/>
+          </a:prstGeom>
+        </p:spPr>
+      </p:pic>
+      <p:pic>
+        <p:nvPicPr>
+          <p:cNvPr id="25" name="Picture 24">
+            <a:extLst>
+              <a:ext uri="{FF2B5EF4-FFF2-40B4-BE49-F238E27FC236}">
+                <a16:creationId xmlns:a16="http://schemas.microsoft.com/office/drawing/2014/main" id="{9B3E9ECA-B057-42C0-BEDF-459FFC2DD11F}"/>
+              </a:ext>
+            </a:extLst>
+          </p:cNvPr>
+          <p:cNvPicPr>
+            <a:picLocks noChangeAspect="1"/>
+          </p:cNvPicPr>
+          <p:nvPr/>
+        </p:nvPicPr>
+        <p:blipFill>
+          <a:blip r:embed="rId12"/>
+          <a:stretch>
+            <a:fillRect/>
+          </a:stretch>
+        </p:blipFill>
+        <p:spPr>
+          <a:xfrm>
+            <a:off x="3394476" y="1340939"/>
+            <a:ext cx="5403048" cy="4176122"/>
+          </a:xfrm>
+          <a:prstGeom prst="rect">
+            <a:avLst/>
+          </a:prstGeom>
+        </p:spPr>
+      </p:pic>
+      <p:pic>
+        <p:nvPicPr>
+          <p:cNvPr id="27" name="Picture 26">
+            <a:extLst>
+              <a:ext uri="{FF2B5EF4-FFF2-40B4-BE49-F238E27FC236}">
+                <a16:creationId xmlns:a16="http://schemas.microsoft.com/office/drawing/2014/main" id="{70166ADF-AEBA-4F81-840C-988CCBFD0B66}"/>
+              </a:ext>
+            </a:extLst>
+          </p:cNvPr>
+          <p:cNvPicPr>
+            <a:picLocks noChangeAspect="1"/>
+          </p:cNvPicPr>
+          <p:nvPr/>
+        </p:nvPicPr>
+        <p:blipFill>
+          <a:blip r:embed="rId13"/>
+          <a:stretch>
+            <a:fillRect/>
+          </a:stretch>
+        </p:blipFill>
+        <p:spPr>
+          <a:xfrm>
+            <a:off x="3394476" y="1340939"/>
+            <a:ext cx="5403048" cy="4176122"/>
+          </a:xfrm>
+          <a:prstGeom prst="rect">
+            <a:avLst/>
+          </a:prstGeom>
+        </p:spPr>
+      </p:pic>
+      <p:pic>
+        <p:nvPicPr>
+          <p:cNvPr id="29" name="Picture 28">
+            <a:extLst>
+              <a:ext uri="{FF2B5EF4-FFF2-40B4-BE49-F238E27FC236}">
+                <a16:creationId xmlns:a16="http://schemas.microsoft.com/office/drawing/2014/main" id="{AE399820-2F2C-4C24-B553-FD8DDD4C9283}"/>
+              </a:ext>
+            </a:extLst>
+          </p:cNvPr>
+          <p:cNvPicPr>
+            <a:picLocks noChangeAspect="1"/>
+          </p:cNvPicPr>
+          <p:nvPr/>
+        </p:nvPicPr>
+        <p:blipFill>
+          <a:blip r:embed="rId14"/>
+          <a:stretch>
+            <a:fillRect/>
+          </a:stretch>
+        </p:blipFill>
+        <p:spPr>
+          <a:xfrm>
+            <a:off x="3394476" y="1340939"/>
+            <a:ext cx="5403048" cy="4176122"/>
+          </a:xfrm>
+          <a:prstGeom prst="rect">
+            <a:avLst/>
+          </a:prstGeom>
+        </p:spPr>
+      </p:pic>
+      <p:pic>
+        <p:nvPicPr>
+          <p:cNvPr id="47" name="Picture 46">
+            <a:extLst>
+              <a:ext uri="{FF2B5EF4-FFF2-40B4-BE49-F238E27FC236}">
+                <a16:creationId xmlns:a16="http://schemas.microsoft.com/office/drawing/2014/main" id="{6A18CE08-DA1F-4C16-8DDB-4F3BB4F9CE0E}"/>
+              </a:ext>
+            </a:extLst>
+          </p:cNvPr>
+          <p:cNvPicPr>
+            <a:picLocks noChangeAspect="1"/>
+          </p:cNvPicPr>
+          <p:nvPr/>
+        </p:nvPicPr>
+        <p:blipFill>
+          <a:blip r:embed="rId3"/>
+          <a:stretch>
+            <a:fillRect/>
+          </a:stretch>
+        </p:blipFill>
+        <p:spPr>
+          <a:xfrm>
+            <a:off x="3394476" y="1340939"/>
+            <a:ext cx="5403048" cy="4176122"/>
+          </a:xfrm>
+          <a:prstGeom prst="rect">
+            <a:avLst/>
+          </a:prstGeom>
+        </p:spPr>
+      </p:pic>
+      <p:pic>
+        <p:nvPicPr>
+          <p:cNvPr id="31" name="Picture 30">
+            <a:extLst>
+              <a:ext uri="{FF2B5EF4-FFF2-40B4-BE49-F238E27FC236}">
+                <a16:creationId xmlns:a16="http://schemas.microsoft.com/office/drawing/2014/main" id="{E6965E29-8F82-4B33-95D2-473C5CDF8B25}"/>
+              </a:ext>
+            </a:extLst>
+          </p:cNvPr>
+          <p:cNvPicPr>
+            <a:picLocks noChangeAspect="1"/>
+          </p:cNvPicPr>
+          <p:nvPr/>
+        </p:nvPicPr>
+        <p:blipFill>
+          <a:blip r:embed="rId15"/>
+          <a:stretch>
+            <a:fillRect/>
+          </a:stretch>
+        </p:blipFill>
+        <p:spPr>
+          <a:xfrm>
+            <a:off x="3394476" y="1340939"/>
+            <a:ext cx="5403048" cy="4176122"/>
+          </a:xfrm>
+          <a:prstGeom prst="rect">
+            <a:avLst/>
+          </a:prstGeom>
+        </p:spPr>
+      </p:pic>
     </p:spTree>
     <p:extLst>
       <p:ext uri="{BB962C8B-B14F-4D97-AF65-F5344CB8AC3E}">
-        <p14:creationId xmlns:p14="http://schemas.microsoft.com/office/powerpoint/2010/main" val="2805820393"/>
+        <p14:creationId xmlns:p14="http://schemas.microsoft.com/office/powerpoint/2010/main" val="641516511"/>
       </p:ext>
     </p:extLst>
   </p:cSld>
   <p:clrMapOvr>
     <a:masterClrMapping/>
   </p:clrMapOvr>
+  <p:timing>
+    <p:tnLst>
+      <p:par>
+        <p:cTn id="1" dur="indefinite" restart="never" nodeType="tmRoot">
+          <p:childTnLst>
+            <p:seq concurrent="1" nextAc="seek">
+              <p:cTn id="2" dur="indefinite" nodeType="mainSeq">
+                <p:childTnLst>
+                  <p:par>
+                    <p:cTn id="3" fill="hold">
+                      <p:stCondLst>
+                        <p:cond delay="indefinite"/>
+                      </p:stCondLst>
+                      <p:childTnLst>
+                        <p:par>
+                          <p:cTn id="4" fill="hold">
+                            <p:stCondLst>
+                              <p:cond delay="0"/>
+                            </p:stCondLst>
+                            <p:childTnLst>
+                              <p:par>
+                                <p:cTn id="5" presetID="10" presetClass="entr" presetSubtype="0" fill="hold" nodeType="clickEffect">
+                                  <p:stCondLst>
+                                    <p:cond delay="200"/>
+                                  </p:stCondLst>
+                                  <p:childTnLst>
+                                    <p:set>
+                                      <p:cBhvr>
+                                        <p:cTn id="6" dur="1" fill="hold">
+                                          <p:stCondLst>
+                                            <p:cond delay="0"/>
+                                          </p:stCondLst>
+                                        </p:cTn>
+                                        <p:tgtEl>
+                                          <p:spTgt spid="4"/>
+                                        </p:tgtEl>
+                                        <p:attrNameLst>
+                                          <p:attrName>style.visibility</p:attrName>
+                                        </p:attrNameLst>
+                                      </p:cBhvr>
+                                      <p:to>
+                                        <p:strVal val="visible"/>
+                                      </p:to>
+                                    </p:set>
+                                    <p:animEffect transition="in" filter="fade">
+                                      <p:cBhvr>
+                                        <p:cTn id="7" dur="500"/>
+                                        <p:tgtEl>
+                                          <p:spTgt spid="4"/>
+                                        </p:tgtEl>
+                                      </p:cBhvr>
+                                    </p:animEffect>
+                                  </p:childTnLst>
+                                </p:cTn>
+                              </p:par>
+                            </p:childTnLst>
+                          </p:cTn>
+                        </p:par>
+                        <p:par>
+                          <p:cTn id="8" fill="hold">
+                            <p:stCondLst>
+                              <p:cond delay="700"/>
+                            </p:stCondLst>
+                            <p:childTnLst>
+                              <p:par>
+                                <p:cTn id="9" presetID="10" presetClass="entr" presetSubtype="0" fill="hold" nodeType="afterEffect">
+                                  <p:stCondLst>
+                                    <p:cond delay="500"/>
+                                  </p:stCondLst>
+                                  <p:childTnLst>
+                                    <p:set>
+                                      <p:cBhvr>
+                                        <p:cTn id="10" dur="1" fill="hold">
+                                          <p:stCondLst>
+                                            <p:cond delay="0"/>
+                                          </p:stCondLst>
+                                        </p:cTn>
+                                        <p:tgtEl>
+                                          <p:spTgt spid="7"/>
+                                        </p:tgtEl>
+                                        <p:attrNameLst>
+                                          <p:attrName>style.visibility</p:attrName>
+                                        </p:attrNameLst>
+                                      </p:cBhvr>
+                                      <p:to>
+                                        <p:strVal val="visible"/>
+                                      </p:to>
+                                    </p:set>
+                                    <p:animEffect transition="in" filter="fade">
+                                      <p:cBhvr>
+                                        <p:cTn id="11" dur="500"/>
+                                        <p:tgtEl>
+                                          <p:spTgt spid="7"/>
+                                        </p:tgtEl>
+                                      </p:cBhvr>
+                                    </p:animEffect>
+                                  </p:childTnLst>
+                                </p:cTn>
+                              </p:par>
+                            </p:childTnLst>
+                          </p:cTn>
+                        </p:par>
+                      </p:childTnLst>
+                    </p:cTn>
+                  </p:par>
+                  <p:par>
+                    <p:cTn id="12" fill="hold">
+                      <p:stCondLst>
+                        <p:cond delay="indefinite"/>
+                      </p:stCondLst>
+                      <p:childTnLst>
+                        <p:par>
+                          <p:cTn id="13" fill="hold">
+                            <p:stCondLst>
+                              <p:cond delay="0"/>
+                            </p:stCondLst>
+                            <p:childTnLst>
+                              <p:par>
+                                <p:cTn id="14" presetID="10" presetClass="exit" presetSubtype="0" fill="hold" nodeType="clickEffect">
+                                  <p:stCondLst>
+                                    <p:cond delay="250"/>
+                                  </p:stCondLst>
+                                  <p:childTnLst>
+                                    <p:animEffect transition="out" filter="fade">
+                                      <p:cBhvr>
+                                        <p:cTn id="15" dur="500"/>
+                                        <p:tgtEl>
+                                          <p:spTgt spid="7"/>
+                                        </p:tgtEl>
+                                      </p:cBhvr>
+                                    </p:animEffect>
+                                    <p:set>
+                                      <p:cBhvr>
+                                        <p:cTn id="16" dur="1" fill="hold">
+                                          <p:stCondLst>
+                                            <p:cond delay="499"/>
+                                          </p:stCondLst>
+                                        </p:cTn>
+                                        <p:tgtEl>
+                                          <p:spTgt spid="7"/>
+                                        </p:tgtEl>
+                                        <p:attrNameLst>
+                                          <p:attrName>style.visibility</p:attrName>
+                                        </p:attrNameLst>
+                                      </p:cBhvr>
+                                      <p:to>
+                                        <p:strVal val="hidden"/>
+                                      </p:to>
+                                    </p:set>
+                                  </p:childTnLst>
+                                </p:cTn>
+                              </p:par>
+                            </p:childTnLst>
+                          </p:cTn>
+                        </p:par>
+                        <p:par>
+                          <p:cTn id="17" fill="hold">
+                            <p:stCondLst>
+                              <p:cond delay="750"/>
+                            </p:stCondLst>
+                            <p:childTnLst>
+                              <p:par>
+                                <p:cTn id="18" presetID="10" presetClass="entr" presetSubtype="0" fill="hold" nodeType="afterEffect">
+                                  <p:stCondLst>
+                                    <p:cond delay="250"/>
+                                  </p:stCondLst>
+                                  <p:childTnLst>
+                                    <p:set>
+                                      <p:cBhvr>
+                                        <p:cTn id="19" dur="1" fill="hold">
+                                          <p:stCondLst>
+                                            <p:cond delay="0"/>
+                                          </p:stCondLst>
+                                        </p:cTn>
+                                        <p:tgtEl>
+                                          <p:spTgt spid="9"/>
+                                        </p:tgtEl>
+                                        <p:attrNameLst>
+                                          <p:attrName>style.visibility</p:attrName>
+                                        </p:attrNameLst>
+                                      </p:cBhvr>
+                                      <p:to>
+                                        <p:strVal val="visible"/>
+                                      </p:to>
+                                    </p:set>
+                                    <p:animEffect transition="in" filter="fade">
+                                      <p:cBhvr>
+                                        <p:cTn id="20" dur="500"/>
+                                        <p:tgtEl>
+                                          <p:spTgt spid="9"/>
+                                        </p:tgtEl>
+                                      </p:cBhvr>
+                                    </p:animEffect>
+                                  </p:childTnLst>
+                                </p:cTn>
+                              </p:par>
+                            </p:childTnLst>
+                          </p:cTn>
+                        </p:par>
+                        <p:par>
+                          <p:cTn id="21" fill="hold">
+                            <p:stCondLst>
+                              <p:cond delay="1500"/>
+                            </p:stCondLst>
+                            <p:childTnLst>
+                              <p:par>
+                                <p:cTn id="22" presetID="10" presetClass="entr" presetSubtype="0" fill="hold" nodeType="afterEffect">
+                                  <p:stCondLst>
+                                    <p:cond delay="500"/>
+                                  </p:stCondLst>
+                                  <p:childTnLst>
+                                    <p:set>
+                                      <p:cBhvr>
+                                        <p:cTn id="23" dur="1" fill="hold">
+                                          <p:stCondLst>
+                                            <p:cond delay="0"/>
+                                          </p:stCondLst>
+                                        </p:cTn>
+                                        <p:tgtEl>
+                                          <p:spTgt spid="13"/>
+                                        </p:tgtEl>
+                                        <p:attrNameLst>
+                                          <p:attrName>style.visibility</p:attrName>
+                                        </p:attrNameLst>
+                                      </p:cBhvr>
+                                      <p:to>
+                                        <p:strVal val="visible"/>
+                                      </p:to>
+                                    </p:set>
+                                    <p:animEffect transition="in" filter="fade">
+                                      <p:cBhvr>
+                                        <p:cTn id="24" dur="500"/>
+                                        <p:tgtEl>
+                                          <p:spTgt spid="13"/>
+                                        </p:tgtEl>
+                                      </p:cBhvr>
+                                    </p:animEffect>
+                                  </p:childTnLst>
+                                </p:cTn>
+                              </p:par>
+                            </p:childTnLst>
+                          </p:cTn>
+                        </p:par>
+                      </p:childTnLst>
+                    </p:cTn>
+                  </p:par>
+                  <p:par>
+                    <p:cTn id="25" fill="hold">
+                      <p:stCondLst>
+                        <p:cond delay="indefinite"/>
+                      </p:stCondLst>
+                      <p:childTnLst>
+                        <p:par>
+                          <p:cTn id="26" fill="hold">
+                            <p:stCondLst>
+                              <p:cond delay="0"/>
+                            </p:stCondLst>
+                            <p:childTnLst>
+                              <p:par>
+                                <p:cTn id="27" presetID="10" presetClass="exit" presetSubtype="0" fill="hold" nodeType="clickEffect">
+                                  <p:stCondLst>
+                                    <p:cond delay="250"/>
+                                  </p:stCondLst>
+                                  <p:childTnLst>
+                                    <p:animEffect transition="out" filter="fade">
+                                      <p:cBhvr>
+                                        <p:cTn id="28" dur="500"/>
+                                        <p:tgtEl>
+                                          <p:spTgt spid="13"/>
+                                        </p:tgtEl>
+                                      </p:cBhvr>
+                                    </p:animEffect>
+                                    <p:set>
+                                      <p:cBhvr>
+                                        <p:cTn id="29" dur="1" fill="hold">
+                                          <p:stCondLst>
+                                            <p:cond delay="499"/>
+                                          </p:stCondLst>
+                                        </p:cTn>
+                                        <p:tgtEl>
+                                          <p:spTgt spid="13"/>
+                                        </p:tgtEl>
+                                        <p:attrNameLst>
+                                          <p:attrName>style.visibility</p:attrName>
+                                        </p:attrNameLst>
+                                      </p:cBhvr>
+                                      <p:to>
+                                        <p:strVal val="hidden"/>
+                                      </p:to>
+                                    </p:set>
+                                  </p:childTnLst>
+                                </p:cTn>
+                              </p:par>
+                            </p:childTnLst>
+                          </p:cTn>
+                        </p:par>
+                        <p:par>
+                          <p:cTn id="30" fill="hold">
+                            <p:stCondLst>
+                              <p:cond delay="750"/>
+                            </p:stCondLst>
+                            <p:childTnLst>
+                              <p:par>
+                                <p:cTn id="31" presetID="10" presetClass="entr" presetSubtype="0" fill="hold" nodeType="afterEffect">
+                                  <p:stCondLst>
+                                    <p:cond delay="250"/>
+                                  </p:stCondLst>
+                                  <p:childTnLst>
+                                    <p:set>
+                                      <p:cBhvr>
+                                        <p:cTn id="32" dur="1" fill="hold">
+                                          <p:stCondLst>
+                                            <p:cond delay="0"/>
+                                          </p:stCondLst>
+                                        </p:cTn>
+                                        <p:tgtEl>
+                                          <p:spTgt spid="17"/>
+                                        </p:tgtEl>
+                                        <p:attrNameLst>
+                                          <p:attrName>style.visibility</p:attrName>
+                                        </p:attrNameLst>
+                                      </p:cBhvr>
+                                      <p:to>
+                                        <p:strVal val="visible"/>
+                                      </p:to>
+                                    </p:set>
+                                    <p:animEffect transition="in" filter="fade">
+                                      <p:cBhvr>
+                                        <p:cTn id="33" dur="500"/>
+                                        <p:tgtEl>
+                                          <p:spTgt spid="17"/>
+                                        </p:tgtEl>
+                                      </p:cBhvr>
+                                    </p:animEffect>
+                                  </p:childTnLst>
+                                </p:cTn>
+                              </p:par>
+                            </p:childTnLst>
+                          </p:cTn>
+                        </p:par>
+                        <p:par>
+                          <p:cTn id="34" fill="hold">
+                            <p:stCondLst>
+                              <p:cond delay="1500"/>
+                            </p:stCondLst>
+                            <p:childTnLst>
+                              <p:par>
+                                <p:cTn id="35" presetID="10" presetClass="entr" presetSubtype="0" fill="hold" nodeType="afterEffect">
+                                  <p:stCondLst>
+                                    <p:cond delay="500"/>
+                                  </p:stCondLst>
+                                  <p:childTnLst>
+                                    <p:set>
+                                      <p:cBhvr>
+                                        <p:cTn id="36" dur="1" fill="hold">
+                                          <p:stCondLst>
+                                            <p:cond delay="0"/>
+                                          </p:stCondLst>
+                                        </p:cTn>
+                                        <p:tgtEl>
+                                          <p:spTgt spid="19"/>
+                                        </p:tgtEl>
+                                        <p:attrNameLst>
+                                          <p:attrName>style.visibility</p:attrName>
+                                        </p:attrNameLst>
+                                      </p:cBhvr>
+                                      <p:to>
+                                        <p:strVal val="visible"/>
+                                      </p:to>
+                                    </p:set>
+                                    <p:animEffect transition="in" filter="fade">
+                                      <p:cBhvr>
+                                        <p:cTn id="37" dur="500"/>
+                                        <p:tgtEl>
+                                          <p:spTgt spid="19"/>
+                                        </p:tgtEl>
+                                      </p:cBhvr>
+                                    </p:animEffect>
+                                  </p:childTnLst>
+                                </p:cTn>
+                              </p:par>
+                            </p:childTnLst>
+                          </p:cTn>
+                        </p:par>
+                      </p:childTnLst>
+                    </p:cTn>
+                  </p:par>
+                  <p:par>
+                    <p:cTn id="38" fill="hold">
+                      <p:stCondLst>
+                        <p:cond delay="indefinite"/>
+                      </p:stCondLst>
+                      <p:childTnLst>
+                        <p:par>
+                          <p:cTn id="39" fill="hold">
+                            <p:stCondLst>
+                              <p:cond delay="0"/>
+                            </p:stCondLst>
+                            <p:childTnLst>
+                              <p:par>
+                                <p:cTn id="40" presetID="10" presetClass="exit" presetSubtype="0" fill="hold" nodeType="clickEffect">
+                                  <p:stCondLst>
+                                    <p:cond delay="250"/>
+                                  </p:stCondLst>
+                                  <p:childTnLst>
+                                    <p:animEffect transition="out" filter="fade">
+                                      <p:cBhvr>
+                                        <p:cTn id="41" dur="500"/>
+                                        <p:tgtEl>
+                                          <p:spTgt spid="19"/>
+                                        </p:tgtEl>
+                                      </p:cBhvr>
+                                    </p:animEffect>
+                                    <p:set>
+                                      <p:cBhvr>
+                                        <p:cTn id="42" dur="1" fill="hold">
+                                          <p:stCondLst>
+                                            <p:cond delay="499"/>
+                                          </p:stCondLst>
+                                        </p:cTn>
+                                        <p:tgtEl>
+                                          <p:spTgt spid="19"/>
+                                        </p:tgtEl>
+                                        <p:attrNameLst>
+                                          <p:attrName>style.visibility</p:attrName>
+                                        </p:attrNameLst>
+                                      </p:cBhvr>
+                                      <p:to>
+                                        <p:strVal val="hidden"/>
+                                      </p:to>
+                                    </p:set>
+                                  </p:childTnLst>
+                                </p:cTn>
+                              </p:par>
+                            </p:childTnLst>
+                          </p:cTn>
+                        </p:par>
+                        <p:par>
+                          <p:cTn id="43" fill="hold">
+                            <p:stCondLst>
+                              <p:cond delay="750"/>
+                            </p:stCondLst>
+                            <p:childTnLst>
+                              <p:par>
+                                <p:cTn id="44" presetID="10" presetClass="entr" presetSubtype="0" fill="hold" nodeType="afterEffect">
+                                  <p:stCondLst>
+                                    <p:cond delay="250"/>
+                                  </p:stCondLst>
+                                  <p:childTnLst>
+                                    <p:set>
+                                      <p:cBhvr>
+                                        <p:cTn id="45" dur="1" fill="hold">
+                                          <p:stCondLst>
+                                            <p:cond delay="0"/>
+                                          </p:stCondLst>
+                                        </p:cTn>
+                                        <p:tgtEl>
+                                          <p:spTgt spid="21"/>
+                                        </p:tgtEl>
+                                        <p:attrNameLst>
+                                          <p:attrName>style.visibility</p:attrName>
+                                        </p:attrNameLst>
+                                      </p:cBhvr>
+                                      <p:to>
+                                        <p:strVal val="visible"/>
+                                      </p:to>
+                                    </p:set>
+                                    <p:animEffect transition="in" filter="fade">
+                                      <p:cBhvr>
+                                        <p:cTn id="46" dur="500"/>
+                                        <p:tgtEl>
+                                          <p:spTgt spid="21"/>
+                                        </p:tgtEl>
+                                      </p:cBhvr>
+                                    </p:animEffect>
+                                  </p:childTnLst>
+                                </p:cTn>
+                              </p:par>
+                            </p:childTnLst>
+                          </p:cTn>
+                        </p:par>
+                        <p:par>
+                          <p:cTn id="47" fill="hold">
+                            <p:stCondLst>
+                              <p:cond delay="1500"/>
+                            </p:stCondLst>
+                            <p:childTnLst>
+                              <p:par>
+                                <p:cTn id="48" presetID="10" presetClass="entr" presetSubtype="0" fill="hold" nodeType="afterEffect">
+                                  <p:stCondLst>
+                                    <p:cond delay="500"/>
+                                  </p:stCondLst>
+                                  <p:childTnLst>
+                                    <p:set>
+                                      <p:cBhvr>
+                                        <p:cTn id="49" dur="1" fill="hold">
+                                          <p:stCondLst>
+                                            <p:cond delay="0"/>
+                                          </p:stCondLst>
+                                        </p:cTn>
+                                        <p:tgtEl>
+                                          <p:spTgt spid="23"/>
+                                        </p:tgtEl>
+                                        <p:attrNameLst>
+                                          <p:attrName>style.visibility</p:attrName>
+                                        </p:attrNameLst>
+                                      </p:cBhvr>
+                                      <p:to>
+                                        <p:strVal val="visible"/>
+                                      </p:to>
+                                    </p:set>
+                                    <p:animEffect transition="in" filter="fade">
+                                      <p:cBhvr>
+                                        <p:cTn id="50" dur="500"/>
+                                        <p:tgtEl>
+                                          <p:spTgt spid="23"/>
+                                        </p:tgtEl>
+                                      </p:cBhvr>
+                                    </p:animEffect>
+                                  </p:childTnLst>
+                                </p:cTn>
+                              </p:par>
+                            </p:childTnLst>
+                          </p:cTn>
+                        </p:par>
+                      </p:childTnLst>
+                    </p:cTn>
+                  </p:par>
+                  <p:par>
+                    <p:cTn id="51" fill="hold">
+                      <p:stCondLst>
+                        <p:cond delay="indefinite"/>
+                      </p:stCondLst>
+                      <p:childTnLst>
+                        <p:par>
+                          <p:cTn id="52" fill="hold">
+                            <p:stCondLst>
+                              <p:cond delay="0"/>
+                            </p:stCondLst>
+                            <p:childTnLst>
+                              <p:par>
+                                <p:cTn id="53" presetID="10" presetClass="exit" presetSubtype="0" fill="hold" nodeType="clickEffect">
+                                  <p:stCondLst>
+                                    <p:cond delay="250"/>
+                                  </p:stCondLst>
+                                  <p:childTnLst>
+                                    <p:animEffect transition="out" filter="fade">
+                                      <p:cBhvr>
+                                        <p:cTn id="54" dur="500"/>
+                                        <p:tgtEl>
+                                          <p:spTgt spid="23"/>
+                                        </p:tgtEl>
+                                      </p:cBhvr>
+                                    </p:animEffect>
+                                    <p:set>
+                                      <p:cBhvr>
+                                        <p:cTn id="55" dur="1" fill="hold">
+                                          <p:stCondLst>
+                                            <p:cond delay="499"/>
+                                          </p:stCondLst>
+                                        </p:cTn>
+                                        <p:tgtEl>
+                                          <p:spTgt spid="23"/>
+                                        </p:tgtEl>
+                                        <p:attrNameLst>
+                                          <p:attrName>style.visibility</p:attrName>
+                                        </p:attrNameLst>
+                                      </p:cBhvr>
+                                      <p:to>
+                                        <p:strVal val="hidden"/>
+                                      </p:to>
+                                    </p:set>
+                                  </p:childTnLst>
+                                </p:cTn>
+                              </p:par>
+                            </p:childTnLst>
+                          </p:cTn>
+                        </p:par>
+                        <p:par>
+                          <p:cTn id="56" fill="hold">
+                            <p:stCondLst>
+                              <p:cond delay="750"/>
+                            </p:stCondLst>
+                            <p:childTnLst>
+                              <p:par>
+                                <p:cTn id="57" presetID="10" presetClass="entr" presetSubtype="0" fill="hold" nodeType="afterEffect">
+                                  <p:stCondLst>
+                                    <p:cond delay="250"/>
+                                  </p:stCondLst>
+                                  <p:childTnLst>
+                                    <p:set>
+                                      <p:cBhvr>
+                                        <p:cTn id="58" dur="1" fill="hold">
+                                          <p:stCondLst>
+                                            <p:cond delay="0"/>
+                                          </p:stCondLst>
+                                        </p:cTn>
+                                        <p:tgtEl>
+                                          <p:spTgt spid="25"/>
+                                        </p:tgtEl>
+                                        <p:attrNameLst>
+                                          <p:attrName>style.visibility</p:attrName>
+                                        </p:attrNameLst>
+                                      </p:cBhvr>
+                                      <p:to>
+                                        <p:strVal val="visible"/>
+                                      </p:to>
+                                    </p:set>
+                                    <p:animEffect transition="in" filter="fade">
+                                      <p:cBhvr>
+                                        <p:cTn id="59" dur="500"/>
+                                        <p:tgtEl>
+                                          <p:spTgt spid="25"/>
+                                        </p:tgtEl>
+                                      </p:cBhvr>
+                                    </p:animEffect>
+                                  </p:childTnLst>
+                                </p:cTn>
+                              </p:par>
+                            </p:childTnLst>
+                          </p:cTn>
+                        </p:par>
+                        <p:par>
+                          <p:cTn id="60" fill="hold">
+                            <p:stCondLst>
+                              <p:cond delay="1500"/>
+                            </p:stCondLst>
+                            <p:childTnLst>
+                              <p:par>
+                                <p:cTn id="61" presetID="10" presetClass="entr" presetSubtype="0" fill="hold" nodeType="afterEffect">
+                                  <p:stCondLst>
+                                    <p:cond delay="500"/>
+                                  </p:stCondLst>
+                                  <p:childTnLst>
+                                    <p:set>
+                                      <p:cBhvr>
+                                        <p:cTn id="62" dur="1" fill="hold">
+                                          <p:stCondLst>
+                                            <p:cond delay="0"/>
+                                          </p:stCondLst>
+                                        </p:cTn>
+                                        <p:tgtEl>
+                                          <p:spTgt spid="27"/>
+                                        </p:tgtEl>
+                                        <p:attrNameLst>
+                                          <p:attrName>style.visibility</p:attrName>
+                                        </p:attrNameLst>
+                                      </p:cBhvr>
+                                      <p:to>
+                                        <p:strVal val="visible"/>
+                                      </p:to>
+                                    </p:set>
+                                    <p:animEffect transition="in" filter="fade">
+                                      <p:cBhvr>
+                                        <p:cTn id="63" dur="500"/>
+                                        <p:tgtEl>
+                                          <p:spTgt spid="27"/>
+                                        </p:tgtEl>
+                                      </p:cBhvr>
+                                    </p:animEffect>
+                                  </p:childTnLst>
+                                </p:cTn>
+                              </p:par>
+                            </p:childTnLst>
+                          </p:cTn>
+                        </p:par>
+                      </p:childTnLst>
+                    </p:cTn>
+                  </p:par>
+                  <p:par>
+                    <p:cTn id="64" fill="hold">
+                      <p:stCondLst>
+                        <p:cond delay="indefinite"/>
+                      </p:stCondLst>
+                      <p:childTnLst>
+                        <p:par>
+                          <p:cTn id="65" fill="hold">
+                            <p:stCondLst>
+                              <p:cond delay="0"/>
+                            </p:stCondLst>
+                            <p:childTnLst>
+                              <p:par>
+                                <p:cTn id="66" presetID="10" presetClass="exit" presetSubtype="0" fill="hold" nodeType="clickEffect">
+                                  <p:stCondLst>
+                                    <p:cond delay="250"/>
+                                  </p:stCondLst>
+                                  <p:childTnLst>
+                                    <p:animEffect transition="out" filter="fade">
+                                      <p:cBhvr>
+                                        <p:cTn id="67" dur="500"/>
+                                        <p:tgtEl>
+                                          <p:spTgt spid="27"/>
+                                        </p:tgtEl>
+                                      </p:cBhvr>
+                                    </p:animEffect>
+                                    <p:set>
+                                      <p:cBhvr>
+                                        <p:cTn id="68" dur="1" fill="hold">
+                                          <p:stCondLst>
+                                            <p:cond delay="499"/>
+                                          </p:stCondLst>
+                                        </p:cTn>
+                                        <p:tgtEl>
+                                          <p:spTgt spid="27"/>
+                                        </p:tgtEl>
+                                        <p:attrNameLst>
+                                          <p:attrName>style.visibility</p:attrName>
+                                        </p:attrNameLst>
+                                      </p:cBhvr>
+                                      <p:to>
+                                        <p:strVal val="hidden"/>
+                                      </p:to>
+                                    </p:set>
+                                  </p:childTnLst>
+                                </p:cTn>
+                              </p:par>
+                            </p:childTnLst>
+                          </p:cTn>
+                        </p:par>
+                        <p:par>
+                          <p:cTn id="69" fill="hold">
+                            <p:stCondLst>
+                              <p:cond delay="750"/>
+                            </p:stCondLst>
+                            <p:childTnLst>
+                              <p:par>
+                                <p:cTn id="70" presetID="10" presetClass="entr" presetSubtype="0" fill="hold" nodeType="afterEffect">
+                                  <p:stCondLst>
+                                    <p:cond delay="250"/>
+                                  </p:stCondLst>
+                                  <p:childTnLst>
+                                    <p:set>
+                                      <p:cBhvr>
+                                        <p:cTn id="71" dur="1" fill="hold">
+                                          <p:stCondLst>
+                                            <p:cond delay="0"/>
+                                          </p:stCondLst>
+                                        </p:cTn>
+                                        <p:tgtEl>
+                                          <p:spTgt spid="29"/>
+                                        </p:tgtEl>
+                                        <p:attrNameLst>
+                                          <p:attrName>style.visibility</p:attrName>
+                                        </p:attrNameLst>
+                                      </p:cBhvr>
+                                      <p:to>
+                                        <p:strVal val="visible"/>
+                                      </p:to>
+                                    </p:set>
+                                    <p:animEffect transition="in" filter="fade">
+                                      <p:cBhvr>
+                                        <p:cTn id="72" dur="500"/>
+                                        <p:tgtEl>
+                                          <p:spTgt spid="29"/>
+                                        </p:tgtEl>
+                                      </p:cBhvr>
+                                    </p:animEffect>
+                                  </p:childTnLst>
+                                </p:cTn>
+                              </p:par>
+                            </p:childTnLst>
+                          </p:cTn>
+                        </p:par>
+                        <p:par>
+                          <p:cTn id="73" fill="hold">
+                            <p:stCondLst>
+                              <p:cond delay="1500"/>
+                            </p:stCondLst>
+                            <p:childTnLst>
+                              <p:par>
+                                <p:cTn id="74" presetID="10" presetClass="entr" presetSubtype="0" fill="hold" nodeType="afterEffect">
+                                  <p:stCondLst>
+                                    <p:cond delay="500"/>
+                                  </p:stCondLst>
+                                  <p:childTnLst>
+                                    <p:set>
+                                      <p:cBhvr>
+                                        <p:cTn id="75" dur="1" fill="hold">
+                                          <p:stCondLst>
+                                            <p:cond delay="0"/>
+                                          </p:stCondLst>
+                                        </p:cTn>
+                                        <p:tgtEl>
+                                          <p:spTgt spid="31"/>
+                                        </p:tgtEl>
+                                        <p:attrNameLst>
+                                          <p:attrName>style.visibility</p:attrName>
+                                        </p:attrNameLst>
+                                      </p:cBhvr>
+                                      <p:to>
+                                        <p:strVal val="visible"/>
+                                      </p:to>
+                                    </p:set>
+                                    <p:animEffect transition="in" filter="fade">
+                                      <p:cBhvr>
+                                        <p:cTn id="76" dur="500"/>
+                                        <p:tgtEl>
+                                          <p:spTgt spid="31"/>
+                                        </p:tgtEl>
+                                      </p:cBhvr>
+                                    </p:animEffect>
+                                  </p:childTnLst>
+                                </p:cTn>
+                              </p:par>
+                              <p:par>
+                                <p:cTn id="77" presetID="1" presetClass="entr" presetSubtype="0" fill="hold" nodeType="withEffect">
+                                  <p:stCondLst>
+                                    <p:cond delay="0"/>
+                                  </p:stCondLst>
+                                  <p:childTnLst>
+                                    <p:set>
+                                      <p:cBhvr>
+                                        <p:cTn id="78" dur="1" fill="hold">
+                                          <p:stCondLst>
+                                            <p:cond delay="0"/>
+                                          </p:stCondLst>
+                                        </p:cTn>
+                                        <p:tgtEl>
+                                          <p:spTgt spid="47"/>
+                                        </p:tgtEl>
+                                        <p:attrNameLst>
+                                          <p:attrName>style.visibility</p:attrName>
+                                        </p:attrNameLst>
+                                      </p:cBhvr>
+                                      <p:to>
+                                        <p:strVal val="visible"/>
+                                      </p:to>
+                                    </p:set>
+                                  </p:childTnLst>
+                                </p:cTn>
+                              </p:par>
+                            </p:childTnLst>
+                          </p:cTn>
+                        </p:par>
+                      </p:childTnLst>
+                    </p:cTn>
+                  </p:par>
+                  <p:par>
+                    <p:cTn id="79" fill="hold">
+                      <p:stCondLst>
+                        <p:cond delay="indefinite"/>
+                      </p:stCondLst>
+                      <p:childTnLst>
+                        <p:par>
+                          <p:cTn id="80" fill="hold">
+                            <p:stCondLst>
+                              <p:cond delay="0"/>
+                            </p:stCondLst>
+                            <p:childTnLst>
+                              <p:par>
+                                <p:cTn id="81" presetID="10" presetClass="exit" presetSubtype="0" fill="hold" nodeType="clickEffect">
+                                  <p:stCondLst>
+                                    <p:cond delay="0"/>
+                                  </p:stCondLst>
+                                  <p:childTnLst>
+                                    <p:animEffect transition="out" filter="fade">
+                                      <p:cBhvr>
+                                        <p:cTn id="82" dur="500"/>
+                                        <p:tgtEl>
+                                          <p:spTgt spid="31"/>
+                                        </p:tgtEl>
+                                      </p:cBhvr>
+                                    </p:animEffect>
+                                    <p:set>
+                                      <p:cBhvr>
+                                        <p:cTn id="83" dur="1" fill="hold">
+                                          <p:stCondLst>
+                                            <p:cond delay="499"/>
+                                          </p:stCondLst>
+                                        </p:cTn>
+                                        <p:tgtEl>
+                                          <p:spTgt spid="31"/>
+                                        </p:tgtEl>
+                                        <p:attrNameLst>
+                                          <p:attrName>style.visibility</p:attrName>
+                                        </p:attrNameLst>
+                                      </p:cBhvr>
+                                      <p:to>
+                                        <p:strVal val="hidden"/>
+                                      </p:to>
+                                    </p:set>
+                                  </p:childTnLst>
+                                </p:cTn>
+                              </p:par>
+                            </p:childTnLst>
+                          </p:cTn>
+                        </p:par>
+                      </p:childTnLst>
+                    </p:cTn>
+                  </p:par>
+                </p:childTnLst>
+              </p:cTn>
+              <p:prevCondLst>
+                <p:cond evt="onPrev" delay="0">
+                  <p:tgtEl>
+                    <p:sldTgt/>
+                  </p:tgtEl>
+                </p:cond>
+              </p:prevCondLst>
+              <p:nextCondLst>
+                <p:cond evt="onNext" delay="0">
+                  <p:tgtEl>
+                    <p:sldTgt/>
+                  </p:tgtEl>
+                </p:cond>
+              </p:nextCondLst>
+            </p:seq>
+          </p:childTnLst>
+        </p:cTn>
+      </p:par>
+    </p:tnLst>
+  </p:timing>
 </p:sld>
 </file>
 
@@ -12112,6 +14807,7 @@
           </a:bodyPr>
           <a:lstStyle/>
           <a:p>
+            <a:pPr rtl="0" eaLnBrk="1" latinLnBrk="0" hangingPunct="1"/>
             <a:r>
               <a:rPr lang="en-US" sz="3600" b="0" i="0" kern="1200" baseline="0" dirty="0">
                 <a:solidFill>
@@ -12125,46 +14821,78 @@
                 <a:ea typeface="+mj-ea"/>
                 <a:cs typeface="+mj-cs"/>
               </a:rPr>
-              <a:t>Deliverable &amp; Results (2)</a:t>
-            </a:r>
-            <a:endParaRPr lang="en-US" sz="2800" dirty="0"/>
-          </a:p>
-        </p:txBody>
-      </p:sp>
-      <p:sp>
-        <p:nvSpPr>
-          <p:cNvPr id="3" name="Content Placeholder 2">
+              <a:t>DTECTS Schematic</a:t>
+            </a:r>
+            <a:endParaRPr lang="en-US" sz="4400" dirty="0">
+              <a:effectLst/>
+            </a:endParaRPr>
+          </a:p>
+        </p:txBody>
+      </p:sp>
+      <p:pic>
+        <p:nvPicPr>
+          <p:cNvPr id="7" name="Picture 6">
             <a:extLst>
               <a:ext uri="{FF2B5EF4-FFF2-40B4-BE49-F238E27FC236}">
-                <a16:creationId xmlns:a16="http://schemas.microsoft.com/office/drawing/2014/main" id="{044B4F6E-A639-47F4-91A5-68807265D618}"/>
+                <a16:creationId xmlns:a16="http://schemas.microsoft.com/office/drawing/2014/main" id="{D939D839-2D14-4EEF-B198-53A77C1F0AB3}"/>
               </a:ext>
             </a:extLst>
           </p:cNvPr>
-          <p:cNvSpPr>
-            <a:spLocks noGrp="1"/>
-          </p:cNvSpPr>
-          <p:nvPr>
-            <p:ph idx="1"/>
-          </p:nvPr>
-        </p:nvSpPr>
+          <p:cNvPicPr>
+            <a:picLocks noChangeAspect="1"/>
+          </p:cNvPicPr>
+          <p:nvPr/>
+        </p:nvPicPr>
+        <p:blipFill>
+          <a:blip r:embed="rId3"/>
+          <a:stretch>
+            <a:fillRect/>
+          </a:stretch>
+        </p:blipFill>
         <p:spPr>
           <a:xfrm>
-            <a:off x="2589211" y="1451113"/>
-            <a:ext cx="9079327" cy="5068957"/>
+            <a:off x="2769323" y="1518368"/>
+            <a:ext cx="6361613" cy="4477897"/>
           </a:xfrm>
+          <a:prstGeom prst="rect">
+            <a:avLst/>
+          </a:prstGeom>
         </p:spPr>
-        <p:txBody>
-          <a:bodyPr/>
-          <a:lstStyle/>
-          <a:p>
-            <a:endParaRPr lang="en-US" dirty="0"/>
-          </a:p>
-        </p:txBody>
-      </p:sp>
+      </p:pic>
+      <p:pic>
+        <p:nvPicPr>
+          <p:cNvPr id="9" name="Picture 8">
+            <a:extLst>
+              <a:ext uri="{FF2B5EF4-FFF2-40B4-BE49-F238E27FC236}">
+                <a16:creationId xmlns:a16="http://schemas.microsoft.com/office/drawing/2014/main" id="{7DE4A378-7E02-4685-8CE3-43A808F6E54A}"/>
+              </a:ext>
+            </a:extLst>
+          </p:cNvPr>
+          <p:cNvPicPr>
+            <a:picLocks noChangeAspect="1"/>
+          </p:cNvPicPr>
+          <p:nvPr/>
+        </p:nvPicPr>
+        <p:blipFill>
+          <a:blip r:embed="rId4"/>
+          <a:stretch>
+            <a:fillRect/>
+          </a:stretch>
+        </p:blipFill>
+        <p:spPr>
+          <a:xfrm>
+            <a:off x="2481943" y="1240439"/>
+            <a:ext cx="7170244" cy="4993451"/>
+          </a:xfrm>
+          <a:prstGeom prst="rect">
+            <a:avLst/>
+          </a:prstGeom>
+        </p:spPr>
+      </p:pic>
     </p:spTree>
     <p:extLst>
       <p:ext uri="{BB962C8B-B14F-4D97-AF65-F5344CB8AC3E}">
-        <p14:creationId xmlns:p14="http://schemas.microsoft.com/office/powerpoint/2010/main" val="821675052"/>
+        <p14:creationId xmlns:p14="http://schemas.microsoft.com/office/powerpoint/2010/main" val="2956004668"/>
       </p:ext>
     </p:extLst>
   </p:cSld>
@@ -12228,7 +14956,7 @@
                 <a:ea typeface="+mj-ea"/>
                 <a:cs typeface="+mj-cs"/>
               </a:rPr>
-              <a:t>Learnings &amp; Growths</a:t>
+              <a:t>DTECTS Library</a:t>
             </a:r>
             <a:endParaRPr lang="en-US" sz="4400" dirty="0">
               <a:effectLst/>
@@ -12236,40 +14964,70 @@
           </a:p>
         </p:txBody>
       </p:sp>
-      <p:sp>
-        <p:nvSpPr>
-          <p:cNvPr id="3" name="Content Placeholder 2">
+      <p:pic>
+        <p:nvPicPr>
+          <p:cNvPr id="7" name="Picture 6">
             <a:extLst>
               <a:ext uri="{FF2B5EF4-FFF2-40B4-BE49-F238E27FC236}">
-                <a16:creationId xmlns:a16="http://schemas.microsoft.com/office/drawing/2014/main" id="{044B4F6E-A639-47F4-91A5-68807265D618}"/>
+                <a16:creationId xmlns:a16="http://schemas.microsoft.com/office/drawing/2014/main" id="{D939D839-2D14-4EEF-B198-53A77C1F0AB3}"/>
               </a:ext>
             </a:extLst>
           </p:cNvPr>
-          <p:cNvSpPr>
-            <a:spLocks noGrp="1"/>
-          </p:cNvSpPr>
-          <p:nvPr>
-            <p:ph idx="1"/>
-          </p:nvPr>
-        </p:nvSpPr>
+          <p:cNvPicPr>
+            <a:picLocks noChangeAspect="1"/>
+          </p:cNvPicPr>
+          <p:nvPr/>
+        </p:nvPicPr>
+        <p:blipFill>
+          <a:blip r:embed="rId3"/>
+          <a:stretch>
+            <a:fillRect/>
+          </a:stretch>
+        </p:blipFill>
         <p:spPr>
           <a:xfrm>
-            <a:off x="2589211" y="1451113"/>
-            <a:ext cx="9079327" cy="5068957"/>
+            <a:off x="2769323" y="1518368"/>
+            <a:ext cx="6361613" cy="4477897"/>
           </a:xfrm>
+          <a:prstGeom prst="rect">
+            <a:avLst/>
+          </a:prstGeom>
         </p:spPr>
-        <p:txBody>
-          <a:bodyPr/>
-          <a:lstStyle/>
-          <a:p>
-            <a:endParaRPr lang="en-US" dirty="0"/>
-          </a:p>
-        </p:txBody>
-      </p:sp>
+      </p:pic>
+      <p:pic>
+        <p:nvPicPr>
+          <p:cNvPr id="4" name="Picture 3">
+            <a:extLst>
+              <a:ext uri="{FF2B5EF4-FFF2-40B4-BE49-F238E27FC236}">
+                <a16:creationId xmlns:a16="http://schemas.microsoft.com/office/drawing/2014/main" id="{DD99FE0C-189B-460A-A9AC-9D01098A1696}"/>
+              </a:ext>
+            </a:extLst>
+          </p:cNvPr>
+          <p:cNvPicPr>
+            <a:picLocks noChangeAspect="1"/>
+          </p:cNvPicPr>
+          <p:nvPr/>
+        </p:nvPicPr>
+        <p:blipFill>
+          <a:blip r:embed="rId4"/>
+          <a:stretch>
+            <a:fillRect/>
+          </a:stretch>
+        </p:blipFill>
+        <p:spPr>
+          <a:xfrm>
+            <a:off x="2069123" y="1518368"/>
+            <a:ext cx="7954268" cy="4477897"/>
+          </a:xfrm>
+          <a:prstGeom prst="rect">
+            <a:avLst/>
+          </a:prstGeom>
+        </p:spPr>
+      </p:pic>
     </p:spTree>
     <p:extLst>
       <p:ext uri="{BB962C8B-B14F-4D97-AF65-F5344CB8AC3E}">
-        <p14:creationId xmlns:p14="http://schemas.microsoft.com/office/powerpoint/2010/main" val="3042754836"/>
+        <p14:creationId xmlns:p14="http://schemas.microsoft.com/office/powerpoint/2010/main" val="3340878372"/>
       </p:ext>
     </p:extLst>
   </p:cSld>

--- a/Suppl/Pivotal Presentation - DTECTS.pptx
+++ b/Suppl/Pivotal Presentation - DTECTS.pptx
@@ -5,28 +5,29 @@
     <p:sldMasterId id="2147483648" r:id="rId1"/>
   </p:sldMasterIdLst>
   <p:notesMasterIdLst>
-    <p:notesMasterId r:id="rId21"/>
+    <p:notesMasterId r:id="rId22"/>
   </p:notesMasterIdLst>
   <p:sldIdLst>
     <p:sldId id="257" r:id="rId2"/>
     <p:sldId id="259" r:id="rId3"/>
     <p:sldId id="280" r:id="rId4"/>
-    <p:sldId id="281" r:id="rId5"/>
-    <p:sldId id="282" r:id="rId6"/>
-    <p:sldId id="296" r:id="rId7"/>
-    <p:sldId id="298" r:id="rId8"/>
-    <p:sldId id="291" r:id="rId9"/>
-    <p:sldId id="295" r:id="rId10"/>
-    <p:sldId id="294" r:id="rId11"/>
-    <p:sldId id="293" r:id="rId12"/>
-    <p:sldId id="292" r:id="rId13"/>
-    <p:sldId id="283" r:id="rId14"/>
-    <p:sldId id="284" r:id="rId15"/>
-    <p:sldId id="286" r:id="rId16"/>
-    <p:sldId id="287" r:id="rId17"/>
-    <p:sldId id="288" r:id="rId18"/>
-    <p:sldId id="290" r:id="rId19"/>
-    <p:sldId id="289" r:id="rId20"/>
+    <p:sldId id="299" r:id="rId5"/>
+    <p:sldId id="281" r:id="rId6"/>
+    <p:sldId id="282" r:id="rId7"/>
+    <p:sldId id="296" r:id="rId8"/>
+    <p:sldId id="298" r:id="rId9"/>
+    <p:sldId id="291" r:id="rId10"/>
+    <p:sldId id="295" r:id="rId11"/>
+    <p:sldId id="294" r:id="rId12"/>
+    <p:sldId id="293" r:id="rId13"/>
+    <p:sldId id="292" r:id="rId14"/>
+    <p:sldId id="283" r:id="rId15"/>
+    <p:sldId id="284" r:id="rId16"/>
+    <p:sldId id="286" r:id="rId17"/>
+    <p:sldId id="287" r:id="rId18"/>
+    <p:sldId id="288" r:id="rId19"/>
+    <p:sldId id="290" r:id="rId20"/>
+    <p:sldId id="289" r:id="rId21"/>
   </p:sldIdLst>
   <p:sldSz cx="12192000" cy="6858000"/>
   <p:notesSz cx="6858000" cy="9144000"/>
@@ -226,7 +227,7 @@
           <a:p>
             <a:fld id="{70A2C202-6B9D-433D-94D3-48C0EF1495AE}" type="datetimeFigureOut">
               <a:rPr lang="en-US" smtClean="0"/>
-              <a:t>7/25/2018</a:t>
+              <a:t>7/26/2018</a:t>
             </a:fld>
             <a:endParaRPr lang="en-US"/>
           </a:p>
@@ -936,7 +937,7 @@
             </a:pPr>
             <a:r>
               <a:rPr lang="en-US" dirty="0"/>
-              <a:t>Clear segmentation and modularization of design</a:t>
+              <a:t>Uniform naming schema</a:t>
             </a:r>
           </a:p>
           <a:p>
@@ -946,7 +947,7 @@
             </a:pPr>
             <a:r>
               <a:rPr lang="en-US" dirty="0"/>
-              <a:t>Consistent part selection</a:t>
+              <a:t>Consistent, uniform symbols</a:t>
             </a:r>
           </a:p>
           <a:p>
@@ -956,25 +957,8 @@
             </a:pPr>
             <a:r>
               <a:rPr lang="en-US" dirty="0"/>
-              <a:t>Clean selection and placement for external I/O</a:t>
-            </a:r>
-          </a:p>
-          <a:p>
-            <a:pPr marL="171450" indent="-171450">
-              <a:buFontTx/>
-              <a:buChar char="-"/>
-            </a:pPr>
-            <a:r>
-              <a:rPr lang="en-US" dirty="0"/>
-              <a:t>Design flexibility for future expansion</a:t>
-            </a:r>
-          </a:p>
-          <a:p>
-            <a:pPr marL="171450" indent="-171450">
-              <a:buFontTx/>
-              <a:buChar char="-"/>
-            </a:pPr>
-            <a:endParaRPr lang="en-US" dirty="0"/>
+              <a:t>Complete silkscreen &amp; outline markup</a:t>
+            </a:r>
           </a:p>
         </p:txBody>
       </p:sp>
@@ -1004,7 +988,7 @@
     </p:spTree>
     <p:extLst>
       <p:ext uri="{BB962C8B-B14F-4D97-AF65-F5344CB8AC3E}">
-        <p14:creationId xmlns:p14="http://schemas.microsoft.com/office/powerpoint/2010/main" val="2959733451"/>
+        <p14:creationId xmlns:p14="http://schemas.microsoft.com/office/powerpoint/2010/main" val="3592769984"/>
       </p:ext>
     </p:extLst>
   </p:cSld>
@@ -1058,9 +1042,49 @@
           <a:bodyPr/>
           <a:lstStyle/>
           <a:p>
-            <a:pPr marL="0" indent="0">
-              <a:buFontTx/>
-              <a:buNone/>
+            <a:pPr marL="171450" indent="-171450">
+              <a:buFontTx/>
+              <a:buChar char="-"/>
+            </a:pPr>
+            <a:r>
+              <a:rPr lang="en-US" dirty="0"/>
+              <a:t>Clear segmentation and modularization of design</a:t>
+            </a:r>
+          </a:p>
+          <a:p>
+            <a:pPr marL="171450" indent="-171450">
+              <a:buFontTx/>
+              <a:buChar char="-"/>
+            </a:pPr>
+            <a:r>
+              <a:rPr lang="en-US" dirty="0"/>
+              <a:t>Consistent part selection</a:t>
+            </a:r>
+          </a:p>
+          <a:p>
+            <a:pPr marL="171450" indent="-171450">
+              <a:buFontTx/>
+              <a:buChar char="-"/>
+            </a:pPr>
+            <a:r>
+              <a:rPr lang="en-US" dirty="0"/>
+              <a:t>Clean selection and placement for external I/O</a:t>
+            </a:r>
+          </a:p>
+          <a:p>
+            <a:pPr marL="171450" indent="-171450">
+              <a:buFontTx/>
+              <a:buChar char="-"/>
+            </a:pPr>
+            <a:r>
+              <a:rPr lang="en-US" dirty="0"/>
+              <a:t>Design flexibility for future expansion</a:t>
+            </a:r>
+          </a:p>
+          <a:p>
+            <a:pPr marL="171450" indent="-171450">
+              <a:buFontTx/>
+              <a:buChar char="-"/>
             </a:pPr>
             <a:endParaRPr lang="en-US" dirty="0"/>
           </a:p>
@@ -1092,7 +1116,7 @@
     </p:spTree>
     <p:extLst>
       <p:ext uri="{BB962C8B-B14F-4D97-AF65-F5344CB8AC3E}">
-        <p14:creationId xmlns:p14="http://schemas.microsoft.com/office/powerpoint/2010/main" val="3749563727"/>
+        <p14:creationId xmlns:p14="http://schemas.microsoft.com/office/powerpoint/2010/main" val="2959733451"/>
       </p:ext>
     </p:extLst>
   </p:cSld>
@@ -1180,7 +1204,7 @@
     </p:spTree>
     <p:extLst>
       <p:ext uri="{BB962C8B-B14F-4D97-AF65-F5344CB8AC3E}">
-        <p14:creationId xmlns:p14="http://schemas.microsoft.com/office/powerpoint/2010/main" val="1280536660"/>
+        <p14:creationId xmlns:p14="http://schemas.microsoft.com/office/powerpoint/2010/main" val="3749563727"/>
       </p:ext>
     </p:extLst>
   </p:cSld>
@@ -1234,46 +1258,6 @@
           <a:bodyPr/>
           <a:lstStyle/>
           <a:p>
-            <a:pPr marL="171450" indent="-171450">
-              <a:buFontTx/>
-              <a:buChar char="-"/>
-            </a:pPr>
-            <a:r>
-              <a:rPr lang="en-US" dirty="0"/>
-              <a:t>Unmet customer needs</a:t>
-            </a:r>
-          </a:p>
-          <a:p>
-            <a:pPr marL="171450" indent="-171450">
-              <a:buFontTx/>
-              <a:buChar char="-"/>
-            </a:pPr>
-            <a:r>
-              <a:rPr lang="en-US" dirty="0"/>
-              <a:t>Work scope identification</a:t>
-            </a:r>
-          </a:p>
-          <a:p>
-            <a:pPr marL="171450" indent="-171450">
-              <a:buFontTx/>
-              <a:buChar char="-"/>
-            </a:pPr>
-            <a:r>
-              <a:rPr lang="en-US" dirty="0"/>
-              <a:t>Espressif</a:t>
-            </a:r>
-          </a:p>
-          <a:p>
-            <a:pPr marL="171450" indent="-171450">
-              <a:buFontTx/>
-              <a:buChar char="-"/>
-            </a:pPr>
-            <a:r>
-              <a:rPr lang="en-US" dirty="0"/>
-              <a:t>Satisfying ambitious, abstract design needs</a:t>
-            </a:r>
-          </a:p>
-          <a:p>
             <a:pPr marL="0" indent="0">
               <a:buFontTx/>
               <a:buNone/>
@@ -1308,7 +1292,7 @@
     </p:spTree>
     <p:extLst>
       <p:ext uri="{BB962C8B-B14F-4D97-AF65-F5344CB8AC3E}">
-        <p14:creationId xmlns:p14="http://schemas.microsoft.com/office/powerpoint/2010/main" val="3236089897"/>
+        <p14:creationId xmlns:p14="http://schemas.microsoft.com/office/powerpoint/2010/main" val="1280536660"/>
       </p:ext>
     </p:extLst>
   </p:cSld>
@@ -1368,7 +1352,7 @@
             </a:pPr>
             <a:r>
               <a:rPr lang="en-US" dirty="0"/>
-              <a:t>Schematics</a:t>
+              <a:t>Unmet customer needs</a:t>
             </a:r>
           </a:p>
           <a:p>
@@ -1378,7 +1362,7 @@
             </a:pPr>
             <a:r>
               <a:rPr lang="en-US" dirty="0"/>
-              <a:t>Documentation</a:t>
+              <a:t>Work scope identification</a:t>
             </a:r>
           </a:p>
           <a:p>
@@ -1388,7 +1372,7 @@
             </a:pPr>
             <a:r>
               <a:rPr lang="en-US" dirty="0"/>
-              <a:t>Board Design</a:t>
+              <a:t>Espressif</a:t>
             </a:r>
           </a:p>
           <a:p>
@@ -1398,37 +1382,7 @@
             </a:pPr>
             <a:r>
               <a:rPr lang="en-US" dirty="0"/>
-              <a:t>Espressif bare-metal scope</a:t>
-            </a:r>
-          </a:p>
-          <a:p>
-            <a:pPr marL="171450" indent="-171450">
-              <a:buFontTx/>
-              <a:buChar char="-"/>
-            </a:pPr>
-            <a:r>
-              <a:rPr lang="en-US" dirty="0"/>
-              <a:t>Roadmap establish</a:t>
-            </a:r>
-          </a:p>
-          <a:p>
-            <a:pPr marL="171450" indent="-171450">
-              <a:buFontTx/>
-              <a:buChar char="-"/>
-            </a:pPr>
-            <a:r>
-              <a:rPr lang="en-US" dirty="0"/>
-              <a:t>Procedure Reference</a:t>
-            </a:r>
-          </a:p>
-          <a:p>
-            <a:pPr marL="171450" indent="-171450">
-              <a:buFontTx/>
-              <a:buChar char="-"/>
-            </a:pPr>
-            <a:r>
-              <a:rPr lang="en-US" dirty="0"/>
-              <a:t>GitHub</a:t>
+              <a:t>Satisfying ambitious, abstract design needs</a:t>
             </a:r>
           </a:p>
           <a:p>
@@ -1466,7 +1420,7 @@
     </p:spTree>
     <p:extLst>
       <p:ext uri="{BB962C8B-B14F-4D97-AF65-F5344CB8AC3E}">
-        <p14:creationId xmlns:p14="http://schemas.microsoft.com/office/powerpoint/2010/main" val="812602940"/>
+        <p14:creationId xmlns:p14="http://schemas.microsoft.com/office/powerpoint/2010/main" val="3236089897"/>
       </p:ext>
     </p:extLst>
   </p:cSld>
@@ -1526,7 +1480,7 @@
             </a:pPr>
             <a:r>
               <a:rPr lang="en-US" dirty="0"/>
-              <a:t>Communication</a:t>
+              <a:t>Schematics</a:t>
             </a:r>
           </a:p>
           <a:p>
@@ -1536,7 +1490,7 @@
             </a:pPr>
             <a:r>
               <a:rPr lang="en-US" dirty="0"/>
-              <a:t>Needs Identification &amp; Customer Relations</a:t>
+              <a:t>Documentation</a:t>
             </a:r>
           </a:p>
           <a:p>
@@ -1546,7 +1500,7 @@
             </a:pPr>
             <a:r>
               <a:rPr lang="en-US" dirty="0"/>
-              <a:t>Translation of Ambitions to Marketable Results</a:t>
+              <a:t>Board Design</a:t>
             </a:r>
           </a:p>
           <a:p>
@@ -1556,7 +1510,7 @@
             </a:pPr>
             <a:r>
               <a:rPr lang="en-US" dirty="0"/>
-              <a:t>EAGLE Ramp</a:t>
+              <a:t>Espressif bare-metal scope</a:t>
             </a:r>
           </a:p>
           <a:p>
@@ -1566,7 +1520,7 @@
             </a:pPr>
             <a:r>
               <a:rPr lang="en-US" dirty="0"/>
-              <a:t>Espressif Exposure &amp; Practice</a:t>
+              <a:t>Roadmap establish</a:t>
             </a:r>
           </a:p>
           <a:p>
@@ -1576,7 +1530,17 @@
             </a:pPr>
             <a:r>
               <a:rPr lang="en-US" dirty="0"/>
-              <a:t>Relationships</a:t>
+              <a:t>Procedure Reference</a:t>
+            </a:r>
+          </a:p>
+          <a:p>
+            <a:pPr marL="171450" indent="-171450">
+              <a:buFontTx/>
+              <a:buChar char="-"/>
+            </a:pPr>
+            <a:r>
+              <a:rPr lang="en-US" dirty="0"/>
+              <a:t>GitHub</a:t>
             </a:r>
           </a:p>
           <a:p>
@@ -1614,7 +1578,7 @@
     </p:spTree>
     <p:extLst>
       <p:ext uri="{BB962C8B-B14F-4D97-AF65-F5344CB8AC3E}">
-        <p14:creationId xmlns:p14="http://schemas.microsoft.com/office/powerpoint/2010/main" val="264461871"/>
+        <p14:creationId xmlns:p14="http://schemas.microsoft.com/office/powerpoint/2010/main" val="812602940"/>
       </p:ext>
     </p:extLst>
   </p:cSld>
@@ -1674,7 +1638,7 @@
             </a:pPr>
             <a:r>
               <a:rPr lang="en-US" dirty="0"/>
-              <a:t>Strengthened relations with Tomm</a:t>
+              <a:t>Communication</a:t>
             </a:r>
           </a:p>
           <a:p>
@@ -1684,7 +1648,7 @@
             </a:pPr>
             <a:r>
               <a:rPr lang="en-US" dirty="0"/>
-              <a:t>Tyler Brown Opportunity</a:t>
+              <a:t>Needs Identification &amp; Customer Relations</a:t>
             </a:r>
           </a:p>
           <a:p>
@@ -1694,7 +1658,7 @@
             </a:pPr>
             <a:r>
               <a:rPr lang="en-US" dirty="0"/>
-              <a:t>Billy Keogh Opportunity</a:t>
+              <a:t>Translation of Ambitions to Marketable Results</a:t>
             </a:r>
           </a:p>
           <a:p>
@@ -1704,7 +1668,7 @@
             </a:pPr>
             <a:r>
               <a:rPr lang="en-US" dirty="0"/>
-              <a:t>Jmr Opportunity</a:t>
+              <a:t>EAGLE Ramp</a:t>
             </a:r>
           </a:p>
           <a:p>
@@ -1714,7 +1678,7 @@
             </a:pPr>
             <a:r>
               <a:rPr lang="en-US" dirty="0"/>
-              <a:t>Mentor &amp; Network relations</a:t>
+              <a:t>Espressif Exposure &amp; Practice</a:t>
             </a:r>
           </a:p>
           <a:p>
@@ -1724,7 +1688,7 @@
             </a:pPr>
             <a:r>
               <a:rPr lang="en-US" dirty="0"/>
-              <a:t>Xylem &amp; Ergsense relations</a:t>
+              <a:t>Relationships</a:t>
             </a:r>
           </a:p>
           <a:p>
@@ -1762,7 +1726,7 @@
     </p:spTree>
     <p:extLst>
       <p:ext uri="{BB962C8B-B14F-4D97-AF65-F5344CB8AC3E}">
-        <p14:creationId xmlns:p14="http://schemas.microsoft.com/office/powerpoint/2010/main" val="3716442150"/>
+        <p14:creationId xmlns:p14="http://schemas.microsoft.com/office/powerpoint/2010/main" val="264461871"/>
       </p:ext>
     </p:extLst>
   </p:cSld>
@@ -1822,11 +1786,7 @@
             </a:pPr>
             <a:r>
               <a:rPr lang="en-US" dirty="0"/>
-              <a:t>Frame, sketch w/vision</a:t>
-            </a:r>
-            <a:r>
-              <a:rPr lang="en-US" baseline="0" dirty="0"/>
-              <a:t> &amp; intent, draft</a:t>
+              <a:t>Strengthened relations with Tomm</a:t>
             </a:r>
           </a:p>
           <a:p>
@@ -1835,8 +1795,8 @@
               <a:buChar char="-"/>
             </a:pPr>
             <a:r>
-              <a:rPr lang="en-US" baseline="0" dirty="0"/>
-              <a:t>Source control &amp; procedure!</a:t>
+              <a:rPr lang="en-US" dirty="0"/>
+              <a:t>Tyler Brown Opportunity</a:t>
             </a:r>
           </a:p>
           <a:p>
@@ -1845,8 +1805,8 @@
               <a:buChar char="-"/>
             </a:pPr>
             <a:r>
-              <a:rPr lang="en-US" baseline="0" dirty="0"/>
-              <a:t>Help from experience (Tomm, Terry, Father)</a:t>
+              <a:rPr lang="en-US" dirty="0"/>
+              <a:t>Billy Keogh Opportunity</a:t>
             </a:r>
           </a:p>
           <a:p>
@@ -1856,11 +1816,7 @@
             </a:pPr>
             <a:r>
               <a:rPr lang="en-US" dirty="0"/>
-              <a:t>Describe</a:t>
-            </a:r>
-            <a:r>
-              <a:rPr lang="en-US" baseline="0" dirty="0"/>
-              <a:t> procedure of PPT Generation</a:t>
+              <a:t>Jmr Opportunity</a:t>
             </a:r>
           </a:p>
           <a:p>
@@ -1869,8 +1825,8 @@
               <a:buChar char="-"/>
             </a:pPr>
             <a:r>
-              <a:rPr lang="en-US" baseline="0" dirty="0"/>
-              <a:t>    selection &amp; outline</a:t>
+              <a:rPr lang="en-US" dirty="0"/>
+              <a:t>Mentor &amp; Network relations</a:t>
             </a:r>
           </a:p>
           <a:p>
@@ -1879,42 +1835,9 @@
               <a:buChar char="-"/>
             </a:pPr>
             <a:r>
-              <a:rPr lang="en-US" baseline="0" dirty="0"/>
-              <a:t>    customer meeting (Tomm)</a:t>
-            </a:r>
-          </a:p>
-          <a:p>
-            <a:pPr marL="171450" indent="-171450">
-              <a:buFontTx/>
-              <a:buChar char="-"/>
-            </a:pPr>
-            <a:r>
-              <a:rPr lang="en-US" baseline="0" dirty="0"/>
-              <a:t>    mentor advise (Tom, Father)</a:t>
-            </a:r>
-          </a:p>
-          <a:p>
-            <a:pPr marL="171450" indent="-171450">
-              <a:buFontTx/>
-              <a:buChar char="-"/>
-            </a:pPr>
-            <a:r>
-              <a:rPr lang="en-US" baseline="0" dirty="0"/>
-              <a:t>    outline</a:t>
-            </a:r>
-          </a:p>
-          <a:p>
-            <a:pPr marL="171450" indent="-171450">
-              <a:buFontTx/>
-              <a:buChar char="-"/>
-            </a:pPr>
-            <a:r>
-              <a:rPr lang="en-US" baseline="0" dirty="0"/>
-              <a:t>    find template</a:t>
-            </a:r>
-          </a:p>
-          <a:p>
-            <a:endParaRPr lang="en-US" dirty="0"/>
+              <a:rPr lang="en-US" dirty="0"/>
+              <a:t>Xylem &amp; Ergsense relations</a:t>
+            </a:r>
           </a:p>
           <a:p>
             <a:pPr marL="0" indent="0">
@@ -1951,7 +1874,7 @@
     </p:spTree>
     <p:extLst>
       <p:ext uri="{BB962C8B-B14F-4D97-AF65-F5344CB8AC3E}">
-        <p14:creationId xmlns:p14="http://schemas.microsoft.com/office/powerpoint/2010/main" val="648812506"/>
+        <p14:creationId xmlns:p14="http://schemas.microsoft.com/office/powerpoint/2010/main" val="3716442150"/>
       </p:ext>
     </p:extLst>
   </p:cSld>
@@ -2011,7 +1934,11 @@
             </a:pPr>
             <a:r>
               <a:rPr lang="en-US" dirty="0"/>
-              <a:t>Board Design</a:t>
+              <a:t>Frame, sketch w/vision</a:t>
+            </a:r>
+            <a:r>
+              <a:rPr lang="en-US" baseline="0" dirty="0"/>
+              <a:t> &amp; intent, draft</a:t>
             </a:r>
           </a:p>
           <a:p>
@@ -2020,8 +1947,8 @@
               <a:buChar char="-"/>
             </a:pPr>
             <a:r>
-              <a:rPr lang="en-US" dirty="0"/>
-              <a:t>Board Fab &amp; Validate</a:t>
+              <a:rPr lang="en-US" baseline="0" dirty="0"/>
+              <a:t>Source control &amp; procedure!</a:t>
             </a:r>
           </a:p>
           <a:p>
@@ -2030,8 +1957,8 @@
               <a:buChar char="-"/>
             </a:pPr>
             <a:r>
-              <a:rPr lang="en-US" dirty="0"/>
-              <a:t>Firmware</a:t>
+              <a:rPr lang="en-US" baseline="0" dirty="0"/>
+              <a:t>Help from experience (Tomm, Terry, Father)</a:t>
             </a:r>
           </a:p>
           <a:p>
@@ -2041,8 +1968,65 @@
             </a:pPr>
             <a:r>
               <a:rPr lang="en-US" dirty="0"/>
-              <a:t>Rapid Prototyping</a:t>
-            </a:r>
+              <a:t>Describe</a:t>
+            </a:r>
+            <a:r>
+              <a:rPr lang="en-US" baseline="0" dirty="0"/>
+              <a:t> procedure of PPT Generation</a:t>
+            </a:r>
+          </a:p>
+          <a:p>
+            <a:pPr marL="171450" indent="-171450">
+              <a:buFontTx/>
+              <a:buChar char="-"/>
+            </a:pPr>
+            <a:r>
+              <a:rPr lang="en-US" baseline="0" dirty="0"/>
+              <a:t>    selection &amp; outline</a:t>
+            </a:r>
+          </a:p>
+          <a:p>
+            <a:pPr marL="171450" indent="-171450">
+              <a:buFontTx/>
+              <a:buChar char="-"/>
+            </a:pPr>
+            <a:r>
+              <a:rPr lang="en-US" baseline="0" dirty="0"/>
+              <a:t>    customer meeting (Tomm)</a:t>
+            </a:r>
+          </a:p>
+          <a:p>
+            <a:pPr marL="171450" indent="-171450">
+              <a:buFontTx/>
+              <a:buChar char="-"/>
+            </a:pPr>
+            <a:r>
+              <a:rPr lang="en-US" baseline="0" dirty="0"/>
+              <a:t>    mentor advise (Tom, Father)</a:t>
+            </a:r>
+          </a:p>
+          <a:p>
+            <a:pPr marL="171450" indent="-171450">
+              <a:buFontTx/>
+              <a:buChar char="-"/>
+            </a:pPr>
+            <a:r>
+              <a:rPr lang="en-US" baseline="0" dirty="0"/>
+              <a:t>    outline</a:t>
+            </a:r>
+          </a:p>
+          <a:p>
+            <a:pPr marL="171450" indent="-171450">
+              <a:buFontTx/>
+              <a:buChar char="-"/>
+            </a:pPr>
+            <a:r>
+              <a:rPr lang="en-US" baseline="0" dirty="0"/>
+              <a:t>    find template</a:t>
+            </a:r>
+          </a:p>
+          <a:p>
+            <a:endParaRPr lang="en-US" dirty="0"/>
           </a:p>
           <a:p>
             <a:pPr marL="0" indent="0">
@@ -2079,7 +2063,7 @@
     </p:spTree>
     <p:extLst>
       <p:ext uri="{BB962C8B-B14F-4D97-AF65-F5344CB8AC3E}">
-        <p14:creationId xmlns:p14="http://schemas.microsoft.com/office/powerpoint/2010/main" val="3025603983"/>
+        <p14:creationId xmlns:p14="http://schemas.microsoft.com/office/powerpoint/2010/main" val="648812506"/>
       </p:ext>
     </p:extLst>
   </p:cSld>
@@ -2133,21 +2117,44 @@
           <a:bodyPr/>
           <a:lstStyle/>
           <a:p>
-            <a:r>
-              <a:rPr lang="en-US" dirty="0"/>
-              <a:t>*Integrate Tomm Notes</a:t>
-            </a:r>
-          </a:p>
-          <a:p>
-            <a:r>
-              <a:rPr lang="en-US" dirty="0"/>
-              <a:t>*Form</a:t>
-            </a:r>
-            <a:r>
-              <a:rPr lang="en-US" baseline="0" dirty="0"/>
-              <a:t> rules &amp; presentation target</a:t>
-            </a:r>
-            <a:endParaRPr lang="en-US" dirty="0"/>
+            <a:pPr marL="171450" indent="-171450">
+              <a:buFontTx/>
+              <a:buChar char="-"/>
+            </a:pPr>
+            <a:r>
+              <a:rPr lang="en-US" dirty="0"/>
+              <a:t>Board Design</a:t>
+            </a:r>
+          </a:p>
+          <a:p>
+            <a:pPr marL="171450" indent="-171450">
+              <a:buFontTx/>
+              <a:buChar char="-"/>
+            </a:pPr>
+            <a:r>
+              <a:rPr lang="en-US" dirty="0"/>
+              <a:t>Board Fab &amp; Validate</a:t>
+            </a:r>
+          </a:p>
+          <a:p>
+            <a:pPr marL="171450" indent="-171450">
+              <a:buFontTx/>
+              <a:buChar char="-"/>
+            </a:pPr>
+            <a:r>
+              <a:rPr lang="en-US" dirty="0"/>
+              <a:t>Firmware</a:t>
+            </a:r>
+          </a:p>
+          <a:p>
+            <a:pPr marL="171450" indent="-171450">
+              <a:buFontTx/>
+              <a:buChar char="-"/>
+            </a:pPr>
+            <a:r>
+              <a:rPr lang="en-US" dirty="0"/>
+              <a:t>Rapid Prototyping</a:t>
+            </a:r>
           </a:p>
           <a:p>
             <a:pPr marL="0" indent="0">
@@ -2184,7 +2191,7 @@
     </p:spTree>
     <p:extLst>
       <p:ext uri="{BB962C8B-B14F-4D97-AF65-F5344CB8AC3E}">
-        <p14:creationId xmlns:p14="http://schemas.microsoft.com/office/powerpoint/2010/main" val="1594136022"/>
+        <p14:creationId xmlns:p14="http://schemas.microsoft.com/office/powerpoint/2010/main" val="3025603983"/>
       </p:ext>
     </p:extLst>
   </p:cSld>
@@ -2523,6 +2530,111 @@
     <p:extLst>
       <p:ext uri="{BB962C8B-B14F-4D97-AF65-F5344CB8AC3E}">
         <p14:creationId xmlns:p14="http://schemas.microsoft.com/office/powerpoint/2010/main" val="3206697118"/>
+      </p:ext>
+    </p:extLst>
+  </p:cSld>
+  <p:clrMapOvr>
+    <a:masterClrMapping/>
+  </p:clrMapOvr>
+</p:notes>
+</file>
+
+<file path=ppt/notesSlides/notesSlide20.xml><?xml version="1.0" encoding="utf-8"?>
+<p:notes xmlns:a="http://schemas.openxmlformats.org/drawingml/2006/main" xmlns:r="http://schemas.openxmlformats.org/officeDocument/2006/relationships" xmlns:p="http://schemas.openxmlformats.org/presentationml/2006/main">
+  <p:cSld>
+    <p:spTree>
+      <p:nvGrpSpPr>
+        <p:cNvPr id="1" name=""/>
+        <p:cNvGrpSpPr/>
+        <p:nvPr/>
+      </p:nvGrpSpPr>
+      <p:grpSpPr>
+        <a:xfrm>
+          <a:off x="0" y="0"/>
+          <a:ext cx="0" cy="0"/>
+          <a:chOff x="0" y="0"/>
+          <a:chExt cx="0" cy="0"/>
+        </a:xfrm>
+      </p:grpSpPr>
+      <p:sp>
+        <p:nvSpPr>
+          <p:cNvPr id="2" name="Slide Image Placeholder 1"/>
+          <p:cNvSpPr>
+            <a:spLocks noGrp="1" noRot="1" noChangeAspect="1"/>
+          </p:cNvSpPr>
+          <p:nvPr>
+            <p:ph type="sldImg"/>
+          </p:nvPr>
+        </p:nvSpPr>
+        <p:spPr/>
+      </p:sp>
+      <p:sp>
+        <p:nvSpPr>
+          <p:cNvPr id="3" name="Notes Placeholder 2"/>
+          <p:cNvSpPr>
+            <a:spLocks noGrp="1"/>
+          </p:cNvSpPr>
+          <p:nvPr>
+            <p:ph type="body" idx="1"/>
+          </p:nvPr>
+        </p:nvSpPr>
+        <p:spPr/>
+        <p:txBody>
+          <a:bodyPr/>
+          <a:lstStyle/>
+          <a:p>
+            <a:r>
+              <a:rPr lang="en-US" dirty="0"/>
+              <a:t>*Integrate Tomm Notes</a:t>
+            </a:r>
+          </a:p>
+          <a:p>
+            <a:r>
+              <a:rPr lang="en-US" dirty="0"/>
+              <a:t>*Form</a:t>
+            </a:r>
+            <a:r>
+              <a:rPr lang="en-US" baseline="0" dirty="0"/>
+              <a:t> rules &amp; presentation target</a:t>
+            </a:r>
+            <a:endParaRPr lang="en-US" dirty="0"/>
+          </a:p>
+          <a:p>
+            <a:pPr marL="0" indent="0">
+              <a:buFontTx/>
+              <a:buNone/>
+            </a:pPr>
+            <a:endParaRPr lang="en-US" dirty="0"/>
+          </a:p>
+        </p:txBody>
+      </p:sp>
+      <p:sp>
+        <p:nvSpPr>
+          <p:cNvPr id="4" name="Slide Number Placeholder 3"/>
+          <p:cNvSpPr>
+            <a:spLocks noGrp="1"/>
+          </p:cNvSpPr>
+          <p:nvPr>
+            <p:ph type="sldNum" sz="quarter" idx="10"/>
+          </p:nvPr>
+        </p:nvSpPr>
+        <p:spPr/>
+        <p:txBody>
+          <a:bodyPr/>
+          <a:lstStyle/>
+          <a:p>
+            <a:fld id="{4AC65D0B-F732-4E21-9A8D-1C6A15A6A84B}" type="slidenum">
+              <a:rPr lang="en-US" smtClean="0"/>
+              <a:t>20</a:t>
+            </a:fld>
+            <a:endParaRPr lang="en-US" dirty="0"/>
+          </a:p>
+        </p:txBody>
+      </p:sp>
+    </p:spTree>
+    <p:extLst>
+      <p:ext uri="{BB962C8B-B14F-4D97-AF65-F5344CB8AC3E}">
+        <p14:creationId xmlns:p14="http://schemas.microsoft.com/office/powerpoint/2010/main" val="1594136022"/>
       </p:ext>
     </p:extLst>
   </p:cSld>
@@ -2891,303 +3003,93 @@
           <a:bodyPr/>
           <a:lstStyle/>
           <a:p>
-            <a:pPr marL="0" indent="0">
-              <a:buFontTx/>
-              <a:buNone/>
-            </a:pPr>
-            <a:r>
-              <a:rPr lang="en-US" dirty="0"/>
-              <a:t>Needs Identification</a:t>
-            </a:r>
-          </a:p>
-          <a:p>
-            <a:pPr marL="628650" marR="0" lvl="1" indent="-171450" algn="l" defTabSz="914400" rtl="0" eaLnBrk="1" fontAlgn="auto" latinLnBrk="0" hangingPunct="1">
-              <a:lnSpc>
-                <a:spcPct val="100000"/>
-              </a:lnSpc>
-              <a:spcBef>
-                <a:spcPts val="0"/>
-              </a:spcBef>
-              <a:spcAft>
-                <a:spcPts val="0"/>
-              </a:spcAft>
-              <a:buClrTx/>
-              <a:buSzTx/>
+            <a:pPr marL="171450" indent="-171450">
               <a:buFontTx/>
               <a:buChar char="-"/>
-              <a:tabLst/>
-              <a:defRPr/>
-            </a:pPr>
-            <a:r>
-              <a:rPr lang="en-US" dirty="0"/>
-              <a:t>Time</a:t>
-            </a:r>
+            </a:pPr>
             <a:r>
               <a:rPr lang="en-US" baseline="0" dirty="0"/>
-              <a:t> Spent: </a:t>
-            </a:r>
-            <a:endParaRPr lang="en-US" dirty="0"/>
-          </a:p>
-          <a:p>
-            <a:pPr marL="628650" lvl="1" indent="-171450">
+              <a:t>Project ramp (remote site visits, project acclimate, Arduino explore)</a:t>
+            </a:r>
+          </a:p>
+          <a:p>
+            <a:pPr marL="171450" indent="-171450">
               <a:buFontTx/>
               <a:buChar char="-"/>
             </a:pPr>
             <a:r>
-              <a:rPr lang="en-US" dirty="0"/>
-              <a:t>In-person</a:t>
-            </a:r>
-            <a:r>
               <a:rPr lang="en-US" baseline="0" dirty="0"/>
-              <a:t> visits, hands on time with DUT to establish scope &amp; path forward</a:t>
-            </a:r>
-          </a:p>
-          <a:p>
-            <a:pPr marL="628650" lvl="1" indent="-171450">
+              <a:t>Path identification</a:t>
+            </a:r>
+          </a:p>
+          <a:p>
+            <a:pPr marL="171450" indent="-171450">
               <a:buFontTx/>
               <a:buChar char="-"/>
             </a:pPr>
             <a:r>
               <a:rPr lang="en-US" baseline="0" dirty="0"/>
-              <a:t>Time on the seat trying things that were known to not succeed, in order to communicate this (ESP, Hand Re-work, PCB Design Selections, Comm Interfaces)</a:t>
-            </a:r>
-          </a:p>
-          <a:p>
-            <a:pPr marL="628650" lvl="1" indent="-171450">
+              <a:t>Bare metal investigation, ESP32</a:t>
+            </a:r>
+          </a:p>
+          <a:p>
+            <a:pPr marL="171450" indent="-171450">
               <a:buFontTx/>
               <a:buChar char="-"/>
             </a:pPr>
             <a:r>
               <a:rPr lang="en-US" baseline="0" dirty="0"/>
-              <a:t>Clear Scope with Doc of Ideas</a:t>
-            </a:r>
-          </a:p>
-          <a:p>
-            <a:pPr marL="628650" lvl="1" indent="-171450">
+              <a:t>…</a:t>
+            </a:r>
+          </a:p>
+          <a:p>
+            <a:pPr marL="171450" indent="-171450">
               <a:buFontTx/>
               <a:buChar char="-"/>
             </a:pPr>
             <a:r>
               <a:rPr lang="en-US" baseline="0" dirty="0"/>
-              <a:t>Present ideas with articulation, PoC when possible</a:t>
-            </a:r>
-            <a:endParaRPr lang="en-US" dirty="0"/>
-          </a:p>
-          <a:p>
-            <a:pPr marL="0" indent="0">
-              <a:buFontTx/>
-              <a:buNone/>
-            </a:pPr>
-            <a:endParaRPr lang="en-US" dirty="0"/>
-          </a:p>
-          <a:p>
-            <a:pPr marL="0" indent="0">
-              <a:buFontTx/>
-              <a:buNone/>
-            </a:pPr>
-            <a:r>
-              <a:rPr lang="en-US" dirty="0"/>
-              <a:t>Firmware Development</a:t>
-            </a:r>
-          </a:p>
-          <a:p>
-            <a:pPr marL="628650" lvl="1" indent="-171450">
+              <a:t>Revisioning formalization &amp; team sharing (GitHub)</a:t>
+            </a:r>
+          </a:p>
+          <a:p>
+            <a:pPr marL="171450" indent="-171450">
               <a:buFontTx/>
               <a:buChar char="-"/>
             </a:pPr>
             <a:r>
-              <a:rPr lang="en-US" dirty="0"/>
-              <a:t>Time</a:t>
-            </a:r>
-            <a:r>
               <a:rPr lang="en-US" baseline="0" dirty="0"/>
-              <a:t> Spent: Espressif VM, ESP-SDK Ramp &amp; Feather Deployment (JTAG)</a:t>
-            </a:r>
-            <a:endParaRPr lang="en-US" dirty="0"/>
-          </a:p>
-          <a:p>
-            <a:pPr marL="628650" lvl="1" indent="-171450">
+              <a:t>Project &amp; documentation standardization</a:t>
+            </a:r>
+          </a:p>
+          <a:p>
+            <a:pPr marL="171450" indent="-171450">
               <a:buFontTx/>
               <a:buChar char="-"/>
             </a:pPr>
             <a:r>
-              <a:rPr lang="en-US" dirty="0"/>
-              <a:t>Focused on path to market and only stepped in</a:t>
-            </a:r>
-            <a:r>
               <a:rPr lang="en-US" baseline="0" dirty="0"/>
-              <a:t> on request (Arduino) or for path (ESP)</a:t>
-            </a:r>
-          </a:p>
-          <a:p>
-            <a:pPr marL="628650" lvl="1" indent="-171450">
+              <a:t>Schematics &amp; project standardize</a:t>
+            </a:r>
+          </a:p>
+          <a:p>
+            <a:pPr marL="171450" indent="-171450">
               <a:buFontTx/>
               <a:buChar char="-"/>
             </a:pPr>
             <a:r>
               <a:rPr lang="en-US" baseline="0" dirty="0"/>
-              <a:t>Focused on tangible results, shared with customer and asked for decision on next steps</a:t>
-            </a:r>
-          </a:p>
-          <a:p>
-            <a:pPr marL="0" indent="0">
-              <a:buFontTx/>
-              <a:buNone/>
-            </a:pPr>
-            <a:endParaRPr lang="en-US" dirty="0"/>
-          </a:p>
-          <a:p>
-            <a:pPr marL="0" indent="0">
-              <a:buFontTx/>
-              <a:buNone/>
-            </a:pPr>
-            <a:r>
-              <a:rPr lang="en-US" dirty="0"/>
-              <a:t>Board Development</a:t>
-            </a:r>
-          </a:p>
-          <a:p>
-            <a:pPr marL="628650" marR="0" lvl="1" indent="-171450" algn="l" defTabSz="914400" rtl="0" eaLnBrk="1" fontAlgn="auto" latinLnBrk="0" hangingPunct="1">
-              <a:lnSpc>
-                <a:spcPct val="100000"/>
-              </a:lnSpc>
-              <a:spcBef>
-                <a:spcPts val="0"/>
-              </a:spcBef>
-              <a:spcAft>
-                <a:spcPts val="0"/>
-              </a:spcAft>
-              <a:buClrTx/>
-              <a:buSzTx/>
+              <a:t>Board architecture standardize</a:t>
+            </a:r>
+          </a:p>
+          <a:p>
+            <a:pPr marL="171450" indent="-171450">
               <a:buFontTx/>
               <a:buChar char="-"/>
-              <a:tabLst/>
-              <a:defRPr/>
-            </a:pPr>
-            <a:r>
-              <a:rPr lang="en-US" dirty="0"/>
-              <a:t>Time</a:t>
-            </a:r>
+            </a:pPr>
             <a:r>
               <a:rPr lang="en-US" baseline="0" dirty="0"/>
-              <a:t> Spent: EAGLE Ramp, Existing Design Port, Revision Proposal, Revision Generation &amp; Release</a:t>
-            </a:r>
-            <a:endParaRPr lang="en-US" dirty="0"/>
-          </a:p>
-          <a:p>
-            <a:pPr marL="0" indent="0">
-              <a:buFontTx/>
-              <a:buNone/>
-            </a:pPr>
-            <a:endParaRPr lang="en-US" dirty="0"/>
-          </a:p>
-          <a:p>
-            <a:pPr marL="0" indent="0">
-              <a:buFontTx/>
-              <a:buNone/>
-            </a:pPr>
-            <a:r>
-              <a:rPr lang="en-US" dirty="0"/>
-              <a:t>Contract Completion &amp; Transfer</a:t>
-            </a:r>
-          </a:p>
-          <a:p>
-            <a:pPr marL="628650" lvl="1" indent="-171450">
-              <a:buFontTx/>
-              <a:buChar char="-"/>
-            </a:pPr>
-            <a:r>
-              <a:rPr lang="en-US" dirty="0"/>
-              <a:t>HW: Project</a:t>
-            </a:r>
-            <a:r>
-              <a:rPr lang="en-US" baseline="0" dirty="0"/>
-              <a:t> &amp; Board Revision</a:t>
-            </a:r>
-          </a:p>
-          <a:p>
-            <a:pPr marL="628650" marR="0" lvl="1" indent="-171450" algn="l" defTabSz="914400" rtl="0" eaLnBrk="1" fontAlgn="auto" latinLnBrk="0" hangingPunct="1">
-              <a:lnSpc>
-                <a:spcPct val="100000"/>
-              </a:lnSpc>
-              <a:spcBef>
-                <a:spcPts val="0"/>
-              </a:spcBef>
-              <a:spcAft>
-                <a:spcPts val="0"/>
-              </a:spcAft>
-              <a:buClrTx/>
-              <a:buSzTx/>
-              <a:buFontTx/>
-              <a:buChar char="-"/>
-              <a:tabLst/>
-              <a:defRPr/>
-            </a:pPr>
-            <a:r>
-              <a:rPr lang="en-US" baseline="0" dirty="0"/>
-              <a:t>FW: OTM spec w/path to use (c</a:t>
-            </a:r>
-            <a:r>
-              <a:rPr lang="en-US" dirty="0"/>
-              <a:t>omplete VM w/next steps &amp; design support)</a:t>
-            </a:r>
-          </a:p>
-          <a:p>
-            <a:pPr marL="628650" marR="0" lvl="1" indent="-171450" algn="l" defTabSz="914400" rtl="0" eaLnBrk="1" fontAlgn="auto" latinLnBrk="0" hangingPunct="1">
-              <a:lnSpc>
-                <a:spcPct val="100000"/>
-              </a:lnSpc>
-              <a:spcBef>
-                <a:spcPts val="0"/>
-              </a:spcBef>
-              <a:spcAft>
-                <a:spcPts val="0"/>
-              </a:spcAft>
-              <a:buClrTx/>
-              <a:buSzTx/>
-              <a:buFontTx/>
-              <a:buChar char="-"/>
-              <a:tabLst/>
-              <a:defRPr/>
-            </a:pPr>
-            <a:r>
-              <a:rPr lang="en-US" dirty="0"/>
-              <a:t>Design:</a:t>
-            </a:r>
-            <a:r>
-              <a:rPr lang="en-US" baseline="0" dirty="0"/>
-              <a:t>  Clear organization &amp; repo integration, </a:t>
-            </a:r>
-            <a:r>
-              <a:rPr lang="en-US" dirty="0"/>
-              <a:t>Identification</a:t>
-            </a:r>
-            <a:r>
-              <a:rPr lang="en-US" baseline="0" dirty="0"/>
-              <a:t> of OTM, Python &amp; JavaScript options</a:t>
-            </a:r>
-          </a:p>
-          <a:p>
-            <a:pPr marL="457200" marR="0" lvl="1" indent="0" algn="l" defTabSz="914400" rtl="0" eaLnBrk="1" fontAlgn="auto" latinLnBrk="0" hangingPunct="1">
-              <a:lnSpc>
-                <a:spcPct val="100000"/>
-              </a:lnSpc>
-              <a:spcBef>
-                <a:spcPts val="0"/>
-              </a:spcBef>
-              <a:spcAft>
-                <a:spcPts val="0"/>
-              </a:spcAft>
-              <a:buClrTx/>
-              <a:buSzTx/>
-              <a:buFontTx/>
-              <a:buNone/>
-              <a:tabLst/>
-              <a:defRPr/>
-            </a:pPr>
-            <a:r>
-              <a:rPr lang="en-US" baseline="0" dirty="0"/>
-              <a:t>	</a:t>
+              <a:t>Path forward to product generation</a:t>
             </a:r>
           </a:p>
         </p:txBody>
@@ -3218,7 +3120,7 @@
     </p:spTree>
     <p:extLst>
       <p:ext uri="{BB962C8B-B14F-4D97-AF65-F5344CB8AC3E}">
-        <p14:creationId xmlns:p14="http://schemas.microsoft.com/office/powerpoint/2010/main" val="292211601"/>
+        <p14:creationId xmlns:p14="http://schemas.microsoft.com/office/powerpoint/2010/main" val="3365085616"/>
       </p:ext>
     </p:extLst>
   </p:cSld>
@@ -3272,53 +3174,103 @@
           <a:bodyPr/>
           <a:lstStyle/>
           <a:p>
-            <a:pPr marL="171450" indent="-171450">
+            <a:pPr marL="0" indent="0">
+              <a:buFontTx/>
+              <a:buNone/>
+            </a:pPr>
+            <a:r>
+              <a:rPr lang="en-US" dirty="0"/>
+              <a:t>Needs Identification</a:t>
+            </a:r>
+          </a:p>
+          <a:p>
+            <a:pPr marL="628650" marR="0" lvl="1" indent="-171450" algn="l" defTabSz="914400" rtl="0" eaLnBrk="1" fontAlgn="auto" latinLnBrk="0" hangingPunct="1">
+              <a:lnSpc>
+                <a:spcPct val="100000"/>
+              </a:lnSpc>
+              <a:spcBef>
+                <a:spcPts val="0"/>
+              </a:spcBef>
+              <a:spcAft>
+                <a:spcPts val="0"/>
+              </a:spcAft>
+              <a:buClrTx/>
+              <a:buSzTx/>
               <a:buFontTx/>
               <a:buChar char="-"/>
-            </a:pPr>
-            <a:r>
-              <a:rPr lang="en-US" dirty="0"/>
-              <a:t>Documentation</a:t>
-            </a:r>
-          </a:p>
-          <a:p>
-            <a:pPr marL="171450" indent="-171450">
+              <a:tabLst/>
+              <a:defRPr/>
+            </a:pPr>
+            <a:r>
+              <a:rPr lang="en-US" dirty="0"/>
+              <a:t>Time</a:t>
+            </a:r>
+            <a:r>
+              <a:rPr lang="en-US" baseline="0" dirty="0"/>
+              <a:t> Spent: </a:t>
+            </a:r>
+            <a:endParaRPr lang="en-US" dirty="0"/>
+          </a:p>
+          <a:p>
+            <a:pPr marL="628650" lvl="1" indent="-171450">
               <a:buFontTx/>
               <a:buChar char="-"/>
             </a:pPr>
             <a:r>
               <a:rPr lang="en-US" dirty="0"/>
-              <a:t>Presentation</a:t>
-            </a:r>
-          </a:p>
-          <a:p>
-            <a:pPr marL="171450" indent="-171450">
+              <a:t>In-person</a:t>
+            </a:r>
+            <a:r>
+              <a:rPr lang="en-US" baseline="0" dirty="0"/>
+              <a:t> visits, hands on time with DUT to establish scope &amp; path forward</a:t>
+            </a:r>
+          </a:p>
+          <a:p>
+            <a:pPr marL="628650" lvl="1" indent="-171450">
               <a:buFontTx/>
               <a:buChar char="-"/>
             </a:pPr>
             <a:r>
-              <a:rPr lang="en-US" dirty="0"/>
-              <a:t>Embedded Systems Development</a:t>
-            </a:r>
-          </a:p>
-          <a:p>
-            <a:pPr marL="171450" indent="-171450">
+              <a:rPr lang="en-US" baseline="0" dirty="0"/>
+              <a:t>Time on the seat trying things that were known to not succeed, in order to communicate this (ESP, Hand Re-work, PCB Design Selections, Comm Interfaces)</a:t>
+            </a:r>
+          </a:p>
+          <a:p>
+            <a:pPr marL="628650" lvl="1" indent="-171450">
               <a:buFontTx/>
               <a:buChar char="-"/>
             </a:pPr>
             <a:r>
-              <a:rPr lang="en-US" dirty="0"/>
-              <a:t>Board Design</a:t>
-            </a:r>
-          </a:p>
-          <a:p>
-            <a:pPr marL="171450" indent="-171450">
+              <a:rPr lang="en-US" baseline="0" dirty="0"/>
+              <a:t>Clear Scope with Doc of Ideas</a:t>
+            </a:r>
+          </a:p>
+          <a:p>
+            <a:pPr marL="628650" lvl="1" indent="-171450">
               <a:buFontTx/>
               <a:buChar char="-"/>
             </a:pPr>
             <a:r>
-              <a:rPr lang="en-US" dirty="0"/>
-              <a:t>Code Syntax (share examples from code)</a:t>
+              <a:rPr lang="en-US" baseline="0" dirty="0"/>
+              <a:t>Present ideas with articulation, PoC when possible</a:t>
+            </a:r>
+            <a:endParaRPr lang="en-US" dirty="0"/>
+          </a:p>
+          <a:p>
+            <a:pPr marL="0" indent="0">
+              <a:buFontTx/>
+              <a:buNone/>
+            </a:pPr>
+            <a:endParaRPr lang="en-US" dirty="0"/>
+          </a:p>
+          <a:p>
+            <a:pPr marL="0" indent="0">
+              <a:buFontTx/>
+              <a:buNone/>
+            </a:pPr>
+            <a:r>
+              <a:rPr lang="en-US" dirty="0"/>
+              <a:t>Firmware Development</a:t>
             </a:r>
           </a:p>
           <a:p>
@@ -3327,70 +3279,199 @@
               <a:buChar char="-"/>
             </a:pPr>
             <a:r>
-              <a:rPr lang="en-US" dirty="0" err="1"/>
-              <a:t>example_pwm_tc.c</a:t>
-            </a:r>
-            <a:r>
-              <a:rPr lang="en-US" dirty="0"/>
-              <a:t> reference</a:t>
-            </a:r>
-          </a:p>
-          <a:p>
-            <a:pPr marL="171450" indent="-171450">
+              <a:rPr lang="en-US" dirty="0"/>
+              <a:t>Time</a:t>
+            </a:r>
+            <a:r>
+              <a:rPr lang="en-US" baseline="0" dirty="0"/>
+              <a:t> Spent: Espressif VM, ESP-SDK Ramp &amp; Feather Deployment (JTAG)</a:t>
+            </a:r>
+            <a:endParaRPr lang="en-US" dirty="0"/>
+          </a:p>
+          <a:p>
+            <a:pPr marL="628650" lvl="1" indent="-171450">
               <a:buFontTx/>
               <a:buChar char="-"/>
             </a:pPr>
             <a:r>
               <a:rPr lang="en-US" dirty="0"/>
-              <a:t>Development Validation</a:t>
-            </a:r>
-          </a:p>
-          <a:p>
-            <a:pPr marL="171450" indent="-171450">
+              <a:t>Focused on path to market and only stepped in</a:t>
+            </a:r>
+            <a:r>
+              <a:rPr lang="en-US" baseline="0" dirty="0"/>
+              <a:t> on request (Arduino) or for path (ESP)</a:t>
+            </a:r>
+          </a:p>
+          <a:p>
+            <a:pPr marL="628650" lvl="1" indent="-171450">
               <a:buFontTx/>
               <a:buChar char="-"/>
             </a:pPr>
             <a:r>
-              <a:rPr lang="en-US" dirty="0"/>
-              <a:t>PoC Form</a:t>
-            </a:r>
-          </a:p>
-          <a:p>
-            <a:pPr marL="171450" indent="-171450">
+              <a:rPr lang="en-US" baseline="0" dirty="0"/>
+              <a:t>Focused on tangible results, shared with customer and asked for decision on next steps</a:t>
+            </a:r>
+          </a:p>
+          <a:p>
+            <a:pPr marL="0" indent="0">
+              <a:buFontTx/>
+              <a:buNone/>
+            </a:pPr>
+            <a:endParaRPr lang="en-US" dirty="0"/>
+          </a:p>
+          <a:p>
+            <a:pPr marL="0" indent="0">
+              <a:buFontTx/>
+              <a:buNone/>
+            </a:pPr>
+            <a:r>
+              <a:rPr lang="en-US" dirty="0"/>
+              <a:t>Board Development</a:t>
+            </a:r>
+          </a:p>
+          <a:p>
+            <a:pPr marL="628650" marR="0" lvl="1" indent="-171450" algn="l" defTabSz="914400" rtl="0" eaLnBrk="1" fontAlgn="auto" latinLnBrk="0" hangingPunct="1">
+              <a:lnSpc>
+                <a:spcPct val="100000"/>
+              </a:lnSpc>
+              <a:spcBef>
+                <a:spcPts val="0"/>
+              </a:spcBef>
+              <a:spcAft>
+                <a:spcPts val="0"/>
+              </a:spcAft>
+              <a:buClrTx/>
+              <a:buSzTx/>
               <a:buFontTx/>
               <a:buChar char="-"/>
-            </a:pPr>
-            <a:r>
-              <a:rPr lang="en-US" dirty="0"/>
-              <a:t>Schematic Examples</a:t>
-            </a:r>
-          </a:p>
-          <a:p>
-            <a:pPr marL="171450" indent="-171450">
+              <a:tabLst/>
+              <a:defRPr/>
+            </a:pPr>
+            <a:r>
+              <a:rPr lang="en-US" dirty="0"/>
+              <a:t>Time</a:t>
+            </a:r>
+            <a:r>
+              <a:rPr lang="en-US" baseline="0" dirty="0"/>
+              <a:t> Spent: EAGLE Ramp, Existing Design Port, Revision Proposal, Revision Generation &amp; Release</a:t>
+            </a:r>
+            <a:endParaRPr lang="en-US" dirty="0"/>
+          </a:p>
+          <a:p>
+            <a:pPr marL="0" indent="0">
+              <a:buFontTx/>
+              <a:buNone/>
+            </a:pPr>
+            <a:endParaRPr lang="en-US" dirty="0"/>
+          </a:p>
+          <a:p>
+            <a:pPr marL="0" indent="0">
+              <a:buFontTx/>
+              <a:buNone/>
+            </a:pPr>
+            <a:r>
+              <a:rPr lang="en-US" dirty="0"/>
+              <a:t>Contract Completion &amp; Transfer</a:t>
+            </a:r>
+          </a:p>
+          <a:p>
+            <a:pPr marL="628650" lvl="1" indent="-171450">
               <a:buFontTx/>
               <a:buChar char="-"/>
             </a:pPr>
             <a:r>
               <a:rPr lang="en-US" dirty="0"/>
-              <a:t>Content Transfer to Ergsense</a:t>
-            </a:r>
-          </a:p>
-          <a:p>
-            <a:pPr marL="171450" indent="-171450">
+              <a:t>HW: Project</a:t>
+            </a:r>
+            <a:r>
+              <a:rPr lang="en-US" baseline="0" dirty="0"/>
+              <a:t> &amp; Board Revision</a:t>
+            </a:r>
+          </a:p>
+          <a:p>
+            <a:pPr marL="628650" marR="0" lvl="1" indent="-171450" algn="l" defTabSz="914400" rtl="0" eaLnBrk="1" fontAlgn="auto" latinLnBrk="0" hangingPunct="1">
+              <a:lnSpc>
+                <a:spcPct val="100000"/>
+              </a:lnSpc>
+              <a:spcBef>
+                <a:spcPts val="0"/>
+              </a:spcBef>
+              <a:spcAft>
+                <a:spcPts val="0"/>
+              </a:spcAft>
+              <a:buClrTx/>
+              <a:buSzTx/>
               <a:buFontTx/>
               <a:buChar char="-"/>
-            </a:pPr>
-            <a:r>
-              <a:rPr lang="en-US" dirty="0"/>
-              <a:t>Revision Control</a:t>
-            </a:r>
-          </a:p>
-          <a:p>
-            <a:pPr marL="0" indent="0">
+              <a:tabLst/>
+              <a:defRPr/>
+            </a:pPr>
+            <a:r>
+              <a:rPr lang="en-US" baseline="0" dirty="0"/>
+              <a:t>FW: OTM spec w/path to use (c</a:t>
+            </a:r>
+            <a:r>
+              <a:rPr lang="en-US" dirty="0"/>
+              <a:t>omplete VM w/next steps &amp; design support)</a:t>
+            </a:r>
+          </a:p>
+          <a:p>
+            <a:pPr marL="628650" marR="0" lvl="1" indent="-171450" algn="l" defTabSz="914400" rtl="0" eaLnBrk="1" fontAlgn="auto" latinLnBrk="0" hangingPunct="1">
+              <a:lnSpc>
+                <a:spcPct val="100000"/>
+              </a:lnSpc>
+              <a:spcBef>
+                <a:spcPts val="0"/>
+              </a:spcBef>
+              <a:spcAft>
+                <a:spcPts val="0"/>
+              </a:spcAft>
+              <a:buClrTx/>
+              <a:buSzTx/>
+              <a:buFontTx/>
+              <a:buChar char="-"/>
+              <a:tabLst/>
+              <a:defRPr/>
+            </a:pPr>
+            <a:r>
+              <a:rPr lang="en-US" dirty="0"/>
+              <a:t>Design:</a:t>
+            </a:r>
+            <a:r>
+              <a:rPr lang="en-US" baseline="0" dirty="0"/>
+              <a:t>  Clear organization &amp; repo integration, </a:t>
+            </a:r>
+            <a:r>
+              <a:rPr lang="en-US" dirty="0"/>
+              <a:t>Identification</a:t>
+            </a:r>
+            <a:r>
+              <a:rPr lang="en-US" baseline="0" dirty="0"/>
+              <a:t> of OTM, Python &amp; JavaScript options</a:t>
+            </a:r>
+          </a:p>
+          <a:p>
+            <a:pPr marL="457200" marR="0" lvl="1" indent="0" algn="l" defTabSz="914400" rtl="0" eaLnBrk="1" fontAlgn="auto" latinLnBrk="0" hangingPunct="1">
+              <a:lnSpc>
+                <a:spcPct val="100000"/>
+              </a:lnSpc>
+              <a:spcBef>
+                <a:spcPts val="0"/>
+              </a:spcBef>
+              <a:spcAft>
+                <a:spcPts val="0"/>
+              </a:spcAft>
+              <a:buClrTx/>
+              <a:buSzTx/>
               <a:buFontTx/>
               <a:buNone/>
-            </a:pPr>
-            <a:endParaRPr lang="en-US" dirty="0"/>
+              <a:tabLst/>
+              <a:defRPr/>
+            </a:pPr>
+            <a:r>
+              <a:rPr lang="en-US" baseline="0" dirty="0"/>
+              <a:t>	</a:t>
+            </a:r>
           </a:p>
         </p:txBody>
       </p:sp>
@@ -3420,7 +3501,7 @@
     </p:spTree>
     <p:extLst>
       <p:ext uri="{BB962C8B-B14F-4D97-AF65-F5344CB8AC3E}">
-        <p14:creationId xmlns:p14="http://schemas.microsoft.com/office/powerpoint/2010/main" val="1782159032"/>
+        <p14:creationId xmlns:p14="http://schemas.microsoft.com/office/powerpoint/2010/main" val="292211601"/>
       </p:ext>
     </p:extLst>
   </p:cSld>
@@ -3622,7 +3703,7 @@
     </p:spTree>
     <p:extLst>
       <p:ext uri="{BB962C8B-B14F-4D97-AF65-F5344CB8AC3E}">
-        <p14:creationId xmlns:p14="http://schemas.microsoft.com/office/powerpoint/2010/main" val="1922393564"/>
+        <p14:creationId xmlns:p14="http://schemas.microsoft.com/office/powerpoint/2010/main" val="1782159032"/>
       </p:ext>
     </p:extLst>
   </p:cSld>
@@ -3682,7 +3763,7 @@
             </a:pPr>
             <a:r>
               <a:rPr lang="en-US" dirty="0"/>
-              <a:t>Clear segmentation and modularization of design</a:t>
+              <a:t>Documentation</a:t>
             </a:r>
           </a:p>
           <a:p>
@@ -3692,7 +3773,7 @@
             </a:pPr>
             <a:r>
               <a:rPr lang="en-US" dirty="0"/>
-              <a:t>Uniform, consistent layout</a:t>
+              <a:t>Presentation</a:t>
             </a:r>
           </a:p>
           <a:p>
@@ -3702,8 +3783,99 @@
             </a:pPr>
             <a:r>
               <a:rPr lang="en-US" dirty="0"/>
-              <a:t>Clear labelling with notes</a:t>
-            </a:r>
+              <a:t>Embedded Systems Development</a:t>
+            </a:r>
+          </a:p>
+          <a:p>
+            <a:pPr marL="171450" indent="-171450">
+              <a:buFontTx/>
+              <a:buChar char="-"/>
+            </a:pPr>
+            <a:r>
+              <a:rPr lang="en-US" dirty="0"/>
+              <a:t>Board Design</a:t>
+            </a:r>
+          </a:p>
+          <a:p>
+            <a:pPr marL="171450" indent="-171450">
+              <a:buFontTx/>
+              <a:buChar char="-"/>
+            </a:pPr>
+            <a:r>
+              <a:rPr lang="en-US" dirty="0"/>
+              <a:t>Code Syntax (share examples from code)</a:t>
+            </a:r>
+          </a:p>
+          <a:p>
+            <a:pPr marL="628650" lvl="1" indent="-171450">
+              <a:buFontTx/>
+              <a:buChar char="-"/>
+            </a:pPr>
+            <a:r>
+              <a:rPr lang="en-US" dirty="0" err="1"/>
+              <a:t>example_pwm_tc.c</a:t>
+            </a:r>
+            <a:r>
+              <a:rPr lang="en-US" dirty="0"/>
+              <a:t> reference</a:t>
+            </a:r>
+          </a:p>
+          <a:p>
+            <a:pPr marL="171450" indent="-171450">
+              <a:buFontTx/>
+              <a:buChar char="-"/>
+            </a:pPr>
+            <a:r>
+              <a:rPr lang="en-US" dirty="0"/>
+              <a:t>Development Validation</a:t>
+            </a:r>
+          </a:p>
+          <a:p>
+            <a:pPr marL="171450" indent="-171450">
+              <a:buFontTx/>
+              <a:buChar char="-"/>
+            </a:pPr>
+            <a:r>
+              <a:rPr lang="en-US" dirty="0"/>
+              <a:t>PoC Form</a:t>
+            </a:r>
+          </a:p>
+          <a:p>
+            <a:pPr marL="171450" indent="-171450">
+              <a:buFontTx/>
+              <a:buChar char="-"/>
+            </a:pPr>
+            <a:r>
+              <a:rPr lang="en-US" dirty="0"/>
+              <a:t>Schematic Examples</a:t>
+            </a:r>
+          </a:p>
+          <a:p>
+            <a:pPr marL="171450" indent="-171450">
+              <a:buFontTx/>
+              <a:buChar char="-"/>
+            </a:pPr>
+            <a:r>
+              <a:rPr lang="en-US" dirty="0"/>
+              <a:t>Content Transfer to Ergsense</a:t>
+            </a:r>
+          </a:p>
+          <a:p>
+            <a:pPr marL="171450" indent="-171450">
+              <a:buFontTx/>
+              <a:buChar char="-"/>
+            </a:pPr>
+            <a:r>
+              <a:rPr lang="en-US" dirty="0"/>
+              <a:t>Revision Control</a:t>
+            </a:r>
+          </a:p>
+          <a:p>
+            <a:pPr marL="0" indent="0">
+              <a:buFontTx/>
+              <a:buNone/>
+            </a:pPr>
+            <a:endParaRPr lang="en-US" dirty="0"/>
           </a:p>
         </p:txBody>
       </p:sp>
@@ -3733,7 +3905,7 @@
     </p:spTree>
     <p:extLst>
       <p:ext uri="{BB962C8B-B14F-4D97-AF65-F5344CB8AC3E}">
-        <p14:creationId xmlns:p14="http://schemas.microsoft.com/office/powerpoint/2010/main" val="1255233405"/>
+        <p14:creationId xmlns:p14="http://schemas.microsoft.com/office/powerpoint/2010/main" val="1922393564"/>
       </p:ext>
     </p:extLst>
   </p:cSld>
@@ -3844,7 +4016,7 @@
     </p:spTree>
     <p:extLst>
       <p:ext uri="{BB962C8B-B14F-4D97-AF65-F5344CB8AC3E}">
-        <p14:creationId xmlns:p14="http://schemas.microsoft.com/office/powerpoint/2010/main" val="4145813878"/>
+        <p14:creationId xmlns:p14="http://schemas.microsoft.com/office/powerpoint/2010/main" val="1255233405"/>
       </p:ext>
     </p:extLst>
   </p:cSld>
@@ -3904,7 +4076,7 @@
             </a:pPr>
             <a:r>
               <a:rPr lang="en-US" dirty="0"/>
-              <a:t>Uniform naming schema</a:t>
+              <a:t>Clear segmentation and modularization of design</a:t>
             </a:r>
           </a:p>
           <a:p>
@@ -3914,7 +4086,7 @@
             </a:pPr>
             <a:r>
               <a:rPr lang="en-US" dirty="0"/>
-              <a:t>Consistent, uniform symbols</a:t>
+              <a:t>Uniform, consistent layout</a:t>
             </a:r>
           </a:p>
           <a:p>
@@ -3924,7 +4096,7 @@
             </a:pPr>
             <a:r>
               <a:rPr lang="en-US" dirty="0"/>
-              <a:t>Complete silkscreen &amp; outline markup</a:t>
+              <a:t>Clear labelling with notes</a:t>
             </a:r>
           </a:p>
         </p:txBody>
@@ -3955,7 +4127,7 @@
     </p:spTree>
     <p:extLst>
       <p:ext uri="{BB962C8B-B14F-4D97-AF65-F5344CB8AC3E}">
-        <p14:creationId xmlns:p14="http://schemas.microsoft.com/office/powerpoint/2010/main" val="3592769984"/>
+        <p14:creationId xmlns:p14="http://schemas.microsoft.com/office/powerpoint/2010/main" val="4145813878"/>
       </p:ext>
     </p:extLst>
   </p:cSld>
@@ -4154,7 +4326,7 @@
             <a:fld id="{B61BEF0D-F0BB-DE4B-95CE-6DB70DBA9567}" type="datetimeFigureOut">
               <a:rPr lang="en-US" dirty="0"/>
               <a:pPr/>
-              <a:t>7/25/2018</a:t>
+              <a:t>7/26/2018</a:t>
             </a:fld>
             <a:endParaRPr lang="en-US" dirty="0"/>
           </a:p>
@@ -4489,7 +4661,7 @@
             <a:fld id="{B61BEF0D-F0BB-DE4B-95CE-6DB70DBA9567}" type="datetimeFigureOut">
               <a:rPr lang="en-US" dirty="0"/>
               <a:pPr/>
-              <a:t>7/25/2018</a:t>
+              <a:t>7/26/2018</a:t>
             </a:fld>
             <a:endParaRPr lang="en-US" dirty="0"/>
           </a:p>
@@ -4887,7 +5059,7 @@
             <a:fld id="{B61BEF0D-F0BB-DE4B-95CE-6DB70DBA9567}" type="datetimeFigureOut">
               <a:rPr lang="en-US" dirty="0"/>
               <a:pPr/>
-              <a:t>7/25/2018</a:t>
+              <a:t>7/26/2018</a:t>
             </a:fld>
             <a:endParaRPr lang="en-US" dirty="0"/>
           </a:p>
@@ -5220,7 +5392,7 @@
             <a:fld id="{B61BEF0D-F0BB-DE4B-95CE-6DB70DBA9567}" type="datetimeFigureOut">
               <a:rPr lang="en-US" dirty="0"/>
               <a:pPr/>
-              <a:t>7/25/2018</a:t>
+              <a:t>7/26/2018</a:t>
             </a:fld>
             <a:endParaRPr lang="en-US" dirty="0"/>
           </a:p>
@@ -5537,7 +5709,7 @@
             <a:fld id="{B61BEF0D-F0BB-DE4B-95CE-6DB70DBA9567}" type="datetimeFigureOut">
               <a:rPr lang="en-US" dirty="0"/>
               <a:pPr/>
-              <a:t>7/25/2018</a:t>
+              <a:t>7/26/2018</a:t>
             </a:fld>
             <a:endParaRPr lang="en-US" dirty="0"/>
           </a:p>
@@ -5930,7 +6102,7 @@
             <a:fld id="{B61BEF0D-F0BB-DE4B-95CE-6DB70DBA9567}" type="datetimeFigureOut">
               <a:rPr lang="en-US" dirty="0"/>
               <a:pPr/>
-              <a:t>7/25/2018</a:t>
+              <a:t>7/26/2018</a:t>
             </a:fld>
             <a:endParaRPr lang="en-US" dirty="0"/>
           </a:p>
@@ -6184,7 +6356,7 @@
             <a:fld id="{B61BEF0D-F0BB-DE4B-95CE-6DB70DBA9567}" type="datetimeFigureOut">
               <a:rPr lang="en-US" dirty="0"/>
               <a:pPr/>
-              <a:t>7/25/2018</a:t>
+              <a:t>7/26/2018</a:t>
             </a:fld>
             <a:endParaRPr lang="en-US" dirty="0"/>
           </a:p>
@@ -6443,7 +6615,7 @@
             <a:fld id="{B61BEF0D-F0BB-DE4B-95CE-6DB70DBA9567}" type="datetimeFigureOut">
               <a:rPr lang="en-US" dirty="0"/>
               <a:pPr/>
-              <a:t>7/25/2018</a:t>
+              <a:t>7/26/2018</a:t>
             </a:fld>
             <a:endParaRPr lang="en-US" dirty="0"/>
           </a:p>
@@ -6702,7 +6874,7 @@
             <a:fld id="{B61BEF0D-F0BB-DE4B-95CE-6DB70DBA9567}" type="datetimeFigureOut">
               <a:rPr lang="en-US" dirty="0"/>
               <a:pPr/>
-              <a:t>7/25/2018</a:t>
+              <a:t>7/26/2018</a:t>
             </a:fld>
             <a:endParaRPr lang="en-US" dirty="0"/>
           </a:p>
@@ -7028,7 +7200,7 @@
             <a:fld id="{B61BEF0D-F0BB-DE4B-95CE-6DB70DBA9567}" type="datetimeFigureOut">
               <a:rPr lang="en-US" dirty="0"/>
               <a:pPr/>
-              <a:t>7/25/2018</a:t>
+              <a:t>7/26/2018</a:t>
             </a:fld>
             <a:endParaRPr lang="en-US" dirty="0"/>
           </a:p>
@@ -7348,7 +7520,7 @@
             <a:fld id="{B61BEF0D-F0BB-DE4B-95CE-6DB70DBA9567}" type="datetimeFigureOut">
               <a:rPr lang="en-US" dirty="0"/>
               <a:pPr/>
-              <a:t>7/25/2018</a:t>
+              <a:t>7/26/2018</a:t>
             </a:fld>
             <a:endParaRPr lang="en-US" dirty="0"/>
           </a:p>
@@ -7802,7 +7974,7 @@
             <a:fld id="{B61BEF0D-F0BB-DE4B-95CE-6DB70DBA9567}" type="datetimeFigureOut">
               <a:rPr lang="en-US" dirty="0"/>
               <a:pPr/>
-              <a:t>7/25/2018</a:t>
+              <a:t>7/26/2018</a:t>
             </a:fld>
             <a:endParaRPr lang="en-US" dirty="0"/>
           </a:p>
@@ -8004,7 +8176,7 @@
             <a:fld id="{B61BEF0D-F0BB-DE4B-95CE-6DB70DBA9567}" type="datetimeFigureOut">
               <a:rPr lang="en-US" dirty="0"/>
               <a:pPr/>
-              <a:t>7/25/2018</a:t>
+              <a:t>7/26/2018</a:t>
             </a:fld>
             <a:endParaRPr lang="en-US" dirty="0"/>
           </a:p>
@@ -8178,7 +8350,7 @@
             <a:fld id="{B61BEF0D-F0BB-DE4B-95CE-6DB70DBA9567}" type="datetimeFigureOut">
               <a:rPr lang="en-US" dirty="0"/>
               <a:pPr/>
-              <a:t>7/25/2018</a:t>
+              <a:t>7/26/2018</a:t>
             </a:fld>
             <a:endParaRPr lang="en-US" dirty="0"/>
           </a:p>
@@ -8508,7 +8680,7 @@
             <a:fld id="{B61BEF0D-F0BB-DE4B-95CE-6DB70DBA9567}" type="datetimeFigureOut">
               <a:rPr lang="en-US" dirty="0"/>
               <a:pPr/>
-              <a:t>7/25/2018</a:t>
+              <a:t>7/26/2018</a:t>
             </a:fld>
             <a:endParaRPr lang="en-US" dirty="0"/>
           </a:p>
@@ -8850,7 +9022,7 @@
             <a:fld id="{B61BEF0D-F0BB-DE4B-95CE-6DB70DBA9567}" type="datetimeFigureOut">
               <a:rPr lang="en-US" dirty="0"/>
               <a:pPr/>
-              <a:t>7/25/2018</a:t>
+              <a:t>7/26/2018</a:t>
             </a:fld>
             <a:endParaRPr lang="en-US" dirty="0"/>
           </a:p>
@@ -10964,7 +11136,7 @@
             <a:fld id="{B61BEF0D-F0BB-DE4B-95CE-6DB70DBA9567}" type="datetimeFigureOut">
               <a:rPr lang="en-US" dirty="0"/>
               <a:pPr/>
-              <a:t>7/25/2018</a:t>
+              <a:t>7/26/2018</a:t>
             </a:fld>
             <a:endParaRPr lang="en-US" dirty="0"/>
           </a:p>
@@ -11603,6 +11775,141 @@
                 <a:ea typeface="+mj-ea"/>
                 <a:cs typeface="+mj-cs"/>
               </a:rPr>
+              <a:t>DTECTS Library</a:t>
+            </a:r>
+            <a:endParaRPr lang="en-US" sz="4400" dirty="0">
+              <a:effectLst/>
+            </a:endParaRPr>
+          </a:p>
+        </p:txBody>
+      </p:sp>
+      <p:pic>
+        <p:nvPicPr>
+          <p:cNvPr id="7" name="Picture 6">
+            <a:extLst>
+              <a:ext uri="{FF2B5EF4-FFF2-40B4-BE49-F238E27FC236}">
+                <a16:creationId xmlns:a16="http://schemas.microsoft.com/office/drawing/2014/main" id="{D939D839-2D14-4EEF-B198-53A77C1F0AB3}"/>
+              </a:ext>
+            </a:extLst>
+          </p:cNvPr>
+          <p:cNvPicPr>
+            <a:picLocks noChangeAspect="1"/>
+          </p:cNvPicPr>
+          <p:nvPr/>
+        </p:nvPicPr>
+        <p:blipFill>
+          <a:blip r:embed="rId3"/>
+          <a:stretch>
+            <a:fillRect/>
+          </a:stretch>
+        </p:blipFill>
+        <p:spPr>
+          <a:xfrm>
+            <a:off x="2769323" y="1518368"/>
+            <a:ext cx="6361613" cy="4477897"/>
+          </a:xfrm>
+          <a:prstGeom prst="rect">
+            <a:avLst/>
+          </a:prstGeom>
+        </p:spPr>
+      </p:pic>
+      <p:pic>
+        <p:nvPicPr>
+          <p:cNvPr id="4" name="Picture 3">
+            <a:extLst>
+              <a:ext uri="{FF2B5EF4-FFF2-40B4-BE49-F238E27FC236}">
+                <a16:creationId xmlns:a16="http://schemas.microsoft.com/office/drawing/2014/main" id="{DD99FE0C-189B-460A-A9AC-9D01098A1696}"/>
+              </a:ext>
+            </a:extLst>
+          </p:cNvPr>
+          <p:cNvPicPr>
+            <a:picLocks noChangeAspect="1"/>
+          </p:cNvPicPr>
+          <p:nvPr/>
+        </p:nvPicPr>
+        <p:blipFill>
+          <a:blip r:embed="rId4"/>
+          <a:stretch>
+            <a:fillRect/>
+          </a:stretch>
+        </p:blipFill>
+        <p:spPr>
+          <a:xfrm>
+            <a:off x="2069123" y="1518368"/>
+            <a:ext cx="7954268" cy="4477897"/>
+          </a:xfrm>
+          <a:prstGeom prst="rect">
+            <a:avLst/>
+          </a:prstGeom>
+        </p:spPr>
+      </p:pic>
+    </p:spTree>
+    <p:extLst>
+      <p:ext uri="{BB962C8B-B14F-4D97-AF65-F5344CB8AC3E}">
+        <p14:creationId xmlns:p14="http://schemas.microsoft.com/office/powerpoint/2010/main" val="3340878372"/>
+      </p:ext>
+    </p:extLst>
+  </p:cSld>
+  <p:clrMapOvr>
+    <a:masterClrMapping/>
+  </p:clrMapOvr>
+</p:sld>
+</file>
+
+<file path=ppt/slides/slide11.xml><?xml version="1.0" encoding="utf-8"?>
+<p:sld xmlns:a="http://schemas.openxmlformats.org/drawingml/2006/main" xmlns:r="http://schemas.openxmlformats.org/officeDocument/2006/relationships" xmlns:p="http://schemas.openxmlformats.org/presentationml/2006/main">
+  <p:cSld>
+    <p:spTree>
+      <p:nvGrpSpPr>
+        <p:cNvPr id="1" name=""/>
+        <p:cNvGrpSpPr/>
+        <p:nvPr/>
+      </p:nvGrpSpPr>
+      <p:grpSpPr>
+        <a:xfrm>
+          <a:off x="0" y="0"/>
+          <a:ext cx="0" cy="0"/>
+          <a:chOff x="0" y="0"/>
+          <a:chExt cx="0" cy="0"/>
+        </a:xfrm>
+      </p:grpSpPr>
+      <p:sp>
+        <p:nvSpPr>
+          <p:cNvPr id="2" name="Title 1">
+            <a:extLst>
+              <a:ext uri="{FF2B5EF4-FFF2-40B4-BE49-F238E27FC236}">
+                <a16:creationId xmlns:a16="http://schemas.microsoft.com/office/drawing/2014/main" id="{9C5E42EE-EA5D-4203-B1EC-B96B68D2A8EA}"/>
+              </a:ext>
+            </a:extLst>
+          </p:cNvPr>
+          <p:cNvSpPr>
+            <a:spLocks noGrp="1"/>
+          </p:cNvSpPr>
+          <p:nvPr>
+            <p:ph type="title"/>
+          </p:nvPr>
+        </p:nvSpPr>
+        <p:spPr/>
+        <p:txBody>
+          <a:bodyPr>
+            <a:normAutofit/>
+          </a:bodyPr>
+          <a:lstStyle/>
+          <a:p>
+            <a:pPr rtl="0" eaLnBrk="1" latinLnBrk="0" hangingPunct="1"/>
+            <a:r>
+              <a:rPr lang="en-US" sz="3600" b="0" i="0" kern="1200" baseline="0" dirty="0">
+                <a:solidFill>
+                  <a:schemeClr val="tx1">
+                    <a:lumMod val="85000"/>
+                    <a:lumOff val="15000"/>
+                  </a:schemeClr>
+                </a:solidFill>
+                <a:effectLst/>
+                <a:latin typeface="+mj-lt"/>
+                <a:ea typeface="+mj-ea"/>
+                <a:cs typeface="+mj-cs"/>
+              </a:rPr>
               <a:t>DTECTS Board Design</a:t>
             </a:r>
             <a:endParaRPr lang="en-US" sz="4400" dirty="0">
@@ -11654,7 +11961,7 @@
 </p:sld>
 </file>
 
-<file path=ppt/slides/slide11.xml><?xml version="1.0" encoding="utf-8"?>
+<file path=ppt/slides/slide12.xml><?xml version="1.0" encoding="utf-8"?>
 <p:sld xmlns:a="http://schemas.openxmlformats.org/drawingml/2006/main" xmlns:r="http://schemas.openxmlformats.org/officeDocument/2006/relationships" xmlns:p="http://schemas.openxmlformats.org/presentationml/2006/main">
   <p:cSld>
     <p:spTree>
@@ -11759,7 +12066,7 @@
 </p:sld>
 </file>
 
-<file path=ppt/slides/slide12.xml><?xml version="1.0" encoding="utf-8"?>
+<file path=ppt/slides/slide13.xml><?xml version="1.0" encoding="utf-8"?>
 <p:sld xmlns:a="http://schemas.openxmlformats.org/drawingml/2006/main" xmlns:r="http://schemas.openxmlformats.org/officeDocument/2006/relationships" xmlns:p="http://schemas.openxmlformats.org/presentationml/2006/main">
   <p:cSld>
     <p:spTree>
@@ -11907,111 +12214,6 @@
 </p:sld>
 </file>
 
-<file path=ppt/slides/slide13.xml><?xml version="1.0" encoding="utf-8"?>
-<p:sld xmlns:a="http://schemas.openxmlformats.org/drawingml/2006/main" xmlns:r="http://schemas.openxmlformats.org/officeDocument/2006/relationships" xmlns:p="http://schemas.openxmlformats.org/presentationml/2006/main">
-  <p:cSld>
-    <p:spTree>
-      <p:nvGrpSpPr>
-        <p:cNvPr id="1" name=""/>
-        <p:cNvGrpSpPr/>
-        <p:nvPr/>
-      </p:nvGrpSpPr>
-      <p:grpSpPr>
-        <a:xfrm>
-          <a:off x="0" y="0"/>
-          <a:ext cx="0" cy="0"/>
-          <a:chOff x="0" y="0"/>
-          <a:chExt cx="0" cy="0"/>
-        </a:xfrm>
-      </p:grpSpPr>
-      <p:sp>
-        <p:nvSpPr>
-          <p:cNvPr id="2" name="Title 1">
-            <a:extLst>
-              <a:ext uri="{FF2B5EF4-FFF2-40B4-BE49-F238E27FC236}">
-                <a16:creationId xmlns:a16="http://schemas.microsoft.com/office/drawing/2014/main" id="{9C5E42EE-EA5D-4203-B1EC-B96B68D2A8EA}"/>
-              </a:ext>
-            </a:extLst>
-          </p:cNvPr>
-          <p:cNvSpPr>
-            <a:spLocks noGrp="1"/>
-          </p:cNvSpPr>
-          <p:nvPr>
-            <p:ph type="title"/>
-          </p:nvPr>
-        </p:nvSpPr>
-        <p:spPr/>
-        <p:txBody>
-          <a:bodyPr>
-            <a:normAutofit/>
-          </a:bodyPr>
-          <a:lstStyle/>
-          <a:p>
-            <a:pPr rtl="0" eaLnBrk="1" latinLnBrk="0" hangingPunct="1"/>
-            <a:r>
-              <a:rPr lang="en-US" sz="3600" b="0" i="0" kern="1200" baseline="0" dirty="0">
-                <a:solidFill>
-                  <a:schemeClr val="tx1">
-                    <a:lumMod val="85000"/>
-                    <a:lumOff val="15000"/>
-                  </a:schemeClr>
-                </a:solidFill>
-                <a:effectLst/>
-                <a:latin typeface="+mj-lt"/>
-                <a:ea typeface="+mj-ea"/>
-                <a:cs typeface="+mj-cs"/>
-              </a:rPr>
-              <a:t>Overcome Challenges</a:t>
-            </a:r>
-            <a:endParaRPr lang="en-US" sz="4400" dirty="0">
-              <a:effectLst/>
-            </a:endParaRPr>
-          </a:p>
-        </p:txBody>
-      </p:sp>
-      <p:sp>
-        <p:nvSpPr>
-          <p:cNvPr id="3" name="Content Placeholder 2">
-            <a:extLst>
-              <a:ext uri="{FF2B5EF4-FFF2-40B4-BE49-F238E27FC236}">
-                <a16:creationId xmlns:a16="http://schemas.microsoft.com/office/drawing/2014/main" id="{044B4F6E-A639-47F4-91A5-68807265D618}"/>
-              </a:ext>
-            </a:extLst>
-          </p:cNvPr>
-          <p:cNvSpPr>
-            <a:spLocks noGrp="1"/>
-          </p:cNvSpPr>
-          <p:nvPr>
-            <p:ph idx="1"/>
-          </p:nvPr>
-        </p:nvSpPr>
-        <p:spPr>
-          <a:xfrm>
-            <a:off x="2589211" y="1451113"/>
-            <a:ext cx="9079327" cy="5068957"/>
-          </a:xfrm>
-        </p:spPr>
-        <p:txBody>
-          <a:bodyPr/>
-          <a:lstStyle/>
-          <a:p>
-            <a:endParaRPr lang="en-US" dirty="0"/>
-          </a:p>
-        </p:txBody>
-      </p:sp>
-    </p:spTree>
-    <p:extLst>
-      <p:ext uri="{BB962C8B-B14F-4D97-AF65-F5344CB8AC3E}">
-        <p14:creationId xmlns:p14="http://schemas.microsoft.com/office/powerpoint/2010/main" val="2805820393"/>
-      </p:ext>
-    </p:extLst>
-  </p:cSld>
-  <p:clrMapOvr>
-    <a:masterClrMapping/>
-  </p:clrMapOvr>
-</p:sld>
-</file>
-
 <file path=ppt/slides/slide14.xml><?xml version="1.0" encoding="utf-8"?>
 <p:sld xmlns:a="http://schemas.openxmlformats.org/drawingml/2006/main" xmlns:r="http://schemas.openxmlformats.org/officeDocument/2006/relationships" xmlns:p="http://schemas.openxmlformats.org/presentationml/2006/main">
   <p:cSld>
@@ -12052,6 +12254,7 @@
           </a:bodyPr>
           <a:lstStyle/>
           <a:p>
+            <a:pPr rtl="0" eaLnBrk="1" latinLnBrk="0" hangingPunct="1"/>
             <a:r>
               <a:rPr lang="en-US" sz="3600" b="0" i="0" kern="1200" baseline="0" dirty="0">
                 <a:solidFill>
@@ -12065,9 +12268,11 @@
                 <a:ea typeface="+mj-ea"/>
                 <a:cs typeface="+mj-cs"/>
               </a:rPr>
-              <a:t>Deliverable &amp; Results (2)</a:t>
-            </a:r>
-            <a:endParaRPr lang="en-US" sz="2800" dirty="0"/>
+              <a:t>Overcome Challenges</a:t>
+            </a:r>
+            <a:endParaRPr lang="en-US" sz="4400" dirty="0">
+              <a:effectLst/>
+            </a:endParaRPr>
           </a:p>
         </p:txBody>
       </p:sp>
@@ -12104,7 +12309,7 @@
     </p:spTree>
     <p:extLst>
       <p:ext uri="{BB962C8B-B14F-4D97-AF65-F5344CB8AC3E}">
-        <p14:creationId xmlns:p14="http://schemas.microsoft.com/office/powerpoint/2010/main" val="821675052"/>
+        <p14:creationId xmlns:p14="http://schemas.microsoft.com/office/powerpoint/2010/main" val="2805820393"/>
       </p:ext>
     </p:extLst>
   </p:cSld>
@@ -12154,7 +12359,6 @@
           </a:bodyPr>
           <a:lstStyle/>
           <a:p>
-            <a:pPr rtl="0" eaLnBrk="1" latinLnBrk="0" hangingPunct="1"/>
             <a:r>
               <a:rPr lang="en-US" sz="3600" b="0" i="0" kern="1200" baseline="0" dirty="0">
                 <a:solidFill>
@@ -12168,11 +12372,9 @@
                 <a:ea typeface="+mj-ea"/>
                 <a:cs typeface="+mj-cs"/>
               </a:rPr>
-              <a:t>Learnings &amp; Growths</a:t>
-            </a:r>
-            <a:endParaRPr lang="en-US" sz="4400" dirty="0">
-              <a:effectLst/>
-            </a:endParaRPr>
+              <a:t>Deliverable &amp; Results (2)</a:t>
+            </a:r>
+            <a:endParaRPr lang="en-US" sz="2800" dirty="0"/>
           </a:p>
         </p:txBody>
       </p:sp>
@@ -12209,7 +12411,7 @@
     </p:spTree>
     <p:extLst>
       <p:ext uri="{BB962C8B-B14F-4D97-AF65-F5344CB8AC3E}">
-        <p14:creationId xmlns:p14="http://schemas.microsoft.com/office/powerpoint/2010/main" val="3042754836"/>
+        <p14:creationId xmlns:p14="http://schemas.microsoft.com/office/powerpoint/2010/main" val="821675052"/>
       </p:ext>
     </p:extLst>
   </p:cSld>
@@ -12273,7 +12475,7 @@
                 <a:ea typeface="+mj-ea"/>
                 <a:cs typeface="+mj-cs"/>
               </a:rPr>
-              <a:t>Outcomes</a:t>
+              <a:t>Learnings &amp; Growths</a:t>
             </a:r>
             <a:endParaRPr lang="en-US" sz="4400" dirty="0">
               <a:effectLst/>
@@ -12314,7 +12516,7 @@
     </p:spTree>
     <p:extLst>
       <p:ext uri="{BB962C8B-B14F-4D97-AF65-F5344CB8AC3E}">
-        <p14:creationId xmlns:p14="http://schemas.microsoft.com/office/powerpoint/2010/main" val="2229688103"/>
+        <p14:creationId xmlns:p14="http://schemas.microsoft.com/office/powerpoint/2010/main" val="3042754836"/>
       </p:ext>
     </p:extLst>
   </p:cSld>
@@ -12378,7 +12580,7 @@
                 <a:ea typeface="+mj-ea"/>
                 <a:cs typeface="+mj-cs"/>
               </a:rPr>
-              <a:t>Procedure</a:t>
+              <a:t>Outcomes</a:t>
             </a:r>
             <a:endParaRPr lang="en-US" sz="4400" dirty="0">
               <a:effectLst/>
@@ -12419,7 +12621,7 @@
     </p:spTree>
     <p:extLst>
       <p:ext uri="{BB962C8B-B14F-4D97-AF65-F5344CB8AC3E}">
-        <p14:creationId xmlns:p14="http://schemas.microsoft.com/office/powerpoint/2010/main" val="3600086102"/>
+        <p14:creationId xmlns:p14="http://schemas.microsoft.com/office/powerpoint/2010/main" val="2229688103"/>
       </p:ext>
     </p:extLst>
   </p:cSld>
@@ -12483,7 +12685,7 @@
                 <a:ea typeface="+mj-ea"/>
                 <a:cs typeface="+mj-cs"/>
               </a:rPr>
-              <a:t>Pivotal Value Statement </a:t>
+              <a:t>Procedure</a:t>
             </a:r>
             <a:endParaRPr lang="en-US" sz="4400" dirty="0">
               <a:effectLst/>
@@ -12524,7 +12726,7 @@
     </p:spTree>
     <p:extLst>
       <p:ext uri="{BB962C8B-B14F-4D97-AF65-F5344CB8AC3E}">
-        <p14:creationId xmlns:p14="http://schemas.microsoft.com/office/powerpoint/2010/main" val="3071141420"/>
+        <p14:creationId xmlns:p14="http://schemas.microsoft.com/office/powerpoint/2010/main" val="3600086102"/>
       </p:ext>
     </p:extLst>
   </p:cSld>
@@ -12574,25 +12776,9 @@
           </a:bodyPr>
           <a:lstStyle/>
           <a:p>
-            <a:pPr marL="0" marR="0" lvl="0" indent="0" algn="l" defTabSz="457200" rtl="0" eaLnBrk="1" fontAlgn="auto" latinLnBrk="0" hangingPunct="1">
-              <a:lnSpc>
-                <a:spcPct val="100000"/>
-              </a:lnSpc>
-              <a:spcBef>
-                <a:spcPct val="0"/>
-              </a:spcBef>
-              <a:spcAft>
-                <a:spcPts val="0"/>
-              </a:spcAft>
-              <a:buClrTx/>
-              <a:buSzTx/>
-              <a:buFontTx/>
-              <a:buNone/>
-              <a:tabLst/>
-              <a:defRPr/>
-            </a:pPr>
-            <a:r>
-              <a:rPr lang="en-US" sz="3600" kern="1200" dirty="0">
+            <a:pPr rtl="0" eaLnBrk="1" latinLnBrk="0" hangingPunct="1"/>
+            <a:r>
+              <a:rPr lang="en-US" sz="3600" b="0" i="0" kern="1200" baseline="0" dirty="0">
                 <a:solidFill>
                   <a:schemeClr val="tx1">
                     <a:lumMod val="85000"/>
@@ -12604,9 +12790,9 @@
                 <a:ea typeface="+mj-ea"/>
                 <a:cs typeface="+mj-cs"/>
               </a:rPr>
-              <a:t>_Notes_</a:t>
-            </a:r>
-            <a:endParaRPr lang="en-US" dirty="0">
+              <a:t>Pivotal Value Statement </a:t>
+            </a:r>
+            <a:endParaRPr lang="en-US" sz="4400" dirty="0">
               <a:effectLst/>
             </a:endParaRPr>
           </a:p>
@@ -12638,16 +12824,6 @@
           <a:bodyPr/>
           <a:lstStyle/>
           <a:p>
-            <a:r>
-              <a:rPr lang="en-US" dirty="0"/>
-              <a:t>[1] </a:t>
-            </a:r>
-            <a:r>
-              <a:rPr lang="en-US" dirty="0">
-                <a:hlinkClick r:id="rId3"/>
-              </a:rPr>
-              <a:t>Feather - A complete line of development boards from Adafruit that are both standalone and stackable</a:t>
-            </a:r>
             <a:endParaRPr lang="en-US" dirty="0"/>
           </a:p>
         </p:txBody>
@@ -12655,7 +12831,7 @@
     </p:spTree>
     <p:extLst>
       <p:ext uri="{BB962C8B-B14F-4D97-AF65-F5344CB8AC3E}">
-        <p14:creationId xmlns:p14="http://schemas.microsoft.com/office/powerpoint/2010/main" val="3976643547"/>
+        <p14:creationId xmlns:p14="http://schemas.microsoft.com/office/powerpoint/2010/main" val="3071141420"/>
       </p:ext>
     </p:extLst>
   </p:cSld>
@@ -12759,6 +12935,12 @@
             </a:r>
           </a:p>
           <a:p>
+            <a:pPr marL="457200" lvl="1" indent="0">
+              <a:buNone/>
+            </a:pPr>
+            <a:endParaRPr lang="en-US" dirty="0"/>
+          </a:p>
+          <a:p>
             <a:r>
               <a:rPr lang="en-US" dirty="0"/>
               <a:t>Stabilization &amp; path forward</a:t>
@@ -12784,6 +12966,12 @@
               <a:rPr lang="en-US" dirty="0"/>
               <a:t>Feature Integration &amp; Design Simplification</a:t>
             </a:r>
+          </a:p>
+          <a:p>
+            <a:pPr marL="457200" lvl="1" indent="0">
+              <a:buNone/>
+            </a:pPr>
+            <a:endParaRPr lang="en-US" dirty="0"/>
           </a:p>
           <a:p>
             <a:r>
@@ -12811,6 +12999,137 @@
     <p:extLst>
       <p:ext uri="{BB962C8B-B14F-4D97-AF65-F5344CB8AC3E}">
         <p14:creationId xmlns:p14="http://schemas.microsoft.com/office/powerpoint/2010/main" val="536683639"/>
+      </p:ext>
+    </p:extLst>
+  </p:cSld>
+  <p:clrMapOvr>
+    <a:masterClrMapping/>
+  </p:clrMapOvr>
+</p:sld>
+</file>
+
+<file path=ppt/slides/slide20.xml><?xml version="1.0" encoding="utf-8"?>
+<p:sld xmlns:a="http://schemas.openxmlformats.org/drawingml/2006/main" xmlns:r="http://schemas.openxmlformats.org/officeDocument/2006/relationships" xmlns:p="http://schemas.openxmlformats.org/presentationml/2006/main">
+  <p:cSld>
+    <p:spTree>
+      <p:nvGrpSpPr>
+        <p:cNvPr id="1" name=""/>
+        <p:cNvGrpSpPr/>
+        <p:nvPr/>
+      </p:nvGrpSpPr>
+      <p:grpSpPr>
+        <a:xfrm>
+          <a:off x="0" y="0"/>
+          <a:ext cx="0" cy="0"/>
+          <a:chOff x="0" y="0"/>
+          <a:chExt cx="0" cy="0"/>
+        </a:xfrm>
+      </p:grpSpPr>
+      <p:sp>
+        <p:nvSpPr>
+          <p:cNvPr id="2" name="Title 1">
+            <a:extLst>
+              <a:ext uri="{FF2B5EF4-FFF2-40B4-BE49-F238E27FC236}">
+                <a16:creationId xmlns:a16="http://schemas.microsoft.com/office/drawing/2014/main" id="{9C5E42EE-EA5D-4203-B1EC-B96B68D2A8EA}"/>
+              </a:ext>
+            </a:extLst>
+          </p:cNvPr>
+          <p:cNvSpPr>
+            <a:spLocks noGrp="1"/>
+          </p:cNvSpPr>
+          <p:nvPr>
+            <p:ph type="title"/>
+          </p:nvPr>
+        </p:nvSpPr>
+        <p:spPr/>
+        <p:txBody>
+          <a:bodyPr>
+            <a:normAutofit/>
+          </a:bodyPr>
+          <a:lstStyle/>
+          <a:p>
+            <a:pPr marL="0" marR="0" lvl="0" indent="0" algn="l" defTabSz="457200" rtl="0" eaLnBrk="1" fontAlgn="auto" latinLnBrk="0" hangingPunct="1">
+              <a:lnSpc>
+                <a:spcPct val="100000"/>
+              </a:lnSpc>
+              <a:spcBef>
+                <a:spcPct val="0"/>
+              </a:spcBef>
+              <a:spcAft>
+                <a:spcPts val="0"/>
+              </a:spcAft>
+              <a:buClrTx/>
+              <a:buSzTx/>
+              <a:buFontTx/>
+              <a:buNone/>
+              <a:tabLst/>
+              <a:defRPr/>
+            </a:pPr>
+            <a:r>
+              <a:rPr lang="en-US" sz="3600" kern="1200" dirty="0">
+                <a:solidFill>
+                  <a:schemeClr val="tx1">
+                    <a:lumMod val="85000"/>
+                    <a:lumOff val="15000"/>
+                  </a:schemeClr>
+                </a:solidFill>
+                <a:effectLst/>
+                <a:latin typeface="+mj-lt"/>
+                <a:ea typeface="+mj-ea"/>
+                <a:cs typeface="+mj-cs"/>
+              </a:rPr>
+              <a:t>_Notes_</a:t>
+            </a:r>
+            <a:endParaRPr lang="en-US" dirty="0">
+              <a:effectLst/>
+            </a:endParaRPr>
+          </a:p>
+        </p:txBody>
+      </p:sp>
+      <p:sp>
+        <p:nvSpPr>
+          <p:cNvPr id="3" name="Content Placeholder 2">
+            <a:extLst>
+              <a:ext uri="{FF2B5EF4-FFF2-40B4-BE49-F238E27FC236}">
+                <a16:creationId xmlns:a16="http://schemas.microsoft.com/office/drawing/2014/main" id="{044B4F6E-A639-47F4-91A5-68807265D618}"/>
+              </a:ext>
+            </a:extLst>
+          </p:cNvPr>
+          <p:cNvSpPr>
+            <a:spLocks noGrp="1"/>
+          </p:cNvSpPr>
+          <p:nvPr>
+            <p:ph idx="1"/>
+          </p:nvPr>
+        </p:nvSpPr>
+        <p:spPr>
+          <a:xfrm>
+            <a:off x="2589211" y="1451113"/>
+            <a:ext cx="9079327" cy="5068957"/>
+          </a:xfrm>
+        </p:spPr>
+        <p:txBody>
+          <a:bodyPr/>
+          <a:lstStyle/>
+          <a:p>
+            <a:r>
+              <a:rPr lang="en-US" dirty="0"/>
+              <a:t>[1] </a:t>
+            </a:r>
+            <a:r>
+              <a:rPr lang="en-US" dirty="0">
+                <a:hlinkClick r:id="rId3"/>
+              </a:rPr>
+              <a:t>Feather - A complete line of development boards from Adafruit that are both standalone and stackable</a:t>
+            </a:r>
+            <a:endParaRPr lang="en-US" dirty="0"/>
+          </a:p>
+        </p:txBody>
+      </p:sp>
+    </p:spTree>
+    <p:extLst>
+      <p:ext uri="{BB962C8B-B14F-4D97-AF65-F5344CB8AC3E}">
+        <p14:creationId xmlns:p14="http://schemas.microsoft.com/office/powerpoint/2010/main" val="3976643547"/>
       </p:ext>
     </p:extLst>
   </p:cSld>
@@ -13076,9 +13395,8 @@
           </a:bodyPr>
           <a:lstStyle/>
           <a:p>
-            <a:pPr rtl="0" eaLnBrk="1" latinLnBrk="0" hangingPunct="1"/>
-            <a:r>
-              <a:rPr lang="en-US" sz="3600" b="0" i="0" kern="1200" baseline="0" dirty="0">
+            <a:r>
+              <a:rPr lang="en-US" kern="1200" dirty="0">
                 <a:solidFill>
                   <a:schemeClr val="tx1">
                     <a:lumMod val="85000"/>
@@ -13090,11 +13408,9 @@
                 <a:ea typeface="+mj-ea"/>
                 <a:cs typeface="+mj-cs"/>
               </a:rPr>
-              <a:t>Design Procedure (2)</a:t>
-            </a:r>
-            <a:endParaRPr lang="en-US" sz="4400" dirty="0">
-              <a:effectLst/>
-            </a:endParaRPr>
+              <a:t>Work Performed</a:t>
+            </a:r>
+            <a:endParaRPr lang="en-US" dirty="0"/>
           </a:p>
         </p:txBody>
       </p:sp>
@@ -13124,6 +13440,86 @@
           <a:bodyPr/>
           <a:lstStyle/>
           <a:p>
+            <a:r>
+              <a:rPr lang="en-US" dirty="0"/>
+              <a:t>Path identification</a:t>
+            </a:r>
+          </a:p>
+          <a:p>
+            <a:pPr lvl="1"/>
+            <a:r>
+              <a:rPr lang="en-US" dirty="0"/>
+              <a:t>Bare-metal investigate</a:t>
+            </a:r>
+          </a:p>
+          <a:p>
+            <a:pPr lvl="1"/>
+            <a:r>
+              <a:rPr lang="en-US" dirty="0"/>
+              <a:t>Standardized design practices?</a:t>
+            </a:r>
+          </a:p>
+          <a:p>
+            <a:pPr marL="457200" lvl="1" indent="0">
+              <a:buNone/>
+            </a:pPr>
+            <a:endParaRPr lang="en-US" dirty="0"/>
+          </a:p>
+          <a:p>
+            <a:r>
+              <a:rPr lang="en-US" dirty="0"/>
+              <a:t>Design Standardization</a:t>
+            </a:r>
+          </a:p>
+          <a:p>
+            <a:pPr lvl="1"/>
+            <a:r>
+              <a:rPr lang="en-US" dirty="0"/>
+              <a:t>Revisioning (multiple repositories)</a:t>
+            </a:r>
+          </a:p>
+          <a:p>
+            <a:pPr lvl="1"/>
+            <a:r>
+              <a:rPr lang="en-US" dirty="0"/>
+              <a:t>Schematics (modularization, consistency)</a:t>
+            </a:r>
+          </a:p>
+          <a:p>
+            <a:pPr lvl="1"/>
+            <a:r>
+              <a:rPr lang="en-US" dirty="0"/>
+              <a:t>Board (features, design flexibility)</a:t>
+            </a:r>
+          </a:p>
+          <a:p>
+            <a:pPr marL="457200" lvl="1" indent="0">
+              <a:buNone/>
+            </a:pPr>
+            <a:endParaRPr lang="en-US" dirty="0"/>
+          </a:p>
+          <a:p>
+            <a:r>
+              <a:rPr lang="en-US" dirty="0"/>
+              <a:t>Secure a Path Forward</a:t>
+            </a:r>
+          </a:p>
+          <a:p>
+            <a:pPr lvl="1"/>
+            <a:r>
+              <a:rPr lang="en-US" dirty="0"/>
+              <a:t>Standardization &amp; Organization</a:t>
+            </a:r>
+          </a:p>
+          <a:p>
+            <a:pPr lvl="1"/>
+            <a:r>
+              <a:rPr lang="en-US" dirty="0"/>
+              <a:t>Clarity of Communications &amp; Media</a:t>
+            </a:r>
+          </a:p>
+          <a:p>
+            <a:pPr lvl="1"/>
             <a:endParaRPr lang="en-US" dirty="0"/>
           </a:p>
         </p:txBody>
@@ -13131,7 +13527,7 @@
     </p:spTree>
     <p:extLst>
       <p:ext uri="{BB962C8B-B14F-4D97-AF65-F5344CB8AC3E}">
-        <p14:creationId xmlns:p14="http://schemas.microsoft.com/office/powerpoint/2010/main" val="306193403"/>
+        <p14:creationId xmlns:p14="http://schemas.microsoft.com/office/powerpoint/2010/main" val="512168512"/>
       </p:ext>
     </p:extLst>
   </p:cSld>
@@ -13195,7 +13591,7 @@
                 <a:ea typeface="+mj-ea"/>
                 <a:cs typeface="+mj-cs"/>
               </a:rPr>
-              <a:t>Development Methodology (3)</a:t>
+              <a:t>Design Procedure (2)</a:t>
             </a:r>
             <a:endParaRPr lang="en-US" sz="4400" dirty="0">
               <a:effectLst/>
@@ -13236,7 +13632,7 @@
     </p:spTree>
     <p:extLst>
       <p:ext uri="{BB962C8B-B14F-4D97-AF65-F5344CB8AC3E}">
-        <p14:creationId xmlns:p14="http://schemas.microsoft.com/office/powerpoint/2010/main" val="1317707174"/>
+        <p14:creationId xmlns:p14="http://schemas.microsoft.com/office/powerpoint/2010/main" val="306193403"/>
       </p:ext>
     </p:extLst>
   </p:cSld>
@@ -13334,6 +13730,111 @@
           <a:bodyPr/>
           <a:lstStyle/>
           <a:p>
+            <a:endParaRPr lang="en-US" dirty="0"/>
+          </a:p>
+        </p:txBody>
+      </p:sp>
+    </p:spTree>
+    <p:extLst>
+      <p:ext uri="{BB962C8B-B14F-4D97-AF65-F5344CB8AC3E}">
+        <p14:creationId xmlns:p14="http://schemas.microsoft.com/office/powerpoint/2010/main" val="1317707174"/>
+      </p:ext>
+    </p:extLst>
+  </p:cSld>
+  <p:clrMapOvr>
+    <a:masterClrMapping/>
+  </p:clrMapOvr>
+</p:sld>
+</file>
+
+<file path=ppt/slides/slide7.xml><?xml version="1.0" encoding="utf-8"?>
+<p:sld xmlns:a="http://schemas.openxmlformats.org/drawingml/2006/main" xmlns:r="http://schemas.openxmlformats.org/officeDocument/2006/relationships" xmlns:p="http://schemas.openxmlformats.org/presentationml/2006/main">
+  <p:cSld>
+    <p:spTree>
+      <p:nvGrpSpPr>
+        <p:cNvPr id="1" name=""/>
+        <p:cNvGrpSpPr/>
+        <p:nvPr/>
+      </p:nvGrpSpPr>
+      <p:grpSpPr>
+        <a:xfrm>
+          <a:off x="0" y="0"/>
+          <a:ext cx="0" cy="0"/>
+          <a:chOff x="0" y="0"/>
+          <a:chExt cx="0" cy="0"/>
+        </a:xfrm>
+      </p:grpSpPr>
+      <p:sp>
+        <p:nvSpPr>
+          <p:cNvPr id="2" name="Title 1">
+            <a:extLst>
+              <a:ext uri="{FF2B5EF4-FFF2-40B4-BE49-F238E27FC236}">
+                <a16:creationId xmlns:a16="http://schemas.microsoft.com/office/drawing/2014/main" id="{9C5E42EE-EA5D-4203-B1EC-B96B68D2A8EA}"/>
+              </a:ext>
+            </a:extLst>
+          </p:cNvPr>
+          <p:cNvSpPr>
+            <a:spLocks noGrp="1"/>
+          </p:cNvSpPr>
+          <p:nvPr>
+            <p:ph type="title"/>
+          </p:nvPr>
+        </p:nvSpPr>
+        <p:spPr/>
+        <p:txBody>
+          <a:bodyPr>
+            <a:normAutofit/>
+          </a:bodyPr>
+          <a:lstStyle/>
+          <a:p>
+            <a:pPr rtl="0" eaLnBrk="1" latinLnBrk="0" hangingPunct="1"/>
+            <a:r>
+              <a:rPr lang="en-US" sz="3600" b="0" i="0" kern="1200" baseline="0" dirty="0">
+                <a:solidFill>
+                  <a:schemeClr val="tx1">
+                    <a:lumMod val="85000"/>
+                    <a:lumOff val="15000"/>
+                  </a:schemeClr>
+                </a:solidFill>
+                <a:effectLst/>
+                <a:latin typeface="+mj-lt"/>
+                <a:ea typeface="+mj-ea"/>
+                <a:cs typeface="+mj-cs"/>
+              </a:rPr>
+              <a:t>Development Methodology (3)</a:t>
+            </a:r>
+            <a:endParaRPr lang="en-US" sz="4400" dirty="0">
+              <a:effectLst/>
+            </a:endParaRPr>
+          </a:p>
+        </p:txBody>
+      </p:sp>
+      <p:sp>
+        <p:nvSpPr>
+          <p:cNvPr id="3" name="Content Placeholder 2">
+            <a:extLst>
+              <a:ext uri="{FF2B5EF4-FFF2-40B4-BE49-F238E27FC236}">
+                <a16:creationId xmlns:a16="http://schemas.microsoft.com/office/drawing/2014/main" id="{044B4F6E-A639-47F4-91A5-68807265D618}"/>
+              </a:ext>
+            </a:extLst>
+          </p:cNvPr>
+          <p:cNvSpPr>
+            <a:spLocks noGrp="1"/>
+          </p:cNvSpPr>
+          <p:nvPr>
+            <p:ph idx="1"/>
+          </p:nvPr>
+        </p:nvSpPr>
+        <p:spPr>
+          <a:xfrm>
+            <a:off x="2589211" y="1451113"/>
+            <a:ext cx="9079327" cy="5068957"/>
+          </a:xfrm>
+        </p:spPr>
+        <p:txBody>
+          <a:bodyPr/>
+          <a:lstStyle/>
+          <a:p>
             <a:r>
               <a:rPr lang="en-US" dirty="0"/>
               <a:t>Revision Control</a:t>
@@ -13360,7 +13861,7 @@
 </p:sld>
 </file>
 
-<file path=ppt/slides/slide7.xml><?xml version="1.0" encoding="utf-8"?>
+<file path=ppt/slides/slide8.xml><?xml version="1.0" encoding="utf-8"?>
 <p:sld xmlns:a="http://schemas.openxmlformats.org/drawingml/2006/main" xmlns:r="http://schemas.openxmlformats.org/officeDocument/2006/relationships" xmlns:p="http://schemas.openxmlformats.org/presentationml/2006/main">
   <p:cSld>
     <p:spTree>
@@ -14767,7 +15268,7 @@
 </p:sld>
 </file>
 
-<file path=ppt/slides/slide8.xml><?xml version="1.0" encoding="utf-8"?>
+<file path=ppt/slides/slide9.xml><?xml version="1.0" encoding="utf-8"?>
 <p:sld xmlns:a="http://schemas.openxmlformats.org/drawingml/2006/main" xmlns:r="http://schemas.openxmlformats.org/officeDocument/2006/relationships" xmlns:p="http://schemas.openxmlformats.org/presentationml/2006/main">
   <p:cSld>
     <p:spTree>
@@ -14893,141 +15394,6 @@
     <p:extLst>
       <p:ext uri="{BB962C8B-B14F-4D97-AF65-F5344CB8AC3E}">
         <p14:creationId xmlns:p14="http://schemas.microsoft.com/office/powerpoint/2010/main" val="2956004668"/>
-      </p:ext>
-    </p:extLst>
-  </p:cSld>
-  <p:clrMapOvr>
-    <a:masterClrMapping/>
-  </p:clrMapOvr>
-</p:sld>
-</file>
-
-<file path=ppt/slides/slide9.xml><?xml version="1.0" encoding="utf-8"?>
-<p:sld xmlns:a="http://schemas.openxmlformats.org/drawingml/2006/main" xmlns:r="http://schemas.openxmlformats.org/officeDocument/2006/relationships" xmlns:p="http://schemas.openxmlformats.org/presentationml/2006/main">
-  <p:cSld>
-    <p:spTree>
-      <p:nvGrpSpPr>
-        <p:cNvPr id="1" name=""/>
-        <p:cNvGrpSpPr/>
-        <p:nvPr/>
-      </p:nvGrpSpPr>
-      <p:grpSpPr>
-        <a:xfrm>
-          <a:off x="0" y="0"/>
-          <a:ext cx="0" cy="0"/>
-          <a:chOff x="0" y="0"/>
-          <a:chExt cx="0" cy="0"/>
-        </a:xfrm>
-      </p:grpSpPr>
-      <p:sp>
-        <p:nvSpPr>
-          <p:cNvPr id="2" name="Title 1">
-            <a:extLst>
-              <a:ext uri="{FF2B5EF4-FFF2-40B4-BE49-F238E27FC236}">
-                <a16:creationId xmlns:a16="http://schemas.microsoft.com/office/drawing/2014/main" id="{9C5E42EE-EA5D-4203-B1EC-B96B68D2A8EA}"/>
-              </a:ext>
-            </a:extLst>
-          </p:cNvPr>
-          <p:cNvSpPr>
-            <a:spLocks noGrp="1"/>
-          </p:cNvSpPr>
-          <p:nvPr>
-            <p:ph type="title"/>
-          </p:nvPr>
-        </p:nvSpPr>
-        <p:spPr/>
-        <p:txBody>
-          <a:bodyPr>
-            <a:normAutofit/>
-          </a:bodyPr>
-          <a:lstStyle/>
-          <a:p>
-            <a:pPr rtl="0" eaLnBrk="1" latinLnBrk="0" hangingPunct="1"/>
-            <a:r>
-              <a:rPr lang="en-US" sz="3600" b="0" i="0" kern="1200" baseline="0" dirty="0">
-                <a:solidFill>
-                  <a:schemeClr val="tx1">
-                    <a:lumMod val="85000"/>
-                    <a:lumOff val="15000"/>
-                  </a:schemeClr>
-                </a:solidFill>
-                <a:effectLst/>
-                <a:latin typeface="+mj-lt"/>
-                <a:ea typeface="+mj-ea"/>
-                <a:cs typeface="+mj-cs"/>
-              </a:rPr>
-              <a:t>DTECTS Library</a:t>
-            </a:r>
-            <a:endParaRPr lang="en-US" sz="4400" dirty="0">
-              <a:effectLst/>
-            </a:endParaRPr>
-          </a:p>
-        </p:txBody>
-      </p:sp>
-      <p:pic>
-        <p:nvPicPr>
-          <p:cNvPr id="7" name="Picture 6">
-            <a:extLst>
-              <a:ext uri="{FF2B5EF4-FFF2-40B4-BE49-F238E27FC236}">
-                <a16:creationId xmlns:a16="http://schemas.microsoft.com/office/drawing/2014/main" id="{D939D839-2D14-4EEF-B198-53A77C1F0AB3}"/>
-              </a:ext>
-            </a:extLst>
-          </p:cNvPr>
-          <p:cNvPicPr>
-            <a:picLocks noChangeAspect="1"/>
-          </p:cNvPicPr>
-          <p:nvPr/>
-        </p:nvPicPr>
-        <p:blipFill>
-          <a:blip r:embed="rId3"/>
-          <a:stretch>
-            <a:fillRect/>
-          </a:stretch>
-        </p:blipFill>
-        <p:spPr>
-          <a:xfrm>
-            <a:off x="2769323" y="1518368"/>
-            <a:ext cx="6361613" cy="4477897"/>
-          </a:xfrm>
-          <a:prstGeom prst="rect">
-            <a:avLst/>
-          </a:prstGeom>
-        </p:spPr>
-      </p:pic>
-      <p:pic>
-        <p:nvPicPr>
-          <p:cNvPr id="4" name="Picture 3">
-            <a:extLst>
-              <a:ext uri="{FF2B5EF4-FFF2-40B4-BE49-F238E27FC236}">
-                <a16:creationId xmlns:a16="http://schemas.microsoft.com/office/drawing/2014/main" id="{DD99FE0C-189B-460A-A9AC-9D01098A1696}"/>
-              </a:ext>
-            </a:extLst>
-          </p:cNvPr>
-          <p:cNvPicPr>
-            <a:picLocks noChangeAspect="1"/>
-          </p:cNvPicPr>
-          <p:nvPr/>
-        </p:nvPicPr>
-        <p:blipFill>
-          <a:blip r:embed="rId4"/>
-          <a:stretch>
-            <a:fillRect/>
-          </a:stretch>
-        </p:blipFill>
-        <p:spPr>
-          <a:xfrm>
-            <a:off x="2069123" y="1518368"/>
-            <a:ext cx="7954268" cy="4477897"/>
-          </a:xfrm>
-          <a:prstGeom prst="rect">
-            <a:avLst/>
-          </a:prstGeom>
-        </p:spPr>
-      </p:pic>
-    </p:spTree>
-    <p:extLst>
-      <p:ext uri="{BB962C8B-B14F-4D97-AF65-F5344CB8AC3E}">
-        <p14:creationId xmlns:p14="http://schemas.microsoft.com/office/powerpoint/2010/main" val="3340878372"/>
       </p:ext>
     </p:extLst>
   </p:cSld>

--- a/Suppl/Pivotal Presentation - DTECTS.pptx
+++ b/Suppl/Pivotal Presentation - DTECTS.pptx
@@ -5,29 +5,31 @@
     <p:sldMasterId id="2147483648" r:id="rId1"/>
   </p:sldMasterIdLst>
   <p:notesMasterIdLst>
-    <p:notesMasterId r:id="rId22"/>
+    <p:notesMasterId r:id="rId24"/>
   </p:notesMasterIdLst>
   <p:sldIdLst>
     <p:sldId id="257" r:id="rId2"/>
     <p:sldId id="259" r:id="rId3"/>
-    <p:sldId id="280" r:id="rId4"/>
-    <p:sldId id="299" r:id="rId5"/>
-    <p:sldId id="281" r:id="rId6"/>
-    <p:sldId id="282" r:id="rId7"/>
-    <p:sldId id="296" r:id="rId8"/>
-    <p:sldId id="298" r:id="rId9"/>
-    <p:sldId id="291" r:id="rId10"/>
-    <p:sldId id="295" r:id="rId11"/>
-    <p:sldId id="294" r:id="rId12"/>
-    <p:sldId id="293" r:id="rId13"/>
-    <p:sldId id="292" r:id="rId14"/>
-    <p:sldId id="283" r:id="rId15"/>
-    <p:sldId id="284" r:id="rId16"/>
-    <p:sldId id="286" r:id="rId17"/>
-    <p:sldId id="287" r:id="rId18"/>
-    <p:sldId id="288" r:id="rId19"/>
-    <p:sldId id="290" r:id="rId20"/>
-    <p:sldId id="289" r:id="rId21"/>
+    <p:sldId id="300" r:id="rId4"/>
+    <p:sldId id="280" r:id="rId5"/>
+    <p:sldId id="299" r:id="rId6"/>
+    <p:sldId id="281" r:id="rId7"/>
+    <p:sldId id="301" r:id="rId8"/>
+    <p:sldId id="282" r:id="rId9"/>
+    <p:sldId id="296" r:id="rId10"/>
+    <p:sldId id="298" r:id="rId11"/>
+    <p:sldId id="291" r:id="rId12"/>
+    <p:sldId id="295" r:id="rId13"/>
+    <p:sldId id="294" r:id="rId14"/>
+    <p:sldId id="293" r:id="rId15"/>
+    <p:sldId id="292" r:id="rId16"/>
+    <p:sldId id="283" r:id="rId17"/>
+    <p:sldId id="284" r:id="rId18"/>
+    <p:sldId id="286" r:id="rId19"/>
+    <p:sldId id="287" r:id="rId20"/>
+    <p:sldId id="288" r:id="rId21"/>
+    <p:sldId id="290" r:id="rId22"/>
+    <p:sldId id="289" r:id="rId23"/>
   </p:sldIdLst>
   <p:sldSz cx="12192000" cy="6858000"/>
   <p:notesSz cx="6858000" cy="9144000"/>
@@ -937,7 +939,7 @@
             </a:pPr>
             <a:r>
               <a:rPr lang="en-US" dirty="0"/>
-              <a:t>Uniform naming schema</a:t>
+              <a:t>Clear segmentation and modularization of design</a:t>
             </a:r>
           </a:p>
           <a:p>
@@ -947,7 +949,7 @@
             </a:pPr>
             <a:r>
               <a:rPr lang="en-US" dirty="0"/>
-              <a:t>Consistent, uniform symbols</a:t>
+              <a:t>Uniform, consistent layout</a:t>
             </a:r>
           </a:p>
           <a:p>
@@ -957,7 +959,7 @@
             </a:pPr>
             <a:r>
               <a:rPr lang="en-US" dirty="0"/>
-              <a:t>Complete silkscreen &amp; outline markup</a:t>
+              <a:t>Clear labelling with notes</a:t>
             </a:r>
           </a:p>
         </p:txBody>
@@ -988,7 +990,7 @@
     </p:spTree>
     <p:extLst>
       <p:ext uri="{BB962C8B-B14F-4D97-AF65-F5344CB8AC3E}">
-        <p14:creationId xmlns:p14="http://schemas.microsoft.com/office/powerpoint/2010/main" val="3592769984"/>
+        <p14:creationId xmlns:p14="http://schemas.microsoft.com/office/powerpoint/2010/main" val="1255233405"/>
       </p:ext>
     </p:extLst>
   </p:cSld>
@@ -1058,7 +1060,7 @@
             </a:pPr>
             <a:r>
               <a:rPr lang="en-US" dirty="0"/>
-              <a:t>Consistent part selection</a:t>
+              <a:t>Uniform, consistent layout</a:t>
             </a:r>
           </a:p>
           <a:p>
@@ -1068,25 +1070,8 @@
             </a:pPr>
             <a:r>
               <a:rPr lang="en-US" dirty="0"/>
-              <a:t>Clean selection and placement for external I/O</a:t>
-            </a:r>
-          </a:p>
-          <a:p>
-            <a:pPr marL="171450" indent="-171450">
-              <a:buFontTx/>
-              <a:buChar char="-"/>
-            </a:pPr>
-            <a:r>
-              <a:rPr lang="en-US" dirty="0"/>
-              <a:t>Design flexibility for future expansion</a:t>
-            </a:r>
-          </a:p>
-          <a:p>
-            <a:pPr marL="171450" indent="-171450">
-              <a:buFontTx/>
-              <a:buChar char="-"/>
-            </a:pPr>
-            <a:endParaRPr lang="en-US" dirty="0"/>
+              <a:t>Clear labelling with notes</a:t>
+            </a:r>
           </a:p>
         </p:txBody>
       </p:sp>
@@ -1116,7 +1101,7 @@
     </p:spTree>
     <p:extLst>
       <p:ext uri="{BB962C8B-B14F-4D97-AF65-F5344CB8AC3E}">
-        <p14:creationId xmlns:p14="http://schemas.microsoft.com/office/powerpoint/2010/main" val="2959733451"/>
+        <p14:creationId xmlns:p14="http://schemas.microsoft.com/office/powerpoint/2010/main" val="4145813878"/>
       </p:ext>
     </p:extLst>
   </p:cSld>
@@ -1170,11 +1155,34 @@
           <a:bodyPr/>
           <a:lstStyle/>
           <a:p>
-            <a:pPr marL="0" indent="0">
-              <a:buFontTx/>
-              <a:buNone/>
-            </a:pPr>
-            <a:endParaRPr lang="en-US" dirty="0"/>
+            <a:pPr marL="171450" indent="-171450">
+              <a:buFontTx/>
+              <a:buChar char="-"/>
+            </a:pPr>
+            <a:r>
+              <a:rPr lang="en-US" dirty="0"/>
+              <a:t>Uniform naming schema</a:t>
+            </a:r>
+          </a:p>
+          <a:p>
+            <a:pPr marL="171450" indent="-171450">
+              <a:buFontTx/>
+              <a:buChar char="-"/>
+            </a:pPr>
+            <a:r>
+              <a:rPr lang="en-US" dirty="0"/>
+              <a:t>Consistent, uniform symbols</a:t>
+            </a:r>
+          </a:p>
+          <a:p>
+            <a:pPr marL="171450" indent="-171450">
+              <a:buFontTx/>
+              <a:buChar char="-"/>
+            </a:pPr>
+            <a:r>
+              <a:rPr lang="en-US" dirty="0"/>
+              <a:t>Complete silkscreen &amp; outline markup</a:t>
+            </a:r>
           </a:p>
         </p:txBody>
       </p:sp>
@@ -1204,7 +1212,7 @@
     </p:spTree>
     <p:extLst>
       <p:ext uri="{BB962C8B-B14F-4D97-AF65-F5344CB8AC3E}">
-        <p14:creationId xmlns:p14="http://schemas.microsoft.com/office/powerpoint/2010/main" val="3749563727"/>
+        <p14:creationId xmlns:p14="http://schemas.microsoft.com/office/powerpoint/2010/main" val="3592769984"/>
       </p:ext>
     </p:extLst>
   </p:cSld>
@@ -1258,9 +1266,49 @@
           <a:bodyPr/>
           <a:lstStyle/>
           <a:p>
-            <a:pPr marL="0" indent="0">
-              <a:buFontTx/>
-              <a:buNone/>
+            <a:pPr marL="171450" indent="-171450">
+              <a:buFontTx/>
+              <a:buChar char="-"/>
+            </a:pPr>
+            <a:r>
+              <a:rPr lang="en-US" dirty="0"/>
+              <a:t>Clear segmentation and modularization of design</a:t>
+            </a:r>
+          </a:p>
+          <a:p>
+            <a:pPr marL="171450" indent="-171450">
+              <a:buFontTx/>
+              <a:buChar char="-"/>
+            </a:pPr>
+            <a:r>
+              <a:rPr lang="en-US" dirty="0"/>
+              <a:t>Consistent part selection</a:t>
+            </a:r>
+          </a:p>
+          <a:p>
+            <a:pPr marL="171450" indent="-171450">
+              <a:buFontTx/>
+              <a:buChar char="-"/>
+            </a:pPr>
+            <a:r>
+              <a:rPr lang="en-US" dirty="0"/>
+              <a:t>Clean selection and placement for external I/O</a:t>
+            </a:r>
+          </a:p>
+          <a:p>
+            <a:pPr marL="171450" indent="-171450">
+              <a:buFontTx/>
+              <a:buChar char="-"/>
+            </a:pPr>
+            <a:r>
+              <a:rPr lang="en-US" dirty="0"/>
+              <a:t>Design flexibility for future expansion</a:t>
+            </a:r>
+          </a:p>
+          <a:p>
+            <a:pPr marL="171450" indent="-171450">
+              <a:buFontTx/>
+              <a:buChar char="-"/>
             </a:pPr>
             <a:endParaRPr lang="en-US" dirty="0"/>
           </a:p>
@@ -1292,7 +1340,7 @@
     </p:spTree>
     <p:extLst>
       <p:ext uri="{BB962C8B-B14F-4D97-AF65-F5344CB8AC3E}">
-        <p14:creationId xmlns:p14="http://schemas.microsoft.com/office/powerpoint/2010/main" val="1280536660"/>
+        <p14:creationId xmlns:p14="http://schemas.microsoft.com/office/powerpoint/2010/main" val="2959733451"/>
       </p:ext>
     </p:extLst>
   </p:cSld>
@@ -1346,46 +1394,6 @@
           <a:bodyPr/>
           <a:lstStyle/>
           <a:p>
-            <a:pPr marL="171450" indent="-171450">
-              <a:buFontTx/>
-              <a:buChar char="-"/>
-            </a:pPr>
-            <a:r>
-              <a:rPr lang="en-US" dirty="0"/>
-              <a:t>Unmet customer needs</a:t>
-            </a:r>
-          </a:p>
-          <a:p>
-            <a:pPr marL="171450" indent="-171450">
-              <a:buFontTx/>
-              <a:buChar char="-"/>
-            </a:pPr>
-            <a:r>
-              <a:rPr lang="en-US" dirty="0"/>
-              <a:t>Work scope identification</a:t>
-            </a:r>
-          </a:p>
-          <a:p>
-            <a:pPr marL="171450" indent="-171450">
-              <a:buFontTx/>
-              <a:buChar char="-"/>
-            </a:pPr>
-            <a:r>
-              <a:rPr lang="en-US" dirty="0"/>
-              <a:t>Espressif</a:t>
-            </a:r>
-          </a:p>
-          <a:p>
-            <a:pPr marL="171450" indent="-171450">
-              <a:buFontTx/>
-              <a:buChar char="-"/>
-            </a:pPr>
-            <a:r>
-              <a:rPr lang="en-US" dirty="0"/>
-              <a:t>Satisfying ambitious, abstract design needs</a:t>
-            </a:r>
-          </a:p>
-          <a:p>
             <a:pPr marL="0" indent="0">
               <a:buFontTx/>
               <a:buNone/>
@@ -1420,7 +1428,7 @@
     </p:spTree>
     <p:extLst>
       <p:ext uri="{BB962C8B-B14F-4D97-AF65-F5344CB8AC3E}">
-        <p14:creationId xmlns:p14="http://schemas.microsoft.com/office/powerpoint/2010/main" val="3236089897"/>
+        <p14:creationId xmlns:p14="http://schemas.microsoft.com/office/powerpoint/2010/main" val="3749563727"/>
       </p:ext>
     </p:extLst>
   </p:cSld>
@@ -1474,76 +1482,6 @@
           <a:bodyPr/>
           <a:lstStyle/>
           <a:p>
-            <a:pPr marL="171450" indent="-171450">
-              <a:buFontTx/>
-              <a:buChar char="-"/>
-            </a:pPr>
-            <a:r>
-              <a:rPr lang="en-US" dirty="0"/>
-              <a:t>Schematics</a:t>
-            </a:r>
-          </a:p>
-          <a:p>
-            <a:pPr marL="171450" indent="-171450">
-              <a:buFontTx/>
-              <a:buChar char="-"/>
-            </a:pPr>
-            <a:r>
-              <a:rPr lang="en-US" dirty="0"/>
-              <a:t>Documentation</a:t>
-            </a:r>
-          </a:p>
-          <a:p>
-            <a:pPr marL="171450" indent="-171450">
-              <a:buFontTx/>
-              <a:buChar char="-"/>
-            </a:pPr>
-            <a:r>
-              <a:rPr lang="en-US" dirty="0"/>
-              <a:t>Board Design</a:t>
-            </a:r>
-          </a:p>
-          <a:p>
-            <a:pPr marL="171450" indent="-171450">
-              <a:buFontTx/>
-              <a:buChar char="-"/>
-            </a:pPr>
-            <a:r>
-              <a:rPr lang="en-US" dirty="0"/>
-              <a:t>Espressif bare-metal scope</a:t>
-            </a:r>
-          </a:p>
-          <a:p>
-            <a:pPr marL="171450" indent="-171450">
-              <a:buFontTx/>
-              <a:buChar char="-"/>
-            </a:pPr>
-            <a:r>
-              <a:rPr lang="en-US" dirty="0"/>
-              <a:t>Roadmap establish</a:t>
-            </a:r>
-          </a:p>
-          <a:p>
-            <a:pPr marL="171450" indent="-171450">
-              <a:buFontTx/>
-              <a:buChar char="-"/>
-            </a:pPr>
-            <a:r>
-              <a:rPr lang="en-US" dirty="0"/>
-              <a:t>Procedure Reference</a:t>
-            </a:r>
-          </a:p>
-          <a:p>
-            <a:pPr marL="171450" indent="-171450">
-              <a:buFontTx/>
-              <a:buChar char="-"/>
-            </a:pPr>
-            <a:r>
-              <a:rPr lang="en-US" dirty="0"/>
-              <a:t>GitHub</a:t>
-            </a:r>
-          </a:p>
-          <a:p>
             <a:pPr marL="0" indent="0">
               <a:buFontTx/>
               <a:buNone/>
@@ -1578,7 +1516,7 @@
     </p:spTree>
     <p:extLst>
       <p:ext uri="{BB962C8B-B14F-4D97-AF65-F5344CB8AC3E}">
-        <p14:creationId xmlns:p14="http://schemas.microsoft.com/office/powerpoint/2010/main" val="812602940"/>
+        <p14:creationId xmlns:p14="http://schemas.microsoft.com/office/powerpoint/2010/main" val="1280536660"/>
       </p:ext>
     </p:extLst>
   </p:cSld>
@@ -1638,7 +1576,7 @@
             </a:pPr>
             <a:r>
               <a:rPr lang="en-US" dirty="0"/>
-              <a:t>Communication</a:t>
+              <a:t>Unmet customer needs</a:t>
             </a:r>
           </a:p>
           <a:p>
@@ -1648,7 +1586,7 @@
             </a:pPr>
             <a:r>
               <a:rPr lang="en-US" dirty="0"/>
-              <a:t>Needs Identification &amp; Customer Relations</a:t>
+              <a:t>Work scope identification</a:t>
             </a:r>
           </a:p>
           <a:p>
@@ -1658,7 +1596,7 @@
             </a:pPr>
             <a:r>
               <a:rPr lang="en-US" dirty="0"/>
-              <a:t>Translation of Ambitions to Marketable Results</a:t>
+              <a:t>Espressif</a:t>
             </a:r>
           </a:p>
           <a:p>
@@ -1668,27 +1606,7 @@
             </a:pPr>
             <a:r>
               <a:rPr lang="en-US" dirty="0"/>
-              <a:t>EAGLE Ramp</a:t>
-            </a:r>
-          </a:p>
-          <a:p>
-            <a:pPr marL="171450" indent="-171450">
-              <a:buFontTx/>
-              <a:buChar char="-"/>
-            </a:pPr>
-            <a:r>
-              <a:rPr lang="en-US" dirty="0"/>
-              <a:t>Espressif Exposure &amp; Practice</a:t>
-            </a:r>
-          </a:p>
-          <a:p>
-            <a:pPr marL="171450" indent="-171450">
-              <a:buFontTx/>
-              <a:buChar char="-"/>
-            </a:pPr>
-            <a:r>
-              <a:rPr lang="en-US" dirty="0"/>
-              <a:t>Relationships</a:t>
+              <a:t>Satisfying ambitious, abstract design needs</a:t>
             </a:r>
           </a:p>
           <a:p>
@@ -1726,7 +1644,7 @@
     </p:spTree>
     <p:extLst>
       <p:ext uri="{BB962C8B-B14F-4D97-AF65-F5344CB8AC3E}">
-        <p14:creationId xmlns:p14="http://schemas.microsoft.com/office/powerpoint/2010/main" val="264461871"/>
+        <p14:creationId xmlns:p14="http://schemas.microsoft.com/office/powerpoint/2010/main" val="3236089897"/>
       </p:ext>
     </p:extLst>
   </p:cSld>
@@ -1786,7 +1704,7 @@
             </a:pPr>
             <a:r>
               <a:rPr lang="en-US" dirty="0"/>
-              <a:t>Strengthened relations with Tomm</a:t>
+              <a:t>Schematics</a:t>
             </a:r>
           </a:p>
           <a:p>
@@ -1796,7 +1714,7 @@
             </a:pPr>
             <a:r>
               <a:rPr lang="en-US" dirty="0"/>
-              <a:t>Tyler Brown Opportunity</a:t>
+              <a:t>Documentation</a:t>
             </a:r>
           </a:p>
           <a:p>
@@ -1806,7 +1724,7 @@
             </a:pPr>
             <a:r>
               <a:rPr lang="en-US" dirty="0"/>
-              <a:t>Billy Keogh Opportunity</a:t>
+              <a:t>Board Design</a:t>
             </a:r>
           </a:p>
           <a:p>
@@ -1816,7 +1734,7 @@
             </a:pPr>
             <a:r>
               <a:rPr lang="en-US" dirty="0"/>
-              <a:t>Jmr Opportunity</a:t>
+              <a:t>Espressif bare-metal scope</a:t>
             </a:r>
           </a:p>
           <a:p>
@@ -1826,7 +1744,7 @@
             </a:pPr>
             <a:r>
               <a:rPr lang="en-US" dirty="0"/>
-              <a:t>Mentor &amp; Network relations</a:t>
+              <a:t>Roadmap establish</a:t>
             </a:r>
           </a:p>
           <a:p>
@@ -1836,7 +1754,17 @@
             </a:pPr>
             <a:r>
               <a:rPr lang="en-US" dirty="0"/>
-              <a:t>Xylem &amp; Ergsense relations</a:t>
+              <a:t>Procedure Reference</a:t>
+            </a:r>
+          </a:p>
+          <a:p>
+            <a:pPr marL="171450" indent="-171450">
+              <a:buFontTx/>
+              <a:buChar char="-"/>
+            </a:pPr>
+            <a:r>
+              <a:rPr lang="en-US" dirty="0"/>
+              <a:t>GitHub</a:t>
             </a:r>
           </a:p>
           <a:p>
@@ -1874,7 +1802,7 @@
     </p:spTree>
     <p:extLst>
       <p:ext uri="{BB962C8B-B14F-4D97-AF65-F5344CB8AC3E}">
-        <p14:creationId xmlns:p14="http://schemas.microsoft.com/office/powerpoint/2010/main" val="3716442150"/>
+        <p14:creationId xmlns:p14="http://schemas.microsoft.com/office/powerpoint/2010/main" val="812602940"/>
       </p:ext>
     </p:extLst>
   </p:cSld>
@@ -1934,11 +1862,7 @@
             </a:pPr>
             <a:r>
               <a:rPr lang="en-US" dirty="0"/>
-              <a:t>Frame, sketch w/vision</a:t>
-            </a:r>
-            <a:r>
-              <a:rPr lang="en-US" baseline="0" dirty="0"/>
-              <a:t> &amp; intent, draft</a:t>
+              <a:t>Communication</a:t>
             </a:r>
           </a:p>
           <a:p>
@@ -1947,8 +1871,8 @@
               <a:buChar char="-"/>
             </a:pPr>
             <a:r>
-              <a:rPr lang="en-US" baseline="0" dirty="0"/>
-              <a:t>Source control &amp; procedure!</a:t>
+              <a:rPr lang="en-US" dirty="0"/>
+              <a:t>Needs Identification &amp; Customer Relations</a:t>
             </a:r>
           </a:p>
           <a:p>
@@ -1957,8 +1881,8 @@
               <a:buChar char="-"/>
             </a:pPr>
             <a:r>
-              <a:rPr lang="en-US" baseline="0" dirty="0"/>
-              <a:t>Help from experience (Tomm, Terry, Father)</a:t>
+              <a:rPr lang="en-US" dirty="0"/>
+              <a:t>Translation of Ambitions to Marketable Results</a:t>
             </a:r>
           </a:p>
           <a:p>
@@ -1968,11 +1892,7 @@
             </a:pPr>
             <a:r>
               <a:rPr lang="en-US" dirty="0"/>
-              <a:t>Describe</a:t>
-            </a:r>
-            <a:r>
-              <a:rPr lang="en-US" baseline="0" dirty="0"/>
-              <a:t> procedure of PPT Generation</a:t>
+              <a:t>EAGLE Ramp</a:t>
             </a:r>
           </a:p>
           <a:p>
@@ -1981,8 +1901,8 @@
               <a:buChar char="-"/>
             </a:pPr>
             <a:r>
-              <a:rPr lang="en-US" baseline="0" dirty="0"/>
-              <a:t>    selection &amp; outline</a:t>
+              <a:rPr lang="en-US" dirty="0"/>
+              <a:t>Espressif Exposure &amp; Practice</a:t>
             </a:r>
           </a:p>
           <a:p>
@@ -1991,42 +1911,9 @@
               <a:buChar char="-"/>
             </a:pPr>
             <a:r>
-              <a:rPr lang="en-US" baseline="0" dirty="0"/>
-              <a:t>    customer meeting (Tomm)</a:t>
-            </a:r>
-          </a:p>
-          <a:p>
-            <a:pPr marL="171450" indent="-171450">
-              <a:buFontTx/>
-              <a:buChar char="-"/>
-            </a:pPr>
-            <a:r>
-              <a:rPr lang="en-US" baseline="0" dirty="0"/>
-              <a:t>    mentor advise (Tom, Father)</a:t>
-            </a:r>
-          </a:p>
-          <a:p>
-            <a:pPr marL="171450" indent="-171450">
-              <a:buFontTx/>
-              <a:buChar char="-"/>
-            </a:pPr>
-            <a:r>
-              <a:rPr lang="en-US" baseline="0" dirty="0"/>
-              <a:t>    outline</a:t>
-            </a:r>
-          </a:p>
-          <a:p>
-            <a:pPr marL="171450" indent="-171450">
-              <a:buFontTx/>
-              <a:buChar char="-"/>
-            </a:pPr>
-            <a:r>
-              <a:rPr lang="en-US" baseline="0" dirty="0"/>
-              <a:t>    find template</a:t>
-            </a:r>
-          </a:p>
-          <a:p>
-            <a:endParaRPr lang="en-US" dirty="0"/>
+              <a:rPr lang="en-US" dirty="0"/>
+              <a:t>Relationships</a:t>
+            </a:r>
           </a:p>
           <a:p>
             <a:pPr marL="0" indent="0">
@@ -2063,7 +1950,7 @@
     </p:spTree>
     <p:extLst>
       <p:ext uri="{BB962C8B-B14F-4D97-AF65-F5344CB8AC3E}">
-        <p14:creationId xmlns:p14="http://schemas.microsoft.com/office/powerpoint/2010/main" val="648812506"/>
+        <p14:creationId xmlns:p14="http://schemas.microsoft.com/office/powerpoint/2010/main" val="264461871"/>
       </p:ext>
     </p:extLst>
   </p:cSld>
@@ -2123,7 +2010,7 @@
             </a:pPr>
             <a:r>
               <a:rPr lang="en-US" dirty="0"/>
-              <a:t>Board Design</a:t>
+              <a:t>Strengthened relations with Tomm</a:t>
             </a:r>
           </a:p>
           <a:p>
@@ -2133,7 +2020,7 @@
             </a:pPr>
             <a:r>
               <a:rPr lang="en-US" dirty="0"/>
-              <a:t>Board Fab &amp; Validate</a:t>
+              <a:t>Tyler Brown Opportunity</a:t>
             </a:r>
           </a:p>
           <a:p>
@@ -2143,7 +2030,7 @@
             </a:pPr>
             <a:r>
               <a:rPr lang="en-US" dirty="0"/>
-              <a:t>Firmware</a:t>
+              <a:t>Billy Keogh Opportunity</a:t>
             </a:r>
           </a:p>
           <a:p>
@@ -2153,7 +2040,27 @@
             </a:pPr>
             <a:r>
               <a:rPr lang="en-US" dirty="0"/>
-              <a:t>Rapid Prototyping</a:t>
+              <a:t>Jmr Opportunity</a:t>
+            </a:r>
+          </a:p>
+          <a:p>
+            <a:pPr marL="171450" indent="-171450">
+              <a:buFontTx/>
+              <a:buChar char="-"/>
+            </a:pPr>
+            <a:r>
+              <a:rPr lang="en-US" dirty="0"/>
+              <a:t>Mentor &amp; Network relations</a:t>
+            </a:r>
+          </a:p>
+          <a:p>
+            <a:pPr marL="171450" indent="-171450">
+              <a:buFontTx/>
+              <a:buChar char="-"/>
+            </a:pPr>
+            <a:r>
+              <a:rPr lang="en-US" dirty="0"/>
+              <a:t>Xylem &amp; Ergsense relations</a:t>
             </a:r>
           </a:p>
           <a:p>
@@ -2191,7 +2098,7 @@
     </p:spTree>
     <p:extLst>
       <p:ext uri="{BB962C8B-B14F-4D97-AF65-F5344CB8AC3E}">
-        <p14:creationId xmlns:p14="http://schemas.microsoft.com/office/powerpoint/2010/main" val="3025603983"/>
+        <p14:creationId xmlns:p14="http://schemas.microsoft.com/office/powerpoint/2010/main" val="3716442150"/>
       </p:ext>
     </p:extLst>
   </p:cSld>
@@ -2245,35 +2152,13 @@
           <a:bodyPr/>
           <a:lstStyle/>
           <a:p>
-            <a:pPr marL="0" indent="0">
-              <a:buFontTx/>
-              <a:buNone/>
-            </a:pPr>
-            <a:r>
-              <a:rPr lang="en-US" dirty="0"/>
-              <a:t>Summary</a:t>
-            </a:r>
-          </a:p>
-          <a:p>
             <a:pPr marL="171450" indent="-171450">
               <a:buFontTx/>
               <a:buChar char="-"/>
             </a:pPr>
             <a:r>
-              <a:rPr lang="en-US" sz="1200" b="0" i="0" u="none" strike="noStrike" kern="1200" dirty="0">
-                <a:solidFill>
-                  <a:schemeClr val="tx1"/>
-                </a:solidFill>
-              </a:rPr>
-              <a:t>Identification of Needs &amp; </a:t>
-            </a:r>
-            <a:r>
-              <a:rPr lang="en-US" sz="1200" b="0" i="0" u="none" strike="noStrike" kern="1200" baseline="0" dirty="0">
-                <a:solidFill>
-                  <a:schemeClr val="tx1"/>
-                </a:solidFill>
-              </a:rPr>
-              <a:t>Challenges</a:t>
+              <a:rPr lang="en-US" dirty="0"/>
+              <a:t>Shows Tomm as a unique customer, a blend of opportunity and of complication</a:t>
             </a:r>
           </a:p>
           <a:p>
@@ -2281,20 +2166,9 @@
               <a:buFontTx/>
               <a:buChar char="-"/>
             </a:pPr>
-            <a:endParaRPr lang="en-US" sz="1200" b="0" i="0" u="none" strike="noStrike" kern="1200" baseline="0" dirty="0">
-              <a:solidFill>
-                <a:schemeClr val="tx1"/>
-              </a:solidFill>
-            </a:endParaRPr>
-          </a:p>
-          <a:p>
-            <a:pPr marL="0" indent="0">
-              <a:buFontTx/>
-              <a:buNone/>
-            </a:pPr>
-            <a:r>
-              <a:rPr lang="en-US" dirty="0"/>
-              <a:t>Topics</a:t>
+            <a:r>
+              <a:rPr lang="en-US" dirty="0"/>
+              <a:t>When management signs up for more than they can handle</a:t>
             </a:r>
           </a:p>
           <a:p>
@@ -2304,201 +2178,17 @@
             </a:pPr>
             <a:r>
               <a:rPr lang="en-US" dirty="0"/>
-              <a:t>Stabilized Firmware Architecture</a:t>
-            </a:r>
-          </a:p>
-          <a:p>
-            <a:pPr marL="628650" lvl="1" indent="-171450">
+              <a:t>Manager in engineering shoes</a:t>
+            </a:r>
+          </a:p>
+          <a:p>
+            <a:pPr marL="171450" indent="-171450">
               <a:buFontTx/>
               <a:buChar char="-"/>
             </a:pPr>
             <a:r>
               <a:rPr lang="en-US" dirty="0"/>
-              <a:t>OTM evaluate, path option identifications (Arduino, Python, OTM(C/C++), </a:t>
-            </a:r>
-            <a:r>
-              <a:rPr lang="en-US" dirty="0" err="1"/>
-              <a:t>PlatformIO</a:t>
-            </a:r>
-            <a:r>
-              <a:rPr lang="en-US" dirty="0"/>
-              <a:t>, Lua, JavaScript)</a:t>
-            </a:r>
-          </a:p>
-          <a:p>
-            <a:pPr marL="171450" indent="-171450">
-              <a:buFontTx/>
-              <a:buChar char="-"/>
-            </a:pPr>
-            <a:r>
-              <a:rPr lang="en-US" dirty="0"/>
-              <a:t>Board Revisions</a:t>
-            </a:r>
-          </a:p>
-          <a:p>
-            <a:pPr marL="171450" indent="-171450">
-              <a:buFontTx/>
-              <a:buChar char="-"/>
-            </a:pPr>
-            <a:r>
-              <a:rPr lang="en-US" dirty="0"/>
-              <a:t>PoC Progression, Arduino towards release</a:t>
-            </a:r>
-          </a:p>
-          <a:p>
-            <a:pPr marL="171450" indent="-171450">
-              <a:buFontTx/>
-              <a:buChar char="-"/>
-            </a:pPr>
-            <a:r>
-              <a:rPr lang="en-US" dirty="0"/>
-              <a:t>Feature Integration</a:t>
-            </a:r>
-          </a:p>
-          <a:p>
-            <a:endParaRPr lang="en-US" dirty="0"/>
-          </a:p>
-          <a:p>
-            <a:pPr marL="0" indent="0">
-              <a:buFontTx/>
-              <a:buNone/>
-            </a:pPr>
-            <a:r>
-              <a:rPr lang="en-US" dirty="0"/>
-              <a:t>Features Proposed</a:t>
-            </a:r>
-          </a:p>
-          <a:p>
-            <a:pPr marL="171450" indent="-171450">
-              <a:buFontTx/>
-              <a:buChar char="-"/>
-            </a:pPr>
-            <a:r>
-              <a:rPr lang="en-US" dirty="0"/>
-              <a:t>Debug Port</a:t>
-            </a:r>
-          </a:p>
-          <a:p>
-            <a:pPr marL="171450" indent="-171450">
-              <a:buFontTx/>
-              <a:buChar char="-"/>
-            </a:pPr>
-            <a:r>
-              <a:rPr lang="en-US" dirty="0"/>
-              <a:t>Serial Port &amp; Module</a:t>
-            </a:r>
-          </a:p>
-          <a:p>
-            <a:pPr marL="171450" indent="-171450">
-              <a:buFontTx/>
-              <a:buChar char="-"/>
-            </a:pPr>
-            <a:r>
-              <a:rPr lang="en-US" dirty="0"/>
-              <a:t>Jumpers</a:t>
-            </a:r>
-          </a:p>
-          <a:p>
-            <a:pPr marL="171450" indent="-171450">
-              <a:buFontTx/>
-              <a:buChar char="-"/>
-            </a:pPr>
-            <a:r>
-              <a:rPr lang="en-US" dirty="0"/>
-              <a:t>JTAG</a:t>
-            </a:r>
-          </a:p>
-          <a:p>
-            <a:endParaRPr lang="en-US" dirty="0"/>
-          </a:p>
-          <a:p>
-            <a:r>
-              <a:rPr lang="en-US" dirty="0"/>
-              <a:t>Presentation Focus Points</a:t>
-            </a:r>
-          </a:p>
-          <a:p>
-            <a:pPr marL="171450" indent="-171450">
-              <a:buFontTx/>
-              <a:buChar char="-"/>
-            </a:pPr>
-            <a:r>
-              <a:rPr lang="en-US" dirty="0"/>
-              <a:t>Opportunity</a:t>
-            </a:r>
-          </a:p>
-          <a:p>
-            <a:pPr marL="171450" indent="-171450">
-              <a:buFontTx/>
-              <a:buChar char="-"/>
-            </a:pPr>
-            <a:r>
-              <a:rPr lang="en-US" dirty="0"/>
-              <a:t>Success &amp; Deliverable</a:t>
-            </a:r>
-          </a:p>
-          <a:p>
-            <a:pPr marL="171450" indent="-171450">
-              <a:buFontTx/>
-              <a:buChar char="-"/>
-            </a:pPr>
-            <a:r>
-              <a:rPr lang="en-US" dirty="0"/>
-              <a:t>Network &amp; Relationships</a:t>
-            </a:r>
-          </a:p>
-          <a:p>
-            <a:pPr marL="171450" indent="-171450">
-              <a:buFontTx/>
-              <a:buChar char="-"/>
-            </a:pPr>
-            <a:r>
-              <a:rPr lang="en-US" dirty="0"/>
-              <a:t>Learnings and Growth</a:t>
-            </a:r>
-          </a:p>
-          <a:p>
-            <a:pPr marL="171450" indent="-171450">
-              <a:buFontTx/>
-              <a:buChar char="-"/>
-            </a:pPr>
-            <a:endParaRPr lang="en-US" dirty="0"/>
-          </a:p>
-          <a:p>
-            <a:pPr marL="0" indent="0">
-              <a:buFontTx/>
-              <a:buNone/>
-            </a:pPr>
-            <a:r>
-              <a:rPr lang="en-US" dirty="0"/>
-              <a:t>Points to Share</a:t>
-            </a:r>
-          </a:p>
-          <a:p>
-            <a:pPr marL="171450" indent="-171450">
-              <a:buFontTx/>
-              <a:buChar char="-"/>
-            </a:pPr>
-            <a:r>
-              <a:rPr lang="en-US" dirty="0"/>
-              <a:t>Success of work</a:t>
-            </a:r>
-          </a:p>
-          <a:p>
-            <a:pPr marL="171450" indent="-171450">
-              <a:buFontTx/>
-              <a:buChar char="-"/>
-            </a:pPr>
-            <a:r>
-              <a:rPr lang="en-US" dirty="0"/>
-              <a:t>Highlight Hardware Experience</a:t>
-            </a:r>
-            <a:br>
-              <a:rPr lang="en-US" dirty="0"/>
-            </a:br>
-            <a:r>
-              <a:rPr lang="en-US" dirty="0"/>
-              <a:t>Show direct value to team, by example</a:t>
+              <a:t>When a project goes from idea expression into product generation</a:t>
             </a:r>
           </a:p>
         </p:txBody>
@@ -2583,20 +2273,104 @@
           <a:bodyPr/>
           <a:lstStyle/>
           <a:p>
-            <a:r>
-              <a:rPr lang="en-US" dirty="0"/>
-              <a:t>*Integrate Tomm Notes</a:t>
-            </a:r>
-          </a:p>
-          <a:p>
-            <a:r>
-              <a:rPr lang="en-US" dirty="0"/>
-              <a:t>*Form</a:t>
+            <a:pPr marL="171450" indent="-171450">
+              <a:buFontTx/>
+              <a:buChar char="-"/>
+            </a:pPr>
+            <a:r>
+              <a:rPr lang="en-US" dirty="0"/>
+              <a:t>Frame, sketch w/vision</a:t>
             </a:r>
             <a:r>
               <a:rPr lang="en-US" baseline="0" dirty="0"/>
-              <a:t> rules &amp; presentation target</a:t>
-            </a:r>
+              <a:t> &amp; intent, draft</a:t>
+            </a:r>
+          </a:p>
+          <a:p>
+            <a:pPr marL="171450" indent="-171450">
+              <a:buFontTx/>
+              <a:buChar char="-"/>
+            </a:pPr>
+            <a:r>
+              <a:rPr lang="en-US" baseline="0" dirty="0"/>
+              <a:t>Source control &amp; procedure!</a:t>
+            </a:r>
+          </a:p>
+          <a:p>
+            <a:pPr marL="171450" indent="-171450">
+              <a:buFontTx/>
+              <a:buChar char="-"/>
+            </a:pPr>
+            <a:r>
+              <a:rPr lang="en-US" baseline="0" dirty="0"/>
+              <a:t>Help from experience (Tomm, Terry, Father)</a:t>
+            </a:r>
+          </a:p>
+          <a:p>
+            <a:pPr marL="171450" indent="-171450">
+              <a:buFontTx/>
+              <a:buChar char="-"/>
+            </a:pPr>
+            <a:r>
+              <a:rPr lang="en-US" dirty="0"/>
+              <a:t>Describe</a:t>
+            </a:r>
+            <a:r>
+              <a:rPr lang="en-US" baseline="0" dirty="0"/>
+              <a:t> procedure of PPT Generation</a:t>
+            </a:r>
+          </a:p>
+          <a:p>
+            <a:pPr marL="171450" indent="-171450">
+              <a:buFontTx/>
+              <a:buChar char="-"/>
+            </a:pPr>
+            <a:r>
+              <a:rPr lang="en-US" baseline="0" dirty="0"/>
+              <a:t>    selection &amp; outline</a:t>
+            </a:r>
+          </a:p>
+          <a:p>
+            <a:pPr marL="171450" indent="-171450">
+              <a:buFontTx/>
+              <a:buChar char="-"/>
+            </a:pPr>
+            <a:r>
+              <a:rPr lang="en-US" baseline="0" dirty="0"/>
+              <a:t>    customer meeting (Tomm)</a:t>
+            </a:r>
+          </a:p>
+          <a:p>
+            <a:pPr marL="171450" indent="-171450">
+              <a:buFontTx/>
+              <a:buChar char="-"/>
+            </a:pPr>
+            <a:r>
+              <a:rPr lang="en-US" baseline="0" dirty="0"/>
+              <a:t>    mentor advise (Tom, Father)</a:t>
+            </a:r>
+          </a:p>
+          <a:p>
+            <a:pPr marL="171450" indent="-171450">
+              <a:buFontTx/>
+              <a:buChar char="-"/>
+            </a:pPr>
+            <a:r>
+              <a:rPr lang="en-US" baseline="0" dirty="0"/>
+              <a:t>    outline</a:t>
+            </a:r>
+          </a:p>
+          <a:p>
+            <a:pPr marL="171450" indent="-171450">
+              <a:buFontTx/>
+              <a:buChar char="-"/>
+            </a:pPr>
+            <a:r>
+              <a:rPr lang="en-US" baseline="0" dirty="0"/>
+              <a:t>    find template</a:t>
+            </a:r>
+          </a:p>
+          <a:p>
             <a:endParaRPr lang="en-US" dirty="0"/>
           </a:p>
           <a:p>
@@ -2626,6 +2400,239 @@
             <a:fld id="{4AC65D0B-F732-4E21-9A8D-1C6A15A6A84B}" type="slidenum">
               <a:rPr lang="en-US" smtClean="0"/>
               <a:t>20</a:t>
+            </a:fld>
+            <a:endParaRPr lang="en-US" dirty="0"/>
+          </a:p>
+        </p:txBody>
+      </p:sp>
+    </p:spTree>
+    <p:extLst>
+      <p:ext uri="{BB962C8B-B14F-4D97-AF65-F5344CB8AC3E}">
+        <p14:creationId xmlns:p14="http://schemas.microsoft.com/office/powerpoint/2010/main" val="648812506"/>
+      </p:ext>
+    </p:extLst>
+  </p:cSld>
+  <p:clrMapOvr>
+    <a:masterClrMapping/>
+  </p:clrMapOvr>
+</p:notes>
+</file>
+
+<file path=ppt/notesSlides/notesSlide21.xml><?xml version="1.0" encoding="utf-8"?>
+<p:notes xmlns:a="http://schemas.openxmlformats.org/drawingml/2006/main" xmlns:r="http://schemas.openxmlformats.org/officeDocument/2006/relationships" xmlns:p="http://schemas.openxmlformats.org/presentationml/2006/main">
+  <p:cSld>
+    <p:spTree>
+      <p:nvGrpSpPr>
+        <p:cNvPr id="1" name=""/>
+        <p:cNvGrpSpPr/>
+        <p:nvPr/>
+      </p:nvGrpSpPr>
+      <p:grpSpPr>
+        <a:xfrm>
+          <a:off x="0" y="0"/>
+          <a:ext cx="0" cy="0"/>
+          <a:chOff x="0" y="0"/>
+          <a:chExt cx="0" cy="0"/>
+        </a:xfrm>
+      </p:grpSpPr>
+      <p:sp>
+        <p:nvSpPr>
+          <p:cNvPr id="2" name="Slide Image Placeholder 1"/>
+          <p:cNvSpPr>
+            <a:spLocks noGrp="1" noRot="1" noChangeAspect="1"/>
+          </p:cNvSpPr>
+          <p:nvPr>
+            <p:ph type="sldImg"/>
+          </p:nvPr>
+        </p:nvSpPr>
+        <p:spPr/>
+      </p:sp>
+      <p:sp>
+        <p:nvSpPr>
+          <p:cNvPr id="3" name="Notes Placeholder 2"/>
+          <p:cNvSpPr>
+            <a:spLocks noGrp="1"/>
+          </p:cNvSpPr>
+          <p:nvPr>
+            <p:ph type="body" idx="1"/>
+          </p:nvPr>
+        </p:nvSpPr>
+        <p:spPr/>
+        <p:txBody>
+          <a:bodyPr/>
+          <a:lstStyle/>
+          <a:p>
+            <a:pPr marL="171450" indent="-171450">
+              <a:buFontTx/>
+              <a:buChar char="-"/>
+            </a:pPr>
+            <a:r>
+              <a:rPr lang="en-US" dirty="0"/>
+              <a:t>Board Design</a:t>
+            </a:r>
+          </a:p>
+          <a:p>
+            <a:pPr marL="171450" indent="-171450">
+              <a:buFontTx/>
+              <a:buChar char="-"/>
+            </a:pPr>
+            <a:r>
+              <a:rPr lang="en-US" dirty="0"/>
+              <a:t>Board Fab &amp; Validate</a:t>
+            </a:r>
+          </a:p>
+          <a:p>
+            <a:pPr marL="171450" indent="-171450">
+              <a:buFontTx/>
+              <a:buChar char="-"/>
+            </a:pPr>
+            <a:r>
+              <a:rPr lang="en-US" dirty="0"/>
+              <a:t>Firmware</a:t>
+            </a:r>
+          </a:p>
+          <a:p>
+            <a:pPr marL="171450" indent="-171450">
+              <a:buFontTx/>
+              <a:buChar char="-"/>
+            </a:pPr>
+            <a:r>
+              <a:rPr lang="en-US" dirty="0"/>
+              <a:t>Rapid Prototyping</a:t>
+            </a:r>
+          </a:p>
+          <a:p>
+            <a:pPr marL="0" indent="0">
+              <a:buFontTx/>
+              <a:buNone/>
+            </a:pPr>
+            <a:endParaRPr lang="en-US" dirty="0"/>
+          </a:p>
+        </p:txBody>
+      </p:sp>
+      <p:sp>
+        <p:nvSpPr>
+          <p:cNvPr id="4" name="Slide Number Placeholder 3"/>
+          <p:cNvSpPr>
+            <a:spLocks noGrp="1"/>
+          </p:cNvSpPr>
+          <p:nvPr>
+            <p:ph type="sldNum" sz="quarter" idx="10"/>
+          </p:nvPr>
+        </p:nvSpPr>
+        <p:spPr/>
+        <p:txBody>
+          <a:bodyPr/>
+          <a:lstStyle/>
+          <a:p>
+            <a:fld id="{4AC65D0B-F732-4E21-9A8D-1C6A15A6A84B}" type="slidenum">
+              <a:rPr lang="en-US" smtClean="0"/>
+              <a:t>21</a:t>
+            </a:fld>
+            <a:endParaRPr lang="en-US" dirty="0"/>
+          </a:p>
+        </p:txBody>
+      </p:sp>
+    </p:spTree>
+    <p:extLst>
+      <p:ext uri="{BB962C8B-B14F-4D97-AF65-F5344CB8AC3E}">
+        <p14:creationId xmlns:p14="http://schemas.microsoft.com/office/powerpoint/2010/main" val="3025603983"/>
+      </p:ext>
+    </p:extLst>
+  </p:cSld>
+  <p:clrMapOvr>
+    <a:masterClrMapping/>
+  </p:clrMapOvr>
+</p:notes>
+</file>
+
+<file path=ppt/notesSlides/notesSlide22.xml><?xml version="1.0" encoding="utf-8"?>
+<p:notes xmlns:a="http://schemas.openxmlformats.org/drawingml/2006/main" xmlns:r="http://schemas.openxmlformats.org/officeDocument/2006/relationships" xmlns:p="http://schemas.openxmlformats.org/presentationml/2006/main">
+  <p:cSld>
+    <p:spTree>
+      <p:nvGrpSpPr>
+        <p:cNvPr id="1" name=""/>
+        <p:cNvGrpSpPr/>
+        <p:nvPr/>
+      </p:nvGrpSpPr>
+      <p:grpSpPr>
+        <a:xfrm>
+          <a:off x="0" y="0"/>
+          <a:ext cx="0" cy="0"/>
+          <a:chOff x="0" y="0"/>
+          <a:chExt cx="0" cy="0"/>
+        </a:xfrm>
+      </p:grpSpPr>
+      <p:sp>
+        <p:nvSpPr>
+          <p:cNvPr id="2" name="Slide Image Placeholder 1"/>
+          <p:cNvSpPr>
+            <a:spLocks noGrp="1" noRot="1" noChangeAspect="1"/>
+          </p:cNvSpPr>
+          <p:nvPr>
+            <p:ph type="sldImg"/>
+          </p:nvPr>
+        </p:nvSpPr>
+        <p:spPr/>
+      </p:sp>
+      <p:sp>
+        <p:nvSpPr>
+          <p:cNvPr id="3" name="Notes Placeholder 2"/>
+          <p:cNvSpPr>
+            <a:spLocks noGrp="1"/>
+          </p:cNvSpPr>
+          <p:nvPr>
+            <p:ph type="body" idx="1"/>
+          </p:nvPr>
+        </p:nvSpPr>
+        <p:spPr/>
+        <p:txBody>
+          <a:bodyPr/>
+          <a:lstStyle/>
+          <a:p>
+            <a:r>
+              <a:rPr lang="en-US" dirty="0"/>
+              <a:t>*Integrate Tomm Notes</a:t>
+            </a:r>
+          </a:p>
+          <a:p>
+            <a:r>
+              <a:rPr lang="en-US" dirty="0"/>
+              <a:t>*Form</a:t>
+            </a:r>
+            <a:r>
+              <a:rPr lang="en-US" baseline="0" dirty="0"/>
+              <a:t> rules &amp; presentation target</a:t>
+            </a:r>
+            <a:endParaRPr lang="en-US" dirty="0"/>
+          </a:p>
+          <a:p>
+            <a:pPr marL="0" indent="0">
+              <a:buFontTx/>
+              <a:buNone/>
+            </a:pPr>
+            <a:endParaRPr lang="en-US" dirty="0"/>
+          </a:p>
+        </p:txBody>
+      </p:sp>
+      <p:sp>
+        <p:nvSpPr>
+          <p:cNvPr id="4" name="Slide Number Placeholder 3"/>
+          <p:cNvSpPr>
+            <a:spLocks noGrp="1"/>
+          </p:cNvSpPr>
+          <p:nvPr>
+            <p:ph type="sldNum" sz="quarter" idx="10"/>
+          </p:nvPr>
+        </p:nvSpPr>
+        <p:spPr/>
+        <p:txBody>
+          <a:bodyPr/>
+          <a:lstStyle/>
+          <a:p>
+            <a:fld id="{4AC65D0B-F732-4E21-9A8D-1C6A15A6A84B}" type="slidenum">
+              <a:rPr lang="en-US" smtClean="0"/>
+              <a:t>22</a:t>
             </a:fld>
             <a:endParaRPr lang="en-US" dirty="0"/>
           </a:p>
@@ -2688,13 +2695,35 @@
           <a:bodyPr/>
           <a:lstStyle/>
           <a:p>
+            <a:pPr marL="0" indent="0">
+              <a:buFontTx/>
+              <a:buNone/>
+            </a:pPr>
+            <a:r>
+              <a:rPr lang="en-US" dirty="0"/>
+              <a:t>Summary</a:t>
+            </a:r>
+          </a:p>
+          <a:p>
             <a:pPr marL="171450" indent="-171450">
               <a:buFontTx/>
               <a:buChar char="-"/>
             </a:pPr>
             <a:r>
-              <a:rPr lang="en-US" dirty="0"/>
-              <a:t>What it is</a:t>
+              <a:rPr lang="en-US" sz="1200" b="0" i="0" u="none" strike="noStrike" kern="1200" dirty="0">
+                <a:solidFill>
+                  <a:schemeClr val="tx1"/>
+                </a:solidFill>
+              </a:rPr>
+              <a:t>Identification of Needs &amp; </a:t>
+            </a:r>
+            <a:r>
+              <a:rPr lang="en-US" sz="1200" b="0" i="0" u="none" strike="noStrike" kern="1200" baseline="0" dirty="0">
+                <a:solidFill>
+                  <a:schemeClr val="tx1"/>
+                </a:solidFill>
+              </a:rPr>
+              <a:t>Challenges</a:t>
             </a:r>
           </a:p>
           <a:p>
@@ -2702,9 +2731,20 @@
               <a:buFontTx/>
               <a:buChar char="-"/>
             </a:pPr>
-            <a:r>
-              <a:rPr lang="en-US" dirty="0"/>
-              <a:t>Who uses it</a:t>
+            <a:endParaRPr lang="en-US" sz="1200" b="0" i="0" u="none" strike="noStrike" kern="1200" baseline="0" dirty="0">
+              <a:solidFill>
+                <a:schemeClr val="tx1"/>
+              </a:solidFill>
+            </a:endParaRPr>
+          </a:p>
+          <a:p>
+            <a:pPr marL="0" indent="0">
+              <a:buFontTx/>
+              <a:buNone/>
+            </a:pPr>
+            <a:r>
+              <a:rPr lang="en-US" dirty="0"/>
+              <a:t>Topics</a:t>
             </a:r>
           </a:p>
           <a:p>
@@ -2714,7 +2754,25 @@
             </a:pPr>
             <a:r>
               <a:rPr lang="en-US" dirty="0"/>
-              <a:t>Where it is going</a:t>
+              <a:t>Stabilized Firmware Architecture</a:t>
+            </a:r>
+          </a:p>
+          <a:p>
+            <a:pPr marL="628650" lvl="1" indent="-171450">
+              <a:buFontTx/>
+              <a:buChar char="-"/>
+            </a:pPr>
+            <a:r>
+              <a:rPr lang="en-US" dirty="0"/>
+              <a:t>OTM evaluate, path option identifications (Arduino, Python, OTM(C/C++), </a:t>
+            </a:r>
+            <a:r>
+              <a:rPr lang="en-US" dirty="0" err="1"/>
+              <a:t>PlatformIO</a:t>
+            </a:r>
+            <a:r>
+              <a:rPr lang="en-US" dirty="0"/>
+              <a:t>, Lua, JavaScript)</a:t>
             </a:r>
           </a:p>
           <a:p>
@@ -2724,7 +2782,7 @@
             </a:pPr>
             <a:r>
               <a:rPr lang="en-US" dirty="0"/>
-              <a:t>Tomm Product Description</a:t>
+              <a:t>Board Revisions</a:t>
             </a:r>
           </a:p>
           <a:p>
@@ -2734,7 +2792,7 @@
             </a:pPr>
             <a:r>
               <a:rPr lang="en-US" dirty="0"/>
-              <a:t>Why Tomm picked feather &amp; motion established</a:t>
+              <a:t>PoC Progression, Arduino towards release</a:t>
             </a:r>
           </a:p>
           <a:p>
@@ -2744,37 +2802,116 @@
             </a:pPr>
             <a:r>
               <a:rPr lang="en-US" dirty="0"/>
-              <a:t>What it brought to Tomm’s project (DTECTS)</a:t>
-            </a:r>
+              <a:t>Feature Integration</a:t>
+            </a:r>
+          </a:p>
+          <a:p>
+            <a:endParaRPr lang="en-US" dirty="0"/>
           </a:p>
           <a:p>
             <a:pPr marL="0" indent="0">
               <a:buFontTx/>
               <a:buNone/>
             </a:pPr>
+            <a:r>
+              <a:rPr lang="en-US" dirty="0"/>
+              <a:t>Features Proposed</a:t>
+            </a:r>
+          </a:p>
+          <a:p>
+            <a:pPr marL="171450" indent="-171450">
+              <a:buFontTx/>
+              <a:buChar char="-"/>
+            </a:pPr>
+            <a:r>
+              <a:rPr lang="en-US" dirty="0"/>
+              <a:t>Debug Port (JTAG)</a:t>
+            </a:r>
+          </a:p>
+          <a:p>
+            <a:pPr marL="171450" indent="-171450">
+              <a:buFontTx/>
+              <a:buChar char="-"/>
+            </a:pPr>
+            <a:r>
+              <a:rPr lang="en-US" dirty="0"/>
+              <a:t>Serial Port &amp; Module</a:t>
+            </a:r>
+          </a:p>
+          <a:p>
+            <a:pPr marL="171450" indent="-171450">
+              <a:buFontTx/>
+              <a:buChar char="-"/>
+            </a:pPr>
+            <a:r>
+              <a:rPr lang="en-US" dirty="0"/>
+              <a:t>Jumpers</a:t>
+            </a:r>
+          </a:p>
+          <a:p>
             <a:endParaRPr lang="en-US" dirty="0"/>
           </a:p>
           <a:p>
-            <a:pPr marL="0" marR="0" lvl="0" indent="0" algn="l" defTabSz="914400" rtl="0" eaLnBrk="1" fontAlgn="auto" latinLnBrk="0" hangingPunct="1">
-              <a:lnSpc>
-                <a:spcPct val="100000"/>
-              </a:lnSpc>
-              <a:spcBef>
-                <a:spcPts val="0"/>
-              </a:spcBef>
-              <a:spcAft>
-                <a:spcPts val="0"/>
-              </a:spcAft>
-              <a:buClrTx/>
-              <a:buSzTx/>
+            <a:r>
+              <a:rPr lang="en-US" dirty="0"/>
+              <a:t>Presentation Focus Points</a:t>
+            </a:r>
+          </a:p>
+          <a:p>
+            <a:pPr marL="171450" indent="-171450">
+              <a:buFontTx/>
+              <a:buChar char="-"/>
+            </a:pPr>
+            <a:r>
+              <a:rPr lang="en-US" dirty="0"/>
+              <a:t>Opportunity</a:t>
+            </a:r>
+          </a:p>
+          <a:p>
+            <a:pPr marL="171450" indent="-171450">
+              <a:buFontTx/>
+              <a:buChar char="-"/>
+            </a:pPr>
+            <a:r>
+              <a:rPr lang="en-US" dirty="0"/>
+              <a:t>Success &amp; Deliverable</a:t>
+            </a:r>
+          </a:p>
+          <a:p>
+            <a:pPr marL="171450" indent="-171450">
+              <a:buFontTx/>
+              <a:buChar char="-"/>
+            </a:pPr>
+            <a:r>
+              <a:rPr lang="en-US" dirty="0"/>
+              <a:t>Network &amp; Relationships</a:t>
+            </a:r>
+          </a:p>
+          <a:p>
+            <a:pPr marL="171450" indent="-171450">
+              <a:buFontTx/>
+              <a:buChar char="-"/>
+            </a:pPr>
+            <a:r>
+              <a:rPr lang="en-US" dirty="0"/>
+              <a:t>Learnings and Growth</a:t>
+            </a:r>
+          </a:p>
+          <a:p>
+            <a:pPr marL="171450" indent="-171450">
+              <a:buFontTx/>
+              <a:buChar char="-"/>
+            </a:pPr>
+            <a:endParaRPr lang="en-US" dirty="0"/>
+          </a:p>
+          <a:p>
+            <a:pPr marL="0" indent="0">
               <a:buFontTx/>
               <a:buNone/>
-              <a:tabLst/>
-              <a:defRPr/>
-            </a:pPr>
-            <a:r>
-              <a:rPr lang="en-US" dirty="0"/>
-              <a:t>Tomm Product Description</a:t>
+            </a:pPr>
+            <a:r>
+              <a:rPr lang="en-US" dirty="0"/>
+              <a:t>Points to Share</a:t>
             </a:r>
           </a:p>
           <a:p>
@@ -2784,11 +2921,7 @@
             </a:pPr>
             <a:r>
               <a:rPr lang="en-US" dirty="0"/>
-              <a:t>A simple motor interface to monitor performance, detect status &amp; alert</a:t>
-            </a:r>
-            <a:r>
-              <a:rPr lang="en-US" baseline="0" dirty="0"/>
-              <a:t> on performance error</a:t>
+              <a:t>Success of work</a:t>
             </a:r>
           </a:p>
           <a:p>
@@ -2797,129 +2930,63 @@
               <a:buChar char="-"/>
             </a:pPr>
             <a:r>
-              <a:rPr lang="en-US" baseline="0" dirty="0"/>
-              <a:t>Includes wireless interfaces, multiple sensing options, battery &amp; web interfaces</a:t>
-            </a:r>
-          </a:p>
-          <a:p>
-            <a:pPr marL="0" indent="0">
+              <a:rPr lang="en-US" dirty="0"/>
+              <a:t>Highlight Hardware Experience</a:t>
+            </a:r>
+          </a:p>
+          <a:p>
+            <a:pPr marL="171450" indent="-171450">
+              <a:buFontTx/>
+              <a:buChar char="-"/>
+            </a:pPr>
+            <a:r>
+              <a:rPr lang="en-US" dirty="0"/>
+              <a:t>Show direct value to team, by example</a:t>
+            </a:r>
+          </a:p>
+          <a:p>
+            <a:pPr marL="171450" indent="-171450">
+              <a:buFontTx/>
+              <a:buChar char="-"/>
+            </a:pPr>
+            <a:endParaRPr lang="en-US" dirty="0"/>
+          </a:p>
+          <a:p>
+            <a:r>
+              <a:rPr lang="en-US" dirty="0"/>
+              <a:t>Shared</a:t>
+            </a:r>
+          </a:p>
+          <a:p>
+            <a:pPr marL="171450" lvl="0" indent="-171450">
+              <a:buFontTx/>
+              <a:buChar char="-"/>
+            </a:pPr>
+            <a:r>
+              <a:rPr lang="en-US" dirty="0"/>
+              <a:t>Contract Identified</a:t>
+            </a:r>
+          </a:p>
+          <a:p>
+            <a:pPr marL="171450" lvl="0" indent="-171450">
+              <a:buFontTx/>
+              <a:buChar char="-"/>
+            </a:pPr>
+            <a:r>
+              <a:rPr lang="en-US" dirty="0"/>
+              <a:t>Work Selection</a:t>
+            </a:r>
+          </a:p>
+          <a:p>
+            <a:pPr marL="0" lvl="0" indent="0">
               <a:buFontTx/>
               <a:buNone/>
             </a:pPr>
             <a:endParaRPr lang="en-US" dirty="0"/>
           </a:p>
           <a:p>
-            <a:pPr marL="0" indent="0">
-              <a:buFontTx/>
-              <a:buNone/>
-            </a:pPr>
-            <a:r>
-              <a:rPr lang="en-US" dirty="0"/>
-              <a:t>Feather Selection</a:t>
-            </a:r>
-          </a:p>
-          <a:p>
-            <a:pPr marL="171450" indent="-171450">
-              <a:buFontTx/>
-              <a:buChar char="-"/>
-            </a:pPr>
-            <a:r>
-              <a:rPr lang="en-US" dirty="0"/>
-              <a:t>Selected for ability</a:t>
-            </a:r>
-            <a:r>
-              <a:rPr lang="en-US" baseline="0" dirty="0"/>
-              <a:t> to express ideas, test viability and begin PoC development by upper </a:t>
-            </a:r>
-            <a:r>
-              <a:rPr lang="en-US" baseline="0" dirty="0" err="1"/>
-              <a:t>mgmt</a:t>
-            </a:r>
-            <a:endParaRPr lang="en-US" baseline="0" dirty="0"/>
-          </a:p>
-          <a:p>
-            <a:pPr marL="171450" indent="-171450">
-              <a:buFontTx/>
-              <a:buChar char="-"/>
-            </a:pPr>
-            <a:r>
-              <a:rPr lang="en-US" baseline="0" dirty="0"/>
-              <a:t>Allowed Tomm to generate working unit with market prospect quickly</a:t>
-            </a:r>
-          </a:p>
-          <a:p>
-            <a:pPr marL="171450" indent="-171450">
-              <a:buFontTx/>
-              <a:buChar char="-"/>
-            </a:pPr>
-            <a:r>
-              <a:rPr lang="en-US" baseline="0" dirty="0"/>
-              <a:t>Enabled generation by one person</a:t>
-            </a:r>
-          </a:p>
-          <a:p>
-            <a:pPr marL="0" indent="0">
-              <a:buFontTx/>
-              <a:buNone/>
-            </a:pPr>
-            <a:endParaRPr lang="en-US" baseline="0" dirty="0"/>
-          </a:p>
-          <a:p>
-            <a:pPr marL="0" indent="0">
-              <a:buFontTx/>
-              <a:buNone/>
-            </a:pPr>
-            <a:r>
-              <a:rPr lang="en-US" baseline="0" dirty="0"/>
-              <a:t>Feather Benefits for DTECTS</a:t>
-            </a:r>
-          </a:p>
-          <a:p>
-            <a:pPr marL="171450" indent="-171450">
-              <a:buFontTx/>
-              <a:buChar char="-"/>
-            </a:pPr>
-            <a:r>
-              <a:rPr lang="en-US" baseline="0" dirty="0"/>
-              <a:t>Wide range of reference</a:t>
-            </a:r>
-          </a:p>
-          <a:p>
-            <a:pPr marL="171450" indent="-171450">
-              <a:buFontTx/>
-              <a:buChar char="-"/>
-            </a:pPr>
-            <a:r>
-              <a:rPr lang="en-US" baseline="0" dirty="0"/>
-              <a:t>Clean IO interface for DTECTS socket integration</a:t>
-            </a:r>
-          </a:p>
-          <a:p>
-            <a:pPr marL="171450" indent="-171450">
-              <a:buFontTx/>
-              <a:buChar char="-"/>
-            </a:pPr>
-            <a:r>
-              <a:rPr lang="en-US" baseline="0" dirty="0"/>
-              <a:t>Simple operating conditions (power, stable IO)</a:t>
-            </a:r>
-          </a:p>
-          <a:p>
-            <a:pPr marL="171450" indent="-171450">
-              <a:buFontTx/>
-              <a:buChar char="-"/>
-            </a:pPr>
-            <a:r>
-              <a:rPr lang="en-US" baseline="0" dirty="0"/>
-              <a:t>Highly Debuggable</a:t>
-            </a:r>
-          </a:p>
-          <a:p>
-            <a:pPr marL="0" indent="0">
-              <a:buFontTx/>
-              <a:buNone/>
-            </a:pPr>
-            <a:endParaRPr lang="en-US" baseline="0" dirty="0"/>
+            <a:pPr lvl="0"/>
+            <a:endParaRPr lang="en-US" dirty="0"/>
           </a:p>
         </p:txBody>
       </p:sp>
@@ -2949,7 +3016,7 @@
     </p:spTree>
     <p:extLst>
       <p:ext uri="{BB962C8B-B14F-4D97-AF65-F5344CB8AC3E}">
-        <p14:creationId xmlns:p14="http://schemas.microsoft.com/office/powerpoint/2010/main" val="408159008"/>
+        <p14:creationId xmlns:p14="http://schemas.microsoft.com/office/powerpoint/2010/main" val="2028225890"/>
       </p:ext>
     </p:extLst>
   </p:cSld>
@@ -3008,8 +3075,102 @@
               <a:buChar char="-"/>
             </a:pPr>
             <a:r>
+              <a:rPr lang="en-US" dirty="0"/>
+              <a:t>What it is</a:t>
+            </a:r>
+          </a:p>
+          <a:p>
+            <a:pPr marL="171450" indent="-171450">
+              <a:buFontTx/>
+              <a:buChar char="-"/>
+            </a:pPr>
+            <a:r>
+              <a:rPr lang="en-US" dirty="0"/>
+              <a:t>Who uses it</a:t>
+            </a:r>
+          </a:p>
+          <a:p>
+            <a:pPr marL="171450" indent="-171450">
+              <a:buFontTx/>
+              <a:buChar char="-"/>
+            </a:pPr>
+            <a:r>
+              <a:rPr lang="en-US" dirty="0"/>
+              <a:t>Where it is going</a:t>
+            </a:r>
+          </a:p>
+          <a:p>
+            <a:pPr marL="171450" indent="-171450">
+              <a:buFontTx/>
+              <a:buChar char="-"/>
+            </a:pPr>
+            <a:r>
+              <a:rPr lang="en-US" dirty="0"/>
+              <a:t>Tomm Product Description</a:t>
+            </a:r>
+          </a:p>
+          <a:p>
+            <a:pPr marL="171450" indent="-171450">
+              <a:buFontTx/>
+              <a:buChar char="-"/>
+            </a:pPr>
+            <a:r>
+              <a:rPr lang="en-US" dirty="0"/>
+              <a:t>Why Tomm picked feather &amp; motion established</a:t>
+            </a:r>
+          </a:p>
+          <a:p>
+            <a:pPr marL="171450" indent="-171450">
+              <a:buFontTx/>
+              <a:buChar char="-"/>
+            </a:pPr>
+            <a:r>
+              <a:rPr lang="en-US" dirty="0"/>
+              <a:t>What it brought to Tomm’s project (DTECTS)</a:t>
+            </a:r>
+          </a:p>
+          <a:p>
+            <a:pPr marL="0" indent="0">
+              <a:buFontTx/>
+              <a:buNone/>
+            </a:pPr>
+            <a:endParaRPr lang="en-US" dirty="0"/>
+          </a:p>
+          <a:p>
+            <a:pPr marL="0" marR="0" lvl="0" indent="0" algn="l" defTabSz="914400" rtl="0" eaLnBrk="1" fontAlgn="auto" latinLnBrk="0" hangingPunct="1">
+              <a:lnSpc>
+                <a:spcPct val="100000"/>
+              </a:lnSpc>
+              <a:spcBef>
+                <a:spcPts val="0"/>
+              </a:spcBef>
+              <a:spcAft>
+                <a:spcPts val="0"/>
+              </a:spcAft>
+              <a:buClrTx/>
+              <a:buSzTx/>
+              <a:buFontTx/>
+              <a:buNone/>
+              <a:tabLst/>
+              <a:defRPr/>
+            </a:pPr>
+            <a:r>
+              <a:rPr lang="en-US" dirty="0"/>
+              <a:t>Tomm Product Description</a:t>
+            </a:r>
+          </a:p>
+          <a:p>
+            <a:pPr marL="171450" indent="-171450">
+              <a:buFontTx/>
+              <a:buChar char="-"/>
+            </a:pPr>
+            <a:r>
+              <a:rPr lang="en-US" dirty="0"/>
+              <a:t>A simple motor interface to monitor performance, detect status &amp; alert</a:t>
+            </a:r>
+            <a:r>
               <a:rPr lang="en-US" baseline="0" dirty="0"/>
-              <a:t>Project ramp (remote site visits, project acclimate, Arduino explore)</a:t>
+              <a:t> on performance error</a:t>
             </a:r>
           </a:p>
           <a:p>
@@ -3019,7 +3180,24 @@
             </a:pPr>
             <a:r>
               <a:rPr lang="en-US" baseline="0" dirty="0"/>
-              <a:t>Path identification</a:t>
+              <a:t>Includes wireless interfaces, multiple sensing options, battery &amp; web interfaces</a:t>
+            </a:r>
+          </a:p>
+          <a:p>
+            <a:pPr marL="0" indent="0">
+              <a:buFontTx/>
+              <a:buNone/>
+            </a:pPr>
+            <a:endParaRPr lang="en-US" dirty="0"/>
+          </a:p>
+          <a:p>
+            <a:pPr marL="0" indent="0">
+              <a:buFontTx/>
+              <a:buNone/>
+            </a:pPr>
+            <a:r>
+              <a:rPr lang="en-US" dirty="0"/>
+              <a:t>Feather Selection</a:t>
             </a:r>
           </a:p>
           <a:p>
@@ -3028,9 +3206,18 @@
               <a:buChar char="-"/>
             </a:pPr>
             <a:r>
+              <a:rPr lang="en-US" dirty="0"/>
+              <a:t>Selected for ability</a:t>
+            </a:r>
+            <a:r>
               <a:rPr lang="en-US" baseline="0" dirty="0"/>
-              <a:t>Bare metal investigation, ESP32</a:t>
-            </a:r>
+              <a:t> to express ideas, test viability and begin PoC development by upper </a:t>
+            </a:r>
+            <a:r>
+              <a:rPr lang="en-US" baseline="0" dirty="0" err="1"/>
+              <a:t>mgmt</a:t>
+            </a:r>
+            <a:endParaRPr lang="en-US" baseline="0" dirty="0"/>
           </a:p>
           <a:p>
             <a:pPr marL="171450" indent="-171450">
@@ -3039,7 +3226,7 @@
             </a:pPr>
             <a:r>
               <a:rPr lang="en-US" baseline="0" dirty="0"/>
-              <a:t>…</a:t>
+              <a:t>Allowed Tomm to generate working unit with market prospect quickly</a:t>
             </a:r>
           </a:p>
           <a:p>
@@ -3049,7 +3236,24 @@
             </a:pPr>
             <a:r>
               <a:rPr lang="en-US" baseline="0" dirty="0"/>
-              <a:t>Revisioning formalization &amp; team sharing (GitHub)</a:t>
+              <a:t>Enabled generation by one person</a:t>
+            </a:r>
+          </a:p>
+          <a:p>
+            <a:pPr marL="0" indent="0">
+              <a:buFontTx/>
+              <a:buNone/>
+            </a:pPr>
+            <a:endParaRPr lang="en-US" baseline="0" dirty="0"/>
+          </a:p>
+          <a:p>
+            <a:pPr marL="0" indent="0">
+              <a:buFontTx/>
+              <a:buNone/>
+            </a:pPr>
+            <a:r>
+              <a:rPr lang="en-US" baseline="0" dirty="0"/>
+              <a:t>Feather Benefits for DTECTS</a:t>
             </a:r>
           </a:p>
           <a:p>
@@ -3059,7 +3263,7 @@
             </a:pPr>
             <a:r>
               <a:rPr lang="en-US" baseline="0" dirty="0"/>
-              <a:t>Project &amp; documentation standardization</a:t>
+              <a:t>Wide range of reference</a:t>
             </a:r>
           </a:p>
           <a:p>
@@ -3069,7 +3273,7 @@
             </a:pPr>
             <a:r>
               <a:rPr lang="en-US" baseline="0" dirty="0"/>
-              <a:t>Schematics &amp; project standardize</a:t>
+              <a:t>Clean IO interface for DTECTS socket integration</a:t>
             </a:r>
           </a:p>
           <a:p>
@@ -3079,7 +3283,7 @@
             </a:pPr>
             <a:r>
               <a:rPr lang="en-US" baseline="0" dirty="0"/>
-              <a:t>Board architecture standardize</a:t>
+              <a:t>Simple operating conditions (power, stable IO)</a:t>
             </a:r>
           </a:p>
           <a:p>
@@ -3089,8 +3293,15 @@
             </a:pPr>
             <a:r>
               <a:rPr lang="en-US" baseline="0" dirty="0"/>
-              <a:t>Path forward to product generation</a:t>
-            </a:r>
+              <a:t>Highly Debuggable</a:t>
+            </a:r>
+          </a:p>
+          <a:p>
+            <a:pPr marL="0" indent="0">
+              <a:buFontTx/>
+              <a:buNone/>
+            </a:pPr>
+            <a:endParaRPr lang="en-US" baseline="0" dirty="0"/>
           </a:p>
         </p:txBody>
       </p:sp>
@@ -3120,7 +3331,7 @@
     </p:spTree>
     <p:extLst>
       <p:ext uri="{BB962C8B-B14F-4D97-AF65-F5344CB8AC3E}">
-        <p14:creationId xmlns:p14="http://schemas.microsoft.com/office/powerpoint/2010/main" val="3365085616"/>
+        <p14:creationId xmlns:p14="http://schemas.microsoft.com/office/powerpoint/2010/main" val="408159008"/>
       </p:ext>
     </p:extLst>
   </p:cSld>
@@ -3174,303 +3385,93 @@
           <a:bodyPr/>
           <a:lstStyle/>
           <a:p>
-            <a:pPr marL="0" indent="0">
-              <a:buFontTx/>
-              <a:buNone/>
-            </a:pPr>
-            <a:r>
-              <a:rPr lang="en-US" dirty="0"/>
-              <a:t>Needs Identification</a:t>
-            </a:r>
-          </a:p>
-          <a:p>
-            <a:pPr marL="628650" marR="0" lvl="1" indent="-171450" algn="l" defTabSz="914400" rtl="0" eaLnBrk="1" fontAlgn="auto" latinLnBrk="0" hangingPunct="1">
-              <a:lnSpc>
-                <a:spcPct val="100000"/>
-              </a:lnSpc>
-              <a:spcBef>
-                <a:spcPts val="0"/>
-              </a:spcBef>
-              <a:spcAft>
-                <a:spcPts val="0"/>
-              </a:spcAft>
-              <a:buClrTx/>
-              <a:buSzTx/>
+            <a:pPr marL="171450" indent="-171450">
               <a:buFontTx/>
               <a:buChar char="-"/>
-              <a:tabLst/>
-              <a:defRPr/>
-            </a:pPr>
-            <a:r>
-              <a:rPr lang="en-US" dirty="0"/>
-              <a:t>Time</a:t>
-            </a:r>
+            </a:pPr>
             <a:r>
               <a:rPr lang="en-US" baseline="0" dirty="0"/>
-              <a:t> Spent: </a:t>
-            </a:r>
-            <a:endParaRPr lang="en-US" dirty="0"/>
-          </a:p>
-          <a:p>
-            <a:pPr marL="628650" lvl="1" indent="-171450">
+              <a:t>Project ramp (remote site visits, project acclimate, Arduino explore)</a:t>
+            </a:r>
+          </a:p>
+          <a:p>
+            <a:pPr marL="171450" indent="-171450">
               <a:buFontTx/>
               <a:buChar char="-"/>
             </a:pPr>
             <a:r>
-              <a:rPr lang="en-US" dirty="0"/>
-              <a:t>In-person</a:t>
-            </a:r>
-            <a:r>
               <a:rPr lang="en-US" baseline="0" dirty="0"/>
-              <a:t> visits, hands on time with DUT to establish scope &amp; path forward</a:t>
-            </a:r>
-          </a:p>
-          <a:p>
-            <a:pPr marL="628650" lvl="1" indent="-171450">
+              <a:t>Path identification</a:t>
+            </a:r>
+          </a:p>
+          <a:p>
+            <a:pPr marL="171450" indent="-171450">
               <a:buFontTx/>
               <a:buChar char="-"/>
             </a:pPr>
             <a:r>
               <a:rPr lang="en-US" baseline="0" dirty="0"/>
-              <a:t>Time on the seat trying things that were known to not succeed, in order to communicate this (ESP, Hand Re-work, PCB Design Selections, Comm Interfaces)</a:t>
-            </a:r>
-          </a:p>
-          <a:p>
-            <a:pPr marL="628650" lvl="1" indent="-171450">
+              <a:t>Bare metal investigation, ESP32</a:t>
+            </a:r>
+          </a:p>
+          <a:p>
+            <a:pPr marL="171450" indent="-171450">
               <a:buFontTx/>
               <a:buChar char="-"/>
             </a:pPr>
             <a:r>
               <a:rPr lang="en-US" baseline="0" dirty="0"/>
-              <a:t>Clear Scope with Doc of Ideas</a:t>
-            </a:r>
-          </a:p>
-          <a:p>
-            <a:pPr marL="628650" lvl="1" indent="-171450">
+              <a:t>…</a:t>
+            </a:r>
+          </a:p>
+          <a:p>
+            <a:pPr marL="171450" indent="-171450">
               <a:buFontTx/>
               <a:buChar char="-"/>
             </a:pPr>
             <a:r>
               <a:rPr lang="en-US" baseline="0" dirty="0"/>
-              <a:t>Present ideas with articulation, PoC when possible</a:t>
-            </a:r>
-            <a:endParaRPr lang="en-US" dirty="0"/>
-          </a:p>
-          <a:p>
-            <a:pPr marL="0" indent="0">
-              <a:buFontTx/>
-              <a:buNone/>
-            </a:pPr>
-            <a:endParaRPr lang="en-US" dirty="0"/>
-          </a:p>
-          <a:p>
-            <a:pPr marL="0" indent="0">
-              <a:buFontTx/>
-              <a:buNone/>
-            </a:pPr>
-            <a:r>
-              <a:rPr lang="en-US" dirty="0"/>
-              <a:t>Firmware Development</a:t>
-            </a:r>
-          </a:p>
-          <a:p>
-            <a:pPr marL="628650" lvl="1" indent="-171450">
+              <a:t>Revisioning formalization &amp; team sharing (GitHub)</a:t>
+            </a:r>
+          </a:p>
+          <a:p>
+            <a:pPr marL="171450" indent="-171450">
               <a:buFontTx/>
               <a:buChar char="-"/>
             </a:pPr>
             <a:r>
-              <a:rPr lang="en-US" dirty="0"/>
-              <a:t>Time</a:t>
-            </a:r>
-            <a:r>
               <a:rPr lang="en-US" baseline="0" dirty="0"/>
-              <a:t> Spent: Espressif VM, ESP-SDK Ramp &amp; Feather Deployment (JTAG)</a:t>
-            </a:r>
-            <a:endParaRPr lang="en-US" dirty="0"/>
-          </a:p>
-          <a:p>
-            <a:pPr marL="628650" lvl="1" indent="-171450">
+              <a:t>Project &amp; documentation standardization</a:t>
+            </a:r>
+          </a:p>
+          <a:p>
+            <a:pPr marL="171450" indent="-171450">
               <a:buFontTx/>
               <a:buChar char="-"/>
             </a:pPr>
             <a:r>
-              <a:rPr lang="en-US" dirty="0"/>
-              <a:t>Focused on path to market and only stepped in</a:t>
-            </a:r>
-            <a:r>
               <a:rPr lang="en-US" baseline="0" dirty="0"/>
-              <a:t> on request (Arduino) or for path (ESP)</a:t>
-            </a:r>
-          </a:p>
-          <a:p>
-            <a:pPr marL="628650" lvl="1" indent="-171450">
+              <a:t>Schematics &amp; project standardize</a:t>
+            </a:r>
+          </a:p>
+          <a:p>
+            <a:pPr marL="171450" indent="-171450">
               <a:buFontTx/>
               <a:buChar char="-"/>
             </a:pPr>
             <a:r>
               <a:rPr lang="en-US" baseline="0" dirty="0"/>
-              <a:t>Focused on tangible results, shared with customer and asked for decision on next steps</a:t>
-            </a:r>
-          </a:p>
-          <a:p>
-            <a:pPr marL="0" indent="0">
-              <a:buFontTx/>
-              <a:buNone/>
-            </a:pPr>
-            <a:endParaRPr lang="en-US" dirty="0"/>
-          </a:p>
-          <a:p>
-            <a:pPr marL="0" indent="0">
-              <a:buFontTx/>
-              <a:buNone/>
-            </a:pPr>
-            <a:r>
-              <a:rPr lang="en-US" dirty="0"/>
-              <a:t>Board Development</a:t>
-            </a:r>
-          </a:p>
-          <a:p>
-            <a:pPr marL="628650" marR="0" lvl="1" indent="-171450" algn="l" defTabSz="914400" rtl="0" eaLnBrk="1" fontAlgn="auto" latinLnBrk="0" hangingPunct="1">
-              <a:lnSpc>
-                <a:spcPct val="100000"/>
-              </a:lnSpc>
-              <a:spcBef>
-                <a:spcPts val="0"/>
-              </a:spcBef>
-              <a:spcAft>
-                <a:spcPts val="0"/>
-              </a:spcAft>
-              <a:buClrTx/>
-              <a:buSzTx/>
+              <a:t>Board architecture standardize</a:t>
+            </a:r>
+          </a:p>
+          <a:p>
+            <a:pPr marL="171450" indent="-171450">
               <a:buFontTx/>
               <a:buChar char="-"/>
-              <a:tabLst/>
-              <a:defRPr/>
-            </a:pPr>
-            <a:r>
-              <a:rPr lang="en-US" dirty="0"/>
-              <a:t>Time</a:t>
-            </a:r>
+            </a:pPr>
             <a:r>
               <a:rPr lang="en-US" baseline="0" dirty="0"/>
-              <a:t> Spent: EAGLE Ramp, Existing Design Port, Revision Proposal, Revision Generation &amp; Release</a:t>
-            </a:r>
-            <a:endParaRPr lang="en-US" dirty="0"/>
-          </a:p>
-          <a:p>
-            <a:pPr marL="0" indent="0">
-              <a:buFontTx/>
-              <a:buNone/>
-            </a:pPr>
-            <a:endParaRPr lang="en-US" dirty="0"/>
-          </a:p>
-          <a:p>
-            <a:pPr marL="0" indent="0">
-              <a:buFontTx/>
-              <a:buNone/>
-            </a:pPr>
-            <a:r>
-              <a:rPr lang="en-US" dirty="0"/>
-              <a:t>Contract Completion &amp; Transfer</a:t>
-            </a:r>
-          </a:p>
-          <a:p>
-            <a:pPr marL="628650" lvl="1" indent="-171450">
-              <a:buFontTx/>
-              <a:buChar char="-"/>
-            </a:pPr>
-            <a:r>
-              <a:rPr lang="en-US" dirty="0"/>
-              <a:t>HW: Project</a:t>
-            </a:r>
-            <a:r>
-              <a:rPr lang="en-US" baseline="0" dirty="0"/>
-              <a:t> &amp; Board Revision</a:t>
-            </a:r>
-          </a:p>
-          <a:p>
-            <a:pPr marL="628650" marR="0" lvl="1" indent="-171450" algn="l" defTabSz="914400" rtl="0" eaLnBrk="1" fontAlgn="auto" latinLnBrk="0" hangingPunct="1">
-              <a:lnSpc>
-                <a:spcPct val="100000"/>
-              </a:lnSpc>
-              <a:spcBef>
-                <a:spcPts val="0"/>
-              </a:spcBef>
-              <a:spcAft>
-                <a:spcPts val="0"/>
-              </a:spcAft>
-              <a:buClrTx/>
-              <a:buSzTx/>
-              <a:buFontTx/>
-              <a:buChar char="-"/>
-              <a:tabLst/>
-              <a:defRPr/>
-            </a:pPr>
-            <a:r>
-              <a:rPr lang="en-US" baseline="0" dirty="0"/>
-              <a:t>FW: OTM spec w/path to use (c</a:t>
-            </a:r>
-            <a:r>
-              <a:rPr lang="en-US" dirty="0"/>
-              <a:t>omplete VM w/next steps &amp; design support)</a:t>
-            </a:r>
-          </a:p>
-          <a:p>
-            <a:pPr marL="628650" marR="0" lvl="1" indent="-171450" algn="l" defTabSz="914400" rtl="0" eaLnBrk="1" fontAlgn="auto" latinLnBrk="0" hangingPunct="1">
-              <a:lnSpc>
-                <a:spcPct val="100000"/>
-              </a:lnSpc>
-              <a:spcBef>
-                <a:spcPts val="0"/>
-              </a:spcBef>
-              <a:spcAft>
-                <a:spcPts val="0"/>
-              </a:spcAft>
-              <a:buClrTx/>
-              <a:buSzTx/>
-              <a:buFontTx/>
-              <a:buChar char="-"/>
-              <a:tabLst/>
-              <a:defRPr/>
-            </a:pPr>
-            <a:r>
-              <a:rPr lang="en-US" dirty="0"/>
-              <a:t>Design:</a:t>
-            </a:r>
-            <a:r>
-              <a:rPr lang="en-US" baseline="0" dirty="0"/>
-              <a:t>  Clear organization &amp; repo integration, </a:t>
-            </a:r>
-            <a:r>
-              <a:rPr lang="en-US" dirty="0"/>
-              <a:t>Identification</a:t>
-            </a:r>
-            <a:r>
-              <a:rPr lang="en-US" baseline="0" dirty="0"/>
-              <a:t> of OTM, Python &amp; JavaScript options</a:t>
-            </a:r>
-          </a:p>
-          <a:p>
-            <a:pPr marL="457200" marR="0" lvl="1" indent="0" algn="l" defTabSz="914400" rtl="0" eaLnBrk="1" fontAlgn="auto" latinLnBrk="0" hangingPunct="1">
-              <a:lnSpc>
-                <a:spcPct val="100000"/>
-              </a:lnSpc>
-              <a:spcBef>
-                <a:spcPts val="0"/>
-              </a:spcBef>
-              <a:spcAft>
-                <a:spcPts val="0"/>
-              </a:spcAft>
-              <a:buClrTx/>
-              <a:buSzTx/>
-              <a:buFontTx/>
-              <a:buNone/>
-              <a:tabLst/>
-              <a:defRPr/>
-            </a:pPr>
-            <a:r>
-              <a:rPr lang="en-US" baseline="0" dirty="0"/>
-              <a:t>	</a:t>
+              <a:t>Path forward to product generation</a:t>
             </a:r>
           </a:p>
         </p:txBody>
@@ -3501,7 +3502,7 @@
     </p:spTree>
     <p:extLst>
       <p:ext uri="{BB962C8B-B14F-4D97-AF65-F5344CB8AC3E}">
-        <p14:creationId xmlns:p14="http://schemas.microsoft.com/office/powerpoint/2010/main" val="292211601"/>
+        <p14:creationId xmlns:p14="http://schemas.microsoft.com/office/powerpoint/2010/main" val="3365085616"/>
       </p:ext>
     </p:extLst>
   </p:cSld>
@@ -3555,53 +3556,103 @@
           <a:bodyPr/>
           <a:lstStyle/>
           <a:p>
-            <a:pPr marL="171450" indent="-171450">
+            <a:pPr marL="0" indent="0">
+              <a:buFontTx/>
+              <a:buNone/>
+            </a:pPr>
+            <a:r>
+              <a:rPr lang="en-US" dirty="0"/>
+              <a:t>Needs Identification</a:t>
+            </a:r>
+          </a:p>
+          <a:p>
+            <a:pPr marL="628650" marR="0" lvl="1" indent="-171450" algn="l" defTabSz="914400" rtl="0" eaLnBrk="1" fontAlgn="auto" latinLnBrk="0" hangingPunct="1">
+              <a:lnSpc>
+                <a:spcPct val="100000"/>
+              </a:lnSpc>
+              <a:spcBef>
+                <a:spcPts val="0"/>
+              </a:spcBef>
+              <a:spcAft>
+                <a:spcPts val="0"/>
+              </a:spcAft>
+              <a:buClrTx/>
+              <a:buSzTx/>
               <a:buFontTx/>
               <a:buChar char="-"/>
-            </a:pPr>
-            <a:r>
-              <a:rPr lang="en-US" dirty="0"/>
-              <a:t>Documentation</a:t>
-            </a:r>
-          </a:p>
-          <a:p>
-            <a:pPr marL="171450" indent="-171450">
+              <a:tabLst/>
+              <a:defRPr/>
+            </a:pPr>
+            <a:r>
+              <a:rPr lang="en-US" dirty="0"/>
+              <a:t>Time</a:t>
+            </a:r>
+            <a:r>
+              <a:rPr lang="en-US" baseline="0" dirty="0"/>
+              <a:t> Spent: </a:t>
+            </a:r>
+            <a:endParaRPr lang="en-US" dirty="0"/>
+          </a:p>
+          <a:p>
+            <a:pPr marL="628650" lvl="1" indent="-171450">
               <a:buFontTx/>
               <a:buChar char="-"/>
             </a:pPr>
             <a:r>
               <a:rPr lang="en-US" dirty="0"/>
-              <a:t>Presentation</a:t>
-            </a:r>
-          </a:p>
-          <a:p>
-            <a:pPr marL="171450" indent="-171450">
+              <a:t>In-person</a:t>
+            </a:r>
+            <a:r>
+              <a:rPr lang="en-US" baseline="0" dirty="0"/>
+              <a:t> visits, hands on time with DUT to establish scope &amp; path forward</a:t>
+            </a:r>
+          </a:p>
+          <a:p>
+            <a:pPr marL="628650" lvl="1" indent="-171450">
               <a:buFontTx/>
               <a:buChar char="-"/>
             </a:pPr>
             <a:r>
-              <a:rPr lang="en-US" dirty="0"/>
-              <a:t>Embedded Systems Development</a:t>
-            </a:r>
-          </a:p>
-          <a:p>
-            <a:pPr marL="171450" indent="-171450">
+              <a:rPr lang="en-US" baseline="0" dirty="0"/>
+              <a:t>Time on the seat trying things that were known to not succeed, in order to communicate this (ESP, Hand Re-work, PCB Design Selections, Comm Interfaces)</a:t>
+            </a:r>
+          </a:p>
+          <a:p>
+            <a:pPr marL="628650" lvl="1" indent="-171450">
               <a:buFontTx/>
               <a:buChar char="-"/>
             </a:pPr>
             <a:r>
-              <a:rPr lang="en-US" dirty="0"/>
-              <a:t>Board Design</a:t>
-            </a:r>
-          </a:p>
-          <a:p>
-            <a:pPr marL="171450" indent="-171450">
+              <a:rPr lang="en-US" baseline="0" dirty="0"/>
+              <a:t>Clear Scope with Doc of Ideas</a:t>
+            </a:r>
+          </a:p>
+          <a:p>
+            <a:pPr marL="628650" lvl="1" indent="-171450">
               <a:buFontTx/>
               <a:buChar char="-"/>
             </a:pPr>
             <a:r>
-              <a:rPr lang="en-US" dirty="0"/>
-              <a:t>Code Syntax (share examples from code)</a:t>
+              <a:rPr lang="en-US" baseline="0" dirty="0"/>
+              <a:t>Present ideas with articulation, PoC when possible</a:t>
+            </a:r>
+            <a:endParaRPr lang="en-US" dirty="0"/>
+          </a:p>
+          <a:p>
+            <a:pPr marL="0" indent="0">
+              <a:buFontTx/>
+              <a:buNone/>
+            </a:pPr>
+            <a:endParaRPr lang="en-US" dirty="0"/>
+          </a:p>
+          <a:p>
+            <a:pPr marL="0" indent="0">
+              <a:buFontTx/>
+              <a:buNone/>
+            </a:pPr>
+            <a:r>
+              <a:rPr lang="en-US" dirty="0"/>
+              <a:t>Firmware Development</a:t>
             </a:r>
           </a:p>
           <a:p>
@@ -3610,70 +3661,199 @@
               <a:buChar char="-"/>
             </a:pPr>
             <a:r>
-              <a:rPr lang="en-US" dirty="0" err="1"/>
-              <a:t>example_pwm_tc.c</a:t>
-            </a:r>
-            <a:r>
-              <a:rPr lang="en-US" dirty="0"/>
-              <a:t> reference</a:t>
-            </a:r>
-          </a:p>
-          <a:p>
-            <a:pPr marL="171450" indent="-171450">
+              <a:rPr lang="en-US" dirty="0"/>
+              <a:t>Time</a:t>
+            </a:r>
+            <a:r>
+              <a:rPr lang="en-US" baseline="0" dirty="0"/>
+              <a:t> Spent: Espressif VM, ESP-SDK Ramp &amp; Feather Deployment (JTAG)</a:t>
+            </a:r>
+            <a:endParaRPr lang="en-US" dirty="0"/>
+          </a:p>
+          <a:p>
+            <a:pPr marL="628650" lvl="1" indent="-171450">
               <a:buFontTx/>
               <a:buChar char="-"/>
             </a:pPr>
             <a:r>
               <a:rPr lang="en-US" dirty="0"/>
-              <a:t>Development Validation</a:t>
-            </a:r>
-          </a:p>
-          <a:p>
-            <a:pPr marL="171450" indent="-171450">
+              <a:t>Focused on path to market and only stepped in</a:t>
+            </a:r>
+            <a:r>
+              <a:rPr lang="en-US" baseline="0" dirty="0"/>
+              <a:t> on request (Arduino) or for path (ESP)</a:t>
+            </a:r>
+          </a:p>
+          <a:p>
+            <a:pPr marL="628650" lvl="1" indent="-171450">
               <a:buFontTx/>
               <a:buChar char="-"/>
             </a:pPr>
             <a:r>
-              <a:rPr lang="en-US" dirty="0"/>
-              <a:t>PoC Form</a:t>
-            </a:r>
-          </a:p>
-          <a:p>
-            <a:pPr marL="171450" indent="-171450">
+              <a:rPr lang="en-US" baseline="0" dirty="0"/>
+              <a:t>Focused on tangible results, shared with customer and asked for decision on next steps</a:t>
+            </a:r>
+          </a:p>
+          <a:p>
+            <a:pPr marL="0" indent="0">
+              <a:buFontTx/>
+              <a:buNone/>
+            </a:pPr>
+            <a:endParaRPr lang="en-US" dirty="0"/>
+          </a:p>
+          <a:p>
+            <a:pPr marL="0" indent="0">
+              <a:buFontTx/>
+              <a:buNone/>
+            </a:pPr>
+            <a:r>
+              <a:rPr lang="en-US" dirty="0"/>
+              <a:t>Board Development</a:t>
+            </a:r>
+          </a:p>
+          <a:p>
+            <a:pPr marL="628650" marR="0" lvl="1" indent="-171450" algn="l" defTabSz="914400" rtl="0" eaLnBrk="1" fontAlgn="auto" latinLnBrk="0" hangingPunct="1">
+              <a:lnSpc>
+                <a:spcPct val="100000"/>
+              </a:lnSpc>
+              <a:spcBef>
+                <a:spcPts val="0"/>
+              </a:spcBef>
+              <a:spcAft>
+                <a:spcPts val="0"/>
+              </a:spcAft>
+              <a:buClrTx/>
+              <a:buSzTx/>
               <a:buFontTx/>
               <a:buChar char="-"/>
-            </a:pPr>
-            <a:r>
-              <a:rPr lang="en-US" dirty="0"/>
-              <a:t>Schematic Examples</a:t>
-            </a:r>
-          </a:p>
-          <a:p>
-            <a:pPr marL="171450" indent="-171450">
+              <a:tabLst/>
+              <a:defRPr/>
+            </a:pPr>
+            <a:r>
+              <a:rPr lang="en-US" dirty="0"/>
+              <a:t>Time</a:t>
+            </a:r>
+            <a:r>
+              <a:rPr lang="en-US" baseline="0" dirty="0"/>
+              <a:t> Spent: EAGLE Ramp, Existing Design Port, Revision Proposal, Revision Generation &amp; Release</a:t>
+            </a:r>
+            <a:endParaRPr lang="en-US" dirty="0"/>
+          </a:p>
+          <a:p>
+            <a:pPr marL="0" indent="0">
+              <a:buFontTx/>
+              <a:buNone/>
+            </a:pPr>
+            <a:endParaRPr lang="en-US" dirty="0"/>
+          </a:p>
+          <a:p>
+            <a:pPr marL="0" indent="0">
+              <a:buFontTx/>
+              <a:buNone/>
+            </a:pPr>
+            <a:r>
+              <a:rPr lang="en-US" dirty="0"/>
+              <a:t>Contract Completion &amp; Transfer</a:t>
+            </a:r>
+          </a:p>
+          <a:p>
+            <a:pPr marL="628650" lvl="1" indent="-171450">
               <a:buFontTx/>
               <a:buChar char="-"/>
             </a:pPr>
             <a:r>
               <a:rPr lang="en-US" dirty="0"/>
-              <a:t>Content Transfer to Ergsense</a:t>
-            </a:r>
-          </a:p>
-          <a:p>
-            <a:pPr marL="171450" indent="-171450">
+              <a:t>HW: Project</a:t>
+            </a:r>
+            <a:r>
+              <a:rPr lang="en-US" baseline="0" dirty="0"/>
+              <a:t> &amp; Board Revision</a:t>
+            </a:r>
+          </a:p>
+          <a:p>
+            <a:pPr marL="628650" marR="0" lvl="1" indent="-171450" algn="l" defTabSz="914400" rtl="0" eaLnBrk="1" fontAlgn="auto" latinLnBrk="0" hangingPunct="1">
+              <a:lnSpc>
+                <a:spcPct val="100000"/>
+              </a:lnSpc>
+              <a:spcBef>
+                <a:spcPts val="0"/>
+              </a:spcBef>
+              <a:spcAft>
+                <a:spcPts val="0"/>
+              </a:spcAft>
+              <a:buClrTx/>
+              <a:buSzTx/>
               <a:buFontTx/>
               <a:buChar char="-"/>
-            </a:pPr>
-            <a:r>
-              <a:rPr lang="en-US" dirty="0"/>
-              <a:t>Revision Control</a:t>
-            </a:r>
-          </a:p>
-          <a:p>
-            <a:pPr marL="0" indent="0">
+              <a:tabLst/>
+              <a:defRPr/>
+            </a:pPr>
+            <a:r>
+              <a:rPr lang="en-US" baseline="0" dirty="0"/>
+              <a:t>FW: OTM spec w/path to use (c</a:t>
+            </a:r>
+            <a:r>
+              <a:rPr lang="en-US" dirty="0"/>
+              <a:t>omplete VM w/next steps &amp; design support)</a:t>
+            </a:r>
+          </a:p>
+          <a:p>
+            <a:pPr marL="628650" marR="0" lvl="1" indent="-171450" algn="l" defTabSz="914400" rtl="0" eaLnBrk="1" fontAlgn="auto" latinLnBrk="0" hangingPunct="1">
+              <a:lnSpc>
+                <a:spcPct val="100000"/>
+              </a:lnSpc>
+              <a:spcBef>
+                <a:spcPts val="0"/>
+              </a:spcBef>
+              <a:spcAft>
+                <a:spcPts val="0"/>
+              </a:spcAft>
+              <a:buClrTx/>
+              <a:buSzTx/>
+              <a:buFontTx/>
+              <a:buChar char="-"/>
+              <a:tabLst/>
+              <a:defRPr/>
+            </a:pPr>
+            <a:r>
+              <a:rPr lang="en-US" dirty="0"/>
+              <a:t>Design:</a:t>
+            </a:r>
+            <a:r>
+              <a:rPr lang="en-US" baseline="0" dirty="0"/>
+              <a:t>  Clear organization &amp; repo integration, </a:t>
+            </a:r>
+            <a:r>
+              <a:rPr lang="en-US" dirty="0"/>
+              <a:t>Identification</a:t>
+            </a:r>
+            <a:r>
+              <a:rPr lang="en-US" baseline="0" dirty="0"/>
+              <a:t> of OTM, Python &amp; JavaScript options</a:t>
+            </a:r>
+          </a:p>
+          <a:p>
+            <a:pPr marL="457200" marR="0" lvl="1" indent="0" algn="l" defTabSz="914400" rtl="0" eaLnBrk="1" fontAlgn="auto" latinLnBrk="0" hangingPunct="1">
+              <a:lnSpc>
+                <a:spcPct val="100000"/>
+              </a:lnSpc>
+              <a:spcBef>
+                <a:spcPts val="0"/>
+              </a:spcBef>
+              <a:spcAft>
+                <a:spcPts val="0"/>
+              </a:spcAft>
+              <a:buClrTx/>
+              <a:buSzTx/>
               <a:buFontTx/>
               <a:buNone/>
-            </a:pPr>
-            <a:endParaRPr lang="en-US" dirty="0"/>
+              <a:tabLst/>
+              <a:defRPr/>
+            </a:pPr>
+            <a:r>
+              <a:rPr lang="en-US" baseline="0" dirty="0"/>
+              <a:t>	</a:t>
+            </a:r>
           </a:p>
         </p:txBody>
       </p:sp>
@@ -3703,7 +3883,7 @@
     </p:spTree>
     <p:extLst>
       <p:ext uri="{BB962C8B-B14F-4D97-AF65-F5344CB8AC3E}">
-        <p14:creationId xmlns:p14="http://schemas.microsoft.com/office/powerpoint/2010/main" val="1782159032"/>
+        <p14:creationId xmlns:p14="http://schemas.microsoft.com/office/powerpoint/2010/main" val="292211601"/>
       </p:ext>
     </p:extLst>
   </p:cSld>
@@ -3757,125 +3937,11 @@
           <a:bodyPr/>
           <a:lstStyle/>
           <a:p>
-            <a:pPr marL="171450" indent="-171450">
-              <a:buFontTx/>
-              <a:buChar char="-"/>
-            </a:pPr>
-            <a:r>
-              <a:rPr lang="en-US" dirty="0"/>
-              <a:t>Documentation</a:t>
-            </a:r>
-          </a:p>
-          <a:p>
-            <a:pPr marL="171450" indent="-171450">
-              <a:buFontTx/>
-              <a:buChar char="-"/>
-            </a:pPr>
-            <a:r>
-              <a:rPr lang="en-US" dirty="0"/>
-              <a:t>Presentation</a:t>
-            </a:r>
-          </a:p>
-          <a:p>
-            <a:pPr marL="171450" indent="-171450">
-              <a:buFontTx/>
-              <a:buChar char="-"/>
-            </a:pPr>
-            <a:r>
-              <a:rPr lang="en-US" dirty="0"/>
-              <a:t>Embedded Systems Development</a:t>
-            </a:r>
-          </a:p>
-          <a:p>
-            <a:pPr marL="171450" indent="-171450">
-              <a:buFontTx/>
-              <a:buChar char="-"/>
-            </a:pPr>
-            <a:r>
-              <a:rPr lang="en-US" dirty="0"/>
-              <a:t>Board Design</a:t>
-            </a:r>
-          </a:p>
-          <a:p>
-            <a:pPr marL="171450" indent="-171450">
-              <a:buFontTx/>
-              <a:buChar char="-"/>
-            </a:pPr>
-            <a:r>
-              <a:rPr lang="en-US" dirty="0"/>
-              <a:t>Code Syntax (share examples from code)</a:t>
-            </a:r>
-          </a:p>
-          <a:p>
-            <a:pPr marL="628650" lvl="1" indent="-171450">
-              <a:buFontTx/>
-              <a:buChar char="-"/>
-            </a:pPr>
-            <a:r>
-              <a:rPr lang="en-US" dirty="0" err="1"/>
-              <a:t>example_pwm_tc.c</a:t>
-            </a:r>
-            <a:r>
-              <a:rPr lang="en-US" dirty="0"/>
-              <a:t> reference</a:t>
-            </a:r>
-          </a:p>
-          <a:p>
-            <a:pPr marL="171450" indent="-171450">
-              <a:buFontTx/>
-              <a:buChar char="-"/>
-            </a:pPr>
-            <a:r>
-              <a:rPr lang="en-US" dirty="0"/>
-              <a:t>Development Validation</a:t>
-            </a:r>
-          </a:p>
-          <a:p>
-            <a:pPr marL="171450" indent="-171450">
-              <a:buFontTx/>
-              <a:buChar char="-"/>
-            </a:pPr>
-            <a:r>
-              <a:rPr lang="en-US" dirty="0"/>
-              <a:t>PoC Form</a:t>
-            </a:r>
-          </a:p>
-          <a:p>
-            <a:pPr marL="171450" indent="-171450">
-              <a:buFontTx/>
-              <a:buChar char="-"/>
-            </a:pPr>
-            <a:r>
-              <a:rPr lang="en-US" dirty="0"/>
-              <a:t>Schematic Examples</a:t>
-            </a:r>
-          </a:p>
-          <a:p>
-            <a:pPr marL="171450" indent="-171450">
-              <a:buFontTx/>
-              <a:buChar char="-"/>
-            </a:pPr>
-            <a:r>
-              <a:rPr lang="en-US" dirty="0"/>
-              <a:t>Content Transfer to Ergsense</a:t>
-            </a:r>
-          </a:p>
-          <a:p>
-            <a:pPr marL="171450" indent="-171450">
-              <a:buFontTx/>
-              <a:buChar char="-"/>
-            </a:pPr>
-            <a:r>
-              <a:rPr lang="en-US" dirty="0"/>
-              <a:t>Revision Control</a:t>
-            </a:r>
-          </a:p>
-          <a:p>
             <a:pPr marL="0" indent="0">
               <a:buFontTx/>
               <a:buNone/>
             </a:pPr>
-            <a:endParaRPr lang="en-US" dirty="0"/>
+            <a:endParaRPr lang="en-US" baseline="0" dirty="0"/>
           </a:p>
         </p:txBody>
       </p:sp>
@@ -3905,7 +3971,7 @@
     </p:spTree>
     <p:extLst>
       <p:ext uri="{BB962C8B-B14F-4D97-AF65-F5344CB8AC3E}">
-        <p14:creationId xmlns:p14="http://schemas.microsoft.com/office/powerpoint/2010/main" val="1922393564"/>
+        <p14:creationId xmlns:p14="http://schemas.microsoft.com/office/powerpoint/2010/main" val="1823177276"/>
       </p:ext>
     </p:extLst>
   </p:cSld>
@@ -3965,7 +4031,7 @@
             </a:pPr>
             <a:r>
               <a:rPr lang="en-US" dirty="0"/>
-              <a:t>Clear segmentation and modularization of design</a:t>
+              <a:t>Documentation</a:t>
             </a:r>
           </a:p>
           <a:p>
@@ -3975,7 +4041,7 @@
             </a:pPr>
             <a:r>
               <a:rPr lang="en-US" dirty="0"/>
-              <a:t>Uniform, consistent layout</a:t>
+              <a:t>Presentation</a:t>
             </a:r>
           </a:p>
           <a:p>
@@ -3985,8 +4051,99 @@
             </a:pPr>
             <a:r>
               <a:rPr lang="en-US" dirty="0"/>
-              <a:t>Clear labelling with notes</a:t>
-            </a:r>
+              <a:t>Embedded Systems Development</a:t>
+            </a:r>
+          </a:p>
+          <a:p>
+            <a:pPr marL="171450" indent="-171450">
+              <a:buFontTx/>
+              <a:buChar char="-"/>
+            </a:pPr>
+            <a:r>
+              <a:rPr lang="en-US" dirty="0"/>
+              <a:t>Board Design</a:t>
+            </a:r>
+          </a:p>
+          <a:p>
+            <a:pPr marL="171450" indent="-171450">
+              <a:buFontTx/>
+              <a:buChar char="-"/>
+            </a:pPr>
+            <a:r>
+              <a:rPr lang="en-US" dirty="0"/>
+              <a:t>Code Syntax (share examples from code)</a:t>
+            </a:r>
+          </a:p>
+          <a:p>
+            <a:pPr marL="628650" lvl="1" indent="-171450">
+              <a:buFontTx/>
+              <a:buChar char="-"/>
+            </a:pPr>
+            <a:r>
+              <a:rPr lang="en-US" dirty="0" err="1"/>
+              <a:t>example_pwm_tc.c</a:t>
+            </a:r>
+            <a:r>
+              <a:rPr lang="en-US" dirty="0"/>
+              <a:t> reference</a:t>
+            </a:r>
+          </a:p>
+          <a:p>
+            <a:pPr marL="171450" indent="-171450">
+              <a:buFontTx/>
+              <a:buChar char="-"/>
+            </a:pPr>
+            <a:r>
+              <a:rPr lang="en-US" dirty="0"/>
+              <a:t>Development Validation</a:t>
+            </a:r>
+          </a:p>
+          <a:p>
+            <a:pPr marL="171450" indent="-171450">
+              <a:buFontTx/>
+              <a:buChar char="-"/>
+            </a:pPr>
+            <a:r>
+              <a:rPr lang="en-US" dirty="0"/>
+              <a:t>PoC Form</a:t>
+            </a:r>
+          </a:p>
+          <a:p>
+            <a:pPr marL="171450" indent="-171450">
+              <a:buFontTx/>
+              <a:buChar char="-"/>
+            </a:pPr>
+            <a:r>
+              <a:rPr lang="en-US" dirty="0"/>
+              <a:t>Schematic Examples</a:t>
+            </a:r>
+          </a:p>
+          <a:p>
+            <a:pPr marL="171450" indent="-171450">
+              <a:buFontTx/>
+              <a:buChar char="-"/>
+            </a:pPr>
+            <a:r>
+              <a:rPr lang="en-US" dirty="0"/>
+              <a:t>Content Transfer to Ergsense</a:t>
+            </a:r>
+          </a:p>
+          <a:p>
+            <a:pPr marL="171450" indent="-171450">
+              <a:buFontTx/>
+              <a:buChar char="-"/>
+            </a:pPr>
+            <a:r>
+              <a:rPr lang="en-US" dirty="0"/>
+              <a:t>Revision Control</a:t>
+            </a:r>
+          </a:p>
+          <a:p>
+            <a:pPr marL="0" indent="0">
+              <a:buFontTx/>
+              <a:buNone/>
+            </a:pPr>
+            <a:endParaRPr lang="en-US" dirty="0"/>
           </a:p>
         </p:txBody>
       </p:sp>
@@ -4016,7 +4173,7 @@
     </p:spTree>
     <p:extLst>
       <p:ext uri="{BB962C8B-B14F-4D97-AF65-F5344CB8AC3E}">
-        <p14:creationId xmlns:p14="http://schemas.microsoft.com/office/powerpoint/2010/main" val="1255233405"/>
+        <p14:creationId xmlns:p14="http://schemas.microsoft.com/office/powerpoint/2010/main" val="1782159032"/>
       </p:ext>
     </p:extLst>
   </p:cSld>
@@ -4076,7 +4233,7 @@
             </a:pPr>
             <a:r>
               <a:rPr lang="en-US" dirty="0"/>
-              <a:t>Clear segmentation and modularization of design</a:t>
+              <a:t>Documentation</a:t>
             </a:r>
           </a:p>
           <a:p>
@@ -4086,7 +4243,7 @@
             </a:pPr>
             <a:r>
               <a:rPr lang="en-US" dirty="0"/>
-              <a:t>Uniform, consistent layout</a:t>
+              <a:t>Presentation</a:t>
             </a:r>
           </a:p>
           <a:p>
@@ -4096,8 +4253,99 @@
             </a:pPr>
             <a:r>
               <a:rPr lang="en-US" dirty="0"/>
-              <a:t>Clear labelling with notes</a:t>
-            </a:r>
+              <a:t>Embedded Systems Development</a:t>
+            </a:r>
+          </a:p>
+          <a:p>
+            <a:pPr marL="171450" indent="-171450">
+              <a:buFontTx/>
+              <a:buChar char="-"/>
+            </a:pPr>
+            <a:r>
+              <a:rPr lang="en-US" dirty="0"/>
+              <a:t>Board Design</a:t>
+            </a:r>
+          </a:p>
+          <a:p>
+            <a:pPr marL="171450" indent="-171450">
+              <a:buFontTx/>
+              <a:buChar char="-"/>
+            </a:pPr>
+            <a:r>
+              <a:rPr lang="en-US" dirty="0"/>
+              <a:t>Code Syntax (share examples from code)</a:t>
+            </a:r>
+          </a:p>
+          <a:p>
+            <a:pPr marL="628650" lvl="1" indent="-171450">
+              <a:buFontTx/>
+              <a:buChar char="-"/>
+            </a:pPr>
+            <a:r>
+              <a:rPr lang="en-US" dirty="0" err="1"/>
+              <a:t>example_pwm_tc.c</a:t>
+            </a:r>
+            <a:r>
+              <a:rPr lang="en-US" dirty="0"/>
+              <a:t> reference</a:t>
+            </a:r>
+          </a:p>
+          <a:p>
+            <a:pPr marL="171450" indent="-171450">
+              <a:buFontTx/>
+              <a:buChar char="-"/>
+            </a:pPr>
+            <a:r>
+              <a:rPr lang="en-US" dirty="0"/>
+              <a:t>Development Validation</a:t>
+            </a:r>
+          </a:p>
+          <a:p>
+            <a:pPr marL="171450" indent="-171450">
+              <a:buFontTx/>
+              <a:buChar char="-"/>
+            </a:pPr>
+            <a:r>
+              <a:rPr lang="en-US" dirty="0"/>
+              <a:t>PoC Form</a:t>
+            </a:r>
+          </a:p>
+          <a:p>
+            <a:pPr marL="171450" indent="-171450">
+              <a:buFontTx/>
+              <a:buChar char="-"/>
+            </a:pPr>
+            <a:r>
+              <a:rPr lang="en-US" dirty="0"/>
+              <a:t>Schematic Examples</a:t>
+            </a:r>
+          </a:p>
+          <a:p>
+            <a:pPr marL="171450" indent="-171450">
+              <a:buFontTx/>
+              <a:buChar char="-"/>
+            </a:pPr>
+            <a:r>
+              <a:rPr lang="en-US" dirty="0"/>
+              <a:t>Content Transfer to Ergsense</a:t>
+            </a:r>
+          </a:p>
+          <a:p>
+            <a:pPr marL="171450" indent="-171450">
+              <a:buFontTx/>
+              <a:buChar char="-"/>
+            </a:pPr>
+            <a:r>
+              <a:rPr lang="en-US" dirty="0"/>
+              <a:t>Revision Control</a:t>
+            </a:r>
+          </a:p>
+          <a:p>
+            <a:pPr marL="0" indent="0">
+              <a:buFontTx/>
+              <a:buNone/>
+            </a:pPr>
+            <a:endParaRPr lang="en-US" dirty="0"/>
           </a:p>
         </p:txBody>
       </p:sp>
@@ -4127,7 +4375,7 @@
     </p:spTree>
     <p:extLst>
       <p:ext uri="{BB962C8B-B14F-4D97-AF65-F5344CB8AC3E}">
-        <p14:creationId xmlns:p14="http://schemas.microsoft.com/office/powerpoint/2010/main" val="4145813878"/>
+        <p14:creationId xmlns:p14="http://schemas.microsoft.com/office/powerpoint/2010/main" val="1922393564"/>
       </p:ext>
     </p:extLst>
   </p:cSld>
@@ -11722,2146 +11970,6 @@
 </file>
 
 <file path=ppt/slides/slide10.xml><?xml version="1.0" encoding="utf-8"?>
-<p:sld xmlns:a="http://schemas.openxmlformats.org/drawingml/2006/main" xmlns:r="http://schemas.openxmlformats.org/officeDocument/2006/relationships" xmlns:p="http://schemas.openxmlformats.org/presentationml/2006/main">
-  <p:cSld>
-    <p:spTree>
-      <p:nvGrpSpPr>
-        <p:cNvPr id="1" name=""/>
-        <p:cNvGrpSpPr/>
-        <p:nvPr/>
-      </p:nvGrpSpPr>
-      <p:grpSpPr>
-        <a:xfrm>
-          <a:off x="0" y="0"/>
-          <a:ext cx="0" cy="0"/>
-          <a:chOff x="0" y="0"/>
-          <a:chExt cx="0" cy="0"/>
-        </a:xfrm>
-      </p:grpSpPr>
-      <p:sp>
-        <p:nvSpPr>
-          <p:cNvPr id="2" name="Title 1">
-            <a:extLst>
-              <a:ext uri="{FF2B5EF4-FFF2-40B4-BE49-F238E27FC236}">
-                <a16:creationId xmlns:a16="http://schemas.microsoft.com/office/drawing/2014/main" id="{9C5E42EE-EA5D-4203-B1EC-B96B68D2A8EA}"/>
-              </a:ext>
-            </a:extLst>
-          </p:cNvPr>
-          <p:cNvSpPr>
-            <a:spLocks noGrp="1"/>
-          </p:cNvSpPr>
-          <p:nvPr>
-            <p:ph type="title"/>
-          </p:nvPr>
-        </p:nvSpPr>
-        <p:spPr/>
-        <p:txBody>
-          <a:bodyPr>
-            <a:normAutofit/>
-          </a:bodyPr>
-          <a:lstStyle/>
-          <a:p>
-            <a:pPr rtl="0" eaLnBrk="1" latinLnBrk="0" hangingPunct="1"/>
-            <a:r>
-              <a:rPr lang="en-US" sz="3600" b="0" i="0" kern="1200" baseline="0" dirty="0">
-                <a:solidFill>
-                  <a:schemeClr val="tx1">
-                    <a:lumMod val="85000"/>
-                    <a:lumOff val="15000"/>
-                  </a:schemeClr>
-                </a:solidFill>
-                <a:effectLst/>
-                <a:latin typeface="+mj-lt"/>
-                <a:ea typeface="+mj-ea"/>
-                <a:cs typeface="+mj-cs"/>
-              </a:rPr>
-              <a:t>DTECTS Library</a:t>
-            </a:r>
-            <a:endParaRPr lang="en-US" sz="4400" dirty="0">
-              <a:effectLst/>
-            </a:endParaRPr>
-          </a:p>
-        </p:txBody>
-      </p:sp>
-      <p:pic>
-        <p:nvPicPr>
-          <p:cNvPr id="7" name="Picture 6">
-            <a:extLst>
-              <a:ext uri="{FF2B5EF4-FFF2-40B4-BE49-F238E27FC236}">
-                <a16:creationId xmlns:a16="http://schemas.microsoft.com/office/drawing/2014/main" id="{D939D839-2D14-4EEF-B198-53A77C1F0AB3}"/>
-              </a:ext>
-            </a:extLst>
-          </p:cNvPr>
-          <p:cNvPicPr>
-            <a:picLocks noChangeAspect="1"/>
-          </p:cNvPicPr>
-          <p:nvPr/>
-        </p:nvPicPr>
-        <p:blipFill>
-          <a:blip r:embed="rId3"/>
-          <a:stretch>
-            <a:fillRect/>
-          </a:stretch>
-        </p:blipFill>
-        <p:spPr>
-          <a:xfrm>
-            <a:off x="2769323" y="1518368"/>
-            <a:ext cx="6361613" cy="4477897"/>
-          </a:xfrm>
-          <a:prstGeom prst="rect">
-            <a:avLst/>
-          </a:prstGeom>
-        </p:spPr>
-      </p:pic>
-      <p:pic>
-        <p:nvPicPr>
-          <p:cNvPr id="4" name="Picture 3">
-            <a:extLst>
-              <a:ext uri="{FF2B5EF4-FFF2-40B4-BE49-F238E27FC236}">
-                <a16:creationId xmlns:a16="http://schemas.microsoft.com/office/drawing/2014/main" id="{DD99FE0C-189B-460A-A9AC-9D01098A1696}"/>
-              </a:ext>
-            </a:extLst>
-          </p:cNvPr>
-          <p:cNvPicPr>
-            <a:picLocks noChangeAspect="1"/>
-          </p:cNvPicPr>
-          <p:nvPr/>
-        </p:nvPicPr>
-        <p:blipFill>
-          <a:blip r:embed="rId4"/>
-          <a:stretch>
-            <a:fillRect/>
-          </a:stretch>
-        </p:blipFill>
-        <p:spPr>
-          <a:xfrm>
-            <a:off x="2069123" y="1518368"/>
-            <a:ext cx="7954268" cy="4477897"/>
-          </a:xfrm>
-          <a:prstGeom prst="rect">
-            <a:avLst/>
-          </a:prstGeom>
-        </p:spPr>
-      </p:pic>
-    </p:spTree>
-    <p:extLst>
-      <p:ext uri="{BB962C8B-B14F-4D97-AF65-F5344CB8AC3E}">
-        <p14:creationId xmlns:p14="http://schemas.microsoft.com/office/powerpoint/2010/main" val="3340878372"/>
-      </p:ext>
-    </p:extLst>
-  </p:cSld>
-  <p:clrMapOvr>
-    <a:masterClrMapping/>
-  </p:clrMapOvr>
-</p:sld>
-</file>
-
-<file path=ppt/slides/slide11.xml><?xml version="1.0" encoding="utf-8"?>
-<p:sld xmlns:a="http://schemas.openxmlformats.org/drawingml/2006/main" xmlns:r="http://schemas.openxmlformats.org/officeDocument/2006/relationships" xmlns:p="http://schemas.openxmlformats.org/presentationml/2006/main">
-  <p:cSld>
-    <p:spTree>
-      <p:nvGrpSpPr>
-        <p:cNvPr id="1" name=""/>
-        <p:cNvGrpSpPr/>
-        <p:nvPr/>
-      </p:nvGrpSpPr>
-      <p:grpSpPr>
-        <a:xfrm>
-          <a:off x="0" y="0"/>
-          <a:ext cx="0" cy="0"/>
-          <a:chOff x="0" y="0"/>
-          <a:chExt cx="0" cy="0"/>
-        </a:xfrm>
-      </p:grpSpPr>
-      <p:sp>
-        <p:nvSpPr>
-          <p:cNvPr id="2" name="Title 1">
-            <a:extLst>
-              <a:ext uri="{FF2B5EF4-FFF2-40B4-BE49-F238E27FC236}">
-                <a16:creationId xmlns:a16="http://schemas.microsoft.com/office/drawing/2014/main" id="{9C5E42EE-EA5D-4203-B1EC-B96B68D2A8EA}"/>
-              </a:ext>
-            </a:extLst>
-          </p:cNvPr>
-          <p:cNvSpPr>
-            <a:spLocks noGrp="1"/>
-          </p:cNvSpPr>
-          <p:nvPr>
-            <p:ph type="title"/>
-          </p:nvPr>
-        </p:nvSpPr>
-        <p:spPr/>
-        <p:txBody>
-          <a:bodyPr>
-            <a:normAutofit/>
-          </a:bodyPr>
-          <a:lstStyle/>
-          <a:p>
-            <a:pPr rtl="0" eaLnBrk="1" latinLnBrk="0" hangingPunct="1"/>
-            <a:r>
-              <a:rPr lang="en-US" sz="3600" b="0" i="0" kern="1200" baseline="0" dirty="0">
-                <a:solidFill>
-                  <a:schemeClr val="tx1">
-                    <a:lumMod val="85000"/>
-                    <a:lumOff val="15000"/>
-                  </a:schemeClr>
-                </a:solidFill>
-                <a:effectLst/>
-                <a:latin typeface="+mj-lt"/>
-                <a:ea typeface="+mj-ea"/>
-                <a:cs typeface="+mj-cs"/>
-              </a:rPr>
-              <a:t>DTECTS Board Design</a:t>
-            </a:r>
-            <a:endParaRPr lang="en-US" sz="4400" dirty="0">
-              <a:effectLst/>
-            </a:endParaRPr>
-          </a:p>
-        </p:txBody>
-      </p:sp>
-      <p:pic>
-        <p:nvPicPr>
-          <p:cNvPr id="7" name="Picture 6">
-            <a:extLst>
-              <a:ext uri="{FF2B5EF4-FFF2-40B4-BE49-F238E27FC236}">
-                <a16:creationId xmlns:a16="http://schemas.microsoft.com/office/drawing/2014/main" id="{D939D839-2D14-4EEF-B198-53A77C1F0AB3}"/>
-              </a:ext>
-            </a:extLst>
-          </p:cNvPr>
-          <p:cNvPicPr>
-            <a:picLocks noChangeAspect="1"/>
-          </p:cNvPicPr>
-          <p:nvPr/>
-        </p:nvPicPr>
-        <p:blipFill>
-          <a:blip r:embed="rId3"/>
-          <a:stretch>
-            <a:fillRect/>
-          </a:stretch>
-        </p:blipFill>
-        <p:spPr>
-          <a:xfrm>
-            <a:off x="2769323" y="1518368"/>
-            <a:ext cx="6361613" cy="4477897"/>
-          </a:xfrm>
-          <a:prstGeom prst="rect">
-            <a:avLst/>
-          </a:prstGeom>
-        </p:spPr>
-      </p:pic>
-    </p:spTree>
-    <p:extLst>
-      <p:ext uri="{BB962C8B-B14F-4D97-AF65-F5344CB8AC3E}">
-        <p14:creationId xmlns:p14="http://schemas.microsoft.com/office/powerpoint/2010/main" val="4050226983"/>
-      </p:ext>
-    </p:extLst>
-  </p:cSld>
-  <p:clrMapOvr>
-    <a:masterClrMapping/>
-  </p:clrMapOvr>
-</p:sld>
-</file>
-
-<file path=ppt/slides/slide12.xml><?xml version="1.0" encoding="utf-8"?>
-<p:sld xmlns:a="http://schemas.openxmlformats.org/drawingml/2006/main" xmlns:r="http://schemas.openxmlformats.org/officeDocument/2006/relationships" xmlns:p="http://schemas.openxmlformats.org/presentationml/2006/main">
-  <p:cSld>
-    <p:spTree>
-      <p:nvGrpSpPr>
-        <p:cNvPr id="1" name=""/>
-        <p:cNvGrpSpPr/>
-        <p:nvPr/>
-      </p:nvGrpSpPr>
-      <p:grpSpPr>
-        <a:xfrm>
-          <a:off x="0" y="0"/>
-          <a:ext cx="0" cy="0"/>
-          <a:chOff x="0" y="0"/>
-          <a:chExt cx="0" cy="0"/>
-        </a:xfrm>
-      </p:grpSpPr>
-      <p:sp>
-        <p:nvSpPr>
-          <p:cNvPr id="2" name="Title 1">
-            <a:extLst>
-              <a:ext uri="{FF2B5EF4-FFF2-40B4-BE49-F238E27FC236}">
-                <a16:creationId xmlns:a16="http://schemas.microsoft.com/office/drawing/2014/main" id="{9C5E42EE-EA5D-4203-B1EC-B96B68D2A8EA}"/>
-              </a:ext>
-            </a:extLst>
-          </p:cNvPr>
-          <p:cNvSpPr>
-            <a:spLocks noGrp="1"/>
-          </p:cNvSpPr>
-          <p:nvPr>
-            <p:ph type="title"/>
-          </p:nvPr>
-        </p:nvSpPr>
-        <p:spPr/>
-        <p:txBody>
-          <a:bodyPr>
-            <a:normAutofit/>
-          </a:bodyPr>
-          <a:lstStyle/>
-          <a:p>
-            <a:pPr rtl="0" eaLnBrk="1" latinLnBrk="0" hangingPunct="1"/>
-            <a:r>
-              <a:rPr lang="en-US" sz="3600" b="0" i="0" kern="1200" baseline="0" dirty="0">
-                <a:solidFill>
-                  <a:schemeClr val="tx1">
-                    <a:lumMod val="85000"/>
-                    <a:lumOff val="15000"/>
-                  </a:schemeClr>
-                </a:solidFill>
-                <a:effectLst/>
-                <a:latin typeface="+mj-lt"/>
-                <a:ea typeface="+mj-ea"/>
-                <a:cs typeface="+mj-cs"/>
-              </a:rPr>
-              <a:t>Board Layout (Reference)</a:t>
-            </a:r>
-            <a:endParaRPr lang="en-US" sz="4400" dirty="0">
-              <a:effectLst/>
-            </a:endParaRPr>
-          </a:p>
-        </p:txBody>
-      </p:sp>
-      <p:pic>
-        <p:nvPicPr>
-          <p:cNvPr id="4" name="Picture 3">
-            <a:extLst>
-              <a:ext uri="{FF2B5EF4-FFF2-40B4-BE49-F238E27FC236}">
-                <a16:creationId xmlns:a16="http://schemas.microsoft.com/office/drawing/2014/main" id="{5FB7041E-ED81-4387-A3A0-ECF198D6DE33}"/>
-              </a:ext>
-            </a:extLst>
-          </p:cNvPr>
-          <p:cNvPicPr>
-            <a:picLocks noChangeAspect="1"/>
-          </p:cNvPicPr>
-          <p:nvPr/>
-        </p:nvPicPr>
-        <p:blipFill>
-          <a:blip r:embed="rId3"/>
-          <a:stretch>
-            <a:fillRect/>
-          </a:stretch>
-        </p:blipFill>
-        <p:spPr>
-          <a:xfrm>
-            <a:off x="2772935" y="1509276"/>
-            <a:ext cx="6646130" cy="4467250"/>
-          </a:xfrm>
-          <a:prstGeom prst="rect">
-            <a:avLst/>
-          </a:prstGeom>
-        </p:spPr>
-      </p:pic>
-    </p:spTree>
-    <p:extLst>
-      <p:ext uri="{BB962C8B-B14F-4D97-AF65-F5344CB8AC3E}">
-        <p14:creationId xmlns:p14="http://schemas.microsoft.com/office/powerpoint/2010/main" val="2015703342"/>
-      </p:ext>
-    </p:extLst>
-  </p:cSld>
-  <p:clrMapOvr>
-    <a:masterClrMapping/>
-  </p:clrMapOvr>
-</p:sld>
-</file>
-
-<file path=ppt/slides/slide13.xml><?xml version="1.0" encoding="utf-8"?>
-<p:sld xmlns:a="http://schemas.openxmlformats.org/drawingml/2006/main" xmlns:r="http://schemas.openxmlformats.org/officeDocument/2006/relationships" xmlns:p="http://schemas.openxmlformats.org/presentationml/2006/main">
-  <p:cSld>
-    <p:spTree>
-      <p:nvGrpSpPr>
-        <p:cNvPr id="1" name=""/>
-        <p:cNvGrpSpPr/>
-        <p:nvPr/>
-      </p:nvGrpSpPr>
-      <p:grpSpPr>
-        <a:xfrm>
-          <a:off x="0" y="0"/>
-          <a:ext cx="0" cy="0"/>
-          <a:chOff x="0" y="0"/>
-          <a:chExt cx="0" cy="0"/>
-        </a:xfrm>
-      </p:grpSpPr>
-      <p:sp>
-        <p:nvSpPr>
-          <p:cNvPr id="2" name="Title 1">
-            <a:extLst>
-              <a:ext uri="{FF2B5EF4-FFF2-40B4-BE49-F238E27FC236}">
-                <a16:creationId xmlns:a16="http://schemas.microsoft.com/office/drawing/2014/main" id="{9C5E42EE-EA5D-4203-B1EC-B96B68D2A8EA}"/>
-              </a:ext>
-            </a:extLst>
-          </p:cNvPr>
-          <p:cNvSpPr>
-            <a:spLocks noGrp="1"/>
-          </p:cNvSpPr>
-          <p:nvPr>
-            <p:ph type="title"/>
-          </p:nvPr>
-        </p:nvSpPr>
-        <p:spPr/>
-        <p:txBody>
-          <a:bodyPr>
-            <a:normAutofit/>
-          </a:bodyPr>
-          <a:lstStyle/>
-          <a:p>
-            <a:pPr rtl="0" eaLnBrk="1" latinLnBrk="0" hangingPunct="1"/>
-            <a:r>
-              <a:rPr lang="en-US" sz="3600" b="0" i="0" kern="1200" baseline="0" dirty="0">
-                <a:solidFill>
-                  <a:schemeClr val="tx1">
-                    <a:lumMod val="85000"/>
-                    <a:lumOff val="15000"/>
-                  </a:schemeClr>
-                </a:solidFill>
-                <a:effectLst/>
-                <a:latin typeface="+mj-lt"/>
-                <a:ea typeface="+mj-ea"/>
-                <a:cs typeface="+mj-cs"/>
-              </a:rPr>
-              <a:t>Firmware (Reference)</a:t>
-            </a:r>
-            <a:endParaRPr lang="en-US" sz="4400" dirty="0">
-              <a:effectLst/>
-            </a:endParaRPr>
-          </a:p>
-        </p:txBody>
-      </p:sp>
-      <p:sp>
-        <p:nvSpPr>
-          <p:cNvPr id="6" name="Rectangle: Rounded Corners 5">
-            <a:extLst>
-              <a:ext uri="{FF2B5EF4-FFF2-40B4-BE49-F238E27FC236}">
-                <a16:creationId xmlns:a16="http://schemas.microsoft.com/office/drawing/2014/main" id="{056C338A-A877-44DB-BB5C-C03AC80D2BF2}"/>
-              </a:ext>
-            </a:extLst>
-          </p:cNvPr>
-          <p:cNvSpPr/>
-          <p:nvPr/>
-        </p:nvSpPr>
-        <p:spPr>
-          <a:xfrm>
-            <a:off x="2072640" y="1700046"/>
-            <a:ext cx="9289252" cy="4346645"/>
-          </a:xfrm>
-          <a:prstGeom prst="roundRect">
-            <a:avLst>
-              <a:gd name="adj" fmla="val 3519"/>
-            </a:avLst>
-          </a:prstGeom>
-          <a:blipFill dpi="0" rotWithShape="1">
-            <a:blip r:embed="rId3">
-              <a:extLst>
-                <a:ext uri="{28A0092B-C50C-407E-A947-70E740481C1C}">
-                  <a14:useLocalDpi xmlns:a14="http://schemas.microsoft.com/office/drawing/2010/main" val="0"/>
-                </a:ext>
-              </a:extLst>
-            </a:blip>
-            <a:srcRect/>
-            <a:stretch>
-              <a:fillRect/>
-            </a:stretch>
-          </a:blipFill>
-          <a:ln w="6350">
-            <a:solidFill>
-              <a:schemeClr val="tx1"/>
-            </a:solidFill>
-          </a:ln>
-          <a:effectLst>
-            <a:outerShdw blurRad="152400" dist="25400" dir="2700000" sx="102000" sy="102000" algn="tl" rotWithShape="0">
-              <a:prstClr val="black">
-                <a:alpha val="10000"/>
-              </a:prstClr>
-            </a:outerShdw>
-          </a:effectLst>
-        </p:spPr>
-        <p:style>
-          <a:lnRef idx="2">
-            <a:schemeClr val="accent1">
-              <a:shade val="50000"/>
-            </a:schemeClr>
-          </a:lnRef>
-          <a:fillRef idx="1">
-            <a:schemeClr val="accent1"/>
-          </a:fillRef>
-          <a:effectRef idx="0">
-            <a:schemeClr val="accent1"/>
-          </a:effectRef>
-          <a:fontRef idx="minor">
-            <a:schemeClr val="lt1"/>
-          </a:fontRef>
-        </p:style>
-        <p:txBody>
-          <a:bodyPr rtlCol="0" anchor="ctr"/>
-          <a:lstStyle/>
-          <a:p>
-            <a:pPr algn="ctr"/>
-            <a:endParaRPr lang="en-US"/>
-          </a:p>
-        </p:txBody>
-      </p:sp>
-    </p:spTree>
-    <p:extLst>
-      <p:ext uri="{BB962C8B-B14F-4D97-AF65-F5344CB8AC3E}">
-        <p14:creationId xmlns:p14="http://schemas.microsoft.com/office/powerpoint/2010/main" val="667840959"/>
-      </p:ext>
-    </p:extLst>
-  </p:cSld>
-  <p:clrMapOvr>
-    <a:masterClrMapping/>
-  </p:clrMapOvr>
-</p:sld>
-</file>
-
-<file path=ppt/slides/slide14.xml><?xml version="1.0" encoding="utf-8"?>
-<p:sld xmlns:a="http://schemas.openxmlformats.org/drawingml/2006/main" xmlns:r="http://schemas.openxmlformats.org/officeDocument/2006/relationships" xmlns:p="http://schemas.openxmlformats.org/presentationml/2006/main">
-  <p:cSld>
-    <p:spTree>
-      <p:nvGrpSpPr>
-        <p:cNvPr id="1" name=""/>
-        <p:cNvGrpSpPr/>
-        <p:nvPr/>
-      </p:nvGrpSpPr>
-      <p:grpSpPr>
-        <a:xfrm>
-          <a:off x="0" y="0"/>
-          <a:ext cx="0" cy="0"/>
-          <a:chOff x="0" y="0"/>
-          <a:chExt cx="0" cy="0"/>
-        </a:xfrm>
-      </p:grpSpPr>
-      <p:sp>
-        <p:nvSpPr>
-          <p:cNvPr id="2" name="Title 1">
-            <a:extLst>
-              <a:ext uri="{FF2B5EF4-FFF2-40B4-BE49-F238E27FC236}">
-                <a16:creationId xmlns:a16="http://schemas.microsoft.com/office/drawing/2014/main" id="{9C5E42EE-EA5D-4203-B1EC-B96B68D2A8EA}"/>
-              </a:ext>
-            </a:extLst>
-          </p:cNvPr>
-          <p:cNvSpPr>
-            <a:spLocks noGrp="1"/>
-          </p:cNvSpPr>
-          <p:nvPr>
-            <p:ph type="title"/>
-          </p:nvPr>
-        </p:nvSpPr>
-        <p:spPr/>
-        <p:txBody>
-          <a:bodyPr>
-            <a:normAutofit/>
-          </a:bodyPr>
-          <a:lstStyle/>
-          <a:p>
-            <a:pPr rtl="0" eaLnBrk="1" latinLnBrk="0" hangingPunct="1"/>
-            <a:r>
-              <a:rPr lang="en-US" sz="3600" b="0" i="0" kern="1200" baseline="0" dirty="0">
-                <a:solidFill>
-                  <a:schemeClr val="tx1">
-                    <a:lumMod val="85000"/>
-                    <a:lumOff val="15000"/>
-                  </a:schemeClr>
-                </a:solidFill>
-                <a:effectLst/>
-                <a:latin typeface="+mj-lt"/>
-                <a:ea typeface="+mj-ea"/>
-                <a:cs typeface="+mj-cs"/>
-              </a:rPr>
-              <a:t>Overcome Challenges</a:t>
-            </a:r>
-            <a:endParaRPr lang="en-US" sz="4400" dirty="0">
-              <a:effectLst/>
-            </a:endParaRPr>
-          </a:p>
-        </p:txBody>
-      </p:sp>
-      <p:sp>
-        <p:nvSpPr>
-          <p:cNvPr id="3" name="Content Placeholder 2">
-            <a:extLst>
-              <a:ext uri="{FF2B5EF4-FFF2-40B4-BE49-F238E27FC236}">
-                <a16:creationId xmlns:a16="http://schemas.microsoft.com/office/drawing/2014/main" id="{044B4F6E-A639-47F4-91A5-68807265D618}"/>
-              </a:ext>
-            </a:extLst>
-          </p:cNvPr>
-          <p:cNvSpPr>
-            <a:spLocks noGrp="1"/>
-          </p:cNvSpPr>
-          <p:nvPr>
-            <p:ph idx="1"/>
-          </p:nvPr>
-        </p:nvSpPr>
-        <p:spPr>
-          <a:xfrm>
-            <a:off x="2589211" y="1451113"/>
-            <a:ext cx="9079327" cy="5068957"/>
-          </a:xfrm>
-        </p:spPr>
-        <p:txBody>
-          <a:bodyPr/>
-          <a:lstStyle/>
-          <a:p>
-            <a:endParaRPr lang="en-US" dirty="0"/>
-          </a:p>
-        </p:txBody>
-      </p:sp>
-    </p:spTree>
-    <p:extLst>
-      <p:ext uri="{BB962C8B-B14F-4D97-AF65-F5344CB8AC3E}">
-        <p14:creationId xmlns:p14="http://schemas.microsoft.com/office/powerpoint/2010/main" val="2805820393"/>
-      </p:ext>
-    </p:extLst>
-  </p:cSld>
-  <p:clrMapOvr>
-    <a:masterClrMapping/>
-  </p:clrMapOvr>
-</p:sld>
-</file>
-
-<file path=ppt/slides/slide15.xml><?xml version="1.0" encoding="utf-8"?>
-<p:sld xmlns:a="http://schemas.openxmlformats.org/drawingml/2006/main" xmlns:r="http://schemas.openxmlformats.org/officeDocument/2006/relationships" xmlns:p="http://schemas.openxmlformats.org/presentationml/2006/main">
-  <p:cSld>
-    <p:spTree>
-      <p:nvGrpSpPr>
-        <p:cNvPr id="1" name=""/>
-        <p:cNvGrpSpPr/>
-        <p:nvPr/>
-      </p:nvGrpSpPr>
-      <p:grpSpPr>
-        <a:xfrm>
-          <a:off x="0" y="0"/>
-          <a:ext cx="0" cy="0"/>
-          <a:chOff x="0" y="0"/>
-          <a:chExt cx="0" cy="0"/>
-        </a:xfrm>
-      </p:grpSpPr>
-      <p:sp>
-        <p:nvSpPr>
-          <p:cNvPr id="2" name="Title 1">
-            <a:extLst>
-              <a:ext uri="{FF2B5EF4-FFF2-40B4-BE49-F238E27FC236}">
-                <a16:creationId xmlns:a16="http://schemas.microsoft.com/office/drawing/2014/main" id="{9C5E42EE-EA5D-4203-B1EC-B96B68D2A8EA}"/>
-              </a:ext>
-            </a:extLst>
-          </p:cNvPr>
-          <p:cNvSpPr>
-            <a:spLocks noGrp="1"/>
-          </p:cNvSpPr>
-          <p:nvPr>
-            <p:ph type="title"/>
-          </p:nvPr>
-        </p:nvSpPr>
-        <p:spPr/>
-        <p:txBody>
-          <a:bodyPr>
-            <a:normAutofit/>
-          </a:bodyPr>
-          <a:lstStyle/>
-          <a:p>
-            <a:r>
-              <a:rPr lang="en-US" sz="3600" b="0" i="0" kern="1200" baseline="0" dirty="0">
-                <a:solidFill>
-                  <a:schemeClr val="tx1">
-                    <a:lumMod val="85000"/>
-                    <a:lumOff val="15000"/>
-                  </a:schemeClr>
-                </a:solidFill>
-                <a:effectLst/>
-                <a:latin typeface="+mj-lt"/>
-                <a:ea typeface="+mj-ea"/>
-                <a:cs typeface="+mj-cs"/>
-              </a:rPr>
-              <a:t>Deliverable &amp; Results (2)</a:t>
-            </a:r>
-            <a:endParaRPr lang="en-US" sz="2800" dirty="0"/>
-          </a:p>
-        </p:txBody>
-      </p:sp>
-      <p:sp>
-        <p:nvSpPr>
-          <p:cNvPr id="3" name="Content Placeholder 2">
-            <a:extLst>
-              <a:ext uri="{FF2B5EF4-FFF2-40B4-BE49-F238E27FC236}">
-                <a16:creationId xmlns:a16="http://schemas.microsoft.com/office/drawing/2014/main" id="{044B4F6E-A639-47F4-91A5-68807265D618}"/>
-              </a:ext>
-            </a:extLst>
-          </p:cNvPr>
-          <p:cNvSpPr>
-            <a:spLocks noGrp="1"/>
-          </p:cNvSpPr>
-          <p:nvPr>
-            <p:ph idx="1"/>
-          </p:nvPr>
-        </p:nvSpPr>
-        <p:spPr>
-          <a:xfrm>
-            <a:off x="2589211" y="1451113"/>
-            <a:ext cx="9079327" cy="5068957"/>
-          </a:xfrm>
-        </p:spPr>
-        <p:txBody>
-          <a:bodyPr/>
-          <a:lstStyle/>
-          <a:p>
-            <a:endParaRPr lang="en-US" dirty="0"/>
-          </a:p>
-        </p:txBody>
-      </p:sp>
-    </p:spTree>
-    <p:extLst>
-      <p:ext uri="{BB962C8B-B14F-4D97-AF65-F5344CB8AC3E}">
-        <p14:creationId xmlns:p14="http://schemas.microsoft.com/office/powerpoint/2010/main" val="821675052"/>
-      </p:ext>
-    </p:extLst>
-  </p:cSld>
-  <p:clrMapOvr>
-    <a:masterClrMapping/>
-  </p:clrMapOvr>
-</p:sld>
-</file>
-
-<file path=ppt/slides/slide16.xml><?xml version="1.0" encoding="utf-8"?>
-<p:sld xmlns:a="http://schemas.openxmlformats.org/drawingml/2006/main" xmlns:r="http://schemas.openxmlformats.org/officeDocument/2006/relationships" xmlns:p="http://schemas.openxmlformats.org/presentationml/2006/main">
-  <p:cSld>
-    <p:spTree>
-      <p:nvGrpSpPr>
-        <p:cNvPr id="1" name=""/>
-        <p:cNvGrpSpPr/>
-        <p:nvPr/>
-      </p:nvGrpSpPr>
-      <p:grpSpPr>
-        <a:xfrm>
-          <a:off x="0" y="0"/>
-          <a:ext cx="0" cy="0"/>
-          <a:chOff x="0" y="0"/>
-          <a:chExt cx="0" cy="0"/>
-        </a:xfrm>
-      </p:grpSpPr>
-      <p:sp>
-        <p:nvSpPr>
-          <p:cNvPr id="2" name="Title 1">
-            <a:extLst>
-              <a:ext uri="{FF2B5EF4-FFF2-40B4-BE49-F238E27FC236}">
-                <a16:creationId xmlns:a16="http://schemas.microsoft.com/office/drawing/2014/main" id="{9C5E42EE-EA5D-4203-B1EC-B96B68D2A8EA}"/>
-              </a:ext>
-            </a:extLst>
-          </p:cNvPr>
-          <p:cNvSpPr>
-            <a:spLocks noGrp="1"/>
-          </p:cNvSpPr>
-          <p:nvPr>
-            <p:ph type="title"/>
-          </p:nvPr>
-        </p:nvSpPr>
-        <p:spPr/>
-        <p:txBody>
-          <a:bodyPr>
-            <a:normAutofit/>
-          </a:bodyPr>
-          <a:lstStyle/>
-          <a:p>
-            <a:pPr rtl="0" eaLnBrk="1" latinLnBrk="0" hangingPunct="1"/>
-            <a:r>
-              <a:rPr lang="en-US" sz="3600" b="0" i="0" kern="1200" baseline="0" dirty="0">
-                <a:solidFill>
-                  <a:schemeClr val="tx1">
-                    <a:lumMod val="85000"/>
-                    <a:lumOff val="15000"/>
-                  </a:schemeClr>
-                </a:solidFill>
-                <a:effectLst/>
-                <a:latin typeface="+mj-lt"/>
-                <a:ea typeface="+mj-ea"/>
-                <a:cs typeface="+mj-cs"/>
-              </a:rPr>
-              <a:t>Learnings &amp; Growths</a:t>
-            </a:r>
-            <a:endParaRPr lang="en-US" sz="4400" dirty="0">
-              <a:effectLst/>
-            </a:endParaRPr>
-          </a:p>
-        </p:txBody>
-      </p:sp>
-      <p:sp>
-        <p:nvSpPr>
-          <p:cNvPr id="3" name="Content Placeholder 2">
-            <a:extLst>
-              <a:ext uri="{FF2B5EF4-FFF2-40B4-BE49-F238E27FC236}">
-                <a16:creationId xmlns:a16="http://schemas.microsoft.com/office/drawing/2014/main" id="{044B4F6E-A639-47F4-91A5-68807265D618}"/>
-              </a:ext>
-            </a:extLst>
-          </p:cNvPr>
-          <p:cNvSpPr>
-            <a:spLocks noGrp="1"/>
-          </p:cNvSpPr>
-          <p:nvPr>
-            <p:ph idx="1"/>
-          </p:nvPr>
-        </p:nvSpPr>
-        <p:spPr>
-          <a:xfrm>
-            <a:off x="2589211" y="1451113"/>
-            <a:ext cx="9079327" cy="5068957"/>
-          </a:xfrm>
-        </p:spPr>
-        <p:txBody>
-          <a:bodyPr/>
-          <a:lstStyle/>
-          <a:p>
-            <a:endParaRPr lang="en-US" dirty="0"/>
-          </a:p>
-        </p:txBody>
-      </p:sp>
-    </p:spTree>
-    <p:extLst>
-      <p:ext uri="{BB962C8B-B14F-4D97-AF65-F5344CB8AC3E}">
-        <p14:creationId xmlns:p14="http://schemas.microsoft.com/office/powerpoint/2010/main" val="3042754836"/>
-      </p:ext>
-    </p:extLst>
-  </p:cSld>
-  <p:clrMapOvr>
-    <a:masterClrMapping/>
-  </p:clrMapOvr>
-</p:sld>
-</file>
-
-<file path=ppt/slides/slide17.xml><?xml version="1.0" encoding="utf-8"?>
-<p:sld xmlns:a="http://schemas.openxmlformats.org/drawingml/2006/main" xmlns:r="http://schemas.openxmlformats.org/officeDocument/2006/relationships" xmlns:p="http://schemas.openxmlformats.org/presentationml/2006/main">
-  <p:cSld>
-    <p:spTree>
-      <p:nvGrpSpPr>
-        <p:cNvPr id="1" name=""/>
-        <p:cNvGrpSpPr/>
-        <p:nvPr/>
-      </p:nvGrpSpPr>
-      <p:grpSpPr>
-        <a:xfrm>
-          <a:off x="0" y="0"/>
-          <a:ext cx="0" cy="0"/>
-          <a:chOff x="0" y="0"/>
-          <a:chExt cx="0" cy="0"/>
-        </a:xfrm>
-      </p:grpSpPr>
-      <p:sp>
-        <p:nvSpPr>
-          <p:cNvPr id="2" name="Title 1">
-            <a:extLst>
-              <a:ext uri="{FF2B5EF4-FFF2-40B4-BE49-F238E27FC236}">
-                <a16:creationId xmlns:a16="http://schemas.microsoft.com/office/drawing/2014/main" id="{9C5E42EE-EA5D-4203-B1EC-B96B68D2A8EA}"/>
-              </a:ext>
-            </a:extLst>
-          </p:cNvPr>
-          <p:cNvSpPr>
-            <a:spLocks noGrp="1"/>
-          </p:cNvSpPr>
-          <p:nvPr>
-            <p:ph type="title"/>
-          </p:nvPr>
-        </p:nvSpPr>
-        <p:spPr/>
-        <p:txBody>
-          <a:bodyPr>
-            <a:normAutofit/>
-          </a:bodyPr>
-          <a:lstStyle/>
-          <a:p>
-            <a:pPr rtl="0" eaLnBrk="1" latinLnBrk="0" hangingPunct="1"/>
-            <a:r>
-              <a:rPr lang="en-US" sz="3600" b="0" i="0" kern="1200" baseline="0" dirty="0">
-                <a:solidFill>
-                  <a:schemeClr val="tx1">
-                    <a:lumMod val="85000"/>
-                    <a:lumOff val="15000"/>
-                  </a:schemeClr>
-                </a:solidFill>
-                <a:effectLst/>
-                <a:latin typeface="+mj-lt"/>
-                <a:ea typeface="+mj-ea"/>
-                <a:cs typeface="+mj-cs"/>
-              </a:rPr>
-              <a:t>Outcomes</a:t>
-            </a:r>
-            <a:endParaRPr lang="en-US" sz="4400" dirty="0">
-              <a:effectLst/>
-            </a:endParaRPr>
-          </a:p>
-        </p:txBody>
-      </p:sp>
-      <p:sp>
-        <p:nvSpPr>
-          <p:cNvPr id="3" name="Content Placeholder 2">
-            <a:extLst>
-              <a:ext uri="{FF2B5EF4-FFF2-40B4-BE49-F238E27FC236}">
-                <a16:creationId xmlns:a16="http://schemas.microsoft.com/office/drawing/2014/main" id="{044B4F6E-A639-47F4-91A5-68807265D618}"/>
-              </a:ext>
-            </a:extLst>
-          </p:cNvPr>
-          <p:cNvSpPr>
-            <a:spLocks noGrp="1"/>
-          </p:cNvSpPr>
-          <p:nvPr>
-            <p:ph idx="1"/>
-          </p:nvPr>
-        </p:nvSpPr>
-        <p:spPr>
-          <a:xfrm>
-            <a:off x="2589211" y="1451113"/>
-            <a:ext cx="9079327" cy="5068957"/>
-          </a:xfrm>
-        </p:spPr>
-        <p:txBody>
-          <a:bodyPr/>
-          <a:lstStyle/>
-          <a:p>
-            <a:endParaRPr lang="en-US" dirty="0"/>
-          </a:p>
-        </p:txBody>
-      </p:sp>
-    </p:spTree>
-    <p:extLst>
-      <p:ext uri="{BB962C8B-B14F-4D97-AF65-F5344CB8AC3E}">
-        <p14:creationId xmlns:p14="http://schemas.microsoft.com/office/powerpoint/2010/main" val="2229688103"/>
-      </p:ext>
-    </p:extLst>
-  </p:cSld>
-  <p:clrMapOvr>
-    <a:masterClrMapping/>
-  </p:clrMapOvr>
-</p:sld>
-</file>
-
-<file path=ppt/slides/slide18.xml><?xml version="1.0" encoding="utf-8"?>
-<p:sld xmlns:a="http://schemas.openxmlformats.org/drawingml/2006/main" xmlns:r="http://schemas.openxmlformats.org/officeDocument/2006/relationships" xmlns:p="http://schemas.openxmlformats.org/presentationml/2006/main">
-  <p:cSld>
-    <p:spTree>
-      <p:nvGrpSpPr>
-        <p:cNvPr id="1" name=""/>
-        <p:cNvGrpSpPr/>
-        <p:nvPr/>
-      </p:nvGrpSpPr>
-      <p:grpSpPr>
-        <a:xfrm>
-          <a:off x="0" y="0"/>
-          <a:ext cx="0" cy="0"/>
-          <a:chOff x="0" y="0"/>
-          <a:chExt cx="0" cy="0"/>
-        </a:xfrm>
-      </p:grpSpPr>
-      <p:sp>
-        <p:nvSpPr>
-          <p:cNvPr id="2" name="Title 1">
-            <a:extLst>
-              <a:ext uri="{FF2B5EF4-FFF2-40B4-BE49-F238E27FC236}">
-                <a16:creationId xmlns:a16="http://schemas.microsoft.com/office/drawing/2014/main" id="{9C5E42EE-EA5D-4203-B1EC-B96B68D2A8EA}"/>
-              </a:ext>
-            </a:extLst>
-          </p:cNvPr>
-          <p:cNvSpPr>
-            <a:spLocks noGrp="1"/>
-          </p:cNvSpPr>
-          <p:nvPr>
-            <p:ph type="title"/>
-          </p:nvPr>
-        </p:nvSpPr>
-        <p:spPr/>
-        <p:txBody>
-          <a:bodyPr>
-            <a:normAutofit/>
-          </a:bodyPr>
-          <a:lstStyle/>
-          <a:p>
-            <a:pPr rtl="0" eaLnBrk="1" latinLnBrk="0" hangingPunct="1"/>
-            <a:r>
-              <a:rPr lang="en-US" sz="3600" b="0" i="0" kern="1200" baseline="0" dirty="0">
-                <a:solidFill>
-                  <a:schemeClr val="tx1">
-                    <a:lumMod val="85000"/>
-                    <a:lumOff val="15000"/>
-                  </a:schemeClr>
-                </a:solidFill>
-                <a:effectLst/>
-                <a:latin typeface="+mj-lt"/>
-                <a:ea typeface="+mj-ea"/>
-                <a:cs typeface="+mj-cs"/>
-              </a:rPr>
-              <a:t>Procedure</a:t>
-            </a:r>
-            <a:endParaRPr lang="en-US" sz="4400" dirty="0">
-              <a:effectLst/>
-            </a:endParaRPr>
-          </a:p>
-        </p:txBody>
-      </p:sp>
-      <p:sp>
-        <p:nvSpPr>
-          <p:cNvPr id="3" name="Content Placeholder 2">
-            <a:extLst>
-              <a:ext uri="{FF2B5EF4-FFF2-40B4-BE49-F238E27FC236}">
-                <a16:creationId xmlns:a16="http://schemas.microsoft.com/office/drawing/2014/main" id="{044B4F6E-A639-47F4-91A5-68807265D618}"/>
-              </a:ext>
-            </a:extLst>
-          </p:cNvPr>
-          <p:cNvSpPr>
-            <a:spLocks noGrp="1"/>
-          </p:cNvSpPr>
-          <p:nvPr>
-            <p:ph idx="1"/>
-          </p:nvPr>
-        </p:nvSpPr>
-        <p:spPr>
-          <a:xfrm>
-            <a:off x="2589211" y="1451113"/>
-            <a:ext cx="9079327" cy="5068957"/>
-          </a:xfrm>
-        </p:spPr>
-        <p:txBody>
-          <a:bodyPr/>
-          <a:lstStyle/>
-          <a:p>
-            <a:endParaRPr lang="en-US" dirty="0"/>
-          </a:p>
-        </p:txBody>
-      </p:sp>
-    </p:spTree>
-    <p:extLst>
-      <p:ext uri="{BB962C8B-B14F-4D97-AF65-F5344CB8AC3E}">
-        <p14:creationId xmlns:p14="http://schemas.microsoft.com/office/powerpoint/2010/main" val="3600086102"/>
-      </p:ext>
-    </p:extLst>
-  </p:cSld>
-  <p:clrMapOvr>
-    <a:masterClrMapping/>
-  </p:clrMapOvr>
-</p:sld>
-</file>
-
-<file path=ppt/slides/slide19.xml><?xml version="1.0" encoding="utf-8"?>
-<p:sld xmlns:a="http://schemas.openxmlformats.org/drawingml/2006/main" xmlns:r="http://schemas.openxmlformats.org/officeDocument/2006/relationships" xmlns:p="http://schemas.openxmlformats.org/presentationml/2006/main">
-  <p:cSld>
-    <p:spTree>
-      <p:nvGrpSpPr>
-        <p:cNvPr id="1" name=""/>
-        <p:cNvGrpSpPr/>
-        <p:nvPr/>
-      </p:nvGrpSpPr>
-      <p:grpSpPr>
-        <a:xfrm>
-          <a:off x="0" y="0"/>
-          <a:ext cx="0" cy="0"/>
-          <a:chOff x="0" y="0"/>
-          <a:chExt cx="0" cy="0"/>
-        </a:xfrm>
-      </p:grpSpPr>
-      <p:sp>
-        <p:nvSpPr>
-          <p:cNvPr id="2" name="Title 1">
-            <a:extLst>
-              <a:ext uri="{FF2B5EF4-FFF2-40B4-BE49-F238E27FC236}">
-                <a16:creationId xmlns:a16="http://schemas.microsoft.com/office/drawing/2014/main" id="{9C5E42EE-EA5D-4203-B1EC-B96B68D2A8EA}"/>
-              </a:ext>
-            </a:extLst>
-          </p:cNvPr>
-          <p:cNvSpPr>
-            <a:spLocks noGrp="1"/>
-          </p:cNvSpPr>
-          <p:nvPr>
-            <p:ph type="title"/>
-          </p:nvPr>
-        </p:nvSpPr>
-        <p:spPr/>
-        <p:txBody>
-          <a:bodyPr>
-            <a:normAutofit/>
-          </a:bodyPr>
-          <a:lstStyle/>
-          <a:p>
-            <a:pPr rtl="0" eaLnBrk="1" latinLnBrk="0" hangingPunct="1"/>
-            <a:r>
-              <a:rPr lang="en-US" sz="3600" b="0" i="0" kern="1200" baseline="0" dirty="0">
-                <a:solidFill>
-                  <a:schemeClr val="tx1">
-                    <a:lumMod val="85000"/>
-                    <a:lumOff val="15000"/>
-                  </a:schemeClr>
-                </a:solidFill>
-                <a:effectLst/>
-                <a:latin typeface="+mj-lt"/>
-                <a:ea typeface="+mj-ea"/>
-                <a:cs typeface="+mj-cs"/>
-              </a:rPr>
-              <a:t>Pivotal Value Statement </a:t>
-            </a:r>
-            <a:endParaRPr lang="en-US" sz="4400" dirty="0">
-              <a:effectLst/>
-            </a:endParaRPr>
-          </a:p>
-        </p:txBody>
-      </p:sp>
-      <p:sp>
-        <p:nvSpPr>
-          <p:cNvPr id="3" name="Content Placeholder 2">
-            <a:extLst>
-              <a:ext uri="{FF2B5EF4-FFF2-40B4-BE49-F238E27FC236}">
-                <a16:creationId xmlns:a16="http://schemas.microsoft.com/office/drawing/2014/main" id="{044B4F6E-A639-47F4-91A5-68807265D618}"/>
-              </a:ext>
-            </a:extLst>
-          </p:cNvPr>
-          <p:cNvSpPr>
-            <a:spLocks noGrp="1"/>
-          </p:cNvSpPr>
-          <p:nvPr>
-            <p:ph idx="1"/>
-          </p:nvPr>
-        </p:nvSpPr>
-        <p:spPr>
-          <a:xfrm>
-            <a:off x="2589211" y="1451113"/>
-            <a:ext cx="9079327" cy="5068957"/>
-          </a:xfrm>
-        </p:spPr>
-        <p:txBody>
-          <a:bodyPr/>
-          <a:lstStyle/>
-          <a:p>
-            <a:endParaRPr lang="en-US" dirty="0"/>
-          </a:p>
-        </p:txBody>
-      </p:sp>
-    </p:spTree>
-    <p:extLst>
-      <p:ext uri="{BB962C8B-B14F-4D97-AF65-F5344CB8AC3E}">
-        <p14:creationId xmlns:p14="http://schemas.microsoft.com/office/powerpoint/2010/main" val="3071141420"/>
-      </p:ext>
-    </p:extLst>
-  </p:cSld>
-  <p:clrMapOvr>
-    <a:masterClrMapping/>
-  </p:clrMapOvr>
-</p:sld>
-</file>
-
-<file path=ppt/slides/slide2.xml><?xml version="1.0" encoding="utf-8"?>
-<p:sld xmlns:a="http://schemas.openxmlformats.org/drawingml/2006/main" xmlns:r="http://schemas.openxmlformats.org/officeDocument/2006/relationships" xmlns:p="http://schemas.openxmlformats.org/presentationml/2006/main">
-  <p:cSld>
-    <p:spTree>
-      <p:nvGrpSpPr>
-        <p:cNvPr id="1" name=""/>
-        <p:cNvGrpSpPr/>
-        <p:nvPr/>
-      </p:nvGrpSpPr>
-      <p:grpSpPr>
-        <a:xfrm>
-          <a:off x="0" y="0"/>
-          <a:ext cx="0" cy="0"/>
-          <a:chOff x="0" y="0"/>
-          <a:chExt cx="0" cy="0"/>
-        </a:xfrm>
-      </p:grpSpPr>
-      <p:sp>
-        <p:nvSpPr>
-          <p:cNvPr id="2" name="Title 1">
-            <a:extLst>
-              <a:ext uri="{FF2B5EF4-FFF2-40B4-BE49-F238E27FC236}">
-                <a16:creationId xmlns:a16="http://schemas.microsoft.com/office/drawing/2014/main" id="{9C5E42EE-EA5D-4203-B1EC-B96B68D2A8EA}"/>
-              </a:ext>
-            </a:extLst>
-          </p:cNvPr>
-          <p:cNvSpPr>
-            <a:spLocks noGrp="1"/>
-          </p:cNvSpPr>
-          <p:nvPr>
-            <p:ph type="title"/>
-          </p:nvPr>
-        </p:nvSpPr>
-        <p:spPr/>
-        <p:txBody>
-          <a:bodyPr>
-            <a:normAutofit/>
-          </a:bodyPr>
-          <a:lstStyle/>
-          <a:p>
-            <a:r>
-              <a:rPr lang="en-US" b="0" i="0" u="none" strike="noStrike" kern="1200" baseline="0" dirty="0">
-                <a:solidFill>
-                  <a:schemeClr val="tx1"/>
-                </a:solidFill>
-                <a:latin typeface="+mj-lt"/>
-                <a:ea typeface="+mj-ea"/>
-                <a:cs typeface="+mj-cs"/>
-              </a:rPr>
-              <a:t>Customer Request</a:t>
-            </a:r>
-            <a:endParaRPr lang="en-US" dirty="0"/>
-          </a:p>
-        </p:txBody>
-      </p:sp>
-      <p:sp>
-        <p:nvSpPr>
-          <p:cNvPr id="3" name="Content Placeholder 2">
-            <a:extLst>
-              <a:ext uri="{FF2B5EF4-FFF2-40B4-BE49-F238E27FC236}">
-                <a16:creationId xmlns:a16="http://schemas.microsoft.com/office/drawing/2014/main" id="{044B4F6E-A639-47F4-91A5-68807265D618}"/>
-              </a:ext>
-            </a:extLst>
-          </p:cNvPr>
-          <p:cNvSpPr>
-            <a:spLocks noGrp="1"/>
-          </p:cNvSpPr>
-          <p:nvPr>
-            <p:ph idx="1"/>
-          </p:nvPr>
-        </p:nvSpPr>
-        <p:spPr>
-          <a:xfrm>
-            <a:off x="2589211" y="1451113"/>
-            <a:ext cx="9079327" cy="5068957"/>
-          </a:xfrm>
-        </p:spPr>
-        <p:txBody>
-          <a:bodyPr/>
-          <a:lstStyle/>
-          <a:p>
-            <a:r>
-              <a:rPr lang="en-US" dirty="0"/>
-              <a:t>Novel embedded device work with esteemed peer</a:t>
-            </a:r>
-          </a:p>
-          <a:p>
-            <a:pPr lvl="1"/>
-            <a:r>
-              <a:rPr lang="en-US" dirty="0"/>
-              <a:t>DTECTS for Ergsense</a:t>
-            </a:r>
-          </a:p>
-          <a:p>
-            <a:pPr marL="457200" lvl="1" indent="0">
-              <a:buNone/>
-            </a:pPr>
-            <a:endParaRPr lang="en-US" dirty="0"/>
-          </a:p>
-          <a:p>
-            <a:r>
-              <a:rPr lang="en-US" dirty="0"/>
-              <a:t>Stabilization &amp; path forward</a:t>
-            </a:r>
-          </a:p>
-          <a:p>
-            <a:pPr lvl="1"/>
-            <a:r>
-              <a:rPr lang="en-US" dirty="0"/>
-              <a:t>Firmware Architecture &amp; Path to Market</a:t>
-            </a:r>
-          </a:p>
-          <a:p>
-            <a:pPr lvl="1"/>
-            <a:r>
-              <a:rPr lang="en-US" dirty="0"/>
-              <a:t>Board Revisions</a:t>
-            </a:r>
-          </a:p>
-          <a:p>
-            <a:pPr lvl="1"/>
-            <a:r>
-              <a:rPr lang="en-US" dirty="0"/>
-              <a:t>Feature Integration &amp; Design Simplification</a:t>
-            </a:r>
-          </a:p>
-          <a:p>
-            <a:pPr marL="457200" lvl="1" indent="0">
-              <a:buNone/>
-            </a:pPr>
-            <a:endParaRPr lang="en-US" dirty="0"/>
-          </a:p>
-          <a:p>
-            <a:r>
-              <a:rPr lang="en-US" dirty="0"/>
-              <a:t>Shared</a:t>
-            </a:r>
-          </a:p>
-          <a:p>
-            <a:pPr lvl="1"/>
-            <a:r>
-              <a:rPr lang="en-US" dirty="0"/>
-              <a:t>Contract Identified</a:t>
-            </a:r>
-          </a:p>
-          <a:p>
-            <a:pPr lvl="1"/>
-            <a:r>
-              <a:rPr lang="en-US" dirty="0"/>
-              <a:t>Work Selection</a:t>
-            </a:r>
-          </a:p>
-        </p:txBody>
-      </p:sp>
-    </p:spTree>
-    <p:extLst>
-      <p:ext uri="{BB962C8B-B14F-4D97-AF65-F5344CB8AC3E}">
-        <p14:creationId xmlns:p14="http://schemas.microsoft.com/office/powerpoint/2010/main" val="536683639"/>
-      </p:ext>
-    </p:extLst>
-  </p:cSld>
-  <p:clrMapOvr>
-    <a:masterClrMapping/>
-  </p:clrMapOvr>
-</p:sld>
-</file>
-
-<file path=ppt/slides/slide20.xml><?xml version="1.0" encoding="utf-8"?>
-<p:sld xmlns:a="http://schemas.openxmlformats.org/drawingml/2006/main" xmlns:r="http://schemas.openxmlformats.org/officeDocument/2006/relationships" xmlns:p="http://schemas.openxmlformats.org/presentationml/2006/main">
-  <p:cSld>
-    <p:spTree>
-      <p:nvGrpSpPr>
-        <p:cNvPr id="1" name=""/>
-        <p:cNvGrpSpPr/>
-        <p:nvPr/>
-      </p:nvGrpSpPr>
-      <p:grpSpPr>
-        <a:xfrm>
-          <a:off x="0" y="0"/>
-          <a:ext cx="0" cy="0"/>
-          <a:chOff x="0" y="0"/>
-          <a:chExt cx="0" cy="0"/>
-        </a:xfrm>
-      </p:grpSpPr>
-      <p:sp>
-        <p:nvSpPr>
-          <p:cNvPr id="2" name="Title 1">
-            <a:extLst>
-              <a:ext uri="{FF2B5EF4-FFF2-40B4-BE49-F238E27FC236}">
-                <a16:creationId xmlns:a16="http://schemas.microsoft.com/office/drawing/2014/main" id="{9C5E42EE-EA5D-4203-B1EC-B96B68D2A8EA}"/>
-              </a:ext>
-            </a:extLst>
-          </p:cNvPr>
-          <p:cNvSpPr>
-            <a:spLocks noGrp="1"/>
-          </p:cNvSpPr>
-          <p:nvPr>
-            <p:ph type="title"/>
-          </p:nvPr>
-        </p:nvSpPr>
-        <p:spPr/>
-        <p:txBody>
-          <a:bodyPr>
-            <a:normAutofit/>
-          </a:bodyPr>
-          <a:lstStyle/>
-          <a:p>
-            <a:pPr marL="0" marR="0" lvl="0" indent="0" algn="l" defTabSz="457200" rtl="0" eaLnBrk="1" fontAlgn="auto" latinLnBrk="0" hangingPunct="1">
-              <a:lnSpc>
-                <a:spcPct val="100000"/>
-              </a:lnSpc>
-              <a:spcBef>
-                <a:spcPct val="0"/>
-              </a:spcBef>
-              <a:spcAft>
-                <a:spcPts val="0"/>
-              </a:spcAft>
-              <a:buClrTx/>
-              <a:buSzTx/>
-              <a:buFontTx/>
-              <a:buNone/>
-              <a:tabLst/>
-              <a:defRPr/>
-            </a:pPr>
-            <a:r>
-              <a:rPr lang="en-US" sz="3600" kern="1200" dirty="0">
-                <a:solidFill>
-                  <a:schemeClr val="tx1">
-                    <a:lumMod val="85000"/>
-                    <a:lumOff val="15000"/>
-                  </a:schemeClr>
-                </a:solidFill>
-                <a:effectLst/>
-                <a:latin typeface="+mj-lt"/>
-                <a:ea typeface="+mj-ea"/>
-                <a:cs typeface="+mj-cs"/>
-              </a:rPr>
-              <a:t>_Notes_</a:t>
-            </a:r>
-            <a:endParaRPr lang="en-US" dirty="0">
-              <a:effectLst/>
-            </a:endParaRPr>
-          </a:p>
-        </p:txBody>
-      </p:sp>
-      <p:sp>
-        <p:nvSpPr>
-          <p:cNvPr id="3" name="Content Placeholder 2">
-            <a:extLst>
-              <a:ext uri="{FF2B5EF4-FFF2-40B4-BE49-F238E27FC236}">
-                <a16:creationId xmlns:a16="http://schemas.microsoft.com/office/drawing/2014/main" id="{044B4F6E-A639-47F4-91A5-68807265D618}"/>
-              </a:ext>
-            </a:extLst>
-          </p:cNvPr>
-          <p:cNvSpPr>
-            <a:spLocks noGrp="1"/>
-          </p:cNvSpPr>
-          <p:nvPr>
-            <p:ph idx="1"/>
-          </p:nvPr>
-        </p:nvSpPr>
-        <p:spPr>
-          <a:xfrm>
-            <a:off x="2589211" y="1451113"/>
-            <a:ext cx="9079327" cy="5068957"/>
-          </a:xfrm>
-        </p:spPr>
-        <p:txBody>
-          <a:bodyPr/>
-          <a:lstStyle/>
-          <a:p>
-            <a:r>
-              <a:rPr lang="en-US" dirty="0"/>
-              <a:t>[1] </a:t>
-            </a:r>
-            <a:r>
-              <a:rPr lang="en-US" dirty="0">
-                <a:hlinkClick r:id="rId3"/>
-              </a:rPr>
-              <a:t>Feather - A complete line of development boards from Adafruit that are both standalone and stackable</a:t>
-            </a:r>
-            <a:endParaRPr lang="en-US" dirty="0"/>
-          </a:p>
-        </p:txBody>
-      </p:sp>
-    </p:spTree>
-    <p:extLst>
-      <p:ext uri="{BB962C8B-B14F-4D97-AF65-F5344CB8AC3E}">
-        <p14:creationId xmlns:p14="http://schemas.microsoft.com/office/powerpoint/2010/main" val="3976643547"/>
-      </p:ext>
-    </p:extLst>
-  </p:cSld>
-  <p:clrMapOvr>
-    <a:masterClrMapping/>
-  </p:clrMapOvr>
-</p:sld>
-</file>
-
-<file path=ppt/slides/slide3.xml><?xml version="1.0" encoding="utf-8"?>
-<p:sld xmlns:a="http://schemas.openxmlformats.org/drawingml/2006/main" xmlns:r="http://schemas.openxmlformats.org/officeDocument/2006/relationships" xmlns:p="http://schemas.openxmlformats.org/presentationml/2006/main">
-  <p:cSld>
-    <p:spTree>
-      <p:nvGrpSpPr>
-        <p:cNvPr id="1" name=""/>
-        <p:cNvGrpSpPr/>
-        <p:nvPr/>
-      </p:nvGrpSpPr>
-      <p:grpSpPr>
-        <a:xfrm>
-          <a:off x="0" y="0"/>
-          <a:ext cx="0" cy="0"/>
-          <a:chOff x="0" y="0"/>
-          <a:chExt cx="0" cy="0"/>
-        </a:xfrm>
-      </p:grpSpPr>
-      <p:sp>
-        <p:nvSpPr>
-          <p:cNvPr id="2" name="Title 1">
-            <a:extLst>
-              <a:ext uri="{FF2B5EF4-FFF2-40B4-BE49-F238E27FC236}">
-                <a16:creationId xmlns:a16="http://schemas.microsoft.com/office/drawing/2014/main" id="{9C5E42EE-EA5D-4203-B1EC-B96B68D2A8EA}"/>
-              </a:ext>
-            </a:extLst>
-          </p:cNvPr>
-          <p:cNvSpPr>
-            <a:spLocks noGrp="1"/>
-          </p:cNvSpPr>
-          <p:nvPr>
-            <p:ph type="title"/>
-          </p:nvPr>
-        </p:nvSpPr>
-        <p:spPr/>
-        <p:txBody>
-          <a:bodyPr>
-            <a:normAutofit/>
-          </a:bodyPr>
-          <a:lstStyle/>
-          <a:p>
-            <a:r>
-              <a:rPr lang="en-US" kern="1200" dirty="0">
-                <a:solidFill>
-                  <a:schemeClr val="tx1">
-                    <a:lumMod val="85000"/>
-                    <a:lumOff val="15000"/>
-                  </a:schemeClr>
-                </a:solidFill>
-                <a:effectLst/>
-                <a:latin typeface="+mj-lt"/>
-                <a:ea typeface="+mj-ea"/>
-                <a:cs typeface="+mj-cs"/>
-              </a:rPr>
-              <a:t>Feather Opportunities</a:t>
-            </a:r>
-            <a:endParaRPr lang="en-US" dirty="0"/>
-          </a:p>
-        </p:txBody>
-      </p:sp>
-      <p:sp>
-        <p:nvSpPr>
-          <p:cNvPr id="3" name="Content Placeholder 2">
-            <a:extLst>
-              <a:ext uri="{FF2B5EF4-FFF2-40B4-BE49-F238E27FC236}">
-                <a16:creationId xmlns:a16="http://schemas.microsoft.com/office/drawing/2014/main" id="{044B4F6E-A639-47F4-91A5-68807265D618}"/>
-              </a:ext>
-            </a:extLst>
-          </p:cNvPr>
-          <p:cNvSpPr>
-            <a:spLocks noGrp="1"/>
-          </p:cNvSpPr>
-          <p:nvPr>
-            <p:ph idx="1"/>
-          </p:nvPr>
-        </p:nvSpPr>
-        <p:spPr>
-          <a:xfrm>
-            <a:off x="2589211" y="1451113"/>
-            <a:ext cx="9079327" cy="5068957"/>
-          </a:xfrm>
-        </p:spPr>
-        <p:txBody>
-          <a:bodyPr/>
-          <a:lstStyle/>
-          <a:p>
-            <a:r>
-              <a:rPr lang="en-US" dirty="0"/>
-              <a:t>Cross-compatible platform spanning several vendors, use cases &amp; solutions</a:t>
-            </a:r>
-          </a:p>
-          <a:p>
-            <a:pPr lvl="1"/>
-            <a:r>
-              <a:rPr lang="en-US" dirty="0"/>
-              <a:t>Picture of Hats or Feather options</a:t>
-            </a:r>
-          </a:p>
-          <a:p>
-            <a:pPr lvl="1"/>
-            <a:r>
-              <a:rPr lang="en-US" dirty="0"/>
-              <a:t>What feature or family do you need, they’ve got it w/example</a:t>
-            </a:r>
-          </a:p>
-          <a:p>
-            <a:r>
-              <a:rPr lang="en-US" dirty="0"/>
-              <a:t>A leading expression platform at present</a:t>
-            </a:r>
-          </a:p>
-          <a:p>
-            <a:pPr lvl="1"/>
-            <a:r>
-              <a:rPr lang="en-US" dirty="0"/>
-              <a:t>Enables idea generation and investigation by large audience</a:t>
-            </a:r>
-          </a:p>
-          <a:p>
-            <a:pPr lvl="1"/>
-            <a:r>
-              <a:rPr lang="en-US" dirty="0"/>
-              <a:t>Like the DTECTS platform with Ergsense, enabling real-time monitoring of electrical motors</a:t>
-            </a:r>
-          </a:p>
-          <a:p>
-            <a:pPr lvl="1"/>
-            <a:r>
-              <a:rPr lang="en-US" dirty="0"/>
-              <a:t>With academic physics experimentation, chemistry monitoring or computer science embedded user interfaces for example</a:t>
-            </a:r>
-          </a:p>
-          <a:p>
-            <a:pPr lvl="1"/>
-            <a:r>
-              <a:rPr lang="en-US" dirty="0"/>
-              <a:t>In industry with PoC examination &amp; formulation (e.g. grain moisture detection)</a:t>
-            </a:r>
-          </a:p>
-          <a:p>
-            <a:r>
-              <a:rPr lang="en-US" dirty="0"/>
-              <a:t>This platform genre is maturing</a:t>
-            </a:r>
-          </a:p>
-          <a:p>
-            <a:pPr lvl="1"/>
-            <a:r>
-              <a:rPr lang="en-US" dirty="0"/>
-              <a:t>Integration into later stages of product design &amp; release</a:t>
-            </a:r>
-          </a:p>
-          <a:p>
-            <a:pPr lvl="1"/>
-            <a:r>
-              <a:rPr lang="en-US" dirty="0"/>
-              <a:t>Arduino, Feather, Particle, etc.</a:t>
-            </a:r>
-          </a:p>
-        </p:txBody>
-      </p:sp>
-      <p:sp>
-        <p:nvSpPr>
-          <p:cNvPr id="4" name="TextBox 3">
-            <a:extLst>
-              <a:ext uri="{FF2B5EF4-FFF2-40B4-BE49-F238E27FC236}">
-                <a16:creationId xmlns:a16="http://schemas.microsoft.com/office/drawing/2014/main" id="{790809A5-49C1-4088-8A82-6305D423F75D}"/>
-              </a:ext>
-            </a:extLst>
-          </p:cNvPr>
-          <p:cNvSpPr txBox="1"/>
-          <p:nvPr/>
-        </p:nvSpPr>
-        <p:spPr>
-          <a:xfrm>
-            <a:off x="6448098" y="6117021"/>
-            <a:ext cx="5376042" cy="523220"/>
-          </a:xfrm>
-          <a:prstGeom prst="rect">
-            <a:avLst/>
-          </a:prstGeom>
-          <a:noFill/>
-        </p:spPr>
-        <p:txBody>
-          <a:bodyPr wrap="square" rtlCol="0">
-            <a:spAutoFit/>
-          </a:bodyPr>
-          <a:lstStyle/>
-          <a:p>
-            <a:pPr algn="ctr"/>
-            <a:r>
-              <a:rPr lang="en-US" sz="1400" dirty="0"/>
-              <a:t>"At its core, the Adafruit Feather is a complete ecosystem of products - and the best way to get your project flying” </a:t>
-            </a:r>
-            <a:r>
-              <a:rPr lang="en-US" sz="1400" dirty="0">
-                <a:hlinkClick r:id="rId3"/>
-              </a:rPr>
-              <a:t>[1]</a:t>
-            </a:r>
-            <a:endParaRPr lang="en-US" sz="1400" dirty="0"/>
-          </a:p>
-        </p:txBody>
-      </p:sp>
-    </p:spTree>
-    <p:extLst>
-      <p:ext uri="{BB962C8B-B14F-4D97-AF65-F5344CB8AC3E}">
-        <p14:creationId xmlns:p14="http://schemas.microsoft.com/office/powerpoint/2010/main" val="906578158"/>
-      </p:ext>
-    </p:extLst>
-  </p:cSld>
-  <p:clrMapOvr>
-    <a:masterClrMapping/>
-  </p:clrMapOvr>
-</p:sld>
-</file>
-
-<file path=ppt/slides/slide4.xml><?xml version="1.0" encoding="utf-8"?>
-<p:sld xmlns:a="http://schemas.openxmlformats.org/drawingml/2006/main" xmlns:r="http://schemas.openxmlformats.org/officeDocument/2006/relationships" xmlns:p="http://schemas.openxmlformats.org/presentationml/2006/main">
-  <p:cSld>
-    <p:spTree>
-      <p:nvGrpSpPr>
-        <p:cNvPr id="1" name=""/>
-        <p:cNvGrpSpPr/>
-        <p:nvPr/>
-      </p:nvGrpSpPr>
-      <p:grpSpPr>
-        <a:xfrm>
-          <a:off x="0" y="0"/>
-          <a:ext cx="0" cy="0"/>
-          <a:chOff x="0" y="0"/>
-          <a:chExt cx="0" cy="0"/>
-        </a:xfrm>
-      </p:grpSpPr>
-      <p:sp>
-        <p:nvSpPr>
-          <p:cNvPr id="2" name="Title 1">
-            <a:extLst>
-              <a:ext uri="{FF2B5EF4-FFF2-40B4-BE49-F238E27FC236}">
-                <a16:creationId xmlns:a16="http://schemas.microsoft.com/office/drawing/2014/main" id="{9C5E42EE-EA5D-4203-B1EC-B96B68D2A8EA}"/>
-              </a:ext>
-            </a:extLst>
-          </p:cNvPr>
-          <p:cNvSpPr>
-            <a:spLocks noGrp="1"/>
-          </p:cNvSpPr>
-          <p:nvPr>
-            <p:ph type="title"/>
-          </p:nvPr>
-        </p:nvSpPr>
-        <p:spPr/>
-        <p:txBody>
-          <a:bodyPr>
-            <a:normAutofit/>
-          </a:bodyPr>
-          <a:lstStyle/>
-          <a:p>
-            <a:r>
-              <a:rPr lang="en-US" kern="1200" dirty="0">
-                <a:solidFill>
-                  <a:schemeClr val="tx1">
-                    <a:lumMod val="85000"/>
-                    <a:lumOff val="15000"/>
-                  </a:schemeClr>
-                </a:solidFill>
-                <a:effectLst/>
-                <a:latin typeface="+mj-lt"/>
-                <a:ea typeface="+mj-ea"/>
-                <a:cs typeface="+mj-cs"/>
-              </a:rPr>
-              <a:t>Work Performed</a:t>
-            </a:r>
-            <a:endParaRPr lang="en-US" dirty="0"/>
-          </a:p>
-        </p:txBody>
-      </p:sp>
-      <p:sp>
-        <p:nvSpPr>
-          <p:cNvPr id="3" name="Content Placeholder 2">
-            <a:extLst>
-              <a:ext uri="{FF2B5EF4-FFF2-40B4-BE49-F238E27FC236}">
-                <a16:creationId xmlns:a16="http://schemas.microsoft.com/office/drawing/2014/main" id="{044B4F6E-A639-47F4-91A5-68807265D618}"/>
-              </a:ext>
-            </a:extLst>
-          </p:cNvPr>
-          <p:cNvSpPr>
-            <a:spLocks noGrp="1"/>
-          </p:cNvSpPr>
-          <p:nvPr>
-            <p:ph idx="1"/>
-          </p:nvPr>
-        </p:nvSpPr>
-        <p:spPr>
-          <a:xfrm>
-            <a:off x="2589211" y="1451113"/>
-            <a:ext cx="9079327" cy="5068957"/>
-          </a:xfrm>
-        </p:spPr>
-        <p:txBody>
-          <a:bodyPr/>
-          <a:lstStyle/>
-          <a:p>
-            <a:r>
-              <a:rPr lang="en-US" dirty="0"/>
-              <a:t>Path identification</a:t>
-            </a:r>
-          </a:p>
-          <a:p>
-            <a:pPr lvl="1"/>
-            <a:r>
-              <a:rPr lang="en-US" dirty="0"/>
-              <a:t>Bare-metal investigate</a:t>
-            </a:r>
-          </a:p>
-          <a:p>
-            <a:pPr lvl="1"/>
-            <a:r>
-              <a:rPr lang="en-US" dirty="0"/>
-              <a:t>Standardized design practices?</a:t>
-            </a:r>
-          </a:p>
-          <a:p>
-            <a:pPr marL="457200" lvl="1" indent="0">
-              <a:buNone/>
-            </a:pPr>
-            <a:endParaRPr lang="en-US" dirty="0"/>
-          </a:p>
-          <a:p>
-            <a:r>
-              <a:rPr lang="en-US" dirty="0"/>
-              <a:t>Design Standardization</a:t>
-            </a:r>
-          </a:p>
-          <a:p>
-            <a:pPr lvl="1"/>
-            <a:r>
-              <a:rPr lang="en-US" dirty="0"/>
-              <a:t>Revisioning (multiple repositories)</a:t>
-            </a:r>
-          </a:p>
-          <a:p>
-            <a:pPr lvl="1"/>
-            <a:r>
-              <a:rPr lang="en-US" dirty="0"/>
-              <a:t>Schematics (modularization, consistency)</a:t>
-            </a:r>
-          </a:p>
-          <a:p>
-            <a:pPr lvl="1"/>
-            <a:r>
-              <a:rPr lang="en-US" dirty="0"/>
-              <a:t>Board (features, design flexibility)</a:t>
-            </a:r>
-          </a:p>
-          <a:p>
-            <a:pPr marL="457200" lvl="1" indent="0">
-              <a:buNone/>
-            </a:pPr>
-            <a:endParaRPr lang="en-US" dirty="0"/>
-          </a:p>
-          <a:p>
-            <a:r>
-              <a:rPr lang="en-US" dirty="0"/>
-              <a:t>Secure a Path Forward</a:t>
-            </a:r>
-          </a:p>
-          <a:p>
-            <a:pPr lvl="1"/>
-            <a:r>
-              <a:rPr lang="en-US" dirty="0"/>
-              <a:t>Standardization &amp; Organization</a:t>
-            </a:r>
-          </a:p>
-          <a:p>
-            <a:pPr lvl="1"/>
-            <a:r>
-              <a:rPr lang="en-US" dirty="0"/>
-              <a:t>Clarity of Communications &amp; Media</a:t>
-            </a:r>
-          </a:p>
-          <a:p>
-            <a:pPr lvl="1"/>
-            <a:endParaRPr lang="en-US" dirty="0"/>
-          </a:p>
-        </p:txBody>
-      </p:sp>
-    </p:spTree>
-    <p:extLst>
-      <p:ext uri="{BB962C8B-B14F-4D97-AF65-F5344CB8AC3E}">
-        <p14:creationId xmlns:p14="http://schemas.microsoft.com/office/powerpoint/2010/main" val="512168512"/>
-      </p:ext>
-    </p:extLst>
-  </p:cSld>
-  <p:clrMapOvr>
-    <a:masterClrMapping/>
-  </p:clrMapOvr>
-</p:sld>
-</file>
-
-<file path=ppt/slides/slide5.xml><?xml version="1.0" encoding="utf-8"?>
-<p:sld xmlns:a="http://schemas.openxmlformats.org/drawingml/2006/main" xmlns:r="http://schemas.openxmlformats.org/officeDocument/2006/relationships" xmlns:p="http://schemas.openxmlformats.org/presentationml/2006/main">
-  <p:cSld>
-    <p:spTree>
-      <p:nvGrpSpPr>
-        <p:cNvPr id="1" name=""/>
-        <p:cNvGrpSpPr/>
-        <p:nvPr/>
-      </p:nvGrpSpPr>
-      <p:grpSpPr>
-        <a:xfrm>
-          <a:off x="0" y="0"/>
-          <a:ext cx="0" cy="0"/>
-          <a:chOff x="0" y="0"/>
-          <a:chExt cx="0" cy="0"/>
-        </a:xfrm>
-      </p:grpSpPr>
-      <p:sp>
-        <p:nvSpPr>
-          <p:cNvPr id="2" name="Title 1">
-            <a:extLst>
-              <a:ext uri="{FF2B5EF4-FFF2-40B4-BE49-F238E27FC236}">
-                <a16:creationId xmlns:a16="http://schemas.microsoft.com/office/drawing/2014/main" id="{9C5E42EE-EA5D-4203-B1EC-B96B68D2A8EA}"/>
-              </a:ext>
-            </a:extLst>
-          </p:cNvPr>
-          <p:cNvSpPr>
-            <a:spLocks noGrp="1"/>
-          </p:cNvSpPr>
-          <p:nvPr>
-            <p:ph type="title"/>
-          </p:nvPr>
-        </p:nvSpPr>
-        <p:spPr/>
-        <p:txBody>
-          <a:bodyPr>
-            <a:normAutofit/>
-          </a:bodyPr>
-          <a:lstStyle/>
-          <a:p>
-            <a:pPr rtl="0" eaLnBrk="1" latinLnBrk="0" hangingPunct="1"/>
-            <a:r>
-              <a:rPr lang="en-US" sz="3600" b="0" i="0" kern="1200" baseline="0" dirty="0">
-                <a:solidFill>
-                  <a:schemeClr val="tx1">
-                    <a:lumMod val="85000"/>
-                    <a:lumOff val="15000"/>
-                  </a:schemeClr>
-                </a:solidFill>
-                <a:effectLst/>
-                <a:latin typeface="+mj-lt"/>
-                <a:ea typeface="+mj-ea"/>
-                <a:cs typeface="+mj-cs"/>
-              </a:rPr>
-              <a:t>Design Procedure (2)</a:t>
-            </a:r>
-            <a:endParaRPr lang="en-US" sz="4400" dirty="0">
-              <a:effectLst/>
-            </a:endParaRPr>
-          </a:p>
-        </p:txBody>
-      </p:sp>
-      <p:sp>
-        <p:nvSpPr>
-          <p:cNvPr id="3" name="Content Placeholder 2">
-            <a:extLst>
-              <a:ext uri="{FF2B5EF4-FFF2-40B4-BE49-F238E27FC236}">
-                <a16:creationId xmlns:a16="http://schemas.microsoft.com/office/drawing/2014/main" id="{044B4F6E-A639-47F4-91A5-68807265D618}"/>
-              </a:ext>
-            </a:extLst>
-          </p:cNvPr>
-          <p:cNvSpPr>
-            <a:spLocks noGrp="1"/>
-          </p:cNvSpPr>
-          <p:nvPr>
-            <p:ph idx="1"/>
-          </p:nvPr>
-        </p:nvSpPr>
-        <p:spPr>
-          <a:xfrm>
-            <a:off x="2589211" y="1451113"/>
-            <a:ext cx="9079327" cy="5068957"/>
-          </a:xfrm>
-        </p:spPr>
-        <p:txBody>
-          <a:bodyPr/>
-          <a:lstStyle/>
-          <a:p>
-            <a:endParaRPr lang="en-US" dirty="0"/>
-          </a:p>
-        </p:txBody>
-      </p:sp>
-    </p:spTree>
-    <p:extLst>
-      <p:ext uri="{BB962C8B-B14F-4D97-AF65-F5344CB8AC3E}">
-        <p14:creationId xmlns:p14="http://schemas.microsoft.com/office/powerpoint/2010/main" val="306193403"/>
-      </p:ext>
-    </p:extLst>
-  </p:cSld>
-  <p:clrMapOvr>
-    <a:masterClrMapping/>
-  </p:clrMapOvr>
-</p:sld>
-</file>
-
-<file path=ppt/slides/slide6.xml><?xml version="1.0" encoding="utf-8"?>
-<p:sld xmlns:a="http://schemas.openxmlformats.org/drawingml/2006/main" xmlns:r="http://schemas.openxmlformats.org/officeDocument/2006/relationships" xmlns:p="http://schemas.openxmlformats.org/presentationml/2006/main">
-  <p:cSld>
-    <p:spTree>
-      <p:nvGrpSpPr>
-        <p:cNvPr id="1" name=""/>
-        <p:cNvGrpSpPr/>
-        <p:nvPr/>
-      </p:nvGrpSpPr>
-      <p:grpSpPr>
-        <a:xfrm>
-          <a:off x="0" y="0"/>
-          <a:ext cx="0" cy="0"/>
-          <a:chOff x="0" y="0"/>
-          <a:chExt cx="0" cy="0"/>
-        </a:xfrm>
-      </p:grpSpPr>
-      <p:sp>
-        <p:nvSpPr>
-          <p:cNvPr id="2" name="Title 1">
-            <a:extLst>
-              <a:ext uri="{FF2B5EF4-FFF2-40B4-BE49-F238E27FC236}">
-                <a16:creationId xmlns:a16="http://schemas.microsoft.com/office/drawing/2014/main" id="{9C5E42EE-EA5D-4203-B1EC-B96B68D2A8EA}"/>
-              </a:ext>
-            </a:extLst>
-          </p:cNvPr>
-          <p:cNvSpPr>
-            <a:spLocks noGrp="1"/>
-          </p:cNvSpPr>
-          <p:nvPr>
-            <p:ph type="title"/>
-          </p:nvPr>
-        </p:nvSpPr>
-        <p:spPr/>
-        <p:txBody>
-          <a:bodyPr>
-            <a:normAutofit/>
-          </a:bodyPr>
-          <a:lstStyle/>
-          <a:p>
-            <a:pPr rtl="0" eaLnBrk="1" latinLnBrk="0" hangingPunct="1"/>
-            <a:r>
-              <a:rPr lang="en-US" sz="3600" b="0" i="0" kern="1200" baseline="0" dirty="0">
-                <a:solidFill>
-                  <a:schemeClr val="tx1">
-                    <a:lumMod val="85000"/>
-                    <a:lumOff val="15000"/>
-                  </a:schemeClr>
-                </a:solidFill>
-                <a:effectLst/>
-                <a:latin typeface="+mj-lt"/>
-                <a:ea typeface="+mj-ea"/>
-                <a:cs typeface="+mj-cs"/>
-              </a:rPr>
-              <a:t>Development Methodology (3)</a:t>
-            </a:r>
-            <a:endParaRPr lang="en-US" sz="4400" dirty="0">
-              <a:effectLst/>
-            </a:endParaRPr>
-          </a:p>
-        </p:txBody>
-      </p:sp>
-      <p:sp>
-        <p:nvSpPr>
-          <p:cNvPr id="3" name="Content Placeholder 2">
-            <a:extLst>
-              <a:ext uri="{FF2B5EF4-FFF2-40B4-BE49-F238E27FC236}">
-                <a16:creationId xmlns:a16="http://schemas.microsoft.com/office/drawing/2014/main" id="{044B4F6E-A639-47F4-91A5-68807265D618}"/>
-              </a:ext>
-            </a:extLst>
-          </p:cNvPr>
-          <p:cNvSpPr>
-            <a:spLocks noGrp="1"/>
-          </p:cNvSpPr>
-          <p:nvPr>
-            <p:ph idx="1"/>
-          </p:nvPr>
-        </p:nvSpPr>
-        <p:spPr>
-          <a:xfrm>
-            <a:off x="2589211" y="1451113"/>
-            <a:ext cx="9079327" cy="5068957"/>
-          </a:xfrm>
-        </p:spPr>
-        <p:txBody>
-          <a:bodyPr/>
-          <a:lstStyle/>
-          <a:p>
-            <a:endParaRPr lang="en-US" dirty="0"/>
-          </a:p>
-        </p:txBody>
-      </p:sp>
-    </p:spTree>
-    <p:extLst>
-      <p:ext uri="{BB962C8B-B14F-4D97-AF65-F5344CB8AC3E}">
-        <p14:creationId xmlns:p14="http://schemas.microsoft.com/office/powerpoint/2010/main" val="1317707174"/>
-      </p:ext>
-    </p:extLst>
-  </p:cSld>
-  <p:clrMapOvr>
-    <a:masterClrMapping/>
-  </p:clrMapOvr>
-</p:sld>
-</file>
-
-<file path=ppt/slides/slide7.xml><?xml version="1.0" encoding="utf-8"?>
-<p:sld xmlns:a="http://schemas.openxmlformats.org/drawingml/2006/main" xmlns:r="http://schemas.openxmlformats.org/officeDocument/2006/relationships" xmlns:p="http://schemas.openxmlformats.org/presentationml/2006/main">
-  <p:cSld>
-    <p:spTree>
-      <p:nvGrpSpPr>
-        <p:cNvPr id="1" name=""/>
-        <p:cNvGrpSpPr/>
-        <p:nvPr/>
-      </p:nvGrpSpPr>
-      <p:grpSpPr>
-        <a:xfrm>
-          <a:off x="0" y="0"/>
-          <a:ext cx="0" cy="0"/>
-          <a:chOff x="0" y="0"/>
-          <a:chExt cx="0" cy="0"/>
-        </a:xfrm>
-      </p:grpSpPr>
-      <p:sp>
-        <p:nvSpPr>
-          <p:cNvPr id="2" name="Title 1">
-            <a:extLst>
-              <a:ext uri="{FF2B5EF4-FFF2-40B4-BE49-F238E27FC236}">
-                <a16:creationId xmlns:a16="http://schemas.microsoft.com/office/drawing/2014/main" id="{9C5E42EE-EA5D-4203-B1EC-B96B68D2A8EA}"/>
-              </a:ext>
-            </a:extLst>
-          </p:cNvPr>
-          <p:cNvSpPr>
-            <a:spLocks noGrp="1"/>
-          </p:cNvSpPr>
-          <p:nvPr>
-            <p:ph type="title"/>
-          </p:nvPr>
-        </p:nvSpPr>
-        <p:spPr/>
-        <p:txBody>
-          <a:bodyPr>
-            <a:normAutofit/>
-          </a:bodyPr>
-          <a:lstStyle/>
-          <a:p>
-            <a:pPr rtl="0" eaLnBrk="1" latinLnBrk="0" hangingPunct="1"/>
-            <a:r>
-              <a:rPr lang="en-US" sz="3600" b="0" i="0" kern="1200" baseline="0" dirty="0">
-                <a:solidFill>
-                  <a:schemeClr val="tx1">
-                    <a:lumMod val="85000"/>
-                    <a:lumOff val="15000"/>
-                  </a:schemeClr>
-                </a:solidFill>
-                <a:effectLst/>
-                <a:latin typeface="+mj-lt"/>
-                <a:ea typeface="+mj-ea"/>
-                <a:cs typeface="+mj-cs"/>
-              </a:rPr>
-              <a:t>Development Methodology (3)</a:t>
-            </a:r>
-            <a:endParaRPr lang="en-US" sz="4400" dirty="0">
-              <a:effectLst/>
-            </a:endParaRPr>
-          </a:p>
-        </p:txBody>
-      </p:sp>
-      <p:sp>
-        <p:nvSpPr>
-          <p:cNvPr id="3" name="Content Placeholder 2">
-            <a:extLst>
-              <a:ext uri="{FF2B5EF4-FFF2-40B4-BE49-F238E27FC236}">
-                <a16:creationId xmlns:a16="http://schemas.microsoft.com/office/drawing/2014/main" id="{044B4F6E-A639-47F4-91A5-68807265D618}"/>
-              </a:ext>
-            </a:extLst>
-          </p:cNvPr>
-          <p:cNvSpPr>
-            <a:spLocks noGrp="1"/>
-          </p:cNvSpPr>
-          <p:nvPr>
-            <p:ph idx="1"/>
-          </p:nvPr>
-        </p:nvSpPr>
-        <p:spPr>
-          <a:xfrm>
-            <a:off x="2589211" y="1451113"/>
-            <a:ext cx="9079327" cy="5068957"/>
-          </a:xfrm>
-        </p:spPr>
-        <p:txBody>
-          <a:bodyPr/>
-          <a:lstStyle/>
-          <a:p>
-            <a:r>
-              <a:rPr lang="en-US" dirty="0"/>
-              <a:t>Revision Control</a:t>
-            </a:r>
-          </a:p>
-          <a:p>
-            <a:r>
-              <a:rPr lang="en-US" dirty="0"/>
-              <a:t>Clear segmentation of work with external team repository</a:t>
-            </a:r>
-          </a:p>
-        </p:txBody>
-      </p:sp>
-    </p:spTree>
-    <p:extLst>
-      <p:ext uri="{BB962C8B-B14F-4D97-AF65-F5344CB8AC3E}">
-        <p14:creationId xmlns:p14="http://schemas.microsoft.com/office/powerpoint/2010/main" val="3687405747"/>
-      </p:ext>
-    </p:extLst>
-  </p:cSld>
-  <p:clrMapOvr>
-    <a:masterClrMapping/>
-  </p:clrMapOvr>
-</p:sld>
-</file>
-
-<file path=ppt/slides/slide8.xml><?xml version="1.0" encoding="utf-8"?>
 <p:sld xmlns:a="http://schemas.openxmlformats.org/drawingml/2006/main" xmlns:r="http://schemas.openxmlformats.org/officeDocument/2006/relationships" xmlns:p="http://schemas.openxmlformats.org/presentationml/2006/main">
   <p:cSld>
     <p:spTree>
@@ -15268,7 +13376,7 @@
 </p:sld>
 </file>
 
-<file path=ppt/slides/slide9.xml><?xml version="1.0" encoding="utf-8"?>
+<file path=ppt/slides/slide11.xml><?xml version="1.0" encoding="utf-8"?>
 <p:sld xmlns:a="http://schemas.openxmlformats.org/drawingml/2006/main" xmlns:r="http://schemas.openxmlformats.org/officeDocument/2006/relationships" xmlns:p="http://schemas.openxmlformats.org/presentationml/2006/main">
   <p:cSld>
     <p:spTree>
@@ -15394,6 +13502,2395 @@
     <p:extLst>
       <p:ext uri="{BB962C8B-B14F-4D97-AF65-F5344CB8AC3E}">
         <p14:creationId xmlns:p14="http://schemas.microsoft.com/office/powerpoint/2010/main" val="2956004668"/>
+      </p:ext>
+    </p:extLst>
+  </p:cSld>
+  <p:clrMapOvr>
+    <a:masterClrMapping/>
+  </p:clrMapOvr>
+</p:sld>
+</file>
+
+<file path=ppt/slides/slide12.xml><?xml version="1.0" encoding="utf-8"?>
+<p:sld xmlns:a="http://schemas.openxmlformats.org/drawingml/2006/main" xmlns:r="http://schemas.openxmlformats.org/officeDocument/2006/relationships" xmlns:p="http://schemas.openxmlformats.org/presentationml/2006/main">
+  <p:cSld>
+    <p:spTree>
+      <p:nvGrpSpPr>
+        <p:cNvPr id="1" name=""/>
+        <p:cNvGrpSpPr/>
+        <p:nvPr/>
+      </p:nvGrpSpPr>
+      <p:grpSpPr>
+        <a:xfrm>
+          <a:off x="0" y="0"/>
+          <a:ext cx="0" cy="0"/>
+          <a:chOff x="0" y="0"/>
+          <a:chExt cx="0" cy="0"/>
+        </a:xfrm>
+      </p:grpSpPr>
+      <p:sp>
+        <p:nvSpPr>
+          <p:cNvPr id="2" name="Title 1">
+            <a:extLst>
+              <a:ext uri="{FF2B5EF4-FFF2-40B4-BE49-F238E27FC236}">
+                <a16:creationId xmlns:a16="http://schemas.microsoft.com/office/drawing/2014/main" id="{9C5E42EE-EA5D-4203-B1EC-B96B68D2A8EA}"/>
+              </a:ext>
+            </a:extLst>
+          </p:cNvPr>
+          <p:cNvSpPr>
+            <a:spLocks noGrp="1"/>
+          </p:cNvSpPr>
+          <p:nvPr>
+            <p:ph type="title"/>
+          </p:nvPr>
+        </p:nvSpPr>
+        <p:spPr/>
+        <p:txBody>
+          <a:bodyPr>
+            <a:normAutofit/>
+          </a:bodyPr>
+          <a:lstStyle/>
+          <a:p>
+            <a:pPr rtl="0" eaLnBrk="1" latinLnBrk="0" hangingPunct="1"/>
+            <a:r>
+              <a:rPr lang="en-US" sz="3600" b="0" i="0" kern="1200" baseline="0" dirty="0">
+                <a:solidFill>
+                  <a:schemeClr val="tx1">
+                    <a:lumMod val="85000"/>
+                    <a:lumOff val="15000"/>
+                  </a:schemeClr>
+                </a:solidFill>
+                <a:effectLst/>
+                <a:latin typeface="+mj-lt"/>
+                <a:ea typeface="+mj-ea"/>
+                <a:cs typeface="+mj-cs"/>
+              </a:rPr>
+              <a:t>DTECTS Library</a:t>
+            </a:r>
+            <a:endParaRPr lang="en-US" sz="4400" dirty="0">
+              <a:effectLst/>
+            </a:endParaRPr>
+          </a:p>
+        </p:txBody>
+      </p:sp>
+      <p:pic>
+        <p:nvPicPr>
+          <p:cNvPr id="7" name="Picture 6">
+            <a:extLst>
+              <a:ext uri="{FF2B5EF4-FFF2-40B4-BE49-F238E27FC236}">
+                <a16:creationId xmlns:a16="http://schemas.microsoft.com/office/drawing/2014/main" id="{D939D839-2D14-4EEF-B198-53A77C1F0AB3}"/>
+              </a:ext>
+            </a:extLst>
+          </p:cNvPr>
+          <p:cNvPicPr>
+            <a:picLocks noChangeAspect="1"/>
+          </p:cNvPicPr>
+          <p:nvPr/>
+        </p:nvPicPr>
+        <p:blipFill>
+          <a:blip r:embed="rId3"/>
+          <a:stretch>
+            <a:fillRect/>
+          </a:stretch>
+        </p:blipFill>
+        <p:spPr>
+          <a:xfrm>
+            <a:off x="2769323" y="1518368"/>
+            <a:ext cx="6361613" cy="4477897"/>
+          </a:xfrm>
+          <a:prstGeom prst="rect">
+            <a:avLst/>
+          </a:prstGeom>
+        </p:spPr>
+      </p:pic>
+      <p:pic>
+        <p:nvPicPr>
+          <p:cNvPr id="4" name="Picture 3">
+            <a:extLst>
+              <a:ext uri="{FF2B5EF4-FFF2-40B4-BE49-F238E27FC236}">
+                <a16:creationId xmlns:a16="http://schemas.microsoft.com/office/drawing/2014/main" id="{DD99FE0C-189B-460A-A9AC-9D01098A1696}"/>
+              </a:ext>
+            </a:extLst>
+          </p:cNvPr>
+          <p:cNvPicPr>
+            <a:picLocks noChangeAspect="1"/>
+          </p:cNvPicPr>
+          <p:nvPr/>
+        </p:nvPicPr>
+        <p:blipFill>
+          <a:blip r:embed="rId4"/>
+          <a:stretch>
+            <a:fillRect/>
+          </a:stretch>
+        </p:blipFill>
+        <p:spPr>
+          <a:xfrm>
+            <a:off x="2069123" y="1518368"/>
+            <a:ext cx="7954268" cy="4477897"/>
+          </a:xfrm>
+          <a:prstGeom prst="rect">
+            <a:avLst/>
+          </a:prstGeom>
+        </p:spPr>
+      </p:pic>
+    </p:spTree>
+    <p:extLst>
+      <p:ext uri="{BB962C8B-B14F-4D97-AF65-F5344CB8AC3E}">
+        <p14:creationId xmlns:p14="http://schemas.microsoft.com/office/powerpoint/2010/main" val="3340878372"/>
+      </p:ext>
+    </p:extLst>
+  </p:cSld>
+  <p:clrMapOvr>
+    <a:masterClrMapping/>
+  </p:clrMapOvr>
+</p:sld>
+</file>
+
+<file path=ppt/slides/slide13.xml><?xml version="1.0" encoding="utf-8"?>
+<p:sld xmlns:a="http://schemas.openxmlformats.org/drawingml/2006/main" xmlns:r="http://schemas.openxmlformats.org/officeDocument/2006/relationships" xmlns:p="http://schemas.openxmlformats.org/presentationml/2006/main">
+  <p:cSld>
+    <p:spTree>
+      <p:nvGrpSpPr>
+        <p:cNvPr id="1" name=""/>
+        <p:cNvGrpSpPr/>
+        <p:nvPr/>
+      </p:nvGrpSpPr>
+      <p:grpSpPr>
+        <a:xfrm>
+          <a:off x="0" y="0"/>
+          <a:ext cx="0" cy="0"/>
+          <a:chOff x="0" y="0"/>
+          <a:chExt cx="0" cy="0"/>
+        </a:xfrm>
+      </p:grpSpPr>
+      <p:sp>
+        <p:nvSpPr>
+          <p:cNvPr id="2" name="Title 1">
+            <a:extLst>
+              <a:ext uri="{FF2B5EF4-FFF2-40B4-BE49-F238E27FC236}">
+                <a16:creationId xmlns:a16="http://schemas.microsoft.com/office/drawing/2014/main" id="{9C5E42EE-EA5D-4203-B1EC-B96B68D2A8EA}"/>
+              </a:ext>
+            </a:extLst>
+          </p:cNvPr>
+          <p:cNvSpPr>
+            <a:spLocks noGrp="1"/>
+          </p:cNvSpPr>
+          <p:nvPr>
+            <p:ph type="title"/>
+          </p:nvPr>
+        </p:nvSpPr>
+        <p:spPr/>
+        <p:txBody>
+          <a:bodyPr>
+            <a:normAutofit/>
+          </a:bodyPr>
+          <a:lstStyle/>
+          <a:p>
+            <a:pPr rtl="0" eaLnBrk="1" latinLnBrk="0" hangingPunct="1"/>
+            <a:r>
+              <a:rPr lang="en-US" sz="3600" b="0" i="0" kern="1200" baseline="0" dirty="0">
+                <a:solidFill>
+                  <a:schemeClr val="tx1">
+                    <a:lumMod val="85000"/>
+                    <a:lumOff val="15000"/>
+                  </a:schemeClr>
+                </a:solidFill>
+                <a:effectLst/>
+                <a:latin typeface="+mj-lt"/>
+                <a:ea typeface="+mj-ea"/>
+                <a:cs typeface="+mj-cs"/>
+              </a:rPr>
+              <a:t>DTECTS Board Design</a:t>
+            </a:r>
+            <a:endParaRPr lang="en-US" sz="4400" dirty="0">
+              <a:effectLst/>
+            </a:endParaRPr>
+          </a:p>
+        </p:txBody>
+      </p:sp>
+      <p:pic>
+        <p:nvPicPr>
+          <p:cNvPr id="7" name="Picture 6">
+            <a:extLst>
+              <a:ext uri="{FF2B5EF4-FFF2-40B4-BE49-F238E27FC236}">
+                <a16:creationId xmlns:a16="http://schemas.microsoft.com/office/drawing/2014/main" id="{D939D839-2D14-4EEF-B198-53A77C1F0AB3}"/>
+              </a:ext>
+            </a:extLst>
+          </p:cNvPr>
+          <p:cNvPicPr>
+            <a:picLocks noChangeAspect="1"/>
+          </p:cNvPicPr>
+          <p:nvPr/>
+        </p:nvPicPr>
+        <p:blipFill>
+          <a:blip r:embed="rId3"/>
+          <a:stretch>
+            <a:fillRect/>
+          </a:stretch>
+        </p:blipFill>
+        <p:spPr>
+          <a:xfrm>
+            <a:off x="2769323" y="1518368"/>
+            <a:ext cx="6361613" cy="4477897"/>
+          </a:xfrm>
+          <a:prstGeom prst="rect">
+            <a:avLst/>
+          </a:prstGeom>
+        </p:spPr>
+      </p:pic>
+    </p:spTree>
+    <p:extLst>
+      <p:ext uri="{BB962C8B-B14F-4D97-AF65-F5344CB8AC3E}">
+        <p14:creationId xmlns:p14="http://schemas.microsoft.com/office/powerpoint/2010/main" val="4050226983"/>
+      </p:ext>
+    </p:extLst>
+  </p:cSld>
+  <p:clrMapOvr>
+    <a:masterClrMapping/>
+  </p:clrMapOvr>
+</p:sld>
+</file>
+
+<file path=ppt/slides/slide14.xml><?xml version="1.0" encoding="utf-8"?>
+<p:sld xmlns:a="http://schemas.openxmlformats.org/drawingml/2006/main" xmlns:r="http://schemas.openxmlformats.org/officeDocument/2006/relationships" xmlns:p="http://schemas.openxmlformats.org/presentationml/2006/main">
+  <p:cSld>
+    <p:spTree>
+      <p:nvGrpSpPr>
+        <p:cNvPr id="1" name=""/>
+        <p:cNvGrpSpPr/>
+        <p:nvPr/>
+      </p:nvGrpSpPr>
+      <p:grpSpPr>
+        <a:xfrm>
+          <a:off x="0" y="0"/>
+          <a:ext cx="0" cy="0"/>
+          <a:chOff x="0" y="0"/>
+          <a:chExt cx="0" cy="0"/>
+        </a:xfrm>
+      </p:grpSpPr>
+      <p:sp>
+        <p:nvSpPr>
+          <p:cNvPr id="2" name="Title 1">
+            <a:extLst>
+              <a:ext uri="{FF2B5EF4-FFF2-40B4-BE49-F238E27FC236}">
+                <a16:creationId xmlns:a16="http://schemas.microsoft.com/office/drawing/2014/main" id="{9C5E42EE-EA5D-4203-B1EC-B96B68D2A8EA}"/>
+              </a:ext>
+            </a:extLst>
+          </p:cNvPr>
+          <p:cNvSpPr>
+            <a:spLocks noGrp="1"/>
+          </p:cNvSpPr>
+          <p:nvPr>
+            <p:ph type="title"/>
+          </p:nvPr>
+        </p:nvSpPr>
+        <p:spPr/>
+        <p:txBody>
+          <a:bodyPr>
+            <a:normAutofit/>
+          </a:bodyPr>
+          <a:lstStyle/>
+          <a:p>
+            <a:pPr rtl="0" eaLnBrk="1" latinLnBrk="0" hangingPunct="1"/>
+            <a:r>
+              <a:rPr lang="en-US" sz="3600" b="0" i="0" kern="1200" baseline="0" dirty="0">
+                <a:solidFill>
+                  <a:schemeClr val="tx1">
+                    <a:lumMod val="85000"/>
+                    <a:lumOff val="15000"/>
+                  </a:schemeClr>
+                </a:solidFill>
+                <a:effectLst/>
+                <a:latin typeface="+mj-lt"/>
+                <a:ea typeface="+mj-ea"/>
+                <a:cs typeface="+mj-cs"/>
+              </a:rPr>
+              <a:t>Board Layout (Reference)</a:t>
+            </a:r>
+            <a:endParaRPr lang="en-US" sz="4400" dirty="0">
+              <a:effectLst/>
+            </a:endParaRPr>
+          </a:p>
+        </p:txBody>
+      </p:sp>
+      <p:pic>
+        <p:nvPicPr>
+          <p:cNvPr id="4" name="Picture 3">
+            <a:extLst>
+              <a:ext uri="{FF2B5EF4-FFF2-40B4-BE49-F238E27FC236}">
+                <a16:creationId xmlns:a16="http://schemas.microsoft.com/office/drawing/2014/main" id="{5FB7041E-ED81-4387-A3A0-ECF198D6DE33}"/>
+              </a:ext>
+            </a:extLst>
+          </p:cNvPr>
+          <p:cNvPicPr>
+            <a:picLocks noChangeAspect="1"/>
+          </p:cNvPicPr>
+          <p:nvPr/>
+        </p:nvPicPr>
+        <p:blipFill>
+          <a:blip r:embed="rId3"/>
+          <a:stretch>
+            <a:fillRect/>
+          </a:stretch>
+        </p:blipFill>
+        <p:spPr>
+          <a:xfrm>
+            <a:off x="2772935" y="1509276"/>
+            <a:ext cx="6646130" cy="4467250"/>
+          </a:xfrm>
+          <a:prstGeom prst="rect">
+            <a:avLst/>
+          </a:prstGeom>
+        </p:spPr>
+      </p:pic>
+    </p:spTree>
+    <p:extLst>
+      <p:ext uri="{BB962C8B-B14F-4D97-AF65-F5344CB8AC3E}">
+        <p14:creationId xmlns:p14="http://schemas.microsoft.com/office/powerpoint/2010/main" val="2015703342"/>
+      </p:ext>
+    </p:extLst>
+  </p:cSld>
+  <p:clrMapOvr>
+    <a:masterClrMapping/>
+  </p:clrMapOvr>
+</p:sld>
+</file>
+
+<file path=ppt/slides/slide15.xml><?xml version="1.0" encoding="utf-8"?>
+<p:sld xmlns:a="http://schemas.openxmlformats.org/drawingml/2006/main" xmlns:r="http://schemas.openxmlformats.org/officeDocument/2006/relationships" xmlns:p="http://schemas.openxmlformats.org/presentationml/2006/main">
+  <p:cSld>
+    <p:spTree>
+      <p:nvGrpSpPr>
+        <p:cNvPr id="1" name=""/>
+        <p:cNvGrpSpPr/>
+        <p:nvPr/>
+      </p:nvGrpSpPr>
+      <p:grpSpPr>
+        <a:xfrm>
+          <a:off x="0" y="0"/>
+          <a:ext cx="0" cy="0"/>
+          <a:chOff x="0" y="0"/>
+          <a:chExt cx="0" cy="0"/>
+        </a:xfrm>
+      </p:grpSpPr>
+      <p:sp>
+        <p:nvSpPr>
+          <p:cNvPr id="2" name="Title 1">
+            <a:extLst>
+              <a:ext uri="{FF2B5EF4-FFF2-40B4-BE49-F238E27FC236}">
+                <a16:creationId xmlns:a16="http://schemas.microsoft.com/office/drawing/2014/main" id="{9C5E42EE-EA5D-4203-B1EC-B96B68D2A8EA}"/>
+              </a:ext>
+            </a:extLst>
+          </p:cNvPr>
+          <p:cNvSpPr>
+            <a:spLocks noGrp="1"/>
+          </p:cNvSpPr>
+          <p:nvPr>
+            <p:ph type="title"/>
+          </p:nvPr>
+        </p:nvSpPr>
+        <p:spPr/>
+        <p:txBody>
+          <a:bodyPr>
+            <a:normAutofit/>
+          </a:bodyPr>
+          <a:lstStyle/>
+          <a:p>
+            <a:pPr rtl="0" eaLnBrk="1" latinLnBrk="0" hangingPunct="1"/>
+            <a:r>
+              <a:rPr lang="en-US" sz="3600" b="0" i="0" kern="1200" baseline="0" dirty="0">
+                <a:solidFill>
+                  <a:schemeClr val="tx1">
+                    <a:lumMod val="85000"/>
+                    <a:lumOff val="15000"/>
+                  </a:schemeClr>
+                </a:solidFill>
+                <a:effectLst/>
+                <a:latin typeface="+mj-lt"/>
+                <a:ea typeface="+mj-ea"/>
+                <a:cs typeface="+mj-cs"/>
+              </a:rPr>
+              <a:t>Firmware (Reference)</a:t>
+            </a:r>
+            <a:endParaRPr lang="en-US" sz="4400" dirty="0">
+              <a:effectLst/>
+            </a:endParaRPr>
+          </a:p>
+        </p:txBody>
+      </p:sp>
+      <p:sp>
+        <p:nvSpPr>
+          <p:cNvPr id="6" name="Rectangle: Rounded Corners 5">
+            <a:extLst>
+              <a:ext uri="{FF2B5EF4-FFF2-40B4-BE49-F238E27FC236}">
+                <a16:creationId xmlns:a16="http://schemas.microsoft.com/office/drawing/2014/main" id="{056C338A-A877-44DB-BB5C-C03AC80D2BF2}"/>
+              </a:ext>
+            </a:extLst>
+          </p:cNvPr>
+          <p:cNvSpPr/>
+          <p:nvPr/>
+        </p:nvSpPr>
+        <p:spPr>
+          <a:xfrm>
+            <a:off x="2072640" y="1700046"/>
+            <a:ext cx="9289252" cy="4346645"/>
+          </a:xfrm>
+          <a:prstGeom prst="roundRect">
+            <a:avLst>
+              <a:gd name="adj" fmla="val 3519"/>
+            </a:avLst>
+          </a:prstGeom>
+          <a:blipFill dpi="0" rotWithShape="1">
+            <a:blip r:embed="rId3">
+              <a:extLst>
+                <a:ext uri="{28A0092B-C50C-407E-A947-70E740481C1C}">
+                  <a14:useLocalDpi xmlns:a14="http://schemas.microsoft.com/office/drawing/2010/main" val="0"/>
+                </a:ext>
+              </a:extLst>
+            </a:blip>
+            <a:srcRect/>
+            <a:stretch>
+              <a:fillRect/>
+            </a:stretch>
+          </a:blipFill>
+          <a:ln w="6350">
+            <a:solidFill>
+              <a:schemeClr val="tx1"/>
+            </a:solidFill>
+          </a:ln>
+          <a:effectLst>
+            <a:outerShdw blurRad="152400" dist="25400" dir="2700000" sx="102000" sy="102000" algn="tl" rotWithShape="0">
+              <a:prstClr val="black">
+                <a:alpha val="10000"/>
+              </a:prstClr>
+            </a:outerShdw>
+          </a:effectLst>
+        </p:spPr>
+        <p:style>
+          <a:lnRef idx="2">
+            <a:schemeClr val="accent1">
+              <a:shade val="50000"/>
+            </a:schemeClr>
+          </a:lnRef>
+          <a:fillRef idx="1">
+            <a:schemeClr val="accent1"/>
+          </a:fillRef>
+          <a:effectRef idx="0">
+            <a:schemeClr val="accent1"/>
+          </a:effectRef>
+          <a:fontRef idx="minor">
+            <a:schemeClr val="lt1"/>
+          </a:fontRef>
+        </p:style>
+        <p:txBody>
+          <a:bodyPr rtlCol="0" anchor="ctr"/>
+          <a:lstStyle/>
+          <a:p>
+            <a:pPr algn="ctr"/>
+            <a:endParaRPr lang="en-US"/>
+          </a:p>
+        </p:txBody>
+      </p:sp>
+    </p:spTree>
+    <p:extLst>
+      <p:ext uri="{BB962C8B-B14F-4D97-AF65-F5344CB8AC3E}">
+        <p14:creationId xmlns:p14="http://schemas.microsoft.com/office/powerpoint/2010/main" val="667840959"/>
+      </p:ext>
+    </p:extLst>
+  </p:cSld>
+  <p:clrMapOvr>
+    <a:masterClrMapping/>
+  </p:clrMapOvr>
+</p:sld>
+</file>
+
+<file path=ppt/slides/slide16.xml><?xml version="1.0" encoding="utf-8"?>
+<p:sld xmlns:a="http://schemas.openxmlformats.org/drawingml/2006/main" xmlns:r="http://schemas.openxmlformats.org/officeDocument/2006/relationships" xmlns:p="http://schemas.openxmlformats.org/presentationml/2006/main">
+  <p:cSld>
+    <p:spTree>
+      <p:nvGrpSpPr>
+        <p:cNvPr id="1" name=""/>
+        <p:cNvGrpSpPr/>
+        <p:nvPr/>
+      </p:nvGrpSpPr>
+      <p:grpSpPr>
+        <a:xfrm>
+          <a:off x="0" y="0"/>
+          <a:ext cx="0" cy="0"/>
+          <a:chOff x="0" y="0"/>
+          <a:chExt cx="0" cy="0"/>
+        </a:xfrm>
+      </p:grpSpPr>
+      <p:sp>
+        <p:nvSpPr>
+          <p:cNvPr id="2" name="Title 1">
+            <a:extLst>
+              <a:ext uri="{FF2B5EF4-FFF2-40B4-BE49-F238E27FC236}">
+                <a16:creationId xmlns:a16="http://schemas.microsoft.com/office/drawing/2014/main" id="{9C5E42EE-EA5D-4203-B1EC-B96B68D2A8EA}"/>
+              </a:ext>
+            </a:extLst>
+          </p:cNvPr>
+          <p:cNvSpPr>
+            <a:spLocks noGrp="1"/>
+          </p:cNvSpPr>
+          <p:nvPr>
+            <p:ph type="title"/>
+          </p:nvPr>
+        </p:nvSpPr>
+        <p:spPr/>
+        <p:txBody>
+          <a:bodyPr>
+            <a:normAutofit/>
+          </a:bodyPr>
+          <a:lstStyle/>
+          <a:p>
+            <a:pPr rtl="0" eaLnBrk="1" latinLnBrk="0" hangingPunct="1"/>
+            <a:r>
+              <a:rPr lang="en-US" sz="3600" b="0" i="0" kern="1200" baseline="0" dirty="0">
+                <a:solidFill>
+                  <a:schemeClr val="tx1">
+                    <a:lumMod val="85000"/>
+                    <a:lumOff val="15000"/>
+                  </a:schemeClr>
+                </a:solidFill>
+                <a:effectLst/>
+                <a:latin typeface="+mj-lt"/>
+                <a:ea typeface="+mj-ea"/>
+                <a:cs typeface="+mj-cs"/>
+              </a:rPr>
+              <a:t>Overcome Challenges</a:t>
+            </a:r>
+            <a:endParaRPr lang="en-US" sz="4400" dirty="0">
+              <a:effectLst/>
+            </a:endParaRPr>
+          </a:p>
+        </p:txBody>
+      </p:sp>
+      <p:sp>
+        <p:nvSpPr>
+          <p:cNvPr id="3" name="Content Placeholder 2">
+            <a:extLst>
+              <a:ext uri="{FF2B5EF4-FFF2-40B4-BE49-F238E27FC236}">
+                <a16:creationId xmlns:a16="http://schemas.microsoft.com/office/drawing/2014/main" id="{044B4F6E-A639-47F4-91A5-68807265D618}"/>
+              </a:ext>
+            </a:extLst>
+          </p:cNvPr>
+          <p:cNvSpPr>
+            <a:spLocks noGrp="1"/>
+          </p:cNvSpPr>
+          <p:nvPr>
+            <p:ph idx="1"/>
+          </p:nvPr>
+        </p:nvSpPr>
+        <p:spPr>
+          <a:xfrm>
+            <a:off x="2589211" y="1451113"/>
+            <a:ext cx="9079327" cy="5068957"/>
+          </a:xfrm>
+        </p:spPr>
+        <p:txBody>
+          <a:bodyPr/>
+          <a:lstStyle/>
+          <a:p>
+            <a:endParaRPr lang="en-US" dirty="0"/>
+          </a:p>
+        </p:txBody>
+      </p:sp>
+    </p:spTree>
+    <p:extLst>
+      <p:ext uri="{BB962C8B-B14F-4D97-AF65-F5344CB8AC3E}">
+        <p14:creationId xmlns:p14="http://schemas.microsoft.com/office/powerpoint/2010/main" val="2805820393"/>
+      </p:ext>
+    </p:extLst>
+  </p:cSld>
+  <p:clrMapOvr>
+    <a:masterClrMapping/>
+  </p:clrMapOvr>
+</p:sld>
+</file>
+
+<file path=ppt/slides/slide17.xml><?xml version="1.0" encoding="utf-8"?>
+<p:sld xmlns:a="http://schemas.openxmlformats.org/drawingml/2006/main" xmlns:r="http://schemas.openxmlformats.org/officeDocument/2006/relationships" xmlns:p="http://schemas.openxmlformats.org/presentationml/2006/main">
+  <p:cSld>
+    <p:spTree>
+      <p:nvGrpSpPr>
+        <p:cNvPr id="1" name=""/>
+        <p:cNvGrpSpPr/>
+        <p:nvPr/>
+      </p:nvGrpSpPr>
+      <p:grpSpPr>
+        <a:xfrm>
+          <a:off x="0" y="0"/>
+          <a:ext cx="0" cy="0"/>
+          <a:chOff x="0" y="0"/>
+          <a:chExt cx="0" cy="0"/>
+        </a:xfrm>
+      </p:grpSpPr>
+      <p:sp>
+        <p:nvSpPr>
+          <p:cNvPr id="2" name="Title 1">
+            <a:extLst>
+              <a:ext uri="{FF2B5EF4-FFF2-40B4-BE49-F238E27FC236}">
+                <a16:creationId xmlns:a16="http://schemas.microsoft.com/office/drawing/2014/main" id="{9C5E42EE-EA5D-4203-B1EC-B96B68D2A8EA}"/>
+              </a:ext>
+            </a:extLst>
+          </p:cNvPr>
+          <p:cNvSpPr>
+            <a:spLocks noGrp="1"/>
+          </p:cNvSpPr>
+          <p:nvPr>
+            <p:ph type="title"/>
+          </p:nvPr>
+        </p:nvSpPr>
+        <p:spPr/>
+        <p:txBody>
+          <a:bodyPr>
+            <a:normAutofit/>
+          </a:bodyPr>
+          <a:lstStyle/>
+          <a:p>
+            <a:r>
+              <a:rPr lang="en-US" sz="3600" b="0" i="0" kern="1200" baseline="0" dirty="0">
+                <a:solidFill>
+                  <a:schemeClr val="tx1">
+                    <a:lumMod val="85000"/>
+                    <a:lumOff val="15000"/>
+                  </a:schemeClr>
+                </a:solidFill>
+                <a:effectLst/>
+                <a:latin typeface="+mj-lt"/>
+                <a:ea typeface="+mj-ea"/>
+                <a:cs typeface="+mj-cs"/>
+              </a:rPr>
+              <a:t>Deliverable &amp; Results (2)</a:t>
+            </a:r>
+            <a:endParaRPr lang="en-US" sz="2800" dirty="0"/>
+          </a:p>
+        </p:txBody>
+      </p:sp>
+      <p:sp>
+        <p:nvSpPr>
+          <p:cNvPr id="3" name="Content Placeholder 2">
+            <a:extLst>
+              <a:ext uri="{FF2B5EF4-FFF2-40B4-BE49-F238E27FC236}">
+                <a16:creationId xmlns:a16="http://schemas.microsoft.com/office/drawing/2014/main" id="{044B4F6E-A639-47F4-91A5-68807265D618}"/>
+              </a:ext>
+            </a:extLst>
+          </p:cNvPr>
+          <p:cNvSpPr>
+            <a:spLocks noGrp="1"/>
+          </p:cNvSpPr>
+          <p:nvPr>
+            <p:ph idx="1"/>
+          </p:nvPr>
+        </p:nvSpPr>
+        <p:spPr>
+          <a:xfrm>
+            <a:off x="2589211" y="1451113"/>
+            <a:ext cx="9079327" cy="5068957"/>
+          </a:xfrm>
+        </p:spPr>
+        <p:txBody>
+          <a:bodyPr/>
+          <a:lstStyle/>
+          <a:p>
+            <a:endParaRPr lang="en-US" dirty="0"/>
+          </a:p>
+        </p:txBody>
+      </p:sp>
+    </p:spTree>
+    <p:extLst>
+      <p:ext uri="{BB962C8B-B14F-4D97-AF65-F5344CB8AC3E}">
+        <p14:creationId xmlns:p14="http://schemas.microsoft.com/office/powerpoint/2010/main" val="821675052"/>
+      </p:ext>
+    </p:extLst>
+  </p:cSld>
+  <p:clrMapOvr>
+    <a:masterClrMapping/>
+  </p:clrMapOvr>
+</p:sld>
+</file>
+
+<file path=ppt/slides/slide18.xml><?xml version="1.0" encoding="utf-8"?>
+<p:sld xmlns:a="http://schemas.openxmlformats.org/drawingml/2006/main" xmlns:r="http://schemas.openxmlformats.org/officeDocument/2006/relationships" xmlns:p="http://schemas.openxmlformats.org/presentationml/2006/main">
+  <p:cSld>
+    <p:spTree>
+      <p:nvGrpSpPr>
+        <p:cNvPr id="1" name=""/>
+        <p:cNvGrpSpPr/>
+        <p:nvPr/>
+      </p:nvGrpSpPr>
+      <p:grpSpPr>
+        <a:xfrm>
+          <a:off x="0" y="0"/>
+          <a:ext cx="0" cy="0"/>
+          <a:chOff x="0" y="0"/>
+          <a:chExt cx="0" cy="0"/>
+        </a:xfrm>
+      </p:grpSpPr>
+      <p:sp>
+        <p:nvSpPr>
+          <p:cNvPr id="2" name="Title 1">
+            <a:extLst>
+              <a:ext uri="{FF2B5EF4-FFF2-40B4-BE49-F238E27FC236}">
+                <a16:creationId xmlns:a16="http://schemas.microsoft.com/office/drawing/2014/main" id="{9C5E42EE-EA5D-4203-B1EC-B96B68D2A8EA}"/>
+              </a:ext>
+            </a:extLst>
+          </p:cNvPr>
+          <p:cNvSpPr>
+            <a:spLocks noGrp="1"/>
+          </p:cNvSpPr>
+          <p:nvPr>
+            <p:ph type="title"/>
+          </p:nvPr>
+        </p:nvSpPr>
+        <p:spPr/>
+        <p:txBody>
+          <a:bodyPr>
+            <a:normAutofit/>
+          </a:bodyPr>
+          <a:lstStyle/>
+          <a:p>
+            <a:pPr rtl="0" eaLnBrk="1" latinLnBrk="0" hangingPunct="1"/>
+            <a:r>
+              <a:rPr lang="en-US" sz="3600" b="0" i="0" kern="1200" baseline="0" dirty="0">
+                <a:solidFill>
+                  <a:schemeClr val="tx1">
+                    <a:lumMod val="85000"/>
+                    <a:lumOff val="15000"/>
+                  </a:schemeClr>
+                </a:solidFill>
+                <a:effectLst/>
+                <a:latin typeface="+mj-lt"/>
+                <a:ea typeface="+mj-ea"/>
+                <a:cs typeface="+mj-cs"/>
+              </a:rPr>
+              <a:t>Learnings &amp; Growths</a:t>
+            </a:r>
+            <a:endParaRPr lang="en-US" sz="4400" dirty="0">
+              <a:effectLst/>
+            </a:endParaRPr>
+          </a:p>
+        </p:txBody>
+      </p:sp>
+      <p:sp>
+        <p:nvSpPr>
+          <p:cNvPr id="3" name="Content Placeholder 2">
+            <a:extLst>
+              <a:ext uri="{FF2B5EF4-FFF2-40B4-BE49-F238E27FC236}">
+                <a16:creationId xmlns:a16="http://schemas.microsoft.com/office/drawing/2014/main" id="{044B4F6E-A639-47F4-91A5-68807265D618}"/>
+              </a:ext>
+            </a:extLst>
+          </p:cNvPr>
+          <p:cNvSpPr>
+            <a:spLocks noGrp="1"/>
+          </p:cNvSpPr>
+          <p:nvPr>
+            <p:ph idx="1"/>
+          </p:nvPr>
+        </p:nvSpPr>
+        <p:spPr>
+          <a:xfrm>
+            <a:off x="2589211" y="1451113"/>
+            <a:ext cx="9079327" cy="5068957"/>
+          </a:xfrm>
+        </p:spPr>
+        <p:txBody>
+          <a:bodyPr/>
+          <a:lstStyle/>
+          <a:p>
+            <a:endParaRPr lang="en-US" dirty="0"/>
+          </a:p>
+        </p:txBody>
+      </p:sp>
+    </p:spTree>
+    <p:extLst>
+      <p:ext uri="{BB962C8B-B14F-4D97-AF65-F5344CB8AC3E}">
+        <p14:creationId xmlns:p14="http://schemas.microsoft.com/office/powerpoint/2010/main" val="3042754836"/>
+      </p:ext>
+    </p:extLst>
+  </p:cSld>
+  <p:clrMapOvr>
+    <a:masterClrMapping/>
+  </p:clrMapOvr>
+</p:sld>
+</file>
+
+<file path=ppt/slides/slide19.xml><?xml version="1.0" encoding="utf-8"?>
+<p:sld xmlns:a="http://schemas.openxmlformats.org/drawingml/2006/main" xmlns:r="http://schemas.openxmlformats.org/officeDocument/2006/relationships" xmlns:p="http://schemas.openxmlformats.org/presentationml/2006/main">
+  <p:cSld>
+    <p:spTree>
+      <p:nvGrpSpPr>
+        <p:cNvPr id="1" name=""/>
+        <p:cNvGrpSpPr/>
+        <p:nvPr/>
+      </p:nvGrpSpPr>
+      <p:grpSpPr>
+        <a:xfrm>
+          <a:off x="0" y="0"/>
+          <a:ext cx="0" cy="0"/>
+          <a:chOff x="0" y="0"/>
+          <a:chExt cx="0" cy="0"/>
+        </a:xfrm>
+      </p:grpSpPr>
+      <p:sp>
+        <p:nvSpPr>
+          <p:cNvPr id="2" name="Title 1">
+            <a:extLst>
+              <a:ext uri="{FF2B5EF4-FFF2-40B4-BE49-F238E27FC236}">
+                <a16:creationId xmlns:a16="http://schemas.microsoft.com/office/drawing/2014/main" id="{9C5E42EE-EA5D-4203-B1EC-B96B68D2A8EA}"/>
+              </a:ext>
+            </a:extLst>
+          </p:cNvPr>
+          <p:cNvSpPr>
+            <a:spLocks noGrp="1"/>
+          </p:cNvSpPr>
+          <p:nvPr>
+            <p:ph type="title"/>
+          </p:nvPr>
+        </p:nvSpPr>
+        <p:spPr/>
+        <p:txBody>
+          <a:bodyPr>
+            <a:normAutofit/>
+          </a:bodyPr>
+          <a:lstStyle/>
+          <a:p>
+            <a:pPr rtl="0" eaLnBrk="1" latinLnBrk="0" hangingPunct="1"/>
+            <a:r>
+              <a:rPr lang="en-US" sz="3600" b="0" i="0" kern="1200" baseline="0" dirty="0">
+                <a:solidFill>
+                  <a:schemeClr val="tx1">
+                    <a:lumMod val="85000"/>
+                    <a:lumOff val="15000"/>
+                  </a:schemeClr>
+                </a:solidFill>
+                <a:effectLst/>
+                <a:latin typeface="+mj-lt"/>
+                <a:ea typeface="+mj-ea"/>
+                <a:cs typeface="+mj-cs"/>
+              </a:rPr>
+              <a:t>Outcomes</a:t>
+            </a:r>
+            <a:endParaRPr lang="en-US" sz="4400" dirty="0">
+              <a:effectLst/>
+            </a:endParaRPr>
+          </a:p>
+        </p:txBody>
+      </p:sp>
+      <p:sp>
+        <p:nvSpPr>
+          <p:cNvPr id="3" name="Content Placeholder 2">
+            <a:extLst>
+              <a:ext uri="{FF2B5EF4-FFF2-40B4-BE49-F238E27FC236}">
+                <a16:creationId xmlns:a16="http://schemas.microsoft.com/office/drawing/2014/main" id="{044B4F6E-A639-47F4-91A5-68807265D618}"/>
+              </a:ext>
+            </a:extLst>
+          </p:cNvPr>
+          <p:cNvSpPr>
+            <a:spLocks noGrp="1"/>
+          </p:cNvSpPr>
+          <p:nvPr>
+            <p:ph idx="1"/>
+          </p:nvPr>
+        </p:nvSpPr>
+        <p:spPr>
+          <a:xfrm>
+            <a:off x="2589211" y="1451113"/>
+            <a:ext cx="9079327" cy="5068957"/>
+          </a:xfrm>
+        </p:spPr>
+        <p:txBody>
+          <a:bodyPr/>
+          <a:lstStyle/>
+          <a:p>
+            <a:endParaRPr lang="en-US" dirty="0"/>
+          </a:p>
+        </p:txBody>
+      </p:sp>
+    </p:spTree>
+    <p:extLst>
+      <p:ext uri="{BB962C8B-B14F-4D97-AF65-F5344CB8AC3E}">
+        <p14:creationId xmlns:p14="http://schemas.microsoft.com/office/powerpoint/2010/main" val="2229688103"/>
+      </p:ext>
+    </p:extLst>
+  </p:cSld>
+  <p:clrMapOvr>
+    <a:masterClrMapping/>
+  </p:clrMapOvr>
+</p:sld>
+</file>
+
+<file path=ppt/slides/slide2.xml><?xml version="1.0" encoding="utf-8"?>
+<p:sld xmlns:a="http://schemas.openxmlformats.org/drawingml/2006/main" xmlns:r="http://schemas.openxmlformats.org/officeDocument/2006/relationships" xmlns:p="http://schemas.openxmlformats.org/presentationml/2006/main">
+  <p:cSld>
+    <p:spTree>
+      <p:nvGrpSpPr>
+        <p:cNvPr id="1" name=""/>
+        <p:cNvGrpSpPr/>
+        <p:nvPr/>
+      </p:nvGrpSpPr>
+      <p:grpSpPr>
+        <a:xfrm>
+          <a:off x="0" y="0"/>
+          <a:ext cx="0" cy="0"/>
+          <a:chOff x="0" y="0"/>
+          <a:chExt cx="0" cy="0"/>
+        </a:xfrm>
+      </p:grpSpPr>
+      <p:sp>
+        <p:nvSpPr>
+          <p:cNvPr id="2" name="Title 1">
+            <a:extLst>
+              <a:ext uri="{FF2B5EF4-FFF2-40B4-BE49-F238E27FC236}">
+                <a16:creationId xmlns:a16="http://schemas.microsoft.com/office/drawing/2014/main" id="{9C5E42EE-EA5D-4203-B1EC-B96B68D2A8EA}"/>
+              </a:ext>
+            </a:extLst>
+          </p:cNvPr>
+          <p:cNvSpPr>
+            <a:spLocks noGrp="1"/>
+          </p:cNvSpPr>
+          <p:nvPr>
+            <p:ph type="title"/>
+          </p:nvPr>
+        </p:nvSpPr>
+        <p:spPr/>
+        <p:txBody>
+          <a:bodyPr>
+            <a:normAutofit/>
+          </a:bodyPr>
+          <a:lstStyle/>
+          <a:p>
+            <a:r>
+              <a:rPr lang="en-US" b="0" i="0" u="none" strike="noStrike" kern="1200" baseline="0" dirty="0">
+                <a:solidFill>
+                  <a:schemeClr val="tx1"/>
+                </a:solidFill>
+                <a:latin typeface="+mj-lt"/>
+                <a:ea typeface="+mj-ea"/>
+                <a:cs typeface="+mj-cs"/>
+              </a:rPr>
+              <a:t>&lt;Intro Quote Slide&gt;</a:t>
+            </a:r>
+            <a:endParaRPr lang="en-US" dirty="0"/>
+          </a:p>
+        </p:txBody>
+      </p:sp>
+      <p:sp>
+        <p:nvSpPr>
+          <p:cNvPr id="3" name="Content Placeholder 2">
+            <a:extLst>
+              <a:ext uri="{FF2B5EF4-FFF2-40B4-BE49-F238E27FC236}">
+                <a16:creationId xmlns:a16="http://schemas.microsoft.com/office/drawing/2014/main" id="{044B4F6E-A639-47F4-91A5-68807265D618}"/>
+              </a:ext>
+            </a:extLst>
+          </p:cNvPr>
+          <p:cNvSpPr>
+            <a:spLocks noGrp="1"/>
+          </p:cNvSpPr>
+          <p:nvPr>
+            <p:ph idx="1"/>
+          </p:nvPr>
+        </p:nvSpPr>
+        <p:spPr>
+          <a:xfrm>
+            <a:off x="2589211" y="1451113"/>
+            <a:ext cx="9079327" cy="5068957"/>
+          </a:xfrm>
+        </p:spPr>
+        <p:txBody>
+          <a:bodyPr/>
+          <a:lstStyle/>
+          <a:p>
+            <a:r>
+              <a:rPr lang="en-US" dirty="0"/>
+              <a:t>“How you started the discussion, how do we move past Arduino?”</a:t>
+            </a:r>
+          </a:p>
+          <a:p>
+            <a:r>
+              <a:rPr lang="en-US" dirty="0"/>
+              <a:t>“As long as I’m involved we’re in idea generation. This happens”</a:t>
+            </a:r>
+          </a:p>
+        </p:txBody>
+      </p:sp>
+    </p:spTree>
+    <p:extLst>
+      <p:ext uri="{BB962C8B-B14F-4D97-AF65-F5344CB8AC3E}">
+        <p14:creationId xmlns:p14="http://schemas.microsoft.com/office/powerpoint/2010/main" val="536683639"/>
+      </p:ext>
+    </p:extLst>
+  </p:cSld>
+  <p:clrMapOvr>
+    <a:masterClrMapping/>
+  </p:clrMapOvr>
+</p:sld>
+</file>
+
+<file path=ppt/slides/slide20.xml><?xml version="1.0" encoding="utf-8"?>
+<p:sld xmlns:a="http://schemas.openxmlformats.org/drawingml/2006/main" xmlns:r="http://schemas.openxmlformats.org/officeDocument/2006/relationships" xmlns:p="http://schemas.openxmlformats.org/presentationml/2006/main">
+  <p:cSld>
+    <p:spTree>
+      <p:nvGrpSpPr>
+        <p:cNvPr id="1" name=""/>
+        <p:cNvGrpSpPr/>
+        <p:nvPr/>
+      </p:nvGrpSpPr>
+      <p:grpSpPr>
+        <a:xfrm>
+          <a:off x="0" y="0"/>
+          <a:ext cx="0" cy="0"/>
+          <a:chOff x="0" y="0"/>
+          <a:chExt cx="0" cy="0"/>
+        </a:xfrm>
+      </p:grpSpPr>
+      <p:sp>
+        <p:nvSpPr>
+          <p:cNvPr id="2" name="Title 1">
+            <a:extLst>
+              <a:ext uri="{FF2B5EF4-FFF2-40B4-BE49-F238E27FC236}">
+                <a16:creationId xmlns:a16="http://schemas.microsoft.com/office/drawing/2014/main" id="{9C5E42EE-EA5D-4203-B1EC-B96B68D2A8EA}"/>
+              </a:ext>
+            </a:extLst>
+          </p:cNvPr>
+          <p:cNvSpPr>
+            <a:spLocks noGrp="1"/>
+          </p:cNvSpPr>
+          <p:nvPr>
+            <p:ph type="title"/>
+          </p:nvPr>
+        </p:nvSpPr>
+        <p:spPr/>
+        <p:txBody>
+          <a:bodyPr>
+            <a:normAutofit/>
+          </a:bodyPr>
+          <a:lstStyle/>
+          <a:p>
+            <a:pPr rtl="0" eaLnBrk="1" latinLnBrk="0" hangingPunct="1"/>
+            <a:r>
+              <a:rPr lang="en-US" sz="3600" b="0" i="0" kern="1200" baseline="0" dirty="0">
+                <a:solidFill>
+                  <a:schemeClr val="tx1">
+                    <a:lumMod val="85000"/>
+                    <a:lumOff val="15000"/>
+                  </a:schemeClr>
+                </a:solidFill>
+                <a:effectLst/>
+                <a:latin typeface="+mj-lt"/>
+                <a:ea typeface="+mj-ea"/>
+                <a:cs typeface="+mj-cs"/>
+              </a:rPr>
+              <a:t>Procedure</a:t>
+            </a:r>
+            <a:endParaRPr lang="en-US" sz="4400" dirty="0">
+              <a:effectLst/>
+            </a:endParaRPr>
+          </a:p>
+        </p:txBody>
+      </p:sp>
+      <p:sp>
+        <p:nvSpPr>
+          <p:cNvPr id="3" name="Content Placeholder 2">
+            <a:extLst>
+              <a:ext uri="{FF2B5EF4-FFF2-40B4-BE49-F238E27FC236}">
+                <a16:creationId xmlns:a16="http://schemas.microsoft.com/office/drawing/2014/main" id="{044B4F6E-A639-47F4-91A5-68807265D618}"/>
+              </a:ext>
+            </a:extLst>
+          </p:cNvPr>
+          <p:cNvSpPr>
+            <a:spLocks noGrp="1"/>
+          </p:cNvSpPr>
+          <p:nvPr>
+            <p:ph idx="1"/>
+          </p:nvPr>
+        </p:nvSpPr>
+        <p:spPr>
+          <a:xfrm>
+            <a:off x="2589211" y="1451113"/>
+            <a:ext cx="9079327" cy="5068957"/>
+          </a:xfrm>
+        </p:spPr>
+        <p:txBody>
+          <a:bodyPr/>
+          <a:lstStyle/>
+          <a:p>
+            <a:endParaRPr lang="en-US" dirty="0"/>
+          </a:p>
+        </p:txBody>
+      </p:sp>
+    </p:spTree>
+    <p:extLst>
+      <p:ext uri="{BB962C8B-B14F-4D97-AF65-F5344CB8AC3E}">
+        <p14:creationId xmlns:p14="http://schemas.microsoft.com/office/powerpoint/2010/main" val="3600086102"/>
+      </p:ext>
+    </p:extLst>
+  </p:cSld>
+  <p:clrMapOvr>
+    <a:masterClrMapping/>
+  </p:clrMapOvr>
+</p:sld>
+</file>
+
+<file path=ppt/slides/slide21.xml><?xml version="1.0" encoding="utf-8"?>
+<p:sld xmlns:a="http://schemas.openxmlformats.org/drawingml/2006/main" xmlns:r="http://schemas.openxmlformats.org/officeDocument/2006/relationships" xmlns:p="http://schemas.openxmlformats.org/presentationml/2006/main">
+  <p:cSld>
+    <p:spTree>
+      <p:nvGrpSpPr>
+        <p:cNvPr id="1" name=""/>
+        <p:cNvGrpSpPr/>
+        <p:nvPr/>
+      </p:nvGrpSpPr>
+      <p:grpSpPr>
+        <a:xfrm>
+          <a:off x="0" y="0"/>
+          <a:ext cx="0" cy="0"/>
+          <a:chOff x="0" y="0"/>
+          <a:chExt cx="0" cy="0"/>
+        </a:xfrm>
+      </p:grpSpPr>
+      <p:sp>
+        <p:nvSpPr>
+          <p:cNvPr id="2" name="Title 1">
+            <a:extLst>
+              <a:ext uri="{FF2B5EF4-FFF2-40B4-BE49-F238E27FC236}">
+                <a16:creationId xmlns:a16="http://schemas.microsoft.com/office/drawing/2014/main" id="{9C5E42EE-EA5D-4203-B1EC-B96B68D2A8EA}"/>
+              </a:ext>
+            </a:extLst>
+          </p:cNvPr>
+          <p:cNvSpPr>
+            <a:spLocks noGrp="1"/>
+          </p:cNvSpPr>
+          <p:nvPr>
+            <p:ph type="title"/>
+          </p:nvPr>
+        </p:nvSpPr>
+        <p:spPr/>
+        <p:txBody>
+          <a:bodyPr>
+            <a:normAutofit/>
+          </a:bodyPr>
+          <a:lstStyle/>
+          <a:p>
+            <a:pPr rtl="0" eaLnBrk="1" latinLnBrk="0" hangingPunct="1"/>
+            <a:r>
+              <a:rPr lang="en-US" sz="3600" b="0" i="0" kern="1200" baseline="0" dirty="0">
+                <a:solidFill>
+                  <a:schemeClr val="tx1">
+                    <a:lumMod val="85000"/>
+                    <a:lumOff val="15000"/>
+                  </a:schemeClr>
+                </a:solidFill>
+                <a:effectLst/>
+                <a:latin typeface="+mj-lt"/>
+                <a:ea typeface="+mj-ea"/>
+                <a:cs typeface="+mj-cs"/>
+              </a:rPr>
+              <a:t>Pivotal Value Statement </a:t>
+            </a:r>
+            <a:endParaRPr lang="en-US" sz="4400" dirty="0">
+              <a:effectLst/>
+            </a:endParaRPr>
+          </a:p>
+        </p:txBody>
+      </p:sp>
+      <p:sp>
+        <p:nvSpPr>
+          <p:cNvPr id="3" name="Content Placeholder 2">
+            <a:extLst>
+              <a:ext uri="{FF2B5EF4-FFF2-40B4-BE49-F238E27FC236}">
+                <a16:creationId xmlns:a16="http://schemas.microsoft.com/office/drawing/2014/main" id="{044B4F6E-A639-47F4-91A5-68807265D618}"/>
+              </a:ext>
+            </a:extLst>
+          </p:cNvPr>
+          <p:cNvSpPr>
+            <a:spLocks noGrp="1"/>
+          </p:cNvSpPr>
+          <p:nvPr>
+            <p:ph idx="1"/>
+          </p:nvPr>
+        </p:nvSpPr>
+        <p:spPr>
+          <a:xfrm>
+            <a:off x="2589211" y="1451113"/>
+            <a:ext cx="9079327" cy="5068957"/>
+          </a:xfrm>
+        </p:spPr>
+        <p:txBody>
+          <a:bodyPr/>
+          <a:lstStyle/>
+          <a:p>
+            <a:endParaRPr lang="en-US" dirty="0"/>
+          </a:p>
+        </p:txBody>
+      </p:sp>
+    </p:spTree>
+    <p:extLst>
+      <p:ext uri="{BB962C8B-B14F-4D97-AF65-F5344CB8AC3E}">
+        <p14:creationId xmlns:p14="http://schemas.microsoft.com/office/powerpoint/2010/main" val="3071141420"/>
+      </p:ext>
+    </p:extLst>
+  </p:cSld>
+  <p:clrMapOvr>
+    <a:masterClrMapping/>
+  </p:clrMapOvr>
+</p:sld>
+</file>
+
+<file path=ppt/slides/slide22.xml><?xml version="1.0" encoding="utf-8"?>
+<p:sld xmlns:a="http://schemas.openxmlformats.org/drawingml/2006/main" xmlns:r="http://schemas.openxmlformats.org/officeDocument/2006/relationships" xmlns:p="http://schemas.openxmlformats.org/presentationml/2006/main">
+  <p:cSld>
+    <p:spTree>
+      <p:nvGrpSpPr>
+        <p:cNvPr id="1" name=""/>
+        <p:cNvGrpSpPr/>
+        <p:nvPr/>
+      </p:nvGrpSpPr>
+      <p:grpSpPr>
+        <a:xfrm>
+          <a:off x="0" y="0"/>
+          <a:ext cx="0" cy="0"/>
+          <a:chOff x="0" y="0"/>
+          <a:chExt cx="0" cy="0"/>
+        </a:xfrm>
+      </p:grpSpPr>
+      <p:sp>
+        <p:nvSpPr>
+          <p:cNvPr id="2" name="Title 1">
+            <a:extLst>
+              <a:ext uri="{FF2B5EF4-FFF2-40B4-BE49-F238E27FC236}">
+                <a16:creationId xmlns:a16="http://schemas.microsoft.com/office/drawing/2014/main" id="{9C5E42EE-EA5D-4203-B1EC-B96B68D2A8EA}"/>
+              </a:ext>
+            </a:extLst>
+          </p:cNvPr>
+          <p:cNvSpPr>
+            <a:spLocks noGrp="1"/>
+          </p:cNvSpPr>
+          <p:nvPr>
+            <p:ph type="title"/>
+          </p:nvPr>
+        </p:nvSpPr>
+        <p:spPr/>
+        <p:txBody>
+          <a:bodyPr>
+            <a:normAutofit/>
+          </a:bodyPr>
+          <a:lstStyle/>
+          <a:p>
+            <a:pPr marL="0" marR="0" lvl="0" indent="0" algn="l" defTabSz="457200" rtl="0" eaLnBrk="1" fontAlgn="auto" latinLnBrk="0" hangingPunct="1">
+              <a:lnSpc>
+                <a:spcPct val="100000"/>
+              </a:lnSpc>
+              <a:spcBef>
+                <a:spcPct val="0"/>
+              </a:spcBef>
+              <a:spcAft>
+                <a:spcPts val="0"/>
+              </a:spcAft>
+              <a:buClrTx/>
+              <a:buSzTx/>
+              <a:buFontTx/>
+              <a:buNone/>
+              <a:tabLst/>
+              <a:defRPr/>
+            </a:pPr>
+            <a:r>
+              <a:rPr lang="en-US" sz="3600" kern="1200" dirty="0">
+                <a:solidFill>
+                  <a:schemeClr val="tx1">
+                    <a:lumMod val="85000"/>
+                    <a:lumOff val="15000"/>
+                  </a:schemeClr>
+                </a:solidFill>
+                <a:effectLst/>
+                <a:latin typeface="+mj-lt"/>
+                <a:ea typeface="+mj-ea"/>
+                <a:cs typeface="+mj-cs"/>
+              </a:rPr>
+              <a:t>_Notes_</a:t>
+            </a:r>
+            <a:endParaRPr lang="en-US" dirty="0">
+              <a:effectLst/>
+            </a:endParaRPr>
+          </a:p>
+        </p:txBody>
+      </p:sp>
+      <p:sp>
+        <p:nvSpPr>
+          <p:cNvPr id="3" name="Content Placeholder 2">
+            <a:extLst>
+              <a:ext uri="{FF2B5EF4-FFF2-40B4-BE49-F238E27FC236}">
+                <a16:creationId xmlns:a16="http://schemas.microsoft.com/office/drawing/2014/main" id="{044B4F6E-A639-47F4-91A5-68807265D618}"/>
+              </a:ext>
+            </a:extLst>
+          </p:cNvPr>
+          <p:cNvSpPr>
+            <a:spLocks noGrp="1"/>
+          </p:cNvSpPr>
+          <p:nvPr>
+            <p:ph idx="1"/>
+          </p:nvPr>
+        </p:nvSpPr>
+        <p:spPr>
+          <a:xfrm>
+            <a:off x="2589211" y="1451113"/>
+            <a:ext cx="9079327" cy="5068957"/>
+          </a:xfrm>
+        </p:spPr>
+        <p:txBody>
+          <a:bodyPr/>
+          <a:lstStyle/>
+          <a:p>
+            <a:r>
+              <a:rPr lang="en-US" dirty="0"/>
+              <a:t>[1] </a:t>
+            </a:r>
+            <a:r>
+              <a:rPr lang="en-US" dirty="0">
+                <a:hlinkClick r:id="rId3"/>
+              </a:rPr>
+              <a:t>Feather - A complete line of development boards from Adafruit that are both standalone and stackable</a:t>
+            </a:r>
+            <a:endParaRPr lang="en-US" dirty="0"/>
+          </a:p>
+        </p:txBody>
+      </p:sp>
+    </p:spTree>
+    <p:extLst>
+      <p:ext uri="{BB962C8B-B14F-4D97-AF65-F5344CB8AC3E}">
+        <p14:creationId xmlns:p14="http://schemas.microsoft.com/office/powerpoint/2010/main" val="3976643547"/>
+      </p:ext>
+    </p:extLst>
+  </p:cSld>
+  <p:clrMapOvr>
+    <a:masterClrMapping/>
+  </p:clrMapOvr>
+</p:sld>
+</file>
+
+<file path=ppt/slides/slide3.xml><?xml version="1.0" encoding="utf-8"?>
+<p:sld xmlns:a="http://schemas.openxmlformats.org/drawingml/2006/main" xmlns:r="http://schemas.openxmlformats.org/officeDocument/2006/relationships" xmlns:p="http://schemas.openxmlformats.org/presentationml/2006/main">
+  <p:cSld>
+    <p:spTree>
+      <p:nvGrpSpPr>
+        <p:cNvPr id="1" name=""/>
+        <p:cNvGrpSpPr/>
+        <p:nvPr/>
+      </p:nvGrpSpPr>
+      <p:grpSpPr>
+        <a:xfrm>
+          <a:off x="0" y="0"/>
+          <a:ext cx="0" cy="0"/>
+          <a:chOff x="0" y="0"/>
+          <a:chExt cx="0" cy="0"/>
+        </a:xfrm>
+      </p:grpSpPr>
+      <p:sp>
+        <p:nvSpPr>
+          <p:cNvPr id="2" name="Title 1">
+            <a:extLst>
+              <a:ext uri="{FF2B5EF4-FFF2-40B4-BE49-F238E27FC236}">
+                <a16:creationId xmlns:a16="http://schemas.microsoft.com/office/drawing/2014/main" id="{9C5E42EE-EA5D-4203-B1EC-B96B68D2A8EA}"/>
+              </a:ext>
+            </a:extLst>
+          </p:cNvPr>
+          <p:cNvSpPr>
+            <a:spLocks noGrp="1"/>
+          </p:cNvSpPr>
+          <p:nvPr>
+            <p:ph type="title"/>
+          </p:nvPr>
+        </p:nvSpPr>
+        <p:spPr/>
+        <p:txBody>
+          <a:bodyPr>
+            <a:normAutofit/>
+          </a:bodyPr>
+          <a:lstStyle/>
+          <a:p>
+            <a:r>
+              <a:rPr lang="en-US" b="0" i="0" u="none" strike="noStrike" kern="1200" baseline="0" dirty="0">
+                <a:solidFill>
+                  <a:schemeClr val="tx1"/>
+                </a:solidFill>
+                <a:latin typeface="+mj-lt"/>
+                <a:ea typeface="+mj-ea"/>
+                <a:cs typeface="+mj-cs"/>
+              </a:rPr>
+              <a:t>Customer Request</a:t>
+            </a:r>
+            <a:endParaRPr lang="en-US" dirty="0"/>
+          </a:p>
+        </p:txBody>
+      </p:sp>
+      <p:sp>
+        <p:nvSpPr>
+          <p:cNvPr id="3" name="Content Placeholder 2">
+            <a:extLst>
+              <a:ext uri="{FF2B5EF4-FFF2-40B4-BE49-F238E27FC236}">
+                <a16:creationId xmlns:a16="http://schemas.microsoft.com/office/drawing/2014/main" id="{044B4F6E-A639-47F4-91A5-68807265D618}"/>
+              </a:ext>
+            </a:extLst>
+          </p:cNvPr>
+          <p:cNvSpPr>
+            <a:spLocks noGrp="1"/>
+          </p:cNvSpPr>
+          <p:nvPr>
+            <p:ph idx="1"/>
+          </p:nvPr>
+        </p:nvSpPr>
+        <p:spPr>
+          <a:xfrm>
+            <a:off x="2589211" y="1451113"/>
+            <a:ext cx="9079327" cy="5068957"/>
+          </a:xfrm>
+        </p:spPr>
+        <p:txBody>
+          <a:bodyPr/>
+          <a:lstStyle/>
+          <a:p>
+            <a:r>
+              <a:rPr lang="en-US" dirty="0"/>
+              <a:t>Novel embedded device work with esteemed peer</a:t>
+            </a:r>
+          </a:p>
+          <a:p>
+            <a:pPr lvl="1"/>
+            <a:r>
+              <a:rPr lang="en-US" dirty="0"/>
+              <a:t>DTECTS for Ergsense</a:t>
+            </a:r>
+          </a:p>
+          <a:p>
+            <a:pPr marL="457200" lvl="1" indent="0">
+              <a:buNone/>
+            </a:pPr>
+            <a:endParaRPr lang="en-US" dirty="0"/>
+          </a:p>
+          <a:p>
+            <a:r>
+              <a:rPr lang="en-US" dirty="0"/>
+              <a:t>Stabilization &amp; path forward</a:t>
+            </a:r>
+          </a:p>
+          <a:p>
+            <a:pPr lvl="1"/>
+            <a:r>
+              <a:rPr lang="en-US" dirty="0"/>
+              <a:t>Firmware Architecture &amp; Path to Market</a:t>
+            </a:r>
+          </a:p>
+          <a:p>
+            <a:pPr lvl="1"/>
+            <a:r>
+              <a:rPr lang="en-US" dirty="0"/>
+              <a:t>Board Revisions</a:t>
+            </a:r>
+          </a:p>
+          <a:p>
+            <a:pPr lvl="1"/>
+            <a:r>
+              <a:rPr lang="en-US" dirty="0"/>
+              <a:t>Feature Integration &amp; Design Simplification</a:t>
+            </a:r>
+          </a:p>
+          <a:p>
+            <a:pPr marL="457200" lvl="1" indent="0">
+              <a:buNone/>
+            </a:pPr>
+            <a:endParaRPr lang="en-US" dirty="0"/>
+          </a:p>
+        </p:txBody>
+      </p:sp>
+    </p:spTree>
+    <p:extLst>
+      <p:ext uri="{BB962C8B-B14F-4D97-AF65-F5344CB8AC3E}">
+        <p14:creationId xmlns:p14="http://schemas.microsoft.com/office/powerpoint/2010/main" val="3903361858"/>
+      </p:ext>
+    </p:extLst>
+  </p:cSld>
+  <p:clrMapOvr>
+    <a:masterClrMapping/>
+  </p:clrMapOvr>
+</p:sld>
+</file>
+
+<file path=ppt/slides/slide4.xml><?xml version="1.0" encoding="utf-8"?>
+<p:sld xmlns:a="http://schemas.openxmlformats.org/drawingml/2006/main" xmlns:r="http://schemas.openxmlformats.org/officeDocument/2006/relationships" xmlns:p="http://schemas.openxmlformats.org/presentationml/2006/main">
+  <p:cSld>
+    <p:spTree>
+      <p:nvGrpSpPr>
+        <p:cNvPr id="1" name=""/>
+        <p:cNvGrpSpPr/>
+        <p:nvPr/>
+      </p:nvGrpSpPr>
+      <p:grpSpPr>
+        <a:xfrm>
+          <a:off x="0" y="0"/>
+          <a:ext cx="0" cy="0"/>
+          <a:chOff x="0" y="0"/>
+          <a:chExt cx="0" cy="0"/>
+        </a:xfrm>
+      </p:grpSpPr>
+      <p:sp>
+        <p:nvSpPr>
+          <p:cNvPr id="2" name="Title 1">
+            <a:extLst>
+              <a:ext uri="{FF2B5EF4-FFF2-40B4-BE49-F238E27FC236}">
+                <a16:creationId xmlns:a16="http://schemas.microsoft.com/office/drawing/2014/main" id="{9C5E42EE-EA5D-4203-B1EC-B96B68D2A8EA}"/>
+              </a:ext>
+            </a:extLst>
+          </p:cNvPr>
+          <p:cNvSpPr>
+            <a:spLocks noGrp="1"/>
+          </p:cNvSpPr>
+          <p:nvPr>
+            <p:ph type="title"/>
+          </p:nvPr>
+        </p:nvSpPr>
+        <p:spPr/>
+        <p:txBody>
+          <a:bodyPr>
+            <a:normAutofit/>
+          </a:bodyPr>
+          <a:lstStyle/>
+          <a:p>
+            <a:r>
+              <a:rPr lang="en-US" kern="1200" dirty="0">
+                <a:solidFill>
+                  <a:schemeClr val="tx1">
+                    <a:lumMod val="85000"/>
+                    <a:lumOff val="15000"/>
+                  </a:schemeClr>
+                </a:solidFill>
+                <a:effectLst/>
+                <a:latin typeface="+mj-lt"/>
+                <a:ea typeface="+mj-ea"/>
+                <a:cs typeface="+mj-cs"/>
+              </a:rPr>
+              <a:t>Feather Opportunities</a:t>
+            </a:r>
+            <a:endParaRPr lang="en-US" dirty="0"/>
+          </a:p>
+        </p:txBody>
+      </p:sp>
+      <p:sp>
+        <p:nvSpPr>
+          <p:cNvPr id="3" name="Content Placeholder 2">
+            <a:extLst>
+              <a:ext uri="{FF2B5EF4-FFF2-40B4-BE49-F238E27FC236}">
+                <a16:creationId xmlns:a16="http://schemas.microsoft.com/office/drawing/2014/main" id="{044B4F6E-A639-47F4-91A5-68807265D618}"/>
+              </a:ext>
+            </a:extLst>
+          </p:cNvPr>
+          <p:cNvSpPr>
+            <a:spLocks noGrp="1"/>
+          </p:cNvSpPr>
+          <p:nvPr>
+            <p:ph idx="1"/>
+          </p:nvPr>
+        </p:nvSpPr>
+        <p:spPr>
+          <a:xfrm>
+            <a:off x="2589211" y="1451113"/>
+            <a:ext cx="9079327" cy="5068957"/>
+          </a:xfrm>
+        </p:spPr>
+        <p:txBody>
+          <a:bodyPr/>
+          <a:lstStyle/>
+          <a:p>
+            <a:r>
+              <a:rPr lang="en-US" dirty="0"/>
+              <a:t>Cross-compatible platform spanning several vendors, use cases &amp; solutions</a:t>
+            </a:r>
+          </a:p>
+          <a:p>
+            <a:pPr lvl="1"/>
+            <a:r>
+              <a:rPr lang="en-US" dirty="0"/>
+              <a:t>Picture of Hats or Feather options</a:t>
+            </a:r>
+          </a:p>
+          <a:p>
+            <a:pPr lvl="1"/>
+            <a:r>
+              <a:rPr lang="en-US" dirty="0"/>
+              <a:t>What feature or family do you need, they’ve got it w/example</a:t>
+            </a:r>
+          </a:p>
+          <a:p>
+            <a:r>
+              <a:rPr lang="en-US" dirty="0"/>
+              <a:t>A leading expression platform at present</a:t>
+            </a:r>
+          </a:p>
+          <a:p>
+            <a:pPr lvl="1"/>
+            <a:r>
+              <a:rPr lang="en-US" dirty="0"/>
+              <a:t>Enables idea generation and investigation by large audience</a:t>
+            </a:r>
+          </a:p>
+          <a:p>
+            <a:pPr lvl="1"/>
+            <a:r>
+              <a:rPr lang="en-US" dirty="0"/>
+              <a:t>Like the DTECTS platform with Ergsense, enabling real-time monitoring of electrical motors</a:t>
+            </a:r>
+          </a:p>
+          <a:p>
+            <a:pPr lvl="1"/>
+            <a:r>
+              <a:rPr lang="en-US" dirty="0"/>
+              <a:t>With academic physics experimentation, chemistry monitoring or computer science embedded user interfaces for example</a:t>
+            </a:r>
+          </a:p>
+          <a:p>
+            <a:pPr lvl="1"/>
+            <a:r>
+              <a:rPr lang="en-US" dirty="0"/>
+              <a:t>In industry with PoC examination &amp; formulation (e.g. grain moisture detection)</a:t>
+            </a:r>
+          </a:p>
+          <a:p>
+            <a:r>
+              <a:rPr lang="en-US" dirty="0"/>
+              <a:t>This platform genre is maturing</a:t>
+            </a:r>
+          </a:p>
+          <a:p>
+            <a:pPr lvl="1"/>
+            <a:r>
+              <a:rPr lang="en-US" dirty="0"/>
+              <a:t>Integration into later stages of product design &amp; release</a:t>
+            </a:r>
+          </a:p>
+          <a:p>
+            <a:pPr lvl="1"/>
+            <a:r>
+              <a:rPr lang="en-US" dirty="0"/>
+              <a:t>Arduino, Feather, Particle, etc.</a:t>
+            </a:r>
+          </a:p>
+        </p:txBody>
+      </p:sp>
+      <p:sp>
+        <p:nvSpPr>
+          <p:cNvPr id="4" name="TextBox 3">
+            <a:extLst>
+              <a:ext uri="{FF2B5EF4-FFF2-40B4-BE49-F238E27FC236}">
+                <a16:creationId xmlns:a16="http://schemas.microsoft.com/office/drawing/2014/main" id="{790809A5-49C1-4088-8A82-6305D423F75D}"/>
+              </a:ext>
+            </a:extLst>
+          </p:cNvPr>
+          <p:cNvSpPr txBox="1"/>
+          <p:nvPr/>
+        </p:nvSpPr>
+        <p:spPr>
+          <a:xfrm>
+            <a:off x="6448098" y="6117021"/>
+            <a:ext cx="5376042" cy="523220"/>
+          </a:xfrm>
+          <a:prstGeom prst="rect">
+            <a:avLst/>
+          </a:prstGeom>
+          <a:noFill/>
+        </p:spPr>
+        <p:txBody>
+          <a:bodyPr wrap="square" rtlCol="0">
+            <a:spAutoFit/>
+          </a:bodyPr>
+          <a:lstStyle/>
+          <a:p>
+            <a:pPr algn="ctr"/>
+            <a:r>
+              <a:rPr lang="en-US" sz="1400" dirty="0"/>
+              <a:t>"At its core, the Adafruit Feather is a complete ecosystem of products - and the best way to get your project flying” </a:t>
+            </a:r>
+            <a:r>
+              <a:rPr lang="en-US" sz="1400" dirty="0">
+                <a:hlinkClick r:id="rId3"/>
+              </a:rPr>
+              <a:t>[1]</a:t>
+            </a:r>
+            <a:endParaRPr lang="en-US" sz="1400" dirty="0"/>
+          </a:p>
+        </p:txBody>
+      </p:sp>
+    </p:spTree>
+    <p:extLst>
+      <p:ext uri="{BB962C8B-B14F-4D97-AF65-F5344CB8AC3E}">
+        <p14:creationId xmlns:p14="http://schemas.microsoft.com/office/powerpoint/2010/main" val="906578158"/>
+      </p:ext>
+    </p:extLst>
+  </p:cSld>
+  <p:clrMapOvr>
+    <a:masterClrMapping/>
+  </p:clrMapOvr>
+</p:sld>
+</file>
+
+<file path=ppt/slides/slide5.xml><?xml version="1.0" encoding="utf-8"?>
+<p:sld xmlns:a="http://schemas.openxmlformats.org/drawingml/2006/main" xmlns:r="http://schemas.openxmlformats.org/officeDocument/2006/relationships" xmlns:p="http://schemas.openxmlformats.org/presentationml/2006/main">
+  <p:cSld>
+    <p:spTree>
+      <p:nvGrpSpPr>
+        <p:cNvPr id="1" name=""/>
+        <p:cNvGrpSpPr/>
+        <p:nvPr/>
+      </p:nvGrpSpPr>
+      <p:grpSpPr>
+        <a:xfrm>
+          <a:off x="0" y="0"/>
+          <a:ext cx="0" cy="0"/>
+          <a:chOff x="0" y="0"/>
+          <a:chExt cx="0" cy="0"/>
+        </a:xfrm>
+      </p:grpSpPr>
+      <p:sp>
+        <p:nvSpPr>
+          <p:cNvPr id="2" name="Title 1">
+            <a:extLst>
+              <a:ext uri="{FF2B5EF4-FFF2-40B4-BE49-F238E27FC236}">
+                <a16:creationId xmlns:a16="http://schemas.microsoft.com/office/drawing/2014/main" id="{9C5E42EE-EA5D-4203-B1EC-B96B68D2A8EA}"/>
+              </a:ext>
+            </a:extLst>
+          </p:cNvPr>
+          <p:cNvSpPr>
+            <a:spLocks noGrp="1"/>
+          </p:cNvSpPr>
+          <p:nvPr>
+            <p:ph type="title"/>
+          </p:nvPr>
+        </p:nvSpPr>
+        <p:spPr/>
+        <p:txBody>
+          <a:bodyPr>
+            <a:normAutofit/>
+          </a:bodyPr>
+          <a:lstStyle/>
+          <a:p>
+            <a:r>
+              <a:rPr lang="en-US" kern="1200" dirty="0">
+                <a:solidFill>
+                  <a:schemeClr val="tx1">
+                    <a:lumMod val="85000"/>
+                    <a:lumOff val="15000"/>
+                  </a:schemeClr>
+                </a:solidFill>
+                <a:effectLst/>
+                <a:latin typeface="+mj-lt"/>
+                <a:ea typeface="+mj-ea"/>
+                <a:cs typeface="+mj-cs"/>
+              </a:rPr>
+              <a:t>Work Performed</a:t>
+            </a:r>
+            <a:endParaRPr lang="en-US" dirty="0"/>
+          </a:p>
+        </p:txBody>
+      </p:sp>
+      <p:sp>
+        <p:nvSpPr>
+          <p:cNvPr id="3" name="Content Placeholder 2">
+            <a:extLst>
+              <a:ext uri="{FF2B5EF4-FFF2-40B4-BE49-F238E27FC236}">
+                <a16:creationId xmlns:a16="http://schemas.microsoft.com/office/drawing/2014/main" id="{044B4F6E-A639-47F4-91A5-68807265D618}"/>
+              </a:ext>
+            </a:extLst>
+          </p:cNvPr>
+          <p:cNvSpPr>
+            <a:spLocks noGrp="1"/>
+          </p:cNvSpPr>
+          <p:nvPr>
+            <p:ph idx="1"/>
+          </p:nvPr>
+        </p:nvSpPr>
+        <p:spPr>
+          <a:xfrm>
+            <a:off x="2589211" y="1451113"/>
+            <a:ext cx="9079327" cy="5068957"/>
+          </a:xfrm>
+        </p:spPr>
+        <p:txBody>
+          <a:bodyPr/>
+          <a:lstStyle/>
+          <a:p>
+            <a:r>
+              <a:rPr lang="en-US" dirty="0"/>
+              <a:t>Path identification</a:t>
+            </a:r>
+          </a:p>
+          <a:p>
+            <a:pPr lvl="1"/>
+            <a:r>
+              <a:rPr lang="en-US" dirty="0"/>
+              <a:t>Bare-metal investigate</a:t>
+            </a:r>
+          </a:p>
+          <a:p>
+            <a:pPr lvl="1"/>
+            <a:r>
+              <a:rPr lang="en-US" dirty="0"/>
+              <a:t>Standardized design practices?</a:t>
+            </a:r>
+          </a:p>
+          <a:p>
+            <a:pPr marL="457200" lvl="1" indent="0">
+              <a:buNone/>
+            </a:pPr>
+            <a:endParaRPr lang="en-US" dirty="0"/>
+          </a:p>
+          <a:p>
+            <a:r>
+              <a:rPr lang="en-US" dirty="0"/>
+              <a:t>Design Standardization</a:t>
+            </a:r>
+          </a:p>
+          <a:p>
+            <a:pPr lvl="1"/>
+            <a:r>
+              <a:rPr lang="en-US" dirty="0"/>
+              <a:t>Revisioning (multiple repositories)</a:t>
+            </a:r>
+          </a:p>
+          <a:p>
+            <a:pPr lvl="1"/>
+            <a:r>
+              <a:rPr lang="en-US" dirty="0"/>
+              <a:t>Schematics (modularization, consistency)</a:t>
+            </a:r>
+          </a:p>
+          <a:p>
+            <a:pPr lvl="1"/>
+            <a:r>
+              <a:rPr lang="en-US" dirty="0"/>
+              <a:t>Board (features, design flexibility)</a:t>
+            </a:r>
+          </a:p>
+          <a:p>
+            <a:pPr marL="457200" lvl="1" indent="0">
+              <a:buNone/>
+            </a:pPr>
+            <a:endParaRPr lang="en-US" dirty="0"/>
+          </a:p>
+          <a:p>
+            <a:r>
+              <a:rPr lang="en-US" dirty="0"/>
+              <a:t>Secure a Path Forward</a:t>
+            </a:r>
+          </a:p>
+          <a:p>
+            <a:pPr lvl="1"/>
+            <a:r>
+              <a:rPr lang="en-US" dirty="0"/>
+              <a:t>Standardization &amp; Organization</a:t>
+            </a:r>
+          </a:p>
+          <a:p>
+            <a:pPr lvl="1"/>
+            <a:r>
+              <a:rPr lang="en-US" dirty="0"/>
+              <a:t>Clarity of Communications &amp; Media</a:t>
+            </a:r>
+          </a:p>
+          <a:p>
+            <a:pPr lvl="1"/>
+            <a:endParaRPr lang="en-US" dirty="0"/>
+          </a:p>
+        </p:txBody>
+      </p:sp>
+    </p:spTree>
+    <p:extLst>
+      <p:ext uri="{BB962C8B-B14F-4D97-AF65-F5344CB8AC3E}">
+        <p14:creationId xmlns:p14="http://schemas.microsoft.com/office/powerpoint/2010/main" val="512168512"/>
+      </p:ext>
+    </p:extLst>
+  </p:cSld>
+  <p:clrMapOvr>
+    <a:masterClrMapping/>
+  </p:clrMapOvr>
+</p:sld>
+</file>
+
+<file path=ppt/slides/slide6.xml><?xml version="1.0" encoding="utf-8"?>
+<p:sld xmlns:a="http://schemas.openxmlformats.org/drawingml/2006/main" xmlns:r="http://schemas.openxmlformats.org/officeDocument/2006/relationships" xmlns:p="http://schemas.openxmlformats.org/presentationml/2006/main">
+  <p:cSld>
+    <p:spTree>
+      <p:nvGrpSpPr>
+        <p:cNvPr id="1" name=""/>
+        <p:cNvGrpSpPr/>
+        <p:nvPr/>
+      </p:nvGrpSpPr>
+      <p:grpSpPr>
+        <a:xfrm>
+          <a:off x="0" y="0"/>
+          <a:ext cx="0" cy="0"/>
+          <a:chOff x="0" y="0"/>
+          <a:chExt cx="0" cy="0"/>
+        </a:xfrm>
+      </p:grpSpPr>
+      <p:sp>
+        <p:nvSpPr>
+          <p:cNvPr id="2" name="Title 1">
+            <a:extLst>
+              <a:ext uri="{FF2B5EF4-FFF2-40B4-BE49-F238E27FC236}">
+                <a16:creationId xmlns:a16="http://schemas.microsoft.com/office/drawing/2014/main" id="{9C5E42EE-EA5D-4203-B1EC-B96B68D2A8EA}"/>
+              </a:ext>
+            </a:extLst>
+          </p:cNvPr>
+          <p:cNvSpPr>
+            <a:spLocks noGrp="1"/>
+          </p:cNvSpPr>
+          <p:nvPr>
+            <p:ph type="title"/>
+          </p:nvPr>
+        </p:nvSpPr>
+        <p:spPr/>
+        <p:txBody>
+          <a:bodyPr>
+            <a:normAutofit/>
+          </a:bodyPr>
+          <a:lstStyle/>
+          <a:p>
+            <a:pPr rtl="0" eaLnBrk="1" latinLnBrk="0" hangingPunct="1"/>
+            <a:r>
+              <a:rPr lang="en-US" sz="3600" b="0" i="0" kern="1200" baseline="0" dirty="0">
+                <a:solidFill>
+                  <a:schemeClr val="tx1">
+                    <a:lumMod val="85000"/>
+                    <a:lumOff val="15000"/>
+                  </a:schemeClr>
+                </a:solidFill>
+                <a:effectLst/>
+                <a:latin typeface="+mj-lt"/>
+                <a:ea typeface="+mj-ea"/>
+                <a:cs typeface="+mj-cs"/>
+              </a:rPr>
+              <a:t>Design Procedure (2)</a:t>
+            </a:r>
+            <a:endParaRPr lang="en-US" sz="4400" dirty="0">
+              <a:effectLst/>
+            </a:endParaRPr>
+          </a:p>
+        </p:txBody>
+      </p:sp>
+      <p:sp>
+        <p:nvSpPr>
+          <p:cNvPr id="3" name="Content Placeholder 2">
+            <a:extLst>
+              <a:ext uri="{FF2B5EF4-FFF2-40B4-BE49-F238E27FC236}">
+                <a16:creationId xmlns:a16="http://schemas.microsoft.com/office/drawing/2014/main" id="{044B4F6E-A639-47F4-91A5-68807265D618}"/>
+              </a:ext>
+            </a:extLst>
+          </p:cNvPr>
+          <p:cNvSpPr>
+            <a:spLocks noGrp="1"/>
+          </p:cNvSpPr>
+          <p:nvPr>
+            <p:ph idx="1"/>
+          </p:nvPr>
+        </p:nvSpPr>
+        <p:spPr>
+          <a:xfrm>
+            <a:off x="2589211" y="1451113"/>
+            <a:ext cx="9079327" cy="5068957"/>
+          </a:xfrm>
+        </p:spPr>
+        <p:txBody>
+          <a:bodyPr/>
+          <a:lstStyle/>
+          <a:p>
+            <a:endParaRPr lang="en-US" dirty="0"/>
+          </a:p>
+        </p:txBody>
+      </p:sp>
+    </p:spTree>
+    <p:extLst>
+      <p:ext uri="{BB962C8B-B14F-4D97-AF65-F5344CB8AC3E}">
+        <p14:creationId xmlns:p14="http://schemas.microsoft.com/office/powerpoint/2010/main" val="306193403"/>
+      </p:ext>
+    </p:extLst>
+  </p:cSld>
+  <p:clrMapOvr>
+    <a:masterClrMapping/>
+  </p:clrMapOvr>
+</p:sld>
+</file>
+
+<file path=ppt/slides/slide7.xml><?xml version="1.0" encoding="utf-8"?>
+<p:sld xmlns:a="http://schemas.openxmlformats.org/drawingml/2006/main" xmlns:r="http://schemas.openxmlformats.org/officeDocument/2006/relationships" xmlns:p="http://schemas.openxmlformats.org/presentationml/2006/main">
+  <p:cSld>
+    <p:spTree>
+      <p:nvGrpSpPr>
+        <p:cNvPr id="1" name=""/>
+        <p:cNvGrpSpPr/>
+        <p:nvPr/>
+      </p:nvGrpSpPr>
+      <p:grpSpPr>
+        <a:xfrm>
+          <a:off x="0" y="0"/>
+          <a:ext cx="0" cy="0"/>
+          <a:chOff x="0" y="0"/>
+          <a:chExt cx="0" cy="0"/>
+        </a:xfrm>
+      </p:grpSpPr>
+      <p:sp>
+        <p:nvSpPr>
+          <p:cNvPr id="2" name="Title 1">
+            <a:extLst>
+              <a:ext uri="{FF2B5EF4-FFF2-40B4-BE49-F238E27FC236}">
+                <a16:creationId xmlns:a16="http://schemas.microsoft.com/office/drawing/2014/main" id="{9C5E42EE-EA5D-4203-B1EC-B96B68D2A8EA}"/>
+              </a:ext>
+            </a:extLst>
+          </p:cNvPr>
+          <p:cNvSpPr>
+            <a:spLocks noGrp="1"/>
+          </p:cNvSpPr>
+          <p:nvPr>
+            <p:ph type="title"/>
+          </p:nvPr>
+        </p:nvSpPr>
+        <p:spPr/>
+        <p:txBody>
+          <a:bodyPr>
+            <a:normAutofit/>
+          </a:bodyPr>
+          <a:lstStyle/>
+          <a:p>
+            <a:pPr rtl="0" eaLnBrk="1" latinLnBrk="0" hangingPunct="1"/>
+            <a:r>
+              <a:rPr lang="en-US" sz="3600" b="0" i="0" kern="1200" baseline="0" dirty="0">
+                <a:solidFill>
+                  <a:schemeClr val="tx1">
+                    <a:lumMod val="85000"/>
+                    <a:lumOff val="15000"/>
+                  </a:schemeClr>
+                </a:solidFill>
+                <a:effectLst/>
+                <a:latin typeface="+mj-lt"/>
+                <a:ea typeface="+mj-ea"/>
+                <a:cs typeface="+mj-cs"/>
+              </a:rPr>
+              <a:t>Features Added</a:t>
+            </a:r>
+            <a:endParaRPr lang="en-US" sz="4400" dirty="0">
+              <a:effectLst/>
+            </a:endParaRPr>
+          </a:p>
+        </p:txBody>
+      </p:sp>
+      <p:sp>
+        <p:nvSpPr>
+          <p:cNvPr id="3" name="Content Placeholder 2">
+            <a:extLst>
+              <a:ext uri="{FF2B5EF4-FFF2-40B4-BE49-F238E27FC236}">
+                <a16:creationId xmlns:a16="http://schemas.microsoft.com/office/drawing/2014/main" id="{044B4F6E-A639-47F4-91A5-68807265D618}"/>
+              </a:ext>
+            </a:extLst>
+          </p:cNvPr>
+          <p:cNvSpPr>
+            <a:spLocks noGrp="1"/>
+          </p:cNvSpPr>
+          <p:nvPr>
+            <p:ph idx="1"/>
+          </p:nvPr>
+        </p:nvSpPr>
+        <p:spPr>
+          <a:xfrm>
+            <a:off x="2589211" y="1451113"/>
+            <a:ext cx="9079327" cy="5068957"/>
+          </a:xfrm>
+        </p:spPr>
+        <p:txBody>
+          <a:bodyPr/>
+          <a:lstStyle/>
+          <a:p>
+            <a:r>
+              <a:rPr lang="en-US" dirty="0"/>
+              <a:t>Design</a:t>
+            </a:r>
+          </a:p>
+          <a:p>
+            <a:pPr lvl="1"/>
+            <a:r>
+              <a:rPr lang="en-US" dirty="0"/>
+              <a:t>JTAG Port</a:t>
+            </a:r>
+          </a:p>
+          <a:p>
+            <a:pPr lvl="1"/>
+            <a:r>
+              <a:rPr lang="en-US" dirty="0"/>
+              <a:t>Serial Port</a:t>
+            </a:r>
+          </a:p>
+          <a:p>
+            <a:pPr lvl="1"/>
+            <a:r>
+              <a:rPr lang="en-US" dirty="0"/>
+              <a:t>Jumpers</a:t>
+            </a:r>
+          </a:p>
+          <a:p>
+            <a:pPr marL="457200" lvl="1" indent="0">
+              <a:buNone/>
+            </a:pPr>
+            <a:endParaRPr lang="en-US" dirty="0"/>
+          </a:p>
+          <a:p>
+            <a:r>
+              <a:rPr lang="en-US" dirty="0"/>
+              <a:t>Project</a:t>
+            </a:r>
+          </a:p>
+          <a:p>
+            <a:pPr lvl="1"/>
+            <a:r>
+              <a:rPr lang="en-US" dirty="0"/>
+              <a:t>Organized Schematics</a:t>
+            </a:r>
+          </a:p>
+          <a:p>
+            <a:pPr lvl="1"/>
+            <a:r>
+              <a:rPr lang="en-US" dirty="0"/>
+              <a:t>Unified Library</a:t>
+            </a:r>
+          </a:p>
+          <a:p>
+            <a:pPr lvl="1"/>
+            <a:r>
+              <a:rPr lang="en-US" dirty="0"/>
+              <a:t>Board Modularization</a:t>
+            </a:r>
+          </a:p>
+        </p:txBody>
+      </p:sp>
+    </p:spTree>
+    <p:extLst>
+      <p:ext uri="{BB962C8B-B14F-4D97-AF65-F5344CB8AC3E}">
+        <p14:creationId xmlns:p14="http://schemas.microsoft.com/office/powerpoint/2010/main" val="2481444653"/>
+      </p:ext>
+    </p:extLst>
+  </p:cSld>
+  <p:clrMapOvr>
+    <a:masterClrMapping/>
+  </p:clrMapOvr>
+</p:sld>
+</file>
+
+<file path=ppt/slides/slide8.xml><?xml version="1.0" encoding="utf-8"?>
+<p:sld xmlns:a="http://schemas.openxmlformats.org/drawingml/2006/main" xmlns:r="http://schemas.openxmlformats.org/officeDocument/2006/relationships" xmlns:p="http://schemas.openxmlformats.org/presentationml/2006/main">
+  <p:cSld>
+    <p:spTree>
+      <p:nvGrpSpPr>
+        <p:cNvPr id="1" name=""/>
+        <p:cNvGrpSpPr/>
+        <p:nvPr/>
+      </p:nvGrpSpPr>
+      <p:grpSpPr>
+        <a:xfrm>
+          <a:off x="0" y="0"/>
+          <a:ext cx="0" cy="0"/>
+          <a:chOff x="0" y="0"/>
+          <a:chExt cx="0" cy="0"/>
+        </a:xfrm>
+      </p:grpSpPr>
+      <p:sp>
+        <p:nvSpPr>
+          <p:cNvPr id="2" name="Title 1">
+            <a:extLst>
+              <a:ext uri="{FF2B5EF4-FFF2-40B4-BE49-F238E27FC236}">
+                <a16:creationId xmlns:a16="http://schemas.microsoft.com/office/drawing/2014/main" id="{9C5E42EE-EA5D-4203-B1EC-B96B68D2A8EA}"/>
+              </a:ext>
+            </a:extLst>
+          </p:cNvPr>
+          <p:cNvSpPr>
+            <a:spLocks noGrp="1"/>
+          </p:cNvSpPr>
+          <p:nvPr>
+            <p:ph type="title"/>
+          </p:nvPr>
+        </p:nvSpPr>
+        <p:spPr/>
+        <p:txBody>
+          <a:bodyPr>
+            <a:normAutofit/>
+          </a:bodyPr>
+          <a:lstStyle/>
+          <a:p>
+            <a:pPr rtl="0" eaLnBrk="1" latinLnBrk="0" hangingPunct="1"/>
+            <a:r>
+              <a:rPr lang="en-US" sz="3600" b="0" i="0" kern="1200" baseline="0" dirty="0">
+                <a:solidFill>
+                  <a:schemeClr val="tx1">
+                    <a:lumMod val="85000"/>
+                    <a:lumOff val="15000"/>
+                  </a:schemeClr>
+                </a:solidFill>
+                <a:effectLst/>
+                <a:latin typeface="+mj-lt"/>
+                <a:ea typeface="+mj-ea"/>
+                <a:cs typeface="+mj-cs"/>
+              </a:rPr>
+              <a:t>Development Methodology (3)</a:t>
+            </a:r>
+            <a:endParaRPr lang="en-US" sz="4400" dirty="0">
+              <a:effectLst/>
+            </a:endParaRPr>
+          </a:p>
+        </p:txBody>
+      </p:sp>
+      <p:sp>
+        <p:nvSpPr>
+          <p:cNvPr id="3" name="Content Placeholder 2">
+            <a:extLst>
+              <a:ext uri="{FF2B5EF4-FFF2-40B4-BE49-F238E27FC236}">
+                <a16:creationId xmlns:a16="http://schemas.microsoft.com/office/drawing/2014/main" id="{044B4F6E-A639-47F4-91A5-68807265D618}"/>
+              </a:ext>
+            </a:extLst>
+          </p:cNvPr>
+          <p:cNvSpPr>
+            <a:spLocks noGrp="1"/>
+          </p:cNvSpPr>
+          <p:nvPr>
+            <p:ph idx="1"/>
+          </p:nvPr>
+        </p:nvSpPr>
+        <p:spPr>
+          <a:xfrm>
+            <a:off x="2589211" y="1451113"/>
+            <a:ext cx="9079327" cy="5068957"/>
+          </a:xfrm>
+        </p:spPr>
+        <p:txBody>
+          <a:bodyPr/>
+          <a:lstStyle/>
+          <a:p>
+            <a:endParaRPr lang="en-US" dirty="0"/>
+          </a:p>
+        </p:txBody>
+      </p:sp>
+    </p:spTree>
+    <p:extLst>
+      <p:ext uri="{BB962C8B-B14F-4D97-AF65-F5344CB8AC3E}">
+        <p14:creationId xmlns:p14="http://schemas.microsoft.com/office/powerpoint/2010/main" val="1317707174"/>
+      </p:ext>
+    </p:extLst>
+  </p:cSld>
+  <p:clrMapOvr>
+    <a:masterClrMapping/>
+  </p:clrMapOvr>
+</p:sld>
+</file>
+
+<file path=ppt/slides/slide9.xml><?xml version="1.0" encoding="utf-8"?>
+<p:sld xmlns:a="http://schemas.openxmlformats.org/drawingml/2006/main" xmlns:r="http://schemas.openxmlformats.org/officeDocument/2006/relationships" xmlns:p="http://schemas.openxmlformats.org/presentationml/2006/main">
+  <p:cSld>
+    <p:spTree>
+      <p:nvGrpSpPr>
+        <p:cNvPr id="1" name=""/>
+        <p:cNvGrpSpPr/>
+        <p:nvPr/>
+      </p:nvGrpSpPr>
+      <p:grpSpPr>
+        <a:xfrm>
+          <a:off x="0" y="0"/>
+          <a:ext cx="0" cy="0"/>
+          <a:chOff x="0" y="0"/>
+          <a:chExt cx="0" cy="0"/>
+        </a:xfrm>
+      </p:grpSpPr>
+      <p:sp>
+        <p:nvSpPr>
+          <p:cNvPr id="2" name="Title 1">
+            <a:extLst>
+              <a:ext uri="{FF2B5EF4-FFF2-40B4-BE49-F238E27FC236}">
+                <a16:creationId xmlns:a16="http://schemas.microsoft.com/office/drawing/2014/main" id="{9C5E42EE-EA5D-4203-B1EC-B96B68D2A8EA}"/>
+              </a:ext>
+            </a:extLst>
+          </p:cNvPr>
+          <p:cNvSpPr>
+            <a:spLocks noGrp="1"/>
+          </p:cNvSpPr>
+          <p:nvPr>
+            <p:ph type="title"/>
+          </p:nvPr>
+        </p:nvSpPr>
+        <p:spPr/>
+        <p:txBody>
+          <a:bodyPr>
+            <a:normAutofit/>
+          </a:bodyPr>
+          <a:lstStyle/>
+          <a:p>
+            <a:pPr rtl="0" eaLnBrk="1" latinLnBrk="0" hangingPunct="1"/>
+            <a:r>
+              <a:rPr lang="en-US" sz="3600" b="0" i="0" kern="1200" baseline="0" dirty="0">
+                <a:solidFill>
+                  <a:schemeClr val="tx1">
+                    <a:lumMod val="85000"/>
+                    <a:lumOff val="15000"/>
+                  </a:schemeClr>
+                </a:solidFill>
+                <a:effectLst/>
+                <a:latin typeface="+mj-lt"/>
+                <a:ea typeface="+mj-ea"/>
+                <a:cs typeface="+mj-cs"/>
+              </a:rPr>
+              <a:t>Development Methodology (3)</a:t>
+            </a:r>
+            <a:endParaRPr lang="en-US" sz="4400" dirty="0">
+              <a:effectLst/>
+            </a:endParaRPr>
+          </a:p>
+        </p:txBody>
+      </p:sp>
+      <p:sp>
+        <p:nvSpPr>
+          <p:cNvPr id="3" name="Content Placeholder 2">
+            <a:extLst>
+              <a:ext uri="{FF2B5EF4-FFF2-40B4-BE49-F238E27FC236}">
+                <a16:creationId xmlns:a16="http://schemas.microsoft.com/office/drawing/2014/main" id="{044B4F6E-A639-47F4-91A5-68807265D618}"/>
+              </a:ext>
+            </a:extLst>
+          </p:cNvPr>
+          <p:cNvSpPr>
+            <a:spLocks noGrp="1"/>
+          </p:cNvSpPr>
+          <p:nvPr>
+            <p:ph idx="1"/>
+          </p:nvPr>
+        </p:nvSpPr>
+        <p:spPr>
+          <a:xfrm>
+            <a:off x="2589211" y="1451113"/>
+            <a:ext cx="9079327" cy="5068957"/>
+          </a:xfrm>
+        </p:spPr>
+        <p:txBody>
+          <a:bodyPr/>
+          <a:lstStyle/>
+          <a:p>
+            <a:r>
+              <a:rPr lang="en-US" dirty="0"/>
+              <a:t>Revision Control</a:t>
+            </a:r>
+          </a:p>
+          <a:p>
+            <a:r>
+              <a:rPr lang="en-US" dirty="0"/>
+              <a:t>Clear segmentation of work with external team repository</a:t>
+            </a:r>
+          </a:p>
+        </p:txBody>
+      </p:sp>
+    </p:spTree>
+    <p:extLst>
+      <p:ext uri="{BB962C8B-B14F-4D97-AF65-F5344CB8AC3E}">
+        <p14:creationId xmlns:p14="http://schemas.microsoft.com/office/powerpoint/2010/main" val="3687405747"/>
       </p:ext>
     </p:extLst>
   </p:cSld>

--- a/Suppl/Pivotal Presentation - DTECTS.pptx
+++ b/Suppl/Pivotal Presentation - DTECTS.pptx
@@ -5,31 +5,32 @@
     <p:sldMasterId id="2147483648" r:id="rId1"/>
   </p:sldMasterIdLst>
   <p:notesMasterIdLst>
-    <p:notesMasterId r:id="rId24"/>
+    <p:notesMasterId r:id="rId25"/>
   </p:notesMasterIdLst>
   <p:sldIdLst>
-    <p:sldId id="257" r:id="rId2"/>
-    <p:sldId id="259" r:id="rId3"/>
-    <p:sldId id="300" r:id="rId4"/>
-    <p:sldId id="280" r:id="rId5"/>
-    <p:sldId id="299" r:id="rId6"/>
-    <p:sldId id="281" r:id="rId7"/>
-    <p:sldId id="301" r:id="rId8"/>
-    <p:sldId id="282" r:id="rId9"/>
-    <p:sldId id="296" r:id="rId10"/>
-    <p:sldId id="298" r:id="rId11"/>
-    <p:sldId id="291" r:id="rId12"/>
-    <p:sldId id="295" r:id="rId13"/>
-    <p:sldId id="294" r:id="rId14"/>
-    <p:sldId id="293" r:id="rId15"/>
-    <p:sldId id="292" r:id="rId16"/>
-    <p:sldId id="283" r:id="rId17"/>
-    <p:sldId id="284" r:id="rId18"/>
-    <p:sldId id="286" r:id="rId19"/>
-    <p:sldId id="287" r:id="rId20"/>
-    <p:sldId id="288" r:id="rId21"/>
-    <p:sldId id="290" r:id="rId22"/>
-    <p:sldId id="289" r:id="rId23"/>
+    <p:sldId id="302" r:id="rId2"/>
+    <p:sldId id="303" r:id="rId3"/>
+    <p:sldId id="257" r:id="rId4"/>
+    <p:sldId id="300" r:id="rId5"/>
+    <p:sldId id="280" r:id="rId6"/>
+    <p:sldId id="299" r:id="rId7"/>
+    <p:sldId id="281" r:id="rId8"/>
+    <p:sldId id="301" r:id="rId9"/>
+    <p:sldId id="282" r:id="rId10"/>
+    <p:sldId id="296" r:id="rId11"/>
+    <p:sldId id="298" r:id="rId12"/>
+    <p:sldId id="291" r:id="rId13"/>
+    <p:sldId id="295" r:id="rId14"/>
+    <p:sldId id="294" r:id="rId15"/>
+    <p:sldId id="293" r:id="rId16"/>
+    <p:sldId id="292" r:id="rId17"/>
+    <p:sldId id="283" r:id="rId18"/>
+    <p:sldId id="284" r:id="rId19"/>
+    <p:sldId id="286" r:id="rId20"/>
+    <p:sldId id="287" r:id="rId21"/>
+    <p:sldId id="288" r:id="rId22"/>
+    <p:sldId id="290" r:id="rId23"/>
+    <p:sldId id="289" r:id="rId24"/>
   </p:sldIdLst>
   <p:sldSz cx="12192000" cy="6858000"/>
   <p:notesSz cx="6858000" cy="9144000"/>
@@ -879,7 +880,7 @@
     </p:spTree>
     <p:extLst>
       <p:ext uri="{BB962C8B-B14F-4D97-AF65-F5344CB8AC3E}">
-        <p14:creationId xmlns:p14="http://schemas.microsoft.com/office/powerpoint/2010/main" val="4276758708"/>
+        <p14:creationId xmlns:p14="http://schemas.microsoft.com/office/powerpoint/2010/main" val="997339967"/>
       </p:ext>
     </p:extLst>
   </p:cSld>
@@ -939,7 +940,7 @@
             </a:pPr>
             <a:r>
               <a:rPr lang="en-US" dirty="0"/>
-              <a:t>Clear segmentation and modularization of design</a:t>
+              <a:t>Documentation</a:t>
             </a:r>
           </a:p>
           <a:p>
@@ -949,7 +950,7 @@
             </a:pPr>
             <a:r>
               <a:rPr lang="en-US" dirty="0"/>
-              <a:t>Uniform, consistent layout</a:t>
+              <a:t>Presentation</a:t>
             </a:r>
           </a:p>
           <a:p>
@@ -959,8 +960,99 @@
             </a:pPr>
             <a:r>
               <a:rPr lang="en-US" dirty="0"/>
-              <a:t>Clear labelling with notes</a:t>
-            </a:r>
+              <a:t>Embedded Systems Development</a:t>
+            </a:r>
+          </a:p>
+          <a:p>
+            <a:pPr marL="171450" indent="-171450">
+              <a:buFontTx/>
+              <a:buChar char="-"/>
+            </a:pPr>
+            <a:r>
+              <a:rPr lang="en-US" dirty="0"/>
+              <a:t>Board Design</a:t>
+            </a:r>
+          </a:p>
+          <a:p>
+            <a:pPr marL="171450" indent="-171450">
+              <a:buFontTx/>
+              <a:buChar char="-"/>
+            </a:pPr>
+            <a:r>
+              <a:rPr lang="en-US" dirty="0"/>
+              <a:t>Code Syntax (share examples from code)</a:t>
+            </a:r>
+          </a:p>
+          <a:p>
+            <a:pPr marL="628650" lvl="1" indent="-171450">
+              <a:buFontTx/>
+              <a:buChar char="-"/>
+            </a:pPr>
+            <a:r>
+              <a:rPr lang="en-US" dirty="0" err="1"/>
+              <a:t>example_pwm_tc.c</a:t>
+            </a:r>
+            <a:r>
+              <a:rPr lang="en-US" dirty="0"/>
+              <a:t> reference</a:t>
+            </a:r>
+          </a:p>
+          <a:p>
+            <a:pPr marL="171450" indent="-171450">
+              <a:buFontTx/>
+              <a:buChar char="-"/>
+            </a:pPr>
+            <a:r>
+              <a:rPr lang="en-US" dirty="0"/>
+              <a:t>Development Validation</a:t>
+            </a:r>
+          </a:p>
+          <a:p>
+            <a:pPr marL="171450" indent="-171450">
+              <a:buFontTx/>
+              <a:buChar char="-"/>
+            </a:pPr>
+            <a:r>
+              <a:rPr lang="en-US" dirty="0"/>
+              <a:t>PoC Form</a:t>
+            </a:r>
+          </a:p>
+          <a:p>
+            <a:pPr marL="171450" indent="-171450">
+              <a:buFontTx/>
+              <a:buChar char="-"/>
+            </a:pPr>
+            <a:r>
+              <a:rPr lang="en-US" dirty="0"/>
+              <a:t>Schematic Examples</a:t>
+            </a:r>
+          </a:p>
+          <a:p>
+            <a:pPr marL="171450" indent="-171450">
+              <a:buFontTx/>
+              <a:buChar char="-"/>
+            </a:pPr>
+            <a:r>
+              <a:rPr lang="en-US" dirty="0"/>
+              <a:t>Content Transfer to Ergsense</a:t>
+            </a:r>
+          </a:p>
+          <a:p>
+            <a:pPr marL="171450" indent="-171450">
+              <a:buFontTx/>
+              <a:buChar char="-"/>
+            </a:pPr>
+            <a:r>
+              <a:rPr lang="en-US" dirty="0"/>
+              <a:t>Revision Control</a:t>
+            </a:r>
+          </a:p>
+          <a:p>
+            <a:pPr marL="0" indent="0">
+              <a:buFontTx/>
+              <a:buNone/>
+            </a:pPr>
+            <a:endParaRPr lang="en-US" dirty="0"/>
           </a:p>
         </p:txBody>
       </p:sp>
@@ -990,7 +1082,7 @@
     </p:spTree>
     <p:extLst>
       <p:ext uri="{BB962C8B-B14F-4D97-AF65-F5344CB8AC3E}">
-        <p14:creationId xmlns:p14="http://schemas.microsoft.com/office/powerpoint/2010/main" val="1255233405"/>
+        <p14:creationId xmlns:p14="http://schemas.microsoft.com/office/powerpoint/2010/main" val="1922393564"/>
       </p:ext>
     </p:extLst>
   </p:cSld>
@@ -1101,7 +1193,7 @@
     </p:spTree>
     <p:extLst>
       <p:ext uri="{BB962C8B-B14F-4D97-AF65-F5344CB8AC3E}">
-        <p14:creationId xmlns:p14="http://schemas.microsoft.com/office/powerpoint/2010/main" val="4145813878"/>
+        <p14:creationId xmlns:p14="http://schemas.microsoft.com/office/powerpoint/2010/main" val="1255233405"/>
       </p:ext>
     </p:extLst>
   </p:cSld>
@@ -1161,7 +1253,7 @@
             </a:pPr>
             <a:r>
               <a:rPr lang="en-US" dirty="0"/>
-              <a:t>Uniform naming schema</a:t>
+              <a:t>Clear segmentation and modularization of design</a:t>
             </a:r>
           </a:p>
           <a:p>
@@ -1171,7 +1263,7 @@
             </a:pPr>
             <a:r>
               <a:rPr lang="en-US" dirty="0"/>
-              <a:t>Consistent, uniform symbols</a:t>
+              <a:t>Uniform, consistent layout</a:t>
             </a:r>
           </a:p>
           <a:p>
@@ -1181,7 +1273,7 @@
             </a:pPr>
             <a:r>
               <a:rPr lang="en-US" dirty="0"/>
-              <a:t>Complete silkscreen &amp; outline markup</a:t>
+              <a:t>Clear labelling with notes</a:t>
             </a:r>
           </a:p>
         </p:txBody>
@@ -1212,7 +1304,7 @@
     </p:spTree>
     <p:extLst>
       <p:ext uri="{BB962C8B-B14F-4D97-AF65-F5344CB8AC3E}">
-        <p14:creationId xmlns:p14="http://schemas.microsoft.com/office/powerpoint/2010/main" val="3592769984"/>
+        <p14:creationId xmlns:p14="http://schemas.microsoft.com/office/powerpoint/2010/main" val="4145813878"/>
       </p:ext>
     </p:extLst>
   </p:cSld>
@@ -1272,7 +1364,7 @@
             </a:pPr>
             <a:r>
               <a:rPr lang="en-US" dirty="0"/>
-              <a:t>Clear segmentation and modularization of design</a:t>
+              <a:t>Uniform naming schema</a:t>
             </a:r>
           </a:p>
           <a:p>
@@ -1282,7 +1374,7 @@
             </a:pPr>
             <a:r>
               <a:rPr lang="en-US" dirty="0"/>
-              <a:t>Consistent part selection</a:t>
+              <a:t>Consistent, uniform symbols</a:t>
             </a:r>
           </a:p>
           <a:p>
@@ -1292,25 +1384,8 @@
             </a:pPr>
             <a:r>
               <a:rPr lang="en-US" dirty="0"/>
-              <a:t>Clean selection and placement for external I/O</a:t>
-            </a:r>
-          </a:p>
-          <a:p>
-            <a:pPr marL="171450" indent="-171450">
-              <a:buFontTx/>
-              <a:buChar char="-"/>
-            </a:pPr>
-            <a:r>
-              <a:rPr lang="en-US" dirty="0"/>
-              <a:t>Design flexibility for future expansion</a:t>
-            </a:r>
-          </a:p>
-          <a:p>
-            <a:pPr marL="171450" indent="-171450">
-              <a:buFontTx/>
-              <a:buChar char="-"/>
-            </a:pPr>
-            <a:endParaRPr lang="en-US" dirty="0"/>
+              <a:t>Complete silkscreen &amp; outline markup</a:t>
+            </a:r>
           </a:p>
         </p:txBody>
       </p:sp>
@@ -1340,7 +1415,7 @@
     </p:spTree>
     <p:extLst>
       <p:ext uri="{BB962C8B-B14F-4D97-AF65-F5344CB8AC3E}">
-        <p14:creationId xmlns:p14="http://schemas.microsoft.com/office/powerpoint/2010/main" val="2959733451"/>
+        <p14:creationId xmlns:p14="http://schemas.microsoft.com/office/powerpoint/2010/main" val="3592769984"/>
       </p:ext>
     </p:extLst>
   </p:cSld>
@@ -1394,9 +1469,49 @@
           <a:bodyPr/>
           <a:lstStyle/>
           <a:p>
-            <a:pPr marL="0" indent="0">
-              <a:buFontTx/>
-              <a:buNone/>
+            <a:pPr marL="171450" indent="-171450">
+              <a:buFontTx/>
+              <a:buChar char="-"/>
+            </a:pPr>
+            <a:r>
+              <a:rPr lang="en-US" dirty="0"/>
+              <a:t>Clear segmentation and modularization of design</a:t>
+            </a:r>
+          </a:p>
+          <a:p>
+            <a:pPr marL="171450" indent="-171450">
+              <a:buFontTx/>
+              <a:buChar char="-"/>
+            </a:pPr>
+            <a:r>
+              <a:rPr lang="en-US" dirty="0"/>
+              <a:t>Consistent part selection</a:t>
+            </a:r>
+          </a:p>
+          <a:p>
+            <a:pPr marL="171450" indent="-171450">
+              <a:buFontTx/>
+              <a:buChar char="-"/>
+            </a:pPr>
+            <a:r>
+              <a:rPr lang="en-US" dirty="0"/>
+              <a:t>Clean selection and placement for external I/O</a:t>
+            </a:r>
+          </a:p>
+          <a:p>
+            <a:pPr marL="171450" indent="-171450">
+              <a:buFontTx/>
+              <a:buChar char="-"/>
+            </a:pPr>
+            <a:r>
+              <a:rPr lang="en-US" dirty="0"/>
+              <a:t>Design flexibility for future expansion</a:t>
+            </a:r>
+          </a:p>
+          <a:p>
+            <a:pPr marL="171450" indent="-171450">
+              <a:buFontTx/>
+              <a:buChar char="-"/>
             </a:pPr>
             <a:endParaRPr lang="en-US" dirty="0"/>
           </a:p>
@@ -1428,7 +1543,7 @@
     </p:spTree>
     <p:extLst>
       <p:ext uri="{BB962C8B-B14F-4D97-AF65-F5344CB8AC3E}">
-        <p14:creationId xmlns:p14="http://schemas.microsoft.com/office/powerpoint/2010/main" val="3749563727"/>
+        <p14:creationId xmlns:p14="http://schemas.microsoft.com/office/powerpoint/2010/main" val="2959733451"/>
       </p:ext>
     </p:extLst>
   </p:cSld>
@@ -1516,7 +1631,7 @@
     </p:spTree>
     <p:extLst>
       <p:ext uri="{BB962C8B-B14F-4D97-AF65-F5344CB8AC3E}">
-        <p14:creationId xmlns:p14="http://schemas.microsoft.com/office/powerpoint/2010/main" val="1280536660"/>
+        <p14:creationId xmlns:p14="http://schemas.microsoft.com/office/powerpoint/2010/main" val="3749563727"/>
       </p:ext>
     </p:extLst>
   </p:cSld>
@@ -1570,46 +1685,6 @@
           <a:bodyPr/>
           <a:lstStyle/>
           <a:p>
-            <a:pPr marL="171450" indent="-171450">
-              <a:buFontTx/>
-              <a:buChar char="-"/>
-            </a:pPr>
-            <a:r>
-              <a:rPr lang="en-US" dirty="0"/>
-              <a:t>Unmet customer needs</a:t>
-            </a:r>
-          </a:p>
-          <a:p>
-            <a:pPr marL="171450" indent="-171450">
-              <a:buFontTx/>
-              <a:buChar char="-"/>
-            </a:pPr>
-            <a:r>
-              <a:rPr lang="en-US" dirty="0"/>
-              <a:t>Work scope identification</a:t>
-            </a:r>
-          </a:p>
-          <a:p>
-            <a:pPr marL="171450" indent="-171450">
-              <a:buFontTx/>
-              <a:buChar char="-"/>
-            </a:pPr>
-            <a:r>
-              <a:rPr lang="en-US" dirty="0"/>
-              <a:t>Espressif</a:t>
-            </a:r>
-          </a:p>
-          <a:p>
-            <a:pPr marL="171450" indent="-171450">
-              <a:buFontTx/>
-              <a:buChar char="-"/>
-            </a:pPr>
-            <a:r>
-              <a:rPr lang="en-US" dirty="0"/>
-              <a:t>Satisfying ambitious, abstract design needs</a:t>
-            </a:r>
-          </a:p>
-          <a:p>
             <a:pPr marL="0" indent="0">
               <a:buFontTx/>
               <a:buNone/>
@@ -1644,7 +1719,7 @@
     </p:spTree>
     <p:extLst>
       <p:ext uri="{BB962C8B-B14F-4D97-AF65-F5344CB8AC3E}">
-        <p14:creationId xmlns:p14="http://schemas.microsoft.com/office/powerpoint/2010/main" val="3236089897"/>
+        <p14:creationId xmlns:p14="http://schemas.microsoft.com/office/powerpoint/2010/main" val="1280536660"/>
       </p:ext>
     </p:extLst>
   </p:cSld>
@@ -1704,7 +1779,7 @@
             </a:pPr>
             <a:r>
               <a:rPr lang="en-US" dirty="0"/>
-              <a:t>Schematics</a:t>
+              <a:t>Unmet customer needs</a:t>
             </a:r>
           </a:p>
           <a:p>
@@ -1714,7 +1789,7 @@
             </a:pPr>
             <a:r>
               <a:rPr lang="en-US" dirty="0"/>
-              <a:t>Documentation</a:t>
+              <a:t>Work scope identification</a:t>
             </a:r>
           </a:p>
           <a:p>
@@ -1724,7 +1799,7 @@
             </a:pPr>
             <a:r>
               <a:rPr lang="en-US" dirty="0"/>
-              <a:t>Board Design</a:t>
+              <a:t>Espressif</a:t>
             </a:r>
           </a:p>
           <a:p>
@@ -1734,37 +1809,7 @@
             </a:pPr>
             <a:r>
               <a:rPr lang="en-US" dirty="0"/>
-              <a:t>Espressif bare-metal scope</a:t>
-            </a:r>
-          </a:p>
-          <a:p>
-            <a:pPr marL="171450" indent="-171450">
-              <a:buFontTx/>
-              <a:buChar char="-"/>
-            </a:pPr>
-            <a:r>
-              <a:rPr lang="en-US" dirty="0"/>
-              <a:t>Roadmap establish</a:t>
-            </a:r>
-          </a:p>
-          <a:p>
-            <a:pPr marL="171450" indent="-171450">
-              <a:buFontTx/>
-              <a:buChar char="-"/>
-            </a:pPr>
-            <a:r>
-              <a:rPr lang="en-US" dirty="0"/>
-              <a:t>Procedure Reference</a:t>
-            </a:r>
-          </a:p>
-          <a:p>
-            <a:pPr marL="171450" indent="-171450">
-              <a:buFontTx/>
-              <a:buChar char="-"/>
-            </a:pPr>
-            <a:r>
-              <a:rPr lang="en-US" dirty="0"/>
-              <a:t>GitHub</a:t>
+              <a:t>Satisfying ambitious, abstract design needs</a:t>
             </a:r>
           </a:p>
           <a:p>
@@ -1802,7 +1847,7 @@
     </p:spTree>
     <p:extLst>
       <p:ext uri="{BB962C8B-B14F-4D97-AF65-F5344CB8AC3E}">
-        <p14:creationId xmlns:p14="http://schemas.microsoft.com/office/powerpoint/2010/main" val="812602940"/>
+        <p14:creationId xmlns:p14="http://schemas.microsoft.com/office/powerpoint/2010/main" val="3236089897"/>
       </p:ext>
     </p:extLst>
   </p:cSld>
@@ -1862,7 +1907,7 @@
             </a:pPr>
             <a:r>
               <a:rPr lang="en-US" dirty="0"/>
-              <a:t>Communication</a:t>
+              <a:t>Schematics</a:t>
             </a:r>
           </a:p>
           <a:p>
@@ -1872,7 +1917,7 @@
             </a:pPr>
             <a:r>
               <a:rPr lang="en-US" dirty="0"/>
-              <a:t>Needs Identification &amp; Customer Relations</a:t>
+              <a:t>Documentation</a:t>
             </a:r>
           </a:p>
           <a:p>
@@ -1882,7 +1927,7 @@
             </a:pPr>
             <a:r>
               <a:rPr lang="en-US" dirty="0"/>
-              <a:t>Translation of Ambitions to Marketable Results</a:t>
+              <a:t>Board Design</a:t>
             </a:r>
           </a:p>
           <a:p>
@@ -1892,7 +1937,7 @@
             </a:pPr>
             <a:r>
               <a:rPr lang="en-US" dirty="0"/>
-              <a:t>EAGLE Ramp</a:t>
+              <a:t>Espressif bare-metal scope</a:t>
             </a:r>
           </a:p>
           <a:p>
@@ -1902,7 +1947,7 @@
             </a:pPr>
             <a:r>
               <a:rPr lang="en-US" dirty="0"/>
-              <a:t>Espressif Exposure &amp; Practice</a:t>
+              <a:t>Roadmap establish</a:t>
             </a:r>
           </a:p>
           <a:p>
@@ -1912,7 +1957,17 @@
             </a:pPr>
             <a:r>
               <a:rPr lang="en-US" dirty="0"/>
-              <a:t>Relationships</a:t>
+              <a:t>Procedure Reference</a:t>
+            </a:r>
+          </a:p>
+          <a:p>
+            <a:pPr marL="171450" indent="-171450">
+              <a:buFontTx/>
+              <a:buChar char="-"/>
+            </a:pPr>
+            <a:r>
+              <a:rPr lang="en-US" dirty="0"/>
+              <a:t>GitHub</a:t>
             </a:r>
           </a:p>
           <a:p>
@@ -1950,7 +2005,7 @@
     </p:spTree>
     <p:extLst>
       <p:ext uri="{BB962C8B-B14F-4D97-AF65-F5344CB8AC3E}">
-        <p14:creationId xmlns:p14="http://schemas.microsoft.com/office/powerpoint/2010/main" val="264461871"/>
+        <p14:creationId xmlns:p14="http://schemas.microsoft.com/office/powerpoint/2010/main" val="812602940"/>
       </p:ext>
     </p:extLst>
   </p:cSld>
@@ -2010,7 +2065,7 @@
             </a:pPr>
             <a:r>
               <a:rPr lang="en-US" dirty="0"/>
-              <a:t>Strengthened relations with Tomm</a:t>
+              <a:t>Communication</a:t>
             </a:r>
           </a:p>
           <a:p>
@@ -2020,7 +2075,7 @@
             </a:pPr>
             <a:r>
               <a:rPr lang="en-US" dirty="0"/>
-              <a:t>Tyler Brown Opportunity</a:t>
+              <a:t>Needs Identification &amp; Customer Relations</a:t>
             </a:r>
           </a:p>
           <a:p>
@@ -2030,7 +2085,7 @@
             </a:pPr>
             <a:r>
               <a:rPr lang="en-US" dirty="0"/>
-              <a:t>Billy Keogh Opportunity</a:t>
+              <a:t>Translation of Ambitions to Marketable Results</a:t>
             </a:r>
           </a:p>
           <a:p>
@@ -2040,7 +2095,7 @@
             </a:pPr>
             <a:r>
               <a:rPr lang="en-US" dirty="0"/>
-              <a:t>Jmr Opportunity</a:t>
+              <a:t>EAGLE Ramp</a:t>
             </a:r>
           </a:p>
           <a:p>
@@ -2050,7 +2105,7 @@
             </a:pPr>
             <a:r>
               <a:rPr lang="en-US" dirty="0"/>
-              <a:t>Mentor &amp; Network relations</a:t>
+              <a:t>Espressif Exposure &amp; Practice</a:t>
             </a:r>
           </a:p>
           <a:p>
@@ -2060,7 +2115,7 @@
             </a:pPr>
             <a:r>
               <a:rPr lang="en-US" dirty="0"/>
-              <a:t>Xylem &amp; Ergsense relations</a:t>
+              <a:t>Relationships</a:t>
             </a:r>
           </a:p>
           <a:p>
@@ -2098,7 +2153,7 @@
     </p:spTree>
     <p:extLst>
       <p:ext uri="{BB962C8B-B14F-4D97-AF65-F5344CB8AC3E}">
-        <p14:creationId xmlns:p14="http://schemas.microsoft.com/office/powerpoint/2010/main" val="3716442150"/>
+        <p14:creationId xmlns:p14="http://schemas.microsoft.com/office/powerpoint/2010/main" val="264461871"/>
       </p:ext>
     </p:extLst>
   </p:cSld>
@@ -2152,13 +2207,191 @@
           <a:bodyPr/>
           <a:lstStyle/>
           <a:p>
+            <a:r>
+              <a:rPr lang="en-US" sz="1200" b="0" i="0" u="none" strike="noStrike" kern="1200" baseline="0" dirty="0">
+                <a:solidFill>
+                  <a:schemeClr val="tx1"/>
+                </a:solidFill>
+                <a:latin typeface="+mn-lt"/>
+                <a:ea typeface="+mn-ea"/>
+                <a:cs typeface="+mn-cs"/>
+              </a:rPr>
+              <a:t>Presentation Contents</a:t>
+            </a:r>
+          </a:p>
+          <a:p>
+            <a:r>
+              <a:rPr lang="en-US" sz="1200" b="0" i="0" u="none" strike="noStrike" kern="1200" baseline="0" dirty="0">
+                <a:solidFill>
+                  <a:schemeClr val="tx1"/>
+                </a:solidFill>
+                <a:latin typeface="+mn-lt"/>
+                <a:ea typeface="+mn-ea"/>
+                <a:cs typeface="+mn-cs"/>
+              </a:rPr>
+              <a:t>  1 Challenges &amp; </a:t>
+            </a:r>
+            <a:r>
+              <a:rPr lang="en-US" dirty="0"/>
+              <a:t>Needs                 (</a:t>
+            </a:r>
+            <a:r>
+              <a:rPr lang="en-US" sz="1200" b="0" i="0" u="none" strike="noStrike" kern="1200" baseline="0" dirty="0">
+                <a:solidFill>
+                  <a:schemeClr val="tx1"/>
+                </a:solidFill>
+                <a:latin typeface="+mn-lt"/>
+                <a:ea typeface="+mn-ea"/>
+                <a:cs typeface="+mn-cs"/>
+              </a:rPr>
+              <a:t>1)</a:t>
+            </a:r>
+          </a:p>
+          <a:p>
+            <a:r>
+              <a:rPr lang="it-IT" sz="1200" b="0" i="0" u="none" strike="noStrike" kern="1200" baseline="0" dirty="0">
+                <a:solidFill>
+                  <a:schemeClr val="tx1"/>
+                </a:solidFill>
+                <a:latin typeface="+mn-lt"/>
+                <a:ea typeface="+mn-ea"/>
+                <a:cs typeface="+mn-cs"/>
+              </a:rPr>
+              <a:t>  2 Design Procedure                     (2)</a:t>
+            </a:r>
+          </a:p>
+          <a:p>
+            <a:r>
+              <a:rPr lang="en-US" sz="1200" b="0" i="0" u="none" strike="noStrike" kern="1200" baseline="0" dirty="0">
+                <a:solidFill>
+                  <a:schemeClr val="tx1"/>
+                </a:solidFill>
+                <a:latin typeface="+mn-lt"/>
+                <a:ea typeface="+mn-ea"/>
+                <a:cs typeface="+mn-cs"/>
+              </a:rPr>
+              <a:t>  3 Development Methodology     (3)</a:t>
+            </a:r>
+          </a:p>
+          <a:p>
+            <a:r>
+              <a:rPr lang="en-US" sz="1200" b="0" i="0" u="none" strike="noStrike" kern="1200" baseline="0" dirty="0">
+                <a:solidFill>
+                  <a:schemeClr val="tx1"/>
+                </a:solidFill>
+                <a:latin typeface="+mn-lt"/>
+                <a:ea typeface="+mn-ea"/>
+                <a:cs typeface="+mn-cs"/>
+              </a:rPr>
+              <a:t>  4 Overcome Challenges              (1)</a:t>
+            </a:r>
+          </a:p>
+          <a:p>
+            <a:r>
+              <a:rPr lang="en-US" sz="1200" b="0" i="0" u="none" strike="noStrike" kern="1200" baseline="0" dirty="0">
+                <a:solidFill>
+                  <a:schemeClr val="tx1"/>
+                </a:solidFill>
+                <a:latin typeface="+mn-lt"/>
+                <a:ea typeface="+mn-ea"/>
+                <a:cs typeface="+mn-cs"/>
+              </a:rPr>
+              <a:t>  5 Deliverable &amp; Results               (2)</a:t>
+            </a:r>
+          </a:p>
+          <a:p>
+            <a:r>
+              <a:rPr lang="en-US" sz="1200" b="0" i="0" u="none" strike="noStrike" kern="1200" baseline="0" dirty="0">
+                <a:solidFill>
+                  <a:schemeClr val="tx1"/>
+                </a:solidFill>
+                <a:latin typeface="+mn-lt"/>
+                <a:ea typeface="+mn-ea"/>
+                <a:cs typeface="+mn-cs"/>
+              </a:rPr>
+              <a:t>  6 Learnings &amp; Growths	      (1)</a:t>
+            </a:r>
+          </a:p>
+          <a:p>
+            <a:r>
+              <a:rPr lang="en-US" sz="1200" b="0" i="0" u="none" strike="noStrike" kern="1200" baseline="0" dirty="0">
+                <a:solidFill>
+                  <a:schemeClr val="tx1"/>
+                </a:solidFill>
+                <a:latin typeface="+mn-lt"/>
+                <a:ea typeface="+mn-ea"/>
+                <a:cs typeface="+mn-cs"/>
+              </a:rPr>
+              <a:t>  7 Outcomes                                 (1)</a:t>
+            </a:r>
+          </a:p>
+          <a:p>
+            <a:r>
+              <a:rPr lang="en-US" sz="1200" b="0" i="0" u="none" strike="noStrike" kern="1200" baseline="0" dirty="0">
+                <a:solidFill>
+                  <a:schemeClr val="tx1"/>
+                </a:solidFill>
+                <a:latin typeface="+mn-lt"/>
+                <a:ea typeface="+mn-ea"/>
+                <a:cs typeface="+mn-cs"/>
+              </a:rPr>
+              <a:t>  8 Procedure (M)                          (1)</a:t>
+            </a:r>
+          </a:p>
+          <a:p>
+            <a:r>
+              <a:rPr lang="en-US" sz="1200" b="0" i="0" u="none" strike="noStrike" kern="1200" baseline="0" dirty="0">
+                <a:solidFill>
+                  <a:schemeClr val="tx1"/>
+                </a:solidFill>
+                <a:latin typeface="+mn-lt"/>
+                <a:ea typeface="+mn-ea"/>
+                <a:cs typeface="+mn-cs"/>
+              </a:rPr>
+              <a:t>  9 Pivotal Value Statement (M)    (1)</a:t>
+            </a:r>
+          </a:p>
+          <a:p>
+            <a:r>
+              <a:rPr lang="en-US" sz="1200" b="0" i="0" u="none" strike="noStrike" kern="1200" baseline="0" dirty="0">
+                <a:solidFill>
+                  <a:schemeClr val="tx1"/>
+                </a:solidFill>
+                <a:latin typeface="+mn-lt"/>
+                <a:ea typeface="+mn-ea"/>
+                <a:cs typeface="+mn-cs"/>
+              </a:rPr>
+              <a:t>                                          Total  (13)</a:t>
+            </a:r>
+          </a:p>
+          <a:p>
+            <a:r>
+              <a:rPr lang="en-US" sz="1200" b="0" i="0" u="none" strike="noStrike" kern="1200" baseline="0" dirty="0">
+                <a:solidFill>
+                  <a:schemeClr val="tx1"/>
+                </a:solidFill>
+                <a:latin typeface="+mn-lt"/>
+                <a:ea typeface="+mn-ea"/>
+                <a:cs typeface="+mn-cs"/>
+              </a:rPr>
+              <a:t>Dev Focus</a:t>
+            </a:r>
+          </a:p>
+          <a:p>
             <a:pPr marL="171450" indent="-171450">
               <a:buFontTx/>
               <a:buChar char="-"/>
             </a:pPr>
             <a:r>
-              <a:rPr lang="en-US" dirty="0"/>
-              <a:t>Shows Tomm as a unique customer, a blend of opportunity and of complication</a:t>
+              <a:rPr lang="en-US" sz="1200" b="0" i="0" u="none" strike="noStrike" kern="1200" baseline="0" dirty="0">
+                <a:solidFill>
+                  <a:schemeClr val="tx1"/>
+                </a:solidFill>
+                <a:latin typeface="+mn-lt"/>
+                <a:ea typeface="+mn-ea"/>
+                <a:cs typeface="+mn-cs"/>
+              </a:rPr>
+              <a:t>Start big, with goal for description of full picture</a:t>
             </a:r>
           </a:p>
           <a:p>
@@ -2167,8 +2400,60 @@
               <a:buChar char="-"/>
             </a:pPr>
             <a:r>
-              <a:rPr lang="en-US" dirty="0"/>
-              <a:t>When management signs up for more than they can handle</a:t>
+              <a:rPr lang="en-US" sz="1200" b="0" i="0" u="none" strike="noStrike" kern="1200" baseline="0" dirty="0">
+                <a:solidFill>
+                  <a:schemeClr val="tx1"/>
+                </a:solidFill>
+                <a:latin typeface="+mn-lt"/>
+                <a:ea typeface="+mn-ea"/>
+                <a:cs typeface="+mn-cs"/>
+              </a:rPr>
+              <a:t>On completion, </a:t>
+            </a:r>
+            <a:r>
+              <a:rPr lang="en-US" sz="1200" b="0" i="0" u="sng" strike="noStrike" kern="1200" baseline="0" dirty="0">
+                <a:solidFill>
+                  <a:schemeClr val="tx1"/>
+                </a:solidFill>
+                <a:latin typeface="+mn-lt"/>
+                <a:ea typeface="+mn-ea"/>
+                <a:cs typeface="+mn-cs"/>
+              </a:rPr>
+              <a:t>then</a:t>
+            </a:r>
+            <a:r>
+              <a:rPr lang="en-US" sz="1200" b="0" i="0" u="none" strike="noStrike" kern="1200" baseline="0" dirty="0">
+                <a:solidFill>
+                  <a:schemeClr val="tx1"/>
+                </a:solidFill>
+                <a:latin typeface="+mn-lt"/>
+                <a:ea typeface="+mn-ea"/>
+                <a:cs typeface="+mn-cs"/>
+              </a:rPr>
+              <a:t> revise down to meet ‘Rules’</a:t>
+            </a:r>
+          </a:p>
+          <a:p>
+            <a:endParaRPr lang="en-US" sz="1200" b="0" i="0" u="none" strike="noStrike" kern="1200" baseline="0" dirty="0">
+              <a:solidFill>
+                <a:schemeClr val="tx1"/>
+              </a:solidFill>
+              <a:latin typeface="+mn-lt"/>
+              <a:ea typeface="+mn-ea"/>
+              <a:cs typeface="+mn-cs"/>
+            </a:endParaRPr>
+          </a:p>
+          <a:p>
+            <a:r>
+              <a:rPr lang="en-US" sz="1200" b="0" i="0" u="none" strike="noStrike" kern="1200" baseline="0" dirty="0">
+                <a:solidFill>
+                  <a:schemeClr val="tx1"/>
+                </a:solidFill>
+                <a:latin typeface="+mn-lt"/>
+                <a:ea typeface="+mn-ea"/>
+                <a:cs typeface="+mn-cs"/>
+              </a:rPr>
+              <a:t>Rules</a:t>
             </a:r>
           </a:p>
           <a:p>
@@ -2177,8 +2462,15 @@
               <a:buChar char="-"/>
             </a:pPr>
             <a:r>
-              <a:rPr lang="en-US" dirty="0"/>
-              <a:t>Manager in engineering shoes</a:t>
+              <a:rPr lang="en-US" sz="1200" b="0" i="0" u="none" strike="noStrike" kern="1200" baseline="0" dirty="0">
+                <a:solidFill>
+                  <a:schemeClr val="tx1"/>
+                </a:solidFill>
+                <a:latin typeface="+mn-lt"/>
+                <a:ea typeface="+mn-ea"/>
+                <a:cs typeface="+mn-cs"/>
+              </a:rPr>
+              <a:t>3 min / slide</a:t>
             </a:r>
           </a:p>
           <a:p>
@@ -2187,9 +2479,61 @@
               <a:buChar char="-"/>
             </a:pPr>
             <a:r>
-              <a:rPr lang="en-US" dirty="0"/>
-              <a:t>When a project goes from idea expression into product generation</a:t>
-            </a:r>
+              <a:rPr lang="en-US" sz="1200" b="0" i="0" u="none" strike="noStrike" kern="1200" baseline="0" dirty="0">
+                <a:solidFill>
+                  <a:schemeClr val="tx1"/>
+                </a:solidFill>
+                <a:latin typeface="+mn-lt"/>
+                <a:ea typeface="+mn-ea"/>
+                <a:cs typeface="+mn-cs"/>
+              </a:rPr>
+              <a:t>45 min presentation -&gt; 15 slides max</a:t>
+            </a:r>
+          </a:p>
+          <a:p>
+            <a:pPr marL="0" indent="0">
+              <a:buFontTx/>
+              <a:buNone/>
+            </a:pPr>
+            <a:endParaRPr lang="en-US" sz="1200" b="0" i="0" u="none" strike="noStrike" kern="1200" baseline="0" dirty="0">
+              <a:solidFill>
+                <a:schemeClr val="tx1"/>
+              </a:solidFill>
+              <a:latin typeface="+mn-lt"/>
+              <a:ea typeface="+mn-ea"/>
+              <a:cs typeface="+mn-cs"/>
+            </a:endParaRPr>
+          </a:p>
+          <a:p>
+            <a:pPr marL="0" indent="0">
+              <a:buFontTx/>
+              <a:buNone/>
+            </a:pPr>
+            <a:r>
+              <a:rPr lang="en-US" sz="1200" b="0" i="0" u="none" strike="noStrike" kern="1200" baseline="0" dirty="0">
+                <a:solidFill>
+                  <a:schemeClr val="tx1"/>
+                </a:solidFill>
+                <a:latin typeface="+mn-lt"/>
+                <a:ea typeface="+mn-ea"/>
+                <a:cs typeface="+mn-cs"/>
+              </a:rPr>
+              <a:t>And welcome, to the era of IOT</a:t>
+            </a:r>
+          </a:p>
+          <a:p>
+            <a:pPr marL="0" indent="0">
+              <a:buFontTx/>
+              <a:buNone/>
+            </a:pPr>
+            <a:endParaRPr lang="en-US" sz="1200" b="0" i="0" u="none" strike="noStrike" kern="1200" baseline="0" dirty="0">
+              <a:solidFill>
+                <a:schemeClr val="tx1"/>
+              </a:solidFill>
+              <a:latin typeface="+mn-lt"/>
+              <a:ea typeface="+mn-ea"/>
+              <a:cs typeface="+mn-cs"/>
+            </a:endParaRPr>
           </a:p>
         </p:txBody>
       </p:sp>
@@ -2219,7 +2563,7 @@
     </p:spTree>
     <p:extLst>
       <p:ext uri="{BB962C8B-B14F-4D97-AF65-F5344CB8AC3E}">
-        <p14:creationId xmlns:p14="http://schemas.microsoft.com/office/powerpoint/2010/main" val="3206697118"/>
+        <p14:creationId xmlns:p14="http://schemas.microsoft.com/office/powerpoint/2010/main" val="2564722439"/>
       </p:ext>
     </p:extLst>
   </p:cSld>
@@ -2279,11 +2623,7 @@
             </a:pPr>
             <a:r>
               <a:rPr lang="en-US" dirty="0"/>
-              <a:t>Frame, sketch w/vision</a:t>
-            </a:r>
-            <a:r>
-              <a:rPr lang="en-US" baseline="0" dirty="0"/>
-              <a:t> &amp; intent, draft</a:t>
+              <a:t>Strengthened relations with Tomm</a:t>
             </a:r>
           </a:p>
           <a:p>
@@ -2292,8 +2632,8 @@
               <a:buChar char="-"/>
             </a:pPr>
             <a:r>
-              <a:rPr lang="en-US" baseline="0" dirty="0"/>
-              <a:t>Source control &amp; procedure!</a:t>
+              <a:rPr lang="en-US" dirty="0"/>
+              <a:t>Tyler Brown Opportunity</a:t>
             </a:r>
           </a:p>
           <a:p>
@@ -2302,8 +2642,8 @@
               <a:buChar char="-"/>
             </a:pPr>
             <a:r>
-              <a:rPr lang="en-US" baseline="0" dirty="0"/>
-              <a:t>Help from experience (Tomm, Terry, Father)</a:t>
+              <a:rPr lang="en-US" dirty="0"/>
+              <a:t>Billy Keogh Opportunity</a:t>
             </a:r>
           </a:p>
           <a:p>
@@ -2313,11 +2653,7 @@
             </a:pPr>
             <a:r>
               <a:rPr lang="en-US" dirty="0"/>
-              <a:t>Describe</a:t>
-            </a:r>
-            <a:r>
-              <a:rPr lang="en-US" baseline="0" dirty="0"/>
-              <a:t> procedure of PPT Generation</a:t>
+              <a:t>Jmr Opportunity</a:t>
             </a:r>
           </a:p>
           <a:p>
@@ -2326,8 +2662,8 @@
               <a:buChar char="-"/>
             </a:pPr>
             <a:r>
-              <a:rPr lang="en-US" baseline="0" dirty="0"/>
-              <a:t>    selection &amp; outline</a:t>
+              <a:rPr lang="en-US" dirty="0"/>
+              <a:t>Mentor &amp; Network relations</a:t>
             </a:r>
           </a:p>
           <a:p>
@@ -2336,42 +2672,9 @@
               <a:buChar char="-"/>
             </a:pPr>
             <a:r>
-              <a:rPr lang="en-US" baseline="0" dirty="0"/>
-              <a:t>    customer meeting (Tomm)</a:t>
-            </a:r>
-          </a:p>
-          <a:p>
-            <a:pPr marL="171450" indent="-171450">
-              <a:buFontTx/>
-              <a:buChar char="-"/>
-            </a:pPr>
-            <a:r>
-              <a:rPr lang="en-US" baseline="0" dirty="0"/>
-              <a:t>    mentor advise (Tom, Father)</a:t>
-            </a:r>
-          </a:p>
-          <a:p>
-            <a:pPr marL="171450" indent="-171450">
-              <a:buFontTx/>
-              <a:buChar char="-"/>
-            </a:pPr>
-            <a:r>
-              <a:rPr lang="en-US" baseline="0" dirty="0"/>
-              <a:t>    outline</a:t>
-            </a:r>
-          </a:p>
-          <a:p>
-            <a:pPr marL="171450" indent="-171450">
-              <a:buFontTx/>
-              <a:buChar char="-"/>
-            </a:pPr>
-            <a:r>
-              <a:rPr lang="en-US" baseline="0" dirty="0"/>
-              <a:t>    find template</a:t>
-            </a:r>
-          </a:p>
-          <a:p>
-            <a:endParaRPr lang="en-US" dirty="0"/>
+              <a:rPr lang="en-US" dirty="0"/>
+              <a:t>Xylem &amp; Ergsense relations</a:t>
+            </a:r>
           </a:p>
           <a:p>
             <a:pPr marL="0" indent="0">
@@ -2408,7 +2711,7 @@
     </p:spTree>
     <p:extLst>
       <p:ext uri="{BB962C8B-B14F-4D97-AF65-F5344CB8AC3E}">
-        <p14:creationId xmlns:p14="http://schemas.microsoft.com/office/powerpoint/2010/main" val="648812506"/>
+        <p14:creationId xmlns:p14="http://schemas.microsoft.com/office/powerpoint/2010/main" val="3716442150"/>
       </p:ext>
     </p:extLst>
   </p:cSld>
@@ -2468,7 +2771,11 @@
             </a:pPr>
             <a:r>
               <a:rPr lang="en-US" dirty="0"/>
-              <a:t>Board Design</a:t>
+              <a:t>Frame, sketch w/vision</a:t>
+            </a:r>
+            <a:r>
+              <a:rPr lang="en-US" baseline="0" dirty="0"/>
+              <a:t> &amp; intent, draft</a:t>
             </a:r>
           </a:p>
           <a:p>
@@ -2477,8 +2784,8 @@
               <a:buChar char="-"/>
             </a:pPr>
             <a:r>
-              <a:rPr lang="en-US" dirty="0"/>
-              <a:t>Board Fab &amp; Validate</a:t>
+              <a:rPr lang="en-US" baseline="0" dirty="0"/>
+              <a:t>Source control &amp; procedure!</a:t>
             </a:r>
           </a:p>
           <a:p>
@@ -2487,8 +2794,8 @@
               <a:buChar char="-"/>
             </a:pPr>
             <a:r>
-              <a:rPr lang="en-US" dirty="0"/>
-              <a:t>Firmware</a:t>
+              <a:rPr lang="en-US" baseline="0" dirty="0"/>
+              <a:t>Help from experience (Tomm, Terry, Father)</a:t>
             </a:r>
           </a:p>
           <a:p>
@@ -2498,8 +2805,65 @@
             </a:pPr>
             <a:r>
               <a:rPr lang="en-US" dirty="0"/>
-              <a:t>Rapid Prototyping</a:t>
-            </a:r>
+              <a:t>Describe</a:t>
+            </a:r>
+            <a:r>
+              <a:rPr lang="en-US" baseline="0" dirty="0"/>
+              <a:t> procedure of PPT Generation</a:t>
+            </a:r>
+          </a:p>
+          <a:p>
+            <a:pPr marL="171450" indent="-171450">
+              <a:buFontTx/>
+              <a:buChar char="-"/>
+            </a:pPr>
+            <a:r>
+              <a:rPr lang="en-US" baseline="0" dirty="0"/>
+              <a:t>    selection &amp; outline</a:t>
+            </a:r>
+          </a:p>
+          <a:p>
+            <a:pPr marL="171450" indent="-171450">
+              <a:buFontTx/>
+              <a:buChar char="-"/>
+            </a:pPr>
+            <a:r>
+              <a:rPr lang="en-US" baseline="0" dirty="0"/>
+              <a:t>    customer meeting (Tomm)</a:t>
+            </a:r>
+          </a:p>
+          <a:p>
+            <a:pPr marL="171450" indent="-171450">
+              <a:buFontTx/>
+              <a:buChar char="-"/>
+            </a:pPr>
+            <a:r>
+              <a:rPr lang="en-US" baseline="0" dirty="0"/>
+              <a:t>    mentor advise (Tom, Father)</a:t>
+            </a:r>
+          </a:p>
+          <a:p>
+            <a:pPr marL="171450" indent="-171450">
+              <a:buFontTx/>
+              <a:buChar char="-"/>
+            </a:pPr>
+            <a:r>
+              <a:rPr lang="en-US" baseline="0" dirty="0"/>
+              <a:t>    outline</a:t>
+            </a:r>
+          </a:p>
+          <a:p>
+            <a:pPr marL="171450" indent="-171450">
+              <a:buFontTx/>
+              <a:buChar char="-"/>
+            </a:pPr>
+            <a:r>
+              <a:rPr lang="en-US" baseline="0" dirty="0"/>
+              <a:t>    find template</a:t>
+            </a:r>
+          </a:p>
+          <a:p>
+            <a:endParaRPr lang="en-US" dirty="0"/>
           </a:p>
           <a:p>
             <a:pPr marL="0" indent="0">
@@ -2536,7 +2900,7 @@
     </p:spTree>
     <p:extLst>
       <p:ext uri="{BB962C8B-B14F-4D97-AF65-F5344CB8AC3E}">
-        <p14:creationId xmlns:p14="http://schemas.microsoft.com/office/powerpoint/2010/main" val="3025603983"/>
+        <p14:creationId xmlns:p14="http://schemas.microsoft.com/office/powerpoint/2010/main" val="648812506"/>
       </p:ext>
     </p:extLst>
   </p:cSld>
@@ -2590,21 +2954,44 @@
           <a:bodyPr/>
           <a:lstStyle/>
           <a:p>
-            <a:r>
-              <a:rPr lang="en-US" dirty="0"/>
-              <a:t>*Integrate Tomm Notes</a:t>
-            </a:r>
-          </a:p>
-          <a:p>
-            <a:r>
-              <a:rPr lang="en-US" dirty="0"/>
-              <a:t>*Form</a:t>
-            </a:r>
-            <a:r>
-              <a:rPr lang="en-US" baseline="0" dirty="0"/>
-              <a:t> rules &amp; presentation target</a:t>
-            </a:r>
-            <a:endParaRPr lang="en-US" dirty="0"/>
+            <a:pPr marL="171450" indent="-171450">
+              <a:buFontTx/>
+              <a:buChar char="-"/>
+            </a:pPr>
+            <a:r>
+              <a:rPr lang="en-US" dirty="0"/>
+              <a:t>Board Design</a:t>
+            </a:r>
+          </a:p>
+          <a:p>
+            <a:pPr marL="171450" indent="-171450">
+              <a:buFontTx/>
+              <a:buChar char="-"/>
+            </a:pPr>
+            <a:r>
+              <a:rPr lang="en-US" dirty="0"/>
+              <a:t>Board Fab &amp; Validate</a:t>
+            </a:r>
+          </a:p>
+          <a:p>
+            <a:pPr marL="171450" indent="-171450">
+              <a:buFontTx/>
+              <a:buChar char="-"/>
+            </a:pPr>
+            <a:r>
+              <a:rPr lang="en-US" dirty="0"/>
+              <a:t>Firmware</a:t>
+            </a:r>
+          </a:p>
+          <a:p>
+            <a:pPr marL="171450" indent="-171450">
+              <a:buFontTx/>
+              <a:buChar char="-"/>
+            </a:pPr>
+            <a:r>
+              <a:rPr lang="en-US" dirty="0"/>
+              <a:t>Rapid Prototyping</a:t>
+            </a:r>
           </a:p>
           <a:p>
             <a:pPr marL="0" indent="0">
@@ -2633,6 +3020,111 @@
             <a:fld id="{4AC65D0B-F732-4E21-9A8D-1C6A15A6A84B}" type="slidenum">
               <a:rPr lang="en-US" smtClean="0"/>
               <a:t>22</a:t>
+            </a:fld>
+            <a:endParaRPr lang="en-US" dirty="0"/>
+          </a:p>
+        </p:txBody>
+      </p:sp>
+    </p:spTree>
+    <p:extLst>
+      <p:ext uri="{BB962C8B-B14F-4D97-AF65-F5344CB8AC3E}">
+        <p14:creationId xmlns:p14="http://schemas.microsoft.com/office/powerpoint/2010/main" val="3025603983"/>
+      </p:ext>
+    </p:extLst>
+  </p:cSld>
+  <p:clrMapOvr>
+    <a:masterClrMapping/>
+  </p:clrMapOvr>
+</p:notes>
+</file>
+
+<file path=ppt/notesSlides/notesSlide23.xml><?xml version="1.0" encoding="utf-8"?>
+<p:notes xmlns:a="http://schemas.openxmlformats.org/drawingml/2006/main" xmlns:r="http://schemas.openxmlformats.org/officeDocument/2006/relationships" xmlns:p="http://schemas.openxmlformats.org/presentationml/2006/main">
+  <p:cSld>
+    <p:spTree>
+      <p:nvGrpSpPr>
+        <p:cNvPr id="1" name=""/>
+        <p:cNvGrpSpPr/>
+        <p:nvPr/>
+      </p:nvGrpSpPr>
+      <p:grpSpPr>
+        <a:xfrm>
+          <a:off x="0" y="0"/>
+          <a:ext cx="0" cy="0"/>
+          <a:chOff x="0" y="0"/>
+          <a:chExt cx="0" cy="0"/>
+        </a:xfrm>
+      </p:grpSpPr>
+      <p:sp>
+        <p:nvSpPr>
+          <p:cNvPr id="2" name="Slide Image Placeholder 1"/>
+          <p:cNvSpPr>
+            <a:spLocks noGrp="1" noRot="1" noChangeAspect="1"/>
+          </p:cNvSpPr>
+          <p:nvPr>
+            <p:ph type="sldImg"/>
+          </p:nvPr>
+        </p:nvSpPr>
+        <p:spPr/>
+      </p:sp>
+      <p:sp>
+        <p:nvSpPr>
+          <p:cNvPr id="3" name="Notes Placeholder 2"/>
+          <p:cNvSpPr>
+            <a:spLocks noGrp="1"/>
+          </p:cNvSpPr>
+          <p:nvPr>
+            <p:ph type="body" idx="1"/>
+          </p:nvPr>
+        </p:nvSpPr>
+        <p:spPr/>
+        <p:txBody>
+          <a:bodyPr/>
+          <a:lstStyle/>
+          <a:p>
+            <a:r>
+              <a:rPr lang="en-US" dirty="0"/>
+              <a:t>*Integrate Tomm Notes</a:t>
+            </a:r>
+          </a:p>
+          <a:p>
+            <a:r>
+              <a:rPr lang="en-US" dirty="0"/>
+              <a:t>*Form</a:t>
+            </a:r>
+            <a:r>
+              <a:rPr lang="en-US" baseline="0" dirty="0"/>
+              <a:t> rules &amp; presentation target</a:t>
+            </a:r>
+            <a:endParaRPr lang="en-US" dirty="0"/>
+          </a:p>
+          <a:p>
+            <a:pPr marL="0" indent="0">
+              <a:buFontTx/>
+              <a:buNone/>
+            </a:pPr>
+            <a:endParaRPr lang="en-US" dirty="0"/>
+          </a:p>
+        </p:txBody>
+      </p:sp>
+      <p:sp>
+        <p:nvSpPr>
+          <p:cNvPr id="4" name="Slide Number Placeholder 3"/>
+          <p:cNvSpPr>
+            <a:spLocks noGrp="1"/>
+          </p:cNvSpPr>
+          <p:nvPr>
+            <p:ph type="sldNum" sz="quarter" idx="10"/>
+          </p:nvPr>
+        </p:nvSpPr>
+        <p:spPr/>
+        <p:txBody>
+          <a:bodyPr/>
+          <a:lstStyle/>
+          <a:p>
+            <a:fld id="{4AC65D0B-F732-4E21-9A8D-1C6A15A6A84B}" type="slidenum">
+              <a:rPr lang="en-US" smtClean="0"/>
+              <a:t>23</a:t>
             </a:fld>
             <a:endParaRPr lang="en-US" dirty="0"/>
           </a:p>
@@ -2699,294 +3191,14 @@
               <a:buFontTx/>
               <a:buNone/>
             </a:pPr>
-            <a:r>
-              <a:rPr lang="en-US" dirty="0"/>
-              <a:t>Summary</a:t>
-            </a:r>
-          </a:p>
-          <a:p>
-            <a:pPr marL="171450" indent="-171450">
-              <a:buFontTx/>
-              <a:buChar char="-"/>
-            </a:pPr>
-            <a:r>
-              <a:rPr lang="en-US" sz="1200" b="0" i="0" u="none" strike="noStrike" kern="1200" dirty="0">
-                <a:solidFill>
-                  <a:schemeClr val="tx1"/>
-                </a:solidFill>
-              </a:rPr>
-              <a:t>Identification of Needs &amp; </a:t>
-            </a:r>
-            <a:r>
-              <a:rPr lang="en-US" sz="1200" b="0" i="0" u="none" strike="noStrike" kern="1200" baseline="0" dirty="0">
-                <a:solidFill>
-                  <a:schemeClr val="tx1"/>
-                </a:solidFill>
-              </a:rPr>
-              <a:t>Challenges</a:t>
-            </a:r>
-          </a:p>
-          <a:p>
-            <a:pPr marL="171450" indent="-171450">
-              <a:buFontTx/>
-              <a:buChar char="-"/>
-            </a:pPr>
             <a:endParaRPr lang="en-US" sz="1200" b="0" i="0" u="none" strike="noStrike" kern="1200" baseline="0" dirty="0">
               <a:solidFill>
                 <a:schemeClr val="tx1"/>
               </a:solidFill>
+              <a:latin typeface="+mn-lt"/>
+              <a:ea typeface="+mn-ea"/>
+              <a:cs typeface="+mn-cs"/>
             </a:endParaRPr>
-          </a:p>
-          <a:p>
-            <a:pPr marL="0" indent="0">
-              <a:buFontTx/>
-              <a:buNone/>
-            </a:pPr>
-            <a:r>
-              <a:rPr lang="en-US" dirty="0"/>
-              <a:t>Topics</a:t>
-            </a:r>
-          </a:p>
-          <a:p>
-            <a:pPr marL="171450" indent="-171450">
-              <a:buFontTx/>
-              <a:buChar char="-"/>
-            </a:pPr>
-            <a:r>
-              <a:rPr lang="en-US" dirty="0"/>
-              <a:t>Stabilized Firmware Architecture</a:t>
-            </a:r>
-          </a:p>
-          <a:p>
-            <a:pPr marL="628650" lvl="1" indent="-171450">
-              <a:buFontTx/>
-              <a:buChar char="-"/>
-            </a:pPr>
-            <a:r>
-              <a:rPr lang="en-US" dirty="0"/>
-              <a:t>OTM evaluate, path option identifications (Arduino, Python, OTM(C/C++), </a:t>
-            </a:r>
-            <a:r>
-              <a:rPr lang="en-US" dirty="0" err="1"/>
-              <a:t>PlatformIO</a:t>
-            </a:r>
-            <a:r>
-              <a:rPr lang="en-US" dirty="0"/>
-              <a:t>, Lua, JavaScript)</a:t>
-            </a:r>
-          </a:p>
-          <a:p>
-            <a:pPr marL="171450" indent="-171450">
-              <a:buFontTx/>
-              <a:buChar char="-"/>
-            </a:pPr>
-            <a:r>
-              <a:rPr lang="en-US" dirty="0"/>
-              <a:t>Board Revisions</a:t>
-            </a:r>
-          </a:p>
-          <a:p>
-            <a:pPr marL="171450" indent="-171450">
-              <a:buFontTx/>
-              <a:buChar char="-"/>
-            </a:pPr>
-            <a:r>
-              <a:rPr lang="en-US" dirty="0"/>
-              <a:t>PoC Progression, Arduino towards release</a:t>
-            </a:r>
-          </a:p>
-          <a:p>
-            <a:pPr marL="171450" indent="-171450">
-              <a:buFontTx/>
-              <a:buChar char="-"/>
-            </a:pPr>
-            <a:r>
-              <a:rPr lang="en-US" dirty="0"/>
-              <a:t>Feature Integration</a:t>
-            </a:r>
-          </a:p>
-          <a:p>
-            <a:endParaRPr lang="en-US" dirty="0"/>
-          </a:p>
-          <a:p>
-            <a:pPr marL="0" indent="0">
-              <a:buFontTx/>
-              <a:buNone/>
-            </a:pPr>
-            <a:r>
-              <a:rPr lang="en-US" dirty="0"/>
-              <a:t>Features Proposed</a:t>
-            </a:r>
-          </a:p>
-          <a:p>
-            <a:pPr marL="171450" indent="-171450">
-              <a:buFontTx/>
-              <a:buChar char="-"/>
-            </a:pPr>
-            <a:r>
-              <a:rPr lang="en-US" dirty="0"/>
-              <a:t>Debug Port (JTAG)</a:t>
-            </a:r>
-          </a:p>
-          <a:p>
-            <a:pPr marL="171450" indent="-171450">
-              <a:buFontTx/>
-              <a:buChar char="-"/>
-            </a:pPr>
-            <a:r>
-              <a:rPr lang="en-US" dirty="0"/>
-              <a:t>Serial Port &amp; Module</a:t>
-            </a:r>
-          </a:p>
-          <a:p>
-            <a:pPr marL="171450" indent="-171450">
-              <a:buFontTx/>
-              <a:buChar char="-"/>
-            </a:pPr>
-            <a:r>
-              <a:rPr lang="en-US" dirty="0"/>
-              <a:t>Jumpers</a:t>
-            </a:r>
-          </a:p>
-          <a:p>
-            <a:endParaRPr lang="en-US" dirty="0"/>
-          </a:p>
-          <a:p>
-            <a:r>
-              <a:rPr lang="en-US" dirty="0"/>
-              <a:t>Presentation Focus Points</a:t>
-            </a:r>
-          </a:p>
-          <a:p>
-            <a:pPr marL="171450" indent="-171450">
-              <a:buFontTx/>
-              <a:buChar char="-"/>
-            </a:pPr>
-            <a:r>
-              <a:rPr lang="en-US" dirty="0"/>
-              <a:t>Opportunity</a:t>
-            </a:r>
-          </a:p>
-          <a:p>
-            <a:pPr marL="171450" indent="-171450">
-              <a:buFontTx/>
-              <a:buChar char="-"/>
-            </a:pPr>
-            <a:r>
-              <a:rPr lang="en-US" dirty="0"/>
-              <a:t>Success &amp; Deliverable</a:t>
-            </a:r>
-          </a:p>
-          <a:p>
-            <a:pPr marL="171450" indent="-171450">
-              <a:buFontTx/>
-              <a:buChar char="-"/>
-            </a:pPr>
-            <a:r>
-              <a:rPr lang="en-US" dirty="0"/>
-              <a:t>Network &amp; Relationships</a:t>
-            </a:r>
-          </a:p>
-          <a:p>
-            <a:pPr marL="171450" indent="-171450">
-              <a:buFontTx/>
-              <a:buChar char="-"/>
-            </a:pPr>
-            <a:r>
-              <a:rPr lang="en-US" dirty="0"/>
-              <a:t>Learnings and Growth</a:t>
-            </a:r>
-          </a:p>
-          <a:p>
-            <a:pPr marL="171450" indent="-171450">
-              <a:buFontTx/>
-              <a:buChar char="-"/>
-            </a:pPr>
-            <a:endParaRPr lang="en-US" dirty="0"/>
-          </a:p>
-          <a:p>
-            <a:pPr marL="0" indent="0">
-              <a:buFontTx/>
-              <a:buNone/>
-            </a:pPr>
-            <a:r>
-              <a:rPr lang="en-US" dirty="0"/>
-              <a:t>Points to Share</a:t>
-            </a:r>
-          </a:p>
-          <a:p>
-            <a:pPr marL="171450" indent="-171450">
-              <a:buFontTx/>
-              <a:buChar char="-"/>
-            </a:pPr>
-            <a:r>
-              <a:rPr lang="en-US" dirty="0"/>
-              <a:t>Success of work</a:t>
-            </a:r>
-          </a:p>
-          <a:p>
-            <a:pPr marL="171450" indent="-171450">
-              <a:buFontTx/>
-              <a:buChar char="-"/>
-            </a:pPr>
-            <a:r>
-              <a:rPr lang="en-US" dirty="0"/>
-              <a:t>Highlight Hardware Experience</a:t>
-            </a:r>
-          </a:p>
-          <a:p>
-            <a:pPr marL="171450" indent="-171450">
-              <a:buFontTx/>
-              <a:buChar char="-"/>
-            </a:pPr>
-            <a:r>
-              <a:rPr lang="en-US" dirty="0"/>
-              <a:t>Show direct value to team, by example</a:t>
-            </a:r>
-          </a:p>
-          <a:p>
-            <a:pPr marL="171450" indent="-171450">
-              <a:buFontTx/>
-              <a:buChar char="-"/>
-            </a:pPr>
-            <a:endParaRPr lang="en-US" dirty="0"/>
-          </a:p>
-          <a:p>
-            <a:r>
-              <a:rPr lang="en-US" dirty="0"/>
-              <a:t>Shared</a:t>
-            </a:r>
-          </a:p>
-          <a:p>
-            <a:pPr marL="171450" lvl="0" indent="-171450">
-              <a:buFontTx/>
-              <a:buChar char="-"/>
-            </a:pPr>
-            <a:r>
-              <a:rPr lang="en-US" dirty="0"/>
-              <a:t>Contract Identified</a:t>
-            </a:r>
-          </a:p>
-          <a:p>
-            <a:pPr marL="171450" lvl="0" indent="-171450">
-              <a:buFontTx/>
-              <a:buChar char="-"/>
-            </a:pPr>
-            <a:r>
-              <a:rPr lang="en-US" dirty="0"/>
-              <a:t>Work Selection</a:t>
-            </a:r>
-          </a:p>
-          <a:p>
-            <a:pPr marL="0" lvl="0" indent="0">
-              <a:buFontTx/>
-              <a:buNone/>
-            </a:pPr>
-            <a:endParaRPr lang="en-US" dirty="0"/>
-          </a:p>
-          <a:p>
-            <a:pPr lvl="0"/>
-            <a:endParaRPr lang="en-US" dirty="0"/>
           </a:p>
         </p:txBody>
       </p:sp>
@@ -3016,7 +3228,7 @@
     </p:spTree>
     <p:extLst>
       <p:ext uri="{BB962C8B-B14F-4D97-AF65-F5344CB8AC3E}">
-        <p14:creationId xmlns:p14="http://schemas.microsoft.com/office/powerpoint/2010/main" val="2028225890"/>
+        <p14:creationId xmlns:p14="http://schemas.microsoft.com/office/powerpoint/2010/main" val="4276758708"/>
       </p:ext>
     </p:extLst>
   </p:cSld>
@@ -3070,13 +3282,35 @@
           <a:bodyPr/>
           <a:lstStyle/>
           <a:p>
+            <a:pPr marL="0" indent="0">
+              <a:buFontTx/>
+              <a:buNone/>
+            </a:pPr>
+            <a:r>
+              <a:rPr lang="en-US" dirty="0"/>
+              <a:t>Summary</a:t>
+            </a:r>
+          </a:p>
+          <a:p>
             <a:pPr marL="171450" indent="-171450">
               <a:buFontTx/>
               <a:buChar char="-"/>
             </a:pPr>
             <a:r>
-              <a:rPr lang="en-US" dirty="0"/>
-              <a:t>What it is</a:t>
+              <a:rPr lang="en-US" sz="1200" b="0" i="0" u="none" strike="noStrike" kern="1200" dirty="0">
+                <a:solidFill>
+                  <a:schemeClr val="tx1"/>
+                </a:solidFill>
+              </a:rPr>
+              <a:t>Identification of Needs &amp; </a:t>
+            </a:r>
+            <a:r>
+              <a:rPr lang="en-US" sz="1200" b="0" i="0" u="none" strike="noStrike" kern="1200" baseline="0" dirty="0">
+                <a:solidFill>
+                  <a:schemeClr val="tx1"/>
+                </a:solidFill>
+              </a:rPr>
+              <a:t>Challenges</a:t>
             </a:r>
           </a:p>
           <a:p>
@@ -3084,9 +3318,20 @@
               <a:buFontTx/>
               <a:buChar char="-"/>
             </a:pPr>
-            <a:r>
-              <a:rPr lang="en-US" dirty="0"/>
-              <a:t>Who uses it</a:t>
+            <a:endParaRPr lang="en-US" sz="1200" b="0" i="0" u="none" strike="noStrike" kern="1200" baseline="0" dirty="0">
+              <a:solidFill>
+                <a:schemeClr val="tx1"/>
+              </a:solidFill>
+            </a:endParaRPr>
+          </a:p>
+          <a:p>
+            <a:pPr marL="0" indent="0">
+              <a:buFontTx/>
+              <a:buNone/>
+            </a:pPr>
+            <a:r>
+              <a:rPr lang="en-US" dirty="0"/>
+              <a:t>Topics</a:t>
             </a:r>
           </a:p>
           <a:p>
@@ -3096,7 +3341,25 @@
             </a:pPr>
             <a:r>
               <a:rPr lang="en-US" dirty="0"/>
-              <a:t>Where it is going</a:t>
+              <a:t>Stabilized Firmware Architecture</a:t>
+            </a:r>
+          </a:p>
+          <a:p>
+            <a:pPr marL="628650" lvl="1" indent="-171450">
+              <a:buFontTx/>
+              <a:buChar char="-"/>
+            </a:pPr>
+            <a:r>
+              <a:rPr lang="en-US" dirty="0"/>
+              <a:t>OTM evaluate, path option identifications (Arduino, Python, OTM(C/C++), </a:t>
+            </a:r>
+            <a:r>
+              <a:rPr lang="en-US" dirty="0" err="1"/>
+              <a:t>PlatformIO</a:t>
+            </a:r>
+            <a:r>
+              <a:rPr lang="en-US" dirty="0"/>
+              <a:t>, Lua, JavaScript)</a:t>
             </a:r>
           </a:p>
           <a:p>
@@ -3106,7 +3369,7 @@
             </a:pPr>
             <a:r>
               <a:rPr lang="en-US" dirty="0"/>
-              <a:t>Tomm Product Description</a:t>
+              <a:t>Board Revisions</a:t>
             </a:r>
           </a:p>
           <a:p>
@@ -3116,7 +3379,7 @@
             </a:pPr>
             <a:r>
               <a:rPr lang="en-US" dirty="0"/>
-              <a:t>Why Tomm picked feather &amp; motion established</a:t>
+              <a:t>PoC Progression, Arduino towards release</a:t>
             </a:r>
           </a:p>
           <a:p>
@@ -3126,37 +3389,116 @@
             </a:pPr>
             <a:r>
               <a:rPr lang="en-US" dirty="0"/>
-              <a:t>What it brought to Tomm’s project (DTECTS)</a:t>
-            </a:r>
+              <a:t>Feature Integration</a:t>
+            </a:r>
+          </a:p>
+          <a:p>
+            <a:endParaRPr lang="en-US" dirty="0"/>
           </a:p>
           <a:p>
             <a:pPr marL="0" indent="0">
               <a:buFontTx/>
               <a:buNone/>
             </a:pPr>
+            <a:r>
+              <a:rPr lang="en-US" dirty="0"/>
+              <a:t>Features Proposed</a:t>
+            </a:r>
+          </a:p>
+          <a:p>
+            <a:pPr marL="171450" indent="-171450">
+              <a:buFontTx/>
+              <a:buChar char="-"/>
+            </a:pPr>
+            <a:r>
+              <a:rPr lang="en-US" dirty="0"/>
+              <a:t>Debug Port (JTAG)</a:t>
+            </a:r>
+          </a:p>
+          <a:p>
+            <a:pPr marL="171450" indent="-171450">
+              <a:buFontTx/>
+              <a:buChar char="-"/>
+            </a:pPr>
+            <a:r>
+              <a:rPr lang="en-US" dirty="0"/>
+              <a:t>Serial Port &amp; Module</a:t>
+            </a:r>
+          </a:p>
+          <a:p>
+            <a:pPr marL="171450" indent="-171450">
+              <a:buFontTx/>
+              <a:buChar char="-"/>
+            </a:pPr>
+            <a:r>
+              <a:rPr lang="en-US" dirty="0"/>
+              <a:t>Jumpers</a:t>
+            </a:r>
+          </a:p>
+          <a:p>
             <a:endParaRPr lang="en-US" dirty="0"/>
           </a:p>
           <a:p>
-            <a:pPr marL="0" marR="0" lvl="0" indent="0" algn="l" defTabSz="914400" rtl="0" eaLnBrk="1" fontAlgn="auto" latinLnBrk="0" hangingPunct="1">
-              <a:lnSpc>
-                <a:spcPct val="100000"/>
-              </a:lnSpc>
-              <a:spcBef>
-                <a:spcPts val="0"/>
-              </a:spcBef>
-              <a:spcAft>
-                <a:spcPts val="0"/>
-              </a:spcAft>
-              <a:buClrTx/>
-              <a:buSzTx/>
+            <a:r>
+              <a:rPr lang="en-US" dirty="0"/>
+              <a:t>Presentation Focus Points</a:t>
+            </a:r>
+          </a:p>
+          <a:p>
+            <a:pPr marL="171450" indent="-171450">
+              <a:buFontTx/>
+              <a:buChar char="-"/>
+            </a:pPr>
+            <a:r>
+              <a:rPr lang="en-US" dirty="0"/>
+              <a:t>Opportunity</a:t>
+            </a:r>
+          </a:p>
+          <a:p>
+            <a:pPr marL="171450" indent="-171450">
+              <a:buFontTx/>
+              <a:buChar char="-"/>
+            </a:pPr>
+            <a:r>
+              <a:rPr lang="en-US" dirty="0"/>
+              <a:t>Success &amp; Deliverable</a:t>
+            </a:r>
+          </a:p>
+          <a:p>
+            <a:pPr marL="171450" indent="-171450">
+              <a:buFontTx/>
+              <a:buChar char="-"/>
+            </a:pPr>
+            <a:r>
+              <a:rPr lang="en-US" dirty="0"/>
+              <a:t>Network &amp; Relationships</a:t>
+            </a:r>
+          </a:p>
+          <a:p>
+            <a:pPr marL="171450" indent="-171450">
+              <a:buFontTx/>
+              <a:buChar char="-"/>
+            </a:pPr>
+            <a:r>
+              <a:rPr lang="en-US" dirty="0"/>
+              <a:t>Learnings and Growth</a:t>
+            </a:r>
+          </a:p>
+          <a:p>
+            <a:pPr marL="171450" indent="-171450">
+              <a:buFontTx/>
+              <a:buChar char="-"/>
+            </a:pPr>
+            <a:endParaRPr lang="en-US" dirty="0"/>
+          </a:p>
+          <a:p>
+            <a:pPr marL="0" indent="0">
               <a:buFontTx/>
               <a:buNone/>
-              <a:tabLst/>
-              <a:defRPr/>
-            </a:pPr>
-            <a:r>
-              <a:rPr lang="en-US" dirty="0"/>
-              <a:t>Tomm Product Description</a:t>
+            </a:pPr>
+            <a:r>
+              <a:rPr lang="en-US" dirty="0"/>
+              <a:t>Points to Share</a:t>
             </a:r>
           </a:p>
           <a:p>
@@ -3166,11 +3508,7 @@
             </a:pPr>
             <a:r>
               <a:rPr lang="en-US" dirty="0"/>
-              <a:t>A simple motor interface to monitor performance, detect status &amp; alert</a:t>
-            </a:r>
-            <a:r>
-              <a:rPr lang="en-US" baseline="0" dirty="0"/>
-              <a:t> on performance error</a:t>
+              <a:t>Success of work</a:t>
             </a:r>
           </a:p>
           <a:p>
@@ -3179,129 +3517,63 @@
               <a:buChar char="-"/>
             </a:pPr>
             <a:r>
-              <a:rPr lang="en-US" baseline="0" dirty="0"/>
-              <a:t>Includes wireless interfaces, multiple sensing options, battery &amp; web interfaces</a:t>
-            </a:r>
-          </a:p>
-          <a:p>
-            <a:pPr marL="0" indent="0">
+              <a:rPr lang="en-US" dirty="0"/>
+              <a:t>Highlight Hardware Experience</a:t>
+            </a:r>
+          </a:p>
+          <a:p>
+            <a:pPr marL="171450" indent="-171450">
+              <a:buFontTx/>
+              <a:buChar char="-"/>
+            </a:pPr>
+            <a:r>
+              <a:rPr lang="en-US" dirty="0"/>
+              <a:t>Show direct value to team, by example</a:t>
+            </a:r>
+          </a:p>
+          <a:p>
+            <a:pPr marL="171450" indent="-171450">
+              <a:buFontTx/>
+              <a:buChar char="-"/>
+            </a:pPr>
+            <a:endParaRPr lang="en-US" dirty="0"/>
+          </a:p>
+          <a:p>
+            <a:r>
+              <a:rPr lang="en-US" dirty="0"/>
+              <a:t>Shared</a:t>
+            </a:r>
+          </a:p>
+          <a:p>
+            <a:pPr marL="171450" lvl="0" indent="-171450">
+              <a:buFontTx/>
+              <a:buChar char="-"/>
+            </a:pPr>
+            <a:r>
+              <a:rPr lang="en-US" dirty="0"/>
+              <a:t>Contract Identified</a:t>
+            </a:r>
+          </a:p>
+          <a:p>
+            <a:pPr marL="171450" lvl="0" indent="-171450">
+              <a:buFontTx/>
+              <a:buChar char="-"/>
+            </a:pPr>
+            <a:r>
+              <a:rPr lang="en-US" dirty="0"/>
+              <a:t>Work Selection</a:t>
+            </a:r>
+          </a:p>
+          <a:p>
+            <a:pPr marL="0" lvl="0" indent="0">
               <a:buFontTx/>
               <a:buNone/>
             </a:pPr>
             <a:endParaRPr lang="en-US" dirty="0"/>
           </a:p>
           <a:p>
-            <a:pPr marL="0" indent="0">
-              <a:buFontTx/>
-              <a:buNone/>
-            </a:pPr>
-            <a:r>
-              <a:rPr lang="en-US" dirty="0"/>
-              <a:t>Feather Selection</a:t>
-            </a:r>
-          </a:p>
-          <a:p>
-            <a:pPr marL="171450" indent="-171450">
-              <a:buFontTx/>
-              <a:buChar char="-"/>
-            </a:pPr>
-            <a:r>
-              <a:rPr lang="en-US" dirty="0"/>
-              <a:t>Selected for ability</a:t>
-            </a:r>
-            <a:r>
-              <a:rPr lang="en-US" baseline="0" dirty="0"/>
-              <a:t> to express ideas, test viability and begin PoC development by upper </a:t>
-            </a:r>
-            <a:r>
-              <a:rPr lang="en-US" baseline="0" dirty="0" err="1"/>
-              <a:t>mgmt</a:t>
-            </a:r>
-            <a:endParaRPr lang="en-US" baseline="0" dirty="0"/>
-          </a:p>
-          <a:p>
-            <a:pPr marL="171450" indent="-171450">
-              <a:buFontTx/>
-              <a:buChar char="-"/>
-            </a:pPr>
-            <a:r>
-              <a:rPr lang="en-US" baseline="0" dirty="0"/>
-              <a:t>Allowed Tomm to generate working unit with market prospect quickly</a:t>
-            </a:r>
-          </a:p>
-          <a:p>
-            <a:pPr marL="171450" indent="-171450">
-              <a:buFontTx/>
-              <a:buChar char="-"/>
-            </a:pPr>
-            <a:r>
-              <a:rPr lang="en-US" baseline="0" dirty="0"/>
-              <a:t>Enabled generation by one person</a:t>
-            </a:r>
-          </a:p>
-          <a:p>
-            <a:pPr marL="0" indent="0">
-              <a:buFontTx/>
-              <a:buNone/>
-            </a:pPr>
-            <a:endParaRPr lang="en-US" baseline="0" dirty="0"/>
-          </a:p>
-          <a:p>
-            <a:pPr marL="0" indent="0">
-              <a:buFontTx/>
-              <a:buNone/>
-            </a:pPr>
-            <a:r>
-              <a:rPr lang="en-US" baseline="0" dirty="0"/>
-              <a:t>Feather Benefits for DTECTS</a:t>
-            </a:r>
-          </a:p>
-          <a:p>
-            <a:pPr marL="171450" indent="-171450">
-              <a:buFontTx/>
-              <a:buChar char="-"/>
-            </a:pPr>
-            <a:r>
-              <a:rPr lang="en-US" baseline="0" dirty="0"/>
-              <a:t>Wide range of reference</a:t>
-            </a:r>
-          </a:p>
-          <a:p>
-            <a:pPr marL="171450" indent="-171450">
-              <a:buFontTx/>
-              <a:buChar char="-"/>
-            </a:pPr>
-            <a:r>
-              <a:rPr lang="en-US" baseline="0" dirty="0"/>
-              <a:t>Clean IO interface for DTECTS socket integration</a:t>
-            </a:r>
-          </a:p>
-          <a:p>
-            <a:pPr marL="171450" indent="-171450">
-              <a:buFontTx/>
-              <a:buChar char="-"/>
-            </a:pPr>
-            <a:r>
-              <a:rPr lang="en-US" baseline="0" dirty="0"/>
-              <a:t>Simple operating conditions (power, stable IO)</a:t>
-            </a:r>
-          </a:p>
-          <a:p>
-            <a:pPr marL="171450" indent="-171450">
-              <a:buFontTx/>
-              <a:buChar char="-"/>
-            </a:pPr>
-            <a:r>
-              <a:rPr lang="en-US" baseline="0" dirty="0"/>
-              <a:t>Highly Debuggable</a:t>
-            </a:r>
-          </a:p>
-          <a:p>
-            <a:pPr marL="0" indent="0">
-              <a:buFontTx/>
-              <a:buNone/>
-            </a:pPr>
-            <a:endParaRPr lang="en-US" baseline="0" dirty="0"/>
+            <a:pPr lvl="0"/>
+            <a:endParaRPr lang="en-US" dirty="0"/>
           </a:p>
         </p:txBody>
       </p:sp>
@@ -3331,7 +3603,7 @@
     </p:spTree>
     <p:extLst>
       <p:ext uri="{BB962C8B-B14F-4D97-AF65-F5344CB8AC3E}">
-        <p14:creationId xmlns:p14="http://schemas.microsoft.com/office/powerpoint/2010/main" val="408159008"/>
+        <p14:creationId xmlns:p14="http://schemas.microsoft.com/office/powerpoint/2010/main" val="2028225890"/>
       </p:ext>
     </p:extLst>
   </p:cSld>
@@ -3390,8 +3662,102 @@
               <a:buChar char="-"/>
             </a:pPr>
             <a:r>
+              <a:rPr lang="en-US" dirty="0"/>
+              <a:t>What it is</a:t>
+            </a:r>
+          </a:p>
+          <a:p>
+            <a:pPr marL="171450" indent="-171450">
+              <a:buFontTx/>
+              <a:buChar char="-"/>
+            </a:pPr>
+            <a:r>
+              <a:rPr lang="en-US" dirty="0"/>
+              <a:t>Who uses it</a:t>
+            </a:r>
+          </a:p>
+          <a:p>
+            <a:pPr marL="171450" indent="-171450">
+              <a:buFontTx/>
+              <a:buChar char="-"/>
+            </a:pPr>
+            <a:r>
+              <a:rPr lang="en-US" dirty="0"/>
+              <a:t>Where it is going</a:t>
+            </a:r>
+          </a:p>
+          <a:p>
+            <a:pPr marL="171450" indent="-171450">
+              <a:buFontTx/>
+              <a:buChar char="-"/>
+            </a:pPr>
+            <a:r>
+              <a:rPr lang="en-US" dirty="0"/>
+              <a:t>Tomm Product Description</a:t>
+            </a:r>
+          </a:p>
+          <a:p>
+            <a:pPr marL="171450" indent="-171450">
+              <a:buFontTx/>
+              <a:buChar char="-"/>
+            </a:pPr>
+            <a:r>
+              <a:rPr lang="en-US" dirty="0"/>
+              <a:t>Why Tomm picked feather &amp; motion established</a:t>
+            </a:r>
+          </a:p>
+          <a:p>
+            <a:pPr marL="171450" indent="-171450">
+              <a:buFontTx/>
+              <a:buChar char="-"/>
+            </a:pPr>
+            <a:r>
+              <a:rPr lang="en-US" dirty="0"/>
+              <a:t>What it brought to Tomm’s project (DTECTS)</a:t>
+            </a:r>
+          </a:p>
+          <a:p>
+            <a:pPr marL="0" indent="0">
+              <a:buFontTx/>
+              <a:buNone/>
+            </a:pPr>
+            <a:endParaRPr lang="en-US" dirty="0"/>
+          </a:p>
+          <a:p>
+            <a:pPr marL="0" marR="0" lvl="0" indent="0" algn="l" defTabSz="914400" rtl="0" eaLnBrk="1" fontAlgn="auto" latinLnBrk="0" hangingPunct="1">
+              <a:lnSpc>
+                <a:spcPct val="100000"/>
+              </a:lnSpc>
+              <a:spcBef>
+                <a:spcPts val="0"/>
+              </a:spcBef>
+              <a:spcAft>
+                <a:spcPts val="0"/>
+              </a:spcAft>
+              <a:buClrTx/>
+              <a:buSzTx/>
+              <a:buFontTx/>
+              <a:buNone/>
+              <a:tabLst/>
+              <a:defRPr/>
+            </a:pPr>
+            <a:r>
+              <a:rPr lang="en-US" dirty="0"/>
+              <a:t>Tomm Product Description</a:t>
+            </a:r>
+          </a:p>
+          <a:p>
+            <a:pPr marL="171450" indent="-171450">
+              <a:buFontTx/>
+              <a:buChar char="-"/>
+            </a:pPr>
+            <a:r>
+              <a:rPr lang="en-US" dirty="0"/>
+              <a:t>A simple motor interface to monitor performance, detect status &amp; alert</a:t>
+            </a:r>
+            <a:r>
               <a:rPr lang="en-US" baseline="0" dirty="0"/>
-              <a:t>Project ramp (remote site visits, project acclimate, Arduino explore)</a:t>
+              <a:t> on performance error</a:t>
             </a:r>
           </a:p>
           <a:p>
@@ -3401,7 +3767,24 @@
             </a:pPr>
             <a:r>
               <a:rPr lang="en-US" baseline="0" dirty="0"/>
-              <a:t>Path identification</a:t>
+              <a:t>Includes wireless interfaces, multiple sensing options, battery &amp; web interfaces</a:t>
+            </a:r>
+          </a:p>
+          <a:p>
+            <a:pPr marL="0" indent="0">
+              <a:buFontTx/>
+              <a:buNone/>
+            </a:pPr>
+            <a:endParaRPr lang="en-US" dirty="0"/>
+          </a:p>
+          <a:p>
+            <a:pPr marL="0" indent="0">
+              <a:buFontTx/>
+              <a:buNone/>
+            </a:pPr>
+            <a:r>
+              <a:rPr lang="en-US" dirty="0"/>
+              <a:t>Feather Selection</a:t>
             </a:r>
           </a:p>
           <a:p>
@@ -3410,9 +3793,18 @@
               <a:buChar char="-"/>
             </a:pPr>
             <a:r>
+              <a:rPr lang="en-US" dirty="0"/>
+              <a:t>Selected for ability</a:t>
+            </a:r>
+            <a:r>
               <a:rPr lang="en-US" baseline="0" dirty="0"/>
-              <a:t>Bare metal investigation, ESP32</a:t>
-            </a:r>
+              <a:t> to express ideas, test viability and begin PoC development by upper </a:t>
+            </a:r>
+            <a:r>
+              <a:rPr lang="en-US" baseline="0" dirty="0" err="1"/>
+              <a:t>mgmt</a:t>
+            </a:r>
+            <a:endParaRPr lang="en-US" baseline="0" dirty="0"/>
           </a:p>
           <a:p>
             <a:pPr marL="171450" indent="-171450">
@@ -3421,7 +3813,7 @@
             </a:pPr>
             <a:r>
               <a:rPr lang="en-US" baseline="0" dirty="0"/>
-              <a:t>…</a:t>
+              <a:t>Allowed Tomm to generate working unit with market prospect quickly</a:t>
             </a:r>
           </a:p>
           <a:p>
@@ -3431,7 +3823,24 @@
             </a:pPr>
             <a:r>
               <a:rPr lang="en-US" baseline="0" dirty="0"/>
-              <a:t>Revisioning formalization &amp; team sharing (GitHub)</a:t>
+              <a:t>Enabled generation by one person</a:t>
+            </a:r>
+          </a:p>
+          <a:p>
+            <a:pPr marL="0" indent="0">
+              <a:buFontTx/>
+              <a:buNone/>
+            </a:pPr>
+            <a:endParaRPr lang="en-US" baseline="0" dirty="0"/>
+          </a:p>
+          <a:p>
+            <a:pPr marL="0" indent="0">
+              <a:buFontTx/>
+              <a:buNone/>
+            </a:pPr>
+            <a:r>
+              <a:rPr lang="en-US" baseline="0" dirty="0"/>
+              <a:t>Feather Benefits for DTECTS</a:t>
             </a:r>
           </a:p>
           <a:p>
@@ -3441,7 +3850,7 @@
             </a:pPr>
             <a:r>
               <a:rPr lang="en-US" baseline="0" dirty="0"/>
-              <a:t>Project &amp; documentation standardization</a:t>
+              <a:t>Wide range of reference</a:t>
             </a:r>
           </a:p>
           <a:p>
@@ -3451,7 +3860,7 @@
             </a:pPr>
             <a:r>
               <a:rPr lang="en-US" baseline="0" dirty="0"/>
-              <a:t>Schematics &amp; project standardize</a:t>
+              <a:t>Clean IO interface for DTECTS socket integration</a:t>
             </a:r>
           </a:p>
           <a:p>
@@ -3461,7 +3870,7 @@
             </a:pPr>
             <a:r>
               <a:rPr lang="en-US" baseline="0" dirty="0"/>
-              <a:t>Board architecture standardize</a:t>
+              <a:t>Simple operating conditions (power, stable IO)</a:t>
             </a:r>
           </a:p>
           <a:p>
@@ -3471,8 +3880,15 @@
             </a:pPr>
             <a:r>
               <a:rPr lang="en-US" baseline="0" dirty="0"/>
-              <a:t>Path forward to product generation</a:t>
-            </a:r>
+              <a:t>Highly Debuggable</a:t>
+            </a:r>
+          </a:p>
+          <a:p>
+            <a:pPr marL="0" indent="0">
+              <a:buFontTx/>
+              <a:buNone/>
+            </a:pPr>
+            <a:endParaRPr lang="en-US" baseline="0" dirty="0"/>
           </a:p>
         </p:txBody>
       </p:sp>
@@ -3502,7 +3918,7 @@
     </p:spTree>
     <p:extLst>
       <p:ext uri="{BB962C8B-B14F-4D97-AF65-F5344CB8AC3E}">
-        <p14:creationId xmlns:p14="http://schemas.microsoft.com/office/powerpoint/2010/main" val="3365085616"/>
+        <p14:creationId xmlns:p14="http://schemas.microsoft.com/office/powerpoint/2010/main" val="408159008"/>
       </p:ext>
     </p:extLst>
   </p:cSld>
@@ -3556,303 +3972,93 @@
           <a:bodyPr/>
           <a:lstStyle/>
           <a:p>
-            <a:pPr marL="0" indent="0">
-              <a:buFontTx/>
-              <a:buNone/>
-            </a:pPr>
-            <a:r>
-              <a:rPr lang="en-US" dirty="0"/>
-              <a:t>Needs Identification</a:t>
-            </a:r>
-          </a:p>
-          <a:p>
-            <a:pPr marL="628650" marR="0" lvl="1" indent="-171450" algn="l" defTabSz="914400" rtl="0" eaLnBrk="1" fontAlgn="auto" latinLnBrk="0" hangingPunct="1">
-              <a:lnSpc>
-                <a:spcPct val="100000"/>
-              </a:lnSpc>
-              <a:spcBef>
-                <a:spcPts val="0"/>
-              </a:spcBef>
-              <a:spcAft>
-                <a:spcPts val="0"/>
-              </a:spcAft>
-              <a:buClrTx/>
-              <a:buSzTx/>
+            <a:pPr marL="171450" indent="-171450">
               <a:buFontTx/>
               <a:buChar char="-"/>
-              <a:tabLst/>
-              <a:defRPr/>
-            </a:pPr>
-            <a:r>
-              <a:rPr lang="en-US" dirty="0"/>
-              <a:t>Time</a:t>
-            </a:r>
+            </a:pPr>
             <a:r>
               <a:rPr lang="en-US" baseline="0" dirty="0"/>
-              <a:t> Spent: </a:t>
-            </a:r>
-            <a:endParaRPr lang="en-US" dirty="0"/>
-          </a:p>
-          <a:p>
-            <a:pPr marL="628650" lvl="1" indent="-171450">
+              <a:t>Project ramp (remote site visits, project acclimate, Arduino explore)</a:t>
+            </a:r>
+          </a:p>
+          <a:p>
+            <a:pPr marL="171450" indent="-171450">
               <a:buFontTx/>
               <a:buChar char="-"/>
             </a:pPr>
             <a:r>
-              <a:rPr lang="en-US" dirty="0"/>
-              <a:t>In-person</a:t>
-            </a:r>
-            <a:r>
               <a:rPr lang="en-US" baseline="0" dirty="0"/>
-              <a:t> visits, hands on time with DUT to establish scope &amp; path forward</a:t>
-            </a:r>
-          </a:p>
-          <a:p>
-            <a:pPr marL="628650" lvl="1" indent="-171450">
+              <a:t>Path identification</a:t>
+            </a:r>
+          </a:p>
+          <a:p>
+            <a:pPr marL="171450" indent="-171450">
               <a:buFontTx/>
               <a:buChar char="-"/>
             </a:pPr>
             <a:r>
               <a:rPr lang="en-US" baseline="0" dirty="0"/>
-              <a:t>Time on the seat trying things that were known to not succeed, in order to communicate this (ESP, Hand Re-work, PCB Design Selections, Comm Interfaces)</a:t>
-            </a:r>
-          </a:p>
-          <a:p>
-            <a:pPr marL="628650" lvl="1" indent="-171450">
+              <a:t>Bare metal investigation, ESP32</a:t>
+            </a:r>
+          </a:p>
+          <a:p>
+            <a:pPr marL="171450" indent="-171450">
               <a:buFontTx/>
               <a:buChar char="-"/>
             </a:pPr>
             <a:r>
               <a:rPr lang="en-US" baseline="0" dirty="0"/>
-              <a:t>Clear Scope with Doc of Ideas</a:t>
-            </a:r>
-          </a:p>
-          <a:p>
-            <a:pPr marL="628650" lvl="1" indent="-171450">
+              <a:t>…</a:t>
+            </a:r>
+          </a:p>
+          <a:p>
+            <a:pPr marL="171450" indent="-171450">
               <a:buFontTx/>
               <a:buChar char="-"/>
             </a:pPr>
             <a:r>
               <a:rPr lang="en-US" baseline="0" dirty="0"/>
-              <a:t>Present ideas with articulation, PoC when possible</a:t>
-            </a:r>
-            <a:endParaRPr lang="en-US" dirty="0"/>
-          </a:p>
-          <a:p>
-            <a:pPr marL="0" indent="0">
-              <a:buFontTx/>
-              <a:buNone/>
-            </a:pPr>
-            <a:endParaRPr lang="en-US" dirty="0"/>
-          </a:p>
-          <a:p>
-            <a:pPr marL="0" indent="0">
-              <a:buFontTx/>
-              <a:buNone/>
-            </a:pPr>
-            <a:r>
-              <a:rPr lang="en-US" dirty="0"/>
-              <a:t>Firmware Development</a:t>
-            </a:r>
-          </a:p>
-          <a:p>
-            <a:pPr marL="628650" lvl="1" indent="-171450">
+              <a:t>Revisioning formalization &amp; team sharing (GitHub)</a:t>
+            </a:r>
+          </a:p>
+          <a:p>
+            <a:pPr marL="171450" indent="-171450">
               <a:buFontTx/>
               <a:buChar char="-"/>
             </a:pPr>
             <a:r>
-              <a:rPr lang="en-US" dirty="0"/>
-              <a:t>Time</a:t>
-            </a:r>
-            <a:r>
               <a:rPr lang="en-US" baseline="0" dirty="0"/>
-              <a:t> Spent: Espressif VM, ESP-SDK Ramp &amp; Feather Deployment (JTAG)</a:t>
-            </a:r>
-            <a:endParaRPr lang="en-US" dirty="0"/>
-          </a:p>
-          <a:p>
-            <a:pPr marL="628650" lvl="1" indent="-171450">
+              <a:t>Project &amp; documentation standardization</a:t>
+            </a:r>
+          </a:p>
+          <a:p>
+            <a:pPr marL="171450" indent="-171450">
               <a:buFontTx/>
               <a:buChar char="-"/>
             </a:pPr>
             <a:r>
-              <a:rPr lang="en-US" dirty="0"/>
-              <a:t>Focused on path to market and only stepped in</a:t>
-            </a:r>
-            <a:r>
               <a:rPr lang="en-US" baseline="0" dirty="0"/>
-              <a:t> on request (Arduino) or for path (ESP)</a:t>
-            </a:r>
-          </a:p>
-          <a:p>
-            <a:pPr marL="628650" lvl="1" indent="-171450">
+              <a:t>Schematics &amp; project standardize</a:t>
+            </a:r>
+          </a:p>
+          <a:p>
+            <a:pPr marL="171450" indent="-171450">
               <a:buFontTx/>
               <a:buChar char="-"/>
             </a:pPr>
             <a:r>
               <a:rPr lang="en-US" baseline="0" dirty="0"/>
-              <a:t>Focused on tangible results, shared with customer and asked for decision on next steps</a:t>
-            </a:r>
-          </a:p>
-          <a:p>
-            <a:pPr marL="0" indent="0">
-              <a:buFontTx/>
-              <a:buNone/>
-            </a:pPr>
-            <a:endParaRPr lang="en-US" dirty="0"/>
-          </a:p>
-          <a:p>
-            <a:pPr marL="0" indent="0">
-              <a:buFontTx/>
-              <a:buNone/>
-            </a:pPr>
-            <a:r>
-              <a:rPr lang="en-US" dirty="0"/>
-              <a:t>Board Development</a:t>
-            </a:r>
-          </a:p>
-          <a:p>
-            <a:pPr marL="628650" marR="0" lvl="1" indent="-171450" algn="l" defTabSz="914400" rtl="0" eaLnBrk="1" fontAlgn="auto" latinLnBrk="0" hangingPunct="1">
-              <a:lnSpc>
-                <a:spcPct val="100000"/>
-              </a:lnSpc>
-              <a:spcBef>
-                <a:spcPts val="0"/>
-              </a:spcBef>
-              <a:spcAft>
-                <a:spcPts val="0"/>
-              </a:spcAft>
-              <a:buClrTx/>
-              <a:buSzTx/>
+              <a:t>Board architecture standardize</a:t>
+            </a:r>
+          </a:p>
+          <a:p>
+            <a:pPr marL="171450" indent="-171450">
               <a:buFontTx/>
               <a:buChar char="-"/>
-              <a:tabLst/>
-              <a:defRPr/>
-            </a:pPr>
-            <a:r>
-              <a:rPr lang="en-US" dirty="0"/>
-              <a:t>Time</a:t>
-            </a:r>
+            </a:pPr>
             <a:r>
               <a:rPr lang="en-US" baseline="0" dirty="0"/>
-              <a:t> Spent: EAGLE Ramp, Existing Design Port, Revision Proposal, Revision Generation &amp; Release</a:t>
-            </a:r>
-            <a:endParaRPr lang="en-US" dirty="0"/>
-          </a:p>
-          <a:p>
-            <a:pPr marL="0" indent="0">
-              <a:buFontTx/>
-              <a:buNone/>
-            </a:pPr>
-            <a:endParaRPr lang="en-US" dirty="0"/>
-          </a:p>
-          <a:p>
-            <a:pPr marL="0" indent="0">
-              <a:buFontTx/>
-              <a:buNone/>
-            </a:pPr>
-            <a:r>
-              <a:rPr lang="en-US" dirty="0"/>
-              <a:t>Contract Completion &amp; Transfer</a:t>
-            </a:r>
-          </a:p>
-          <a:p>
-            <a:pPr marL="628650" lvl="1" indent="-171450">
-              <a:buFontTx/>
-              <a:buChar char="-"/>
-            </a:pPr>
-            <a:r>
-              <a:rPr lang="en-US" dirty="0"/>
-              <a:t>HW: Project</a:t>
-            </a:r>
-            <a:r>
-              <a:rPr lang="en-US" baseline="0" dirty="0"/>
-              <a:t> &amp; Board Revision</a:t>
-            </a:r>
-          </a:p>
-          <a:p>
-            <a:pPr marL="628650" marR="0" lvl="1" indent="-171450" algn="l" defTabSz="914400" rtl="0" eaLnBrk="1" fontAlgn="auto" latinLnBrk="0" hangingPunct="1">
-              <a:lnSpc>
-                <a:spcPct val="100000"/>
-              </a:lnSpc>
-              <a:spcBef>
-                <a:spcPts val="0"/>
-              </a:spcBef>
-              <a:spcAft>
-                <a:spcPts val="0"/>
-              </a:spcAft>
-              <a:buClrTx/>
-              <a:buSzTx/>
-              <a:buFontTx/>
-              <a:buChar char="-"/>
-              <a:tabLst/>
-              <a:defRPr/>
-            </a:pPr>
-            <a:r>
-              <a:rPr lang="en-US" baseline="0" dirty="0"/>
-              <a:t>FW: OTM spec w/path to use (c</a:t>
-            </a:r>
-            <a:r>
-              <a:rPr lang="en-US" dirty="0"/>
-              <a:t>omplete VM w/next steps &amp; design support)</a:t>
-            </a:r>
-          </a:p>
-          <a:p>
-            <a:pPr marL="628650" marR="0" lvl="1" indent="-171450" algn="l" defTabSz="914400" rtl="0" eaLnBrk="1" fontAlgn="auto" latinLnBrk="0" hangingPunct="1">
-              <a:lnSpc>
-                <a:spcPct val="100000"/>
-              </a:lnSpc>
-              <a:spcBef>
-                <a:spcPts val="0"/>
-              </a:spcBef>
-              <a:spcAft>
-                <a:spcPts val="0"/>
-              </a:spcAft>
-              <a:buClrTx/>
-              <a:buSzTx/>
-              <a:buFontTx/>
-              <a:buChar char="-"/>
-              <a:tabLst/>
-              <a:defRPr/>
-            </a:pPr>
-            <a:r>
-              <a:rPr lang="en-US" dirty="0"/>
-              <a:t>Design:</a:t>
-            </a:r>
-            <a:r>
-              <a:rPr lang="en-US" baseline="0" dirty="0"/>
-              <a:t>  Clear organization &amp; repo integration, </a:t>
-            </a:r>
-            <a:r>
-              <a:rPr lang="en-US" dirty="0"/>
-              <a:t>Identification</a:t>
-            </a:r>
-            <a:r>
-              <a:rPr lang="en-US" baseline="0" dirty="0"/>
-              <a:t> of OTM, Python &amp; JavaScript options</a:t>
-            </a:r>
-          </a:p>
-          <a:p>
-            <a:pPr marL="457200" marR="0" lvl="1" indent="0" algn="l" defTabSz="914400" rtl="0" eaLnBrk="1" fontAlgn="auto" latinLnBrk="0" hangingPunct="1">
-              <a:lnSpc>
-                <a:spcPct val="100000"/>
-              </a:lnSpc>
-              <a:spcBef>
-                <a:spcPts val="0"/>
-              </a:spcBef>
-              <a:spcAft>
-                <a:spcPts val="0"/>
-              </a:spcAft>
-              <a:buClrTx/>
-              <a:buSzTx/>
-              <a:buFontTx/>
-              <a:buNone/>
-              <a:tabLst/>
-              <a:defRPr/>
-            </a:pPr>
-            <a:r>
-              <a:rPr lang="en-US" baseline="0" dirty="0"/>
-              <a:t>	</a:t>
+              <a:t>Path forward to product generation</a:t>
             </a:r>
           </a:p>
         </p:txBody>
@@ -3883,7 +4089,7 @@
     </p:spTree>
     <p:extLst>
       <p:ext uri="{BB962C8B-B14F-4D97-AF65-F5344CB8AC3E}">
-        <p14:creationId xmlns:p14="http://schemas.microsoft.com/office/powerpoint/2010/main" val="292211601"/>
+        <p14:creationId xmlns:p14="http://schemas.microsoft.com/office/powerpoint/2010/main" val="3365085616"/>
       </p:ext>
     </p:extLst>
   </p:cSld>
@@ -3941,7 +4147,300 @@
               <a:buFontTx/>
               <a:buNone/>
             </a:pPr>
-            <a:endParaRPr lang="en-US" baseline="0" dirty="0"/>
+            <a:r>
+              <a:rPr lang="en-US" dirty="0"/>
+              <a:t>Needs Identification</a:t>
+            </a:r>
+          </a:p>
+          <a:p>
+            <a:pPr marL="628650" marR="0" lvl="1" indent="-171450" algn="l" defTabSz="914400" rtl="0" eaLnBrk="1" fontAlgn="auto" latinLnBrk="0" hangingPunct="1">
+              <a:lnSpc>
+                <a:spcPct val="100000"/>
+              </a:lnSpc>
+              <a:spcBef>
+                <a:spcPts val="0"/>
+              </a:spcBef>
+              <a:spcAft>
+                <a:spcPts val="0"/>
+              </a:spcAft>
+              <a:buClrTx/>
+              <a:buSzTx/>
+              <a:buFontTx/>
+              <a:buChar char="-"/>
+              <a:tabLst/>
+              <a:defRPr/>
+            </a:pPr>
+            <a:r>
+              <a:rPr lang="en-US" dirty="0"/>
+              <a:t>Time</a:t>
+            </a:r>
+            <a:r>
+              <a:rPr lang="en-US" baseline="0" dirty="0"/>
+              <a:t> Spent: </a:t>
+            </a:r>
+            <a:endParaRPr lang="en-US" dirty="0"/>
+          </a:p>
+          <a:p>
+            <a:pPr marL="628650" lvl="1" indent="-171450">
+              <a:buFontTx/>
+              <a:buChar char="-"/>
+            </a:pPr>
+            <a:r>
+              <a:rPr lang="en-US" dirty="0"/>
+              <a:t>In-person</a:t>
+            </a:r>
+            <a:r>
+              <a:rPr lang="en-US" baseline="0" dirty="0"/>
+              <a:t> visits, hands on time with DUT to establish scope &amp; path forward</a:t>
+            </a:r>
+          </a:p>
+          <a:p>
+            <a:pPr marL="628650" lvl="1" indent="-171450">
+              <a:buFontTx/>
+              <a:buChar char="-"/>
+            </a:pPr>
+            <a:r>
+              <a:rPr lang="en-US" baseline="0" dirty="0"/>
+              <a:t>Time on the seat trying things that were known to not succeed, in order to communicate this (ESP, Hand Re-work, PCB Design Selections, Comm Interfaces)</a:t>
+            </a:r>
+          </a:p>
+          <a:p>
+            <a:pPr marL="628650" lvl="1" indent="-171450">
+              <a:buFontTx/>
+              <a:buChar char="-"/>
+            </a:pPr>
+            <a:r>
+              <a:rPr lang="en-US" baseline="0" dirty="0"/>
+              <a:t>Clear Scope with Doc of Ideas</a:t>
+            </a:r>
+          </a:p>
+          <a:p>
+            <a:pPr marL="628650" lvl="1" indent="-171450">
+              <a:buFontTx/>
+              <a:buChar char="-"/>
+            </a:pPr>
+            <a:r>
+              <a:rPr lang="en-US" baseline="0" dirty="0"/>
+              <a:t>Present ideas with articulation, PoC when possible</a:t>
+            </a:r>
+            <a:endParaRPr lang="en-US" dirty="0"/>
+          </a:p>
+          <a:p>
+            <a:pPr marL="0" indent="0">
+              <a:buFontTx/>
+              <a:buNone/>
+            </a:pPr>
+            <a:endParaRPr lang="en-US" dirty="0"/>
+          </a:p>
+          <a:p>
+            <a:pPr marL="0" indent="0">
+              <a:buFontTx/>
+              <a:buNone/>
+            </a:pPr>
+            <a:r>
+              <a:rPr lang="en-US" dirty="0"/>
+              <a:t>Firmware Development</a:t>
+            </a:r>
+          </a:p>
+          <a:p>
+            <a:pPr marL="628650" lvl="1" indent="-171450">
+              <a:buFontTx/>
+              <a:buChar char="-"/>
+            </a:pPr>
+            <a:r>
+              <a:rPr lang="en-US" dirty="0"/>
+              <a:t>Time</a:t>
+            </a:r>
+            <a:r>
+              <a:rPr lang="en-US" baseline="0" dirty="0"/>
+              <a:t> Spent: Espressif VM, ESP-SDK Ramp &amp; Feather Deployment (JTAG)</a:t>
+            </a:r>
+            <a:endParaRPr lang="en-US" dirty="0"/>
+          </a:p>
+          <a:p>
+            <a:pPr marL="628650" lvl="1" indent="-171450">
+              <a:buFontTx/>
+              <a:buChar char="-"/>
+            </a:pPr>
+            <a:r>
+              <a:rPr lang="en-US" dirty="0"/>
+              <a:t>Focused on path to market and only stepped in</a:t>
+            </a:r>
+            <a:r>
+              <a:rPr lang="en-US" baseline="0" dirty="0"/>
+              <a:t> on request (Arduino) or for path (ESP)</a:t>
+            </a:r>
+          </a:p>
+          <a:p>
+            <a:pPr marL="628650" lvl="1" indent="-171450">
+              <a:buFontTx/>
+              <a:buChar char="-"/>
+            </a:pPr>
+            <a:r>
+              <a:rPr lang="en-US" baseline="0" dirty="0"/>
+              <a:t>Focused on tangible results, shared with customer and asked for decision on next steps</a:t>
+            </a:r>
+          </a:p>
+          <a:p>
+            <a:pPr marL="0" indent="0">
+              <a:buFontTx/>
+              <a:buNone/>
+            </a:pPr>
+            <a:endParaRPr lang="en-US" dirty="0"/>
+          </a:p>
+          <a:p>
+            <a:pPr marL="0" indent="0">
+              <a:buFontTx/>
+              <a:buNone/>
+            </a:pPr>
+            <a:r>
+              <a:rPr lang="en-US" dirty="0"/>
+              <a:t>Board Development</a:t>
+            </a:r>
+          </a:p>
+          <a:p>
+            <a:pPr marL="628650" marR="0" lvl="1" indent="-171450" algn="l" defTabSz="914400" rtl="0" eaLnBrk="1" fontAlgn="auto" latinLnBrk="0" hangingPunct="1">
+              <a:lnSpc>
+                <a:spcPct val="100000"/>
+              </a:lnSpc>
+              <a:spcBef>
+                <a:spcPts val="0"/>
+              </a:spcBef>
+              <a:spcAft>
+                <a:spcPts val="0"/>
+              </a:spcAft>
+              <a:buClrTx/>
+              <a:buSzTx/>
+              <a:buFontTx/>
+              <a:buChar char="-"/>
+              <a:tabLst/>
+              <a:defRPr/>
+            </a:pPr>
+            <a:r>
+              <a:rPr lang="en-US" dirty="0"/>
+              <a:t>Time</a:t>
+            </a:r>
+            <a:r>
+              <a:rPr lang="en-US" baseline="0" dirty="0"/>
+              <a:t> Spent: EAGLE Ramp, Existing Design Port, Revision Proposal, Revision Generation &amp; Release</a:t>
+            </a:r>
+            <a:endParaRPr lang="en-US" dirty="0"/>
+          </a:p>
+          <a:p>
+            <a:pPr marL="0" indent="0">
+              <a:buFontTx/>
+              <a:buNone/>
+            </a:pPr>
+            <a:endParaRPr lang="en-US" dirty="0"/>
+          </a:p>
+          <a:p>
+            <a:pPr marL="0" indent="0">
+              <a:buFontTx/>
+              <a:buNone/>
+            </a:pPr>
+            <a:r>
+              <a:rPr lang="en-US" dirty="0"/>
+              <a:t>Contract Completion &amp; Transfer</a:t>
+            </a:r>
+          </a:p>
+          <a:p>
+            <a:pPr marL="628650" lvl="1" indent="-171450">
+              <a:buFontTx/>
+              <a:buChar char="-"/>
+            </a:pPr>
+            <a:r>
+              <a:rPr lang="en-US" dirty="0"/>
+              <a:t>HW: Project</a:t>
+            </a:r>
+            <a:r>
+              <a:rPr lang="en-US" baseline="0" dirty="0"/>
+              <a:t> &amp; Board Revision</a:t>
+            </a:r>
+          </a:p>
+          <a:p>
+            <a:pPr marL="628650" marR="0" lvl="1" indent="-171450" algn="l" defTabSz="914400" rtl="0" eaLnBrk="1" fontAlgn="auto" latinLnBrk="0" hangingPunct="1">
+              <a:lnSpc>
+                <a:spcPct val="100000"/>
+              </a:lnSpc>
+              <a:spcBef>
+                <a:spcPts val="0"/>
+              </a:spcBef>
+              <a:spcAft>
+                <a:spcPts val="0"/>
+              </a:spcAft>
+              <a:buClrTx/>
+              <a:buSzTx/>
+              <a:buFontTx/>
+              <a:buChar char="-"/>
+              <a:tabLst/>
+              <a:defRPr/>
+            </a:pPr>
+            <a:r>
+              <a:rPr lang="en-US" baseline="0" dirty="0"/>
+              <a:t>FW: OTM spec w/path to use (c</a:t>
+            </a:r>
+            <a:r>
+              <a:rPr lang="en-US" dirty="0"/>
+              <a:t>omplete VM w/next steps &amp; design support)</a:t>
+            </a:r>
+          </a:p>
+          <a:p>
+            <a:pPr marL="628650" marR="0" lvl="1" indent="-171450" algn="l" defTabSz="914400" rtl="0" eaLnBrk="1" fontAlgn="auto" latinLnBrk="0" hangingPunct="1">
+              <a:lnSpc>
+                <a:spcPct val="100000"/>
+              </a:lnSpc>
+              <a:spcBef>
+                <a:spcPts val="0"/>
+              </a:spcBef>
+              <a:spcAft>
+                <a:spcPts val="0"/>
+              </a:spcAft>
+              <a:buClrTx/>
+              <a:buSzTx/>
+              <a:buFontTx/>
+              <a:buChar char="-"/>
+              <a:tabLst/>
+              <a:defRPr/>
+            </a:pPr>
+            <a:r>
+              <a:rPr lang="en-US" dirty="0"/>
+              <a:t>Design:</a:t>
+            </a:r>
+            <a:r>
+              <a:rPr lang="en-US" baseline="0" dirty="0"/>
+              <a:t>  Clear organization &amp; repo integration, </a:t>
+            </a:r>
+            <a:r>
+              <a:rPr lang="en-US" dirty="0"/>
+              <a:t>Identification</a:t>
+            </a:r>
+            <a:r>
+              <a:rPr lang="en-US" baseline="0" dirty="0"/>
+              <a:t> of OTM, Python &amp; JavaScript options</a:t>
+            </a:r>
+          </a:p>
+          <a:p>
+            <a:pPr marL="457200" marR="0" lvl="1" indent="0" algn="l" defTabSz="914400" rtl="0" eaLnBrk="1" fontAlgn="auto" latinLnBrk="0" hangingPunct="1">
+              <a:lnSpc>
+                <a:spcPct val="100000"/>
+              </a:lnSpc>
+              <a:spcBef>
+                <a:spcPts val="0"/>
+              </a:spcBef>
+              <a:spcAft>
+                <a:spcPts val="0"/>
+              </a:spcAft>
+              <a:buClrTx/>
+              <a:buSzTx/>
+              <a:buFontTx/>
+              <a:buNone/>
+              <a:tabLst/>
+              <a:defRPr/>
+            </a:pPr>
+            <a:r>
+              <a:rPr lang="en-US" baseline="0" dirty="0"/>
+              <a:t>	</a:t>
+            </a:r>
           </a:p>
         </p:txBody>
       </p:sp>
@@ -3971,7 +4470,7 @@
     </p:spTree>
     <p:extLst>
       <p:ext uri="{BB962C8B-B14F-4D97-AF65-F5344CB8AC3E}">
-        <p14:creationId xmlns:p14="http://schemas.microsoft.com/office/powerpoint/2010/main" val="1823177276"/>
+        <p14:creationId xmlns:p14="http://schemas.microsoft.com/office/powerpoint/2010/main" val="292211601"/>
       </p:ext>
     </p:extLst>
   </p:cSld>
@@ -4025,125 +4524,11 @@
           <a:bodyPr/>
           <a:lstStyle/>
           <a:p>
-            <a:pPr marL="171450" indent="-171450">
-              <a:buFontTx/>
-              <a:buChar char="-"/>
-            </a:pPr>
-            <a:r>
-              <a:rPr lang="en-US" dirty="0"/>
-              <a:t>Documentation</a:t>
-            </a:r>
-          </a:p>
-          <a:p>
-            <a:pPr marL="171450" indent="-171450">
-              <a:buFontTx/>
-              <a:buChar char="-"/>
-            </a:pPr>
-            <a:r>
-              <a:rPr lang="en-US" dirty="0"/>
-              <a:t>Presentation</a:t>
-            </a:r>
-          </a:p>
-          <a:p>
-            <a:pPr marL="171450" indent="-171450">
-              <a:buFontTx/>
-              <a:buChar char="-"/>
-            </a:pPr>
-            <a:r>
-              <a:rPr lang="en-US" dirty="0"/>
-              <a:t>Embedded Systems Development</a:t>
-            </a:r>
-          </a:p>
-          <a:p>
-            <a:pPr marL="171450" indent="-171450">
-              <a:buFontTx/>
-              <a:buChar char="-"/>
-            </a:pPr>
-            <a:r>
-              <a:rPr lang="en-US" dirty="0"/>
-              <a:t>Board Design</a:t>
-            </a:r>
-          </a:p>
-          <a:p>
-            <a:pPr marL="171450" indent="-171450">
-              <a:buFontTx/>
-              <a:buChar char="-"/>
-            </a:pPr>
-            <a:r>
-              <a:rPr lang="en-US" dirty="0"/>
-              <a:t>Code Syntax (share examples from code)</a:t>
-            </a:r>
-          </a:p>
-          <a:p>
-            <a:pPr marL="628650" lvl="1" indent="-171450">
-              <a:buFontTx/>
-              <a:buChar char="-"/>
-            </a:pPr>
-            <a:r>
-              <a:rPr lang="en-US" dirty="0" err="1"/>
-              <a:t>example_pwm_tc.c</a:t>
-            </a:r>
-            <a:r>
-              <a:rPr lang="en-US" dirty="0"/>
-              <a:t> reference</a:t>
-            </a:r>
-          </a:p>
-          <a:p>
-            <a:pPr marL="171450" indent="-171450">
-              <a:buFontTx/>
-              <a:buChar char="-"/>
-            </a:pPr>
-            <a:r>
-              <a:rPr lang="en-US" dirty="0"/>
-              <a:t>Development Validation</a:t>
-            </a:r>
-          </a:p>
-          <a:p>
-            <a:pPr marL="171450" indent="-171450">
-              <a:buFontTx/>
-              <a:buChar char="-"/>
-            </a:pPr>
-            <a:r>
-              <a:rPr lang="en-US" dirty="0"/>
-              <a:t>PoC Form</a:t>
-            </a:r>
-          </a:p>
-          <a:p>
-            <a:pPr marL="171450" indent="-171450">
-              <a:buFontTx/>
-              <a:buChar char="-"/>
-            </a:pPr>
-            <a:r>
-              <a:rPr lang="en-US" dirty="0"/>
-              <a:t>Schematic Examples</a:t>
-            </a:r>
-          </a:p>
-          <a:p>
-            <a:pPr marL="171450" indent="-171450">
-              <a:buFontTx/>
-              <a:buChar char="-"/>
-            </a:pPr>
-            <a:r>
-              <a:rPr lang="en-US" dirty="0"/>
-              <a:t>Content Transfer to Ergsense</a:t>
-            </a:r>
-          </a:p>
-          <a:p>
-            <a:pPr marL="171450" indent="-171450">
-              <a:buFontTx/>
-              <a:buChar char="-"/>
-            </a:pPr>
-            <a:r>
-              <a:rPr lang="en-US" dirty="0"/>
-              <a:t>Revision Control</a:t>
-            </a:r>
-          </a:p>
-          <a:p>
             <a:pPr marL="0" indent="0">
               <a:buFontTx/>
               <a:buNone/>
             </a:pPr>
-            <a:endParaRPr lang="en-US" dirty="0"/>
+            <a:endParaRPr lang="en-US" baseline="0" dirty="0"/>
           </a:p>
         </p:txBody>
       </p:sp>
@@ -4173,7 +4558,7 @@
     </p:spTree>
     <p:extLst>
       <p:ext uri="{BB962C8B-B14F-4D97-AF65-F5344CB8AC3E}">
-        <p14:creationId xmlns:p14="http://schemas.microsoft.com/office/powerpoint/2010/main" val="1782159032"/>
+        <p14:creationId xmlns:p14="http://schemas.microsoft.com/office/powerpoint/2010/main" val="1823177276"/>
       </p:ext>
     </p:extLst>
   </p:cSld>
@@ -4375,7 +4760,7 @@
     </p:spTree>
     <p:extLst>
       <p:ext uri="{BB962C8B-B14F-4D97-AF65-F5344CB8AC3E}">
-        <p14:creationId xmlns:p14="http://schemas.microsoft.com/office/powerpoint/2010/main" val="1922393564"/>
+        <p14:creationId xmlns:p14="http://schemas.microsoft.com/office/powerpoint/2010/main" val="1782159032"/>
       </p:ext>
     </p:extLst>
   </p:cSld>
@@ -11914,20 +12299,23 @@
             <p:ph type="ctrTitle"/>
           </p:nvPr>
         </p:nvSpPr>
-        <p:spPr/>
-        <p:txBody>
-          <a:bodyPr/>
+        <p:spPr>
+          <a:xfrm>
+            <a:off x="2589213" y="2484620"/>
+            <a:ext cx="8915399" cy="2262781"/>
+          </a:xfrm>
+        </p:spPr>
+        <p:txBody>
+          <a:bodyPr>
+            <a:normAutofit/>
+          </a:bodyPr>
           <a:lstStyle/>
           <a:p>
-            <a:r>
-              <a:rPr lang="en-US" dirty="0"/>
-              <a:t>Title</a:t>
-            </a:r>
-            <a:r>
-              <a:rPr lang="en-US" baseline="0" dirty="0"/>
-              <a:t> Slide</a:t>
-            </a:r>
-            <a:endParaRPr lang="en-US" dirty="0"/>
+            <a:pPr algn="ctr"/>
+            <a:r>
+              <a:rPr lang="en-US" dirty="0"/>
+              <a:t>DTECTS Board Design</a:t>
+            </a:r>
           </a:p>
         </p:txBody>
       </p:sp>
@@ -11949,9 +12337,26 @@
         </p:nvSpPr>
         <p:spPr/>
         <p:txBody>
-          <a:bodyPr/>
+          <a:bodyPr>
+            <a:normAutofit/>
+          </a:bodyPr>
           <a:lstStyle/>
           <a:p>
+            <a:pPr algn="ctr"/>
+            <a:r>
+              <a:rPr lang="en-US" dirty="0"/>
+              <a:t>Ergsense, Contract Work 2017</a:t>
+            </a:r>
+          </a:p>
+          <a:p>
+            <a:pPr algn="r"/>
+            <a:r>
+              <a:rPr lang="en-US" dirty="0"/>
+              <a:t>Justin Reina</a:t>
+            </a:r>
+          </a:p>
+          <a:p>
+            <a:pPr algn="r"/>
             <a:endParaRPr lang="en-US" dirty="0"/>
           </a:p>
         </p:txBody>
@@ -11959,7 +12364,294 @@
     </p:spTree>
     <p:extLst>
       <p:ext uri="{BB962C8B-B14F-4D97-AF65-F5344CB8AC3E}">
-        <p14:creationId xmlns:p14="http://schemas.microsoft.com/office/powerpoint/2010/main" val="2639631829"/>
+        <p14:creationId xmlns:p14="http://schemas.microsoft.com/office/powerpoint/2010/main" val="4120851562"/>
+      </p:ext>
+    </p:extLst>
+  </p:cSld>
+  <p:clrMapOvr>
+    <a:masterClrMapping/>
+  </p:clrMapOvr>
+  <p:timing>
+    <p:tnLst>
+      <p:par>
+        <p:cTn id="1" dur="indefinite" restart="never" nodeType="tmRoot">
+          <p:childTnLst>
+            <p:seq concurrent="1" nextAc="seek">
+              <p:cTn id="2" dur="indefinite" nodeType="mainSeq">
+                <p:childTnLst>
+                  <p:par>
+                    <p:cTn id="3" fill="hold">
+                      <p:stCondLst>
+                        <p:cond delay="indefinite"/>
+                      </p:stCondLst>
+                      <p:childTnLst>
+                        <p:par>
+                          <p:cTn id="4" fill="hold">
+                            <p:stCondLst>
+                              <p:cond delay="0"/>
+                            </p:stCondLst>
+                            <p:childTnLst>
+                              <p:par>
+                                <p:cTn id="5" presetID="10" presetClass="exit" presetSubtype="0" fill="hold" grpId="0" nodeType="clickEffect">
+                                  <p:stCondLst>
+                                    <p:cond delay="0"/>
+                                  </p:stCondLst>
+                                  <p:childTnLst>
+                                    <p:animEffect transition="out" filter="fade">
+                                      <p:cBhvr>
+                                        <p:cTn id="6" dur="500"/>
+                                        <p:tgtEl>
+                                          <p:spTgt spid="2"/>
+                                        </p:tgtEl>
+                                      </p:cBhvr>
+                                    </p:animEffect>
+                                    <p:set>
+                                      <p:cBhvr>
+                                        <p:cTn id="7" dur="1" fill="hold">
+                                          <p:stCondLst>
+                                            <p:cond delay="499"/>
+                                          </p:stCondLst>
+                                        </p:cTn>
+                                        <p:tgtEl>
+                                          <p:spTgt spid="2"/>
+                                        </p:tgtEl>
+                                        <p:attrNameLst>
+                                          <p:attrName>style.visibility</p:attrName>
+                                        </p:attrNameLst>
+                                      </p:cBhvr>
+                                      <p:to>
+                                        <p:strVal val="hidden"/>
+                                      </p:to>
+                                    </p:set>
+                                  </p:childTnLst>
+                                </p:cTn>
+                              </p:par>
+                              <p:par>
+                                <p:cTn id="8" presetID="10" presetClass="exit" presetSubtype="0" fill="hold" grpId="0" nodeType="withEffect">
+                                  <p:stCondLst>
+                                    <p:cond delay="0"/>
+                                  </p:stCondLst>
+                                  <p:childTnLst>
+                                    <p:animEffect transition="out" filter="fade">
+                                      <p:cBhvr>
+                                        <p:cTn id="9" dur="500"/>
+                                        <p:tgtEl>
+                                          <p:spTgt spid="3">
+                                            <p:txEl>
+                                              <p:pRg st="0" end="0"/>
+                                            </p:txEl>
+                                          </p:spTgt>
+                                        </p:tgtEl>
+                                      </p:cBhvr>
+                                    </p:animEffect>
+                                    <p:set>
+                                      <p:cBhvr>
+                                        <p:cTn id="10" dur="1" fill="hold">
+                                          <p:stCondLst>
+                                            <p:cond delay="499"/>
+                                          </p:stCondLst>
+                                        </p:cTn>
+                                        <p:tgtEl>
+                                          <p:spTgt spid="3">
+                                            <p:txEl>
+                                              <p:pRg st="0" end="0"/>
+                                            </p:txEl>
+                                          </p:spTgt>
+                                        </p:tgtEl>
+                                        <p:attrNameLst>
+                                          <p:attrName>style.visibility</p:attrName>
+                                        </p:attrNameLst>
+                                      </p:cBhvr>
+                                      <p:to>
+                                        <p:strVal val="hidden"/>
+                                      </p:to>
+                                    </p:set>
+                                  </p:childTnLst>
+                                </p:cTn>
+                              </p:par>
+                              <p:par>
+                                <p:cTn id="11" presetID="10" presetClass="exit" presetSubtype="0" fill="hold" grpId="0" nodeType="withEffect">
+                                  <p:stCondLst>
+                                    <p:cond delay="0"/>
+                                  </p:stCondLst>
+                                  <p:childTnLst>
+                                    <p:animEffect transition="out" filter="fade">
+                                      <p:cBhvr>
+                                        <p:cTn id="12" dur="500"/>
+                                        <p:tgtEl>
+                                          <p:spTgt spid="3">
+                                            <p:txEl>
+                                              <p:pRg st="1" end="1"/>
+                                            </p:txEl>
+                                          </p:spTgt>
+                                        </p:tgtEl>
+                                      </p:cBhvr>
+                                    </p:animEffect>
+                                    <p:set>
+                                      <p:cBhvr>
+                                        <p:cTn id="13" dur="1" fill="hold">
+                                          <p:stCondLst>
+                                            <p:cond delay="499"/>
+                                          </p:stCondLst>
+                                        </p:cTn>
+                                        <p:tgtEl>
+                                          <p:spTgt spid="3">
+                                            <p:txEl>
+                                              <p:pRg st="1" end="1"/>
+                                            </p:txEl>
+                                          </p:spTgt>
+                                        </p:tgtEl>
+                                        <p:attrNameLst>
+                                          <p:attrName>style.visibility</p:attrName>
+                                        </p:attrNameLst>
+                                      </p:cBhvr>
+                                      <p:to>
+                                        <p:strVal val="hidden"/>
+                                      </p:to>
+                                    </p:set>
+                                  </p:childTnLst>
+                                </p:cTn>
+                              </p:par>
+                            </p:childTnLst>
+                          </p:cTn>
+                        </p:par>
+                      </p:childTnLst>
+                    </p:cTn>
+                  </p:par>
+                </p:childTnLst>
+              </p:cTn>
+              <p:prevCondLst>
+                <p:cond evt="onPrev" delay="0">
+                  <p:tgtEl>
+                    <p:sldTgt/>
+                  </p:tgtEl>
+                </p:cond>
+              </p:prevCondLst>
+              <p:nextCondLst>
+                <p:cond evt="onNext" delay="0">
+                  <p:tgtEl>
+                    <p:sldTgt/>
+                  </p:tgtEl>
+                </p:cond>
+              </p:nextCondLst>
+            </p:seq>
+          </p:childTnLst>
+        </p:cTn>
+      </p:par>
+    </p:tnLst>
+    <p:bldLst>
+      <p:bldP spid="2" grpId="0"/>
+      <p:bldP spid="3" grpId="0" build="p"/>
+    </p:bldLst>
+  </p:timing>
+</p:sld>
+</file>
+
+<file path=ppt/slides/slide10.xml><?xml version="1.0" encoding="utf-8"?>
+<p:sld xmlns:a="http://schemas.openxmlformats.org/drawingml/2006/main" xmlns:r="http://schemas.openxmlformats.org/officeDocument/2006/relationships" xmlns:p="http://schemas.openxmlformats.org/presentationml/2006/main">
+  <p:cSld>
+    <p:spTree>
+      <p:nvGrpSpPr>
+        <p:cNvPr id="1" name=""/>
+        <p:cNvGrpSpPr/>
+        <p:nvPr/>
+      </p:nvGrpSpPr>
+      <p:grpSpPr>
+        <a:xfrm>
+          <a:off x="0" y="0"/>
+          <a:ext cx="0" cy="0"/>
+          <a:chOff x="0" y="0"/>
+          <a:chExt cx="0" cy="0"/>
+        </a:xfrm>
+      </p:grpSpPr>
+      <p:sp>
+        <p:nvSpPr>
+          <p:cNvPr id="2" name="Title 1">
+            <a:extLst>
+              <a:ext uri="{FF2B5EF4-FFF2-40B4-BE49-F238E27FC236}">
+                <a16:creationId xmlns:a16="http://schemas.microsoft.com/office/drawing/2014/main" id="{9C5E42EE-EA5D-4203-B1EC-B96B68D2A8EA}"/>
+              </a:ext>
+            </a:extLst>
+          </p:cNvPr>
+          <p:cNvSpPr>
+            <a:spLocks noGrp="1"/>
+          </p:cNvSpPr>
+          <p:nvPr>
+            <p:ph type="title"/>
+          </p:nvPr>
+        </p:nvSpPr>
+        <p:spPr/>
+        <p:txBody>
+          <a:bodyPr>
+            <a:normAutofit/>
+          </a:bodyPr>
+          <a:lstStyle/>
+          <a:p>
+            <a:pPr rtl="0" eaLnBrk="1" latinLnBrk="0" hangingPunct="1"/>
+            <a:r>
+              <a:rPr lang="en-US" sz="3600" b="0" i="0" kern="1200" baseline="0" dirty="0">
+                <a:solidFill>
+                  <a:schemeClr val="tx1">
+                    <a:lumMod val="85000"/>
+                    <a:lumOff val="15000"/>
+                  </a:schemeClr>
+                </a:solidFill>
+                <a:effectLst/>
+                <a:latin typeface="+mj-lt"/>
+                <a:ea typeface="+mj-ea"/>
+                <a:cs typeface="+mj-cs"/>
+              </a:rPr>
+              <a:t>Development Methodology (3)</a:t>
+            </a:r>
+            <a:endParaRPr lang="en-US" sz="4400" dirty="0">
+              <a:effectLst/>
+            </a:endParaRPr>
+          </a:p>
+        </p:txBody>
+      </p:sp>
+      <p:sp>
+        <p:nvSpPr>
+          <p:cNvPr id="3" name="Content Placeholder 2">
+            <a:extLst>
+              <a:ext uri="{FF2B5EF4-FFF2-40B4-BE49-F238E27FC236}">
+                <a16:creationId xmlns:a16="http://schemas.microsoft.com/office/drawing/2014/main" id="{044B4F6E-A639-47F4-91A5-68807265D618}"/>
+              </a:ext>
+            </a:extLst>
+          </p:cNvPr>
+          <p:cNvSpPr>
+            <a:spLocks noGrp="1"/>
+          </p:cNvSpPr>
+          <p:nvPr>
+            <p:ph idx="1"/>
+          </p:nvPr>
+        </p:nvSpPr>
+        <p:spPr>
+          <a:xfrm>
+            <a:off x="2589211" y="1451113"/>
+            <a:ext cx="9079327" cy="5068957"/>
+          </a:xfrm>
+        </p:spPr>
+        <p:txBody>
+          <a:bodyPr/>
+          <a:lstStyle/>
+          <a:p>
+            <a:r>
+              <a:rPr lang="en-US" dirty="0"/>
+              <a:t>Revision Control</a:t>
+            </a:r>
+          </a:p>
+          <a:p>
+            <a:r>
+              <a:rPr lang="en-US" dirty="0"/>
+              <a:t>Clear segmentation of work with external team repository</a:t>
+            </a:r>
+          </a:p>
+        </p:txBody>
+      </p:sp>
+    </p:spTree>
+    <p:extLst>
+      <p:ext uri="{BB962C8B-B14F-4D97-AF65-F5344CB8AC3E}">
+        <p14:creationId xmlns:p14="http://schemas.microsoft.com/office/powerpoint/2010/main" val="3687405747"/>
       </p:ext>
     </p:extLst>
   </p:cSld>
@@ -11969,7 +12661,7 @@
 </p:sld>
 </file>
 
-<file path=ppt/slides/slide10.xml><?xml version="1.0" encoding="utf-8"?>
+<file path=ppt/slides/slide11.xml><?xml version="1.0" encoding="utf-8"?>
 <p:sld xmlns:a="http://schemas.openxmlformats.org/drawingml/2006/main" xmlns:r="http://schemas.openxmlformats.org/officeDocument/2006/relationships" xmlns:p="http://schemas.openxmlformats.org/presentationml/2006/main">
   <p:cSld>
     <p:spTree>
@@ -13376,7 +14068,7 @@
 </p:sld>
 </file>
 
-<file path=ppt/slides/slide11.xml><?xml version="1.0" encoding="utf-8"?>
+<file path=ppt/slides/slide12.xml><?xml version="1.0" encoding="utf-8"?>
 <p:sld xmlns:a="http://schemas.openxmlformats.org/drawingml/2006/main" xmlns:r="http://schemas.openxmlformats.org/officeDocument/2006/relationships" xmlns:p="http://schemas.openxmlformats.org/presentationml/2006/main">
   <p:cSld>
     <p:spTree>
@@ -13511,7 +14203,7 @@
 </p:sld>
 </file>
 
-<file path=ppt/slides/slide12.xml><?xml version="1.0" encoding="utf-8"?>
+<file path=ppt/slides/slide13.xml><?xml version="1.0" encoding="utf-8"?>
 <p:sld xmlns:a="http://schemas.openxmlformats.org/drawingml/2006/main" xmlns:r="http://schemas.openxmlformats.org/officeDocument/2006/relationships" xmlns:p="http://schemas.openxmlformats.org/presentationml/2006/main">
   <p:cSld>
     <p:spTree>
@@ -13646,7 +14338,7 @@
 </p:sld>
 </file>
 
-<file path=ppt/slides/slide13.xml><?xml version="1.0" encoding="utf-8"?>
+<file path=ppt/slides/slide14.xml><?xml version="1.0" encoding="utf-8"?>
 <p:sld xmlns:a="http://schemas.openxmlformats.org/drawingml/2006/main" xmlns:r="http://schemas.openxmlformats.org/officeDocument/2006/relationships" xmlns:p="http://schemas.openxmlformats.org/presentationml/2006/main">
   <p:cSld>
     <p:spTree>
@@ -13751,7 +14443,7 @@
 </p:sld>
 </file>
 
-<file path=ppt/slides/slide14.xml><?xml version="1.0" encoding="utf-8"?>
+<file path=ppt/slides/slide15.xml><?xml version="1.0" encoding="utf-8"?>
 <p:sld xmlns:a="http://schemas.openxmlformats.org/drawingml/2006/main" xmlns:r="http://schemas.openxmlformats.org/officeDocument/2006/relationships" xmlns:p="http://schemas.openxmlformats.org/presentationml/2006/main">
   <p:cSld>
     <p:spTree>
@@ -13856,7 +14548,7 @@
 </p:sld>
 </file>
 
-<file path=ppt/slides/slide15.xml><?xml version="1.0" encoding="utf-8"?>
+<file path=ppt/slides/slide16.xml><?xml version="1.0" encoding="utf-8"?>
 <p:sld xmlns:a="http://schemas.openxmlformats.org/drawingml/2006/main" xmlns:r="http://schemas.openxmlformats.org/officeDocument/2006/relationships" xmlns:p="http://schemas.openxmlformats.org/presentationml/2006/main">
   <p:cSld>
     <p:spTree>
@@ -14004,111 +14696,6 @@
 </p:sld>
 </file>
 
-<file path=ppt/slides/slide16.xml><?xml version="1.0" encoding="utf-8"?>
-<p:sld xmlns:a="http://schemas.openxmlformats.org/drawingml/2006/main" xmlns:r="http://schemas.openxmlformats.org/officeDocument/2006/relationships" xmlns:p="http://schemas.openxmlformats.org/presentationml/2006/main">
-  <p:cSld>
-    <p:spTree>
-      <p:nvGrpSpPr>
-        <p:cNvPr id="1" name=""/>
-        <p:cNvGrpSpPr/>
-        <p:nvPr/>
-      </p:nvGrpSpPr>
-      <p:grpSpPr>
-        <a:xfrm>
-          <a:off x="0" y="0"/>
-          <a:ext cx="0" cy="0"/>
-          <a:chOff x="0" y="0"/>
-          <a:chExt cx="0" cy="0"/>
-        </a:xfrm>
-      </p:grpSpPr>
-      <p:sp>
-        <p:nvSpPr>
-          <p:cNvPr id="2" name="Title 1">
-            <a:extLst>
-              <a:ext uri="{FF2B5EF4-FFF2-40B4-BE49-F238E27FC236}">
-                <a16:creationId xmlns:a16="http://schemas.microsoft.com/office/drawing/2014/main" id="{9C5E42EE-EA5D-4203-B1EC-B96B68D2A8EA}"/>
-              </a:ext>
-            </a:extLst>
-          </p:cNvPr>
-          <p:cNvSpPr>
-            <a:spLocks noGrp="1"/>
-          </p:cNvSpPr>
-          <p:nvPr>
-            <p:ph type="title"/>
-          </p:nvPr>
-        </p:nvSpPr>
-        <p:spPr/>
-        <p:txBody>
-          <a:bodyPr>
-            <a:normAutofit/>
-          </a:bodyPr>
-          <a:lstStyle/>
-          <a:p>
-            <a:pPr rtl="0" eaLnBrk="1" latinLnBrk="0" hangingPunct="1"/>
-            <a:r>
-              <a:rPr lang="en-US" sz="3600" b="0" i="0" kern="1200" baseline="0" dirty="0">
-                <a:solidFill>
-                  <a:schemeClr val="tx1">
-                    <a:lumMod val="85000"/>
-                    <a:lumOff val="15000"/>
-                  </a:schemeClr>
-                </a:solidFill>
-                <a:effectLst/>
-                <a:latin typeface="+mj-lt"/>
-                <a:ea typeface="+mj-ea"/>
-                <a:cs typeface="+mj-cs"/>
-              </a:rPr>
-              <a:t>Overcome Challenges</a:t>
-            </a:r>
-            <a:endParaRPr lang="en-US" sz="4400" dirty="0">
-              <a:effectLst/>
-            </a:endParaRPr>
-          </a:p>
-        </p:txBody>
-      </p:sp>
-      <p:sp>
-        <p:nvSpPr>
-          <p:cNvPr id="3" name="Content Placeholder 2">
-            <a:extLst>
-              <a:ext uri="{FF2B5EF4-FFF2-40B4-BE49-F238E27FC236}">
-                <a16:creationId xmlns:a16="http://schemas.microsoft.com/office/drawing/2014/main" id="{044B4F6E-A639-47F4-91A5-68807265D618}"/>
-              </a:ext>
-            </a:extLst>
-          </p:cNvPr>
-          <p:cNvSpPr>
-            <a:spLocks noGrp="1"/>
-          </p:cNvSpPr>
-          <p:nvPr>
-            <p:ph idx="1"/>
-          </p:nvPr>
-        </p:nvSpPr>
-        <p:spPr>
-          <a:xfrm>
-            <a:off x="2589211" y="1451113"/>
-            <a:ext cx="9079327" cy="5068957"/>
-          </a:xfrm>
-        </p:spPr>
-        <p:txBody>
-          <a:bodyPr/>
-          <a:lstStyle/>
-          <a:p>
-            <a:endParaRPr lang="en-US" dirty="0"/>
-          </a:p>
-        </p:txBody>
-      </p:sp>
-    </p:spTree>
-    <p:extLst>
-      <p:ext uri="{BB962C8B-B14F-4D97-AF65-F5344CB8AC3E}">
-        <p14:creationId xmlns:p14="http://schemas.microsoft.com/office/powerpoint/2010/main" val="2805820393"/>
-      </p:ext>
-    </p:extLst>
-  </p:cSld>
-  <p:clrMapOvr>
-    <a:masterClrMapping/>
-  </p:clrMapOvr>
-</p:sld>
-</file>
-
 <file path=ppt/slides/slide17.xml><?xml version="1.0" encoding="utf-8"?>
 <p:sld xmlns:a="http://schemas.openxmlformats.org/drawingml/2006/main" xmlns:r="http://schemas.openxmlformats.org/officeDocument/2006/relationships" xmlns:p="http://schemas.openxmlformats.org/presentationml/2006/main">
   <p:cSld>
@@ -14149,6 +14736,7 @@
           </a:bodyPr>
           <a:lstStyle/>
           <a:p>
+            <a:pPr rtl="0" eaLnBrk="1" latinLnBrk="0" hangingPunct="1"/>
             <a:r>
               <a:rPr lang="en-US" sz="3600" b="0" i="0" kern="1200" baseline="0" dirty="0">
                 <a:solidFill>
@@ -14162,9 +14750,11 @@
                 <a:ea typeface="+mj-ea"/>
                 <a:cs typeface="+mj-cs"/>
               </a:rPr>
-              <a:t>Deliverable &amp; Results (2)</a:t>
-            </a:r>
-            <a:endParaRPr lang="en-US" sz="2800" dirty="0"/>
+              <a:t>Overcome Challenges</a:t>
+            </a:r>
+            <a:endParaRPr lang="en-US" sz="4400" dirty="0">
+              <a:effectLst/>
+            </a:endParaRPr>
           </a:p>
         </p:txBody>
       </p:sp>
@@ -14201,7 +14791,7 @@
     </p:spTree>
     <p:extLst>
       <p:ext uri="{BB962C8B-B14F-4D97-AF65-F5344CB8AC3E}">
-        <p14:creationId xmlns:p14="http://schemas.microsoft.com/office/powerpoint/2010/main" val="821675052"/>
+        <p14:creationId xmlns:p14="http://schemas.microsoft.com/office/powerpoint/2010/main" val="2805820393"/>
       </p:ext>
     </p:extLst>
   </p:cSld>
@@ -14251,7 +14841,6 @@
           </a:bodyPr>
           <a:lstStyle/>
           <a:p>
-            <a:pPr rtl="0" eaLnBrk="1" latinLnBrk="0" hangingPunct="1"/>
             <a:r>
               <a:rPr lang="en-US" sz="3600" b="0" i="0" kern="1200" baseline="0" dirty="0">
                 <a:solidFill>
@@ -14265,11 +14854,9 @@
                 <a:ea typeface="+mj-ea"/>
                 <a:cs typeface="+mj-cs"/>
               </a:rPr>
-              <a:t>Learnings &amp; Growths</a:t>
-            </a:r>
-            <a:endParaRPr lang="en-US" sz="4400" dirty="0">
-              <a:effectLst/>
-            </a:endParaRPr>
+              <a:t>Deliverable &amp; Results (2)</a:t>
+            </a:r>
+            <a:endParaRPr lang="en-US" sz="2800" dirty="0"/>
           </a:p>
         </p:txBody>
       </p:sp>
@@ -14306,7 +14893,7 @@
     </p:spTree>
     <p:extLst>
       <p:ext uri="{BB962C8B-B14F-4D97-AF65-F5344CB8AC3E}">
-        <p14:creationId xmlns:p14="http://schemas.microsoft.com/office/powerpoint/2010/main" val="3042754836"/>
+        <p14:creationId xmlns:p14="http://schemas.microsoft.com/office/powerpoint/2010/main" val="821675052"/>
       </p:ext>
     </p:extLst>
   </p:cSld>
@@ -14370,7 +14957,7 @@
                 <a:ea typeface="+mj-ea"/>
                 <a:cs typeface="+mj-cs"/>
               </a:rPr>
-              <a:t>Outcomes</a:t>
+              <a:t>Learnings &amp; Growths</a:t>
             </a:r>
             <a:endParaRPr lang="en-US" sz="4400" dirty="0">
               <a:effectLst/>
@@ -14411,7 +14998,7 @@
     </p:spTree>
     <p:extLst>
       <p:ext uri="{BB962C8B-B14F-4D97-AF65-F5344CB8AC3E}">
-        <p14:creationId xmlns:p14="http://schemas.microsoft.com/office/powerpoint/2010/main" val="2229688103"/>
+        <p14:creationId xmlns:p14="http://schemas.microsoft.com/office/powerpoint/2010/main" val="3042754836"/>
       </p:ext>
     </p:extLst>
   </p:cSld>
@@ -14440,91 +15027,699 @@
       </p:grpSpPr>
       <p:sp>
         <p:nvSpPr>
-          <p:cNvPr id="2" name="Title 1">
+          <p:cNvPr id="11" name="Content Placeholder 2">
             <a:extLst>
               <a:ext uri="{FF2B5EF4-FFF2-40B4-BE49-F238E27FC236}">
-                <a16:creationId xmlns:a16="http://schemas.microsoft.com/office/drawing/2014/main" id="{9C5E42EE-EA5D-4203-B1EC-B96B68D2A8EA}"/>
+                <a16:creationId xmlns:a16="http://schemas.microsoft.com/office/drawing/2014/main" id="{1A1E6EAF-66F4-4825-880D-27388A747EB8}"/>
               </a:ext>
             </a:extLst>
           </p:cNvPr>
-          <p:cNvSpPr>
-            <a:spLocks noGrp="1"/>
-          </p:cNvSpPr>
-          <p:nvPr>
-            <p:ph type="title"/>
-          </p:nvPr>
-        </p:nvSpPr>
-        <p:spPr/>
-        <p:txBody>
-          <a:bodyPr>
+          <p:cNvSpPr txBox="1">
+            <a:spLocks/>
+          </p:cNvSpPr>
+          <p:nvPr/>
+        </p:nvSpPr>
+        <p:spPr>
+          <a:xfrm>
+            <a:off x="12512699" y="1789043"/>
+            <a:ext cx="9079327" cy="5068957"/>
+          </a:xfrm>
+          <a:prstGeom prst="rect">
+            <a:avLst/>
+          </a:prstGeom>
+        </p:spPr>
+        <p:txBody>
+          <a:bodyPr vert="horz" lIns="91440" tIns="45720" rIns="91440" bIns="45720" rtlCol="0" anchor="t">
             <a:normAutofit/>
           </a:bodyPr>
-          <a:lstStyle/>
-          <a:p>
-            <a:r>
-              <a:rPr lang="en-US" b="0" i="0" u="none" strike="noStrike" kern="1200" baseline="0" dirty="0">
+          <a:lstStyle>
+            <a:lvl1pPr marL="0" indent="0" algn="l" defTabSz="457200" rtl="0" eaLnBrk="1" latinLnBrk="0" hangingPunct="1">
+              <a:spcBef>
+                <a:spcPts val="1000"/>
+              </a:spcBef>
+              <a:spcAft>
+                <a:spcPts val="0"/>
+              </a:spcAft>
+              <a:buClr>
+                <a:schemeClr val="accent1"/>
+              </a:buClr>
+              <a:buFont typeface="Wingdings 3" charset="2"/>
+              <a:buNone/>
+              <a:defRPr sz="1800" kern="1200">
                 <a:solidFill>
-                  <a:schemeClr val="tx1"/>
+                  <a:schemeClr val="tx1">
+                    <a:lumMod val="65000"/>
+                    <a:lumOff val="35000"/>
+                  </a:schemeClr>
                 </a:solidFill>
-                <a:latin typeface="+mj-lt"/>
-                <a:ea typeface="+mj-ea"/>
-                <a:cs typeface="+mj-cs"/>
-              </a:rPr>
-              <a:t>&lt;Intro Quote Slide&gt;</a:t>
-            </a:r>
+                <a:latin typeface="+mn-lt"/>
+                <a:ea typeface="+mn-ea"/>
+                <a:cs typeface="+mn-cs"/>
+              </a:defRPr>
+            </a:lvl1pPr>
+            <a:lvl2pPr marL="457200" indent="0" algn="ctr" defTabSz="457200" rtl="0" eaLnBrk="1" latinLnBrk="0" hangingPunct="1">
+              <a:spcBef>
+                <a:spcPts val="1000"/>
+              </a:spcBef>
+              <a:spcAft>
+                <a:spcPts val="0"/>
+              </a:spcAft>
+              <a:buClr>
+                <a:schemeClr val="accent1"/>
+              </a:buClr>
+              <a:buFont typeface="Wingdings 3" charset="2"/>
+              <a:buNone/>
+              <a:defRPr sz="1600" kern="1200">
+                <a:solidFill>
+                  <a:schemeClr val="tx1">
+                    <a:tint val="75000"/>
+                  </a:schemeClr>
+                </a:solidFill>
+                <a:latin typeface="+mn-lt"/>
+                <a:ea typeface="+mn-ea"/>
+                <a:cs typeface="+mn-cs"/>
+              </a:defRPr>
+            </a:lvl2pPr>
+            <a:lvl3pPr marL="914400" indent="0" algn="ctr" defTabSz="457200" rtl="0" eaLnBrk="1" latinLnBrk="0" hangingPunct="1">
+              <a:spcBef>
+                <a:spcPts val="1000"/>
+              </a:spcBef>
+              <a:spcAft>
+                <a:spcPts val="0"/>
+              </a:spcAft>
+              <a:buClr>
+                <a:schemeClr val="accent1"/>
+              </a:buClr>
+              <a:buFont typeface="Wingdings 3" charset="2"/>
+              <a:buNone/>
+              <a:defRPr sz="1400" kern="1200">
+                <a:solidFill>
+                  <a:schemeClr val="tx1">
+                    <a:tint val="75000"/>
+                  </a:schemeClr>
+                </a:solidFill>
+                <a:latin typeface="+mn-lt"/>
+                <a:ea typeface="+mn-ea"/>
+                <a:cs typeface="+mn-cs"/>
+              </a:defRPr>
+            </a:lvl3pPr>
+            <a:lvl4pPr marL="1371600" indent="0" algn="ctr" defTabSz="457200" rtl="0" eaLnBrk="1" latinLnBrk="0" hangingPunct="1">
+              <a:spcBef>
+                <a:spcPts val="1000"/>
+              </a:spcBef>
+              <a:spcAft>
+                <a:spcPts val="0"/>
+              </a:spcAft>
+              <a:buClr>
+                <a:schemeClr val="accent1"/>
+              </a:buClr>
+              <a:buFont typeface="Wingdings 3" charset="2"/>
+              <a:buNone/>
+              <a:defRPr sz="1200" kern="1200">
+                <a:solidFill>
+                  <a:schemeClr val="tx1">
+                    <a:tint val="75000"/>
+                  </a:schemeClr>
+                </a:solidFill>
+                <a:latin typeface="+mn-lt"/>
+                <a:ea typeface="+mn-ea"/>
+                <a:cs typeface="+mn-cs"/>
+              </a:defRPr>
+            </a:lvl4pPr>
+            <a:lvl5pPr marL="1828800" indent="0" algn="ctr" defTabSz="457200" rtl="0" eaLnBrk="1" latinLnBrk="0" hangingPunct="1">
+              <a:spcBef>
+                <a:spcPts val="1000"/>
+              </a:spcBef>
+              <a:spcAft>
+                <a:spcPts val="0"/>
+              </a:spcAft>
+              <a:buClr>
+                <a:schemeClr val="accent1"/>
+              </a:buClr>
+              <a:buFont typeface="Wingdings 3" charset="2"/>
+              <a:buNone/>
+              <a:defRPr sz="1200" kern="1200">
+                <a:solidFill>
+                  <a:schemeClr val="tx1">
+                    <a:tint val="75000"/>
+                  </a:schemeClr>
+                </a:solidFill>
+                <a:latin typeface="+mn-lt"/>
+                <a:ea typeface="+mn-ea"/>
+                <a:cs typeface="+mn-cs"/>
+              </a:defRPr>
+            </a:lvl5pPr>
+            <a:lvl6pPr marL="2286000" indent="0" algn="ctr" defTabSz="457200" rtl="0" eaLnBrk="1" latinLnBrk="0" hangingPunct="1">
+              <a:spcBef>
+                <a:spcPts val="1000"/>
+              </a:spcBef>
+              <a:spcAft>
+                <a:spcPts val="0"/>
+              </a:spcAft>
+              <a:buClr>
+                <a:schemeClr val="accent1"/>
+              </a:buClr>
+              <a:buFont typeface="Wingdings 3" charset="2"/>
+              <a:buNone/>
+              <a:defRPr sz="1200" kern="1200">
+                <a:solidFill>
+                  <a:schemeClr val="tx1">
+                    <a:tint val="75000"/>
+                  </a:schemeClr>
+                </a:solidFill>
+                <a:latin typeface="+mn-lt"/>
+                <a:ea typeface="+mn-ea"/>
+                <a:cs typeface="+mn-cs"/>
+              </a:defRPr>
+            </a:lvl6pPr>
+            <a:lvl7pPr marL="2743200" indent="0" algn="ctr" defTabSz="457200" rtl="0" eaLnBrk="1" latinLnBrk="0" hangingPunct="1">
+              <a:spcBef>
+                <a:spcPts val="1000"/>
+              </a:spcBef>
+              <a:spcAft>
+                <a:spcPts val="0"/>
+              </a:spcAft>
+              <a:buClr>
+                <a:schemeClr val="accent1"/>
+              </a:buClr>
+              <a:buFont typeface="Wingdings 3" charset="2"/>
+              <a:buNone/>
+              <a:defRPr sz="1200" kern="1200">
+                <a:solidFill>
+                  <a:schemeClr val="tx1">
+                    <a:tint val="75000"/>
+                  </a:schemeClr>
+                </a:solidFill>
+                <a:latin typeface="+mn-lt"/>
+                <a:ea typeface="+mn-ea"/>
+                <a:cs typeface="+mn-cs"/>
+              </a:defRPr>
+            </a:lvl7pPr>
+            <a:lvl8pPr marL="3200400" indent="0" algn="ctr" defTabSz="457200" rtl="0" eaLnBrk="1" latinLnBrk="0" hangingPunct="1">
+              <a:spcBef>
+                <a:spcPts val="1000"/>
+              </a:spcBef>
+              <a:spcAft>
+                <a:spcPts val="0"/>
+              </a:spcAft>
+              <a:buClr>
+                <a:schemeClr val="accent1"/>
+              </a:buClr>
+              <a:buFont typeface="Wingdings 3" charset="2"/>
+              <a:buNone/>
+              <a:defRPr sz="1200" kern="1200">
+                <a:solidFill>
+                  <a:schemeClr val="tx1">
+                    <a:tint val="75000"/>
+                  </a:schemeClr>
+                </a:solidFill>
+                <a:latin typeface="+mn-lt"/>
+                <a:ea typeface="+mn-ea"/>
+                <a:cs typeface="+mn-cs"/>
+              </a:defRPr>
+            </a:lvl8pPr>
+            <a:lvl9pPr marL="3657600" indent="0" algn="ctr" defTabSz="457200" rtl="0" eaLnBrk="1" latinLnBrk="0" hangingPunct="1">
+              <a:spcBef>
+                <a:spcPts val="1000"/>
+              </a:spcBef>
+              <a:spcAft>
+                <a:spcPts val="0"/>
+              </a:spcAft>
+              <a:buClr>
+                <a:schemeClr val="accent1"/>
+              </a:buClr>
+              <a:buFont typeface="Wingdings 3" charset="2"/>
+              <a:buNone/>
+              <a:defRPr sz="1200" kern="1200">
+                <a:solidFill>
+                  <a:schemeClr val="tx1">
+                    <a:tint val="75000"/>
+                  </a:schemeClr>
+                </a:solidFill>
+                <a:latin typeface="+mn-lt"/>
+                <a:ea typeface="+mn-ea"/>
+                <a:cs typeface="+mn-cs"/>
+              </a:defRPr>
+            </a:lvl9pPr>
+          </a:lstStyle>
+          <a:p>
+            <a:r>
+              <a:rPr lang="en-US" dirty="0"/>
+              <a:t>“How you started the discussion, how do we move past Arduino?”</a:t>
+            </a:r>
+          </a:p>
+          <a:p>
+            <a:r>
+              <a:rPr lang="en-US" dirty="0"/>
+              <a:t>“As long as I’m involved we’re in idea generation. This happens”</a:t>
+            </a:r>
+          </a:p>
+          <a:p>
             <a:endParaRPr lang="en-US" dirty="0"/>
           </a:p>
-        </p:txBody>
-      </p:sp>
-      <p:sp>
-        <p:nvSpPr>
-          <p:cNvPr id="3" name="Content Placeholder 2">
+          <a:p>
+            <a:r>
+              <a:rPr lang="en-US" dirty="0"/>
+              <a:t>Roadmap established without path to market</a:t>
+            </a:r>
+          </a:p>
+          <a:p>
+            <a:pPr lvl="1"/>
+            <a:r>
+              <a:rPr lang="en-US" dirty="0"/>
+              <a:t>Focus &amp; clarity needed</a:t>
+            </a:r>
+          </a:p>
+          <a:p>
+            <a:endParaRPr lang="en-US" dirty="0"/>
+          </a:p>
+        </p:txBody>
+      </p:sp>
+      <p:sp>
+        <p:nvSpPr>
+          <p:cNvPr id="12" name="TextBox 11">
             <a:extLst>
               <a:ext uri="{FF2B5EF4-FFF2-40B4-BE49-F238E27FC236}">
-                <a16:creationId xmlns:a16="http://schemas.microsoft.com/office/drawing/2014/main" id="{044B4F6E-A639-47F4-91A5-68807265D618}"/>
+                <a16:creationId xmlns:a16="http://schemas.microsoft.com/office/drawing/2014/main" id="{68388024-C344-4B45-9C3A-1324045659CB}"/>
               </a:ext>
             </a:extLst>
           </p:cNvPr>
-          <p:cNvSpPr>
-            <a:spLocks noGrp="1"/>
-          </p:cNvSpPr>
-          <p:nvPr>
-            <p:ph idx="1"/>
-          </p:nvPr>
+          <p:cNvSpPr txBox="1"/>
+          <p:nvPr/>
         </p:nvSpPr>
         <p:spPr>
           <a:xfrm>
-            <a:off x="2589211" y="1451113"/>
-            <a:ext cx="9079327" cy="5068957"/>
+            <a:off x="3024007" y="2927467"/>
+            <a:ext cx="6143986" cy="1508105"/>
           </a:xfrm>
+          <a:prstGeom prst="rect">
+            <a:avLst/>
+          </a:prstGeom>
+          <a:noFill/>
         </p:spPr>
         <p:txBody>
-          <a:bodyPr/>
+          <a:bodyPr wrap="square" rtlCol="0">
+            <a:spAutoFit/>
+          </a:bodyPr>
           <a:lstStyle/>
           <a:p>
-            <a:r>
-              <a:rPr lang="en-US" dirty="0"/>
-              <a:t>“How you started the discussion, how do we move past Arduino?”</a:t>
-            </a:r>
-          </a:p>
-          <a:p>
-            <a:r>
-              <a:rPr lang="en-US" dirty="0"/>
-              <a:t>“As long as I’m involved we’re in idea generation. This happens”</a:t>
-            </a:r>
-          </a:p>
-        </p:txBody>
-      </p:sp>
+            <a:pPr algn="ctr"/>
+            <a:r>
+              <a:rPr lang="en-US" sz="4600" dirty="0"/>
+              <a:t>“How do we move past Arduino?”</a:t>
+            </a:r>
+          </a:p>
+        </p:txBody>
+      </p:sp>
+      <p:sp>
+        <p:nvSpPr>
+          <p:cNvPr id="13" name="TextBox 12">
+            <a:extLst>
+              <a:ext uri="{FF2B5EF4-FFF2-40B4-BE49-F238E27FC236}">
+                <a16:creationId xmlns:a16="http://schemas.microsoft.com/office/drawing/2014/main" id="{55D6B4D7-9B3C-479C-B073-497249ED83C7}"/>
+              </a:ext>
+            </a:extLst>
+          </p:cNvPr>
+          <p:cNvSpPr txBox="1"/>
+          <p:nvPr/>
+        </p:nvSpPr>
+        <p:spPr>
+          <a:xfrm>
+            <a:off x="2134461" y="2573523"/>
+            <a:ext cx="7923077" cy="2215991"/>
+          </a:xfrm>
+          <a:prstGeom prst="rect">
+            <a:avLst/>
+          </a:prstGeom>
+          <a:noFill/>
+        </p:spPr>
+        <p:txBody>
+          <a:bodyPr wrap="square" rtlCol="0">
+            <a:spAutoFit/>
+          </a:bodyPr>
+          <a:lstStyle/>
+          <a:p>
+            <a:pPr algn="ctr"/>
+            <a:r>
+              <a:rPr lang="en-US" sz="4600" dirty="0"/>
+              <a:t>“As long as I’m involved, we’re in idea generation. This happens”</a:t>
+            </a:r>
+          </a:p>
+        </p:txBody>
+      </p:sp>
+      <p:pic>
+        <p:nvPicPr>
+          <p:cNvPr id="19" name="Picture 18">
+            <a:extLst>
+              <a:ext uri="{FF2B5EF4-FFF2-40B4-BE49-F238E27FC236}">
+                <a16:creationId xmlns:a16="http://schemas.microsoft.com/office/drawing/2014/main" id="{9A7EA2D8-AF83-4E31-90DB-84403D4E5DD2}"/>
+              </a:ext>
+            </a:extLst>
+          </p:cNvPr>
+          <p:cNvPicPr>
+            <a:picLocks noChangeAspect="1"/>
+          </p:cNvPicPr>
+          <p:nvPr/>
+        </p:nvPicPr>
+        <p:blipFill>
+          <a:blip r:embed="rId3"/>
+          <a:stretch>
+            <a:fillRect/>
+          </a:stretch>
+        </p:blipFill>
+        <p:spPr>
+          <a:xfrm>
+            <a:off x="3657600" y="990600"/>
+            <a:ext cx="4876800" cy="4876800"/>
+          </a:xfrm>
+          <a:prstGeom prst="rect">
+            <a:avLst/>
+          </a:prstGeom>
+        </p:spPr>
+      </p:pic>
     </p:spTree>
     <p:extLst>
       <p:ext uri="{BB962C8B-B14F-4D97-AF65-F5344CB8AC3E}">
-        <p14:creationId xmlns:p14="http://schemas.microsoft.com/office/powerpoint/2010/main" val="536683639"/>
+        <p14:creationId xmlns:p14="http://schemas.microsoft.com/office/powerpoint/2010/main" val="166386109"/>
       </p:ext>
     </p:extLst>
   </p:cSld>
   <p:clrMapOvr>
     <a:masterClrMapping/>
   </p:clrMapOvr>
+  <p:timing>
+    <p:tnLst>
+      <p:par>
+        <p:cTn id="1" dur="indefinite" restart="never" nodeType="tmRoot">
+          <p:childTnLst>
+            <p:seq concurrent="1" nextAc="seek">
+              <p:cTn id="2" dur="indefinite" nodeType="mainSeq">
+                <p:childTnLst>
+                  <p:par>
+                    <p:cTn id="3" fill="hold">
+                      <p:stCondLst>
+                        <p:cond delay="indefinite"/>
+                        <p:cond evt="onBegin" delay="0">
+                          <p:tn val="2"/>
+                        </p:cond>
+                      </p:stCondLst>
+                      <p:childTnLst>
+                        <p:par>
+                          <p:cTn id="4" fill="hold">
+                            <p:stCondLst>
+                              <p:cond delay="0"/>
+                            </p:stCondLst>
+                            <p:childTnLst>
+                              <p:par>
+                                <p:cTn id="5" presetID="10" presetClass="entr" presetSubtype="0" fill="hold" grpId="0" nodeType="withEffect">
+                                  <p:stCondLst>
+                                    <p:cond delay="0"/>
+                                  </p:stCondLst>
+                                  <p:childTnLst>
+                                    <p:set>
+                                      <p:cBhvr>
+                                        <p:cTn id="6" dur="1" fill="hold">
+                                          <p:stCondLst>
+                                            <p:cond delay="0"/>
+                                          </p:stCondLst>
+                                        </p:cTn>
+                                        <p:tgtEl>
+                                          <p:spTgt spid="12"/>
+                                        </p:tgtEl>
+                                        <p:attrNameLst>
+                                          <p:attrName>style.visibility</p:attrName>
+                                        </p:attrNameLst>
+                                      </p:cBhvr>
+                                      <p:to>
+                                        <p:strVal val="visible"/>
+                                      </p:to>
+                                    </p:set>
+                                    <p:animEffect transition="in" filter="fade">
+                                      <p:cBhvr>
+                                        <p:cTn id="7" dur="500"/>
+                                        <p:tgtEl>
+                                          <p:spTgt spid="12"/>
+                                        </p:tgtEl>
+                                      </p:cBhvr>
+                                    </p:animEffect>
+                                  </p:childTnLst>
+                                </p:cTn>
+                              </p:par>
+                            </p:childTnLst>
+                          </p:cTn>
+                        </p:par>
+                      </p:childTnLst>
+                    </p:cTn>
+                  </p:par>
+                  <p:par>
+                    <p:cTn id="8" fill="hold">
+                      <p:stCondLst>
+                        <p:cond delay="indefinite"/>
+                      </p:stCondLst>
+                      <p:childTnLst>
+                        <p:par>
+                          <p:cTn id="9" fill="hold">
+                            <p:stCondLst>
+                              <p:cond delay="0"/>
+                            </p:stCondLst>
+                            <p:childTnLst>
+                              <p:par>
+                                <p:cTn id="10" presetID="10" presetClass="exit" presetSubtype="0" fill="hold" grpId="1" nodeType="clickEffect">
+                                  <p:stCondLst>
+                                    <p:cond delay="0"/>
+                                  </p:stCondLst>
+                                  <p:childTnLst>
+                                    <p:animEffect transition="out" filter="fade">
+                                      <p:cBhvr>
+                                        <p:cTn id="11" dur="500"/>
+                                        <p:tgtEl>
+                                          <p:spTgt spid="12"/>
+                                        </p:tgtEl>
+                                      </p:cBhvr>
+                                    </p:animEffect>
+                                    <p:set>
+                                      <p:cBhvr>
+                                        <p:cTn id="12" dur="1" fill="hold">
+                                          <p:stCondLst>
+                                            <p:cond delay="499"/>
+                                          </p:stCondLst>
+                                        </p:cTn>
+                                        <p:tgtEl>
+                                          <p:spTgt spid="12"/>
+                                        </p:tgtEl>
+                                        <p:attrNameLst>
+                                          <p:attrName>style.visibility</p:attrName>
+                                        </p:attrNameLst>
+                                      </p:cBhvr>
+                                      <p:to>
+                                        <p:strVal val="hidden"/>
+                                      </p:to>
+                                    </p:set>
+                                  </p:childTnLst>
+                                </p:cTn>
+                              </p:par>
+                            </p:childTnLst>
+                          </p:cTn>
+                        </p:par>
+                        <p:par>
+                          <p:cTn id="13" fill="hold">
+                            <p:stCondLst>
+                              <p:cond delay="500"/>
+                            </p:stCondLst>
+                            <p:childTnLst>
+                              <p:par>
+                                <p:cTn id="14" presetID="10" presetClass="entr" presetSubtype="0" fill="hold" grpId="0" nodeType="afterEffect">
+                                  <p:stCondLst>
+                                    <p:cond delay="250"/>
+                                  </p:stCondLst>
+                                  <p:childTnLst>
+                                    <p:set>
+                                      <p:cBhvr>
+                                        <p:cTn id="15" dur="1" fill="hold">
+                                          <p:stCondLst>
+                                            <p:cond delay="0"/>
+                                          </p:stCondLst>
+                                        </p:cTn>
+                                        <p:tgtEl>
+                                          <p:spTgt spid="13"/>
+                                        </p:tgtEl>
+                                        <p:attrNameLst>
+                                          <p:attrName>style.visibility</p:attrName>
+                                        </p:attrNameLst>
+                                      </p:cBhvr>
+                                      <p:to>
+                                        <p:strVal val="visible"/>
+                                      </p:to>
+                                    </p:set>
+                                    <p:animEffect transition="in" filter="fade">
+                                      <p:cBhvr>
+                                        <p:cTn id="16" dur="500"/>
+                                        <p:tgtEl>
+                                          <p:spTgt spid="13"/>
+                                        </p:tgtEl>
+                                      </p:cBhvr>
+                                    </p:animEffect>
+                                  </p:childTnLst>
+                                </p:cTn>
+                              </p:par>
+                            </p:childTnLst>
+                          </p:cTn>
+                        </p:par>
+                      </p:childTnLst>
+                    </p:cTn>
+                  </p:par>
+                  <p:par>
+                    <p:cTn id="17" fill="hold">
+                      <p:stCondLst>
+                        <p:cond delay="indefinite"/>
+                      </p:stCondLst>
+                      <p:childTnLst>
+                        <p:par>
+                          <p:cTn id="18" fill="hold">
+                            <p:stCondLst>
+                              <p:cond delay="0"/>
+                            </p:stCondLst>
+                            <p:childTnLst>
+                              <p:par>
+                                <p:cTn id="19" presetID="10" presetClass="exit" presetSubtype="0" fill="hold" grpId="1" nodeType="clickEffect">
+                                  <p:stCondLst>
+                                    <p:cond delay="0"/>
+                                  </p:stCondLst>
+                                  <p:childTnLst>
+                                    <p:animEffect transition="out" filter="fade">
+                                      <p:cBhvr>
+                                        <p:cTn id="20" dur="500"/>
+                                        <p:tgtEl>
+                                          <p:spTgt spid="13"/>
+                                        </p:tgtEl>
+                                      </p:cBhvr>
+                                    </p:animEffect>
+                                    <p:set>
+                                      <p:cBhvr>
+                                        <p:cTn id="21" dur="1" fill="hold">
+                                          <p:stCondLst>
+                                            <p:cond delay="499"/>
+                                          </p:stCondLst>
+                                        </p:cTn>
+                                        <p:tgtEl>
+                                          <p:spTgt spid="13"/>
+                                        </p:tgtEl>
+                                        <p:attrNameLst>
+                                          <p:attrName>style.visibility</p:attrName>
+                                        </p:attrNameLst>
+                                      </p:cBhvr>
+                                      <p:to>
+                                        <p:strVal val="hidden"/>
+                                      </p:to>
+                                    </p:set>
+                                  </p:childTnLst>
+                                </p:cTn>
+                              </p:par>
+                              <p:par>
+                                <p:cTn id="22" presetID="10" presetClass="entr" presetSubtype="0" fill="hold" nodeType="withEffect">
+                                  <p:stCondLst>
+                                    <p:cond delay="0"/>
+                                  </p:stCondLst>
+                                  <p:childTnLst>
+                                    <p:set>
+                                      <p:cBhvr>
+                                        <p:cTn id="23" dur="1" fill="hold">
+                                          <p:stCondLst>
+                                            <p:cond delay="0"/>
+                                          </p:stCondLst>
+                                        </p:cTn>
+                                        <p:tgtEl>
+                                          <p:spTgt spid="19"/>
+                                        </p:tgtEl>
+                                        <p:attrNameLst>
+                                          <p:attrName>style.visibility</p:attrName>
+                                        </p:attrNameLst>
+                                      </p:cBhvr>
+                                      <p:to>
+                                        <p:strVal val="visible"/>
+                                      </p:to>
+                                    </p:set>
+                                    <p:animEffect transition="in" filter="fade">
+                                      <p:cBhvr>
+                                        <p:cTn id="24" dur="500"/>
+                                        <p:tgtEl>
+                                          <p:spTgt spid="19"/>
+                                        </p:tgtEl>
+                                      </p:cBhvr>
+                                    </p:animEffect>
+                                  </p:childTnLst>
+                                </p:cTn>
+                              </p:par>
+                            </p:childTnLst>
+                          </p:cTn>
+                        </p:par>
+                        <p:par>
+                          <p:cTn id="25" fill="hold">
+                            <p:stCondLst>
+                              <p:cond delay="500"/>
+                            </p:stCondLst>
+                            <p:childTnLst>
+                              <p:par>
+                                <p:cTn id="26" presetID="1" presetClass="exit" presetSubtype="0" fill="hold" nodeType="afterEffect">
+                                  <p:stCondLst>
+                                    <p:cond delay="2000"/>
+                                  </p:stCondLst>
+                                  <p:childTnLst>
+                                    <p:set>
+                                      <p:cBhvr>
+                                        <p:cTn id="27" dur="1" fill="hold">
+                                          <p:stCondLst>
+                                            <p:cond delay="0"/>
+                                          </p:stCondLst>
+                                        </p:cTn>
+                                        <p:tgtEl>
+                                          <p:spTgt spid="19"/>
+                                        </p:tgtEl>
+                                        <p:attrNameLst>
+                                          <p:attrName>style.visibility</p:attrName>
+                                        </p:attrNameLst>
+                                      </p:cBhvr>
+                                      <p:to>
+                                        <p:strVal val="hidden"/>
+                                      </p:to>
+                                    </p:set>
+                                  </p:childTnLst>
+                                </p:cTn>
+                              </p:par>
+                            </p:childTnLst>
+                          </p:cTn>
+                        </p:par>
+                      </p:childTnLst>
+                    </p:cTn>
+                  </p:par>
+                </p:childTnLst>
+              </p:cTn>
+              <p:prevCondLst>
+                <p:cond evt="onPrev" delay="0">
+                  <p:tgtEl>
+                    <p:sldTgt/>
+                  </p:tgtEl>
+                </p:cond>
+              </p:prevCondLst>
+              <p:nextCondLst>
+                <p:cond evt="onNext" delay="0">
+                  <p:tgtEl>
+                    <p:sldTgt/>
+                  </p:tgtEl>
+                </p:cond>
+              </p:nextCondLst>
+            </p:seq>
+          </p:childTnLst>
+        </p:cTn>
+      </p:par>
+    </p:tnLst>
+    <p:bldLst>
+      <p:bldP spid="12" grpId="0"/>
+      <p:bldP spid="12" grpId="1"/>
+      <p:bldP spid="13" grpId="0"/>
+      <p:bldP spid="13" grpId="1"/>
+    </p:bldLst>
+  </p:timing>
 </p:sld>
 </file>
 
@@ -14582,7 +15777,7 @@
                 <a:ea typeface="+mj-ea"/>
                 <a:cs typeface="+mj-cs"/>
               </a:rPr>
-              <a:t>Procedure</a:t>
+              <a:t>Outcomes</a:t>
             </a:r>
             <a:endParaRPr lang="en-US" sz="4400" dirty="0">
               <a:effectLst/>
@@ -14623,7 +15818,7 @@
     </p:spTree>
     <p:extLst>
       <p:ext uri="{BB962C8B-B14F-4D97-AF65-F5344CB8AC3E}">
-        <p14:creationId xmlns:p14="http://schemas.microsoft.com/office/powerpoint/2010/main" val="3600086102"/>
+        <p14:creationId xmlns:p14="http://schemas.microsoft.com/office/powerpoint/2010/main" val="2229688103"/>
       </p:ext>
     </p:extLst>
   </p:cSld>
@@ -14687,6 +15882,111 @@
                 <a:ea typeface="+mj-ea"/>
                 <a:cs typeface="+mj-cs"/>
               </a:rPr>
+              <a:t>Procedure</a:t>
+            </a:r>
+            <a:endParaRPr lang="en-US" sz="4400" dirty="0">
+              <a:effectLst/>
+            </a:endParaRPr>
+          </a:p>
+        </p:txBody>
+      </p:sp>
+      <p:sp>
+        <p:nvSpPr>
+          <p:cNvPr id="3" name="Content Placeholder 2">
+            <a:extLst>
+              <a:ext uri="{FF2B5EF4-FFF2-40B4-BE49-F238E27FC236}">
+                <a16:creationId xmlns:a16="http://schemas.microsoft.com/office/drawing/2014/main" id="{044B4F6E-A639-47F4-91A5-68807265D618}"/>
+              </a:ext>
+            </a:extLst>
+          </p:cNvPr>
+          <p:cNvSpPr>
+            <a:spLocks noGrp="1"/>
+          </p:cNvSpPr>
+          <p:nvPr>
+            <p:ph idx="1"/>
+          </p:nvPr>
+        </p:nvSpPr>
+        <p:spPr>
+          <a:xfrm>
+            <a:off x="2589211" y="1451113"/>
+            <a:ext cx="9079327" cy="5068957"/>
+          </a:xfrm>
+        </p:spPr>
+        <p:txBody>
+          <a:bodyPr/>
+          <a:lstStyle/>
+          <a:p>
+            <a:endParaRPr lang="en-US" dirty="0"/>
+          </a:p>
+        </p:txBody>
+      </p:sp>
+    </p:spTree>
+    <p:extLst>
+      <p:ext uri="{BB962C8B-B14F-4D97-AF65-F5344CB8AC3E}">
+        <p14:creationId xmlns:p14="http://schemas.microsoft.com/office/powerpoint/2010/main" val="3600086102"/>
+      </p:ext>
+    </p:extLst>
+  </p:cSld>
+  <p:clrMapOvr>
+    <a:masterClrMapping/>
+  </p:clrMapOvr>
+</p:sld>
+</file>
+
+<file path=ppt/slides/slide22.xml><?xml version="1.0" encoding="utf-8"?>
+<p:sld xmlns:a="http://schemas.openxmlformats.org/drawingml/2006/main" xmlns:r="http://schemas.openxmlformats.org/officeDocument/2006/relationships" xmlns:p="http://schemas.openxmlformats.org/presentationml/2006/main">
+  <p:cSld>
+    <p:spTree>
+      <p:nvGrpSpPr>
+        <p:cNvPr id="1" name=""/>
+        <p:cNvGrpSpPr/>
+        <p:nvPr/>
+      </p:nvGrpSpPr>
+      <p:grpSpPr>
+        <a:xfrm>
+          <a:off x="0" y="0"/>
+          <a:ext cx="0" cy="0"/>
+          <a:chOff x="0" y="0"/>
+          <a:chExt cx="0" cy="0"/>
+        </a:xfrm>
+      </p:grpSpPr>
+      <p:sp>
+        <p:nvSpPr>
+          <p:cNvPr id="2" name="Title 1">
+            <a:extLst>
+              <a:ext uri="{FF2B5EF4-FFF2-40B4-BE49-F238E27FC236}">
+                <a16:creationId xmlns:a16="http://schemas.microsoft.com/office/drawing/2014/main" id="{9C5E42EE-EA5D-4203-B1EC-B96B68D2A8EA}"/>
+              </a:ext>
+            </a:extLst>
+          </p:cNvPr>
+          <p:cNvSpPr>
+            <a:spLocks noGrp="1"/>
+          </p:cNvSpPr>
+          <p:nvPr>
+            <p:ph type="title"/>
+          </p:nvPr>
+        </p:nvSpPr>
+        <p:spPr/>
+        <p:txBody>
+          <a:bodyPr>
+            <a:normAutofit/>
+          </a:bodyPr>
+          <a:lstStyle/>
+          <a:p>
+            <a:pPr rtl="0" eaLnBrk="1" latinLnBrk="0" hangingPunct="1"/>
+            <a:r>
+              <a:rPr lang="en-US" sz="3600" b="0" i="0" kern="1200" baseline="0" dirty="0">
+                <a:solidFill>
+                  <a:schemeClr val="tx1">
+                    <a:lumMod val="85000"/>
+                    <a:lumOff val="15000"/>
+                  </a:schemeClr>
+                </a:solidFill>
+                <a:effectLst/>
+                <a:latin typeface="+mj-lt"/>
+                <a:ea typeface="+mj-ea"/>
+                <a:cs typeface="+mj-cs"/>
+              </a:rPr>
               <a:t>Pivotal Value Statement </a:t>
             </a:r>
             <a:endParaRPr lang="en-US" sz="4400" dirty="0">
@@ -14738,7 +16038,7 @@
 </p:sld>
 </file>
 
-<file path=ppt/slides/slide22.xml><?xml version="1.0" encoding="utf-8"?>
+<file path=ppt/slides/slide23.xml><?xml version="1.0" encoding="utf-8"?>
 <p:sld xmlns:a="http://schemas.openxmlformats.org/drawingml/2006/main" xmlns:r="http://schemas.openxmlformats.org/officeDocument/2006/relationships" xmlns:p="http://schemas.openxmlformats.org/presentationml/2006/main">
   <p:cSld>
     <p:spTree>
@@ -14891,7 +16191,7 @@
           <p:cNvPr id="2" name="Title 1">
             <a:extLst>
               <a:ext uri="{FF2B5EF4-FFF2-40B4-BE49-F238E27FC236}">
-                <a16:creationId xmlns:a16="http://schemas.microsoft.com/office/drawing/2014/main" id="{9C5E42EE-EA5D-4203-B1EC-B96B68D2A8EA}"/>
+                <a16:creationId xmlns:a16="http://schemas.microsoft.com/office/drawing/2014/main" id="{98DC8DA0-1CA0-4A30-AF03-FD8FCDB2DBCA}"/>
               </a:ext>
             </a:extLst>
           </p:cNvPr>
@@ -14899,37 +16199,39 @@
             <a:spLocks noGrp="1"/>
           </p:cNvSpPr>
           <p:nvPr>
-            <p:ph type="title"/>
-          </p:nvPr>
-        </p:nvSpPr>
-        <p:spPr/>
+            <p:ph type="ctrTitle"/>
+          </p:nvPr>
+        </p:nvSpPr>
+        <p:spPr>
+          <a:xfrm>
+            <a:off x="2589213" y="2484620"/>
+            <a:ext cx="8915399" cy="2262781"/>
+          </a:xfrm>
+        </p:spPr>
         <p:txBody>
           <a:bodyPr>
-            <a:normAutofit/>
+            <a:normAutofit fontScale="90000"/>
           </a:bodyPr>
           <a:lstStyle/>
           <a:p>
-            <a:r>
-              <a:rPr lang="en-US" b="0" i="0" u="none" strike="noStrike" kern="1200" baseline="0" dirty="0">
-                <a:solidFill>
-                  <a:schemeClr val="tx1"/>
-                </a:solidFill>
-                <a:latin typeface="+mj-lt"/>
-                <a:ea typeface="+mj-ea"/>
-                <a:cs typeface="+mj-cs"/>
-              </a:rPr>
-              <a:t>Customer Request</a:t>
-            </a:r>
-            <a:endParaRPr lang="en-US" dirty="0"/>
-          </a:p>
-        </p:txBody>
-      </p:sp>
-      <p:sp>
-        <p:nvSpPr>
-          <p:cNvPr id="3" name="Content Placeholder 2">
+            <a:pPr algn="ctr"/>
+            <a:r>
+              <a:rPr lang="en-US" dirty="0"/>
+              <a:t>Digital Tracking of Electrical Current &amp; Transducers Solution </a:t>
+            </a:r>
+            <a:r>
+              <a:rPr lang="en-US" b="1" dirty="0"/>
+              <a:t>(DTECTS)</a:t>
+            </a:r>
+          </a:p>
+        </p:txBody>
+      </p:sp>
+      <p:sp>
+        <p:nvSpPr>
+          <p:cNvPr id="3" name="Subtitle 2">
             <a:extLst>
               <a:ext uri="{FF2B5EF4-FFF2-40B4-BE49-F238E27FC236}">
-                <a16:creationId xmlns:a16="http://schemas.microsoft.com/office/drawing/2014/main" id="{044B4F6E-A639-47F4-91A5-68807265D618}"/>
+                <a16:creationId xmlns:a16="http://schemas.microsoft.com/office/drawing/2014/main" id="{1694DD1B-1AB3-4B40-A7D0-AB1114F67150}"/>
               </a:ext>
             </a:extLst>
           </p:cNvPr>
@@ -14937,82 +16239,173 @@
             <a:spLocks noGrp="1"/>
           </p:cNvSpPr>
           <p:nvPr>
-            <p:ph idx="1"/>
-          </p:nvPr>
-        </p:nvSpPr>
-        <p:spPr>
-          <a:xfrm>
-            <a:off x="2589211" y="1451113"/>
-            <a:ext cx="9079327" cy="5068957"/>
-          </a:xfrm>
-        </p:spPr>
+            <p:ph type="subTitle" idx="1"/>
+          </p:nvPr>
+        </p:nvSpPr>
+        <p:spPr/>
         <p:txBody>
           <a:bodyPr/>
           <a:lstStyle/>
           <a:p>
-            <a:r>
-              <a:rPr lang="en-US" dirty="0"/>
-              <a:t>Novel embedded device work with esteemed peer</a:t>
-            </a:r>
-          </a:p>
-          <a:p>
-            <a:pPr lvl="1"/>
-            <a:r>
-              <a:rPr lang="en-US" dirty="0"/>
-              <a:t>DTECTS for Ergsense</a:t>
-            </a:r>
-          </a:p>
-          <a:p>
-            <a:pPr marL="457200" lvl="1" indent="0">
-              <a:buNone/>
-            </a:pPr>
-            <a:endParaRPr lang="en-US" dirty="0"/>
-          </a:p>
-          <a:p>
-            <a:r>
-              <a:rPr lang="en-US" dirty="0"/>
-              <a:t>Stabilization &amp; path forward</a:t>
-            </a:r>
-          </a:p>
-          <a:p>
-            <a:pPr lvl="1"/>
-            <a:r>
-              <a:rPr lang="en-US" dirty="0"/>
-              <a:t>Firmware Architecture &amp; Path to Market</a:t>
-            </a:r>
-          </a:p>
-          <a:p>
-            <a:pPr lvl="1"/>
-            <a:r>
-              <a:rPr lang="en-US" dirty="0"/>
-              <a:t>Board Revisions</a:t>
-            </a:r>
-          </a:p>
-          <a:p>
-            <a:pPr lvl="1"/>
-            <a:r>
-              <a:rPr lang="en-US" dirty="0"/>
-              <a:t>Feature Integration &amp; Design Simplification</a:t>
-            </a:r>
-          </a:p>
-          <a:p>
-            <a:pPr marL="457200" lvl="1" indent="0">
-              <a:buNone/>
-            </a:pPr>
-            <a:endParaRPr lang="en-US" dirty="0"/>
+            <a:pPr algn="ctr"/>
+            <a:r>
+              <a:rPr lang="en-US" dirty="0"/>
+              <a:t>The edge analytics solution, for continuous commissioning and monitoring of fault detection </a:t>
+            </a:r>
+            <a:r>
+              <a:rPr lang="en-US" dirty="0" err="1"/>
+              <a:t>forf</a:t>
+            </a:r>
+            <a:r>
+              <a:rPr lang="en-US" dirty="0"/>
+              <a:t> electric motor &amp; power transformer assets</a:t>
+            </a:r>
           </a:p>
         </p:txBody>
       </p:sp>
     </p:spTree>
     <p:extLst>
       <p:ext uri="{BB962C8B-B14F-4D97-AF65-F5344CB8AC3E}">
-        <p14:creationId xmlns:p14="http://schemas.microsoft.com/office/powerpoint/2010/main" val="3903361858"/>
+        <p14:creationId xmlns:p14="http://schemas.microsoft.com/office/powerpoint/2010/main" val="2639631829"/>
       </p:ext>
     </p:extLst>
   </p:cSld>
   <p:clrMapOvr>
     <a:masterClrMapping/>
   </p:clrMapOvr>
+  <p:timing>
+    <p:tnLst>
+      <p:par>
+        <p:cTn id="1" dur="indefinite" restart="never" nodeType="tmRoot">
+          <p:childTnLst>
+            <p:seq concurrent="1" nextAc="seek">
+              <p:cTn id="2" dur="indefinite" nodeType="mainSeq">
+                <p:childTnLst>
+                  <p:par>
+                    <p:cTn id="3" fill="hold">
+                      <p:stCondLst>
+                        <p:cond delay="indefinite"/>
+                        <p:cond evt="onBegin" delay="0">
+                          <p:tn val="2"/>
+                        </p:cond>
+                      </p:stCondLst>
+                      <p:childTnLst>
+                        <p:par>
+                          <p:cTn id="4" fill="hold">
+                            <p:stCondLst>
+                              <p:cond delay="0"/>
+                            </p:stCondLst>
+                            <p:childTnLst>
+                              <p:par>
+                                <p:cTn id="5" presetID="10" presetClass="entr" presetSubtype="0" fill="hold" grpId="0" nodeType="afterEffect">
+                                  <p:stCondLst>
+                                    <p:cond delay="250"/>
+                                  </p:stCondLst>
+                                  <p:childTnLst>
+                                    <p:set>
+                                      <p:cBhvr>
+                                        <p:cTn id="6" dur="1" fill="hold">
+                                          <p:stCondLst>
+                                            <p:cond delay="0"/>
+                                          </p:stCondLst>
+                                        </p:cTn>
+                                        <p:tgtEl>
+                                          <p:spTgt spid="2"/>
+                                        </p:tgtEl>
+                                        <p:attrNameLst>
+                                          <p:attrName>style.visibility</p:attrName>
+                                        </p:attrNameLst>
+                                      </p:cBhvr>
+                                      <p:to>
+                                        <p:strVal val="visible"/>
+                                      </p:to>
+                                    </p:set>
+                                    <p:animEffect transition="in" filter="fade">
+                                      <p:cBhvr>
+                                        <p:cTn id="7" dur="500"/>
+                                        <p:tgtEl>
+                                          <p:spTgt spid="2"/>
+                                        </p:tgtEl>
+                                      </p:cBhvr>
+                                    </p:animEffect>
+                                  </p:childTnLst>
+                                </p:cTn>
+                              </p:par>
+                              <p:par>
+                                <p:cTn id="8" presetID="10" presetClass="entr" presetSubtype="0" fill="hold" grpId="0" nodeType="withEffect">
+                                  <p:stCondLst>
+                                    <p:cond delay="250"/>
+                                  </p:stCondLst>
+                                  <p:childTnLst>
+                                    <p:set>
+                                      <p:cBhvr>
+                                        <p:cTn id="9" dur="1" fill="hold">
+                                          <p:stCondLst>
+                                            <p:cond delay="0"/>
+                                          </p:stCondLst>
+                                        </p:cTn>
+                                        <p:tgtEl>
+                                          <p:spTgt spid="3">
+                                            <p:txEl>
+                                              <p:pRg st="0" end="0"/>
+                                            </p:txEl>
+                                          </p:spTgt>
+                                        </p:tgtEl>
+                                        <p:attrNameLst>
+                                          <p:attrName>style.visibility</p:attrName>
+                                        </p:attrNameLst>
+                                      </p:cBhvr>
+                                      <p:to>
+                                        <p:strVal val="visible"/>
+                                      </p:to>
+                                    </p:set>
+                                    <p:animEffect transition="in" filter="fade">
+                                      <p:cBhvr>
+                                        <p:cTn id="10" dur="500"/>
+                                        <p:tgtEl>
+                                          <p:spTgt spid="3">
+                                            <p:txEl>
+                                              <p:pRg st="0" end="0"/>
+                                            </p:txEl>
+                                          </p:spTgt>
+                                        </p:tgtEl>
+                                      </p:cBhvr>
+                                    </p:animEffect>
+                                  </p:childTnLst>
+                                </p:cTn>
+                              </p:par>
+                            </p:childTnLst>
+                          </p:cTn>
+                        </p:par>
+                      </p:childTnLst>
+                    </p:cTn>
+                  </p:par>
+                </p:childTnLst>
+              </p:cTn>
+              <p:prevCondLst>
+                <p:cond evt="onPrev" delay="0">
+                  <p:tgtEl>
+                    <p:sldTgt/>
+                  </p:tgtEl>
+                </p:cond>
+              </p:prevCondLst>
+              <p:nextCondLst>
+                <p:cond evt="onNext" delay="0">
+                  <p:tgtEl>
+                    <p:sldTgt/>
+                  </p:tgtEl>
+                </p:cond>
+              </p:nextCondLst>
+            </p:seq>
+          </p:childTnLst>
+        </p:cTn>
+      </p:par>
+    </p:tnLst>
+    <p:bldLst>
+      <p:bldP spid="2" grpId="0"/>
+      <p:bldP spid="3" grpId="0" build="p"/>
+    </p:bldLst>
+  </p:timing>
 </p:sld>
 </file>
 
@@ -15057,19 +16450,15 @@
           <a:lstStyle/>
           <a:p>
             <a:r>
-              <a:rPr lang="en-US" kern="1200" dirty="0">
+              <a:rPr lang="en-US" b="0" i="0" u="none" strike="noStrike" kern="1200" baseline="0" dirty="0">
                 <a:solidFill>
-                  <a:schemeClr val="tx1">
-                    <a:lumMod val="85000"/>
-                    <a:lumOff val="15000"/>
-                  </a:schemeClr>
+                  <a:schemeClr val="tx1"/>
                 </a:solidFill>
-                <a:effectLst/>
                 <a:latin typeface="+mj-lt"/>
                 <a:ea typeface="+mj-ea"/>
                 <a:cs typeface="+mj-cs"/>
               </a:rPr>
-              <a:t>Feather Opportunities</a:t>
+              <a:t>Customer Request</a:t>
             </a:r>
             <a:endParaRPr lang="en-US" dirty="0"/>
           </a:p>
@@ -15103,126 +16492,61 @@
           <a:p>
             <a:r>
               <a:rPr lang="en-US" dirty="0"/>
-              <a:t>Cross-compatible platform spanning several vendors, use cases &amp; solutions</a:t>
+              <a:t>Novel embedded device work with esteemed peer</a:t>
             </a:r>
           </a:p>
           <a:p>
             <a:pPr lvl="1"/>
             <a:r>
               <a:rPr lang="en-US" dirty="0"/>
-              <a:t>Picture of Hats or Feather options</a:t>
+              <a:t>DTECTS for Ergsense</a:t>
+            </a:r>
+          </a:p>
+          <a:p>
+            <a:pPr marL="457200" lvl="1" indent="0">
+              <a:buNone/>
+            </a:pPr>
+            <a:endParaRPr lang="en-US" dirty="0"/>
+          </a:p>
+          <a:p>
+            <a:r>
+              <a:rPr lang="en-US" dirty="0"/>
+              <a:t>Stabilization &amp; path forward</a:t>
             </a:r>
           </a:p>
           <a:p>
             <a:pPr lvl="1"/>
             <a:r>
               <a:rPr lang="en-US" dirty="0"/>
-              <a:t>What feature or family do you need, they’ve got it w/example</a:t>
-            </a:r>
-          </a:p>
-          <a:p>
-            <a:r>
-              <a:rPr lang="en-US" dirty="0"/>
-              <a:t>A leading expression platform at present</a:t>
+              <a:t>Firmware Architecture &amp; Path to Market</a:t>
             </a:r>
           </a:p>
           <a:p>
             <a:pPr lvl="1"/>
             <a:r>
               <a:rPr lang="en-US" dirty="0"/>
-              <a:t>Enables idea generation and investigation by large audience</a:t>
+              <a:t>Board Revisions</a:t>
             </a:r>
           </a:p>
           <a:p>
             <a:pPr lvl="1"/>
             <a:r>
               <a:rPr lang="en-US" dirty="0"/>
-              <a:t>Like the DTECTS platform with Ergsense, enabling real-time monitoring of electrical motors</a:t>
-            </a:r>
-          </a:p>
-          <a:p>
-            <a:pPr lvl="1"/>
-            <a:r>
-              <a:rPr lang="en-US" dirty="0"/>
-              <a:t>With academic physics experimentation, chemistry monitoring or computer science embedded user interfaces for example</a:t>
-            </a:r>
-          </a:p>
-          <a:p>
-            <a:pPr lvl="1"/>
-            <a:r>
-              <a:rPr lang="en-US" dirty="0"/>
-              <a:t>In industry with PoC examination &amp; formulation (e.g. grain moisture detection)</a:t>
-            </a:r>
-          </a:p>
-          <a:p>
-            <a:r>
-              <a:rPr lang="en-US" dirty="0"/>
-              <a:t>This platform genre is maturing</a:t>
-            </a:r>
-          </a:p>
-          <a:p>
-            <a:pPr lvl="1"/>
-            <a:r>
-              <a:rPr lang="en-US" dirty="0"/>
-              <a:t>Integration into later stages of product design &amp; release</a:t>
-            </a:r>
-          </a:p>
-          <a:p>
-            <a:pPr lvl="1"/>
-            <a:r>
-              <a:rPr lang="en-US" dirty="0"/>
-              <a:t>Arduino, Feather, Particle, etc.</a:t>
-            </a:r>
-          </a:p>
-        </p:txBody>
-      </p:sp>
-      <p:sp>
-        <p:nvSpPr>
-          <p:cNvPr id="4" name="TextBox 3">
-            <a:extLst>
-              <a:ext uri="{FF2B5EF4-FFF2-40B4-BE49-F238E27FC236}">
-                <a16:creationId xmlns:a16="http://schemas.microsoft.com/office/drawing/2014/main" id="{790809A5-49C1-4088-8A82-6305D423F75D}"/>
-              </a:ext>
-            </a:extLst>
-          </p:cNvPr>
-          <p:cNvSpPr txBox="1"/>
-          <p:nvPr/>
-        </p:nvSpPr>
-        <p:spPr>
-          <a:xfrm>
-            <a:off x="6448098" y="6117021"/>
-            <a:ext cx="5376042" cy="523220"/>
-          </a:xfrm>
-          <a:prstGeom prst="rect">
-            <a:avLst/>
-          </a:prstGeom>
-          <a:noFill/>
-        </p:spPr>
-        <p:txBody>
-          <a:bodyPr wrap="square" rtlCol="0">
-            <a:spAutoFit/>
-          </a:bodyPr>
-          <a:lstStyle/>
-          <a:p>
-            <a:pPr algn="ctr"/>
-            <a:r>
-              <a:rPr lang="en-US" sz="1400" dirty="0"/>
-              <a:t>"At its core, the Adafruit Feather is a complete ecosystem of products - and the best way to get your project flying” </a:t>
-            </a:r>
-            <a:r>
-              <a:rPr lang="en-US" sz="1400" dirty="0">
-                <a:hlinkClick r:id="rId3"/>
-              </a:rPr>
-              <a:t>[1]</a:t>
-            </a:r>
-            <a:endParaRPr lang="en-US" sz="1400" dirty="0"/>
+              <a:t>Feature Integration &amp; Design Simplification</a:t>
+            </a:r>
+          </a:p>
+          <a:p>
+            <a:pPr marL="457200" lvl="1" indent="0">
+              <a:buNone/>
+            </a:pPr>
+            <a:endParaRPr lang="en-US" dirty="0"/>
           </a:p>
         </p:txBody>
       </p:sp>
     </p:spTree>
     <p:extLst>
       <p:ext uri="{BB962C8B-B14F-4D97-AF65-F5344CB8AC3E}">
-        <p14:creationId xmlns:p14="http://schemas.microsoft.com/office/powerpoint/2010/main" val="906578158"/>
+        <p14:creationId xmlns:p14="http://schemas.microsoft.com/office/powerpoint/2010/main" val="3903361858"/>
       </p:ext>
     </p:extLst>
   </p:cSld>
@@ -15285,7 +16609,7 @@
                 <a:ea typeface="+mj-ea"/>
                 <a:cs typeface="+mj-cs"/>
               </a:rPr>
-              <a:t>Work Performed</a:t>
+              <a:t>Feather Opportunities</a:t>
             </a:r>
             <a:endParaRPr lang="en-US" dirty="0"/>
           </a:p>
@@ -15319,92 +16643,126 @@
           <a:p>
             <a:r>
               <a:rPr lang="en-US" dirty="0"/>
-              <a:t>Path identification</a:t>
+              <a:t>Cross-compatible platform spanning several vendors, use cases &amp; solutions</a:t>
             </a:r>
           </a:p>
           <a:p>
             <a:pPr lvl="1"/>
             <a:r>
               <a:rPr lang="en-US" dirty="0"/>
-              <a:t>Bare-metal investigate</a:t>
+              <a:t>Picture of Hats or Feather options</a:t>
             </a:r>
           </a:p>
           <a:p>
             <a:pPr lvl="1"/>
             <a:r>
               <a:rPr lang="en-US" dirty="0"/>
-              <a:t>Standardized design practices?</a:t>
-            </a:r>
-          </a:p>
-          <a:p>
-            <a:pPr marL="457200" lvl="1" indent="0">
-              <a:buNone/>
-            </a:pPr>
-            <a:endParaRPr lang="en-US" dirty="0"/>
-          </a:p>
-          <a:p>
-            <a:r>
-              <a:rPr lang="en-US" dirty="0"/>
-              <a:t>Design Standardization</a:t>
+              <a:t>What feature or family do you need, they’ve got it w/example</a:t>
+            </a:r>
+          </a:p>
+          <a:p>
+            <a:r>
+              <a:rPr lang="en-US" dirty="0"/>
+              <a:t>A leading expression platform at present</a:t>
             </a:r>
           </a:p>
           <a:p>
             <a:pPr lvl="1"/>
             <a:r>
               <a:rPr lang="en-US" dirty="0"/>
-              <a:t>Revisioning (multiple repositories)</a:t>
+              <a:t>Enables idea generation and investigation by large audience</a:t>
             </a:r>
           </a:p>
           <a:p>
             <a:pPr lvl="1"/>
             <a:r>
               <a:rPr lang="en-US" dirty="0"/>
-              <a:t>Schematics (modularization, consistency)</a:t>
+              <a:t>Like the DTECTS platform with Ergsense, enabling real-time monitoring of electrical motors</a:t>
             </a:r>
           </a:p>
           <a:p>
             <a:pPr lvl="1"/>
             <a:r>
               <a:rPr lang="en-US" dirty="0"/>
-              <a:t>Board (features, design flexibility)</a:t>
-            </a:r>
-          </a:p>
-          <a:p>
-            <a:pPr marL="457200" lvl="1" indent="0">
-              <a:buNone/>
-            </a:pPr>
-            <a:endParaRPr lang="en-US" dirty="0"/>
-          </a:p>
-          <a:p>
-            <a:r>
-              <a:rPr lang="en-US" dirty="0"/>
-              <a:t>Secure a Path Forward</a:t>
+              <a:t>With academic physics experimentation, chemistry monitoring or computer science embedded user interfaces for example</a:t>
             </a:r>
           </a:p>
           <a:p>
             <a:pPr lvl="1"/>
             <a:r>
               <a:rPr lang="en-US" dirty="0"/>
-              <a:t>Standardization &amp; Organization</a:t>
+              <a:t>In industry with PoC examination &amp; formulation (e.g. grain moisture detection)</a:t>
+            </a:r>
+          </a:p>
+          <a:p>
+            <a:r>
+              <a:rPr lang="en-US" dirty="0"/>
+              <a:t>This platform genre is maturing</a:t>
             </a:r>
           </a:p>
           <a:p>
             <a:pPr lvl="1"/>
             <a:r>
               <a:rPr lang="en-US" dirty="0"/>
-              <a:t>Clarity of Communications &amp; Media</a:t>
+              <a:t>Integration into later stages of product design &amp; release</a:t>
             </a:r>
           </a:p>
           <a:p>
             <a:pPr lvl="1"/>
-            <a:endParaRPr lang="en-US" dirty="0"/>
+            <a:r>
+              <a:rPr lang="en-US" dirty="0"/>
+              <a:t>Arduino, Feather, Particle, etc.</a:t>
+            </a:r>
+          </a:p>
+        </p:txBody>
+      </p:sp>
+      <p:sp>
+        <p:nvSpPr>
+          <p:cNvPr id="4" name="TextBox 3">
+            <a:extLst>
+              <a:ext uri="{FF2B5EF4-FFF2-40B4-BE49-F238E27FC236}">
+                <a16:creationId xmlns:a16="http://schemas.microsoft.com/office/drawing/2014/main" id="{790809A5-49C1-4088-8A82-6305D423F75D}"/>
+              </a:ext>
+            </a:extLst>
+          </p:cNvPr>
+          <p:cNvSpPr txBox="1"/>
+          <p:nvPr/>
+        </p:nvSpPr>
+        <p:spPr>
+          <a:xfrm>
+            <a:off x="6448098" y="6117021"/>
+            <a:ext cx="5376042" cy="523220"/>
+          </a:xfrm>
+          <a:prstGeom prst="rect">
+            <a:avLst/>
+          </a:prstGeom>
+          <a:noFill/>
+        </p:spPr>
+        <p:txBody>
+          <a:bodyPr wrap="square" rtlCol="0">
+            <a:spAutoFit/>
+          </a:bodyPr>
+          <a:lstStyle/>
+          <a:p>
+            <a:pPr algn="ctr"/>
+            <a:r>
+              <a:rPr lang="en-US" sz="1400" dirty="0"/>
+              <a:t>"At its core, the Adafruit Feather is a complete ecosystem of products - and the best way to get your project flying” </a:t>
+            </a:r>
+            <a:r>
+              <a:rPr lang="en-US" sz="1400" dirty="0">
+                <a:hlinkClick r:id="rId3"/>
+              </a:rPr>
+              <a:t>[1]</a:t>
+            </a:r>
+            <a:endParaRPr lang="en-US" sz="1400" dirty="0"/>
           </a:p>
         </p:txBody>
       </p:sp>
     </p:spTree>
     <p:extLst>
       <p:ext uri="{BB962C8B-B14F-4D97-AF65-F5344CB8AC3E}">
-        <p14:creationId xmlns:p14="http://schemas.microsoft.com/office/powerpoint/2010/main" val="512168512"/>
+        <p14:creationId xmlns:p14="http://schemas.microsoft.com/office/powerpoint/2010/main" val="906578158"/>
       </p:ext>
     </p:extLst>
   </p:cSld>
@@ -15454,9 +16812,8 @@
           </a:bodyPr>
           <a:lstStyle/>
           <a:p>
-            <a:pPr rtl="0" eaLnBrk="1" latinLnBrk="0" hangingPunct="1"/>
-            <a:r>
-              <a:rPr lang="en-US" sz="3600" b="0" i="0" kern="1200" baseline="0" dirty="0">
+            <a:r>
+              <a:rPr lang="en-US" kern="1200" dirty="0">
                 <a:solidFill>
                   <a:schemeClr val="tx1">
                     <a:lumMod val="85000"/>
@@ -15468,11 +16825,9 @@
                 <a:ea typeface="+mj-ea"/>
                 <a:cs typeface="+mj-cs"/>
               </a:rPr>
-              <a:t>Design Procedure (2)</a:t>
-            </a:r>
-            <a:endParaRPr lang="en-US" sz="4400" dirty="0">
-              <a:effectLst/>
-            </a:endParaRPr>
+              <a:t>Work Performed</a:t>
+            </a:r>
+            <a:endParaRPr lang="en-US" dirty="0"/>
           </a:p>
         </p:txBody>
       </p:sp>
@@ -15502,6 +16857,86 @@
           <a:bodyPr/>
           <a:lstStyle/>
           <a:p>
+            <a:r>
+              <a:rPr lang="en-US" dirty="0"/>
+              <a:t>Path identification</a:t>
+            </a:r>
+          </a:p>
+          <a:p>
+            <a:pPr lvl="1"/>
+            <a:r>
+              <a:rPr lang="en-US" dirty="0"/>
+              <a:t>Bare-metal investigate</a:t>
+            </a:r>
+          </a:p>
+          <a:p>
+            <a:pPr lvl="1"/>
+            <a:r>
+              <a:rPr lang="en-US" dirty="0"/>
+              <a:t>Standardized design practices?</a:t>
+            </a:r>
+          </a:p>
+          <a:p>
+            <a:pPr marL="457200" lvl="1" indent="0">
+              <a:buNone/>
+            </a:pPr>
+            <a:endParaRPr lang="en-US" dirty="0"/>
+          </a:p>
+          <a:p>
+            <a:r>
+              <a:rPr lang="en-US" dirty="0"/>
+              <a:t>Design Standardization</a:t>
+            </a:r>
+          </a:p>
+          <a:p>
+            <a:pPr lvl="1"/>
+            <a:r>
+              <a:rPr lang="en-US" dirty="0"/>
+              <a:t>Revisioning (multiple repositories)</a:t>
+            </a:r>
+          </a:p>
+          <a:p>
+            <a:pPr lvl="1"/>
+            <a:r>
+              <a:rPr lang="en-US" dirty="0"/>
+              <a:t>Schematics (modularization, consistency)</a:t>
+            </a:r>
+          </a:p>
+          <a:p>
+            <a:pPr lvl="1"/>
+            <a:r>
+              <a:rPr lang="en-US" dirty="0"/>
+              <a:t>Board (features, design flexibility)</a:t>
+            </a:r>
+          </a:p>
+          <a:p>
+            <a:pPr marL="457200" lvl="1" indent="0">
+              <a:buNone/>
+            </a:pPr>
+            <a:endParaRPr lang="en-US" dirty="0"/>
+          </a:p>
+          <a:p>
+            <a:r>
+              <a:rPr lang="en-US" dirty="0"/>
+              <a:t>Secure a Path Forward</a:t>
+            </a:r>
+          </a:p>
+          <a:p>
+            <a:pPr lvl="1"/>
+            <a:r>
+              <a:rPr lang="en-US" dirty="0"/>
+              <a:t>Standardization &amp; Organization</a:t>
+            </a:r>
+          </a:p>
+          <a:p>
+            <a:pPr lvl="1"/>
+            <a:r>
+              <a:rPr lang="en-US" dirty="0"/>
+              <a:t>Clarity of Communications &amp; Media</a:t>
+            </a:r>
+          </a:p>
+          <a:p>
+            <a:pPr lvl="1"/>
             <a:endParaRPr lang="en-US" dirty="0"/>
           </a:p>
         </p:txBody>
@@ -15509,7 +16944,7 @@
     </p:spTree>
     <p:extLst>
       <p:ext uri="{BB962C8B-B14F-4D97-AF65-F5344CB8AC3E}">
-        <p14:creationId xmlns:p14="http://schemas.microsoft.com/office/powerpoint/2010/main" val="306193403"/>
+        <p14:creationId xmlns:p14="http://schemas.microsoft.com/office/powerpoint/2010/main" val="512168512"/>
       </p:ext>
     </p:extLst>
   </p:cSld>
@@ -15573,7 +17008,7 @@
                 <a:ea typeface="+mj-ea"/>
                 <a:cs typeface="+mj-cs"/>
               </a:rPr>
-              <a:t>Features Added</a:t>
+              <a:t>Design Procedure (2)</a:t>
             </a:r>
             <a:endParaRPr lang="en-US" sz="4400" dirty="0">
               <a:effectLst/>
@@ -15607,71 +17042,14 @@
           <a:bodyPr/>
           <a:lstStyle/>
           <a:p>
-            <a:r>
-              <a:rPr lang="en-US" dirty="0"/>
-              <a:t>Design</a:t>
-            </a:r>
-          </a:p>
-          <a:p>
-            <a:pPr lvl="1"/>
-            <a:r>
-              <a:rPr lang="en-US" dirty="0"/>
-              <a:t>JTAG Port</a:t>
-            </a:r>
-          </a:p>
-          <a:p>
-            <a:pPr lvl="1"/>
-            <a:r>
-              <a:rPr lang="en-US" dirty="0"/>
-              <a:t>Serial Port</a:t>
-            </a:r>
-          </a:p>
-          <a:p>
-            <a:pPr lvl="1"/>
-            <a:r>
-              <a:rPr lang="en-US" dirty="0"/>
-              <a:t>Jumpers</a:t>
-            </a:r>
-          </a:p>
-          <a:p>
-            <a:pPr marL="457200" lvl="1" indent="0">
-              <a:buNone/>
-            </a:pPr>
             <a:endParaRPr lang="en-US" dirty="0"/>
-          </a:p>
-          <a:p>
-            <a:r>
-              <a:rPr lang="en-US" dirty="0"/>
-              <a:t>Project</a:t>
-            </a:r>
-          </a:p>
-          <a:p>
-            <a:pPr lvl="1"/>
-            <a:r>
-              <a:rPr lang="en-US" dirty="0"/>
-              <a:t>Organized Schematics</a:t>
-            </a:r>
-          </a:p>
-          <a:p>
-            <a:pPr lvl="1"/>
-            <a:r>
-              <a:rPr lang="en-US" dirty="0"/>
-              <a:t>Unified Library</a:t>
-            </a:r>
-          </a:p>
-          <a:p>
-            <a:pPr lvl="1"/>
-            <a:r>
-              <a:rPr lang="en-US" dirty="0"/>
-              <a:t>Board Modularization</a:t>
-            </a:r>
           </a:p>
         </p:txBody>
       </p:sp>
     </p:spTree>
     <p:extLst>
       <p:ext uri="{BB962C8B-B14F-4D97-AF65-F5344CB8AC3E}">
-        <p14:creationId xmlns:p14="http://schemas.microsoft.com/office/powerpoint/2010/main" val="2481444653"/>
+        <p14:creationId xmlns:p14="http://schemas.microsoft.com/office/powerpoint/2010/main" val="306193403"/>
       </p:ext>
     </p:extLst>
   </p:cSld>
@@ -15735,7 +17113,7 @@
                 <a:ea typeface="+mj-ea"/>
                 <a:cs typeface="+mj-cs"/>
               </a:rPr>
-              <a:t>Development Methodology (3)</a:t>
+              <a:t>Features Added</a:t>
             </a:r>
             <a:endParaRPr lang="en-US" sz="4400" dirty="0">
               <a:effectLst/>
@@ -15769,14 +17147,71 @@
           <a:bodyPr/>
           <a:lstStyle/>
           <a:p>
+            <a:r>
+              <a:rPr lang="en-US" dirty="0"/>
+              <a:t>Design</a:t>
+            </a:r>
+          </a:p>
+          <a:p>
+            <a:pPr lvl="1"/>
+            <a:r>
+              <a:rPr lang="en-US" dirty="0"/>
+              <a:t>JTAG Port</a:t>
+            </a:r>
+          </a:p>
+          <a:p>
+            <a:pPr lvl="1"/>
+            <a:r>
+              <a:rPr lang="en-US" dirty="0"/>
+              <a:t>Serial Port</a:t>
+            </a:r>
+          </a:p>
+          <a:p>
+            <a:pPr lvl="1"/>
+            <a:r>
+              <a:rPr lang="en-US" dirty="0"/>
+              <a:t>Jumpers</a:t>
+            </a:r>
+          </a:p>
+          <a:p>
+            <a:pPr marL="457200" lvl="1" indent="0">
+              <a:buNone/>
+            </a:pPr>
             <a:endParaRPr lang="en-US" dirty="0"/>
+          </a:p>
+          <a:p>
+            <a:r>
+              <a:rPr lang="en-US" dirty="0"/>
+              <a:t>Project</a:t>
+            </a:r>
+          </a:p>
+          <a:p>
+            <a:pPr lvl="1"/>
+            <a:r>
+              <a:rPr lang="en-US" dirty="0"/>
+              <a:t>Organized Schematics</a:t>
+            </a:r>
+          </a:p>
+          <a:p>
+            <a:pPr lvl="1"/>
+            <a:r>
+              <a:rPr lang="en-US" dirty="0"/>
+              <a:t>Unified Library</a:t>
+            </a:r>
+          </a:p>
+          <a:p>
+            <a:pPr lvl="1"/>
+            <a:r>
+              <a:rPr lang="en-US" dirty="0"/>
+              <a:t>Board Modularization</a:t>
+            </a:r>
           </a:p>
         </p:txBody>
       </p:sp>
     </p:spTree>
     <p:extLst>
       <p:ext uri="{BB962C8B-B14F-4D97-AF65-F5344CB8AC3E}">
-        <p14:creationId xmlns:p14="http://schemas.microsoft.com/office/powerpoint/2010/main" val="1317707174"/>
+        <p14:creationId xmlns:p14="http://schemas.microsoft.com/office/powerpoint/2010/main" val="2481444653"/>
       </p:ext>
     </p:extLst>
   </p:cSld>
@@ -15874,23 +17309,14 @@
           <a:bodyPr/>
           <a:lstStyle/>
           <a:p>
-            <a:r>
-              <a:rPr lang="en-US" dirty="0"/>
-              <a:t>Revision Control</a:t>
-            </a:r>
-          </a:p>
-          <a:p>
-            <a:r>
-              <a:rPr lang="en-US" dirty="0"/>
-              <a:t>Clear segmentation of work with external team repository</a:t>
-            </a:r>
+            <a:endParaRPr lang="en-US" dirty="0"/>
           </a:p>
         </p:txBody>
       </p:sp>
     </p:spTree>
     <p:extLst>
       <p:ext uri="{BB962C8B-B14F-4D97-AF65-F5344CB8AC3E}">
-        <p14:creationId xmlns:p14="http://schemas.microsoft.com/office/powerpoint/2010/main" val="3687405747"/>
+        <p14:creationId xmlns:p14="http://schemas.microsoft.com/office/powerpoint/2010/main" val="1317707174"/>
       </p:ext>
     </p:extLst>
   </p:cSld>

--- a/Suppl/Pivotal Presentation - DTECTS.pptx
+++ b/Suppl/Pivotal Presentation - DTECTS.pptx
@@ -2206,6 +2206,52 @@
         <p:txBody>
           <a:bodyPr/>
           <a:lstStyle/>
+          <a:p>
+            <a:r>
+              <a:rPr lang="en-US" sz="1200" b="0" i="0" u="none" strike="noStrike" kern="1200" baseline="0" dirty="0">
+                <a:solidFill>
+                  <a:schemeClr val="tx1"/>
+                </a:solidFill>
+                <a:latin typeface="+mn-lt"/>
+                <a:ea typeface="+mn-ea"/>
+                <a:cs typeface="+mn-cs"/>
+              </a:rPr>
+              <a:t>“When inventor meets IOT”</a:t>
+            </a:r>
+          </a:p>
+          <a:p>
+            <a:endParaRPr lang="en-US" sz="1200" b="0" i="0" u="none" strike="noStrike" kern="1200" baseline="0" dirty="0">
+              <a:solidFill>
+                <a:schemeClr val="tx1"/>
+              </a:solidFill>
+              <a:latin typeface="+mn-lt"/>
+              <a:ea typeface="+mn-ea"/>
+              <a:cs typeface="+mn-cs"/>
+            </a:endParaRPr>
+          </a:p>
+          <a:p>
+            <a:r>
+              <a:rPr lang="en-US" sz="1200" b="0" i="0" u="none" strike="noStrike" kern="1200" baseline="0" dirty="0">
+                <a:solidFill>
+                  <a:schemeClr val="tx1"/>
+                </a:solidFill>
+                <a:latin typeface="+mn-lt"/>
+                <a:ea typeface="+mn-ea"/>
+                <a:cs typeface="+mn-cs"/>
+              </a:rPr>
+              <a:t>//…</a:t>
+            </a:r>
+          </a:p>
+          <a:p>
+            <a:endParaRPr lang="en-US" sz="1200" b="0" i="0" u="none" strike="noStrike" kern="1200" baseline="0" dirty="0">
+              <a:solidFill>
+                <a:schemeClr val="tx1"/>
+              </a:solidFill>
+              <a:latin typeface="+mn-lt"/>
+              <a:ea typeface="+mn-ea"/>
+              <a:cs typeface="+mn-cs"/>
+            </a:endParaRPr>
+          </a:p>
           <a:p>
             <a:r>
               <a:rPr lang="en-US" sz="1200" b="0" i="0" u="none" strike="noStrike" kern="1200" baseline="0" dirty="0">
@@ -17156,13 +17202,487 @@
             <a:pPr lvl="1"/>
             <a:r>
               <a:rPr lang="en-US" dirty="0"/>
+              <a:t>Jumpers</a:t>
+            </a:r>
+          </a:p>
+          <a:p>
+            <a:pPr lvl="1"/>
+            <a:r>
+              <a:rPr lang="en-US" dirty="0"/>
+              <a:t>Serial Port</a:t>
+            </a:r>
+          </a:p>
+          <a:p>
+            <a:pPr lvl="1"/>
+            <a:r>
+              <a:rPr lang="en-US" dirty="0"/>
               <a:t>JTAG Port</a:t>
             </a:r>
           </a:p>
           <a:p>
+            <a:pPr marL="457200" lvl="1" indent="0">
+              <a:buNone/>
+            </a:pPr>
+            <a:endParaRPr lang="en-US" dirty="0"/>
+          </a:p>
+          <a:p>
+            <a:r>
+              <a:rPr lang="en-US" dirty="0"/>
+              <a:t>Project</a:t>
+            </a:r>
+          </a:p>
+          <a:p>
             <a:pPr lvl="1"/>
             <a:r>
               <a:rPr lang="en-US" dirty="0"/>
+              <a:t>Organized Schematics</a:t>
+            </a:r>
+          </a:p>
+          <a:p>
+            <a:pPr lvl="1"/>
+            <a:r>
+              <a:rPr lang="en-US" dirty="0"/>
+              <a:t>Unified Library</a:t>
+            </a:r>
+          </a:p>
+          <a:p>
+            <a:pPr lvl="1"/>
+            <a:r>
+              <a:rPr lang="en-US" dirty="0"/>
+              <a:t>Board Modularization</a:t>
+            </a:r>
+          </a:p>
+        </p:txBody>
+      </p:sp>
+      <p:sp>
+        <p:nvSpPr>
+          <p:cNvPr id="6" name="Rectangle: Rounded Corners 5">
+            <a:extLst>
+              <a:ext uri="{FF2B5EF4-FFF2-40B4-BE49-F238E27FC236}">
+                <a16:creationId xmlns:a16="http://schemas.microsoft.com/office/drawing/2014/main" id="{8844B131-81B1-4E4E-8E3B-F6E7360D48EA}"/>
+              </a:ext>
+            </a:extLst>
+          </p:cNvPr>
+          <p:cNvSpPr/>
+          <p:nvPr/>
+        </p:nvSpPr>
+        <p:spPr>
+          <a:xfrm>
+            <a:off x="7590730" y="1451113"/>
+            <a:ext cx="2773181" cy="3203333"/>
+          </a:xfrm>
+          <a:prstGeom prst="roundRect">
+            <a:avLst/>
+          </a:prstGeom>
+          <a:blipFill dpi="0" rotWithShape="1">
+            <a:blip r:embed="rId3">
+              <a:extLst>
+                <a:ext uri="{28A0092B-C50C-407E-A947-70E740481C1C}">
+                  <a14:useLocalDpi xmlns:a14="http://schemas.microsoft.com/office/drawing/2010/main" val="0"/>
+                </a:ext>
+              </a:extLst>
+            </a:blip>
+            <a:srcRect/>
+            <a:stretch>
+              <a:fillRect t="-10258" r="-16667" b="-36280"/>
+            </a:stretch>
+          </a:blipFill>
+        </p:spPr>
+        <p:style>
+          <a:lnRef idx="2">
+            <a:schemeClr val="accent1">
+              <a:shade val="50000"/>
+            </a:schemeClr>
+          </a:lnRef>
+          <a:fillRef idx="1">
+            <a:schemeClr val="accent1"/>
+          </a:fillRef>
+          <a:effectRef idx="0">
+            <a:schemeClr val="accent1"/>
+          </a:effectRef>
+          <a:fontRef idx="minor">
+            <a:schemeClr val="lt1"/>
+          </a:fontRef>
+        </p:style>
+        <p:txBody>
+          <a:bodyPr rtlCol="0" anchor="ctr"/>
+          <a:lstStyle/>
+          <a:p>
+            <a:pPr algn="ctr"/>
+            <a:endParaRPr lang="en-US"/>
+          </a:p>
+        </p:txBody>
+      </p:sp>
+      <p:sp>
+        <p:nvSpPr>
+          <p:cNvPr id="7" name="Oval 6">
+            <a:extLst>
+              <a:ext uri="{FF2B5EF4-FFF2-40B4-BE49-F238E27FC236}">
+                <a16:creationId xmlns:a16="http://schemas.microsoft.com/office/drawing/2014/main" id="{63947CB2-726B-40E0-B489-C19B42E6FDCE}"/>
+              </a:ext>
+            </a:extLst>
+          </p:cNvPr>
+          <p:cNvSpPr/>
+          <p:nvPr/>
+        </p:nvSpPr>
+        <p:spPr>
+          <a:xfrm rot="19586404">
+            <a:off x="6798316" y="3201474"/>
+            <a:ext cx="2864405" cy="721360"/>
+          </a:xfrm>
+          <a:prstGeom prst="ellipse">
+            <a:avLst/>
+          </a:prstGeom>
+          <a:noFill/>
+          <a:ln w="28575">
+            <a:solidFill>
+              <a:schemeClr val="accent6">
+                <a:lumMod val="75000"/>
+              </a:schemeClr>
+            </a:solidFill>
+          </a:ln>
+        </p:spPr>
+        <p:style>
+          <a:lnRef idx="2">
+            <a:schemeClr val="accent1">
+              <a:shade val="50000"/>
+            </a:schemeClr>
+          </a:lnRef>
+          <a:fillRef idx="1">
+            <a:schemeClr val="accent1"/>
+          </a:fillRef>
+          <a:effectRef idx="0">
+            <a:schemeClr val="accent1"/>
+          </a:effectRef>
+          <a:fontRef idx="minor">
+            <a:schemeClr val="lt1"/>
+          </a:fontRef>
+        </p:style>
+        <p:txBody>
+          <a:bodyPr rtlCol="0" anchor="ctr"/>
+          <a:lstStyle/>
+          <a:p>
+            <a:pPr algn="ctr"/>
+            <a:endParaRPr lang="en-US"/>
+          </a:p>
+        </p:txBody>
+      </p:sp>
+      <p:sp>
+        <p:nvSpPr>
+          <p:cNvPr id="8" name="Oval 7">
+            <a:extLst>
+              <a:ext uri="{FF2B5EF4-FFF2-40B4-BE49-F238E27FC236}">
+                <a16:creationId xmlns:a16="http://schemas.microsoft.com/office/drawing/2014/main" id="{E4CF3A24-E010-42DC-B0A8-C0466906FFC7}"/>
+              </a:ext>
+            </a:extLst>
+          </p:cNvPr>
+          <p:cNvSpPr/>
+          <p:nvPr/>
+        </p:nvSpPr>
+        <p:spPr>
+          <a:xfrm>
+            <a:off x="8710870" y="1543591"/>
+            <a:ext cx="1764090" cy="1280890"/>
+          </a:xfrm>
+          <a:prstGeom prst="ellipse">
+            <a:avLst/>
+          </a:prstGeom>
+          <a:noFill/>
+          <a:ln w="28575">
+            <a:solidFill>
+              <a:schemeClr val="accent6">
+                <a:lumMod val="75000"/>
+              </a:schemeClr>
+            </a:solidFill>
+          </a:ln>
+        </p:spPr>
+        <p:style>
+          <a:lnRef idx="2">
+            <a:schemeClr val="accent1">
+              <a:shade val="50000"/>
+            </a:schemeClr>
+          </a:lnRef>
+          <a:fillRef idx="1">
+            <a:schemeClr val="accent1"/>
+          </a:fillRef>
+          <a:effectRef idx="0">
+            <a:schemeClr val="accent1"/>
+          </a:effectRef>
+          <a:fontRef idx="minor">
+            <a:schemeClr val="lt1"/>
+          </a:fontRef>
+        </p:style>
+        <p:txBody>
+          <a:bodyPr rtlCol="0" anchor="ctr"/>
+          <a:lstStyle/>
+          <a:p>
+            <a:pPr algn="ctr"/>
+            <a:endParaRPr lang="en-US"/>
+          </a:p>
+        </p:txBody>
+      </p:sp>
+      <p:sp>
+        <p:nvSpPr>
+          <p:cNvPr id="9" name="Content Placeholder 2">
+            <a:extLst>
+              <a:ext uri="{FF2B5EF4-FFF2-40B4-BE49-F238E27FC236}">
+                <a16:creationId xmlns:a16="http://schemas.microsoft.com/office/drawing/2014/main" id="{76B6953B-3A45-4F86-B849-F73505B9D537}"/>
+              </a:ext>
+            </a:extLst>
+          </p:cNvPr>
+          <p:cNvSpPr txBox="1">
+            <a:spLocks/>
+          </p:cNvSpPr>
+          <p:nvPr/>
+        </p:nvSpPr>
+        <p:spPr>
+          <a:xfrm>
+            <a:off x="2589211" y="1451113"/>
+            <a:ext cx="9079327" cy="5068957"/>
+          </a:xfrm>
+          <a:prstGeom prst="rect">
+            <a:avLst/>
+          </a:prstGeom>
+        </p:spPr>
+        <p:txBody>
+          <a:bodyPr vert="horz" lIns="91440" tIns="45720" rIns="91440" bIns="45720" rtlCol="0">
+            <a:normAutofit/>
+          </a:bodyPr>
+          <a:lstStyle>
+            <a:lvl1pPr marL="342900" indent="-342900" algn="l" defTabSz="457200" rtl="0" eaLnBrk="1" latinLnBrk="0" hangingPunct="1">
+              <a:spcBef>
+                <a:spcPts val="1000"/>
+              </a:spcBef>
+              <a:spcAft>
+                <a:spcPts val="0"/>
+              </a:spcAft>
+              <a:buClr>
+                <a:schemeClr val="accent1"/>
+              </a:buClr>
+              <a:buFont typeface="Wingdings 3" charset="2"/>
+              <a:buChar char=""/>
+              <a:defRPr sz="1800" kern="1200">
+                <a:solidFill>
+                  <a:schemeClr val="tx1">
+                    <a:lumMod val="75000"/>
+                    <a:lumOff val="25000"/>
+                  </a:schemeClr>
+                </a:solidFill>
+                <a:latin typeface="+mn-lt"/>
+                <a:ea typeface="+mn-ea"/>
+                <a:cs typeface="+mn-cs"/>
+              </a:defRPr>
+            </a:lvl1pPr>
+            <a:lvl2pPr marL="742950" indent="-285750" algn="l" defTabSz="457200" rtl="0" eaLnBrk="1" latinLnBrk="0" hangingPunct="1">
+              <a:spcBef>
+                <a:spcPts val="1000"/>
+              </a:spcBef>
+              <a:spcAft>
+                <a:spcPts val="0"/>
+              </a:spcAft>
+              <a:buClr>
+                <a:schemeClr val="accent1"/>
+              </a:buClr>
+              <a:buFont typeface="Wingdings 3" charset="2"/>
+              <a:buChar char=""/>
+              <a:defRPr sz="1600" kern="1200">
+                <a:solidFill>
+                  <a:schemeClr val="tx1">
+                    <a:lumMod val="75000"/>
+                    <a:lumOff val="25000"/>
+                  </a:schemeClr>
+                </a:solidFill>
+                <a:latin typeface="+mn-lt"/>
+                <a:ea typeface="+mn-ea"/>
+                <a:cs typeface="+mn-cs"/>
+              </a:defRPr>
+            </a:lvl2pPr>
+            <a:lvl3pPr marL="1143000" indent="-228600" algn="l" defTabSz="457200" rtl="0" eaLnBrk="1" latinLnBrk="0" hangingPunct="1">
+              <a:spcBef>
+                <a:spcPts val="1000"/>
+              </a:spcBef>
+              <a:spcAft>
+                <a:spcPts val="0"/>
+              </a:spcAft>
+              <a:buClr>
+                <a:schemeClr val="accent1"/>
+              </a:buClr>
+              <a:buFont typeface="Wingdings 3" charset="2"/>
+              <a:buChar char=""/>
+              <a:defRPr sz="1400" kern="1200">
+                <a:solidFill>
+                  <a:schemeClr val="tx1">
+                    <a:lumMod val="75000"/>
+                    <a:lumOff val="25000"/>
+                  </a:schemeClr>
+                </a:solidFill>
+                <a:latin typeface="+mn-lt"/>
+                <a:ea typeface="+mn-ea"/>
+                <a:cs typeface="+mn-cs"/>
+              </a:defRPr>
+            </a:lvl3pPr>
+            <a:lvl4pPr marL="1600200" indent="-228600" algn="l" defTabSz="457200" rtl="0" eaLnBrk="1" latinLnBrk="0" hangingPunct="1">
+              <a:spcBef>
+                <a:spcPts val="1000"/>
+              </a:spcBef>
+              <a:spcAft>
+                <a:spcPts val="0"/>
+              </a:spcAft>
+              <a:buClr>
+                <a:schemeClr val="accent1"/>
+              </a:buClr>
+              <a:buFont typeface="Wingdings 3" charset="2"/>
+              <a:buChar char=""/>
+              <a:defRPr sz="1200" kern="1200">
+                <a:solidFill>
+                  <a:schemeClr val="tx1">
+                    <a:lumMod val="75000"/>
+                    <a:lumOff val="25000"/>
+                  </a:schemeClr>
+                </a:solidFill>
+                <a:latin typeface="+mn-lt"/>
+                <a:ea typeface="+mn-ea"/>
+                <a:cs typeface="+mn-cs"/>
+              </a:defRPr>
+            </a:lvl4pPr>
+            <a:lvl5pPr marL="2057400" indent="-228600" algn="l" defTabSz="457200" rtl="0" eaLnBrk="1" latinLnBrk="0" hangingPunct="1">
+              <a:spcBef>
+                <a:spcPts val="1000"/>
+              </a:spcBef>
+              <a:spcAft>
+                <a:spcPts val="0"/>
+              </a:spcAft>
+              <a:buClr>
+                <a:schemeClr val="accent1"/>
+              </a:buClr>
+              <a:buFont typeface="Wingdings 3" charset="2"/>
+              <a:buChar char=""/>
+              <a:defRPr sz="1200" kern="1200">
+                <a:solidFill>
+                  <a:schemeClr val="tx1">
+                    <a:lumMod val="75000"/>
+                    <a:lumOff val="25000"/>
+                  </a:schemeClr>
+                </a:solidFill>
+                <a:latin typeface="+mn-lt"/>
+                <a:ea typeface="+mn-ea"/>
+                <a:cs typeface="+mn-cs"/>
+              </a:defRPr>
+            </a:lvl5pPr>
+            <a:lvl6pPr marL="2514600" indent="-228600" algn="l" defTabSz="457200" rtl="0" eaLnBrk="1" latinLnBrk="0" hangingPunct="1">
+              <a:spcBef>
+                <a:spcPts val="1000"/>
+              </a:spcBef>
+              <a:spcAft>
+                <a:spcPts val="0"/>
+              </a:spcAft>
+              <a:buClr>
+                <a:schemeClr val="accent1"/>
+              </a:buClr>
+              <a:buFont typeface="Wingdings 3" charset="2"/>
+              <a:buChar char=""/>
+              <a:defRPr sz="1200" kern="1200">
+                <a:solidFill>
+                  <a:schemeClr val="tx1">
+                    <a:lumMod val="75000"/>
+                    <a:lumOff val="25000"/>
+                  </a:schemeClr>
+                </a:solidFill>
+                <a:latin typeface="+mn-lt"/>
+                <a:ea typeface="+mn-ea"/>
+                <a:cs typeface="+mn-cs"/>
+              </a:defRPr>
+            </a:lvl6pPr>
+            <a:lvl7pPr marL="2971800" indent="-228600" algn="l" defTabSz="457200" rtl="0" eaLnBrk="1" latinLnBrk="0" hangingPunct="1">
+              <a:spcBef>
+                <a:spcPts val="1000"/>
+              </a:spcBef>
+              <a:spcAft>
+                <a:spcPts val="0"/>
+              </a:spcAft>
+              <a:buClr>
+                <a:schemeClr val="accent1"/>
+              </a:buClr>
+              <a:buFont typeface="Wingdings 3" charset="2"/>
+              <a:buChar char=""/>
+              <a:defRPr sz="1200" kern="1200">
+                <a:solidFill>
+                  <a:schemeClr val="tx1">
+                    <a:lumMod val="75000"/>
+                    <a:lumOff val="25000"/>
+                  </a:schemeClr>
+                </a:solidFill>
+                <a:latin typeface="+mn-lt"/>
+                <a:ea typeface="+mn-ea"/>
+                <a:cs typeface="+mn-cs"/>
+              </a:defRPr>
+            </a:lvl7pPr>
+            <a:lvl8pPr marL="3429000" indent="-228600" algn="l" defTabSz="457200" rtl="0" eaLnBrk="1" latinLnBrk="0" hangingPunct="1">
+              <a:spcBef>
+                <a:spcPts val="1000"/>
+              </a:spcBef>
+              <a:spcAft>
+                <a:spcPts val="0"/>
+              </a:spcAft>
+              <a:buClr>
+                <a:schemeClr val="accent1"/>
+              </a:buClr>
+              <a:buFont typeface="Wingdings 3" charset="2"/>
+              <a:buChar char=""/>
+              <a:defRPr sz="1200" kern="1200">
+                <a:solidFill>
+                  <a:schemeClr val="tx1">
+                    <a:lumMod val="75000"/>
+                    <a:lumOff val="25000"/>
+                  </a:schemeClr>
+                </a:solidFill>
+                <a:latin typeface="+mn-lt"/>
+                <a:ea typeface="+mn-ea"/>
+                <a:cs typeface="+mn-cs"/>
+              </a:defRPr>
+            </a:lvl8pPr>
+            <a:lvl9pPr marL="3886200" indent="-228600" algn="l" defTabSz="457200" rtl="0" eaLnBrk="1" latinLnBrk="0" hangingPunct="1">
+              <a:spcBef>
+                <a:spcPts val="1000"/>
+              </a:spcBef>
+              <a:spcAft>
+                <a:spcPts val="0"/>
+              </a:spcAft>
+              <a:buClr>
+                <a:schemeClr val="accent1"/>
+              </a:buClr>
+              <a:buFont typeface="Wingdings 3" charset="2"/>
+              <a:buChar char=""/>
+              <a:defRPr sz="1200" kern="1200">
+                <a:solidFill>
+                  <a:schemeClr val="tx1">
+                    <a:lumMod val="75000"/>
+                    <a:lumOff val="25000"/>
+                  </a:schemeClr>
+                </a:solidFill>
+                <a:latin typeface="+mn-lt"/>
+                <a:ea typeface="+mn-ea"/>
+                <a:cs typeface="+mn-cs"/>
+              </a:defRPr>
+            </a:lvl9pPr>
+          </a:lstStyle>
+          <a:p>
+            <a:r>
+              <a:rPr lang="en-US" dirty="0"/>
+              <a:t>Design</a:t>
+            </a:r>
+          </a:p>
+          <a:p>
+            <a:pPr lvl="1"/>
+            <a:r>
+              <a:rPr lang="en-US" b="1" dirty="0"/>
+              <a:t>Jumpers</a:t>
+            </a:r>
+          </a:p>
+          <a:p>
+            <a:pPr lvl="1"/>
+            <a:r>
+              <a:rPr lang="en-US" dirty="0"/>
               <a:t>Serial Port</a:t>
             </a:r>
           </a:p>
@@ -17170,11 +17690,320 @@
             <a:pPr lvl="1"/>
             <a:r>
               <a:rPr lang="en-US" dirty="0"/>
-              <a:t>Jumpers</a:t>
+              <a:t>JTAG Port</a:t>
             </a:r>
           </a:p>
           <a:p>
             <a:pPr marL="457200" lvl="1" indent="0">
+              <a:buFont typeface="Wingdings 3" charset="2"/>
+              <a:buNone/>
+            </a:pPr>
+            <a:endParaRPr lang="en-US" dirty="0"/>
+          </a:p>
+          <a:p>
+            <a:r>
+              <a:rPr lang="en-US" dirty="0"/>
+              <a:t>Project</a:t>
+            </a:r>
+          </a:p>
+          <a:p>
+            <a:pPr lvl="1"/>
+            <a:r>
+              <a:rPr lang="en-US" dirty="0"/>
+              <a:t>Organized Schematics</a:t>
+            </a:r>
+          </a:p>
+          <a:p>
+            <a:pPr lvl="1"/>
+            <a:r>
+              <a:rPr lang="en-US" dirty="0"/>
+              <a:t>Unified Library</a:t>
+            </a:r>
+          </a:p>
+          <a:p>
+            <a:pPr lvl="1"/>
+            <a:r>
+              <a:rPr lang="en-US" dirty="0"/>
+              <a:t>Board Modularization</a:t>
+            </a:r>
+          </a:p>
+        </p:txBody>
+      </p:sp>
+      <p:sp>
+        <p:nvSpPr>
+          <p:cNvPr id="10" name="Content Placeholder 2">
+            <a:extLst>
+              <a:ext uri="{FF2B5EF4-FFF2-40B4-BE49-F238E27FC236}">
+                <a16:creationId xmlns:a16="http://schemas.microsoft.com/office/drawing/2014/main" id="{5990AE53-6D11-41D4-AB9A-1C8592FB9E5D}"/>
+              </a:ext>
+            </a:extLst>
+          </p:cNvPr>
+          <p:cNvSpPr txBox="1">
+            <a:spLocks/>
+          </p:cNvSpPr>
+          <p:nvPr/>
+        </p:nvSpPr>
+        <p:spPr>
+          <a:xfrm>
+            <a:off x="2589211" y="1451113"/>
+            <a:ext cx="9079327" cy="5068957"/>
+          </a:xfrm>
+          <a:prstGeom prst="rect">
+            <a:avLst/>
+          </a:prstGeom>
+        </p:spPr>
+        <p:txBody>
+          <a:bodyPr vert="horz" lIns="91440" tIns="45720" rIns="91440" bIns="45720" rtlCol="0">
+            <a:normAutofit/>
+          </a:bodyPr>
+          <a:lstStyle>
+            <a:lvl1pPr marL="342900" indent="-342900" algn="l" defTabSz="457200" rtl="0" eaLnBrk="1" latinLnBrk="0" hangingPunct="1">
+              <a:spcBef>
+                <a:spcPts val="1000"/>
+              </a:spcBef>
+              <a:spcAft>
+                <a:spcPts val="0"/>
+              </a:spcAft>
+              <a:buClr>
+                <a:schemeClr val="accent1"/>
+              </a:buClr>
+              <a:buFont typeface="Wingdings 3" charset="2"/>
+              <a:buChar char=""/>
+              <a:defRPr sz="1800" kern="1200">
+                <a:solidFill>
+                  <a:schemeClr val="tx1">
+                    <a:lumMod val="75000"/>
+                    <a:lumOff val="25000"/>
+                  </a:schemeClr>
+                </a:solidFill>
+                <a:latin typeface="+mn-lt"/>
+                <a:ea typeface="+mn-ea"/>
+                <a:cs typeface="+mn-cs"/>
+              </a:defRPr>
+            </a:lvl1pPr>
+            <a:lvl2pPr marL="742950" indent="-285750" algn="l" defTabSz="457200" rtl="0" eaLnBrk="1" latinLnBrk="0" hangingPunct="1">
+              <a:spcBef>
+                <a:spcPts val="1000"/>
+              </a:spcBef>
+              <a:spcAft>
+                <a:spcPts val="0"/>
+              </a:spcAft>
+              <a:buClr>
+                <a:schemeClr val="accent1"/>
+              </a:buClr>
+              <a:buFont typeface="Wingdings 3" charset="2"/>
+              <a:buChar char=""/>
+              <a:defRPr sz="1600" kern="1200">
+                <a:solidFill>
+                  <a:schemeClr val="tx1">
+                    <a:lumMod val="75000"/>
+                    <a:lumOff val="25000"/>
+                  </a:schemeClr>
+                </a:solidFill>
+                <a:latin typeface="+mn-lt"/>
+                <a:ea typeface="+mn-ea"/>
+                <a:cs typeface="+mn-cs"/>
+              </a:defRPr>
+            </a:lvl2pPr>
+            <a:lvl3pPr marL="1143000" indent="-228600" algn="l" defTabSz="457200" rtl="0" eaLnBrk="1" latinLnBrk="0" hangingPunct="1">
+              <a:spcBef>
+                <a:spcPts val="1000"/>
+              </a:spcBef>
+              <a:spcAft>
+                <a:spcPts val="0"/>
+              </a:spcAft>
+              <a:buClr>
+                <a:schemeClr val="accent1"/>
+              </a:buClr>
+              <a:buFont typeface="Wingdings 3" charset="2"/>
+              <a:buChar char=""/>
+              <a:defRPr sz="1400" kern="1200">
+                <a:solidFill>
+                  <a:schemeClr val="tx1">
+                    <a:lumMod val="75000"/>
+                    <a:lumOff val="25000"/>
+                  </a:schemeClr>
+                </a:solidFill>
+                <a:latin typeface="+mn-lt"/>
+                <a:ea typeface="+mn-ea"/>
+                <a:cs typeface="+mn-cs"/>
+              </a:defRPr>
+            </a:lvl3pPr>
+            <a:lvl4pPr marL="1600200" indent="-228600" algn="l" defTabSz="457200" rtl="0" eaLnBrk="1" latinLnBrk="0" hangingPunct="1">
+              <a:spcBef>
+                <a:spcPts val="1000"/>
+              </a:spcBef>
+              <a:spcAft>
+                <a:spcPts val="0"/>
+              </a:spcAft>
+              <a:buClr>
+                <a:schemeClr val="accent1"/>
+              </a:buClr>
+              <a:buFont typeface="Wingdings 3" charset="2"/>
+              <a:buChar char=""/>
+              <a:defRPr sz="1200" kern="1200">
+                <a:solidFill>
+                  <a:schemeClr val="tx1">
+                    <a:lumMod val="75000"/>
+                    <a:lumOff val="25000"/>
+                  </a:schemeClr>
+                </a:solidFill>
+                <a:latin typeface="+mn-lt"/>
+                <a:ea typeface="+mn-ea"/>
+                <a:cs typeface="+mn-cs"/>
+              </a:defRPr>
+            </a:lvl4pPr>
+            <a:lvl5pPr marL="2057400" indent="-228600" algn="l" defTabSz="457200" rtl="0" eaLnBrk="1" latinLnBrk="0" hangingPunct="1">
+              <a:spcBef>
+                <a:spcPts val="1000"/>
+              </a:spcBef>
+              <a:spcAft>
+                <a:spcPts val="0"/>
+              </a:spcAft>
+              <a:buClr>
+                <a:schemeClr val="accent1"/>
+              </a:buClr>
+              <a:buFont typeface="Wingdings 3" charset="2"/>
+              <a:buChar char=""/>
+              <a:defRPr sz="1200" kern="1200">
+                <a:solidFill>
+                  <a:schemeClr val="tx1">
+                    <a:lumMod val="75000"/>
+                    <a:lumOff val="25000"/>
+                  </a:schemeClr>
+                </a:solidFill>
+                <a:latin typeface="+mn-lt"/>
+                <a:ea typeface="+mn-ea"/>
+                <a:cs typeface="+mn-cs"/>
+              </a:defRPr>
+            </a:lvl5pPr>
+            <a:lvl6pPr marL="2514600" indent="-228600" algn="l" defTabSz="457200" rtl="0" eaLnBrk="1" latinLnBrk="0" hangingPunct="1">
+              <a:spcBef>
+                <a:spcPts val="1000"/>
+              </a:spcBef>
+              <a:spcAft>
+                <a:spcPts val="0"/>
+              </a:spcAft>
+              <a:buClr>
+                <a:schemeClr val="accent1"/>
+              </a:buClr>
+              <a:buFont typeface="Wingdings 3" charset="2"/>
+              <a:buChar char=""/>
+              <a:defRPr sz="1200" kern="1200">
+                <a:solidFill>
+                  <a:schemeClr val="tx1">
+                    <a:lumMod val="75000"/>
+                    <a:lumOff val="25000"/>
+                  </a:schemeClr>
+                </a:solidFill>
+                <a:latin typeface="+mn-lt"/>
+                <a:ea typeface="+mn-ea"/>
+                <a:cs typeface="+mn-cs"/>
+              </a:defRPr>
+            </a:lvl6pPr>
+            <a:lvl7pPr marL="2971800" indent="-228600" algn="l" defTabSz="457200" rtl="0" eaLnBrk="1" latinLnBrk="0" hangingPunct="1">
+              <a:spcBef>
+                <a:spcPts val="1000"/>
+              </a:spcBef>
+              <a:spcAft>
+                <a:spcPts val="0"/>
+              </a:spcAft>
+              <a:buClr>
+                <a:schemeClr val="accent1"/>
+              </a:buClr>
+              <a:buFont typeface="Wingdings 3" charset="2"/>
+              <a:buChar char=""/>
+              <a:defRPr sz="1200" kern="1200">
+                <a:solidFill>
+                  <a:schemeClr val="tx1">
+                    <a:lumMod val="75000"/>
+                    <a:lumOff val="25000"/>
+                  </a:schemeClr>
+                </a:solidFill>
+                <a:latin typeface="+mn-lt"/>
+                <a:ea typeface="+mn-ea"/>
+                <a:cs typeface="+mn-cs"/>
+              </a:defRPr>
+            </a:lvl7pPr>
+            <a:lvl8pPr marL="3429000" indent="-228600" algn="l" defTabSz="457200" rtl="0" eaLnBrk="1" latinLnBrk="0" hangingPunct="1">
+              <a:spcBef>
+                <a:spcPts val="1000"/>
+              </a:spcBef>
+              <a:spcAft>
+                <a:spcPts val="0"/>
+              </a:spcAft>
+              <a:buClr>
+                <a:schemeClr val="accent1"/>
+              </a:buClr>
+              <a:buFont typeface="Wingdings 3" charset="2"/>
+              <a:buChar char=""/>
+              <a:defRPr sz="1200" kern="1200">
+                <a:solidFill>
+                  <a:schemeClr val="tx1">
+                    <a:lumMod val="75000"/>
+                    <a:lumOff val="25000"/>
+                  </a:schemeClr>
+                </a:solidFill>
+                <a:latin typeface="+mn-lt"/>
+                <a:ea typeface="+mn-ea"/>
+                <a:cs typeface="+mn-cs"/>
+              </a:defRPr>
+            </a:lvl8pPr>
+            <a:lvl9pPr marL="3886200" indent="-228600" algn="l" defTabSz="457200" rtl="0" eaLnBrk="1" latinLnBrk="0" hangingPunct="1">
+              <a:spcBef>
+                <a:spcPts val="1000"/>
+              </a:spcBef>
+              <a:spcAft>
+                <a:spcPts val="0"/>
+              </a:spcAft>
+              <a:buClr>
+                <a:schemeClr val="accent1"/>
+              </a:buClr>
+              <a:buFont typeface="Wingdings 3" charset="2"/>
+              <a:buChar char=""/>
+              <a:defRPr sz="1200" kern="1200">
+                <a:solidFill>
+                  <a:schemeClr val="tx1">
+                    <a:lumMod val="75000"/>
+                    <a:lumOff val="25000"/>
+                  </a:schemeClr>
+                </a:solidFill>
+                <a:latin typeface="+mn-lt"/>
+                <a:ea typeface="+mn-ea"/>
+                <a:cs typeface="+mn-cs"/>
+              </a:defRPr>
+            </a:lvl9pPr>
+          </a:lstStyle>
+          <a:p>
+            <a:r>
+              <a:rPr lang="en-US" dirty="0"/>
+              <a:t>Design</a:t>
+            </a:r>
+          </a:p>
+          <a:p>
+            <a:pPr lvl="1"/>
+            <a:r>
+              <a:rPr lang="en-US" dirty="0"/>
+              <a:t>Jumpers	</a:t>
+            </a:r>
+          </a:p>
+          <a:p>
+            <a:pPr lvl="1"/>
+            <a:r>
+              <a:rPr lang="en-US" b="1" dirty="0"/>
+              <a:t>Serial Port</a:t>
+            </a:r>
+          </a:p>
+          <a:p>
+            <a:pPr lvl="1"/>
+            <a:r>
+              <a:rPr lang="en-US" dirty="0"/>
+              <a:t>JTAG Port</a:t>
+            </a:r>
+          </a:p>
+          <a:p>
+            <a:pPr marL="457200" lvl="1" indent="0">
+              <a:buFont typeface="Wingdings 3" charset="2"/>
               <a:buNone/>
             </a:pPr>
             <a:endParaRPr lang="en-US" dirty="0"/>
@@ -17218,6 +18047,653 @@
   <p:clrMapOvr>
     <a:masterClrMapping/>
   </p:clrMapOvr>
+  <p:timing>
+    <p:tnLst>
+      <p:par>
+        <p:cTn id="1" dur="indefinite" restart="never" nodeType="tmRoot">
+          <p:childTnLst>
+            <p:seq concurrent="1" nextAc="seek">
+              <p:cTn id="2" dur="indefinite" nodeType="mainSeq">
+                <p:childTnLst>
+                  <p:par>
+                    <p:cTn id="3" fill="hold">
+                      <p:stCondLst>
+                        <p:cond delay="indefinite"/>
+                      </p:stCondLst>
+                      <p:childTnLst>
+                        <p:par>
+                          <p:cTn id="4" fill="hold">
+                            <p:stCondLst>
+                              <p:cond delay="0"/>
+                            </p:stCondLst>
+                            <p:childTnLst>
+                              <p:par>
+                                <p:cTn id="5" presetID="10" presetClass="entr" presetSubtype="0" fill="hold" grpId="0" nodeType="clickEffect">
+                                  <p:stCondLst>
+                                    <p:cond delay="0"/>
+                                  </p:stCondLst>
+                                  <p:childTnLst>
+                                    <p:set>
+                                      <p:cBhvr>
+                                        <p:cTn id="6" dur="1" fill="hold">
+                                          <p:stCondLst>
+                                            <p:cond delay="0"/>
+                                          </p:stCondLst>
+                                        </p:cTn>
+                                        <p:tgtEl>
+                                          <p:spTgt spid="7"/>
+                                        </p:tgtEl>
+                                        <p:attrNameLst>
+                                          <p:attrName>style.visibility</p:attrName>
+                                        </p:attrNameLst>
+                                      </p:cBhvr>
+                                      <p:to>
+                                        <p:strVal val="visible"/>
+                                      </p:to>
+                                    </p:set>
+                                    <p:animEffect transition="in" filter="fade">
+                                      <p:cBhvr>
+                                        <p:cTn id="7" dur="500"/>
+                                        <p:tgtEl>
+                                          <p:spTgt spid="7"/>
+                                        </p:tgtEl>
+                                      </p:cBhvr>
+                                    </p:animEffect>
+                                  </p:childTnLst>
+                                </p:cTn>
+                              </p:par>
+                              <p:par>
+                                <p:cTn id="8" presetID="10" presetClass="entr" presetSubtype="0" fill="hold" grpId="0" nodeType="withEffect">
+                                  <p:stCondLst>
+                                    <p:cond delay="0"/>
+                                  </p:stCondLst>
+                                  <p:childTnLst>
+                                    <p:set>
+                                      <p:cBhvr>
+                                        <p:cTn id="9" dur="1" fill="hold">
+                                          <p:stCondLst>
+                                            <p:cond delay="0"/>
+                                          </p:stCondLst>
+                                        </p:cTn>
+                                        <p:tgtEl>
+                                          <p:spTgt spid="9"/>
+                                        </p:tgtEl>
+                                        <p:attrNameLst>
+                                          <p:attrName>style.visibility</p:attrName>
+                                        </p:attrNameLst>
+                                      </p:cBhvr>
+                                      <p:to>
+                                        <p:strVal val="visible"/>
+                                      </p:to>
+                                    </p:set>
+                                    <p:animEffect transition="in" filter="fade">
+                                      <p:cBhvr>
+                                        <p:cTn id="10" dur="500"/>
+                                        <p:tgtEl>
+                                          <p:spTgt spid="9"/>
+                                        </p:tgtEl>
+                                      </p:cBhvr>
+                                    </p:animEffect>
+                                  </p:childTnLst>
+                                </p:cTn>
+                              </p:par>
+                              <p:par>
+                                <p:cTn id="11" presetID="10" presetClass="exit" presetSubtype="0" fill="hold" grpId="0" nodeType="withEffect">
+                                  <p:stCondLst>
+                                    <p:cond delay="0"/>
+                                  </p:stCondLst>
+                                  <p:childTnLst>
+                                    <p:animEffect transition="out" filter="fade">
+                                      <p:cBhvr>
+                                        <p:cTn id="12" dur="500"/>
+                                        <p:tgtEl>
+                                          <p:spTgt spid="3">
+                                            <p:txEl>
+                                              <p:pRg st="0" end="0"/>
+                                            </p:txEl>
+                                          </p:spTgt>
+                                        </p:tgtEl>
+                                      </p:cBhvr>
+                                    </p:animEffect>
+                                    <p:set>
+                                      <p:cBhvr>
+                                        <p:cTn id="13" dur="1" fill="hold">
+                                          <p:stCondLst>
+                                            <p:cond delay="499"/>
+                                          </p:stCondLst>
+                                        </p:cTn>
+                                        <p:tgtEl>
+                                          <p:spTgt spid="3">
+                                            <p:txEl>
+                                              <p:pRg st="0" end="0"/>
+                                            </p:txEl>
+                                          </p:spTgt>
+                                        </p:tgtEl>
+                                        <p:attrNameLst>
+                                          <p:attrName>style.visibility</p:attrName>
+                                        </p:attrNameLst>
+                                      </p:cBhvr>
+                                      <p:to>
+                                        <p:strVal val="hidden"/>
+                                      </p:to>
+                                    </p:set>
+                                  </p:childTnLst>
+                                </p:cTn>
+                              </p:par>
+                              <p:par>
+                                <p:cTn id="14" presetID="10" presetClass="exit" presetSubtype="0" fill="hold" grpId="0" nodeType="withEffect">
+                                  <p:stCondLst>
+                                    <p:cond delay="0"/>
+                                  </p:stCondLst>
+                                  <p:childTnLst>
+                                    <p:animEffect transition="out" filter="fade">
+                                      <p:cBhvr>
+                                        <p:cTn id="15" dur="500"/>
+                                        <p:tgtEl>
+                                          <p:spTgt spid="3">
+                                            <p:txEl>
+                                              <p:pRg st="1" end="1"/>
+                                            </p:txEl>
+                                          </p:spTgt>
+                                        </p:tgtEl>
+                                      </p:cBhvr>
+                                    </p:animEffect>
+                                    <p:set>
+                                      <p:cBhvr>
+                                        <p:cTn id="16" dur="1" fill="hold">
+                                          <p:stCondLst>
+                                            <p:cond delay="499"/>
+                                          </p:stCondLst>
+                                        </p:cTn>
+                                        <p:tgtEl>
+                                          <p:spTgt spid="3">
+                                            <p:txEl>
+                                              <p:pRg st="1" end="1"/>
+                                            </p:txEl>
+                                          </p:spTgt>
+                                        </p:tgtEl>
+                                        <p:attrNameLst>
+                                          <p:attrName>style.visibility</p:attrName>
+                                        </p:attrNameLst>
+                                      </p:cBhvr>
+                                      <p:to>
+                                        <p:strVal val="hidden"/>
+                                      </p:to>
+                                    </p:set>
+                                  </p:childTnLst>
+                                </p:cTn>
+                              </p:par>
+                              <p:par>
+                                <p:cTn id="17" presetID="10" presetClass="exit" presetSubtype="0" fill="hold" grpId="0" nodeType="withEffect">
+                                  <p:stCondLst>
+                                    <p:cond delay="0"/>
+                                  </p:stCondLst>
+                                  <p:childTnLst>
+                                    <p:animEffect transition="out" filter="fade">
+                                      <p:cBhvr>
+                                        <p:cTn id="18" dur="500"/>
+                                        <p:tgtEl>
+                                          <p:spTgt spid="3">
+                                            <p:txEl>
+                                              <p:pRg st="2" end="2"/>
+                                            </p:txEl>
+                                          </p:spTgt>
+                                        </p:tgtEl>
+                                      </p:cBhvr>
+                                    </p:animEffect>
+                                    <p:set>
+                                      <p:cBhvr>
+                                        <p:cTn id="19" dur="1" fill="hold">
+                                          <p:stCondLst>
+                                            <p:cond delay="499"/>
+                                          </p:stCondLst>
+                                        </p:cTn>
+                                        <p:tgtEl>
+                                          <p:spTgt spid="3">
+                                            <p:txEl>
+                                              <p:pRg st="2" end="2"/>
+                                            </p:txEl>
+                                          </p:spTgt>
+                                        </p:tgtEl>
+                                        <p:attrNameLst>
+                                          <p:attrName>style.visibility</p:attrName>
+                                        </p:attrNameLst>
+                                      </p:cBhvr>
+                                      <p:to>
+                                        <p:strVal val="hidden"/>
+                                      </p:to>
+                                    </p:set>
+                                  </p:childTnLst>
+                                </p:cTn>
+                              </p:par>
+                              <p:par>
+                                <p:cTn id="20" presetID="10" presetClass="exit" presetSubtype="0" fill="hold" grpId="0" nodeType="withEffect">
+                                  <p:stCondLst>
+                                    <p:cond delay="0"/>
+                                  </p:stCondLst>
+                                  <p:childTnLst>
+                                    <p:animEffect transition="out" filter="fade">
+                                      <p:cBhvr>
+                                        <p:cTn id="21" dur="500"/>
+                                        <p:tgtEl>
+                                          <p:spTgt spid="3">
+                                            <p:txEl>
+                                              <p:pRg st="3" end="3"/>
+                                            </p:txEl>
+                                          </p:spTgt>
+                                        </p:tgtEl>
+                                      </p:cBhvr>
+                                    </p:animEffect>
+                                    <p:set>
+                                      <p:cBhvr>
+                                        <p:cTn id="22" dur="1" fill="hold">
+                                          <p:stCondLst>
+                                            <p:cond delay="499"/>
+                                          </p:stCondLst>
+                                        </p:cTn>
+                                        <p:tgtEl>
+                                          <p:spTgt spid="3">
+                                            <p:txEl>
+                                              <p:pRg st="3" end="3"/>
+                                            </p:txEl>
+                                          </p:spTgt>
+                                        </p:tgtEl>
+                                        <p:attrNameLst>
+                                          <p:attrName>style.visibility</p:attrName>
+                                        </p:attrNameLst>
+                                      </p:cBhvr>
+                                      <p:to>
+                                        <p:strVal val="hidden"/>
+                                      </p:to>
+                                    </p:set>
+                                  </p:childTnLst>
+                                </p:cTn>
+                              </p:par>
+                              <p:par>
+                                <p:cTn id="23" presetID="10" presetClass="exit" presetSubtype="0" fill="hold" grpId="0" nodeType="withEffect">
+                                  <p:stCondLst>
+                                    <p:cond delay="0"/>
+                                  </p:stCondLst>
+                                  <p:childTnLst>
+                                    <p:animEffect transition="out" filter="fade">
+                                      <p:cBhvr>
+                                        <p:cTn id="24" dur="500"/>
+                                        <p:tgtEl>
+                                          <p:spTgt spid="3">
+                                            <p:txEl>
+                                              <p:pRg st="5" end="5"/>
+                                            </p:txEl>
+                                          </p:spTgt>
+                                        </p:tgtEl>
+                                      </p:cBhvr>
+                                    </p:animEffect>
+                                    <p:set>
+                                      <p:cBhvr>
+                                        <p:cTn id="25" dur="1" fill="hold">
+                                          <p:stCondLst>
+                                            <p:cond delay="499"/>
+                                          </p:stCondLst>
+                                        </p:cTn>
+                                        <p:tgtEl>
+                                          <p:spTgt spid="3">
+                                            <p:txEl>
+                                              <p:pRg st="5" end="5"/>
+                                            </p:txEl>
+                                          </p:spTgt>
+                                        </p:tgtEl>
+                                        <p:attrNameLst>
+                                          <p:attrName>style.visibility</p:attrName>
+                                        </p:attrNameLst>
+                                      </p:cBhvr>
+                                      <p:to>
+                                        <p:strVal val="hidden"/>
+                                      </p:to>
+                                    </p:set>
+                                  </p:childTnLst>
+                                </p:cTn>
+                              </p:par>
+                              <p:par>
+                                <p:cTn id="26" presetID="10" presetClass="exit" presetSubtype="0" fill="hold" grpId="0" nodeType="withEffect">
+                                  <p:stCondLst>
+                                    <p:cond delay="0"/>
+                                  </p:stCondLst>
+                                  <p:childTnLst>
+                                    <p:animEffect transition="out" filter="fade">
+                                      <p:cBhvr>
+                                        <p:cTn id="27" dur="500"/>
+                                        <p:tgtEl>
+                                          <p:spTgt spid="3">
+                                            <p:txEl>
+                                              <p:pRg st="6" end="6"/>
+                                            </p:txEl>
+                                          </p:spTgt>
+                                        </p:tgtEl>
+                                      </p:cBhvr>
+                                    </p:animEffect>
+                                    <p:set>
+                                      <p:cBhvr>
+                                        <p:cTn id="28" dur="1" fill="hold">
+                                          <p:stCondLst>
+                                            <p:cond delay="499"/>
+                                          </p:stCondLst>
+                                        </p:cTn>
+                                        <p:tgtEl>
+                                          <p:spTgt spid="3">
+                                            <p:txEl>
+                                              <p:pRg st="6" end="6"/>
+                                            </p:txEl>
+                                          </p:spTgt>
+                                        </p:tgtEl>
+                                        <p:attrNameLst>
+                                          <p:attrName>style.visibility</p:attrName>
+                                        </p:attrNameLst>
+                                      </p:cBhvr>
+                                      <p:to>
+                                        <p:strVal val="hidden"/>
+                                      </p:to>
+                                    </p:set>
+                                  </p:childTnLst>
+                                </p:cTn>
+                              </p:par>
+                              <p:par>
+                                <p:cTn id="29" presetID="10" presetClass="exit" presetSubtype="0" fill="hold" grpId="0" nodeType="withEffect">
+                                  <p:stCondLst>
+                                    <p:cond delay="0"/>
+                                  </p:stCondLst>
+                                  <p:childTnLst>
+                                    <p:animEffect transition="out" filter="fade">
+                                      <p:cBhvr>
+                                        <p:cTn id="30" dur="500"/>
+                                        <p:tgtEl>
+                                          <p:spTgt spid="3">
+                                            <p:txEl>
+                                              <p:pRg st="7" end="7"/>
+                                            </p:txEl>
+                                          </p:spTgt>
+                                        </p:tgtEl>
+                                      </p:cBhvr>
+                                    </p:animEffect>
+                                    <p:set>
+                                      <p:cBhvr>
+                                        <p:cTn id="31" dur="1" fill="hold">
+                                          <p:stCondLst>
+                                            <p:cond delay="499"/>
+                                          </p:stCondLst>
+                                        </p:cTn>
+                                        <p:tgtEl>
+                                          <p:spTgt spid="3">
+                                            <p:txEl>
+                                              <p:pRg st="7" end="7"/>
+                                            </p:txEl>
+                                          </p:spTgt>
+                                        </p:tgtEl>
+                                        <p:attrNameLst>
+                                          <p:attrName>style.visibility</p:attrName>
+                                        </p:attrNameLst>
+                                      </p:cBhvr>
+                                      <p:to>
+                                        <p:strVal val="hidden"/>
+                                      </p:to>
+                                    </p:set>
+                                  </p:childTnLst>
+                                </p:cTn>
+                              </p:par>
+                              <p:par>
+                                <p:cTn id="32" presetID="10" presetClass="exit" presetSubtype="0" fill="hold" grpId="0" nodeType="withEffect">
+                                  <p:stCondLst>
+                                    <p:cond delay="0"/>
+                                  </p:stCondLst>
+                                  <p:childTnLst>
+                                    <p:animEffect transition="out" filter="fade">
+                                      <p:cBhvr>
+                                        <p:cTn id="33" dur="500"/>
+                                        <p:tgtEl>
+                                          <p:spTgt spid="3">
+                                            <p:txEl>
+                                              <p:pRg st="8" end="8"/>
+                                            </p:txEl>
+                                          </p:spTgt>
+                                        </p:tgtEl>
+                                      </p:cBhvr>
+                                    </p:animEffect>
+                                    <p:set>
+                                      <p:cBhvr>
+                                        <p:cTn id="34" dur="1" fill="hold">
+                                          <p:stCondLst>
+                                            <p:cond delay="499"/>
+                                          </p:stCondLst>
+                                        </p:cTn>
+                                        <p:tgtEl>
+                                          <p:spTgt spid="3">
+                                            <p:txEl>
+                                              <p:pRg st="8" end="8"/>
+                                            </p:txEl>
+                                          </p:spTgt>
+                                        </p:tgtEl>
+                                        <p:attrNameLst>
+                                          <p:attrName>style.visibility</p:attrName>
+                                        </p:attrNameLst>
+                                      </p:cBhvr>
+                                      <p:to>
+                                        <p:strVal val="hidden"/>
+                                      </p:to>
+                                    </p:set>
+                                  </p:childTnLst>
+                                </p:cTn>
+                              </p:par>
+                            </p:childTnLst>
+                          </p:cTn>
+                        </p:par>
+                      </p:childTnLst>
+                    </p:cTn>
+                  </p:par>
+                  <p:par>
+                    <p:cTn id="35" fill="hold">
+                      <p:stCondLst>
+                        <p:cond delay="indefinite"/>
+                      </p:stCondLst>
+                      <p:childTnLst>
+                        <p:par>
+                          <p:cTn id="36" fill="hold">
+                            <p:stCondLst>
+                              <p:cond delay="0"/>
+                            </p:stCondLst>
+                            <p:childTnLst>
+                              <p:par>
+                                <p:cTn id="37" presetID="10" presetClass="exit" presetSubtype="0" fill="hold" grpId="1" nodeType="clickEffect">
+                                  <p:stCondLst>
+                                    <p:cond delay="0"/>
+                                  </p:stCondLst>
+                                  <p:childTnLst>
+                                    <p:animEffect transition="out" filter="fade">
+                                      <p:cBhvr>
+                                        <p:cTn id="38" dur="500"/>
+                                        <p:tgtEl>
+                                          <p:spTgt spid="7"/>
+                                        </p:tgtEl>
+                                      </p:cBhvr>
+                                    </p:animEffect>
+                                    <p:set>
+                                      <p:cBhvr>
+                                        <p:cTn id="39" dur="1" fill="hold">
+                                          <p:stCondLst>
+                                            <p:cond delay="499"/>
+                                          </p:stCondLst>
+                                        </p:cTn>
+                                        <p:tgtEl>
+                                          <p:spTgt spid="7"/>
+                                        </p:tgtEl>
+                                        <p:attrNameLst>
+                                          <p:attrName>style.visibility</p:attrName>
+                                        </p:attrNameLst>
+                                      </p:cBhvr>
+                                      <p:to>
+                                        <p:strVal val="hidden"/>
+                                      </p:to>
+                                    </p:set>
+                                  </p:childTnLst>
+                                </p:cTn>
+                              </p:par>
+                            </p:childTnLst>
+                          </p:cTn>
+                        </p:par>
+                        <p:par>
+                          <p:cTn id="40" fill="hold">
+                            <p:stCondLst>
+                              <p:cond delay="500"/>
+                            </p:stCondLst>
+                            <p:childTnLst>
+                              <p:par>
+                                <p:cTn id="41" presetID="10" presetClass="entr" presetSubtype="0" fill="hold" grpId="0" nodeType="afterEffect">
+                                  <p:stCondLst>
+                                    <p:cond delay="0"/>
+                                  </p:stCondLst>
+                                  <p:childTnLst>
+                                    <p:set>
+                                      <p:cBhvr>
+                                        <p:cTn id="42" dur="1" fill="hold">
+                                          <p:stCondLst>
+                                            <p:cond delay="0"/>
+                                          </p:stCondLst>
+                                        </p:cTn>
+                                        <p:tgtEl>
+                                          <p:spTgt spid="8"/>
+                                        </p:tgtEl>
+                                        <p:attrNameLst>
+                                          <p:attrName>style.visibility</p:attrName>
+                                        </p:attrNameLst>
+                                      </p:cBhvr>
+                                      <p:to>
+                                        <p:strVal val="visible"/>
+                                      </p:to>
+                                    </p:set>
+                                    <p:animEffect transition="in" filter="fade">
+                                      <p:cBhvr>
+                                        <p:cTn id="43" dur="500"/>
+                                        <p:tgtEl>
+                                          <p:spTgt spid="8"/>
+                                        </p:tgtEl>
+                                      </p:cBhvr>
+                                    </p:animEffect>
+                                  </p:childTnLst>
+                                </p:cTn>
+                              </p:par>
+                            </p:childTnLst>
+                          </p:cTn>
+                        </p:par>
+                        <p:par>
+                          <p:cTn id="44" fill="hold">
+                            <p:stCondLst>
+                              <p:cond delay="1000"/>
+                            </p:stCondLst>
+                            <p:childTnLst>
+                              <p:par>
+                                <p:cTn id="45" presetID="10" presetClass="entr" presetSubtype="0" fill="hold" grpId="0" nodeType="afterEffect">
+                                  <p:stCondLst>
+                                    <p:cond delay="0"/>
+                                  </p:stCondLst>
+                                  <p:childTnLst>
+                                    <p:set>
+                                      <p:cBhvr>
+                                        <p:cTn id="46" dur="1" fill="hold">
+                                          <p:stCondLst>
+                                            <p:cond delay="0"/>
+                                          </p:stCondLst>
+                                        </p:cTn>
+                                        <p:tgtEl>
+                                          <p:spTgt spid="10"/>
+                                        </p:tgtEl>
+                                        <p:attrNameLst>
+                                          <p:attrName>style.visibility</p:attrName>
+                                        </p:attrNameLst>
+                                      </p:cBhvr>
+                                      <p:to>
+                                        <p:strVal val="visible"/>
+                                      </p:to>
+                                    </p:set>
+                                    <p:animEffect transition="in" filter="fade">
+                                      <p:cBhvr>
+                                        <p:cTn id="47" dur="500"/>
+                                        <p:tgtEl>
+                                          <p:spTgt spid="10"/>
+                                        </p:tgtEl>
+                                      </p:cBhvr>
+                                    </p:animEffect>
+                                  </p:childTnLst>
+                                </p:cTn>
+                              </p:par>
+                              <p:par>
+                                <p:cTn id="48" presetID="10" presetClass="exit" presetSubtype="0" fill="hold" grpId="1" nodeType="withEffect">
+                                  <p:stCondLst>
+                                    <p:cond delay="0"/>
+                                  </p:stCondLst>
+                                  <p:childTnLst>
+                                    <p:animEffect transition="out" filter="fade">
+                                      <p:cBhvr>
+                                        <p:cTn id="49" dur="500"/>
+                                        <p:tgtEl>
+                                          <p:spTgt spid="9"/>
+                                        </p:tgtEl>
+                                      </p:cBhvr>
+                                    </p:animEffect>
+                                    <p:set>
+                                      <p:cBhvr>
+                                        <p:cTn id="50" dur="1" fill="hold">
+                                          <p:stCondLst>
+                                            <p:cond delay="499"/>
+                                          </p:stCondLst>
+                                        </p:cTn>
+                                        <p:tgtEl>
+                                          <p:spTgt spid="9"/>
+                                        </p:tgtEl>
+                                        <p:attrNameLst>
+                                          <p:attrName>style.visibility</p:attrName>
+                                        </p:attrNameLst>
+                                      </p:cBhvr>
+                                      <p:to>
+                                        <p:strVal val="hidden"/>
+                                      </p:to>
+                                    </p:set>
+                                  </p:childTnLst>
+                                </p:cTn>
+                              </p:par>
+                            </p:childTnLst>
+                          </p:cTn>
+                        </p:par>
+                      </p:childTnLst>
+                    </p:cTn>
+                  </p:par>
+                </p:childTnLst>
+              </p:cTn>
+              <p:prevCondLst>
+                <p:cond evt="onPrev" delay="0">
+                  <p:tgtEl>
+                    <p:sldTgt/>
+                  </p:tgtEl>
+                </p:cond>
+              </p:prevCondLst>
+              <p:nextCondLst>
+                <p:cond evt="onNext" delay="0">
+                  <p:tgtEl>
+                    <p:sldTgt/>
+                  </p:tgtEl>
+                </p:cond>
+              </p:nextCondLst>
+            </p:seq>
+          </p:childTnLst>
+        </p:cTn>
+      </p:par>
+    </p:tnLst>
+    <p:bldLst>
+      <p:bldP spid="3" grpId="0" build="p"/>
+      <p:bldP spid="7" grpId="0" animBg="1"/>
+      <p:bldP spid="7" grpId="1" animBg="1"/>
+      <p:bldP spid="8" grpId="0" animBg="1"/>
+      <p:bldP spid="9" grpId="0"/>
+      <p:bldP spid="9" grpId="1"/>
+      <p:bldP spid="10" grpId="0"/>
+    </p:bldLst>
+  </p:timing>
 </p:sld>
 </file>
 

--- a/Suppl/Pivotal Presentation - DTECTS.pptx
+++ b/Suppl/Pivotal Presentation - DTECTS.pptx
@@ -5,7 +5,7 @@
     <p:sldMasterId id="2147483648" r:id="rId1"/>
   </p:sldMasterIdLst>
   <p:notesMasterIdLst>
-    <p:notesMasterId r:id="rId25"/>
+    <p:notesMasterId r:id="rId26"/>
   </p:notesMasterIdLst>
   <p:sldIdLst>
     <p:sldId id="302" r:id="rId2"/>
@@ -20,17 +20,18 @@
     <p:sldId id="296" r:id="rId11"/>
     <p:sldId id="298" r:id="rId12"/>
     <p:sldId id="291" r:id="rId13"/>
-    <p:sldId id="295" r:id="rId14"/>
-    <p:sldId id="294" r:id="rId15"/>
-    <p:sldId id="293" r:id="rId16"/>
-    <p:sldId id="292" r:id="rId17"/>
-    <p:sldId id="283" r:id="rId18"/>
-    <p:sldId id="284" r:id="rId19"/>
-    <p:sldId id="286" r:id="rId20"/>
-    <p:sldId id="287" r:id="rId21"/>
-    <p:sldId id="288" r:id="rId22"/>
-    <p:sldId id="290" r:id="rId23"/>
-    <p:sldId id="289" r:id="rId24"/>
+    <p:sldId id="304" r:id="rId14"/>
+    <p:sldId id="295" r:id="rId15"/>
+    <p:sldId id="294" r:id="rId16"/>
+    <p:sldId id="293" r:id="rId17"/>
+    <p:sldId id="292" r:id="rId18"/>
+    <p:sldId id="283" r:id="rId19"/>
+    <p:sldId id="284" r:id="rId20"/>
+    <p:sldId id="286" r:id="rId21"/>
+    <p:sldId id="287" r:id="rId22"/>
+    <p:sldId id="288" r:id="rId23"/>
+    <p:sldId id="290" r:id="rId24"/>
+    <p:sldId id="289" r:id="rId25"/>
   </p:sldIdLst>
   <p:sldSz cx="12192000" cy="6858000"/>
   <p:notesSz cx="6858000" cy="9144000"/>
@@ -1364,7 +1365,7 @@
             </a:pPr>
             <a:r>
               <a:rPr lang="en-US" dirty="0"/>
-              <a:t>Uniform naming schema</a:t>
+              <a:t>Clear segmentation and modularization of design</a:t>
             </a:r>
           </a:p>
           <a:p>
@@ -1374,7 +1375,7 @@
             </a:pPr>
             <a:r>
               <a:rPr lang="en-US" dirty="0"/>
-              <a:t>Consistent, uniform symbols</a:t>
+              <a:t>Uniform, consistent layout</a:t>
             </a:r>
           </a:p>
           <a:p>
@@ -1384,7 +1385,7 @@
             </a:pPr>
             <a:r>
               <a:rPr lang="en-US" dirty="0"/>
-              <a:t>Complete silkscreen &amp; outline markup</a:t>
+              <a:t>Clear labelling with notes</a:t>
             </a:r>
           </a:p>
         </p:txBody>
@@ -1415,7 +1416,7 @@
     </p:spTree>
     <p:extLst>
       <p:ext uri="{BB962C8B-B14F-4D97-AF65-F5344CB8AC3E}">
-        <p14:creationId xmlns:p14="http://schemas.microsoft.com/office/powerpoint/2010/main" val="3592769984"/>
+        <p14:creationId xmlns:p14="http://schemas.microsoft.com/office/powerpoint/2010/main" val="1690426285"/>
       </p:ext>
     </p:extLst>
   </p:cSld>
@@ -1475,7 +1476,7 @@
             </a:pPr>
             <a:r>
               <a:rPr lang="en-US" dirty="0"/>
-              <a:t>Clear segmentation and modularization of design</a:t>
+              <a:t>Uniform naming schema</a:t>
             </a:r>
           </a:p>
           <a:p>
@@ -1485,7 +1486,7 @@
             </a:pPr>
             <a:r>
               <a:rPr lang="en-US" dirty="0"/>
-              <a:t>Consistent part selection</a:t>
+              <a:t>Consistent, uniform symbols</a:t>
             </a:r>
           </a:p>
           <a:p>
@@ -1495,25 +1496,8 @@
             </a:pPr>
             <a:r>
               <a:rPr lang="en-US" dirty="0"/>
-              <a:t>Clean selection and placement for external I/O</a:t>
-            </a:r>
-          </a:p>
-          <a:p>
-            <a:pPr marL="171450" indent="-171450">
-              <a:buFontTx/>
-              <a:buChar char="-"/>
-            </a:pPr>
-            <a:r>
-              <a:rPr lang="en-US" dirty="0"/>
-              <a:t>Design flexibility for future expansion</a:t>
-            </a:r>
-          </a:p>
-          <a:p>
-            <a:pPr marL="171450" indent="-171450">
-              <a:buFontTx/>
-              <a:buChar char="-"/>
-            </a:pPr>
-            <a:endParaRPr lang="en-US" dirty="0"/>
+              <a:t>Complete silkscreen &amp; outline markup</a:t>
+            </a:r>
           </a:p>
         </p:txBody>
       </p:sp>
@@ -1543,7 +1527,7 @@
     </p:spTree>
     <p:extLst>
       <p:ext uri="{BB962C8B-B14F-4D97-AF65-F5344CB8AC3E}">
-        <p14:creationId xmlns:p14="http://schemas.microsoft.com/office/powerpoint/2010/main" val="2959733451"/>
+        <p14:creationId xmlns:p14="http://schemas.microsoft.com/office/powerpoint/2010/main" val="3592769984"/>
       </p:ext>
     </p:extLst>
   </p:cSld>
@@ -1597,9 +1581,49 @@
           <a:bodyPr/>
           <a:lstStyle/>
           <a:p>
-            <a:pPr marL="0" indent="0">
+            <a:pPr marL="171450" indent="-171450">
               <a:buFontTx/>
-              <a:buNone/>
+              <a:buChar char="-"/>
+            </a:pPr>
+            <a:r>
+              <a:rPr lang="en-US" dirty="0"/>
+              <a:t>Clear segmentation and modularization of design</a:t>
+            </a:r>
+          </a:p>
+          <a:p>
+            <a:pPr marL="171450" indent="-171450">
+              <a:buFontTx/>
+              <a:buChar char="-"/>
+            </a:pPr>
+            <a:r>
+              <a:rPr lang="en-US" dirty="0"/>
+              <a:t>Consistent part selection</a:t>
+            </a:r>
+          </a:p>
+          <a:p>
+            <a:pPr marL="171450" indent="-171450">
+              <a:buFontTx/>
+              <a:buChar char="-"/>
+            </a:pPr>
+            <a:r>
+              <a:rPr lang="en-US" dirty="0"/>
+              <a:t>Clean selection and placement for external I/O</a:t>
+            </a:r>
+          </a:p>
+          <a:p>
+            <a:pPr marL="171450" indent="-171450">
+              <a:buFontTx/>
+              <a:buChar char="-"/>
+            </a:pPr>
+            <a:r>
+              <a:rPr lang="en-US" dirty="0"/>
+              <a:t>Design flexibility for future expansion</a:t>
+            </a:r>
+          </a:p>
+          <a:p>
+            <a:pPr marL="171450" indent="-171450">
+              <a:buFontTx/>
+              <a:buChar char="-"/>
             </a:pPr>
             <a:endParaRPr lang="en-US" dirty="0"/>
           </a:p>
@@ -1631,7 +1655,7 @@
     </p:spTree>
     <p:extLst>
       <p:ext uri="{BB962C8B-B14F-4D97-AF65-F5344CB8AC3E}">
-        <p14:creationId xmlns:p14="http://schemas.microsoft.com/office/powerpoint/2010/main" val="3749563727"/>
+        <p14:creationId xmlns:p14="http://schemas.microsoft.com/office/powerpoint/2010/main" val="2959733451"/>
       </p:ext>
     </p:extLst>
   </p:cSld>
@@ -1719,7 +1743,7 @@
     </p:spTree>
     <p:extLst>
       <p:ext uri="{BB962C8B-B14F-4D97-AF65-F5344CB8AC3E}">
-        <p14:creationId xmlns:p14="http://schemas.microsoft.com/office/powerpoint/2010/main" val="1280536660"/>
+        <p14:creationId xmlns:p14="http://schemas.microsoft.com/office/powerpoint/2010/main" val="3749563727"/>
       </p:ext>
     </p:extLst>
   </p:cSld>
@@ -1773,46 +1797,6 @@
           <a:bodyPr/>
           <a:lstStyle/>
           <a:p>
-            <a:pPr marL="171450" indent="-171450">
-              <a:buFontTx/>
-              <a:buChar char="-"/>
-            </a:pPr>
-            <a:r>
-              <a:rPr lang="en-US" dirty="0"/>
-              <a:t>Unmet customer needs</a:t>
-            </a:r>
-          </a:p>
-          <a:p>
-            <a:pPr marL="171450" indent="-171450">
-              <a:buFontTx/>
-              <a:buChar char="-"/>
-            </a:pPr>
-            <a:r>
-              <a:rPr lang="en-US" dirty="0"/>
-              <a:t>Work scope identification</a:t>
-            </a:r>
-          </a:p>
-          <a:p>
-            <a:pPr marL="171450" indent="-171450">
-              <a:buFontTx/>
-              <a:buChar char="-"/>
-            </a:pPr>
-            <a:r>
-              <a:rPr lang="en-US" dirty="0"/>
-              <a:t>Espressif</a:t>
-            </a:r>
-          </a:p>
-          <a:p>
-            <a:pPr marL="171450" indent="-171450">
-              <a:buFontTx/>
-              <a:buChar char="-"/>
-            </a:pPr>
-            <a:r>
-              <a:rPr lang="en-US" dirty="0"/>
-              <a:t>Satisfying ambitious, abstract design needs</a:t>
-            </a:r>
-          </a:p>
-          <a:p>
             <a:pPr marL="0" indent="0">
               <a:buFontTx/>
               <a:buNone/>
@@ -1847,7 +1831,7 @@
     </p:spTree>
     <p:extLst>
       <p:ext uri="{BB962C8B-B14F-4D97-AF65-F5344CB8AC3E}">
-        <p14:creationId xmlns:p14="http://schemas.microsoft.com/office/powerpoint/2010/main" val="3236089897"/>
+        <p14:creationId xmlns:p14="http://schemas.microsoft.com/office/powerpoint/2010/main" val="1280536660"/>
       </p:ext>
     </p:extLst>
   </p:cSld>
@@ -1907,7 +1891,7 @@
             </a:pPr>
             <a:r>
               <a:rPr lang="en-US" dirty="0"/>
-              <a:t>Schematics</a:t>
+              <a:t>Unmet customer needs</a:t>
             </a:r>
           </a:p>
           <a:p>
@@ -1917,7 +1901,7 @@
             </a:pPr>
             <a:r>
               <a:rPr lang="en-US" dirty="0"/>
-              <a:t>Documentation</a:t>
+              <a:t>Work scope identification</a:t>
             </a:r>
           </a:p>
           <a:p>
@@ -1927,7 +1911,7 @@
             </a:pPr>
             <a:r>
               <a:rPr lang="en-US" dirty="0"/>
-              <a:t>Board Design</a:t>
+              <a:t>Espressif</a:t>
             </a:r>
           </a:p>
           <a:p>
@@ -1937,37 +1921,7 @@
             </a:pPr>
             <a:r>
               <a:rPr lang="en-US" dirty="0"/>
-              <a:t>Espressif bare-metal scope</a:t>
-            </a:r>
-          </a:p>
-          <a:p>
-            <a:pPr marL="171450" indent="-171450">
-              <a:buFontTx/>
-              <a:buChar char="-"/>
-            </a:pPr>
-            <a:r>
-              <a:rPr lang="en-US" dirty="0"/>
-              <a:t>Roadmap establish</a:t>
-            </a:r>
-          </a:p>
-          <a:p>
-            <a:pPr marL="171450" indent="-171450">
-              <a:buFontTx/>
-              <a:buChar char="-"/>
-            </a:pPr>
-            <a:r>
-              <a:rPr lang="en-US" dirty="0"/>
-              <a:t>Procedure Reference</a:t>
-            </a:r>
-          </a:p>
-          <a:p>
-            <a:pPr marL="171450" indent="-171450">
-              <a:buFontTx/>
-              <a:buChar char="-"/>
-            </a:pPr>
-            <a:r>
-              <a:rPr lang="en-US" dirty="0"/>
-              <a:t>GitHub</a:t>
+              <a:t>Satisfying ambitious, abstract design needs</a:t>
             </a:r>
           </a:p>
           <a:p>
@@ -2005,7 +1959,7 @@
     </p:spTree>
     <p:extLst>
       <p:ext uri="{BB962C8B-B14F-4D97-AF65-F5344CB8AC3E}">
-        <p14:creationId xmlns:p14="http://schemas.microsoft.com/office/powerpoint/2010/main" val="812602940"/>
+        <p14:creationId xmlns:p14="http://schemas.microsoft.com/office/powerpoint/2010/main" val="3236089897"/>
       </p:ext>
     </p:extLst>
   </p:cSld>
@@ -2065,7 +2019,7 @@
             </a:pPr>
             <a:r>
               <a:rPr lang="en-US" dirty="0"/>
-              <a:t>Communication</a:t>
+              <a:t>Schematics</a:t>
             </a:r>
           </a:p>
           <a:p>
@@ -2075,7 +2029,7 @@
             </a:pPr>
             <a:r>
               <a:rPr lang="en-US" dirty="0"/>
-              <a:t>Needs Identification &amp; Customer Relations</a:t>
+              <a:t>Documentation</a:t>
             </a:r>
           </a:p>
           <a:p>
@@ -2085,7 +2039,7 @@
             </a:pPr>
             <a:r>
               <a:rPr lang="en-US" dirty="0"/>
-              <a:t>Translation of Ambitions to Marketable Results</a:t>
+              <a:t>Board Design</a:t>
             </a:r>
           </a:p>
           <a:p>
@@ -2095,7 +2049,7 @@
             </a:pPr>
             <a:r>
               <a:rPr lang="en-US" dirty="0"/>
-              <a:t>EAGLE Ramp</a:t>
+              <a:t>Espressif bare-metal scope</a:t>
             </a:r>
           </a:p>
           <a:p>
@@ -2105,7 +2059,7 @@
             </a:pPr>
             <a:r>
               <a:rPr lang="en-US" dirty="0"/>
-              <a:t>Espressif Exposure &amp; Practice</a:t>
+              <a:t>Roadmap establish</a:t>
             </a:r>
           </a:p>
           <a:p>
@@ -2115,7 +2069,17 @@
             </a:pPr>
             <a:r>
               <a:rPr lang="en-US" dirty="0"/>
-              <a:t>Relationships</a:t>
+              <a:t>Procedure Reference</a:t>
+            </a:r>
+          </a:p>
+          <a:p>
+            <a:pPr marL="171450" indent="-171450">
+              <a:buFontTx/>
+              <a:buChar char="-"/>
+            </a:pPr>
+            <a:r>
+              <a:rPr lang="en-US" dirty="0"/>
+              <a:t>GitHub</a:t>
             </a:r>
           </a:p>
           <a:p>
@@ -2153,7 +2117,7 @@
     </p:spTree>
     <p:extLst>
       <p:ext uri="{BB962C8B-B14F-4D97-AF65-F5344CB8AC3E}">
-        <p14:creationId xmlns:p14="http://schemas.microsoft.com/office/powerpoint/2010/main" val="264461871"/>
+        <p14:creationId xmlns:p14="http://schemas.microsoft.com/office/powerpoint/2010/main" val="812602940"/>
       </p:ext>
     </p:extLst>
   </p:cSld>
@@ -2669,7 +2633,7 @@
             </a:pPr>
             <a:r>
               <a:rPr lang="en-US" dirty="0"/>
-              <a:t>Strengthened relations with Tomm</a:t>
+              <a:t>Communication</a:t>
             </a:r>
           </a:p>
           <a:p>
@@ -2679,7 +2643,7 @@
             </a:pPr>
             <a:r>
               <a:rPr lang="en-US" dirty="0"/>
-              <a:t>Tyler Brown Opportunity</a:t>
+              <a:t>Needs Identification &amp; Customer Relations</a:t>
             </a:r>
           </a:p>
           <a:p>
@@ -2689,7 +2653,7 @@
             </a:pPr>
             <a:r>
               <a:rPr lang="en-US" dirty="0"/>
-              <a:t>Billy Keogh Opportunity</a:t>
+              <a:t>Translation of Ambitions to Marketable Results</a:t>
             </a:r>
           </a:p>
           <a:p>
@@ -2699,7 +2663,7 @@
             </a:pPr>
             <a:r>
               <a:rPr lang="en-US" dirty="0"/>
-              <a:t>Jmr Opportunity</a:t>
+              <a:t>EAGLE Ramp</a:t>
             </a:r>
           </a:p>
           <a:p>
@@ -2709,7 +2673,7 @@
             </a:pPr>
             <a:r>
               <a:rPr lang="en-US" dirty="0"/>
-              <a:t>Mentor &amp; Network relations</a:t>
+              <a:t>Espressif Exposure &amp; Practice</a:t>
             </a:r>
           </a:p>
           <a:p>
@@ -2719,7 +2683,7 @@
             </a:pPr>
             <a:r>
               <a:rPr lang="en-US" dirty="0"/>
-              <a:t>Xylem &amp; Ergsense relations</a:t>
+              <a:t>Relationships</a:t>
             </a:r>
           </a:p>
           <a:p>
@@ -2757,7 +2721,7 @@
     </p:spTree>
     <p:extLst>
       <p:ext uri="{BB962C8B-B14F-4D97-AF65-F5344CB8AC3E}">
-        <p14:creationId xmlns:p14="http://schemas.microsoft.com/office/powerpoint/2010/main" val="3716442150"/>
+        <p14:creationId xmlns:p14="http://schemas.microsoft.com/office/powerpoint/2010/main" val="264461871"/>
       </p:ext>
     </p:extLst>
   </p:cSld>
@@ -2817,11 +2781,7 @@
             </a:pPr>
             <a:r>
               <a:rPr lang="en-US" dirty="0"/>
-              <a:t>Frame, sketch w/vision</a:t>
-            </a:r>
-            <a:r>
-              <a:rPr lang="en-US" baseline="0" dirty="0"/>
-              <a:t> &amp; intent, draft</a:t>
+              <a:t>Strengthened relations with Tomm</a:t>
             </a:r>
           </a:p>
           <a:p>
@@ -2830,8 +2790,8 @@
               <a:buChar char="-"/>
             </a:pPr>
             <a:r>
-              <a:rPr lang="en-US" baseline="0" dirty="0"/>
-              <a:t>Source control &amp; procedure!</a:t>
+              <a:rPr lang="en-US" dirty="0"/>
+              <a:t>Tyler Brown Opportunity</a:t>
             </a:r>
           </a:p>
           <a:p>
@@ -2840,8 +2800,8 @@
               <a:buChar char="-"/>
             </a:pPr>
             <a:r>
-              <a:rPr lang="en-US" baseline="0" dirty="0"/>
-              <a:t>Help from experience (Tomm, Terry, Father)</a:t>
+              <a:rPr lang="en-US" dirty="0"/>
+              <a:t>Billy Keogh Opportunity</a:t>
             </a:r>
           </a:p>
           <a:p>
@@ -2851,11 +2811,7 @@
             </a:pPr>
             <a:r>
               <a:rPr lang="en-US" dirty="0"/>
-              <a:t>Describe</a:t>
-            </a:r>
-            <a:r>
-              <a:rPr lang="en-US" baseline="0" dirty="0"/>
-              <a:t> procedure of PPT Generation</a:t>
+              <a:t>Jmr Opportunity</a:t>
             </a:r>
           </a:p>
           <a:p>
@@ -2864,8 +2820,8 @@
               <a:buChar char="-"/>
             </a:pPr>
             <a:r>
-              <a:rPr lang="en-US" baseline="0" dirty="0"/>
-              <a:t>    selection &amp; outline</a:t>
+              <a:rPr lang="en-US" dirty="0"/>
+              <a:t>Mentor &amp; Network relations</a:t>
             </a:r>
           </a:p>
           <a:p>
@@ -2874,42 +2830,9 @@
               <a:buChar char="-"/>
             </a:pPr>
             <a:r>
-              <a:rPr lang="en-US" baseline="0" dirty="0"/>
-              <a:t>    customer meeting (Tomm)</a:t>
-            </a:r>
-          </a:p>
-          <a:p>
-            <a:pPr marL="171450" indent="-171450">
-              <a:buFontTx/>
-              <a:buChar char="-"/>
-            </a:pPr>
-            <a:r>
-              <a:rPr lang="en-US" baseline="0" dirty="0"/>
-              <a:t>    mentor advise (Tom, Father)</a:t>
-            </a:r>
-          </a:p>
-          <a:p>
-            <a:pPr marL="171450" indent="-171450">
-              <a:buFontTx/>
-              <a:buChar char="-"/>
-            </a:pPr>
-            <a:r>
-              <a:rPr lang="en-US" baseline="0" dirty="0"/>
-              <a:t>    outline</a:t>
-            </a:r>
-          </a:p>
-          <a:p>
-            <a:pPr marL="171450" indent="-171450">
-              <a:buFontTx/>
-              <a:buChar char="-"/>
-            </a:pPr>
-            <a:r>
-              <a:rPr lang="en-US" baseline="0" dirty="0"/>
-              <a:t>    find template</a:t>
-            </a:r>
-          </a:p>
-          <a:p>
-            <a:endParaRPr lang="en-US" dirty="0"/>
+              <a:rPr lang="en-US" dirty="0"/>
+              <a:t>Xylem &amp; Ergsense relations</a:t>
+            </a:r>
           </a:p>
           <a:p>
             <a:pPr marL="0" indent="0">
@@ -2946,7 +2869,7 @@
     </p:spTree>
     <p:extLst>
       <p:ext uri="{BB962C8B-B14F-4D97-AF65-F5344CB8AC3E}">
-        <p14:creationId xmlns:p14="http://schemas.microsoft.com/office/powerpoint/2010/main" val="648812506"/>
+        <p14:creationId xmlns:p14="http://schemas.microsoft.com/office/powerpoint/2010/main" val="3716442150"/>
       </p:ext>
     </p:extLst>
   </p:cSld>
@@ -3006,7 +2929,11 @@
             </a:pPr>
             <a:r>
               <a:rPr lang="en-US" dirty="0"/>
-              <a:t>Board Design</a:t>
+              <a:t>Frame, sketch w/vision</a:t>
+            </a:r>
+            <a:r>
+              <a:rPr lang="en-US" baseline="0" dirty="0"/>
+              <a:t> &amp; intent, draft</a:t>
             </a:r>
           </a:p>
           <a:p>
@@ -3015,8 +2942,8 @@
               <a:buChar char="-"/>
             </a:pPr>
             <a:r>
-              <a:rPr lang="en-US" dirty="0"/>
-              <a:t>Board Fab &amp; Validate</a:t>
+              <a:rPr lang="en-US" baseline="0" dirty="0"/>
+              <a:t>Source control &amp; procedure!</a:t>
             </a:r>
           </a:p>
           <a:p>
@@ -3025,8 +2952,8 @@
               <a:buChar char="-"/>
             </a:pPr>
             <a:r>
-              <a:rPr lang="en-US" dirty="0"/>
-              <a:t>Firmware</a:t>
+              <a:rPr lang="en-US" baseline="0" dirty="0"/>
+              <a:t>Help from experience (Tomm, Terry, Father)</a:t>
             </a:r>
           </a:p>
           <a:p>
@@ -3036,8 +2963,65 @@
             </a:pPr>
             <a:r>
               <a:rPr lang="en-US" dirty="0"/>
-              <a:t>Rapid Prototyping</a:t>
-            </a:r>
+              <a:t>Describe</a:t>
+            </a:r>
+            <a:r>
+              <a:rPr lang="en-US" baseline="0" dirty="0"/>
+              <a:t> procedure of PPT Generation</a:t>
+            </a:r>
+          </a:p>
+          <a:p>
+            <a:pPr marL="171450" indent="-171450">
+              <a:buFontTx/>
+              <a:buChar char="-"/>
+            </a:pPr>
+            <a:r>
+              <a:rPr lang="en-US" baseline="0" dirty="0"/>
+              <a:t>    selection &amp; outline</a:t>
+            </a:r>
+          </a:p>
+          <a:p>
+            <a:pPr marL="171450" indent="-171450">
+              <a:buFontTx/>
+              <a:buChar char="-"/>
+            </a:pPr>
+            <a:r>
+              <a:rPr lang="en-US" baseline="0" dirty="0"/>
+              <a:t>    customer meeting (Tomm)</a:t>
+            </a:r>
+          </a:p>
+          <a:p>
+            <a:pPr marL="171450" indent="-171450">
+              <a:buFontTx/>
+              <a:buChar char="-"/>
+            </a:pPr>
+            <a:r>
+              <a:rPr lang="en-US" baseline="0" dirty="0"/>
+              <a:t>    mentor advise (Tom, Father)</a:t>
+            </a:r>
+          </a:p>
+          <a:p>
+            <a:pPr marL="171450" indent="-171450">
+              <a:buFontTx/>
+              <a:buChar char="-"/>
+            </a:pPr>
+            <a:r>
+              <a:rPr lang="en-US" baseline="0" dirty="0"/>
+              <a:t>    outline</a:t>
+            </a:r>
+          </a:p>
+          <a:p>
+            <a:pPr marL="171450" indent="-171450">
+              <a:buFontTx/>
+              <a:buChar char="-"/>
+            </a:pPr>
+            <a:r>
+              <a:rPr lang="en-US" baseline="0" dirty="0"/>
+              <a:t>    find template</a:t>
+            </a:r>
+          </a:p>
+          <a:p>
+            <a:endParaRPr lang="en-US" dirty="0"/>
           </a:p>
           <a:p>
             <a:pPr marL="0" indent="0">
@@ -3074,7 +3058,7 @@
     </p:spTree>
     <p:extLst>
       <p:ext uri="{BB962C8B-B14F-4D97-AF65-F5344CB8AC3E}">
-        <p14:creationId xmlns:p14="http://schemas.microsoft.com/office/powerpoint/2010/main" val="3025603983"/>
+        <p14:creationId xmlns:p14="http://schemas.microsoft.com/office/powerpoint/2010/main" val="648812506"/>
       </p:ext>
     </p:extLst>
   </p:cSld>
@@ -3128,21 +3112,44 @@
           <a:bodyPr/>
           <a:lstStyle/>
           <a:p>
-            <a:r>
-              <a:rPr lang="en-US" dirty="0"/>
-              <a:t>*Integrate Tomm Notes</a:t>
-            </a:r>
-          </a:p>
-          <a:p>
-            <a:r>
-              <a:rPr lang="en-US" dirty="0"/>
-              <a:t>*Form</a:t>
-            </a:r>
-            <a:r>
-              <a:rPr lang="en-US" baseline="0" dirty="0"/>
-              <a:t> rules &amp; presentation target</a:t>
-            </a:r>
-            <a:endParaRPr lang="en-US" dirty="0"/>
+            <a:pPr marL="171450" indent="-171450">
+              <a:buFontTx/>
+              <a:buChar char="-"/>
+            </a:pPr>
+            <a:r>
+              <a:rPr lang="en-US" dirty="0"/>
+              <a:t>Board Design</a:t>
+            </a:r>
+          </a:p>
+          <a:p>
+            <a:pPr marL="171450" indent="-171450">
+              <a:buFontTx/>
+              <a:buChar char="-"/>
+            </a:pPr>
+            <a:r>
+              <a:rPr lang="en-US" dirty="0"/>
+              <a:t>Board Fab &amp; Validate</a:t>
+            </a:r>
+          </a:p>
+          <a:p>
+            <a:pPr marL="171450" indent="-171450">
+              <a:buFontTx/>
+              <a:buChar char="-"/>
+            </a:pPr>
+            <a:r>
+              <a:rPr lang="en-US" dirty="0"/>
+              <a:t>Firmware</a:t>
+            </a:r>
+          </a:p>
+          <a:p>
+            <a:pPr marL="171450" indent="-171450">
+              <a:buFontTx/>
+              <a:buChar char="-"/>
+            </a:pPr>
+            <a:r>
+              <a:rPr lang="en-US" dirty="0"/>
+              <a:t>Rapid Prototyping</a:t>
+            </a:r>
           </a:p>
           <a:p>
             <a:pPr marL="0" indent="0">
@@ -3171,6 +3178,111 @@
             <a:fld id="{4AC65D0B-F732-4E21-9A8D-1C6A15A6A84B}" type="slidenum">
               <a:rPr lang="en-US" smtClean="0"/>
               <a:t>23</a:t>
+            </a:fld>
+            <a:endParaRPr lang="en-US" dirty="0"/>
+          </a:p>
+        </p:txBody>
+      </p:sp>
+    </p:spTree>
+    <p:extLst>
+      <p:ext uri="{BB962C8B-B14F-4D97-AF65-F5344CB8AC3E}">
+        <p14:creationId xmlns:p14="http://schemas.microsoft.com/office/powerpoint/2010/main" val="3025603983"/>
+      </p:ext>
+    </p:extLst>
+  </p:cSld>
+  <p:clrMapOvr>
+    <a:masterClrMapping/>
+  </p:clrMapOvr>
+</p:notes>
+</file>
+
+<file path=ppt/notesSlides/notesSlide24.xml><?xml version="1.0" encoding="utf-8"?>
+<p:notes xmlns:a="http://schemas.openxmlformats.org/drawingml/2006/main" xmlns:r="http://schemas.openxmlformats.org/officeDocument/2006/relationships" xmlns:p="http://schemas.openxmlformats.org/presentationml/2006/main">
+  <p:cSld>
+    <p:spTree>
+      <p:nvGrpSpPr>
+        <p:cNvPr id="1" name=""/>
+        <p:cNvGrpSpPr/>
+        <p:nvPr/>
+      </p:nvGrpSpPr>
+      <p:grpSpPr>
+        <a:xfrm>
+          <a:off x="0" y="0"/>
+          <a:ext cx="0" cy="0"/>
+          <a:chOff x="0" y="0"/>
+          <a:chExt cx="0" cy="0"/>
+        </a:xfrm>
+      </p:grpSpPr>
+      <p:sp>
+        <p:nvSpPr>
+          <p:cNvPr id="2" name="Slide Image Placeholder 1"/>
+          <p:cNvSpPr>
+            <a:spLocks noGrp="1" noRot="1" noChangeAspect="1"/>
+          </p:cNvSpPr>
+          <p:nvPr>
+            <p:ph type="sldImg"/>
+          </p:nvPr>
+        </p:nvSpPr>
+        <p:spPr/>
+      </p:sp>
+      <p:sp>
+        <p:nvSpPr>
+          <p:cNvPr id="3" name="Notes Placeholder 2"/>
+          <p:cNvSpPr>
+            <a:spLocks noGrp="1"/>
+          </p:cNvSpPr>
+          <p:nvPr>
+            <p:ph type="body" idx="1"/>
+          </p:nvPr>
+        </p:nvSpPr>
+        <p:spPr/>
+        <p:txBody>
+          <a:bodyPr/>
+          <a:lstStyle/>
+          <a:p>
+            <a:r>
+              <a:rPr lang="en-US" dirty="0"/>
+              <a:t>*Integrate Tomm Notes</a:t>
+            </a:r>
+          </a:p>
+          <a:p>
+            <a:r>
+              <a:rPr lang="en-US" dirty="0"/>
+              <a:t>*Form</a:t>
+            </a:r>
+            <a:r>
+              <a:rPr lang="en-US" baseline="0" dirty="0"/>
+              <a:t> rules &amp; presentation target</a:t>
+            </a:r>
+            <a:endParaRPr lang="en-US" dirty="0"/>
+          </a:p>
+          <a:p>
+            <a:pPr marL="0" indent="0">
+              <a:buFontTx/>
+              <a:buNone/>
+            </a:pPr>
+            <a:endParaRPr lang="en-US" dirty="0"/>
+          </a:p>
+        </p:txBody>
+      </p:sp>
+      <p:sp>
+        <p:nvSpPr>
+          <p:cNvPr id="4" name="Slide Number Placeholder 3"/>
+          <p:cNvSpPr>
+            <a:spLocks noGrp="1"/>
+          </p:cNvSpPr>
+          <p:nvPr>
+            <p:ph type="sldNum" sz="quarter" idx="10"/>
+          </p:nvPr>
+        </p:nvSpPr>
+        <p:spPr/>
+        <p:txBody>
+          <a:bodyPr/>
+          <a:lstStyle/>
+          <a:p>
+            <a:fld id="{4AC65D0B-F732-4E21-9A8D-1C6A15A6A84B}" type="slidenum">
+              <a:rPr lang="en-US" smtClean="0"/>
+              <a:t>24</a:t>
             </a:fld>
             <a:endParaRPr lang="en-US" dirty="0"/>
           </a:p>
@@ -14268,6 +14380,857 @@
       </p:grpSpPr>
       <p:sp>
         <p:nvSpPr>
+          <p:cNvPr id="22" name="TextBox 21">
+            <a:extLst>
+              <a:ext uri="{FF2B5EF4-FFF2-40B4-BE49-F238E27FC236}">
+                <a16:creationId xmlns:a16="http://schemas.microsoft.com/office/drawing/2014/main" id="{0D3E10F2-8CD0-4E5B-BC44-7816720C1F4C}"/>
+              </a:ext>
+            </a:extLst>
+          </p:cNvPr>
+          <p:cNvSpPr txBox="1"/>
+          <p:nvPr/>
+        </p:nvSpPr>
+        <p:spPr>
+          <a:xfrm>
+            <a:off x="6607593" y="1805006"/>
+            <a:ext cx="4488873" cy="1477328"/>
+          </a:xfrm>
+          <a:prstGeom prst="rect">
+            <a:avLst/>
+          </a:prstGeom>
+          <a:noFill/>
+        </p:spPr>
+        <p:txBody>
+          <a:bodyPr wrap="square" rtlCol="0">
+            <a:spAutoFit/>
+          </a:bodyPr>
+          <a:lstStyle/>
+          <a:p>
+            <a:pPr marL="285750" indent="-285750">
+              <a:buFont typeface="Arial" panose="020B0604020202020204" pitchFamily="34" charset="0"/>
+              <a:buChar char="•"/>
+            </a:pPr>
+            <a:r>
+              <a:rPr lang="en-US" dirty="0"/>
+              <a:t>Dense schematic</a:t>
+            </a:r>
+          </a:p>
+          <a:p>
+            <a:pPr marL="285750" indent="-285750">
+              <a:buFont typeface="Arial" panose="020B0604020202020204" pitchFamily="34" charset="0"/>
+              <a:buChar char="•"/>
+            </a:pPr>
+            <a:endParaRPr lang="en-US" dirty="0"/>
+          </a:p>
+          <a:p>
+            <a:pPr marL="285750" indent="-285750">
+              <a:buFont typeface="Arial" panose="020B0604020202020204" pitchFamily="34" charset="0"/>
+              <a:buChar char="•"/>
+            </a:pPr>
+            <a:r>
+              <a:rPr lang="en-US" dirty="0"/>
+              <a:t>Rough Net Name Placement</a:t>
+            </a:r>
+          </a:p>
+          <a:p>
+            <a:pPr marL="285750" indent="-285750">
+              <a:buFont typeface="Arial" panose="020B0604020202020204" pitchFamily="34" charset="0"/>
+              <a:buChar char="•"/>
+            </a:pPr>
+            <a:endParaRPr lang="en-US" dirty="0"/>
+          </a:p>
+          <a:p>
+            <a:pPr marL="285750" indent="-285750">
+              <a:buFont typeface="Arial" panose="020B0604020202020204" pitchFamily="34" charset="0"/>
+              <a:buChar char="•"/>
+            </a:pPr>
+            <a:r>
+              <a:rPr lang="en-US" dirty="0"/>
+              <a:t>Non-modularized</a:t>
+            </a:r>
+          </a:p>
+        </p:txBody>
+      </p:sp>
+      <p:sp>
+        <p:nvSpPr>
+          <p:cNvPr id="2" name="Title 1">
+            <a:extLst>
+              <a:ext uri="{FF2B5EF4-FFF2-40B4-BE49-F238E27FC236}">
+                <a16:creationId xmlns:a16="http://schemas.microsoft.com/office/drawing/2014/main" id="{9C5E42EE-EA5D-4203-B1EC-B96B68D2A8EA}"/>
+              </a:ext>
+            </a:extLst>
+          </p:cNvPr>
+          <p:cNvSpPr>
+            <a:spLocks noGrp="1"/>
+          </p:cNvSpPr>
+          <p:nvPr>
+            <p:ph type="title"/>
+          </p:nvPr>
+        </p:nvSpPr>
+        <p:spPr/>
+        <p:txBody>
+          <a:bodyPr>
+            <a:normAutofit/>
+          </a:bodyPr>
+          <a:lstStyle/>
+          <a:p>
+            <a:pPr rtl="0" eaLnBrk="1" latinLnBrk="0" hangingPunct="1"/>
+            <a:r>
+              <a:rPr lang="en-US" sz="3600" b="0" i="0" kern="1200" baseline="0" dirty="0">
+                <a:solidFill>
+                  <a:schemeClr val="tx1">
+                    <a:lumMod val="85000"/>
+                    <a:lumOff val="15000"/>
+                  </a:schemeClr>
+                </a:solidFill>
+                <a:effectLst/>
+                <a:latin typeface="+mj-lt"/>
+                <a:ea typeface="+mj-ea"/>
+                <a:cs typeface="+mj-cs"/>
+              </a:rPr>
+              <a:t>DTECTS Schematic Cleanup</a:t>
+            </a:r>
+            <a:endParaRPr lang="en-US" sz="4400" dirty="0">
+              <a:effectLst/>
+            </a:endParaRPr>
+          </a:p>
+        </p:txBody>
+      </p:sp>
+      <p:sp>
+        <p:nvSpPr>
+          <p:cNvPr id="8" name="Rectangle: Rounded Corners 7">
+            <a:extLst>
+              <a:ext uri="{FF2B5EF4-FFF2-40B4-BE49-F238E27FC236}">
+                <a16:creationId xmlns:a16="http://schemas.microsoft.com/office/drawing/2014/main" id="{EA6DF3C5-6BAE-43D5-9F54-A88CBD26A09E}"/>
+              </a:ext>
+            </a:extLst>
+          </p:cNvPr>
+          <p:cNvSpPr/>
+          <p:nvPr/>
+        </p:nvSpPr>
+        <p:spPr>
+          <a:xfrm>
+            <a:off x="9583858" y="4425671"/>
+            <a:ext cx="1754702" cy="1515643"/>
+          </a:xfrm>
+          <a:prstGeom prst="roundRect">
+            <a:avLst>
+              <a:gd name="adj" fmla="val 6780"/>
+            </a:avLst>
+          </a:prstGeom>
+          <a:blipFill dpi="0" rotWithShape="1">
+            <a:blip r:embed="rId3">
+              <a:extLst>
+                <a:ext uri="{28A0092B-C50C-407E-A947-70E740481C1C}">
+                  <a14:useLocalDpi xmlns:a14="http://schemas.microsoft.com/office/drawing/2010/main" val="0"/>
+                </a:ext>
+              </a:extLst>
+            </a:blip>
+            <a:srcRect/>
+            <a:stretch>
+              <a:fillRect l="-77518" t="-63726" r="-73271" b="-66708"/>
+            </a:stretch>
+          </a:blipFill>
+          <a:ln>
+            <a:solidFill>
+              <a:schemeClr val="tx1"/>
+            </a:solidFill>
+          </a:ln>
+        </p:spPr>
+        <p:style>
+          <a:lnRef idx="2">
+            <a:schemeClr val="accent1">
+              <a:shade val="50000"/>
+            </a:schemeClr>
+          </a:lnRef>
+          <a:fillRef idx="1">
+            <a:schemeClr val="accent1"/>
+          </a:fillRef>
+          <a:effectRef idx="0">
+            <a:schemeClr val="accent1"/>
+          </a:effectRef>
+          <a:fontRef idx="minor">
+            <a:schemeClr val="lt1"/>
+          </a:fontRef>
+        </p:style>
+        <p:txBody>
+          <a:bodyPr rtlCol="0" anchor="ctr"/>
+          <a:lstStyle/>
+          <a:p>
+            <a:pPr algn="ctr"/>
+            <a:endParaRPr lang="en-US" dirty="0"/>
+          </a:p>
+        </p:txBody>
+      </p:sp>
+      <p:cxnSp>
+        <p:nvCxnSpPr>
+          <p:cNvPr id="16" name="Straight Arrow Connector 15">
+            <a:extLst>
+              <a:ext uri="{FF2B5EF4-FFF2-40B4-BE49-F238E27FC236}">
+                <a16:creationId xmlns:a16="http://schemas.microsoft.com/office/drawing/2014/main" id="{490E3D96-0326-48A3-A678-E8FFC82FA1F9}"/>
+              </a:ext>
+            </a:extLst>
+          </p:cNvPr>
+          <p:cNvCxnSpPr>
+            <a:cxnSpLocks/>
+          </p:cNvCxnSpPr>
+          <p:nvPr/>
+        </p:nvCxnSpPr>
+        <p:spPr>
+          <a:xfrm>
+            <a:off x="5743575" y="2705100"/>
+            <a:ext cx="676275" cy="0"/>
+          </a:xfrm>
+          <a:prstGeom prst="straightConnector1">
+            <a:avLst/>
+          </a:prstGeom>
+          <a:ln>
+            <a:solidFill>
+              <a:schemeClr val="tx1"/>
+            </a:solidFill>
+            <a:tailEnd type="triangle"/>
+          </a:ln>
+        </p:spPr>
+        <p:style>
+          <a:lnRef idx="1">
+            <a:schemeClr val="accent1"/>
+          </a:lnRef>
+          <a:fillRef idx="0">
+            <a:schemeClr val="accent1"/>
+          </a:fillRef>
+          <a:effectRef idx="0">
+            <a:schemeClr val="accent1"/>
+          </a:effectRef>
+          <a:fontRef idx="minor">
+            <a:schemeClr val="tx1"/>
+          </a:fontRef>
+        </p:style>
+      </p:cxnSp>
+      <p:grpSp>
+        <p:nvGrpSpPr>
+          <p:cNvPr id="20" name="Group 19">
+            <a:extLst>
+              <a:ext uri="{FF2B5EF4-FFF2-40B4-BE49-F238E27FC236}">
+                <a16:creationId xmlns:a16="http://schemas.microsoft.com/office/drawing/2014/main" id="{E4A016E9-BC05-4619-A2D7-33B1F5C56592}"/>
+              </a:ext>
+            </a:extLst>
+          </p:cNvPr>
+          <p:cNvGrpSpPr/>
+          <p:nvPr/>
+        </p:nvGrpSpPr>
+        <p:grpSpPr>
+          <a:xfrm>
+            <a:off x="2095499" y="1533525"/>
+            <a:ext cx="3524251" cy="5069697"/>
+            <a:chOff x="2095499" y="1533525"/>
+            <a:chExt cx="3524251" cy="5069697"/>
+          </a:xfrm>
+        </p:grpSpPr>
+        <p:sp>
+          <p:nvSpPr>
+            <p:cNvPr id="5" name="Rectangle: Rounded Corners 4">
+              <a:extLst>
+                <a:ext uri="{FF2B5EF4-FFF2-40B4-BE49-F238E27FC236}">
+                  <a16:creationId xmlns:a16="http://schemas.microsoft.com/office/drawing/2014/main" id="{4CEA9522-DD76-4838-8E1B-B879BE304CFE}"/>
+                </a:ext>
+              </a:extLst>
+            </p:cNvPr>
+            <p:cNvSpPr/>
+            <p:nvPr/>
+          </p:nvSpPr>
+          <p:spPr>
+            <a:xfrm>
+              <a:off x="2095499" y="1533525"/>
+              <a:ext cx="3524251" cy="4629150"/>
+            </a:xfrm>
+            <a:prstGeom prst="roundRect">
+              <a:avLst>
+                <a:gd name="adj" fmla="val 6780"/>
+              </a:avLst>
+            </a:prstGeom>
+            <a:blipFill dpi="0" rotWithShape="1">
+              <a:blip r:embed="rId4">
+                <a:extLst>
+                  <a:ext uri="{28A0092B-C50C-407E-A947-70E740481C1C}">
+                    <a14:useLocalDpi xmlns:a14="http://schemas.microsoft.com/office/drawing/2010/main" val="0"/>
+                  </a:ext>
+                </a:extLst>
+              </a:blip>
+              <a:srcRect/>
+              <a:stretch>
+                <a:fillRect l="-89416" t="-12533" r="-79956" b="-96658"/>
+              </a:stretch>
+            </a:blipFill>
+            <a:ln>
+              <a:solidFill>
+                <a:schemeClr val="tx1"/>
+              </a:solidFill>
+            </a:ln>
+          </p:spPr>
+          <p:style>
+            <a:lnRef idx="2">
+              <a:schemeClr val="accent1">
+                <a:shade val="50000"/>
+              </a:schemeClr>
+            </a:lnRef>
+            <a:fillRef idx="1">
+              <a:schemeClr val="accent1"/>
+            </a:fillRef>
+            <a:effectRef idx="0">
+              <a:schemeClr val="accent1"/>
+            </a:effectRef>
+            <a:fontRef idx="minor">
+              <a:schemeClr val="lt1"/>
+            </a:fontRef>
+          </p:style>
+          <p:txBody>
+            <a:bodyPr rtlCol="0" anchor="ctr"/>
+            <a:lstStyle/>
+            <a:p>
+              <a:pPr algn="ctr"/>
+              <a:endParaRPr lang="en-US"/>
+            </a:p>
+          </p:txBody>
+        </p:sp>
+        <p:sp>
+          <p:nvSpPr>
+            <p:cNvPr id="18" name="TextBox 17">
+              <a:extLst>
+                <a:ext uri="{FF2B5EF4-FFF2-40B4-BE49-F238E27FC236}">
+                  <a16:creationId xmlns:a16="http://schemas.microsoft.com/office/drawing/2014/main" id="{941CE1D7-FC9E-4ED3-A7C1-75BA90F9DF03}"/>
+                </a:ext>
+              </a:extLst>
+            </p:cNvPr>
+            <p:cNvSpPr txBox="1"/>
+            <p:nvPr/>
+          </p:nvSpPr>
+          <p:spPr>
+            <a:xfrm>
+              <a:off x="2592925" y="6233890"/>
+              <a:ext cx="2297424" cy="369332"/>
+            </a:xfrm>
+            <a:prstGeom prst="rect">
+              <a:avLst/>
+            </a:prstGeom>
+            <a:noFill/>
+          </p:spPr>
+          <p:txBody>
+            <a:bodyPr wrap="none" rtlCol="0">
+              <a:spAutoFit/>
+            </a:bodyPr>
+            <a:lstStyle/>
+            <a:p>
+              <a:r>
+                <a:rPr lang="en-US" dirty="0"/>
+                <a:t>DTECTS 0.3C (2016)</a:t>
+              </a:r>
+            </a:p>
+          </p:txBody>
+        </p:sp>
+      </p:grpSp>
+      <p:grpSp>
+        <p:nvGrpSpPr>
+          <p:cNvPr id="21" name="Group 20">
+            <a:extLst>
+              <a:ext uri="{FF2B5EF4-FFF2-40B4-BE49-F238E27FC236}">
+                <a16:creationId xmlns:a16="http://schemas.microsoft.com/office/drawing/2014/main" id="{E122EE57-938E-4370-80EA-ACD40A2F2FC6}"/>
+              </a:ext>
+            </a:extLst>
+          </p:cNvPr>
+          <p:cNvGrpSpPr/>
+          <p:nvPr/>
+        </p:nvGrpSpPr>
+        <p:grpSpPr>
+          <a:xfrm>
+            <a:off x="6519327" y="1533525"/>
+            <a:ext cx="4168993" cy="2895977"/>
+            <a:chOff x="6519327" y="1533525"/>
+            <a:chExt cx="4168993" cy="2895977"/>
+          </a:xfrm>
+        </p:grpSpPr>
+        <p:sp>
+          <p:nvSpPr>
+            <p:cNvPr id="10" name="Rectangle: Rounded Corners 9">
+              <a:extLst>
+                <a:ext uri="{FF2B5EF4-FFF2-40B4-BE49-F238E27FC236}">
+                  <a16:creationId xmlns:a16="http://schemas.microsoft.com/office/drawing/2014/main" id="{E2D0A0FA-19D2-4D0C-8FA2-91CC7B43BAB7}"/>
+                </a:ext>
+              </a:extLst>
+            </p:cNvPr>
+            <p:cNvSpPr/>
+            <p:nvPr/>
+          </p:nvSpPr>
+          <p:spPr>
+            <a:xfrm>
+              <a:off x="6519327" y="1533525"/>
+              <a:ext cx="4168993" cy="2530475"/>
+            </a:xfrm>
+            <a:prstGeom prst="roundRect">
+              <a:avLst>
+                <a:gd name="adj" fmla="val 6780"/>
+              </a:avLst>
+            </a:prstGeom>
+            <a:blipFill dpi="0" rotWithShape="1">
+              <a:blip r:embed="rId5">
+                <a:extLst>
+                  <a:ext uri="{28A0092B-C50C-407E-A947-70E740481C1C}">
+                    <a14:useLocalDpi xmlns:a14="http://schemas.microsoft.com/office/drawing/2010/main" val="0"/>
+                  </a:ext>
+                </a:extLst>
+              </a:blip>
+              <a:srcRect/>
+              <a:stretch>
+                <a:fillRect l="-23444" t="-27185" r="-47659" b="-29874"/>
+              </a:stretch>
+            </a:blipFill>
+            <a:ln>
+              <a:solidFill>
+                <a:schemeClr val="tx1"/>
+              </a:solidFill>
+            </a:ln>
+          </p:spPr>
+          <p:style>
+            <a:lnRef idx="2">
+              <a:schemeClr val="accent1">
+                <a:shade val="50000"/>
+              </a:schemeClr>
+            </a:lnRef>
+            <a:fillRef idx="1">
+              <a:schemeClr val="accent1"/>
+            </a:fillRef>
+            <a:effectRef idx="0">
+              <a:schemeClr val="accent1"/>
+            </a:effectRef>
+            <a:fontRef idx="minor">
+              <a:schemeClr val="lt1"/>
+            </a:fontRef>
+          </p:style>
+          <p:txBody>
+            <a:bodyPr rtlCol="0" anchor="ctr"/>
+            <a:lstStyle/>
+            <a:p>
+              <a:pPr algn="ctr"/>
+              <a:endParaRPr lang="en-US"/>
+            </a:p>
+          </p:txBody>
+        </p:sp>
+        <p:sp>
+          <p:nvSpPr>
+            <p:cNvPr id="19" name="TextBox 18">
+              <a:extLst>
+                <a:ext uri="{FF2B5EF4-FFF2-40B4-BE49-F238E27FC236}">
+                  <a16:creationId xmlns:a16="http://schemas.microsoft.com/office/drawing/2014/main" id="{9F9DC648-D826-45C9-A957-9654FB25919E}"/>
+                </a:ext>
+              </a:extLst>
+            </p:cNvPr>
+            <p:cNvSpPr txBox="1"/>
+            <p:nvPr/>
+          </p:nvSpPr>
+          <p:spPr>
+            <a:xfrm>
+              <a:off x="7187440" y="4060170"/>
+              <a:ext cx="2297424" cy="369332"/>
+            </a:xfrm>
+            <a:prstGeom prst="rect">
+              <a:avLst/>
+            </a:prstGeom>
+            <a:noFill/>
+          </p:spPr>
+          <p:txBody>
+            <a:bodyPr wrap="none" rtlCol="0">
+              <a:spAutoFit/>
+            </a:bodyPr>
+            <a:lstStyle/>
+            <a:p>
+              <a:r>
+                <a:rPr lang="en-US" dirty="0"/>
+                <a:t>DTECTS 1.0C (2017)</a:t>
+              </a:r>
+            </a:p>
+          </p:txBody>
+        </p:sp>
+      </p:grpSp>
+      <p:sp>
+        <p:nvSpPr>
+          <p:cNvPr id="14" name="Arrow: Striped Right 13">
+            <a:extLst>
+              <a:ext uri="{FF2B5EF4-FFF2-40B4-BE49-F238E27FC236}">
+                <a16:creationId xmlns:a16="http://schemas.microsoft.com/office/drawing/2014/main" id="{87AA04C8-574A-42A5-BC21-89AE4E6F3F47}"/>
+              </a:ext>
+            </a:extLst>
+          </p:cNvPr>
+          <p:cNvSpPr/>
+          <p:nvPr/>
+        </p:nvSpPr>
+        <p:spPr>
+          <a:xfrm rot="3540344">
+            <a:off x="9509603" y="4134085"/>
+            <a:ext cx="493243" cy="105848"/>
+          </a:xfrm>
+          <a:prstGeom prst="stripedRightArrow">
+            <a:avLst/>
+          </a:prstGeom>
+          <a:solidFill>
+            <a:schemeClr val="accent5">
+              <a:lumMod val="60000"/>
+              <a:lumOff val="40000"/>
+            </a:schemeClr>
+          </a:solidFill>
+          <a:ln>
+            <a:solidFill>
+              <a:schemeClr val="accent5">
+                <a:lumMod val="75000"/>
+              </a:schemeClr>
+            </a:solidFill>
+          </a:ln>
+        </p:spPr>
+        <p:style>
+          <a:lnRef idx="2">
+            <a:schemeClr val="accent1">
+              <a:shade val="50000"/>
+            </a:schemeClr>
+          </a:lnRef>
+          <a:fillRef idx="1">
+            <a:schemeClr val="accent1"/>
+          </a:fillRef>
+          <a:effectRef idx="0">
+            <a:schemeClr val="accent1"/>
+          </a:effectRef>
+          <a:fontRef idx="minor">
+            <a:schemeClr val="lt1"/>
+          </a:fontRef>
+        </p:style>
+        <p:txBody>
+          <a:bodyPr rtlCol="0" anchor="ctr"/>
+          <a:lstStyle/>
+          <a:p>
+            <a:pPr algn="ctr"/>
+            <a:endParaRPr lang="en-US"/>
+          </a:p>
+        </p:txBody>
+      </p:sp>
+    </p:spTree>
+    <p:extLst>
+      <p:ext uri="{BB962C8B-B14F-4D97-AF65-F5344CB8AC3E}">
+        <p14:creationId xmlns:p14="http://schemas.microsoft.com/office/powerpoint/2010/main" val="3842013884"/>
+      </p:ext>
+    </p:extLst>
+  </p:cSld>
+  <p:clrMapOvr>
+    <a:masterClrMapping/>
+  </p:clrMapOvr>
+  <p:timing>
+    <p:tnLst>
+      <p:par>
+        <p:cTn id="1" dur="indefinite" restart="never" nodeType="tmRoot">
+          <p:childTnLst>
+            <p:seq concurrent="1" nextAc="seek">
+              <p:cTn id="2" dur="indefinite" nodeType="mainSeq">
+                <p:childTnLst>
+                  <p:par>
+                    <p:cTn id="3" fill="hold">
+                      <p:stCondLst>
+                        <p:cond delay="indefinite"/>
+                      </p:stCondLst>
+                      <p:childTnLst>
+                        <p:par>
+                          <p:cTn id="4" fill="hold">
+                            <p:stCondLst>
+                              <p:cond delay="0"/>
+                            </p:stCondLst>
+                            <p:childTnLst>
+                              <p:par>
+                                <p:cTn id="5" presetID="10" presetClass="entr" presetSubtype="0" fill="hold" nodeType="clickEffect">
+                                  <p:stCondLst>
+                                    <p:cond delay="0"/>
+                                  </p:stCondLst>
+                                  <p:childTnLst>
+                                    <p:set>
+                                      <p:cBhvr>
+                                        <p:cTn id="6" dur="1" fill="hold">
+                                          <p:stCondLst>
+                                            <p:cond delay="0"/>
+                                          </p:stCondLst>
+                                        </p:cTn>
+                                        <p:tgtEl>
+                                          <p:spTgt spid="20"/>
+                                        </p:tgtEl>
+                                        <p:attrNameLst>
+                                          <p:attrName>style.visibility</p:attrName>
+                                        </p:attrNameLst>
+                                      </p:cBhvr>
+                                      <p:to>
+                                        <p:strVal val="visible"/>
+                                      </p:to>
+                                    </p:set>
+                                    <p:animEffect transition="in" filter="fade">
+                                      <p:cBhvr>
+                                        <p:cTn id="7" dur="500"/>
+                                        <p:tgtEl>
+                                          <p:spTgt spid="20"/>
+                                        </p:tgtEl>
+                                      </p:cBhvr>
+                                    </p:animEffect>
+                                  </p:childTnLst>
+                                </p:cTn>
+                              </p:par>
+                              <p:par>
+                                <p:cTn id="8" presetID="10" presetClass="entr" presetSubtype="0" fill="hold" grpId="0" nodeType="withEffect">
+                                  <p:stCondLst>
+                                    <p:cond delay="0"/>
+                                  </p:stCondLst>
+                                  <p:childTnLst>
+                                    <p:set>
+                                      <p:cBhvr>
+                                        <p:cTn id="9" dur="1" fill="hold">
+                                          <p:stCondLst>
+                                            <p:cond delay="0"/>
+                                          </p:stCondLst>
+                                        </p:cTn>
+                                        <p:tgtEl>
+                                          <p:spTgt spid="22"/>
+                                        </p:tgtEl>
+                                        <p:attrNameLst>
+                                          <p:attrName>style.visibility</p:attrName>
+                                        </p:attrNameLst>
+                                      </p:cBhvr>
+                                      <p:to>
+                                        <p:strVal val="visible"/>
+                                      </p:to>
+                                    </p:set>
+                                    <p:animEffect transition="in" filter="fade">
+                                      <p:cBhvr>
+                                        <p:cTn id="10" dur="500"/>
+                                        <p:tgtEl>
+                                          <p:spTgt spid="22"/>
+                                        </p:tgtEl>
+                                      </p:cBhvr>
+                                    </p:animEffect>
+                                  </p:childTnLst>
+                                </p:cTn>
+                              </p:par>
+                            </p:childTnLst>
+                          </p:cTn>
+                        </p:par>
+                      </p:childTnLst>
+                    </p:cTn>
+                  </p:par>
+                  <p:par>
+                    <p:cTn id="11" fill="hold">
+                      <p:stCondLst>
+                        <p:cond delay="indefinite"/>
+                      </p:stCondLst>
+                      <p:childTnLst>
+                        <p:par>
+                          <p:cTn id="12" fill="hold">
+                            <p:stCondLst>
+                              <p:cond delay="0"/>
+                            </p:stCondLst>
+                            <p:childTnLst>
+                              <p:par>
+                                <p:cTn id="13" presetID="10" presetClass="entr" presetSubtype="0" fill="hold" nodeType="clickEffect">
+                                  <p:stCondLst>
+                                    <p:cond delay="0"/>
+                                  </p:stCondLst>
+                                  <p:childTnLst>
+                                    <p:set>
+                                      <p:cBhvr>
+                                        <p:cTn id="14" dur="1" fill="hold">
+                                          <p:stCondLst>
+                                            <p:cond delay="0"/>
+                                          </p:stCondLst>
+                                        </p:cTn>
+                                        <p:tgtEl>
+                                          <p:spTgt spid="16"/>
+                                        </p:tgtEl>
+                                        <p:attrNameLst>
+                                          <p:attrName>style.visibility</p:attrName>
+                                        </p:attrNameLst>
+                                      </p:cBhvr>
+                                      <p:to>
+                                        <p:strVal val="visible"/>
+                                      </p:to>
+                                    </p:set>
+                                    <p:animEffect transition="in" filter="fade">
+                                      <p:cBhvr>
+                                        <p:cTn id="15" dur="500"/>
+                                        <p:tgtEl>
+                                          <p:spTgt spid="16"/>
+                                        </p:tgtEl>
+                                      </p:cBhvr>
+                                    </p:animEffect>
+                                  </p:childTnLst>
+                                </p:cTn>
+                              </p:par>
+                              <p:par>
+                                <p:cTn id="16" presetID="10" presetClass="entr" presetSubtype="0" fill="hold" nodeType="withEffect">
+                                  <p:stCondLst>
+                                    <p:cond delay="0"/>
+                                  </p:stCondLst>
+                                  <p:childTnLst>
+                                    <p:set>
+                                      <p:cBhvr>
+                                        <p:cTn id="17" dur="1" fill="hold">
+                                          <p:stCondLst>
+                                            <p:cond delay="0"/>
+                                          </p:stCondLst>
+                                        </p:cTn>
+                                        <p:tgtEl>
+                                          <p:spTgt spid="21"/>
+                                        </p:tgtEl>
+                                        <p:attrNameLst>
+                                          <p:attrName>style.visibility</p:attrName>
+                                        </p:attrNameLst>
+                                      </p:cBhvr>
+                                      <p:to>
+                                        <p:strVal val="visible"/>
+                                      </p:to>
+                                    </p:set>
+                                    <p:animEffect transition="in" filter="fade">
+                                      <p:cBhvr>
+                                        <p:cTn id="18" dur="500"/>
+                                        <p:tgtEl>
+                                          <p:spTgt spid="21"/>
+                                        </p:tgtEl>
+                                      </p:cBhvr>
+                                    </p:animEffect>
+                                  </p:childTnLst>
+                                </p:cTn>
+                              </p:par>
+                            </p:childTnLst>
+                          </p:cTn>
+                        </p:par>
+                        <p:par>
+                          <p:cTn id="19" fill="hold">
+                            <p:stCondLst>
+                              <p:cond delay="500"/>
+                            </p:stCondLst>
+                            <p:childTnLst>
+                              <p:par>
+                                <p:cTn id="20" presetID="10" presetClass="entr" presetSubtype="0" fill="hold" grpId="0" nodeType="afterEffect">
+                                  <p:stCondLst>
+                                    <p:cond delay="500"/>
+                                  </p:stCondLst>
+                                  <p:childTnLst>
+                                    <p:set>
+                                      <p:cBhvr>
+                                        <p:cTn id="21" dur="1" fill="hold">
+                                          <p:stCondLst>
+                                            <p:cond delay="0"/>
+                                          </p:stCondLst>
+                                        </p:cTn>
+                                        <p:tgtEl>
+                                          <p:spTgt spid="14"/>
+                                        </p:tgtEl>
+                                        <p:attrNameLst>
+                                          <p:attrName>style.visibility</p:attrName>
+                                        </p:attrNameLst>
+                                      </p:cBhvr>
+                                      <p:to>
+                                        <p:strVal val="visible"/>
+                                      </p:to>
+                                    </p:set>
+                                    <p:animEffect transition="in" filter="fade">
+                                      <p:cBhvr>
+                                        <p:cTn id="22" dur="1000"/>
+                                        <p:tgtEl>
+                                          <p:spTgt spid="14"/>
+                                        </p:tgtEl>
+                                      </p:cBhvr>
+                                    </p:animEffect>
+                                  </p:childTnLst>
+                                </p:cTn>
+                              </p:par>
+                              <p:par>
+                                <p:cTn id="23" presetID="10" presetClass="entr" presetSubtype="0" fill="hold" grpId="0" nodeType="withEffect">
+                                  <p:stCondLst>
+                                    <p:cond delay="500"/>
+                                  </p:stCondLst>
+                                  <p:childTnLst>
+                                    <p:set>
+                                      <p:cBhvr>
+                                        <p:cTn id="24" dur="1" fill="hold">
+                                          <p:stCondLst>
+                                            <p:cond delay="0"/>
+                                          </p:stCondLst>
+                                        </p:cTn>
+                                        <p:tgtEl>
+                                          <p:spTgt spid="8"/>
+                                        </p:tgtEl>
+                                        <p:attrNameLst>
+                                          <p:attrName>style.visibility</p:attrName>
+                                        </p:attrNameLst>
+                                      </p:cBhvr>
+                                      <p:to>
+                                        <p:strVal val="visible"/>
+                                      </p:to>
+                                    </p:set>
+                                    <p:animEffect transition="in" filter="fade">
+                                      <p:cBhvr>
+                                        <p:cTn id="25" dur="500"/>
+                                        <p:tgtEl>
+                                          <p:spTgt spid="8"/>
+                                        </p:tgtEl>
+                                      </p:cBhvr>
+                                    </p:animEffect>
+                                  </p:childTnLst>
+                                </p:cTn>
+                              </p:par>
+                            </p:childTnLst>
+                          </p:cTn>
+                        </p:par>
+                      </p:childTnLst>
+                    </p:cTn>
+                  </p:par>
+                </p:childTnLst>
+              </p:cTn>
+              <p:prevCondLst>
+                <p:cond evt="onPrev" delay="0">
+                  <p:tgtEl>
+                    <p:sldTgt/>
+                  </p:tgtEl>
+                </p:cond>
+              </p:prevCondLst>
+              <p:nextCondLst>
+                <p:cond evt="onNext" delay="0">
+                  <p:tgtEl>
+                    <p:sldTgt/>
+                  </p:tgtEl>
+                </p:cond>
+              </p:nextCondLst>
+            </p:seq>
+          </p:childTnLst>
+        </p:cTn>
+      </p:par>
+    </p:tnLst>
+    <p:bldLst>
+      <p:bldP spid="22" grpId="0"/>
+      <p:bldP spid="8" grpId="0" animBg="1"/>
+      <p:bldP spid="14" grpId="0" animBg="1"/>
+    </p:bldLst>
+  </p:timing>
+</p:sld>
+</file>
+
+<file path=ppt/slides/slide14.xml><?xml version="1.0" encoding="utf-8"?>
+<p:sld xmlns:a="http://schemas.openxmlformats.org/drawingml/2006/main" xmlns:r="http://schemas.openxmlformats.org/officeDocument/2006/relationships" xmlns:p="http://schemas.openxmlformats.org/presentationml/2006/main">
+  <p:cSld>
+    <p:spTree>
+      <p:nvGrpSpPr>
+        <p:cNvPr id="1" name=""/>
+        <p:cNvGrpSpPr/>
+        <p:nvPr/>
+      </p:nvGrpSpPr>
+      <p:grpSpPr>
+        <a:xfrm>
+          <a:off x="0" y="0"/>
+          <a:ext cx="0" cy="0"/>
+          <a:chOff x="0" y="0"/>
+          <a:chExt cx="0" cy="0"/>
+        </a:xfrm>
+      </p:grpSpPr>
+      <p:sp>
+        <p:nvSpPr>
           <p:cNvPr id="2" name="Title 1">
             <a:extLst>
               <a:ext uri="{FF2B5EF4-FFF2-40B4-BE49-F238E27FC236}">
@@ -14384,7 +15347,7 @@
 </p:sld>
 </file>
 
-<file path=ppt/slides/slide14.xml><?xml version="1.0" encoding="utf-8"?>
+<file path=ppt/slides/slide15.xml><?xml version="1.0" encoding="utf-8"?>
 <p:sld xmlns:a="http://schemas.openxmlformats.org/drawingml/2006/main" xmlns:r="http://schemas.openxmlformats.org/officeDocument/2006/relationships" xmlns:p="http://schemas.openxmlformats.org/presentationml/2006/main">
   <p:cSld>
     <p:spTree>
@@ -14489,7 +15452,7 @@
 </p:sld>
 </file>
 
-<file path=ppt/slides/slide15.xml><?xml version="1.0" encoding="utf-8"?>
+<file path=ppt/slides/slide16.xml><?xml version="1.0" encoding="utf-8"?>
 <p:sld xmlns:a="http://schemas.openxmlformats.org/drawingml/2006/main" xmlns:r="http://schemas.openxmlformats.org/officeDocument/2006/relationships" xmlns:p="http://schemas.openxmlformats.org/presentationml/2006/main">
   <p:cSld>
     <p:spTree>
@@ -14594,7 +15557,7 @@
 </p:sld>
 </file>
 
-<file path=ppt/slides/slide16.xml><?xml version="1.0" encoding="utf-8"?>
+<file path=ppt/slides/slide17.xml><?xml version="1.0" encoding="utf-8"?>
 <p:sld xmlns:a="http://schemas.openxmlformats.org/drawingml/2006/main" xmlns:r="http://schemas.openxmlformats.org/officeDocument/2006/relationships" xmlns:p="http://schemas.openxmlformats.org/presentationml/2006/main">
   <p:cSld>
     <p:spTree>
@@ -14742,111 +15705,6 @@
 </p:sld>
 </file>
 
-<file path=ppt/slides/slide17.xml><?xml version="1.0" encoding="utf-8"?>
-<p:sld xmlns:a="http://schemas.openxmlformats.org/drawingml/2006/main" xmlns:r="http://schemas.openxmlformats.org/officeDocument/2006/relationships" xmlns:p="http://schemas.openxmlformats.org/presentationml/2006/main">
-  <p:cSld>
-    <p:spTree>
-      <p:nvGrpSpPr>
-        <p:cNvPr id="1" name=""/>
-        <p:cNvGrpSpPr/>
-        <p:nvPr/>
-      </p:nvGrpSpPr>
-      <p:grpSpPr>
-        <a:xfrm>
-          <a:off x="0" y="0"/>
-          <a:ext cx="0" cy="0"/>
-          <a:chOff x="0" y="0"/>
-          <a:chExt cx="0" cy="0"/>
-        </a:xfrm>
-      </p:grpSpPr>
-      <p:sp>
-        <p:nvSpPr>
-          <p:cNvPr id="2" name="Title 1">
-            <a:extLst>
-              <a:ext uri="{FF2B5EF4-FFF2-40B4-BE49-F238E27FC236}">
-                <a16:creationId xmlns:a16="http://schemas.microsoft.com/office/drawing/2014/main" id="{9C5E42EE-EA5D-4203-B1EC-B96B68D2A8EA}"/>
-              </a:ext>
-            </a:extLst>
-          </p:cNvPr>
-          <p:cNvSpPr>
-            <a:spLocks noGrp="1"/>
-          </p:cNvSpPr>
-          <p:nvPr>
-            <p:ph type="title"/>
-          </p:nvPr>
-        </p:nvSpPr>
-        <p:spPr/>
-        <p:txBody>
-          <a:bodyPr>
-            <a:normAutofit/>
-          </a:bodyPr>
-          <a:lstStyle/>
-          <a:p>
-            <a:pPr rtl="0" eaLnBrk="1" latinLnBrk="0" hangingPunct="1"/>
-            <a:r>
-              <a:rPr lang="en-US" sz="3600" b="0" i="0" kern="1200" baseline="0" dirty="0">
-                <a:solidFill>
-                  <a:schemeClr val="tx1">
-                    <a:lumMod val="85000"/>
-                    <a:lumOff val="15000"/>
-                  </a:schemeClr>
-                </a:solidFill>
-                <a:effectLst/>
-                <a:latin typeface="+mj-lt"/>
-                <a:ea typeface="+mj-ea"/>
-                <a:cs typeface="+mj-cs"/>
-              </a:rPr>
-              <a:t>Overcome Challenges</a:t>
-            </a:r>
-            <a:endParaRPr lang="en-US" sz="4400" dirty="0">
-              <a:effectLst/>
-            </a:endParaRPr>
-          </a:p>
-        </p:txBody>
-      </p:sp>
-      <p:sp>
-        <p:nvSpPr>
-          <p:cNvPr id="3" name="Content Placeholder 2">
-            <a:extLst>
-              <a:ext uri="{FF2B5EF4-FFF2-40B4-BE49-F238E27FC236}">
-                <a16:creationId xmlns:a16="http://schemas.microsoft.com/office/drawing/2014/main" id="{044B4F6E-A639-47F4-91A5-68807265D618}"/>
-              </a:ext>
-            </a:extLst>
-          </p:cNvPr>
-          <p:cNvSpPr>
-            <a:spLocks noGrp="1"/>
-          </p:cNvSpPr>
-          <p:nvPr>
-            <p:ph idx="1"/>
-          </p:nvPr>
-        </p:nvSpPr>
-        <p:spPr>
-          <a:xfrm>
-            <a:off x="2589211" y="1451113"/>
-            <a:ext cx="9079327" cy="5068957"/>
-          </a:xfrm>
-        </p:spPr>
-        <p:txBody>
-          <a:bodyPr/>
-          <a:lstStyle/>
-          <a:p>
-            <a:endParaRPr lang="en-US" dirty="0"/>
-          </a:p>
-        </p:txBody>
-      </p:sp>
-    </p:spTree>
-    <p:extLst>
-      <p:ext uri="{BB962C8B-B14F-4D97-AF65-F5344CB8AC3E}">
-        <p14:creationId xmlns:p14="http://schemas.microsoft.com/office/powerpoint/2010/main" val="2805820393"/>
-      </p:ext>
-    </p:extLst>
-  </p:cSld>
-  <p:clrMapOvr>
-    <a:masterClrMapping/>
-  </p:clrMapOvr>
-</p:sld>
-</file>
-
 <file path=ppt/slides/slide18.xml><?xml version="1.0" encoding="utf-8"?>
 <p:sld xmlns:a="http://schemas.openxmlformats.org/drawingml/2006/main" xmlns:r="http://schemas.openxmlformats.org/officeDocument/2006/relationships" xmlns:p="http://schemas.openxmlformats.org/presentationml/2006/main">
   <p:cSld>
@@ -14887,6 +15745,7 @@
           </a:bodyPr>
           <a:lstStyle/>
           <a:p>
+            <a:pPr rtl="0" eaLnBrk="1" latinLnBrk="0" hangingPunct="1"/>
             <a:r>
               <a:rPr lang="en-US" sz="3600" b="0" i="0" kern="1200" baseline="0" dirty="0">
                 <a:solidFill>
@@ -14900,9 +15759,11 @@
                 <a:ea typeface="+mj-ea"/>
                 <a:cs typeface="+mj-cs"/>
               </a:rPr>
-              <a:t>Deliverable &amp; Results (2)</a:t>
-            </a:r>
-            <a:endParaRPr lang="en-US" sz="2800" dirty="0"/>
+              <a:t>Overcome Challenges</a:t>
+            </a:r>
+            <a:endParaRPr lang="en-US" sz="4400" dirty="0">
+              <a:effectLst/>
+            </a:endParaRPr>
           </a:p>
         </p:txBody>
       </p:sp>
@@ -14939,7 +15800,7 @@
     </p:spTree>
     <p:extLst>
       <p:ext uri="{BB962C8B-B14F-4D97-AF65-F5344CB8AC3E}">
-        <p14:creationId xmlns:p14="http://schemas.microsoft.com/office/powerpoint/2010/main" val="821675052"/>
+        <p14:creationId xmlns:p14="http://schemas.microsoft.com/office/powerpoint/2010/main" val="2805820393"/>
       </p:ext>
     </p:extLst>
   </p:cSld>
@@ -14989,7 +15850,6 @@
           </a:bodyPr>
           <a:lstStyle/>
           <a:p>
-            <a:pPr rtl="0" eaLnBrk="1" latinLnBrk="0" hangingPunct="1"/>
             <a:r>
               <a:rPr lang="en-US" sz="3600" b="0" i="0" kern="1200" baseline="0" dirty="0">
                 <a:solidFill>
@@ -15003,11 +15863,9 @@
                 <a:ea typeface="+mj-ea"/>
                 <a:cs typeface="+mj-cs"/>
               </a:rPr>
-              <a:t>Learnings &amp; Growths</a:t>
-            </a:r>
-            <a:endParaRPr lang="en-US" sz="4400" dirty="0">
-              <a:effectLst/>
-            </a:endParaRPr>
+              <a:t>Deliverable &amp; Results (2)</a:t>
+            </a:r>
+            <a:endParaRPr lang="en-US" sz="2800" dirty="0"/>
           </a:p>
         </p:txBody>
       </p:sp>
@@ -15044,7 +15902,7 @@
     </p:spTree>
     <p:extLst>
       <p:ext uri="{BB962C8B-B14F-4D97-AF65-F5344CB8AC3E}">
-        <p14:creationId xmlns:p14="http://schemas.microsoft.com/office/powerpoint/2010/main" val="3042754836"/>
+        <p14:creationId xmlns:p14="http://schemas.microsoft.com/office/powerpoint/2010/main" val="821675052"/>
       </p:ext>
     </p:extLst>
   </p:cSld>
@@ -15823,7 +16681,7 @@
                 <a:ea typeface="+mj-ea"/>
                 <a:cs typeface="+mj-cs"/>
               </a:rPr>
-              <a:t>Outcomes</a:t>
+              <a:t>Learnings &amp; Growths</a:t>
             </a:r>
             <a:endParaRPr lang="en-US" sz="4400" dirty="0">
               <a:effectLst/>
@@ -15864,7 +16722,7 @@
     </p:spTree>
     <p:extLst>
       <p:ext uri="{BB962C8B-B14F-4D97-AF65-F5344CB8AC3E}">
-        <p14:creationId xmlns:p14="http://schemas.microsoft.com/office/powerpoint/2010/main" val="2229688103"/>
+        <p14:creationId xmlns:p14="http://schemas.microsoft.com/office/powerpoint/2010/main" val="3042754836"/>
       </p:ext>
     </p:extLst>
   </p:cSld>
@@ -15928,7 +16786,7 @@
                 <a:ea typeface="+mj-ea"/>
                 <a:cs typeface="+mj-cs"/>
               </a:rPr>
-              <a:t>Procedure</a:t>
+              <a:t>Outcomes</a:t>
             </a:r>
             <a:endParaRPr lang="en-US" sz="4400" dirty="0">
               <a:effectLst/>
@@ -15969,7 +16827,7 @@
     </p:spTree>
     <p:extLst>
       <p:ext uri="{BB962C8B-B14F-4D97-AF65-F5344CB8AC3E}">
-        <p14:creationId xmlns:p14="http://schemas.microsoft.com/office/powerpoint/2010/main" val="3600086102"/>
+        <p14:creationId xmlns:p14="http://schemas.microsoft.com/office/powerpoint/2010/main" val="2229688103"/>
       </p:ext>
     </p:extLst>
   </p:cSld>
@@ -16033,6 +16891,111 @@
                 <a:ea typeface="+mj-ea"/>
                 <a:cs typeface="+mj-cs"/>
               </a:rPr>
+              <a:t>Procedure</a:t>
+            </a:r>
+            <a:endParaRPr lang="en-US" sz="4400" dirty="0">
+              <a:effectLst/>
+            </a:endParaRPr>
+          </a:p>
+        </p:txBody>
+      </p:sp>
+      <p:sp>
+        <p:nvSpPr>
+          <p:cNvPr id="3" name="Content Placeholder 2">
+            <a:extLst>
+              <a:ext uri="{FF2B5EF4-FFF2-40B4-BE49-F238E27FC236}">
+                <a16:creationId xmlns:a16="http://schemas.microsoft.com/office/drawing/2014/main" id="{044B4F6E-A639-47F4-91A5-68807265D618}"/>
+              </a:ext>
+            </a:extLst>
+          </p:cNvPr>
+          <p:cNvSpPr>
+            <a:spLocks noGrp="1"/>
+          </p:cNvSpPr>
+          <p:nvPr>
+            <p:ph idx="1"/>
+          </p:nvPr>
+        </p:nvSpPr>
+        <p:spPr>
+          <a:xfrm>
+            <a:off x="2589211" y="1451113"/>
+            <a:ext cx="9079327" cy="5068957"/>
+          </a:xfrm>
+        </p:spPr>
+        <p:txBody>
+          <a:bodyPr/>
+          <a:lstStyle/>
+          <a:p>
+            <a:endParaRPr lang="en-US" dirty="0"/>
+          </a:p>
+        </p:txBody>
+      </p:sp>
+    </p:spTree>
+    <p:extLst>
+      <p:ext uri="{BB962C8B-B14F-4D97-AF65-F5344CB8AC3E}">
+        <p14:creationId xmlns:p14="http://schemas.microsoft.com/office/powerpoint/2010/main" val="3600086102"/>
+      </p:ext>
+    </p:extLst>
+  </p:cSld>
+  <p:clrMapOvr>
+    <a:masterClrMapping/>
+  </p:clrMapOvr>
+</p:sld>
+</file>
+
+<file path=ppt/slides/slide23.xml><?xml version="1.0" encoding="utf-8"?>
+<p:sld xmlns:a="http://schemas.openxmlformats.org/drawingml/2006/main" xmlns:r="http://schemas.openxmlformats.org/officeDocument/2006/relationships" xmlns:p="http://schemas.openxmlformats.org/presentationml/2006/main">
+  <p:cSld>
+    <p:spTree>
+      <p:nvGrpSpPr>
+        <p:cNvPr id="1" name=""/>
+        <p:cNvGrpSpPr/>
+        <p:nvPr/>
+      </p:nvGrpSpPr>
+      <p:grpSpPr>
+        <a:xfrm>
+          <a:off x="0" y="0"/>
+          <a:ext cx="0" cy="0"/>
+          <a:chOff x="0" y="0"/>
+          <a:chExt cx="0" cy="0"/>
+        </a:xfrm>
+      </p:grpSpPr>
+      <p:sp>
+        <p:nvSpPr>
+          <p:cNvPr id="2" name="Title 1">
+            <a:extLst>
+              <a:ext uri="{FF2B5EF4-FFF2-40B4-BE49-F238E27FC236}">
+                <a16:creationId xmlns:a16="http://schemas.microsoft.com/office/drawing/2014/main" id="{9C5E42EE-EA5D-4203-B1EC-B96B68D2A8EA}"/>
+              </a:ext>
+            </a:extLst>
+          </p:cNvPr>
+          <p:cNvSpPr>
+            <a:spLocks noGrp="1"/>
+          </p:cNvSpPr>
+          <p:nvPr>
+            <p:ph type="title"/>
+          </p:nvPr>
+        </p:nvSpPr>
+        <p:spPr/>
+        <p:txBody>
+          <a:bodyPr>
+            <a:normAutofit/>
+          </a:bodyPr>
+          <a:lstStyle/>
+          <a:p>
+            <a:pPr rtl="0" eaLnBrk="1" latinLnBrk="0" hangingPunct="1"/>
+            <a:r>
+              <a:rPr lang="en-US" sz="3600" b="0" i="0" kern="1200" baseline="0" dirty="0">
+                <a:solidFill>
+                  <a:schemeClr val="tx1">
+                    <a:lumMod val="85000"/>
+                    <a:lumOff val="15000"/>
+                  </a:schemeClr>
+                </a:solidFill>
+                <a:effectLst/>
+                <a:latin typeface="+mj-lt"/>
+                <a:ea typeface="+mj-ea"/>
+                <a:cs typeface="+mj-cs"/>
+              </a:rPr>
               <a:t>Pivotal Value Statement </a:t>
             </a:r>
             <a:endParaRPr lang="en-US" sz="4400" dirty="0">
@@ -16084,7 +17047,7 @@
 </p:sld>
 </file>
 
-<file path=ppt/slides/slide23.xml><?xml version="1.0" encoding="utf-8"?>
+<file path=ppt/slides/slide24.xml><?xml version="1.0" encoding="utf-8"?>
 <p:sld xmlns:a="http://schemas.openxmlformats.org/drawingml/2006/main" xmlns:r="http://schemas.openxmlformats.org/officeDocument/2006/relationships" xmlns:p="http://schemas.openxmlformats.org/presentationml/2006/main">
   <p:cSld>
     <p:spTree>
@@ -16296,15 +17259,7 @@
             <a:pPr algn="ctr"/>
             <a:r>
               <a:rPr lang="en-US" dirty="0"/>
-              <a:t>The edge analytics solution, for continuous commissioning and monitoring of fault detection </a:t>
-            </a:r>
-            <a:r>
-              <a:rPr lang="en-US" dirty="0" err="1"/>
-              <a:t>forf</a:t>
-            </a:r>
-            <a:r>
-              <a:rPr lang="en-US" dirty="0"/>
-              <a:t> electric motor &amp; power transformer assets</a:t>
+              <a:t>The edge analytics solution, for continuous commissioning and monitoring of fault detection for electric motor &amp; power transformer assets</a:t>
             </a:r>
           </a:p>
         </p:txBody>
@@ -16557,28 +17512,28 @@
           <a:p>
             <a:r>
               <a:rPr lang="en-US" dirty="0"/>
-              <a:t>Stabilization &amp; path forward</a:t>
+              <a:t>Embedded Design Work</a:t>
             </a:r>
           </a:p>
           <a:p>
             <a:pPr lvl="1"/>
             <a:r>
               <a:rPr lang="en-US" dirty="0"/>
-              <a:t>Firmware Architecture &amp; Path to Market</a:t>
+              <a:t>Board Revisions</a:t>
             </a:r>
           </a:p>
           <a:p>
             <a:pPr lvl="1"/>
             <a:r>
               <a:rPr lang="en-US" dirty="0"/>
-              <a:t>Board Revisions</a:t>
+              <a:t>Feature Integration</a:t>
             </a:r>
           </a:p>
           <a:p>
             <a:pPr lvl="1"/>
             <a:r>
               <a:rPr lang="en-US" dirty="0"/>
-              <a:t>Feature Integration &amp; Design Simplification</a:t>
+              <a:t>Firmware Architecture</a:t>
             </a:r>
           </a:p>
           <a:p>
@@ -16586,6 +17541,26 @@
               <a:buNone/>
             </a:pPr>
             <a:endParaRPr lang="en-US" dirty="0"/>
+          </a:p>
+          <a:p>
+            <a:r>
+              <a:rPr lang="en-US" dirty="0"/>
+              <a:t>Stabilization</a:t>
+            </a:r>
+          </a:p>
+          <a:p>
+            <a:pPr lvl="1"/>
+            <a:r>
+              <a:rPr lang="en-US" dirty="0"/>
+              <a:t>Design Simplification</a:t>
+            </a:r>
+          </a:p>
+          <a:p>
+            <a:pPr lvl="1"/>
+            <a:r>
+              <a:rPr lang="en-US" dirty="0"/>
+              <a:t>Path to Market</a:t>
+            </a:r>
           </a:p>
         </p:txBody>
       </p:sp>
@@ -18033,6 +19008,41 @@
             <a:r>
               <a:rPr lang="en-US" dirty="0"/>
               <a:t>Board Modularization</a:t>
+            </a:r>
+          </a:p>
+        </p:txBody>
+      </p:sp>
+      <p:sp>
+        <p:nvSpPr>
+          <p:cNvPr id="4" name="TextBox 3">
+            <a:extLst>
+              <a:ext uri="{FF2B5EF4-FFF2-40B4-BE49-F238E27FC236}">
+                <a16:creationId xmlns:a16="http://schemas.microsoft.com/office/drawing/2014/main" id="{9770E7A6-2142-40F2-9A2C-569620533CB7}"/>
+              </a:ext>
+            </a:extLst>
+          </p:cNvPr>
+          <p:cNvSpPr txBox="1"/>
+          <p:nvPr/>
+        </p:nvSpPr>
+        <p:spPr>
+          <a:xfrm>
+            <a:off x="7922383" y="4746924"/>
+            <a:ext cx="2109873" cy="369332"/>
+          </a:xfrm>
+          <a:prstGeom prst="rect">
+            <a:avLst/>
+          </a:prstGeom>
+          <a:noFill/>
+        </p:spPr>
+        <p:txBody>
+          <a:bodyPr wrap="none" rtlCol="0">
+            <a:spAutoFit/>
+          </a:bodyPr>
+          <a:lstStyle/>
+          <a:p>
+            <a:r>
+              <a:rPr lang="en-US" dirty="0"/>
+              <a:t>DTECTS 1.0 (2017)</a:t>
             </a:r>
           </a:p>
         </p:txBody>
